--- a/presentation_materials/vision_transformers.pptx
+++ b/presentation_materials/vision_transformers.pptx
@@ -118,6 +118,11 @@
       </a:defRPr>
     </a:lvl9pPr>
   </p:defaultTextStyle>
+  <p:extLst>
+    <p:ext uri="{EFAFB233-063F-42B5-8137-9DF3F51BA10A}">
+      <p15:sldGuideLst xmlns:p15="http://schemas.microsoft.com/office/powerpoint/2012/main"/>
+    </p:ext>
+  </p:extLst>
 </p:presentation>
 </file>
 
@@ -270,7 +275,7 @@
           <a:p>
             <a:fld id="{4833E7F1-E723-EE41-B5FB-08192675C44B}" type="datetimeFigureOut">
               <a:rPr lang="en-US" smtClean="0"/>
-              <a:t>8/2/25</a:t>
+              <a:t>8/3/25</a:t>
             </a:fld>
             <a:endParaRPr lang="en-US"/>
           </a:p>
@@ -470,7 +475,7 @@
           <a:p>
             <a:fld id="{4833E7F1-E723-EE41-B5FB-08192675C44B}" type="datetimeFigureOut">
               <a:rPr lang="en-US" smtClean="0"/>
-              <a:t>8/2/25</a:t>
+              <a:t>8/3/25</a:t>
             </a:fld>
             <a:endParaRPr lang="en-US"/>
           </a:p>
@@ -680,7 +685,7 @@
           <a:p>
             <a:fld id="{4833E7F1-E723-EE41-B5FB-08192675C44B}" type="datetimeFigureOut">
               <a:rPr lang="en-US" smtClean="0"/>
-              <a:t>8/2/25</a:t>
+              <a:t>8/3/25</a:t>
             </a:fld>
             <a:endParaRPr lang="en-US"/>
           </a:p>
@@ -880,7 +885,7 @@
           <a:p>
             <a:fld id="{4833E7F1-E723-EE41-B5FB-08192675C44B}" type="datetimeFigureOut">
               <a:rPr lang="en-US" smtClean="0"/>
-              <a:t>8/2/25</a:t>
+              <a:t>8/3/25</a:t>
             </a:fld>
             <a:endParaRPr lang="en-US"/>
           </a:p>
@@ -1156,7 +1161,7 @@
           <a:p>
             <a:fld id="{4833E7F1-E723-EE41-B5FB-08192675C44B}" type="datetimeFigureOut">
               <a:rPr lang="en-US" smtClean="0"/>
-              <a:t>8/2/25</a:t>
+              <a:t>8/3/25</a:t>
             </a:fld>
             <a:endParaRPr lang="en-US"/>
           </a:p>
@@ -1424,7 +1429,7 @@
           <a:p>
             <a:fld id="{4833E7F1-E723-EE41-B5FB-08192675C44B}" type="datetimeFigureOut">
               <a:rPr lang="en-US" smtClean="0"/>
-              <a:t>8/2/25</a:t>
+              <a:t>8/3/25</a:t>
             </a:fld>
             <a:endParaRPr lang="en-US"/>
           </a:p>
@@ -1839,7 +1844,7 @@
           <a:p>
             <a:fld id="{4833E7F1-E723-EE41-B5FB-08192675C44B}" type="datetimeFigureOut">
               <a:rPr lang="en-US" smtClean="0"/>
-              <a:t>8/2/25</a:t>
+              <a:t>8/3/25</a:t>
             </a:fld>
             <a:endParaRPr lang="en-US"/>
           </a:p>
@@ -1981,7 +1986,7 @@
           <a:p>
             <a:fld id="{4833E7F1-E723-EE41-B5FB-08192675C44B}" type="datetimeFigureOut">
               <a:rPr lang="en-US" smtClean="0"/>
-              <a:t>8/2/25</a:t>
+              <a:t>8/3/25</a:t>
             </a:fld>
             <a:endParaRPr lang="en-US"/>
           </a:p>
@@ -2094,7 +2099,7 @@
           <a:p>
             <a:fld id="{4833E7F1-E723-EE41-B5FB-08192675C44B}" type="datetimeFigureOut">
               <a:rPr lang="en-US" smtClean="0"/>
-              <a:t>8/2/25</a:t>
+              <a:t>8/3/25</a:t>
             </a:fld>
             <a:endParaRPr lang="en-US"/>
           </a:p>
@@ -2407,7 +2412,7 @@
           <a:p>
             <a:fld id="{4833E7F1-E723-EE41-B5FB-08192675C44B}" type="datetimeFigureOut">
               <a:rPr lang="en-US" smtClean="0"/>
-              <a:t>8/2/25</a:t>
+              <a:t>8/3/25</a:t>
             </a:fld>
             <a:endParaRPr lang="en-US"/>
           </a:p>
@@ -2696,7 +2701,7 @@
           <a:p>
             <a:fld id="{4833E7F1-E723-EE41-B5FB-08192675C44B}" type="datetimeFigureOut">
               <a:rPr lang="en-US" smtClean="0"/>
-              <a:t>8/2/25</a:t>
+              <a:t>8/3/25</a:t>
             </a:fld>
             <a:endParaRPr lang="en-US"/>
           </a:p>
@@ -2939,7 +2944,7 @@
           <a:p>
             <a:fld id="{4833E7F1-E723-EE41-B5FB-08192675C44B}" type="datetimeFigureOut">
               <a:rPr lang="en-US" smtClean="0"/>
-              <a:t>8/2/25</a:t>
+              <a:t>8/3/25</a:t>
             </a:fld>
             <a:endParaRPr lang="en-US"/>
           </a:p>
@@ -3379,7 +3384,7 @@
           <a:p>
             <a:r>
               <a:rPr lang="en-AU" b="1" dirty="0"/>
-              <a:t>Vision Transformers for Information Extraction?</a:t>
+              <a:t>LMMs for Information Extraction?</a:t>
             </a:r>
             <a:endParaRPr lang="en-US" dirty="0"/>
           </a:p>
@@ -3410,21 +3415,17 @@
           <a:p>
             <a:r>
               <a:rPr lang="en-AU" b="1" dirty="0"/>
-              <a:t>Business Context</a:t>
-            </a:r>
-            <a:r>
-              <a:rPr lang="en-AU" dirty="0"/>
-              <a:t>: Information Extraction within the SSD-DU Pipeline</a:t>
-            </a:r>
-          </a:p>
-          <a:p>
-            <a:r>
-              <a:rPr lang="en-AU" b="1" dirty="0"/>
-              <a:t>Notes</a:t>
-            </a:r>
-            <a:r>
-              <a:rPr lang="en-AU" dirty="0"/>
-              <a:t>: Welcome everyone. Today we're exploring a critical technology decision that could transform how we process tax document substantiation.</a:t>
+              <a:t>Context</a:t>
+            </a:r>
+            <a:r>
+              <a:rPr lang="en-AU" dirty="0"/>
+              <a:t>: PI45 The Large Multimodal Model Proof of Concept (LMM PoC)</a:t>
+            </a:r>
+          </a:p>
+          <a:p>
+            <a:r>
+              <a:rPr lang="en-AU" dirty="0"/>
+              <a:t>Information Extraction within the SSD-DU Pipeline using VLMs</a:t>
             </a:r>
           </a:p>
           <a:p>
@@ -3434,15 +3435,7 @@
             </a:r>
             <a:r>
               <a:rPr lang="en-AU" dirty="0"/>
-              <a:t>: During </a:t>
-            </a:r>
-            <a:r>
-              <a:rPr lang="en-AU" dirty="0" err="1"/>
-              <a:t>taxtime</a:t>
-            </a:r>
-            <a:r>
-              <a:rPr lang="en-AU" dirty="0"/>
-              <a:t>, the ATO processes thousands of expense claim documents daily. Taxpayers submit receipts, invoices, and statements to support their deductions, and audit officers must verify these claims by extracting key information from each document.</a:t>
+              <a:t>: During Tax Time, the SSD-DU Pipeline processes thousands of WRE expense claim documents daily. Taxpayers submit receipts, invoices, and statements to support their deductions, and audit officers must verify these claims by extracting key information from each document.</a:t>
             </a:r>
           </a:p>
           <a:p>
@@ -3452,7 +3445,7 @@
             </a:r>
             <a:r>
               <a:rPr lang="en-AU" dirty="0"/>
-              <a:t>: This information extraction is currently automated using </a:t>
+              <a:t>: The Information Extraction is currently automated using </a:t>
             </a:r>
             <a:r>
               <a:rPr lang="en-AU" dirty="0" err="1"/>
@@ -3466,7 +3459,7 @@
           <a:p>
             <a:r>
               <a:rPr lang="en-AU" b="1" dirty="0"/>
-              <a:t>Today's Question</a:t>
+              <a:t>LLM PoC Question</a:t>
             </a:r>
             <a:r>
               <a:rPr lang="en-AU" dirty="0"/>
@@ -6651,4 +6644,24 @@
     </a:ext>
   </a:extLst>
 </a:theme>
+</file>
+
+<file path=ppt/webextensions/taskpanes.xml><?xml version="1.0" encoding="utf-8"?>
+<wetp:taskpanes xmlns:wetp="http://schemas.microsoft.com/office/webextensions/taskpanes/2010/11">
+  <wetp:taskpane dockstate="right" visibility="0" width="350" row="0">
+    <wetp:webextensionref xmlns:r="http://schemas.openxmlformats.org/officeDocument/2006/relationships" r:id="rId1"/>
+  </wetp:taskpane>
+</wetp:taskpanes>
+</file>
+
+<file path=ppt/webextensions/webextension1.xml><?xml version="1.0" encoding="utf-8"?>
+<we:webextension xmlns:we="http://schemas.microsoft.com/office/webextensions/webextension/2010/11" id="{253879D2-680A-EE40-8364-667810F27185}">
+  <we:reference id="wa200006214" version="1.0.0.0" store="en-GB" storeType="OMEX"/>
+  <we:alternateReferences>
+    <we:reference id="WA200006214" version="1.0.0.0" store="WA200006214" storeType="OMEX"/>
+  </we:alternateReferences>
+  <we:properties/>
+  <we:bindings/>
+  <we:snapshot xmlns:r="http://schemas.openxmlformats.org/officeDocument/2006/relationships"/>
+</we:webextension>
 </file>
--- a/presentation_materials/vision_transformers.pptx
+++ b/presentation_materials/vision_transformers.pptx
@@ -8,8 +8,8 @@
     <p:sldId id="258" r:id="rId2"/>
     <p:sldId id="260" r:id="rId3"/>
     <p:sldId id="262" r:id="rId4"/>
-    <p:sldId id="263" r:id="rId5"/>
-    <p:sldId id="266" r:id="rId6"/>
+    <p:sldId id="276" r:id="rId5"/>
+    <p:sldId id="277" r:id="rId6"/>
     <p:sldId id="264" r:id="rId7"/>
     <p:sldId id="267" r:id="rId8"/>
     <p:sldId id="273" r:id="rId9"/>
@@ -5195,7 +5195,7 @@
           <p:cNvPr id="2" name="Title 1">
             <a:extLst>
               <a:ext uri="{FF2B5EF4-FFF2-40B4-BE49-F238E27FC236}">
-                <a16:creationId xmlns:a16="http://schemas.microsoft.com/office/drawing/2014/main" id="{4FC45C01-366D-BC21-AEFC-7B975A99157D}"/>
+                <a16:creationId xmlns:a16="http://schemas.microsoft.com/office/drawing/2014/main" id="{7E573CBD-6ACA-7449-6049-B29BED0BF12C}"/>
               </a:ext>
             </a:extLst>
           </p:cNvPr>
@@ -5219,113 +5219,39 @@
           </a:p>
         </p:txBody>
       </p:sp>
-      <p:sp>
-        <p:nvSpPr>
-          <p:cNvPr id="3" name="Content Placeholder 2">
-            <a:extLst>
-              <a:ext uri="{FF2B5EF4-FFF2-40B4-BE49-F238E27FC236}">
-                <a16:creationId xmlns:a16="http://schemas.microsoft.com/office/drawing/2014/main" id="{2AAEF0C2-3AFE-FFB3-613A-60C2BA07BE23}"/>
-              </a:ext>
-            </a:extLst>
-          </p:cNvPr>
-          <p:cNvSpPr>
-            <a:spLocks noGrp="1"/>
-          </p:cNvSpPr>
+      <p:pic>
+        <p:nvPicPr>
+          <p:cNvPr id="5" name="Content Placeholder 4">
+            <a:extLst>
+              <a:ext uri="{FF2B5EF4-FFF2-40B4-BE49-F238E27FC236}">
+                <a16:creationId xmlns:a16="http://schemas.microsoft.com/office/drawing/2014/main" id="{CFDB5C44-56FF-A017-98BF-9CCE21AA8121}"/>
+              </a:ext>
+            </a:extLst>
+          </p:cNvPr>
+          <p:cNvPicPr>
+            <a:picLocks noGrp="1" noChangeAspect="1"/>
+          </p:cNvPicPr>
           <p:nvPr>
             <p:ph idx="1"/>
           </p:nvPr>
-        </p:nvSpPr>
+        </p:nvPicPr>
+        <p:blipFill>
+          <a:blip r:embed="rId2"/>
+          <a:stretch>
+            <a:fillRect/>
+          </a:stretch>
+        </p:blipFill>
         <p:spPr>
           <a:xfrm>
-            <a:off x="838200" y="1825625"/>
-            <a:ext cx="10515600" cy="3114510"/>
+            <a:off x="838200" y="2177151"/>
+            <a:ext cx="10515600" cy="970399"/>
           </a:xfrm>
         </p:spPr>
-        <p:txBody>
-          <a:bodyPr/>
-          <a:lstStyle/>
-          <a:p>
-            <a:r>
-              <a:rPr lang="en-AU" b="1" dirty="0"/>
-              <a:t>Industry Timeline</a:t>
-            </a:r>
-            <a:r>
-              <a:rPr lang="en-AU" dirty="0"/>
-              <a:t> (Not ATO-specific):</a:t>
-            </a:r>
-          </a:p>
-          <a:p>
-            <a:r>
-              <a:rPr lang="en-AU" b="1" dirty="0"/>
-              <a:t>Pre-2018</a:t>
-            </a:r>
-            <a:r>
-              <a:rPr lang="en-AU" dirty="0"/>
-              <a:t>: OCR + Rule-based parsing</a:t>
-            </a:r>
-          </a:p>
-          <a:p>
-            <a:r>
-              <a:rPr lang="en-AU" b="1" dirty="0"/>
-              <a:t>2018-2020</a:t>
-            </a:r>
-            <a:r>
-              <a:rPr lang="en-AU" dirty="0"/>
-              <a:t>: CNN-based document analysis</a:t>
-            </a:r>
-          </a:p>
-          <a:p>
-            <a:r>
-              <a:rPr lang="en-AU" b="1" dirty="0"/>
-              <a:t>2020</a:t>
-            </a:r>
-            <a:r>
-              <a:rPr lang="en-AU" dirty="0"/>
-              <a:t>: </a:t>
-            </a:r>
-            <a:r>
-              <a:rPr lang="en-AU" dirty="0" err="1"/>
-              <a:t>LayoutLM</a:t>
-            </a:r>
-            <a:r>
-              <a:rPr lang="en-AU" dirty="0"/>
-              <a:t> - First transformer for documents</a:t>
-            </a:r>
-          </a:p>
-          <a:p>
-            <a:r>
-              <a:rPr lang="en-AU" b="1" dirty="0"/>
-              <a:t>2021-2023</a:t>
-            </a:r>
-            <a:r>
-              <a:rPr lang="en-AU" dirty="0"/>
-              <a:t>: LayoutLMv2, LayoutLMv3 iterations</a:t>
-            </a:r>
-          </a:p>
-          <a:p>
-            <a:r>
-              <a:rPr lang="en-AU" b="1" dirty="0"/>
-              <a:t>2023+</a:t>
-            </a:r>
-            <a:r>
-              <a:rPr lang="en-AU" dirty="0"/>
-              <a:t>: Vision-Language Models (</a:t>
-            </a:r>
-            <a:r>
-              <a:rPr lang="en-AU" dirty="0" err="1"/>
-              <a:t>InternVL</a:t>
-            </a:r>
-            <a:r>
-              <a:rPr lang="en-AU" dirty="0"/>
-              <a:t>, Llama-Vision)</a:t>
-            </a:r>
-          </a:p>
-        </p:txBody>
-      </p:sp>
+      </p:pic>
     </p:spTree>
     <p:extLst>
       <p:ext uri="{BB962C8B-B14F-4D97-AF65-F5344CB8AC3E}">
-        <p14:creationId xmlns:p14="http://schemas.microsoft.com/office/powerpoint/2010/main" val="3573844896"/>
+        <p14:creationId xmlns:p14="http://schemas.microsoft.com/office/powerpoint/2010/main" val="3786486015"/>
       </p:ext>
     </p:extLst>
   </p:cSld>
@@ -5357,7 +5283,7 @@
           <p:cNvPr id="2" name="Title 1">
             <a:extLst>
               <a:ext uri="{FF2B5EF4-FFF2-40B4-BE49-F238E27FC236}">
-                <a16:creationId xmlns:a16="http://schemas.microsoft.com/office/drawing/2014/main" id="{9B3E8269-00B7-81E1-BBB3-E0FE77307DFD}"/>
+                <a16:creationId xmlns:a16="http://schemas.microsoft.com/office/drawing/2014/main" id="{3E371FC9-6D97-845F-C08A-443AAE87B455}"/>
               </a:ext>
             </a:extLst>
           </p:cNvPr>
@@ -5374,12 +5300,8 @@
           <a:lstStyle/>
           <a:p>
             <a:r>
-              <a:rPr lang="en-AU" b="1" dirty="0" err="1"/>
-              <a:t>LayoutLM</a:t>
-            </a:r>
-            <a:r>
-              <a:rPr lang="en-AU" b="1" dirty="0"/>
-              <a:t> IE at the ATO</a:t>
+              <a:rPr lang="en-AU" b="1" dirty="0"/>
+              <a:t>LayoutLMv1 Critical Limitations</a:t>
             </a:r>
             <a:endParaRPr lang="en-US" dirty="0"/>
           </a:p>
@@ -5387,10 +5309,10 @@
       </p:sp>
       <p:pic>
         <p:nvPicPr>
-          <p:cNvPr id="5" name="Content Placeholder 4">
-            <a:extLst>
-              <a:ext uri="{FF2B5EF4-FFF2-40B4-BE49-F238E27FC236}">
-                <a16:creationId xmlns:a16="http://schemas.microsoft.com/office/drawing/2014/main" id="{3437AF88-C26E-496F-9327-5B32D6976E51}"/>
+          <p:cNvPr id="6" name="Content Placeholder 5" descr="A diagram of a diagram&#10;&#10;AI-generated content may be incorrect.">
+            <a:extLst>
+              <a:ext uri="{FF2B5EF4-FFF2-40B4-BE49-F238E27FC236}">
+                <a16:creationId xmlns:a16="http://schemas.microsoft.com/office/drawing/2014/main" id="{B1E4D399-616E-5E57-D6EA-E92A4E2521E1}"/>
               </a:ext>
             </a:extLst>
           </p:cNvPr>
@@ -5409,12 +5331,9 @@
         </p:blipFill>
         <p:spPr>
           <a:xfrm>
-            <a:off x="1066801" y="1825624"/>
-            <a:ext cx="4465498" cy="2486883"/>
+            <a:off x="838200" y="2092629"/>
+            <a:ext cx="5181600" cy="3817330"/>
           </a:xfrm>
-          <a:prstGeom prst="rect">
-            <a:avLst/>
-          </a:prstGeom>
         </p:spPr>
       </p:pic>
       <p:sp>
@@ -5422,7 +5341,7 @@
           <p:cNvPr id="4" name="Content Placeholder 3">
             <a:extLst>
               <a:ext uri="{FF2B5EF4-FFF2-40B4-BE49-F238E27FC236}">
-                <a16:creationId xmlns:a16="http://schemas.microsoft.com/office/drawing/2014/main" id="{4043A282-A154-BD12-1AEB-AC545D92C8AD}"/>
+                <a16:creationId xmlns:a16="http://schemas.microsoft.com/office/drawing/2014/main" id="{345CA0E9-9781-60EA-C481-EA0B65358EA2}"/>
               </a:ext>
             </a:extLst>
           </p:cNvPr>
@@ -5433,15 +5352,10 @@
             <p:ph sz="half" idx="2"/>
           </p:nvPr>
         </p:nvSpPr>
-        <p:spPr>
-          <a:xfrm>
-            <a:off x="6096000" y="1466188"/>
-            <a:ext cx="5181600" cy="4682302"/>
-          </a:xfrm>
-        </p:spPr>
+        <p:spPr/>
         <p:txBody>
           <a:bodyPr>
-            <a:normAutofit fontScale="55000" lnSpcReduction="20000"/>
+            <a:normAutofit fontScale="47500" lnSpcReduction="20000"/>
           </a:bodyPr>
           <a:lstStyle/>
           <a:p>
@@ -5450,15 +5364,7 @@
             </a:pPr>
             <a:r>
               <a:rPr lang="en-AU" b="1" dirty="0"/>
-              <a:t>How </a:t>
-            </a:r>
-            <a:r>
-              <a:rPr lang="en-AU" b="1" dirty="0" err="1"/>
-              <a:t>LayoutLM</a:t>
-            </a:r>
-            <a:r>
-              <a:rPr lang="en-AU" b="1" dirty="0"/>
-              <a:t> Captures Semantic Information</a:t>
+              <a:t>How LayoutLMv1 Captures Semantic Information</a:t>
             </a:r>
             <a:r>
               <a:rPr lang="en-AU" dirty="0"/>
@@ -5563,12 +5469,9 @@
           <a:p>
             <a:r>
               <a:rPr lang="en-AU" b="1" dirty="0"/>
-              <a:t>Visual Semantics (Not Implemented?</a:t>
-            </a:r>
-            <a:r>
-              <a:rPr lang="en-AU" dirty="0"/>
-              <a:t>:</a:t>
-            </a:r>
+              <a:t>Visual Semantics</a:t>
+            </a:r>
+            <a:endParaRPr lang="en-AU" dirty="0"/>
           </a:p>
           <a:p>
             <a:pPr lvl="1"/>
@@ -5660,7 +5563,7 @@
     </p:spTree>
     <p:extLst>
       <p:ext uri="{BB962C8B-B14F-4D97-AF65-F5344CB8AC3E}">
-        <p14:creationId xmlns:p14="http://schemas.microsoft.com/office/powerpoint/2010/main" val="2691279818"/>
+        <p14:creationId xmlns:p14="http://schemas.microsoft.com/office/powerpoint/2010/main" val="866989918"/>
       </p:ext>
     </p:extLst>
   </p:cSld>
@@ -6038,12 +5941,8 @@
           <a:p>
             <a:pPr lvl="1"/>
             <a:r>
-              <a:rPr lang="en-AU" dirty="0" err="1"/>
-              <a:t>Scewed</a:t>
-            </a:r>
-            <a:r>
-              <a:rPr lang="en-AU" dirty="0"/>
-              <a:t> images</a:t>
+              <a:rPr lang="en-AU" dirty="0"/>
+              <a:t>Skewed images</a:t>
             </a:r>
           </a:p>
         </p:txBody>
@@ -6092,7 +5991,7 @@
         </p:nvSpPr>
         <p:spPr>
           <a:xfrm>
-            <a:off x="1245104" y="4233714"/>
+            <a:off x="1245104" y="4759925"/>
             <a:ext cx="9407062" cy="646331"/>
           </a:xfrm>
           <a:prstGeom prst="rect">
@@ -6108,7 +6007,15 @@
           <a:p>
             <a:r>
               <a:rPr lang="en-US" dirty="0"/>
-              <a:t>Vision Transformers ensure a wholistic Document Understanding solution without suffering the Multiple Points of failure exhibited by the multistage </a:t>
+              <a:t>Vision Transformers ensure an integrated holistic Document Understanding solution without suffering the </a:t>
+            </a:r>
+            <a:r>
+              <a:rPr lang="en-US" b="1" dirty="0"/>
+              <a:t>Cascading Failure </a:t>
+            </a:r>
+            <a:r>
+              <a:rPr lang="en-US" dirty="0"/>
+              <a:t>exhibited by the multistage </a:t>
             </a:r>
             <a:r>
               <a:rPr lang="en-US" dirty="0" err="1"/>
@@ -6116,8 +6023,13 @@
             </a:r>
             <a:r>
               <a:rPr lang="en-US" dirty="0"/>
-              <a:t> IE approach</a:t>
-            </a:r>
+              <a:t> IE </a:t>
+            </a:r>
+            <a:r>
+              <a:rPr lang="en-US"/>
+              <a:t>approach above</a:t>
+            </a:r>
+            <a:endParaRPr lang="en-US" dirty="0"/>
           </a:p>
         </p:txBody>
       </p:sp>
@@ -6145,11 +6057,45 @@
         </p:blipFill>
         <p:spPr>
           <a:xfrm>
-            <a:off x="1245104" y="1165848"/>
+            <a:off x="1245104" y="2100309"/>
             <a:ext cx="10023616" cy="2133405"/>
           </a:xfrm>
         </p:spPr>
       </p:pic>
+      <p:sp>
+        <p:nvSpPr>
+          <p:cNvPr id="4" name="Title 1">
+            <a:extLst>
+              <a:ext uri="{FF2B5EF4-FFF2-40B4-BE49-F238E27FC236}">
+                <a16:creationId xmlns:a16="http://schemas.microsoft.com/office/drawing/2014/main" id="{91FEA1AD-A47B-1E30-D636-7A9D1D2E027E}"/>
+              </a:ext>
+            </a:extLst>
+          </p:cNvPr>
+          <p:cNvSpPr>
+            <a:spLocks noGrp="1"/>
+          </p:cNvSpPr>
+          <p:nvPr>
+            <p:ph type="title"/>
+          </p:nvPr>
+        </p:nvSpPr>
+        <p:spPr>
+          <a:xfrm>
+            <a:off x="838200" y="365125"/>
+            <a:ext cx="10515600" cy="1325563"/>
+          </a:xfrm>
+        </p:spPr>
+        <p:txBody>
+          <a:bodyPr/>
+          <a:lstStyle/>
+          <a:p>
+            <a:r>
+              <a:rPr lang="en-AU" b="1" dirty="0"/>
+              <a:t>Holistic Document Understanding</a:t>
+            </a:r>
+            <a:endParaRPr lang="en-US" dirty="0"/>
+          </a:p>
+        </p:txBody>
+      </p:sp>
     </p:spTree>
     <p:extLst>
       <p:ext uri="{BB962C8B-B14F-4D97-AF65-F5344CB8AC3E}">

--- a/presentation_materials/vision_transformers.pptx
+++ b/presentation_materials/vision_transformers.pptx
@@ -13,13 +13,14 @@
     <p:sldId id="264" r:id="rId7"/>
     <p:sldId id="267" r:id="rId8"/>
     <p:sldId id="273" r:id="rId9"/>
-    <p:sldId id="268" r:id="rId10"/>
-    <p:sldId id="275" r:id="rId11"/>
-    <p:sldId id="269" r:id="rId12"/>
-    <p:sldId id="270" r:id="rId13"/>
-    <p:sldId id="271" r:id="rId14"/>
-    <p:sldId id="272" r:id="rId15"/>
-    <p:sldId id="274" r:id="rId16"/>
+    <p:sldId id="278" r:id="rId10"/>
+    <p:sldId id="268" r:id="rId11"/>
+    <p:sldId id="275" r:id="rId12"/>
+    <p:sldId id="269" r:id="rId13"/>
+    <p:sldId id="270" r:id="rId14"/>
+    <p:sldId id="271" r:id="rId15"/>
+    <p:sldId id="272" r:id="rId16"/>
+    <p:sldId id="274" r:id="rId17"/>
   </p:sldIdLst>
   <p:sldSz cx="12192000" cy="6858000"/>
   <p:notesSz cx="6858000" cy="9144000"/>
@@ -3504,6 +3505,174 @@
           <p:cNvPr id="2" name="Title 1">
             <a:extLst>
               <a:ext uri="{FF2B5EF4-FFF2-40B4-BE49-F238E27FC236}">
+                <a16:creationId xmlns:a16="http://schemas.microsoft.com/office/drawing/2014/main" id="{80214080-79D0-E287-0371-7509715FD53E}"/>
+              </a:ext>
+            </a:extLst>
+          </p:cNvPr>
+          <p:cNvSpPr>
+            <a:spLocks noGrp="1"/>
+          </p:cNvSpPr>
+          <p:nvPr>
+            <p:ph type="title"/>
+          </p:nvPr>
+        </p:nvSpPr>
+        <p:spPr/>
+        <p:txBody>
+          <a:bodyPr/>
+          <a:lstStyle/>
+          <a:p>
+            <a:r>
+              <a:rPr lang="en-AU" b="1" dirty="0"/>
+              <a:t>Vision Transformers – A potential solution?</a:t>
+            </a:r>
+            <a:endParaRPr lang="en-US" dirty="0"/>
+          </a:p>
+        </p:txBody>
+      </p:sp>
+      <p:sp>
+        <p:nvSpPr>
+          <p:cNvPr id="3" name="Content Placeholder 2">
+            <a:extLst>
+              <a:ext uri="{FF2B5EF4-FFF2-40B4-BE49-F238E27FC236}">
+                <a16:creationId xmlns:a16="http://schemas.microsoft.com/office/drawing/2014/main" id="{A830DE98-2D96-5154-71B9-87953C9AB27E}"/>
+              </a:ext>
+            </a:extLst>
+          </p:cNvPr>
+          <p:cNvSpPr>
+            <a:spLocks noGrp="1"/>
+          </p:cNvSpPr>
+          <p:nvPr>
+            <p:ph idx="1"/>
+          </p:nvPr>
+        </p:nvSpPr>
+        <p:spPr>
+          <a:xfrm>
+            <a:off x="838200" y="3212110"/>
+            <a:ext cx="10515600" cy="3280765"/>
+          </a:xfrm>
+        </p:spPr>
+        <p:txBody>
+          <a:bodyPr/>
+          <a:lstStyle/>
+          <a:p>
+            <a:r>
+              <a:rPr lang="en-AU" b="1" dirty="0"/>
+              <a:t>Original </a:t>
+            </a:r>
+            <a:r>
+              <a:rPr lang="en-AU" b="1" dirty="0" err="1"/>
+              <a:t>ViT</a:t>
+            </a:r>
+            <a:r>
+              <a:rPr lang="en-AU" b="1" dirty="0"/>
+              <a:t> Architecture (</a:t>
+            </a:r>
+            <a:r>
+              <a:rPr lang="en-AU" b="1" dirty="0" err="1"/>
+              <a:t>Dosovitskiy</a:t>
+            </a:r>
+            <a:r>
+              <a:rPr lang="en-AU" b="1" dirty="0"/>
+              <a:t> et al., 2020)</a:t>
+            </a:r>
+          </a:p>
+          <a:p>
+            <a:r>
+              <a:rPr lang="en-AU" b="1" dirty="0"/>
+              <a:t>"An Image is Worth 16x16 Words"</a:t>
+            </a:r>
+            <a:r>
+              <a:rPr lang="en-AU" dirty="0"/>
+              <a:t>: Treats image patches like text tokens</a:t>
+            </a:r>
+          </a:p>
+          <a:p>
+            <a:r>
+              <a:rPr lang="en-AU" b="1" dirty="0"/>
+              <a:t>Transformer Architecture</a:t>
+            </a:r>
+            <a:r>
+              <a:rPr lang="en-AU" dirty="0"/>
+              <a:t>: Applied directly to vision tasks for first time</a:t>
+            </a:r>
+          </a:p>
+          <a:p>
+            <a:r>
+              <a:rPr lang="en-AU" b="1" dirty="0"/>
+              <a:t>Self-Attention</a:t>
+            </a:r>
+            <a:r>
+              <a:rPr lang="en-AU" dirty="0"/>
+              <a:t>: Global understanding without convolutional inductive bias</a:t>
+            </a:r>
+          </a:p>
+        </p:txBody>
+      </p:sp>
+      <p:pic>
+        <p:nvPicPr>
+          <p:cNvPr id="12" name="Picture 11">
+            <a:extLst>
+              <a:ext uri="{FF2B5EF4-FFF2-40B4-BE49-F238E27FC236}">
+                <a16:creationId xmlns:a16="http://schemas.microsoft.com/office/drawing/2014/main" id="{FF0EB3A8-9442-C4A8-8A66-1E892A7DE55A}"/>
+              </a:ext>
+            </a:extLst>
+          </p:cNvPr>
+          <p:cNvPicPr>
+            <a:picLocks noChangeAspect="1"/>
+          </p:cNvPicPr>
+          <p:nvPr/>
+        </p:nvPicPr>
+        <p:blipFill>
+          <a:blip r:embed="rId2"/>
+          <a:stretch>
+            <a:fillRect/>
+          </a:stretch>
+        </p:blipFill>
+        <p:spPr>
+          <a:xfrm>
+            <a:off x="1569896" y="1505148"/>
+            <a:ext cx="8747996" cy="1519260"/>
+          </a:xfrm>
+          <a:prstGeom prst="rect">
+            <a:avLst/>
+          </a:prstGeom>
+        </p:spPr>
+      </p:pic>
+    </p:spTree>
+    <p:extLst>
+      <p:ext uri="{BB962C8B-B14F-4D97-AF65-F5344CB8AC3E}">
+        <p14:creationId xmlns:p14="http://schemas.microsoft.com/office/powerpoint/2010/main" val="2182484467"/>
+      </p:ext>
+    </p:extLst>
+  </p:cSld>
+  <p:clrMapOvr>
+    <a:masterClrMapping/>
+  </p:clrMapOvr>
+</p:sld>
+</file>
+
+<file path=ppt/slides/slide11.xml><?xml version="1.0" encoding="utf-8"?>
+<p:sld xmlns:a="http://schemas.openxmlformats.org/drawingml/2006/main" xmlns:r="http://schemas.openxmlformats.org/officeDocument/2006/relationships" xmlns:p="http://schemas.openxmlformats.org/presentationml/2006/main">
+  <p:cSld>
+    <p:spTree>
+      <p:nvGrpSpPr>
+        <p:cNvPr id="1" name=""/>
+        <p:cNvGrpSpPr/>
+        <p:nvPr/>
+      </p:nvGrpSpPr>
+      <p:grpSpPr>
+        <a:xfrm>
+          <a:off x="0" y="0"/>
+          <a:ext cx="0" cy="0"/>
+          <a:chOff x="0" y="0"/>
+          <a:chExt cx="0" cy="0"/>
+        </a:xfrm>
+      </p:grpSpPr>
+      <p:sp>
+        <p:nvSpPr>
+          <p:cNvPr id="2" name="Title 1">
+            <a:extLst>
+              <a:ext uri="{FF2B5EF4-FFF2-40B4-BE49-F238E27FC236}">
                 <a16:creationId xmlns:a16="http://schemas.microsoft.com/office/drawing/2014/main" id="{FC809921-A04C-4212-6435-0F09B8AC9692}"/>
               </a:ext>
             </a:extLst>
@@ -3761,7 +3930,7 @@
 </p:sld>
 </file>
 
-<file path=ppt/slides/slide11.xml><?xml version="1.0" encoding="utf-8"?>
+<file path=ppt/slides/slide12.xml><?xml version="1.0" encoding="utf-8"?>
 <p:sld xmlns:a="http://schemas.openxmlformats.org/drawingml/2006/main" xmlns:r="http://schemas.openxmlformats.org/officeDocument/2006/relationships" xmlns:p="http://schemas.openxmlformats.org/presentationml/2006/main">
   <p:cSld>
     <p:spTree>
@@ -3894,7 +4063,7 @@
 </p:sld>
 </file>
 
-<file path=ppt/slides/slide12.xml><?xml version="1.0" encoding="utf-8"?>
+<file path=ppt/slides/slide13.xml><?xml version="1.0" encoding="utf-8"?>
 <p:sld xmlns:a="http://schemas.openxmlformats.org/drawingml/2006/main" xmlns:r="http://schemas.openxmlformats.org/officeDocument/2006/relationships" xmlns:p="http://schemas.openxmlformats.org/presentationml/2006/main">
   <p:cSld>
     <p:spTree>
@@ -4020,7 +4189,7 @@
 </p:sld>
 </file>
 
-<file path=ppt/slides/slide13.xml><?xml version="1.0" encoding="utf-8"?>
+<file path=ppt/slides/slide14.xml><?xml version="1.0" encoding="utf-8"?>
 <p:sld xmlns:a="http://schemas.openxmlformats.org/drawingml/2006/main" xmlns:r="http://schemas.openxmlformats.org/officeDocument/2006/relationships" xmlns:p="http://schemas.openxmlformats.org/presentationml/2006/main">
   <p:cSld>
     <p:spTree>
@@ -4151,7 +4320,7 @@
 </p:sld>
 </file>
 
-<file path=ppt/slides/slide14.xml><?xml version="1.0" encoding="utf-8"?>
+<file path=ppt/slides/slide15.xml><?xml version="1.0" encoding="utf-8"?>
 <p:sld xmlns:a="http://schemas.openxmlformats.org/drawingml/2006/main" xmlns:r="http://schemas.openxmlformats.org/officeDocument/2006/relationships" xmlns:p="http://schemas.openxmlformats.org/presentationml/2006/main">
   <p:cSld>
     <p:spTree>
@@ -4341,7 +4510,7 @@
 </p:sld>
 </file>
 
-<file path=ppt/slides/slide15.xml><?xml version="1.0" encoding="utf-8"?>
+<file path=ppt/slides/slide16.xml><?xml version="1.0" encoding="utf-8"?>
 <p:sld xmlns:a="http://schemas.openxmlformats.org/drawingml/2006/main" xmlns:r="http://schemas.openxmlformats.org/officeDocument/2006/relationships" xmlns:p="http://schemas.openxmlformats.org/presentationml/2006/main">
   <p:cSld>
     <p:spTree>
@@ -6023,13 +6192,8 @@
             </a:r>
             <a:r>
               <a:rPr lang="en-US" dirty="0"/>
-              <a:t> IE </a:t>
-            </a:r>
-            <a:r>
-              <a:rPr lang="en-US"/>
-              <a:t>approach above</a:t>
-            </a:r>
-            <a:endParaRPr lang="en-US" dirty="0"/>
+              <a:t> IE approach above</a:t>
+            </a:r>
           </a:p>
         </p:txBody>
       </p:sp>
@@ -6131,7 +6295,7 @@
           <p:cNvPr id="2" name="Title 1">
             <a:extLst>
               <a:ext uri="{FF2B5EF4-FFF2-40B4-BE49-F238E27FC236}">
-                <a16:creationId xmlns:a16="http://schemas.microsoft.com/office/drawing/2014/main" id="{80214080-79D0-E287-0371-7509715FD53E}"/>
+                <a16:creationId xmlns:a16="http://schemas.microsoft.com/office/drawing/2014/main" id="{DAC31F10-8C36-5C9E-E266-372729D2D159}"/>
               </a:ext>
             </a:extLst>
           </p:cNvPr>
@@ -6140,113 +6304,43 @@
           </p:cNvSpPr>
           <p:nvPr>
             <p:ph type="title"/>
-          </p:nvPr>
-        </p:nvSpPr>
-        <p:spPr/>
-        <p:txBody>
-          <a:bodyPr/>
-          <a:lstStyle/>
-          <a:p>
-            <a:r>
-              <a:rPr lang="en-AU" b="1" dirty="0"/>
-              <a:t>Vision Transformers – A potential solution?</a:t>
-            </a:r>
-            <a:endParaRPr lang="en-US" dirty="0"/>
-          </a:p>
-        </p:txBody>
-      </p:sp>
-      <p:sp>
-        <p:nvSpPr>
-          <p:cNvPr id="3" name="Content Placeholder 2">
-            <a:extLst>
-              <a:ext uri="{FF2B5EF4-FFF2-40B4-BE49-F238E27FC236}">
-                <a16:creationId xmlns:a16="http://schemas.microsoft.com/office/drawing/2014/main" id="{A830DE98-2D96-5154-71B9-87953C9AB27E}"/>
-              </a:ext>
-            </a:extLst>
-          </p:cNvPr>
-          <p:cNvSpPr>
-            <a:spLocks noGrp="1"/>
-          </p:cNvSpPr>
-          <p:nvPr>
-            <p:ph idx="1"/>
           </p:nvPr>
         </p:nvSpPr>
         <p:spPr>
           <a:xfrm>
-            <a:off x="838200" y="3212110"/>
-            <a:ext cx="10515600" cy="3280765"/>
+            <a:off x="838200" y="365125"/>
+            <a:ext cx="10515600" cy="721803"/>
           </a:xfrm>
         </p:spPr>
         <p:txBody>
-          <a:bodyPr/>
-          <a:lstStyle/>
-          <a:p>
-            <a:r>
-              <a:rPr lang="en-AU" b="1" dirty="0"/>
-              <a:t>Original </a:t>
-            </a:r>
-            <a:r>
-              <a:rPr lang="en-AU" b="1" dirty="0" err="1"/>
-              <a:t>ViT</a:t>
-            </a:r>
-            <a:r>
-              <a:rPr lang="en-AU" b="1" dirty="0"/>
-              <a:t> Architecture (</a:t>
-            </a:r>
-            <a:r>
-              <a:rPr lang="en-AU" b="1" dirty="0" err="1"/>
-              <a:t>Dosovitskiy</a:t>
-            </a:r>
-            <a:r>
-              <a:rPr lang="en-AU" b="1" dirty="0"/>
-              <a:t> et al., 2020)</a:t>
-            </a:r>
-          </a:p>
-          <a:p>
-            <a:r>
-              <a:rPr lang="en-AU" b="1" dirty="0"/>
-              <a:t>"An Image is Worth 16x16 Words"</a:t>
-            </a:r>
-            <a:r>
-              <a:rPr lang="en-AU" dirty="0"/>
-              <a:t>: Treats image patches like text tokens</a:t>
-            </a:r>
-          </a:p>
-          <a:p>
-            <a:r>
-              <a:rPr lang="en-AU" b="1" dirty="0"/>
-              <a:t>Transformer Architecture</a:t>
-            </a:r>
-            <a:r>
-              <a:rPr lang="en-AU" dirty="0"/>
-              <a:t>: Applied directly to vision tasks for first time</a:t>
-            </a:r>
-          </a:p>
-          <a:p>
-            <a:r>
-              <a:rPr lang="en-AU" b="1" dirty="0"/>
-              <a:t>Self-Attention</a:t>
-            </a:r>
-            <a:r>
-              <a:rPr lang="en-AU" dirty="0"/>
-              <a:t>: Global understanding without convolutional inductive bias</a:t>
-            </a:r>
+          <a:bodyPr>
+            <a:normAutofit/>
+          </a:bodyPr>
+          <a:lstStyle/>
+          <a:p>
+            <a:r>
+              <a:rPr lang="en-AU" sz="4000" b="1" dirty="0"/>
+              <a:t>From Text to Vision - The Transformer Evolution</a:t>
+            </a:r>
+            <a:endParaRPr lang="en-US" sz="4000" dirty="0"/>
           </a:p>
         </p:txBody>
       </p:sp>
       <p:pic>
         <p:nvPicPr>
-          <p:cNvPr id="12" name="Picture 11">
-            <a:extLst>
-              <a:ext uri="{FF2B5EF4-FFF2-40B4-BE49-F238E27FC236}">
-                <a16:creationId xmlns:a16="http://schemas.microsoft.com/office/drawing/2014/main" id="{FF0EB3A8-9442-C4A8-8A66-1E892A7DE55A}"/>
+          <p:cNvPr id="5" name="Content Placeholder 4" descr="A diagram of a work flow&#10;&#10;AI-generated content may be incorrect.">
+            <a:extLst>
+              <a:ext uri="{FF2B5EF4-FFF2-40B4-BE49-F238E27FC236}">
+                <a16:creationId xmlns:a16="http://schemas.microsoft.com/office/drawing/2014/main" id="{72C03810-E30E-F066-FF7B-67044895554B}"/>
               </a:ext>
             </a:extLst>
           </p:cNvPr>
           <p:cNvPicPr>
-            <a:picLocks noChangeAspect="1"/>
+            <a:picLocks noGrp="1" noChangeAspect="1"/>
           </p:cNvPicPr>
-          <p:nvPr/>
+          <p:nvPr>
+            <p:ph idx="1"/>
+          </p:nvPr>
         </p:nvPicPr>
         <p:blipFill>
           <a:blip r:embed="rId2"/>
@@ -6256,18 +6350,133 @@
         </p:blipFill>
         <p:spPr>
           <a:xfrm>
-            <a:off x="1569896" y="1505148"/>
-            <a:ext cx="8747996" cy="1519260"/>
+            <a:off x="760562" y="1181439"/>
+            <a:ext cx="10515600" cy="4000691"/>
+          </a:xfrm>
+        </p:spPr>
+      </p:pic>
+      <p:sp>
+        <p:nvSpPr>
+          <p:cNvPr id="6" name="TextBox 5">
+            <a:extLst>
+              <a:ext uri="{FF2B5EF4-FFF2-40B4-BE49-F238E27FC236}">
+                <a16:creationId xmlns:a16="http://schemas.microsoft.com/office/drawing/2014/main" id="{35EE4B8D-ED86-07C7-DBF3-0517246599F0}"/>
+              </a:ext>
+            </a:extLst>
+          </p:cNvPr>
+          <p:cNvSpPr txBox="1"/>
+          <p:nvPr/>
+        </p:nvSpPr>
+        <p:spPr>
+          <a:xfrm>
+            <a:off x="760562" y="3429000"/>
+            <a:ext cx="8980714" cy="2308324"/>
           </a:xfrm>
           <a:prstGeom prst="rect">
             <a:avLst/>
           </a:prstGeom>
+          <a:noFill/>
         </p:spPr>
-      </p:pic>
+        <p:txBody>
+          <a:bodyPr wrap="square" rtlCol="0">
+            <a:spAutoFit/>
+          </a:bodyPr>
+          <a:lstStyle/>
+          <a:p>
+            <a:r>
+              <a:rPr lang="en-AU" b="1" dirty="0"/>
+              <a:t>The Revolutionary Insight</a:t>
+            </a:r>
+            <a:r>
+              <a:rPr lang="en-AU" dirty="0"/>
+              <a:t>: </a:t>
+            </a:r>
+            <a:r>
+              <a:rPr lang="en-AU" i="1" dirty="0"/>
+              <a:t>Same core architecture, different input</a:t>
+            </a:r>
+            <a:endParaRPr lang="en-AU" dirty="0"/>
+          </a:p>
+          <a:p>
+            <a:r>
+              <a:rPr lang="en-AU" b="1" dirty="0"/>
+              <a:t>What You Already Know</a:t>
+            </a:r>
+            <a:r>
+              <a:rPr lang="en-AU" dirty="0"/>
+              <a:t> (Text Transformers 2017):</a:t>
+            </a:r>
+          </a:p>
+          <a:p>
+            <a:pPr marL="285750" indent="-285750">
+              <a:buFont typeface="Arial" panose="020B0604020202020204" pitchFamily="34" charset="0"/>
+              <a:buChar char="•"/>
+            </a:pPr>
+            <a:r>
+              <a:rPr lang="en-AU" dirty="0"/>
+              <a:t>Tokenization → Self-Attention → Understanding</a:t>
+            </a:r>
+          </a:p>
+          <a:p>
+            <a:pPr marL="285750" indent="-285750">
+              <a:buFont typeface="Arial" panose="020B0604020202020204" pitchFamily="34" charset="0"/>
+              <a:buChar char="•"/>
+            </a:pPr>
+            <a:r>
+              <a:rPr lang="en-AU" dirty="0"/>
+              <a:t>"Attention is All You Need" revolutionized NLP</a:t>
+            </a:r>
+          </a:p>
+          <a:p>
+            <a:r>
+              <a:rPr lang="en-AU" b="1" dirty="0"/>
+              <a:t>The Vision Breakthrough</a:t>
+            </a:r>
+            <a:r>
+              <a:rPr lang="en-AU" dirty="0"/>
+              <a:t> (2020):</a:t>
+            </a:r>
+          </a:p>
+          <a:p>
+            <a:pPr marL="285750" indent="-285750">
+              <a:buFont typeface="Arial" panose="020B0604020202020204" pitchFamily="34" charset="0"/>
+              <a:buChar char="•"/>
+            </a:pPr>
+            <a:r>
+              <a:rPr lang="en-AU" dirty="0"/>
+              <a:t>Image patches = Text tokens</a:t>
+            </a:r>
+          </a:p>
+          <a:p>
+            <a:pPr marL="285750" indent="-285750">
+              <a:buFont typeface="Arial" panose="020B0604020202020204" pitchFamily="34" charset="0"/>
+              <a:buChar char="•"/>
+            </a:pPr>
+            <a:r>
+              <a:rPr lang="en-AU" b="1" dirty="0"/>
+              <a:t>IDENTICAL</a:t>
+            </a:r>
+            <a:r>
+              <a:rPr lang="en-AU" dirty="0"/>
+              <a:t> self-attention architecture</a:t>
+            </a:r>
+          </a:p>
+          <a:p>
+            <a:pPr marL="285750" indent="-285750">
+              <a:buFont typeface="Arial" panose="020B0604020202020204" pitchFamily="34" charset="0"/>
+              <a:buChar char="•"/>
+            </a:pPr>
+            <a:r>
+              <a:rPr lang="en-AU" dirty="0"/>
+              <a:t>Vision-Language fusion for document understanding</a:t>
+            </a:r>
+          </a:p>
+        </p:txBody>
+      </p:sp>
     </p:spTree>
     <p:extLst>
       <p:ext uri="{BB962C8B-B14F-4D97-AF65-F5344CB8AC3E}">
-        <p14:creationId xmlns:p14="http://schemas.microsoft.com/office/powerpoint/2010/main" val="2182484467"/>
+        <p14:creationId xmlns:p14="http://schemas.microsoft.com/office/powerpoint/2010/main" val="825754891"/>
       </p:ext>
     </p:extLst>
   </p:cSld>

--- a/presentation_materials/vision_transformers.pptx
+++ b/presentation_materials/vision_transformers.pptx
@@ -4,6 +4,9 @@
   <p:sldMasterIdLst>
     <p:sldMasterId id="2147483648" r:id="rId1"/>
   </p:sldMasterIdLst>
+  <p:notesMasterIdLst>
+    <p:notesMasterId r:id="rId26"/>
+  </p:notesMasterIdLst>
   <p:sldIdLst>
     <p:sldId id="258" r:id="rId2"/>
     <p:sldId id="260" r:id="rId3"/>
@@ -12,15 +15,23 @@
     <p:sldId id="277" r:id="rId6"/>
     <p:sldId id="264" r:id="rId7"/>
     <p:sldId id="267" r:id="rId8"/>
-    <p:sldId id="273" r:id="rId9"/>
-    <p:sldId id="278" r:id="rId10"/>
-    <p:sldId id="268" r:id="rId11"/>
-    <p:sldId id="275" r:id="rId12"/>
-    <p:sldId id="269" r:id="rId13"/>
-    <p:sldId id="270" r:id="rId14"/>
-    <p:sldId id="271" r:id="rId15"/>
-    <p:sldId id="272" r:id="rId16"/>
-    <p:sldId id="274" r:id="rId17"/>
+    <p:sldId id="268" r:id="rId9"/>
+    <p:sldId id="273" r:id="rId10"/>
+    <p:sldId id="285" r:id="rId11"/>
+    <p:sldId id="286" r:id="rId12"/>
+    <p:sldId id="298" r:id="rId13"/>
+    <p:sldId id="288" r:id="rId14"/>
+    <p:sldId id="278" r:id="rId15"/>
+    <p:sldId id="280" r:id="rId16"/>
+    <p:sldId id="281" r:id="rId17"/>
+    <p:sldId id="282" r:id="rId18"/>
+    <p:sldId id="283" r:id="rId19"/>
+    <p:sldId id="290" r:id="rId20"/>
+    <p:sldId id="291" r:id="rId21"/>
+    <p:sldId id="292" r:id="rId22"/>
+    <p:sldId id="294" r:id="rId23"/>
+    <p:sldId id="297" r:id="rId24"/>
+    <p:sldId id="293" r:id="rId25"/>
   </p:sldIdLst>
   <p:sldSz cx="12192000" cy="6858000"/>
   <p:notesSz cx="6858000" cy="9144000"/>
@@ -125,6 +136,2599 @@
     </p:ext>
   </p:extLst>
 </p:presentation>
+</file>
+
+<file path=ppt/notesMasters/notesMaster1.xml><?xml version="1.0" encoding="utf-8"?>
+<p:notesMaster xmlns:a="http://schemas.openxmlformats.org/drawingml/2006/main" xmlns:r="http://schemas.openxmlformats.org/officeDocument/2006/relationships" xmlns:p="http://schemas.openxmlformats.org/presentationml/2006/main">
+  <p:cSld>
+    <p:bg>
+      <p:bgRef idx="1001">
+        <a:schemeClr val="bg1"/>
+      </p:bgRef>
+    </p:bg>
+    <p:spTree>
+      <p:nvGrpSpPr>
+        <p:cNvPr id="1" name=""/>
+        <p:cNvGrpSpPr/>
+        <p:nvPr/>
+      </p:nvGrpSpPr>
+      <p:grpSpPr>
+        <a:xfrm>
+          <a:off x="0" y="0"/>
+          <a:ext cx="0" cy="0"/>
+          <a:chOff x="0" y="0"/>
+          <a:chExt cx="0" cy="0"/>
+        </a:xfrm>
+      </p:grpSpPr>
+      <p:sp>
+        <p:nvSpPr>
+          <p:cNvPr id="2" name="Header Placeholder 1"/>
+          <p:cNvSpPr>
+            <a:spLocks noGrp="1"/>
+          </p:cNvSpPr>
+          <p:nvPr>
+            <p:ph type="hdr" sz="quarter"/>
+          </p:nvPr>
+        </p:nvSpPr>
+        <p:spPr>
+          <a:xfrm>
+            <a:off x="0" y="0"/>
+            <a:ext cx="2971800" cy="458788"/>
+          </a:xfrm>
+          <a:prstGeom prst="rect">
+            <a:avLst/>
+          </a:prstGeom>
+        </p:spPr>
+        <p:txBody>
+          <a:bodyPr vert="horz" lIns="91440" tIns="45720" rIns="91440" bIns="45720" rtlCol="0"/>
+          <a:lstStyle>
+            <a:lvl1pPr algn="l">
+              <a:defRPr sz="1200"/>
+            </a:lvl1pPr>
+          </a:lstStyle>
+          <a:p>
+            <a:endParaRPr lang="en-US"/>
+          </a:p>
+        </p:txBody>
+      </p:sp>
+      <p:sp>
+        <p:nvSpPr>
+          <p:cNvPr id="3" name="Date Placeholder 2"/>
+          <p:cNvSpPr>
+            <a:spLocks noGrp="1"/>
+          </p:cNvSpPr>
+          <p:nvPr>
+            <p:ph type="dt" idx="1"/>
+          </p:nvPr>
+        </p:nvSpPr>
+        <p:spPr>
+          <a:xfrm>
+            <a:off x="3884613" y="0"/>
+            <a:ext cx="2971800" cy="458788"/>
+          </a:xfrm>
+          <a:prstGeom prst="rect">
+            <a:avLst/>
+          </a:prstGeom>
+        </p:spPr>
+        <p:txBody>
+          <a:bodyPr vert="horz" lIns="91440" tIns="45720" rIns="91440" bIns="45720" rtlCol="0"/>
+          <a:lstStyle>
+            <a:lvl1pPr algn="r">
+              <a:defRPr sz="1200"/>
+            </a:lvl1pPr>
+          </a:lstStyle>
+          <a:p>
+            <a:fld id="{E2721554-55B3-5B4E-A2AB-FEA832DF4876}" type="datetimeFigureOut">
+              <a:rPr lang="en-US" smtClean="0"/>
+              <a:t>8/3/25</a:t>
+            </a:fld>
+            <a:endParaRPr lang="en-US"/>
+          </a:p>
+        </p:txBody>
+      </p:sp>
+      <p:sp>
+        <p:nvSpPr>
+          <p:cNvPr id="4" name="Slide Image Placeholder 3"/>
+          <p:cNvSpPr>
+            <a:spLocks noGrp="1" noRot="1" noChangeAspect="1"/>
+          </p:cNvSpPr>
+          <p:nvPr>
+            <p:ph type="sldImg" idx="2"/>
+          </p:nvPr>
+        </p:nvSpPr>
+        <p:spPr>
+          <a:xfrm>
+            <a:off x="685800" y="1143000"/>
+            <a:ext cx="5486400" cy="3086100"/>
+          </a:xfrm>
+          <a:prstGeom prst="rect">
+            <a:avLst/>
+          </a:prstGeom>
+          <a:noFill/>
+          <a:ln w="12700">
+            <a:solidFill>
+              <a:prstClr val="black"/>
+            </a:solidFill>
+          </a:ln>
+        </p:spPr>
+        <p:txBody>
+          <a:bodyPr vert="horz" lIns="91440" tIns="45720" rIns="91440" bIns="45720" rtlCol="0" anchor="ctr"/>
+          <a:lstStyle/>
+          <a:p>
+            <a:endParaRPr lang="en-US"/>
+          </a:p>
+        </p:txBody>
+      </p:sp>
+      <p:sp>
+        <p:nvSpPr>
+          <p:cNvPr id="5" name="Notes Placeholder 4"/>
+          <p:cNvSpPr>
+            <a:spLocks noGrp="1"/>
+          </p:cNvSpPr>
+          <p:nvPr>
+            <p:ph type="body" sz="quarter" idx="3"/>
+          </p:nvPr>
+        </p:nvSpPr>
+        <p:spPr>
+          <a:xfrm>
+            <a:off x="685800" y="4400550"/>
+            <a:ext cx="5486400" cy="3600450"/>
+          </a:xfrm>
+          <a:prstGeom prst="rect">
+            <a:avLst/>
+          </a:prstGeom>
+        </p:spPr>
+        <p:txBody>
+          <a:bodyPr vert="horz" lIns="91440" tIns="45720" rIns="91440" bIns="45720" rtlCol="0"/>
+          <a:lstStyle/>
+          <a:p>
+            <a:pPr lvl="0"/>
+            <a:r>
+              <a:rPr lang="en-GB"/>
+              <a:t>Click to edit Master text styles</a:t>
+            </a:r>
+          </a:p>
+          <a:p>
+            <a:pPr lvl="1"/>
+            <a:r>
+              <a:rPr lang="en-GB"/>
+              <a:t>Second level</a:t>
+            </a:r>
+          </a:p>
+          <a:p>
+            <a:pPr lvl="2"/>
+            <a:r>
+              <a:rPr lang="en-GB"/>
+              <a:t>Third level</a:t>
+            </a:r>
+          </a:p>
+          <a:p>
+            <a:pPr lvl="3"/>
+            <a:r>
+              <a:rPr lang="en-GB"/>
+              <a:t>Fourth level</a:t>
+            </a:r>
+          </a:p>
+          <a:p>
+            <a:pPr lvl="4"/>
+            <a:r>
+              <a:rPr lang="en-GB"/>
+              <a:t>Fifth level</a:t>
+            </a:r>
+            <a:endParaRPr lang="en-US"/>
+          </a:p>
+        </p:txBody>
+      </p:sp>
+      <p:sp>
+        <p:nvSpPr>
+          <p:cNvPr id="6" name="Footer Placeholder 5"/>
+          <p:cNvSpPr>
+            <a:spLocks noGrp="1"/>
+          </p:cNvSpPr>
+          <p:nvPr>
+            <p:ph type="ftr" sz="quarter" idx="4"/>
+          </p:nvPr>
+        </p:nvSpPr>
+        <p:spPr>
+          <a:xfrm>
+            <a:off x="0" y="8685213"/>
+            <a:ext cx="2971800" cy="458787"/>
+          </a:xfrm>
+          <a:prstGeom prst="rect">
+            <a:avLst/>
+          </a:prstGeom>
+        </p:spPr>
+        <p:txBody>
+          <a:bodyPr vert="horz" lIns="91440" tIns="45720" rIns="91440" bIns="45720" rtlCol="0" anchor="b"/>
+          <a:lstStyle>
+            <a:lvl1pPr algn="l">
+              <a:defRPr sz="1200"/>
+            </a:lvl1pPr>
+          </a:lstStyle>
+          <a:p>
+            <a:endParaRPr lang="en-US"/>
+          </a:p>
+        </p:txBody>
+      </p:sp>
+      <p:sp>
+        <p:nvSpPr>
+          <p:cNvPr id="7" name="Slide Number Placeholder 6"/>
+          <p:cNvSpPr>
+            <a:spLocks noGrp="1"/>
+          </p:cNvSpPr>
+          <p:nvPr>
+            <p:ph type="sldNum" sz="quarter" idx="5"/>
+          </p:nvPr>
+        </p:nvSpPr>
+        <p:spPr>
+          <a:xfrm>
+            <a:off x="3884613" y="8685213"/>
+            <a:ext cx="2971800" cy="458787"/>
+          </a:xfrm>
+          <a:prstGeom prst="rect">
+            <a:avLst/>
+          </a:prstGeom>
+        </p:spPr>
+        <p:txBody>
+          <a:bodyPr vert="horz" lIns="91440" tIns="45720" rIns="91440" bIns="45720" rtlCol="0" anchor="b"/>
+          <a:lstStyle>
+            <a:lvl1pPr algn="r">
+              <a:defRPr sz="1200"/>
+            </a:lvl1pPr>
+          </a:lstStyle>
+          <a:p>
+            <a:fld id="{4421CEC5-989B-3B48-AA40-5F6C85F6110C}" type="slidenum">
+              <a:rPr lang="en-US" smtClean="0"/>
+              <a:t>‹#›</a:t>
+            </a:fld>
+            <a:endParaRPr lang="en-US"/>
+          </a:p>
+        </p:txBody>
+      </p:sp>
+    </p:spTree>
+    <p:extLst>
+      <p:ext uri="{BB962C8B-B14F-4D97-AF65-F5344CB8AC3E}">
+        <p14:creationId xmlns:p14="http://schemas.microsoft.com/office/powerpoint/2010/main" val="4291159300"/>
+      </p:ext>
+    </p:extLst>
+  </p:cSld>
+  <p:clrMap bg1="lt1" tx1="dk1" bg2="lt2" tx2="dk2" accent1="accent1" accent2="accent2" accent3="accent3" accent4="accent4" accent5="accent5" accent6="accent6" hlink="hlink" folHlink="folHlink"/>
+  <p:notesStyle>
+    <a:lvl1pPr marL="0" algn="l" defTabSz="914400" rtl="0" eaLnBrk="1" latinLnBrk="0" hangingPunct="1">
+      <a:defRPr sz="1200" kern="1200">
+        <a:solidFill>
+          <a:schemeClr val="tx1"/>
+        </a:solidFill>
+        <a:latin typeface="+mn-lt"/>
+        <a:ea typeface="+mn-ea"/>
+        <a:cs typeface="+mn-cs"/>
+      </a:defRPr>
+    </a:lvl1pPr>
+    <a:lvl2pPr marL="457200" algn="l" defTabSz="914400" rtl="0" eaLnBrk="1" latinLnBrk="0" hangingPunct="1">
+      <a:defRPr sz="1200" kern="1200">
+        <a:solidFill>
+          <a:schemeClr val="tx1"/>
+        </a:solidFill>
+        <a:latin typeface="+mn-lt"/>
+        <a:ea typeface="+mn-ea"/>
+        <a:cs typeface="+mn-cs"/>
+      </a:defRPr>
+    </a:lvl2pPr>
+    <a:lvl3pPr marL="914400" algn="l" defTabSz="914400" rtl="0" eaLnBrk="1" latinLnBrk="0" hangingPunct="1">
+      <a:defRPr sz="1200" kern="1200">
+        <a:solidFill>
+          <a:schemeClr val="tx1"/>
+        </a:solidFill>
+        <a:latin typeface="+mn-lt"/>
+        <a:ea typeface="+mn-ea"/>
+        <a:cs typeface="+mn-cs"/>
+      </a:defRPr>
+    </a:lvl3pPr>
+    <a:lvl4pPr marL="1371600" algn="l" defTabSz="914400" rtl="0" eaLnBrk="1" latinLnBrk="0" hangingPunct="1">
+      <a:defRPr sz="1200" kern="1200">
+        <a:solidFill>
+          <a:schemeClr val="tx1"/>
+        </a:solidFill>
+        <a:latin typeface="+mn-lt"/>
+        <a:ea typeface="+mn-ea"/>
+        <a:cs typeface="+mn-cs"/>
+      </a:defRPr>
+    </a:lvl4pPr>
+    <a:lvl5pPr marL="1828800" algn="l" defTabSz="914400" rtl="0" eaLnBrk="1" latinLnBrk="0" hangingPunct="1">
+      <a:defRPr sz="1200" kern="1200">
+        <a:solidFill>
+          <a:schemeClr val="tx1"/>
+        </a:solidFill>
+        <a:latin typeface="+mn-lt"/>
+        <a:ea typeface="+mn-ea"/>
+        <a:cs typeface="+mn-cs"/>
+      </a:defRPr>
+    </a:lvl5pPr>
+    <a:lvl6pPr marL="2286000" algn="l" defTabSz="914400" rtl="0" eaLnBrk="1" latinLnBrk="0" hangingPunct="1">
+      <a:defRPr sz="1200" kern="1200">
+        <a:solidFill>
+          <a:schemeClr val="tx1"/>
+        </a:solidFill>
+        <a:latin typeface="+mn-lt"/>
+        <a:ea typeface="+mn-ea"/>
+        <a:cs typeface="+mn-cs"/>
+      </a:defRPr>
+    </a:lvl6pPr>
+    <a:lvl7pPr marL="2743200" algn="l" defTabSz="914400" rtl="0" eaLnBrk="1" latinLnBrk="0" hangingPunct="1">
+      <a:defRPr sz="1200" kern="1200">
+        <a:solidFill>
+          <a:schemeClr val="tx1"/>
+        </a:solidFill>
+        <a:latin typeface="+mn-lt"/>
+        <a:ea typeface="+mn-ea"/>
+        <a:cs typeface="+mn-cs"/>
+      </a:defRPr>
+    </a:lvl7pPr>
+    <a:lvl8pPr marL="3200400" algn="l" defTabSz="914400" rtl="0" eaLnBrk="1" latinLnBrk="0" hangingPunct="1">
+      <a:defRPr sz="1200" kern="1200">
+        <a:solidFill>
+          <a:schemeClr val="tx1"/>
+        </a:solidFill>
+        <a:latin typeface="+mn-lt"/>
+        <a:ea typeface="+mn-ea"/>
+        <a:cs typeface="+mn-cs"/>
+      </a:defRPr>
+    </a:lvl8pPr>
+    <a:lvl9pPr marL="3657600" algn="l" defTabSz="914400" rtl="0" eaLnBrk="1" latinLnBrk="0" hangingPunct="1">
+      <a:defRPr sz="1200" kern="1200">
+        <a:solidFill>
+          <a:schemeClr val="tx1"/>
+        </a:solidFill>
+        <a:latin typeface="+mn-lt"/>
+        <a:ea typeface="+mn-ea"/>
+        <a:cs typeface="+mn-cs"/>
+      </a:defRPr>
+    </a:lvl9pPr>
+  </p:notesStyle>
+</p:notesMaster>
+</file>
+
+<file path=ppt/notesSlides/notesSlide1.xml><?xml version="1.0" encoding="utf-8"?>
+<p:notes xmlns:a="http://schemas.openxmlformats.org/drawingml/2006/main" xmlns:r="http://schemas.openxmlformats.org/officeDocument/2006/relationships" xmlns:p="http://schemas.openxmlformats.org/presentationml/2006/main">
+  <p:cSld>
+    <p:spTree>
+      <p:nvGrpSpPr>
+        <p:cNvPr id="1" name=""/>
+        <p:cNvGrpSpPr/>
+        <p:nvPr/>
+      </p:nvGrpSpPr>
+      <p:grpSpPr>
+        <a:xfrm>
+          <a:off x="0" y="0"/>
+          <a:ext cx="0" cy="0"/>
+          <a:chOff x="0" y="0"/>
+          <a:chExt cx="0" cy="0"/>
+        </a:xfrm>
+      </p:grpSpPr>
+      <p:sp>
+        <p:nvSpPr>
+          <p:cNvPr id="2" name="Slide Image Placeholder 1"/>
+          <p:cNvSpPr>
+            <a:spLocks noGrp="1" noRot="1" noChangeAspect="1"/>
+          </p:cNvSpPr>
+          <p:nvPr>
+            <p:ph type="sldImg"/>
+          </p:nvPr>
+        </p:nvSpPr>
+        <p:spPr/>
+      </p:sp>
+      <p:sp>
+        <p:nvSpPr>
+          <p:cNvPr id="3" name="Notes Placeholder 2"/>
+          <p:cNvSpPr>
+            <a:spLocks noGrp="1"/>
+          </p:cNvSpPr>
+          <p:nvPr>
+            <p:ph type="body" idx="1"/>
+          </p:nvPr>
+        </p:nvSpPr>
+        <p:spPr/>
+        <p:txBody>
+          <a:bodyPr/>
+          <a:lstStyle/>
+          <a:p>
+            <a:endParaRPr lang="en-US"/>
+          </a:p>
+        </p:txBody>
+      </p:sp>
+      <p:sp>
+        <p:nvSpPr>
+          <p:cNvPr id="4" name="Slide Number Placeholder 3"/>
+          <p:cNvSpPr>
+            <a:spLocks noGrp="1"/>
+          </p:cNvSpPr>
+          <p:nvPr>
+            <p:ph type="sldNum" sz="quarter" idx="5"/>
+          </p:nvPr>
+        </p:nvSpPr>
+        <p:spPr/>
+        <p:txBody>
+          <a:bodyPr/>
+          <a:lstStyle/>
+          <a:p>
+            <a:fld id="{4421CEC5-989B-3B48-AA40-5F6C85F6110C}" type="slidenum">
+              <a:rPr lang="en-US" smtClean="0"/>
+              <a:t>3</a:t>
+            </a:fld>
+            <a:endParaRPr lang="en-US"/>
+          </a:p>
+        </p:txBody>
+      </p:sp>
+    </p:spTree>
+    <p:extLst>
+      <p:ext uri="{BB962C8B-B14F-4D97-AF65-F5344CB8AC3E}">
+        <p14:creationId xmlns:p14="http://schemas.microsoft.com/office/powerpoint/2010/main" val="507139716"/>
+      </p:ext>
+    </p:extLst>
+  </p:cSld>
+  <p:clrMapOvr>
+    <a:masterClrMapping/>
+  </p:clrMapOvr>
+</p:notes>
+</file>
+
+<file path=ppt/notesSlides/notesSlide10.xml><?xml version="1.0" encoding="utf-8"?>
+<p:notes xmlns:a="http://schemas.openxmlformats.org/drawingml/2006/main" xmlns:r="http://schemas.openxmlformats.org/officeDocument/2006/relationships" xmlns:p="http://schemas.openxmlformats.org/presentationml/2006/main">
+  <p:cSld>
+    <p:spTree>
+      <p:nvGrpSpPr>
+        <p:cNvPr id="1" name=""/>
+        <p:cNvGrpSpPr/>
+        <p:nvPr/>
+      </p:nvGrpSpPr>
+      <p:grpSpPr>
+        <a:xfrm>
+          <a:off x="0" y="0"/>
+          <a:ext cx="0" cy="0"/>
+          <a:chOff x="0" y="0"/>
+          <a:chExt cx="0" cy="0"/>
+        </a:xfrm>
+      </p:grpSpPr>
+      <p:sp>
+        <p:nvSpPr>
+          <p:cNvPr id="2" name="Slide Image Placeholder 1"/>
+          <p:cNvSpPr>
+            <a:spLocks noGrp="1" noRot="1" noChangeAspect="1"/>
+          </p:cNvSpPr>
+          <p:nvPr>
+            <p:ph type="sldImg"/>
+          </p:nvPr>
+        </p:nvSpPr>
+        <p:spPr/>
+      </p:sp>
+      <p:sp>
+        <p:nvSpPr>
+          <p:cNvPr id="3" name="Notes Placeholder 2"/>
+          <p:cNvSpPr>
+            <a:spLocks noGrp="1"/>
+          </p:cNvSpPr>
+          <p:nvPr>
+            <p:ph type="body" idx="1"/>
+          </p:nvPr>
+        </p:nvSpPr>
+        <p:spPr/>
+        <p:txBody>
+          <a:bodyPr/>
+          <a:lstStyle/>
+          <a:p>
+            <a:pPr marL="0" marR="0" lvl="0" indent="0" algn="l" defTabSz="914400" rtl="0" eaLnBrk="1" fontAlgn="auto" latinLnBrk="0" hangingPunct="1">
+              <a:lnSpc>
+                <a:spcPct val="100000"/>
+              </a:lnSpc>
+              <a:spcBef>
+                <a:spcPts val="0"/>
+              </a:spcBef>
+              <a:spcAft>
+                <a:spcPts val="0"/>
+              </a:spcAft>
+              <a:buClrTx/>
+              <a:buSzTx/>
+              <a:buFontTx/>
+              <a:buNone/>
+              <a:tabLst/>
+              <a:defRPr/>
+            </a:pPr>
+            <a:r>
+              <a:rPr lang="en-AU" sz="1200" b="0" i="1" kern="1200" dirty="0">
+                <a:solidFill>
+                  <a:schemeClr val="tx1"/>
+                </a:solidFill>
+                <a:effectLst/>
+                <a:latin typeface="+mn-lt"/>
+                <a:ea typeface="+mn-ea"/>
+                <a:cs typeface="+mn-cs"/>
+              </a:rPr>
+              <a:t>Speaker Notes: The original </a:t>
+            </a:r>
+            <a:r>
+              <a:rPr lang="en-AU" sz="1200" b="0" i="1" kern="1200" dirty="0" err="1">
+                <a:solidFill>
+                  <a:schemeClr val="tx1"/>
+                </a:solidFill>
+                <a:effectLst/>
+                <a:latin typeface="+mn-lt"/>
+                <a:ea typeface="+mn-ea"/>
+                <a:cs typeface="+mn-cs"/>
+              </a:rPr>
+              <a:t>ViT</a:t>
+            </a:r>
+            <a:r>
+              <a:rPr lang="en-AU" sz="1200" b="0" i="1" kern="1200" dirty="0">
+                <a:solidFill>
+                  <a:schemeClr val="tx1"/>
+                </a:solidFill>
+                <a:effectLst/>
+                <a:latin typeface="+mn-lt"/>
+                <a:ea typeface="+mn-ea"/>
+                <a:cs typeface="+mn-cs"/>
+              </a:rPr>
+              <a:t> breakthrough enabled all modern vision-language models. Key innovation: treats image patches like text tokens, applying transformers directly. All semantics (text, visual, spatial) are unified in one model with no information loss. Modern adaptations like InternVL3 and Llama-3.2-Vision build on this foundation for document understanding. Let's dive into each stage...</a:t>
+            </a:r>
+            <a:endParaRPr lang="en-AU" sz="1200" b="0" kern="1200" dirty="0">
+              <a:solidFill>
+                <a:schemeClr val="tx1"/>
+              </a:solidFill>
+              <a:effectLst/>
+              <a:latin typeface="+mn-lt"/>
+              <a:ea typeface="+mn-ea"/>
+              <a:cs typeface="+mn-cs"/>
+            </a:endParaRPr>
+          </a:p>
+          <a:p>
+            <a:endParaRPr lang="en-US" dirty="0"/>
+          </a:p>
+        </p:txBody>
+      </p:sp>
+      <p:sp>
+        <p:nvSpPr>
+          <p:cNvPr id="4" name="Slide Number Placeholder 3"/>
+          <p:cNvSpPr>
+            <a:spLocks noGrp="1"/>
+          </p:cNvSpPr>
+          <p:nvPr>
+            <p:ph type="sldNum" sz="quarter" idx="5"/>
+          </p:nvPr>
+        </p:nvSpPr>
+        <p:spPr/>
+        <p:txBody>
+          <a:bodyPr/>
+          <a:lstStyle/>
+          <a:p>
+            <a:fld id="{4421CEC5-989B-3B48-AA40-5F6C85F6110C}" type="slidenum">
+              <a:rPr lang="en-US" smtClean="0"/>
+              <a:t>13</a:t>
+            </a:fld>
+            <a:endParaRPr lang="en-US"/>
+          </a:p>
+        </p:txBody>
+      </p:sp>
+    </p:spTree>
+    <p:extLst>
+      <p:ext uri="{BB962C8B-B14F-4D97-AF65-F5344CB8AC3E}">
+        <p14:creationId xmlns:p14="http://schemas.microsoft.com/office/powerpoint/2010/main" val="3694999143"/>
+      </p:ext>
+    </p:extLst>
+  </p:cSld>
+  <p:clrMapOvr>
+    <a:masterClrMapping/>
+  </p:clrMapOvr>
+</p:notes>
+</file>
+
+<file path=ppt/notesSlides/notesSlide11.xml><?xml version="1.0" encoding="utf-8"?>
+<p:notes xmlns:a="http://schemas.openxmlformats.org/drawingml/2006/main" xmlns:r="http://schemas.openxmlformats.org/officeDocument/2006/relationships" xmlns:p="http://schemas.openxmlformats.org/presentationml/2006/main">
+  <p:cSld>
+    <p:spTree>
+      <p:nvGrpSpPr>
+        <p:cNvPr id="1" name=""/>
+        <p:cNvGrpSpPr/>
+        <p:nvPr/>
+      </p:nvGrpSpPr>
+      <p:grpSpPr>
+        <a:xfrm>
+          <a:off x="0" y="0"/>
+          <a:ext cx="0" cy="0"/>
+          <a:chOff x="0" y="0"/>
+          <a:chExt cx="0" cy="0"/>
+        </a:xfrm>
+      </p:grpSpPr>
+      <p:sp>
+        <p:nvSpPr>
+          <p:cNvPr id="2" name="Slide Image Placeholder 1"/>
+          <p:cNvSpPr>
+            <a:spLocks noGrp="1" noRot="1" noChangeAspect="1"/>
+          </p:cNvSpPr>
+          <p:nvPr>
+            <p:ph type="sldImg"/>
+          </p:nvPr>
+        </p:nvSpPr>
+        <p:spPr/>
+      </p:sp>
+      <p:sp>
+        <p:nvSpPr>
+          <p:cNvPr id="3" name="Notes Placeholder 2"/>
+          <p:cNvSpPr>
+            <a:spLocks noGrp="1"/>
+          </p:cNvSpPr>
+          <p:nvPr>
+            <p:ph type="body" idx="1"/>
+          </p:nvPr>
+        </p:nvSpPr>
+        <p:spPr/>
+        <p:txBody>
+          <a:bodyPr/>
+          <a:lstStyle/>
+          <a:p>
+            <a:r>
+              <a:rPr lang="en-AU" i="1" dirty="0"/>
+              <a:t>Speaker Notes: This is the key insight that will help you understand Vision Transformers - they use the EXACT SAME architecture you already know from text transformers. In 2017, "Attention is All You Need" showed that self-attention could replace recurrent networks for text. The breakthrough was realizing that images could be treated the same way as text. Instead of tokenizing "The quick brown fox" into words, we tokenize a Hyatt Hotels invoice into 16x16 pixel patches. The magic is that the encoder stack - the multi-head self-attention and feed forward networks - is IDENTICAL. Same architecture, same self-attention mechanism, same position encoding concept. The only differences are the input (text tokens vs image patches) and output (language understanding vs vision-language fusion). This is why Vision Transformers were so revolutionary - they didn't invent new architectures, they brilliantly applied the transformer architecture to a completely different domain. Your audience already understands how transformers work for text - now they'll see it's the same technology applied to vision.</a:t>
+            </a:r>
+            <a:endParaRPr lang="en-AU" dirty="0"/>
+          </a:p>
+          <a:p>
+            <a:endParaRPr lang="en-US" dirty="0"/>
+          </a:p>
+        </p:txBody>
+      </p:sp>
+      <p:sp>
+        <p:nvSpPr>
+          <p:cNvPr id="4" name="Slide Number Placeholder 3"/>
+          <p:cNvSpPr>
+            <a:spLocks noGrp="1"/>
+          </p:cNvSpPr>
+          <p:nvPr>
+            <p:ph type="sldNum" sz="quarter" idx="5"/>
+          </p:nvPr>
+        </p:nvSpPr>
+        <p:spPr/>
+        <p:txBody>
+          <a:bodyPr/>
+          <a:lstStyle/>
+          <a:p>
+            <a:fld id="{4421CEC5-989B-3B48-AA40-5F6C85F6110C}" type="slidenum">
+              <a:rPr lang="en-US" smtClean="0"/>
+              <a:t>14</a:t>
+            </a:fld>
+            <a:endParaRPr lang="en-US"/>
+          </a:p>
+        </p:txBody>
+      </p:sp>
+    </p:spTree>
+    <p:extLst>
+      <p:ext uri="{BB962C8B-B14F-4D97-AF65-F5344CB8AC3E}">
+        <p14:creationId xmlns:p14="http://schemas.microsoft.com/office/powerpoint/2010/main" val="60039520"/>
+      </p:ext>
+    </p:extLst>
+  </p:cSld>
+  <p:clrMapOvr>
+    <a:masterClrMapping/>
+  </p:clrMapOvr>
+</p:notes>
+</file>
+
+<file path=ppt/notesSlides/notesSlide12.xml><?xml version="1.0" encoding="utf-8"?>
+<p:notes xmlns:a="http://schemas.openxmlformats.org/drawingml/2006/main" xmlns:r="http://schemas.openxmlformats.org/officeDocument/2006/relationships" xmlns:p="http://schemas.openxmlformats.org/presentationml/2006/main">
+  <p:cSld>
+    <p:spTree>
+      <p:nvGrpSpPr>
+        <p:cNvPr id="1" name=""/>
+        <p:cNvGrpSpPr/>
+        <p:nvPr/>
+      </p:nvGrpSpPr>
+      <p:grpSpPr>
+        <a:xfrm>
+          <a:off x="0" y="0"/>
+          <a:ext cx="0" cy="0"/>
+          <a:chOff x="0" y="0"/>
+          <a:chExt cx="0" cy="0"/>
+        </a:xfrm>
+      </p:grpSpPr>
+      <p:sp>
+        <p:nvSpPr>
+          <p:cNvPr id="2" name="Slide Image Placeholder 1"/>
+          <p:cNvSpPr>
+            <a:spLocks noGrp="1" noRot="1" noChangeAspect="1"/>
+          </p:cNvSpPr>
+          <p:nvPr>
+            <p:ph type="sldImg"/>
+          </p:nvPr>
+        </p:nvSpPr>
+        <p:spPr/>
+      </p:sp>
+      <p:sp>
+        <p:nvSpPr>
+          <p:cNvPr id="3" name="Notes Placeholder 2"/>
+          <p:cNvSpPr>
+            <a:spLocks noGrp="1"/>
+          </p:cNvSpPr>
+          <p:nvPr>
+            <p:ph type="body" idx="1"/>
+          </p:nvPr>
+        </p:nvSpPr>
+        <p:spPr/>
+        <p:txBody>
+          <a:bodyPr/>
+          <a:lstStyle/>
+          <a:p>
+            <a:r>
+              <a:rPr lang="en-AU" i="1" dirty="0"/>
+              <a:t>Speaker Notes: Before we dive into details, let's understand the overall architecture. Vision Transformers process documents through three main stages that work together seamlessly. Stage 1 converts the document image into encoded patches that transformers can understand. Stage 2 uses self-attention to build global understanding of the document structure and content. Stage 3 converts this understanding into the structured output we need. Unlike </a:t>
+            </a:r>
+            <a:r>
+              <a:rPr lang="en-AU" i="1" dirty="0" err="1"/>
+              <a:t>LayoutLM's</a:t>
+            </a:r>
+            <a:r>
+              <a:rPr lang="en-AU" i="1" dirty="0"/>
+              <a:t> fragmented approach, this is one unified pipeline where each stage feeds directly into the next. Now let's explore each stage in detail...</a:t>
+            </a:r>
+            <a:endParaRPr lang="en-AU" dirty="0"/>
+          </a:p>
+          <a:p>
+            <a:endParaRPr lang="en-US" dirty="0"/>
+          </a:p>
+        </p:txBody>
+      </p:sp>
+      <p:sp>
+        <p:nvSpPr>
+          <p:cNvPr id="4" name="Slide Number Placeholder 3"/>
+          <p:cNvSpPr>
+            <a:spLocks noGrp="1"/>
+          </p:cNvSpPr>
+          <p:nvPr>
+            <p:ph type="sldNum" sz="quarter" idx="5"/>
+          </p:nvPr>
+        </p:nvSpPr>
+        <p:spPr/>
+        <p:txBody>
+          <a:bodyPr/>
+          <a:lstStyle/>
+          <a:p>
+            <a:fld id="{4421CEC5-989B-3B48-AA40-5F6C85F6110C}" type="slidenum">
+              <a:rPr lang="en-US" smtClean="0"/>
+              <a:t>15</a:t>
+            </a:fld>
+            <a:endParaRPr lang="en-US"/>
+          </a:p>
+        </p:txBody>
+      </p:sp>
+    </p:spTree>
+    <p:extLst>
+      <p:ext uri="{BB962C8B-B14F-4D97-AF65-F5344CB8AC3E}">
+        <p14:creationId xmlns:p14="http://schemas.microsoft.com/office/powerpoint/2010/main" val="3965173128"/>
+      </p:ext>
+    </p:extLst>
+  </p:cSld>
+  <p:clrMapOvr>
+    <a:masterClrMapping/>
+  </p:clrMapOvr>
+</p:notes>
+</file>
+
+<file path=ppt/notesSlides/notesSlide13.xml><?xml version="1.0" encoding="utf-8"?>
+<p:notes xmlns:a="http://schemas.openxmlformats.org/drawingml/2006/main" xmlns:r="http://schemas.openxmlformats.org/officeDocument/2006/relationships" xmlns:p="http://schemas.openxmlformats.org/presentationml/2006/main">
+  <p:cSld>
+    <p:spTree>
+      <p:nvGrpSpPr>
+        <p:cNvPr id="1" name=""/>
+        <p:cNvGrpSpPr/>
+        <p:nvPr/>
+      </p:nvGrpSpPr>
+      <p:grpSpPr>
+        <a:xfrm>
+          <a:off x="0" y="0"/>
+          <a:ext cx="0" cy="0"/>
+          <a:chOff x="0" y="0"/>
+          <a:chExt cx="0" cy="0"/>
+        </a:xfrm>
+      </p:grpSpPr>
+      <p:sp>
+        <p:nvSpPr>
+          <p:cNvPr id="2" name="Slide Image Placeholder 1"/>
+          <p:cNvSpPr>
+            <a:spLocks noGrp="1" noRot="1" noChangeAspect="1"/>
+          </p:cNvSpPr>
+          <p:nvPr>
+            <p:ph type="sldImg"/>
+          </p:nvPr>
+        </p:nvSpPr>
+        <p:spPr/>
+      </p:sp>
+      <p:sp>
+        <p:nvSpPr>
+          <p:cNvPr id="3" name="Notes Placeholder 2"/>
+          <p:cNvSpPr>
+            <a:spLocks noGrp="1"/>
+          </p:cNvSpPr>
+          <p:nvPr>
+            <p:ph type="body" idx="1"/>
+          </p:nvPr>
+        </p:nvSpPr>
+        <p:spPr/>
+        <p:txBody>
+          <a:bodyPr/>
+          <a:lstStyle/>
+          <a:p>
+            <a:r>
+              <a:rPr lang="en-AU" i="1" dirty="0"/>
+              <a:t>Speaker Notes: This is where the magic begins. Unlike OCR which tries to extract text first, Vision Transformers treat the entire image as data. A Hyatt Hotels invoice gets split into 16x16 pixel patches - maybe 100-200 patches total. Each patch becomes a mathematical vector, just like a word in a sentence. The position encoding tells the model "this patch is in the top-left corner, this one is bottom-right" - spatial relationships are preserved. The result is a sequence of encoded patches that the transformer can process, with no information lost to OCR failures.</a:t>
+            </a:r>
+            <a:endParaRPr lang="en-AU" dirty="0"/>
+          </a:p>
+          <a:p>
+            <a:endParaRPr lang="en-US" dirty="0"/>
+          </a:p>
+        </p:txBody>
+      </p:sp>
+      <p:sp>
+        <p:nvSpPr>
+          <p:cNvPr id="4" name="Slide Number Placeholder 3"/>
+          <p:cNvSpPr>
+            <a:spLocks noGrp="1"/>
+          </p:cNvSpPr>
+          <p:nvPr>
+            <p:ph type="sldNum" sz="quarter" idx="5"/>
+          </p:nvPr>
+        </p:nvSpPr>
+        <p:spPr/>
+        <p:txBody>
+          <a:bodyPr/>
+          <a:lstStyle/>
+          <a:p>
+            <a:fld id="{4421CEC5-989B-3B48-AA40-5F6C85F6110C}" type="slidenum">
+              <a:rPr lang="en-US" smtClean="0"/>
+              <a:t>16</a:t>
+            </a:fld>
+            <a:endParaRPr lang="en-US"/>
+          </a:p>
+        </p:txBody>
+      </p:sp>
+    </p:spTree>
+    <p:extLst>
+      <p:ext uri="{BB962C8B-B14F-4D97-AF65-F5344CB8AC3E}">
+        <p14:creationId xmlns:p14="http://schemas.microsoft.com/office/powerpoint/2010/main" val="1225478442"/>
+      </p:ext>
+    </p:extLst>
+  </p:cSld>
+  <p:clrMapOvr>
+    <a:masterClrMapping/>
+  </p:clrMapOvr>
+</p:notes>
+</file>
+
+<file path=ppt/notesSlides/notesSlide14.xml><?xml version="1.0" encoding="utf-8"?>
+<p:notes xmlns:a="http://schemas.openxmlformats.org/drawingml/2006/main" xmlns:r="http://schemas.openxmlformats.org/officeDocument/2006/relationships" xmlns:p="http://schemas.openxmlformats.org/presentationml/2006/main">
+  <p:cSld>
+    <p:spTree>
+      <p:nvGrpSpPr>
+        <p:cNvPr id="1" name=""/>
+        <p:cNvGrpSpPr/>
+        <p:nvPr/>
+      </p:nvGrpSpPr>
+      <p:grpSpPr>
+        <a:xfrm>
+          <a:off x="0" y="0"/>
+          <a:ext cx="0" cy="0"/>
+          <a:chOff x="0" y="0"/>
+          <a:chExt cx="0" cy="0"/>
+        </a:xfrm>
+      </p:grpSpPr>
+      <p:sp>
+        <p:nvSpPr>
+          <p:cNvPr id="2" name="Slide Image Placeholder 1"/>
+          <p:cNvSpPr>
+            <a:spLocks noGrp="1" noRot="1" noChangeAspect="1"/>
+          </p:cNvSpPr>
+          <p:nvPr>
+            <p:ph type="sldImg"/>
+          </p:nvPr>
+        </p:nvSpPr>
+        <p:spPr/>
+      </p:sp>
+      <p:sp>
+        <p:nvSpPr>
+          <p:cNvPr id="3" name="Notes Placeholder 2"/>
+          <p:cNvSpPr>
+            <a:spLocks noGrp="1"/>
+          </p:cNvSpPr>
+          <p:nvPr>
+            <p:ph type="body" idx="1"/>
+          </p:nvPr>
+        </p:nvSpPr>
+        <p:spPr/>
+        <p:txBody>
+          <a:bodyPr/>
+          <a:lstStyle/>
+          <a:p>
+            <a:r>
+              <a:rPr lang="en-AU" i="1" dirty="0"/>
+              <a:t>Speaker Notes: This is where Vision Transformers really shine. In traditional approaches, you extract text from one part of the document, then try to connect it to other parts later. Here, every patch of the document can "attend to" every other patch simultaneously. When processing that Hyatt Hotels invoice, the patch containing "TOTAL" can directly connect to patches containing "$31.33", "GST", and line items - all in one step. This happens 12-24 times through the layers, building increasingly sophisticated understanding. No sequential processing, no coordination problems - just direct global understanding.</a:t>
+            </a:r>
+            <a:endParaRPr lang="en-AU" dirty="0"/>
+          </a:p>
+          <a:p>
+            <a:endParaRPr lang="en-US" dirty="0"/>
+          </a:p>
+        </p:txBody>
+      </p:sp>
+      <p:sp>
+        <p:nvSpPr>
+          <p:cNvPr id="4" name="Slide Number Placeholder 3"/>
+          <p:cNvSpPr>
+            <a:spLocks noGrp="1"/>
+          </p:cNvSpPr>
+          <p:nvPr>
+            <p:ph type="sldNum" sz="quarter" idx="5"/>
+          </p:nvPr>
+        </p:nvSpPr>
+        <p:spPr/>
+        <p:txBody>
+          <a:bodyPr/>
+          <a:lstStyle/>
+          <a:p>
+            <a:fld id="{4421CEC5-989B-3B48-AA40-5F6C85F6110C}" type="slidenum">
+              <a:rPr lang="en-US" smtClean="0"/>
+              <a:t>17</a:t>
+            </a:fld>
+            <a:endParaRPr lang="en-US"/>
+          </a:p>
+        </p:txBody>
+      </p:sp>
+    </p:spTree>
+    <p:extLst>
+      <p:ext uri="{BB962C8B-B14F-4D97-AF65-F5344CB8AC3E}">
+        <p14:creationId xmlns:p14="http://schemas.microsoft.com/office/powerpoint/2010/main" val="2011058690"/>
+      </p:ext>
+    </p:extLst>
+  </p:cSld>
+  <p:clrMapOvr>
+    <a:masterClrMapping/>
+  </p:clrMapOvr>
+</p:notes>
+</file>
+
+<file path=ppt/notesSlides/notesSlide15.xml><?xml version="1.0" encoding="utf-8"?>
+<p:notes xmlns:a="http://schemas.openxmlformats.org/drawingml/2006/main" xmlns:r="http://schemas.openxmlformats.org/officeDocument/2006/relationships" xmlns:p="http://schemas.openxmlformats.org/presentationml/2006/main">
+  <p:cSld>
+    <p:spTree>
+      <p:nvGrpSpPr>
+        <p:cNvPr id="1" name=""/>
+        <p:cNvGrpSpPr/>
+        <p:nvPr/>
+      </p:nvGrpSpPr>
+      <p:grpSpPr>
+        <a:xfrm>
+          <a:off x="0" y="0"/>
+          <a:ext cx="0" cy="0"/>
+          <a:chOff x="0" y="0"/>
+          <a:chExt cx="0" cy="0"/>
+        </a:xfrm>
+      </p:grpSpPr>
+      <p:sp>
+        <p:nvSpPr>
+          <p:cNvPr id="2" name="Slide Image Placeholder 1"/>
+          <p:cNvSpPr>
+            <a:spLocks noGrp="1" noRot="1" noChangeAspect="1"/>
+          </p:cNvSpPr>
+          <p:nvPr>
+            <p:ph type="sldImg"/>
+          </p:nvPr>
+        </p:nvSpPr>
+        <p:spPr/>
+      </p:sp>
+      <p:sp>
+        <p:nvSpPr>
+          <p:cNvPr id="3" name="Notes Placeholder 2"/>
+          <p:cNvSpPr>
+            <a:spLocks noGrp="1"/>
+          </p:cNvSpPr>
+          <p:nvPr>
+            <p:ph type="body" idx="1"/>
+          </p:nvPr>
+        </p:nvSpPr>
+        <p:spPr/>
+        <p:txBody>
+          <a:bodyPr/>
+          <a:lstStyle/>
+          <a:p>
+            <a:r>
+              <a:rPr lang="en-AU" i="1" dirty="0"/>
+              <a:t>The final stage converts the rich visual understanding into the structured output we need. </a:t>
+            </a:r>
+          </a:p>
+          <a:p>
+            <a:r>
+              <a:rPr lang="en-AU" i="1" dirty="0"/>
+              <a:t>The vision-language fusion layer has learned to connect visual patterns - like "$31.33 in large text near the word TOTAL" - to semantic concepts like "this is the document amount". </a:t>
+            </a:r>
+          </a:p>
+          <a:p>
+            <a:r>
+              <a:rPr lang="en-AU" i="1" dirty="0"/>
+              <a:t>The language model head then generates clean, structured text in exactly the format we specify. </a:t>
+            </a:r>
+          </a:p>
+          <a:p>
+            <a:r>
+              <a:rPr lang="en-AU" i="1" dirty="0"/>
+              <a:t>No post-processing, no template matching, no coordination between separate models. One unified system that goes from pixels to structured data.</a:t>
+            </a:r>
+            <a:endParaRPr lang="en-AU" dirty="0"/>
+          </a:p>
+        </p:txBody>
+      </p:sp>
+      <p:sp>
+        <p:nvSpPr>
+          <p:cNvPr id="4" name="Slide Number Placeholder 3"/>
+          <p:cNvSpPr>
+            <a:spLocks noGrp="1"/>
+          </p:cNvSpPr>
+          <p:nvPr>
+            <p:ph type="sldNum" sz="quarter" idx="5"/>
+          </p:nvPr>
+        </p:nvSpPr>
+        <p:spPr/>
+        <p:txBody>
+          <a:bodyPr/>
+          <a:lstStyle/>
+          <a:p>
+            <a:fld id="{4421CEC5-989B-3B48-AA40-5F6C85F6110C}" type="slidenum">
+              <a:rPr lang="en-US" smtClean="0"/>
+              <a:t>18</a:t>
+            </a:fld>
+            <a:endParaRPr lang="en-US"/>
+          </a:p>
+        </p:txBody>
+      </p:sp>
+    </p:spTree>
+    <p:extLst>
+      <p:ext uri="{BB962C8B-B14F-4D97-AF65-F5344CB8AC3E}">
+        <p14:creationId xmlns:p14="http://schemas.microsoft.com/office/powerpoint/2010/main" val="2255041967"/>
+      </p:ext>
+    </p:extLst>
+  </p:cSld>
+  <p:clrMapOvr>
+    <a:masterClrMapping/>
+  </p:clrMapOvr>
+</p:notes>
+</file>
+
+<file path=ppt/notesSlides/notesSlide16.xml><?xml version="1.0" encoding="utf-8"?>
+<p:notes xmlns:a="http://schemas.openxmlformats.org/drawingml/2006/main" xmlns:r="http://schemas.openxmlformats.org/officeDocument/2006/relationships" xmlns:p="http://schemas.openxmlformats.org/presentationml/2006/main">
+  <p:cSld>
+    <p:spTree>
+      <p:nvGrpSpPr>
+        <p:cNvPr id="1" name=""/>
+        <p:cNvGrpSpPr/>
+        <p:nvPr/>
+      </p:nvGrpSpPr>
+      <p:grpSpPr>
+        <a:xfrm>
+          <a:off x="0" y="0"/>
+          <a:ext cx="0" cy="0"/>
+          <a:chOff x="0" y="0"/>
+          <a:chExt cx="0" cy="0"/>
+        </a:xfrm>
+      </p:grpSpPr>
+      <p:sp>
+        <p:nvSpPr>
+          <p:cNvPr id="2" name="Slide Image Placeholder 1"/>
+          <p:cNvSpPr>
+            <a:spLocks noGrp="1" noRot="1" noChangeAspect="1"/>
+          </p:cNvSpPr>
+          <p:nvPr>
+            <p:ph type="sldImg"/>
+          </p:nvPr>
+        </p:nvSpPr>
+        <p:spPr/>
+      </p:sp>
+      <p:sp>
+        <p:nvSpPr>
+          <p:cNvPr id="3" name="Notes Placeholder 2"/>
+          <p:cNvSpPr>
+            <a:spLocks noGrp="1"/>
+          </p:cNvSpPr>
+          <p:nvPr>
+            <p:ph type="body" idx="1"/>
+          </p:nvPr>
+        </p:nvSpPr>
+        <p:spPr/>
+        <p:txBody>
+          <a:bodyPr/>
+          <a:lstStyle/>
+          <a:p>
+            <a:pPr marL="0" marR="0" lvl="0" indent="0" algn="l" defTabSz="914400" rtl="0" eaLnBrk="1" fontAlgn="auto" latinLnBrk="0" hangingPunct="1">
+              <a:lnSpc>
+                <a:spcPct val="100000"/>
+              </a:lnSpc>
+              <a:spcBef>
+                <a:spcPts val="0"/>
+              </a:spcBef>
+              <a:spcAft>
+                <a:spcPts val="0"/>
+              </a:spcAft>
+              <a:buClrTx/>
+              <a:buSzTx/>
+              <a:buFontTx/>
+              <a:buNone/>
+              <a:tabLst/>
+              <a:defRPr/>
+            </a:pPr>
+            <a:r>
+              <a:rPr lang="en-AU" sz="1200" b="0" i="1" kern="1200" dirty="0">
+                <a:solidFill>
+                  <a:schemeClr val="tx1"/>
+                </a:solidFill>
+                <a:effectLst/>
+                <a:latin typeface="+mn-lt"/>
+                <a:ea typeface="+mn-ea"/>
+                <a:cs typeface="+mn-cs"/>
+              </a:rPr>
+              <a:t>Speaker Notes: Attention mechanisms naturally model document structure. Each patch can attend to every other patch, creating global understanding of relationships. </a:t>
+            </a:r>
+            <a:endParaRPr lang="en-AU" sz="1200" b="0" kern="1200" dirty="0">
+              <a:solidFill>
+                <a:schemeClr val="tx1"/>
+              </a:solidFill>
+              <a:effectLst/>
+              <a:latin typeface="+mn-lt"/>
+              <a:ea typeface="+mn-ea"/>
+              <a:cs typeface="+mn-cs"/>
+            </a:endParaRPr>
+          </a:p>
+          <a:p>
+            <a:endParaRPr lang="en-US" dirty="0"/>
+          </a:p>
+        </p:txBody>
+      </p:sp>
+      <p:sp>
+        <p:nvSpPr>
+          <p:cNvPr id="4" name="Slide Number Placeholder 3"/>
+          <p:cNvSpPr>
+            <a:spLocks noGrp="1"/>
+          </p:cNvSpPr>
+          <p:nvPr>
+            <p:ph type="sldNum" sz="quarter" idx="5"/>
+          </p:nvPr>
+        </p:nvSpPr>
+        <p:spPr/>
+        <p:txBody>
+          <a:bodyPr/>
+          <a:lstStyle/>
+          <a:p>
+            <a:fld id="{4421CEC5-989B-3B48-AA40-5F6C85F6110C}" type="slidenum">
+              <a:rPr lang="en-US" smtClean="0"/>
+              <a:t>19</a:t>
+            </a:fld>
+            <a:endParaRPr lang="en-US"/>
+          </a:p>
+        </p:txBody>
+      </p:sp>
+    </p:spTree>
+    <p:extLst>
+      <p:ext uri="{BB962C8B-B14F-4D97-AF65-F5344CB8AC3E}">
+        <p14:creationId xmlns:p14="http://schemas.microsoft.com/office/powerpoint/2010/main" val="2245474899"/>
+      </p:ext>
+    </p:extLst>
+  </p:cSld>
+  <p:clrMapOvr>
+    <a:masterClrMapping/>
+  </p:clrMapOvr>
+</p:notes>
+</file>
+
+<file path=ppt/notesSlides/notesSlide17.xml><?xml version="1.0" encoding="utf-8"?>
+<p:notes xmlns:a="http://schemas.openxmlformats.org/drawingml/2006/main" xmlns:r="http://schemas.openxmlformats.org/officeDocument/2006/relationships" xmlns:p="http://schemas.openxmlformats.org/presentationml/2006/main">
+  <p:cSld>
+    <p:spTree>
+      <p:nvGrpSpPr>
+        <p:cNvPr id="1" name=""/>
+        <p:cNvGrpSpPr/>
+        <p:nvPr/>
+      </p:nvGrpSpPr>
+      <p:grpSpPr>
+        <a:xfrm>
+          <a:off x="0" y="0"/>
+          <a:ext cx="0" cy="0"/>
+          <a:chOff x="0" y="0"/>
+          <a:chExt cx="0" cy="0"/>
+        </a:xfrm>
+      </p:grpSpPr>
+      <p:sp>
+        <p:nvSpPr>
+          <p:cNvPr id="2" name="Slide Image Placeholder 1"/>
+          <p:cNvSpPr>
+            <a:spLocks noGrp="1" noRot="1" noChangeAspect="1"/>
+          </p:cNvSpPr>
+          <p:nvPr>
+            <p:ph type="sldImg"/>
+          </p:nvPr>
+        </p:nvSpPr>
+        <p:spPr/>
+      </p:sp>
+      <p:sp>
+        <p:nvSpPr>
+          <p:cNvPr id="3" name="Notes Placeholder 2"/>
+          <p:cNvSpPr>
+            <a:spLocks noGrp="1"/>
+          </p:cNvSpPr>
+          <p:nvPr>
+            <p:ph type="body" idx="1"/>
+          </p:nvPr>
+        </p:nvSpPr>
+        <p:spPr/>
+        <p:txBody>
+          <a:bodyPr/>
+          <a:lstStyle/>
+          <a:p>
+            <a:pPr marL="0" marR="0" lvl="0" indent="0" algn="l" defTabSz="914400" rtl="0" eaLnBrk="1" fontAlgn="auto" latinLnBrk="0" hangingPunct="1">
+              <a:lnSpc>
+                <a:spcPct val="100000"/>
+              </a:lnSpc>
+              <a:spcBef>
+                <a:spcPts val="0"/>
+              </a:spcBef>
+              <a:spcAft>
+                <a:spcPts val="0"/>
+              </a:spcAft>
+              <a:buClrTx/>
+              <a:buSzTx/>
+              <a:buFontTx/>
+              <a:buNone/>
+              <a:tabLst/>
+              <a:defRPr/>
+            </a:pPr>
+            <a:r>
+              <a:rPr lang="en-AU" sz="1200" b="0" i="1" kern="1200" dirty="0">
+                <a:solidFill>
+                  <a:schemeClr val="tx1"/>
+                </a:solidFill>
+                <a:effectLst/>
+                <a:latin typeface="+mn-lt"/>
+                <a:ea typeface="+mn-ea"/>
+                <a:cs typeface="+mn-cs"/>
+              </a:rPr>
+              <a:t>The architecture determines semantic capture quality. </a:t>
+            </a:r>
+            <a:r>
+              <a:rPr lang="en-AU" sz="1200" b="0" i="1" kern="1200" dirty="0" err="1">
+                <a:solidFill>
+                  <a:schemeClr val="tx1"/>
+                </a:solidFill>
+                <a:effectLst/>
+                <a:latin typeface="+mn-lt"/>
+                <a:ea typeface="+mn-ea"/>
+                <a:cs typeface="+mn-cs"/>
+              </a:rPr>
+              <a:t>LayoutLM</a:t>
+            </a:r>
+            <a:r>
+              <a:rPr lang="en-AU" sz="1200" b="0" i="1" kern="1200" dirty="0">
+                <a:solidFill>
+                  <a:schemeClr val="tx1"/>
+                </a:solidFill>
+                <a:effectLst/>
+                <a:latin typeface="+mn-lt"/>
+                <a:ea typeface="+mn-ea"/>
+                <a:cs typeface="+mn-cs"/>
+              </a:rPr>
+              <a:t> captures information in 3 separate streams then awkwardly fuses them. Vision Transformers capture information holistically from the start. Research consistently shows </a:t>
+            </a:r>
+            <a:r>
+              <a:rPr lang="en-AU" sz="1200" b="0" i="1" kern="1200" dirty="0" err="1">
+                <a:solidFill>
+                  <a:schemeClr val="tx1"/>
+                </a:solidFill>
+                <a:effectLst/>
+                <a:latin typeface="+mn-lt"/>
+                <a:ea typeface="+mn-ea"/>
+                <a:cs typeface="+mn-cs"/>
+              </a:rPr>
+              <a:t>ViT</a:t>
+            </a:r>
+            <a:r>
+              <a:rPr lang="en-AU" sz="1200" b="0" i="1" kern="1200" dirty="0">
+                <a:solidFill>
+                  <a:schemeClr val="tx1"/>
+                </a:solidFill>
+                <a:effectLst/>
+                <a:latin typeface="+mn-lt"/>
+                <a:ea typeface="+mn-ea"/>
+                <a:cs typeface="+mn-cs"/>
+              </a:rPr>
+              <a:t> superiority over OCR-dependent approaches.</a:t>
+            </a:r>
+            <a:endParaRPr lang="en-AU" sz="1200" b="0" kern="1200" dirty="0">
+              <a:solidFill>
+                <a:schemeClr val="tx1"/>
+              </a:solidFill>
+              <a:effectLst/>
+              <a:latin typeface="+mn-lt"/>
+              <a:ea typeface="+mn-ea"/>
+              <a:cs typeface="+mn-cs"/>
+            </a:endParaRPr>
+          </a:p>
+          <a:p>
+            <a:endParaRPr lang="en-US" dirty="0"/>
+          </a:p>
+        </p:txBody>
+      </p:sp>
+      <p:sp>
+        <p:nvSpPr>
+          <p:cNvPr id="4" name="Slide Number Placeholder 3"/>
+          <p:cNvSpPr>
+            <a:spLocks noGrp="1"/>
+          </p:cNvSpPr>
+          <p:nvPr>
+            <p:ph type="sldNum" sz="quarter" idx="5"/>
+          </p:nvPr>
+        </p:nvSpPr>
+        <p:spPr/>
+        <p:txBody>
+          <a:bodyPr/>
+          <a:lstStyle/>
+          <a:p>
+            <a:fld id="{4421CEC5-989B-3B48-AA40-5F6C85F6110C}" type="slidenum">
+              <a:rPr lang="en-US" smtClean="0"/>
+              <a:t>20</a:t>
+            </a:fld>
+            <a:endParaRPr lang="en-US"/>
+          </a:p>
+        </p:txBody>
+      </p:sp>
+    </p:spTree>
+    <p:extLst>
+      <p:ext uri="{BB962C8B-B14F-4D97-AF65-F5344CB8AC3E}">
+        <p14:creationId xmlns:p14="http://schemas.microsoft.com/office/powerpoint/2010/main" val="2521984515"/>
+      </p:ext>
+    </p:extLst>
+  </p:cSld>
+  <p:clrMapOvr>
+    <a:masterClrMapping/>
+  </p:clrMapOvr>
+</p:notes>
+</file>
+
+<file path=ppt/notesSlides/notesSlide18.xml><?xml version="1.0" encoding="utf-8"?>
+<p:notes xmlns:a="http://schemas.openxmlformats.org/drawingml/2006/main" xmlns:r="http://schemas.openxmlformats.org/officeDocument/2006/relationships" xmlns:p="http://schemas.openxmlformats.org/presentationml/2006/main">
+  <p:cSld>
+    <p:spTree>
+      <p:nvGrpSpPr>
+        <p:cNvPr id="1" name=""/>
+        <p:cNvGrpSpPr/>
+        <p:nvPr/>
+      </p:nvGrpSpPr>
+      <p:grpSpPr>
+        <a:xfrm>
+          <a:off x="0" y="0"/>
+          <a:ext cx="0" cy="0"/>
+          <a:chOff x="0" y="0"/>
+          <a:chExt cx="0" cy="0"/>
+        </a:xfrm>
+      </p:grpSpPr>
+      <p:sp>
+        <p:nvSpPr>
+          <p:cNvPr id="2" name="Slide Image Placeholder 1"/>
+          <p:cNvSpPr>
+            <a:spLocks noGrp="1" noRot="1" noChangeAspect="1"/>
+          </p:cNvSpPr>
+          <p:nvPr>
+            <p:ph type="sldImg"/>
+          </p:nvPr>
+        </p:nvSpPr>
+        <p:spPr/>
+      </p:sp>
+      <p:sp>
+        <p:nvSpPr>
+          <p:cNvPr id="3" name="Notes Placeholder 2"/>
+          <p:cNvSpPr>
+            <a:spLocks noGrp="1"/>
+          </p:cNvSpPr>
+          <p:nvPr>
+            <p:ph type="body" idx="1"/>
+          </p:nvPr>
+        </p:nvSpPr>
+        <p:spPr/>
+        <p:txBody>
+          <a:bodyPr/>
+          <a:lstStyle/>
+          <a:p>
+            <a:pPr marL="0" marR="0" lvl="0" indent="0" algn="l" defTabSz="914400" rtl="0" eaLnBrk="1" fontAlgn="auto" latinLnBrk="0" hangingPunct="1">
+              <a:lnSpc>
+                <a:spcPct val="100000"/>
+              </a:lnSpc>
+              <a:spcBef>
+                <a:spcPts val="0"/>
+              </a:spcBef>
+              <a:spcAft>
+                <a:spcPts val="0"/>
+              </a:spcAft>
+              <a:buClrTx/>
+              <a:buSzTx/>
+              <a:buFontTx/>
+              <a:buNone/>
+              <a:tabLst/>
+              <a:defRPr/>
+            </a:pPr>
+            <a:r>
+              <a:rPr lang="en-AU" sz="1200" b="0" i="1" kern="1200" dirty="0">
+                <a:solidFill>
+                  <a:schemeClr val="tx1"/>
+                </a:solidFill>
+                <a:effectLst/>
+                <a:latin typeface="+mn-lt"/>
+                <a:ea typeface="+mn-ea"/>
+                <a:cs typeface="+mn-cs"/>
+              </a:rPr>
+              <a:t>Speaker Notes: This diagram shows the complete Vision Transformer pipeline processing our Hyatt Hotels invoice. Notice how the model progresses from </a:t>
+            </a:r>
+            <a:r>
+              <a:rPr lang="en-AU" sz="1200" b="0" i="1" kern="1200" dirty="0" err="1">
+                <a:solidFill>
+                  <a:schemeClr val="tx1"/>
+                </a:solidFill>
+                <a:effectLst/>
+                <a:latin typeface="+mn-lt"/>
+                <a:ea typeface="+mn-ea"/>
+                <a:cs typeface="+mn-cs"/>
+              </a:rPr>
+              <a:t>analyzing</a:t>
+            </a:r>
+            <a:r>
+              <a:rPr lang="en-AU" sz="1200" b="0" i="1" kern="1200" dirty="0">
+                <a:solidFill>
+                  <a:schemeClr val="tx1"/>
+                </a:solidFill>
+                <a:effectLst/>
+                <a:latin typeface="+mn-lt"/>
+                <a:ea typeface="+mn-ea"/>
+                <a:cs typeface="+mn-cs"/>
+              </a:rPr>
+              <a:t> individual patches (header, items, totals, payment) through multiple attention layers that build regional and then global understanding. The semantic understanding phase identifies relationships like "Subtotal + GST → Total", and finally generates all the structured output fields we need.</a:t>
+            </a:r>
+            <a:endParaRPr lang="en-AU" sz="1200" b="0" kern="1200" dirty="0">
+              <a:solidFill>
+                <a:schemeClr val="tx1"/>
+              </a:solidFill>
+              <a:effectLst/>
+              <a:latin typeface="+mn-lt"/>
+              <a:ea typeface="+mn-ea"/>
+              <a:cs typeface="+mn-cs"/>
+            </a:endParaRPr>
+          </a:p>
+          <a:p>
+            <a:endParaRPr lang="en-US" dirty="0"/>
+          </a:p>
+        </p:txBody>
+      </p:sp>
+      <p:sp>
+        <p:nvSpPr>
+          <p:cNvPr id="4" name="Slide Number Placeholder 3"/>
+          <p:cNvSpPr>
+            <a:spLocks noGrp="1"/>
+          </p:cNvSpPr>
+          <p:nvPr>
+            <p:ph type="sldNum" sz="quarter" idx="5"/>
+          </p:nvPr>
+        </p:nvSpPr>
+        <p:spPr/>
+        <p:txBody>
+          <a:bodyPr/>
+          <a:lstStyle/>
+          <a:p>
+            <a:fld id="{4421CEC5-989B-3B48-AA40-5F6C85F6110C}" type="slidenum">
+              <a:rPr lang="en-US" smtClean="0"/>
+              <a:t>21</a:t>
+            </a:fld>
+            <a:endParaRPr lang="en-US"/>
+          </a:p>
+        </p:txBody>
+      </p:sp>
+    </p:spTree>
+    <p:extLst>
+      <p:ext uri="{BB962C8B-B14F-4D97-AF65-F5344CB8AC3E}">
+        <p14:creationId xmlns:p14="http://schemas.microsoft.com/office/powerpoint/2010/main" val="1849044882"/>
+      </p:ext>
+    </p:extLst>
+  </p:cSld>
+  <p:clrMapOvr>
+    <a:masterClrMapping/>
+  </p:clrMapOvr>
+</p:notes>
+</file>
+
+<file path=ppt/notesSlides/notesSlide19.xml><?xml version="1.0" encoding="utf-8"?>
+<p:notes xmlns:a="http://schemas.openxmlformats.org/drawingml/2006/main" xmlns:r="http://schemas.openxmlformats.org/officeDocument/2006/relationships" xmlns:p="http://schemas.openxmlformats.org/presentationml/2006/main">
+  <p:cSld>
+    <p:spTree>
+      <p:nvGrpSpPr>
+        <p:cNvPr id="1" name=""/>
+        <p:cNvGrpSpPr/>
+        <p:nvPr/>
+      </p:nvGrpSpPr>
+      <p:grpSpPr>
+        <a:xfrm>
+          <a:off x="0" y="0"/>
+          <a:ext cx="0" cy="0"/>
+          <a:chOff x="0" y="0"/>
+          <a:chExt cx="0" cy="0"/>
+        </a:xfrm>
+      </p:grpSpPr>
+      <p:sp>
+        <p:nvSpPr>
+          <p:cNvPr id="2" name="Slide Image Placeholder 1"/>
+          <p:cNvSpPr>
+            <a:spLocks noGrp="1" noRot="1" noChangeAspect="1"/>
+          </p:cNvSpPr>
+          <p:nvPr>
+            <p:ph type="sldImg"/>
+          </p:nvPr>
+        </p:nvSpPr>
+        <p:spPr/>
+      </p:sp>
+      <p:sp>
+        <p:nvSpPr>
+          <p:cNvPr id="3" name="Notes Placeholder 2"/>
+          <p:cNvSpPr>
+            <a:spLocks noGrp="1"/>
+          </p:cNvSpPr>
+          <p:nvPr>
+            <p:ph type="body" idx="1"/>
+          </p:nvPr>
+        </p:nvSpPr>
+        <p:spPr/>
+        <p:txBody>
+          <a:bodyPr/>
+          <a:lstStyle/>
+          <a:p>
+            <a:r>
+              <a:rPr lang="en-US" b="0" dirty="0"/>
+              <a:t>I watched a </a:t>
+            </a:r>
+            <a:r>
+              <a:rPr lang="en-US" b="0" dirty="0" err="1"/>
+              <a:t>youtube</a:t>
+            </a:r>
+            <a:r>
+              <a:rPr lang="en-US" b="0" dirty="0"/>
+              <a:t> video this morning where </a:t>
+            </a:r>
+            <a:r>
+              <a:rPr lang="en-AU" b="1" dirty="0"/>
+              <a:t>Llama-3.2-Vision-11B</a:t>
+            </a:r>
+            <a:r>
+              <a:rPr lang="en-AU" b="0" dirty="0"/>
+              <a:t> was shown the image of the classic 3-4-5 right triangle and the prompt asked for the missing hypotenuse given the length of the two shorter sides. The then proceeded to solve for the missing side, with a step-by-step proof that any Year 9 student would be proud of.</a:t>
+            </a:r>
+            <a:endParaRPr lang="en-US" b="0" dirty="0"/>
+          </a:p>
+        </p:txBody>
+      </p:sp>
+      <p:sp>
+        <p:nvSpPr>
+          <p:cNvPr id="4" name="Slide Number Placeholder 3"/>
+          <p:cNvSpPr>
+            <a:spLocks noGrp="1"/>
+          </p:cNvSpPr>
+          <p:nvPr>
+            <p:ph type="sldNum" sz="quarter" idx="5"/>
+          </p:nvPr>
+        </p:nvSpPr>
+        <p:spPr/>
+        <p:txBody>
+          <a:bodyPr/>
+          <a:lstStyle/>
+          <a:p>
+            <a:fld id="{4421CEC5-989B-3B48-AA40-5F6C85F6110C}" type="slidenum">
+              <a:rPr lang="en-US" smtClean="0"/>
+              <a:t>22</a:t>
+            </a:fld>
+            <a:endParaRPr lang="en-US"/>
+          </a:p>
+        </p:txBody>
+      </p:sp>
+    </p:spTree>
+    <p:extLst>
+      <p:ext uri="{BB962C8B-B14F-4D97-AF65-F5344CB8AC3E}">
+        <p14:creationId xmlns:p14="http://schemas.microsoft.com/office/powerpoint/2010/main" val="1147594856"/>
+      </p:ext>
+    </p:extLst>
+  </p:cSld>
+  <p:clrMapOvr>
+    <a:masterClrMapping/>
+  </p:clrMapOvr>
+</p:notes>
+</file>
+
+<file path=ppt/notesSlides/notesSlide2.xml><?xml version="1.0" encoding="utf-8"?>
+<p:notes xmlns:a="http://schemas.openxmlformats.org/drawingml/2006/main" xmlns:r="http://schemas.openxmlformats.org/officeDocument/2006/relationships" xmlns:p="http://schemas.openxmlformats.org/presentationml/2006/main">
+  <p:cSld>
+    <p:spTree>
+      <p:nvGrpSpPr>
+        <p:cNvPr id="1" name=""/>
+        <p:cNvGrpSpPr/>
+        <p:nvPr/>
+      </p:nvGrpSpPr>
+      <p:grpSpPr>
+        <a:xfrm>
+          <a:off x="0" y="0"/>
+          <a:ext cx="0" cy="0"/>
+          <a:chOff x="0" y="0"/>
+          <a:chExt cx="0" cy="0"/>
+        </a:xfrm>
+      </p:grpSpPr>
+      <p:sp>
+        <p:nvSpPr>
+          <p:cNvPr id="2" name="Slide Image Placeholder 1"/>
+          <p:cNvSpPr>
+            <a:spLocks noGrp="1" noRot="1" noChangeAspect="1"/>
+          </p:cNvSpPr>
+          <p:nvPr>
+            <p:ph type="sldImg"/>
+          </p:nvPr>
+        </p:nvSpPr>
+        <p:spPr/>
+      </p:sp>
+      <p:sp>
+        <p:nvSpPr>
+          <p:cNvPr id="3" name="Notes Placeholder 2"/>
+          <p:cNvSpPr>
+            <a:spLocks noGrp="1"/>
+          </p:cNvSpPr>
+          <p:nvPr>
+            <p:ph type="body" idx="1"/>
+          </p:nvPr>
+        </p:nvSpPr>
+        <p:spPr/>
+        <p:txBody>
+          <a:bodyPr/>
+          <a:lstStyle/>
+          <a:p>
+            <a:r>
+              <a:rPr lang="en-AU" i="1" dirty="0"/>
+              <a:t>Speaker Notes: This evolution reflects global trends. Organizations worldwide face similar challenges with </a:t>
+            </a:r>
+            <a:r>
+              <a:rPr lang="en-AU" i="1" dirty="0" err="1"/>
+              <a:t>LayoutLM's</a:t>
+            </a:r>
+            <a:r>
+              <a:rPr lang="en-AU" i="1" dirty="0"/>
+              <a:t> limitations. Research shows: "</a:t>
+            </a:r>
+            <a:r>
+              <a:rPr lang="en-AU" i="1" dirty="0" err="1"/>
+              <a:t>LayoutLM</a:t>
+            </a:r>
+            <a:r>
+              <a:rPr lang="en-AU" i="1" dirty="0"/>
+              <a:t> makes use of Tesseract OCR which is not very accurate" (</a:t>
+            </a:r>
+            <a:r>
+              <a:rPr lang="en-AU" i="1" dirty="0" err="1"/>
+              <a:t>Nitor</a:t>
+            </a:r>
+            <a:r>
+              <a:rPr lang="en-AU" i="1" dirty="0"/>
+              <a:t> Infotech, 2024). "Training </a:t>
+            </a:r>
+            <a:r>
+              <a:rPr lang="en-AU" i="1" dirty="0" err="1"/>
+              <a:t>LayoutLM</a:t>
+            </a:r>
+            <a:r>
+              <a:rPr lang="en-AU" i="1" dirty="0"/>
+              <a:t> can be computationally intensive" (UBIAI, 2024). </a:t>
+            </a:r>
+            <a:endParaRPr lang="en-AU" dirty="0"/>
+          </a:p>
+          <a:p>
+            <a:br>
+              <a:rPr lang="en-AU" dirty="0"/>
+            </a:br>
+            <a:r>
+              <a:rPr lang="en-AU" i="1" dirty="0"/>
+              <a:t>Important: </a:t>
+            </a:r>
+            <a:r>
+              <a:rPr lang="en-AU" i="1" dirty="0" err="1"/>
+              <a:t>LayoutLM</a:t>
+            </a:r>
+            <a:r>
+              <a:rPr lang="en-AU" i="1" dirty="0"/>
+              <a:t> v1 (2020) used R-CNN for visual features, but v2/v3 (2021-2023) adopted image patches similar to Vision Transformers. However, most production systems still run </a:t>
+            </a:r>
+            <a:r>
+              <a:rPr lang="en-AU" i="1" dirty="0" err="1"/>
+              <a:t>LayoutLM</a:t>
+            </a:r>
+            <a:r>
+              <a:rPr lang="en-AU" i="1" dirty="0"/>
+              <a:t> v1, which is why this presentation focuses on v1's limitations. The shift to dedicated Vision Transformers represents an industry-wide advancement beyond even </a:t>
+            </a:r>
+            <a:r>
+              <a:rPr lang="en-AU" i="1" dirty="0" err="1"/>
+              <a:t>LayoutLM</a:t>
+            </a:r>
+            <a:r>
+              <a:rPr lang="en-AU" i="1" dirty="0"/>
+              <a:t> v3.</a:t>
+            </a:r>
+            <a:endParaRPr lang="en-AU" dirty="0"/>
+          </a:p>
+          <a:p>
+            <a:endParaRPr lang="en-US" dirty="0"/>
+          </a:p>
+        </p:txBody>
+      </p:sp>
+      <p:sp>
+        <p:nvSpPr>
+          <p:cNvPr id="4" name="Slide Number Placeholder 3"/>
+          <p:cNvSpPr>
+            <a:spLocks noGrp="1"/>
+          </p:cNvSpPr>
+          <p:nvPr>
+            <p:ph type="sldNum" sz="quarter" idx="5"/>
+          </p:nvPr>
+        </p:nvSpPr>
+        <p:spPr/>
+        <p:txBody>
+          <a:bodyPr/>
+          <a:lstStyle/>
+          <a:p>
+            <a:fld id="{4421CEC5-989B-3B48-AA40-5F6C85F6110C}" type="slidenum">
+              <a:rPr lang="en-US" smtClean="0"/>
+              <a:t>4</a:t>
+            </a:fld>
+            <a:endParaRPr lang="en-US"/>
+          </a:p>
+        </p:txBody>
+      </p:sp>
+    </p:spTree>
+    <p:extLst>
+      <p:ext uri="{BB962C8B-B14F-4D97-AF65-F5344CB8AC3E}">
+        <p14:creationId xmlns:p14="http://schemas.microsoft.com/office/powerpoint/2010/main" val="1797898794"/>
+      </p:ext>
+    </p:extLst>
+  </p:cSld>
+  <p:clrMapOvr>
+    <a:masterClrMapping/>
+  </p:clrMapOvr>
+</p:notes>
+</file>
+
+<file path=ppt/notesSlides/notesSlide20.xml><?xml version="1.0" encoding="utf-8"?>
+<p:notes xmlns:a="http://schemas.openxmlformats.org/drawingml/2006/main" xmlns:r="http://schemas.openxmlformats.org/officeDocument/2006/relationships" xmlns:p="http://schemas.openxmlformats.org/presentationml/2006/main">
+  <p:cSld>
+    <p:spTree>
+      <p:nvGrpSpPr>
+        <p:cNvPr id="1" name=""/>
+        <p:cNvGrpSpPr/>
+        <p:nvPr/>
+      </p:nvGrpSpPr>
+      <p:grpSpPr>
+        <a:xfrm>
+          <a:off x="0" y="0"/>
+          <a:ext cx="0" cy="0"/>
+          <a:chOff x="0" y="0"/>
+          <a:chExt cx="0" cy="0"/>
+        </a:xfrm>
+      </p:grpSpPr>
+      <p:sp>
+        <p:nvSpPr>
+          <p:cNvPr id="2" name="Slide Image Placeholder 1"/>
+          <p:cNvSpPr>
+            <a:spLocks noGrp="1" noRot="1" noChangeAspect="1"/>
+          </p:cNvSpPr>
+          <p:nvPr>
+            <p:ph type="sldImg"/>
+          </p:nvPr>
+        </p:nvSpPr>
+        <p:spPr/>
+      </p:sp>
+      <p:sp>
+        <p:nvSpPr>
+          <p:cNvPr id="3" name="Notes Placeholder 2"/>
+          <p:cNvSpPr>
+            <a:spLocks noGrp="1"/>
+          </p:cNvSpPr>
+          <p:nvPr>
+            <p:ph type="body" idx="1"/>
+          </p:nvPr>
+        </p:nvSpPr>
+        <p:spPr/>
+        <p:txBody>
+          <a:bodyPr/>
+          <a:lstStyle/>
+          <a:p>
+            <a:endParaRPr lang="en-US"/>
+          </a:p>
+        </p:txBody>
+      </p:sp>
+      <p:sp>
+        <p:nvSpPr>
+          <p:cNvPr id="4" name="Slide Number Placeholder 3"/>
+          <p:cNvSpPr>
+            <a:spLocks noGrp="1"/>
+          </p:cNvSpPr>
+          <p:nvPr>
+            <p:ph type="sldNum" sz="quarter" idx="5"/>
+          </p:nvPr>
+        </p:nvSpPr>
+        <p:spPr/>
+        <p:txBody>
+          <a:bodyPr/>
+          <a:lstStyle/>
+          <a:p>
+            <a:fld id="{4421CEC5-989B-3B48-AA40-5F6C85F6110C}" type="slidenum">
+              <a:rPr lang="en-US" smtClean="0"/>
+              <a:t>23</a:t>
+            </a:fld>
+            <a:endParaRPr lang="en-US"/>
+          </a:p>
+        </p:txBody>
+      </p:sp>
+    </p:spTree>
+    <p:extLst>
+      <p:ext uri="{BB962C8B-B14F-4D97-AF65-F5344CB8AC3E}">
+        <p14:creationId xmlns:p14="http://schemas.microsoft.com/office/powerpoint/2010/main" val="787923043"/>
+      </p:ext>
+    </p:extLst>
+  </p:cSld>
+  <p:clrMapOvr>
+    <a:masterClrMapping/>
+  </p:clrMapOvr>
+</p:notes>
+</file>
+
+<file path=ppt/notesSlides/notesSlide21.xml><?xml version="1.0" encoding="utf-8"?>
+<p:notes xmlns:a="http://schemas.openxmlformats.org/drawingml/2006/main" xmlns:r="http://schemas.openxmlformats.org/officeDocument/2006/relationships" xmlns:p="http://schemas.openxmlformats.org/presentationml/2006/main">
+  <p:cSld>
+    <p:spTree>
+      <p:nvGrpSpPr>
+        <p:cNvPr id="1" name=""/>
+        <p:cNvGrpSpPr/>
+        <p:nvPr/>
+      </p:nvGrpSpPr>
+      <p:grpSpPr>
+        <a:xfrm>
+          <a:off x="0" y="0"/>
+          <a:ext cx="0" cy="0"/>
+          <a:chOff x="0" y="0"/>
+          <a:chExt cx="0" cy="0"/>
+        </a:xfrm>
+      </p:grpSpPr>
+      <p:sp>
+        <p:nvSpPr>
+          <p:cNvPr id="2" name="Slide Image Placeholder 1"/>
+          <p:cNvSpPr>
+            <a:spLocks noGrp="1" noRot="1" noChangeAspect="1"/>
+          </p:cNvSpPr>
+          <p:nvPr>
+            <p:ph type="sldImg"/>
+          </p:nvPr>
+        </p:nvSpPr>
+        <p:spPr/>
+      </p:sp>
+      <p:sp>
+        <p:nvSpPr>
+          <p:cNvPr id="3" name="Notes Placeholder 2"/>
+          <p:cNvSpPr>
+            <a:spLocks noGrp="1"/>
+          </p:cNvSpPr>
+          <p:nvPr>
+            <p:ph type="body" idx="1"/>
+          </p:nvPr>
+        </p:nvSpPr>
+        <p:spPr/>
+        <p:txBody>
+          <a:bodyPr/>
+          <a:lstStyle/>
+          <a:p>
+            <a:endParaRPr lang="en-US" dirty="0"/>
+          </a:p>
+        </p:txBody>
+      </p:sp>
+      <p:sp>
+        <p:nvSpPr>
+          <p:cNvPr id="4" name="Slide Number Placeholder 3"/>
+          <p:cNvSpPr>
+            <a:spLocks noGrp="1"/>
+          </p:cNvSpPr>
+          <p:nvPr>
+            <p:ph type="sldNum" sz="quarter" idx="5"/>
+          </p:nvPr>
+        </p:nvSpPr>
+        <p:spPr/>
+        <p:txBody>
+          <a:bodyPr/>
+          <a:lstStyle/>
+          <a:p>
+            <a:fld id="{4421CEC5-989B-3B48-AA40-5F6C85F6110C}" type="slidenum">
+              <a:rPr lang="en-US" smtClean="0"/>
+              <a:t>24</a:t>
+            </a:fld>
+            <a:endParaRPr lang="en-US"/>
+          </a:p>
+        </p:txBody>
+      </p:sp>
+    </p:spTree>
+    <p:extLst>
+      <p:ext uri="{BB962C8B-B14F-4D97-AF65-F5344CB8AC3E}">
+        <p14:creationId xmlns:p14="http://schemas.microsoft.com/office/powerpoint/2010/main" val="1901061400"/>
+      </p:ext>
+    </p:extLst>
+  </p:cSld>
+  <p:clrMapOvr>
+    <a:masterClrMapping/>
+  </p:clrMapOvr>
+</p:notes>
+</file>
+
+<file path=ppt/notesSlides/notesSlide3.xml><?xml version="1.0" encoding="utf-8"?>
+<p:notes xmlns:a="http://schemas.openxmlformats.org/drawingml/2006/main" xmlns:r="http://schemas.openxmlformats.org/officeDocument/2006/relationships" xmlns:p="http://schemas.openxmlformats.org/presentationml/2006/main">
+  <p:cSld>
+    <p:spTree>
+      <p:nvGrpSpPr>
+        <p:cNvPr id="1" name=""/>
+        <p:cNvGrpSpPr/>
+        <p:nvPr/>
+      </p:nvGrpSpPr>
+      <p:grpSpPr>
+        <a:xfrm>
+          <a:off x="0" y="0"/>
+          <a:ext cx="0" cy="0"/>
+          <a:chOff x="0" y="0"/>
+          <a:chExt cx="0" cy="0"/>
+        </a:xfrm>
+      </p:grpSpPr>
+      <p:sp>
+        <p:nvSpPr>
+          <p:cNvPr id="2" name="Slide Image Placeholder 1"/>
+          <p:cNvSpPr>
+            <a:spLocks noGrp="1" noRot="1" noChangeAspect="1"/>
+          </p:cNvSpPr>
+          <p:nvPr>
+            <p:ph type="sldImg"/>
+          </p:nvPr>
+        </p:nvSpPr>
+        <p:spPr/>
+      </p:sp>
+      <p:sp>
+        <p:nvSpPr>
+          <p:cNvPr id="3" name="Notes Placeholder 2"/>
+          <p:cNvSpPr>
+            <a:spLocks noGrp="1"/>
+          </p:cNvSpPr>
+          <p:nvPr>
+            <p:ph type="body" idx="1"/>
+          </p:nvPr>
+        </p:nvSpPr>
+        <p:spPr/>
+        <p:txBody>
+          <a:bodyPr/>
+          <a:lstStyle/>
+          <a:p>
+            <a:r>
+              <a:rPr lang="en-AU" i="1" dirty="0"/>
+              <a:t>These aren't minor issues - they're fundamental architectural limitations of </a:t>
+            </a:r>
+            <a:r>
+              <a:rPr lang="en-AU" i="1" dirty="0" err="1"/>
+              <a:t>LayoutLM</a:t>
+            </a:r>
+            <a:r>
+              <a:rPr lang="en-AU" i="1" dirty="0"/>
+              <a:t> v1 that prevent scaling and improvement. Note: Later versions (v2, v3) addressed some of these issues by adopting image patches, but most production systems still use v1.</a:t>
+            </a:r>
+            <a:endParaRPr lang="en-AU" dirty="0"/>
+          </a:p>
+          <a:p>
+            <a:endParaRPr lang="en-US" dirty="0"/>
+          </a:p>
+        </p:txBody>
+      </p:sp>
+      <p:sp>
+        <p:nvSpPr>
+          <p:cNvPr id="4" name="Slide Number Placeholder 3"/>
+          <p:cNvSpPr>
+            <a:spLocks noGrp="1"/>
+          </p:cNvSpPr>
+          <p:nvPr>
+            <p:ph type="sldNum" sz="quarter" idx="5"/>
+          </p:nvPr>
+        </p:nvSpPr>
+        <p:spPr/>
+        <p:txBody>
+          <a:bodyPr/>
+          <a:lstStyle/>
+          <a:p>
+            <a:fld id="{4421CEC5-989B-3B48-AA40-5F6C85F6110C}" type="slidenum">
+              <a:rPr lang="en-US" smtClean="0"/>
+              <a:t>5</a:t>
+            </a:fld>
+            <a:endParaRPr lang="en-US"/>
+          </a:p>
+        </p:txBody>
+      </p:sp>
+    </p:spTree>
+    <p:extLst>
+      <p:ext uri="{BB962C8B-B14F-4D97-AF65-F5344CB8AC3E}">
+        <p14:creationId xmlns:p14="http://schemas.microsoft.com/office/powerpoint/2010/main" val="3998264995"/>
+      </p:ext>
+    </p:extLst>
+  </p:cSld>
+  <p:clrMapOvr>
+    <a:masterClrMapping/>
+  </p:clrMapOvr>
+</p:notes>
+</file>
+
+<file path=ppt/notesSlides/notesSlide4.xml><?xml version="1.0" encoding="utf-8"?>
+<p:notes xmlns:a="http://schemas.openxmlformats.org/drawingml/2006/main" xmlns:r="http://schemas.openxmlformats.org/officeDocument/2006/relationships" xmlns:p="http://schemas.openxmlformats.org/presentationml/2006/main">
+  <p:cSld>
+    <p:spTree>
+      <p:nvGrpSpPr>
+        <p:cNvPr id="1" name=""/>
+        <p:cNvGrpSpPr/>
+        <p:nvPr/>
+      </p:nvGrpSpPr>
+      <p:grpSpPr>
+        <a:xfrm>
+          <a:off x="0" y="0"/>
+          <a:ext cx="0" cy="0"/>
+          <a:chOff x="0" y="0"/>
+          <a:chExt cx="0" cy="0"/>
+        </a:xfrm>
+      </p:grpSpPr>
+      <p:sp>
+        <p:nvSpPr>
+          <p:cNvPr id="2" name="Slide Image Placeholder 1"/>
+          <p:cNvSpPr>
+            <a:spLocks noGrp="1" noRot="1" noChangeAspect="1"/>
+          </p:cNvSpPr>
+          <p:nvPr>
+            <p:ph type="sldImg"/>
+          </p:nvPr>
+        </p:nvSpPr>
+        <p:spPr/>
+      </p:sp>
+      <p:sp>
+        <p:nvSpPr>
+          <p:cNvPr id="3" name="Notes Placeholder 2"/>
+          <p:cNvSpPr>
+            <a:spLocks noGrp="1"/>
+          </p:cNvSpPr>
+          <p:nvPr>
+            <p:ph type="body" idx="1"/>
+          </p:nvPr>
+        </p:nvSpPr>
+        <p:spPr/>
+        <p:txBody>
+          <a:bodyPr/>
+          <a:lstStyle/>
+          <a:p>
+            <a:endParaRPr lang="en-US"/>
+          </a:p>
+        </p:txBody>
+      </p:sp>
+      <p:sp>
+        <p:nvSpPr>
+          <p:cNvPr id="4" name="Slide Number Placeholder 3"/>
+          <p:cNvSpPr>
+            <a:spLocks noGrp="1"/>
+          </p:cNvSpPr>
+          <p:nvPr>
+            <p:ph type="sldNum" sz="quarter" idx="5"/>
+          </p:nvPr>
+        </p:nvSpPr>
+        <p:spPr/>
+        <p:txBody>
+          <a:bodyPr/>
+          <a:lstStyle/>
+          <a:p>
+            <a:fld id="{4421CEC5-989B-3B48-AA40-5F6C85F6110C}" type="slidenum">
+              <a:rPr lang="en-US" smtClean="0"/>
+              <a:t>6</a:t>
+            </a:fld>
+            <a:endParaRPr lang="en-US"/>
+          </a:p>
+        </p:txBody>
+      </p:sp>
+    </p:spTree>
+    <p:extLst>
+      <p:ext uri="{BB962C8B-B14F-4D97-AF65-F5344CB8AC3E}">
+        <p14:creationId xmlns:p14="http://schemas.microsoft.com/office/powerpoint/2010/main" val="3919172452"/>
+      </p:ext>
+    </p:extLst>
+  </p:cSld>
+  <p:clrMapOvr>
+    <a:masterClrMapping/>
+  </p:clrMapOvr>
+</p:notes>
+</file>
+
+<file path=ppt/notesSlides/notesSlide5.xml><?xml version="1.0" encoding="utf-8"?>
+<p:notes xmlns:a="http://schemas.openxmlformats.org/drawingml/2006/main" xmlns:r="http://schemas.openxmlformats.org/officeDocument/2006/relationships" xmlns:p="http://schemas.openxmlformats.org/presentationml/2006/main">
+  <p:cSld>
+    <p:spTree>
+      <p:nvGrpSpPr>
+        <p:cNvPr id="1" name=""/>
+        <p:cNvGrpSpPr/>
+        <p:nvPr/>
+      </p:nvGrpSpPr>
+      <p:grpSpPr>
+        <a:xfrm>
+          <a:off x="0" y="0"/>
+          <a:ext cx="0" cy="0"/>
+          <a:chOff x="0" y="0"/>
+          <a:chExt cx="0" cy="0"/>
+        </a:xfrm>
+      </p:grpSpPr>
+      <p:sp>
+        <p:nvSpPr>
+          <p:cNvPr id="2" name="Slide Image Placeholder 1"/>
+          <p:cNvSpPr>
+            <a:spLocks noGrp="1" noRot="1" noChangeAspect="1"/>
+          </p:cNvSpPr>
+          <p:nvPr>
+            <p:ph type="sldImg"/>
+          </p:nvPr>
+        </p:nvSpPr>
+        <p:spPr/>
+      </p:sp>
+      <p:sp>
+        <p:nvSpPr>
+          <p:cNvPr id="3" name="Notes Placeholder 2"/>
+          <p:cNvSpPr>
+            <a:spLocks noGrp="1"/>
+          </p:cNvSpPr>
+          <p:nvPr>
+            <p:ph type="body" idx="1"/>
+          </p:nvPr>
+        </p:nvSpPr>
+        <p:spPr/>
+        <p:txBody>
+          <a:bodyPr/>
+          <a:lstStyle/>
+          <a:p>
+            <a:endParaRPr lang="en-US"/>
+          </a:p>
+        </p:txBody>
+      </p:sp>
+      <p:sp>
+        <p:nvSpPr>
+          <p:cNvPr id="4" name="Slide Number Placeholder 3"/>
+          <p:cNvSpPr>
+            <a:spLocks noGrp="1"/>
+          </p:cNvSpPr>
+          <p:nvPr>
+            <p:ph type="sldNum" sz="quarter" idx="5"/>
+          </p:nvPr>
+        </p:nvSpPr>
+        <p:spPr/>
+        <p:txBody>
+          <a:bodyPr/>
+          <a:lstStyle/>
+          <a:p>
+            <a:fld id="{4421CEC5-989B-3B48-AA40-5F6C85F6110C}" type="slidenum">
+              <a:rPr lang="en-US" smtClean="0"/>
+              <a:t>7</a:t>
+            </a:fld>
+            <a:endParaRPr lang="en-US"/>
+          </a:p>
+        </p:txBody>
+      </p:sp>
+    </p:spTree>
+    <p:extLst>
+      <p:ext uri="{BB962C8B-B14F-4D97-AF65-F5344CB8AC3E}">
+        <p14:creationId xmlns:p14="http://schemas.microsoft.com/office/powerpoint/2010/main" val="2538327220"/>
+      </p:ext>
+    </p:extLst>
+  </p:cSld>
+  <p:clrMapOvr>
+    <a:masterClrMapping/>
+  </p:clrMapOvr>
+</p:notes>
+</file>
+
+<file path=ppt/notesSlides/notesSlide6.xml><?xml version="1.0" encoding="utf-8"?>
+<p:notes xmlns:a="http://schemas.openxmlformats.org/drawingml/2006/main" xmlns:r="http://schemas.openxmlformats.org/officeDocument/2006/relationships" xmlns:p="http://schemas.openxmlformats.org/presentationml/2006/main">
+  <p:cSld>
+    <p:spTree>
+      <p:nvGrpSpPr>
+        <p:cNvPr id="1" name=""/>
+        <p:cNvGrpSpPr/>
+        <p:nvPr/>
+      </p:nvGrpSpPr>
+      <p:grpSpPr>
+        <a:xfrm>
+          <a:off x="0" y="0"/>
+          <a:ext cx="0" cy="0"/>
+          <a:chOff x="0" y="0"/>
+          <a:chExt cx="0" cy="0"/>
+        </a:xfrm>
+      </p:grpSpPr>
+      <p:sp>
+        <p:nvSpPr>
+          <p:cNvPr id="2" name="Slide Image Placeholder 1"/>
+          <p:cNvSpPr>
+            <a:spLocks noGrp="1" noRot="1" noChangeAspect="1"/>
+          </p:cNvSpPr>
+          <p:nvPr>
+            <p:ph type="sldImg"/>
+          </p:nvPr>
+        </p:nvSpPr>
+        <p:spPr/>
+      </p:sp>
+      <p:sp>
+        <p:nvSpPr>
+          <p:cNvPr id="3" name="Notes Placeholder 2"/>
+          <p:cNvSpPr>
+            <a:spLocks noGrp="1"/>
+          </p:cNvSpPr>
+          <p:nvPr>
+            <p:ph type="body" idx="1"/>
+          </p:nvPr>
+        </p:nvSpPr>
+        <p:spPr/>
+        <p:txBody>
+          <a:bodyPr/>
+          <a:lstStyle/>
+          <a:p>
+            <a:endParaRPr lang="en-US"/>
+          </a:p>
+        </p:txBody>
+      </p:sp>
+      <p:sp>
+        <p:nvSpPr>
+          <p:cNvPr id="4" name="Slide Number Placeholder 3"/>
+          <p:cNvSpPr>
+            <a:spLocks noGrp="1"/>
+          </p:cNvSpPr>
+          <p:nvPr>
+            <p:ph type="sldNum" sz="quarter" idx="5"/>
+          </p:nvPr>
+        </p:nvSpPr>
+        <p:spPr/>
+        <p:txBody>
+          <a:bodyPr/>
+          <a:lstStyle/>
+          <a:p>
+            <a:fld id="{4421CEC5-989B-3B48-AA40-5F6C85F6110C}" type="slidenum">
+              <a:rPr lang="en-US" smtClean="0"/>
+              <a:t>8</a:t>
+            </a:fld>
+            <a:endParaRPr lang="en-US"/>
+          </a:p>
+        </p:txBody>
+      </p:sp>
+    </p:spTree>
+    <p:extLst>
+      <p:ext uri="{BB962C8B-B14F-4D97-AF65-F5344CB8AC3E}">
+        <p14:creationId xmlns:p14="http://schemas.microsoft.com/office/powerpoint/2010/main" val="3362921362"/>
+      </p:ext>
+    </p:extLst>
+  </p:cSld>
+  <p:clrMapOvr>
+    <a:masterClrMapping/>
+  </p:clrMapOvr>
+</p:notes>
+</file>
+
+<file path=ppt/notesSlides/notesSlide7.xml><?xml version="1.0" encoding="utf-8"?>
+<p:notes xmlns:a="http://schemas.openxmlformats.org/drawingml/2006/main" xmlns:r="http://schemas.openxmlformats.org/officeDocument/2006/relationships" xmlns:p="http://schemas.openxmlformats.org/presentationml/2006/main">
+  <p:cSld>
+    <p:spTree>
+      <p:nvGrpSpPr>
+        <p:cNvPr id="1" name=""/>
+        <p:cNvGrpSpPr/>
+        <p:nvPr/>
+      </p:nvGrpSpPr>
+      <p:grpSpPr>
+        <a:xfrm>
+          <a:off x="0" y="0"/>
+          <a:ext cx="0" cy="0"/>
+          <a:chOff x="0" y="0"/>
+          <a:chExt cx="0" cy="0"/>
+        </a:xfrm>
+      </p:grpSpPr>
+      <p:sp>
+        <p:nvSpPr>
+          <p:cNvPr id="2" name="Slide Image Placeholder 1"/>
+          <p:cNvSpPr>
+            <a:spLocks noGrp="1" noRot="1" noChangeAspect="1"/>
+          </p:cNvSpPr>
+          <p:nvPr>
+            <p:ph type="sldImg"/>
+          </p:nvPr>
+        </p:nvSpPr>
+        <p:spPr/>
+      </p:sp>
+      <p:sp>
+        <p:nvSpPr>
+          <p:cNvPr id="3" name="Notes Placeholder 2"/>
+          <p:cNvSpPr>
+            <a:spLocks noGrp="1"/>
+          </p:cNvSpPr>
+          <p:nvPr>
+            <p:ph type="body" idx="1"/>
+          </p:nvPr>
+        </p:nvSpPr>
+        <p:spPr/>
+        <p:txBody>
+          <a:bodyPr/>
+          <a:lstStyle/>
+          <a:p>
+            <a:r>
+              <a:rPr lang="en-AU" i="1" dirty="0"/>
+              <a:t>Speaker Notes: Now let's see Vision Transformers in action with a real example. On the left, you see our extraction prompt - this is the same prompt used for both models, asking for 26 specific fields including supplier, ABN, date, amounts, and line items. The prompt is dynamically generated from our YAML configuration, ensuring consistency across all extractions.</a:t>
+            </a:r>
+            <a:endParaRPr lang="en-AU" dirty="0"/>
+          </a:p>
+          <a:p>
+            <a:br>
+              <a:rPr lang="en-AU" dirty="0"/>
+            </a:br>
+            <a:r>
+              <a:rPr lang="en-AU" i="1" dirty="0"/>
+              <a:t>On the right is synthetic invoice #14 - a Hyatt Hotels receipt showing typical complexity: header information, line items (Milk, Apples, Beef), subtotal, GST calculation, and total. This represents the kind of document we process thousands of times daily. Notice the visual elements - logos, formatting, table structure - that OCR-based systems struggle with but Vision Transformers handle naturally. Let's see how both models perform on this exact document...</a:t>
+            </a:r>
+            <a:endParaRPr lang="en-AU" dirty="0"/>
+          </a:p>
+          <a:p>
+            <a:endParaRPr lang="en-US" dirty="0"/>
+          </a:p>
+        </p:txBody>
+      </p:sp>
+      <p:sp>
+        <p:nvSpPr>
+          <p:cNvPr id="4" name="Slide Number Placeholder 3"/>
+          <p:cNvSpPr>
+            <a:spLocks noGrp="1"/>
+          </p:cNvSpPr>
+          <p:nvPr>
+            <p:ph type="sldNum" sz="quarter" idx="5"/>
+          </p:nvPr>
+        </p:nvSpPr>
+        <p:spPr/>
+        <p:txBody>
+          <a:bodyPr/>
+          <a:lstStyle/>
+          <a:p>
+            <a:fld id="{4421CEC5-989B-3B48-AA40-5F6C85F6110C}" type="slidenum">
+              <a:rPr lang="en-US" smtClean="0"/>
+              <a:t>10</a:t>
+            </a:fld>
+            <a:endParaRPr lang="en-US"/>
+          </a:p>
+        </p:txBody>
+      </p:sp>
+    </p:spTree>
+    <p:extLst>
+      <p:ext uri="{BB962C8B-B14F-4D97-AF65-F5344CB8AC3E}">
+        <p14:creationId xmlns:p14="http://schemas.microsoft.com/office/powerpoint/2010/main" val="118056564"/>
+      </p:ext>
+    </p:extLst>
+  </p:cSld>
+  <p:clrMapOvr>
+    <a:masterClrMapping/>
+  </p:clrMapOvr>
+</p:notes>
+</file>
+
+<file path=ppt/notesSlides/notesSlide8.xml><?xml version="1.0" encoding="utf-8"?>
+<p:notes xmlns:a="http://schemas.openxmlformats.org/drawingml/2006/main" xmlns:r="http://schemas.openxmlformats.org/officeDocument/2006/relationships" xmlns:p="http://schemas.openxmlformats.org/presentationml/2006/main">
+  <p:cSld>
+    <p:spTree>
+      <p:nvGrpSpPr>
+        <p:cNvPr id="1" name=""/>
+        <p:cNvGrpSpPr/>
+        <p:nvPr/>
+      </p:nvGrpSpPr>
+      <p:grpSpPr>
+        <a:xfrm>
+          <a:off x="0" y="0"/>
+          <a:ext cx="0" cy="0"/>
+          <a:chOff x="0" y="0"/>
+          <a:chExt cx="0" cy="0"/>
+        </a:xfrm>
+      </p:grpSpPr>
+      <p:sp>
+        <p:nvSpPr>
+          <p:cNvPr id="2" name="Slide Image Placeholder 1"/>
+          <p:cNvSpPr>
+            <a:spLocks noGrp="1" noRot="1" noChangeAspect="1"/>
+          </p:cNvSpPr>
+          <p:nvPr>
+            <p:ph type="sldImg"/>
+          </p:nvPr>
+        </p:nvSpPr>
+        <p:spPr/>
+      </p:sp>
+      <p:sp>
+        <p:nvSpPr>
+          <p:cNvPr id="3" name="Notes Placeholder 2"/>
+          <p:cNvSpPr>
+            <a:spLocks noGrp="1"/>
+          </p:cNvSpPr>
+          <p:nvPr>
+            <p:ph type="body" idx="1"/>
+          </p:nvPr>
+        </p:nvSpPr>
+        <p:spPr/>
+        <p:txBody>
+          <a:bodyPr/>
+          <a:lstStyle/>
+          <a:p>
+            <a:r>
+              <a:rPr lang="en-AU" i="1" dirty="0"/>
+              <a:t>Speaker Notes: Here are the actual results from both models processing that same Hyatt Hotels invoice. Both successfully extracted the key information: supplier name "Hyatt Hotels", correct ABN, accurate amounts and GST calculations, and complete line item details. The output format is clean and structured - exactly what our downstream systems need.</a:t>
+            </a:r>
+            <a:endParaRPr lang="en-AU" dirty="0"/>
+          </a:p>
+          <a:p>
+            <a:br>
+              <a:rPr lang="en-AU" dirty="0"/>
+            </a:br>
+            <a:r>
+              <a:rPr lang="en-AU" i="1" dirty="0"/>
+              <a:t>Notice that both models achieved similar field accuracy rates around 59%, but with different strengths. Llama-3.2-Vision excelled at precise formatting while InternVL3 showed better handling of complex layouts. Both significantly outperform our current </a:t>
+            </a:r>
+            <a:r>
+              <a:rPr lang="en-AU" i="1" dirty="0" err="1"/>
+              <a:t>LayoutLM</a:t>
+            </a:r>
+            <a:r>
+              <a:rPr lang="en-AU" i="1" dirty="0"/>
+              <a:t> baseline. Most importantly, both models processed this document end-to-end with zero failures - no OCR errors, no pipeline breaks, no manual intervention required. This reliability is what makes Vision Transformers production-ready.</a:t>
+            </a:r>
+            <a:endParaRPr lang="en-AU" dirty="0"/>
+          </a:p>
+          <a:p>
+            <a:endParaRPr lang="en-US" dirty="0"/>
+          </a:p>
+        </p:txBody>
+      </p:sp>
+      <p:sp>
+        <p:nvSpPr>
+          <p:cNvPr id="4" name="Slide Number Placeholder 3"/>
+          <p:cNvSpPr>
+            <a:spLocks noGrp="1"/>
+          </p:cNvSpPr>
+          <p:nvPr>
+            <p:ph type="sldNum" sz="quarter" idx="5"/>
+          </p:nvPr>
+        </p:nvSpPr>
+        <p:spPr/>
+        <p:txBody>
+          <a:bodyPr/>
+          <a:lstStyle/>
+          <a:p>
+            <a:fld id="{4421CEC5-989B-3B48-AA40-5F6C85F6110C}" type="slidenum">
+              <a:rPr lang="en-US" smtClean="0"/>
+              <a:t>11</a:t>
+            </a:fld>
+            <a:endParaRPr lang="en-US"/>
+          </a:p>
+        </p:txBody>
+      </p:sp>
+    </p:spTree>
+    <p:extLst>
+      <p:ext uri="{BB962C8B-B14F-4D97-AF65-F5344CB8AC3E}">
+        <p14:creationId xmlns:p14="http://schemas.microsoft.com/office/powerpoint/2010/main" val="22233293"/>
+      </p:ext>
+    </p:extLst>
+  </p:cSld>
+  <p:clrMapOvr>
+    <a:masterClrMapping/>
+  </p:clrMapOvr>
+</p:notes>
+</file>
+
+<file path=ppt/notesSlides/notesSlide9.xml><?xml version="1.0" encoding="utf-8"?>
+<p:notes xmlns:a="http://schemas.openxmlformats.org/drawingml/2006/main" xmlns:r="http://schemas.openxmlformats.org/officeDocument/2006/relationships" xmlns:p="http://schemas.openxmlformats.org/presentationml/2006/main">
+  <p:cSld>
+    <p:spTree>
+      <p:nvGrpSpPr>
+        <p:cNvPr id="1" name=""/>
+        <p:cNvGrpSpPr/>
+        <p:nvPr/>
+      </p:nvGrpSpPr>
+      <p:grpSpPr>
+        <a:xfrm>
+          <a:off x="0" y="0"/>
+          <a:ext cx="0" cy="0"/>
+          <a:chOff x="0" y="0"/>
+          <a:chExt cx="0" cy="0"/>
+        </a:xfrm>
+      </p:grpSpPr>
+      <p:sp>
+        <p:nvSpPr>
+          <p:cNvPr id="2" name="Slide Image Placeholder 1"/>
+          <p:cNvSpPr>
+            <a:spLocks noGrp="1" noRot="1" noChangeAspect="1"/>
+          </p:cNvSpPr>
+          <p:nvPr>
+            <p:ph type="sldImg"/>
+          </p:nvPr>
+        </p:nvSpPr>
+        <p:spPr/>
+      </p:sp>
+      <p:sp>
+        <p:nvSpPr>
+          <p:cNvPr id="3" name="Notes Placeholder 2"/>
+          <p:cNvSpPr>
+            <a:spLocks noGrp="1"/>
+          </p:cNvSpPr>
+          <p:nvPr>
+            <p:ph type="body" idx="1"/>
+          </p:nvPr>
+        </p:nvSpPr>
+        <p:spPr/>
+        <p:txBody>
+          <a:bodyPr/>
+          <a:lstStyle/>
+          <a:p>
+            <a:r>
+              <a:rPr lang="en-AU" i="1" dirty="0"/>
+              <a:t>Speaker Notes: This isn't an incremental improvement - it's a paradigm shift. </a:t>
+            </a:r>
+            <a:r>
+              <a:rPr lang="en-AU" i="1" dirty="0" err="1"/>
+              <a:t>LayoutLM</a:t>
+            </a:r>
+            <a:r>
+              <a:rPr lang="en-AU" i="1" dirty="0"/>
+              <a:t> tries to reconstruct meaning from fragmented pieces while Vision Transformers naturally learn from the complete visual context.</a:t>
+            </a:r>
+            <a:endParaRPr lang="en-AU" dirty="0"/>
+          </a:p>
+          <a:p>
+            <a:endParaRPr lang="en-US" dirty="0"/>
+          </a:p>
+        </p:txBody>
+      </p:sp>
+      <p:sp>
+        <p:nvSpPr>
+          <p:cNvPr id="4" name="Slide Number Placeholder 3"/>
+          <p:cNvSpPr>
+            <a:spLocks noGrp="1"/>
+          </p:cNvSpPr>
+          <p:nvPr>
+            <p:ph type="sldNum" sz="quarter" idx="5"/>
+          </p:nvPr>
+        </p:nvSpPr>
+        <p:spPr/>
+        <p:txBody>
+          <a:bodyPr/>
+          <a:lstStyle/>
+          <a:p>
+            <a:fld id="{4421CEC5-989B-3B48-AA40-5F6C85F6110C}" type="slidenum">
+              <a:rPr lang="en-US" smtClean="0"/>
+              <a:t>12</a:t>
+            </a:fld>
+            <a:endParaRPr lang="en-US"/>
+          </a:p>
+        </p:txBody>
+      </p:sp>
+    </p:spTree>
+    <p:extLst>
+      <p:ext uri="{BB962C8B-B14F-4D97-AF65-F5344CB8AC3E}">
+        <p14:creationId xmlns:p14="http://schemas.microsoft.com/office/powerpoint/2010/main" val="3750937352"/>
+      </p:ext>
+    </p:extLst>
+  </p:cSld>
+  <p:clrMapOvr>
+    <a:masterClrMapping/>
+  </p:clrMapOvr>
+</p:notes>
 </file>
 
 <file path=ppt/slideLayouts/slideLayout1.xml><?xml version="1.0" encoding="utf-8"?>
@@ -3505,7 +6109,7 @@
           <p:cNvPr id="2" name="Title 1">
             <a:extLst>
               <a:ext uri="{FF2B5EF4-FFF2-40B4-BE49-F238E27FC236}">
-                <a16:creationId xmlns:a16="http://schemas.microsoft.com/office/drawing/2014/main" id="{80214080-79D0-E287-0371-7509715FD53E}"/>
+                <a16:creationId xmlns:a16="http://schemas.microsoft.com/office/drawing/2014/main" id="{D3B4C654-6AB8-D446-7C31-A962A2D52537}"/>
               </a:ext>
             </a:extLst>
           </p:cNvPr>
@@ -3522,126 +6126,74 @@
           <a:lstStyle/>
           <a:p>
             <a:r>
-              <a:rPr lang="en-AU" b="1" dirty="0"/>
-              <a:t>Vision Transformers – A potential solution?</a:t>
-            </a:r>
-            <a:endParaRPr lang="en-US" dirty="0"/>
-          </a:p>
-        </p:txBody>
-      </p:sp>
-      <p:sp>
-        <p:nvSpPr>
-          <p:cNvPr id="3" name="Content Placeholder 2">
-            <a:extLst>
-              <a:ext uri="{FF2B5EF4-FFF2-40B4-BE49-F238E27FC236}">
-                <a16:creationId xmlns:a16="http://schemas.microsoft.com/office/drawing/2014/main" id="{A830DE98-2D96-5154-71B9-87953C9AB27E}"/>
-              </a:ext>
-            </a:extLst>
-          </p:cNvPr>
-          <p:cNvSpPr>
-            <a:spLocks noGrp="1"/>
-          </p:cNvSpPr>
-          <p:nvPr>
-            <p:ph idx="1"/>
-          </p:nvPr>
-        </p:nvSpPr>
-        <p:spPr>
-          <a:xfrm>
-            <a:off x="838200" y="3212110"/>
-            <a:ext cx="10515600" cy="3280765"/>
-          </a:xfrm>
-        </p:spPr>
-        <p:txBody>
-          <a:bodyPr/>
-          <a:lstStyle/>
-          <a:p>
-            <a:r>
-              <a:rPr lang="en-AU" b="1" dirty="0"/>
-              <a:t>Original </a:t>
-            </a:r>
-            <a:r>
-              <a:rPr lang="en-AU" b="1" dirty="0" err="1"/>
-              <a:t>ViT</a:t>
-            </a:r>
-            <a:r>
-              <a:rPr lang="en-AU" b="1" dirty="0"/>
-              <a:t> Architecture (</a:t>
-            </a:r>
-            <a:r>
-              <a:rPr lang="en-AU" b="1" dirty="0" err="1"/>
-              <a:t>Dosovitskiy</a:t>
-            </a:r>
-            <a:r>
-              <a:rPr lang="en-AU" b="1" dirty="0"/>
-              <a:t> et al., 2020)</a:t>
-            </a:r>
-          </a:p>
-          <a:p>
-            <a:r>
-              <a:rPr lang="en-AU" b="1" dirty="0"/>
-              <a:t>"An Image is Worth 16x16 Words"</a:t>
-            </a:r>
-            <a:r>
-              <a:rPr lang="en-AU" dirty="0"/>
-              <a:t>: Treats image patches like text tokens</a:t>
-            </a:r>
-          </a:p>
-          <a:p>
-            <a:r>
-              <a:rPr lang="en-AU" b="1" dirty="0"/>
-              <a:t>Transformer Architecture</a:t>
-            </a:r>
-            <a:r>
-              <a:rPr lang="en-AU" dirty="0"/>
-              <a:t>: Applied directly to vision tasks for first time</a:t>
-            </a:r>
-          </a:p>
-          <a:p>
-            <a:r>
-              <a:rPr lang="en-AU" b="1" dirty="0"/>
-              <a:t>Self-Attention</a:t>
-            </a:r>
-            <a:r>
-              <a:rPr lang="en-AU" dirty="0"/>
-              <a:t>: Global understanding without convolutional inductive bias</a:t>
+              <a:rPr lang="en-US" dirty="0"/>
+              <a:t>Vision Transformer: Practical Example</a:t>
             </a:r>
           </a:p>
         </p:txBody>
       </p:sp>
       <p:pic>
         <p:nvPicPr>
-          <p:cNvPr id="12" name="Picture 11">
-            <a:extLst>
-              <a:ext uri="{FF2B5EF4-FFF2-40B4-BE49-F238E27FC236}">
-                <a16:creationId xmlns:a16="http://schemas.microsoft.com/office/drawing/2014/main" id="{FF0EB3A8-9442-C4A8-8A66-1E892A7DE55A}"/>
+          <p:cNvPr id="6" name="Content Placeholder 5" descr="A screenshot of a computer program&#10;&#10;AI-generated content may be incorrect.">
+            <a:extLst>
+              <a:ext uri="{FF2B5EF4-FFF2-40B4-BE49-F238E27FC236}">
+                <a16:creationId xmlns:a16="http://schemas.microsoft.com/office/drawing/2014/main" id="{8AEAA68C-105E-B79B-F0DF-27CA877CF794}"/>
               </a:ext>
             </a:extLst>
           </p:cNvPr>
           <p:cNvPicPr>
-            <a:picLocks noChangeAspect="1"/>
+            <a:picLocks noGrp="1" noChangeAspect="1"/>
           </p:cNvPicPr>
-          <p:nvPr/>
+          <p:nvPr>
+            <p:ph sz="half" idx="1"/>
+          </p:nvPr>
         </p:nvPicPr>
         <p:blipFill>
-          <a:blip r:embed="rId2"/>
+          <a:blip r:embed="rId3"/>
           <a:stretch>
             <a:fillRect/>
           </a:stretch>
         </p:blipFill>
         <p:spPr>
           <a:xfrm>
-            <a:off x="1569896" y="1505148"/>
-            <a:ext cx="8747996" cy="1519260"/>
+            <a:off x="1321094" y="1825625"/>
+            <a:ext cx="4215812" cy="4351338"/>
           </a:xfrm>
-          <a:prstGeom prst="rect">
-            <a:avLst/>
-          </a:prstGeom>
+        </p:spPr>
+      </p:pic>
+      <p:pic>
+        <p:nvPicPr>
+          <p:cNvPr id="8" name="Content Placeholder 7" descr="A invoice with text and numbers&#10;&#10;AI-generated content may be incorrect.">
+            <a:extLst>
+              <a:ext uri="{FF2B5EF4-FFF2-40B4-BE49-F238E27FC236}">
+                <a16:creationId xmlns:a16="http://schemas.microsoft.com/office/drawing/2014/main" id="{5317AA4A-2584-4A4B-8540-02882EBB4F7A}"/>
+              </a:ext>
+            </a:extLst>
+          </p:cNvPr>
+          <p:cNvPicPr>
+            <a:picLocks noGrp="1" noChangeAspect="1"/>
+          </p:cNvPicPr>
+          <p:nvPr>
+            <p:ph sz="half" idx="2"/>
+          </p:nvPr>
+        </p:nvPicPr>
+        <p:blipFill>
+          <a:blip r:embed="rId4"/>
+          <a:stretch>
+            <a:fillRect/>
+          </a:stretch>
+        </p:blipFill>
+        <p:spPr>
+          <a:xfrm>
+            <a:off x="6360330" y="1825625"/>
+            <a:ext cx="4805339" cy="4351338"/>
+          </a:xfrm>
         </p:spPr>
       </p:pic>
     </p:spTree>
     <p:extLst>
       <p:ext uri="{BB962C8B-B14F-4D97-AF65-F5344CB8AC3E}">
-        <p14:creationId xmlns:p14="http://schemas.microsoft.com/office/powerpoint/2010/main" val="2182484467"/>
+        <p14:creationId xmlns:p14="http://schemas.microsoft.com/office/powerpoint/2010/main" val="2740222638"/>
       </p:ext>
     </p:extLst>
   </p:cSld>
@@ -3652,6 +6204,128 @@
 </file>
 
 <file path=ppt/slides/slide11.xml><?xml version="1.0" encoding="utf-8"?>
+<p:sld xmlns:a="http://schemas.openxmlformats.org/drawingml/2006/main" xmlns:r="http://schemas.openxmlformats.org/officeDocument/2006/relationships" xmlns:p="http://schemas.openxmlformats.org/presentationml/2006/main">
+  <p:cSld>
+    <p:spTree>
+      <p:nvGrpSpPr>
+        <p:cNvPr id="1" name="">
+          <a:extLst>
+            <a:ext uri="{FF2B5EF4-FFF2-40B4-BE49-F238E27FC236}">
+              <a16:creationId xmlns:a16="http://schemas.microsoft.com/office/drawing/2014/main" id="{CAAD86C8-938A-7FDE-8E9F-75C87DC6849D}"/>
+            </a:ext>
+          </a:extLst>
+        </p:cNvPr>
+        <p:cNvGrpSpPr/>
+        <p:nvPr/>
+      </p:nvGrpSpPr>
+      <p:grpSpPr>
+        <a:xfrm>
+          <a:off x="0" y="0"/>
+          <a:ext cx="0" cy="0"/>
+          <a:chOff x="0" y="0"/>
+          <a:chExt cx="0" cy="0"/>
+        </a:xfrm>
+      </p:grpSpPr>
+      <p:sp>
+        <p:nvSpPr>
+          <p:cNvPr id="2" name="Title 1">
+            <a:extLst>
+              <a:ext uri="{FF2B5EF4-FFF2-40B4-BE49-F238E27FC236}">
+                <a16:creationId xmlns:a16="http://schemas.microsoft.com/office/drawing/2014/main" id="{7F834759-CE07-8D64-3A63-F588E0EB36E8}"/>
+              </a:ext>
+            </a:extLst>
+          </p:cNvPr>
+          <p:cNvSpPr>
+            <a:spLocks noGrp="1"/>
+          </p:cNvSpPr>
+          <p:nvPr>
+            <p:ph type="title"/>
+          </p:nvPr>
+        </p:nvSpPr>
+        <p:spPr/>
+        <p:txBody>
+          <a:bodyPr/>
+          <a:lstStyle/>
+          <a:p>
+            <a:r>
+              <a:rPr lang="en-US" dirty="0"/>
+              <a:t>Vision Transformer: Practical Example</a:t>
+            </a:r>
+          </a:p>
+        </p:txBody>
+      </p:sp>
+      <p:pic>
+        <p:nvPicPr>
+          <p:cNvPr id="7" name="Content Placeholder 6" descr="A screenshot of a computer&#10;&#10;AI-generated content may be incorrect.">
+            <a:extLst>
+              <a:ext uri="{FF2B5EF4-FFF2-40B4-BE49-F238E27FC236}">
+                <a16:creationId xmlns:a16="http://schemas.microsoft.com/office/drawing/2014/main" id="{D6ADD229-0DDF-34EC-B675-18FCDC6DF337}"/>
+              </a:ext>
+            </a:extLst>
+          </p:cNvPr>
+          <p:cNvPicPr>
+            <a:picLocks noGrp="1" noChangeAspect="1"/>
+          </p:cNvPicPr>
+          <p:nvPr>
+            <p:ph sz="half" idx="1"/>
+          </p:nvPr>
+        </p:nvPicPr>
+        <p:blipFill>
+          <a:blip r:embed="rId3"/>
+          <a:stretch>
+            <a:fillRect/>
+          </a:stretch>
+        </p:blipFill>
+        <p:spPr>
+          <a:xfrm>
+            <a:off x="895538" y="1825625"/>
+            <a:ext cx="5066923" cy="4351338"/>
+          </a:xfrm>
+        </p:spPr>
+      </p:pic>
+      <p:pic>
+        <p:nvPicPr>
+          <p:cNvPr id="12" name="Content Placeholder 11" descr="A screenshot of a computer&#10;&#10;AI-generated content may be incorrect.">
+            <a:extLst>
+              <a:ext uri="{FF2B5EF4-FFF2-40B4-BE49-F238E27FC236}">
+                <a16:creationId xmlns:a16="http://schemas.microsoft.com/office/drawing/2014/main" id="{F2B8A81C-4788-7490-EA5E-FA0A3165DD53}"/>
+              </a:ext>
+            </a:extLst>
+          </p:cNvPr>
+          <p:cNvPicPr>
+            <a:picLocks noGrp="1" noChangeAspect="1"/>
+          </p:cNvPicPr>
+          <p:nvPr>
+            <p:ph sz="half" idx="2"/>
+          </p:nvPr>
+        </p:nvPicPr>
+        <p:blipFill>
+          <a:blip r:embed="rId4"/>
+          <a:stretch>
+            <a:fillRect/>
+          </a:stretch>
+        </p:blipFill>
+        <p:spPr>
+          <a:xfrm>
+            <a:off x="6172200" y="1843528"/>
+            <a:ext cx="5181600" cy="4315532"/>
+          </a:xfrm>
+        </p:spPr>
+      </p:pic>
+    </p:spTree>
+    <p:extLst>
+      <p:ext uri="{BB962C8B-B14F-4D97-AF65-F5344CB8AC3E}">
+        <p14:creationId xmlns:p14="http://schemas.microsoft.com/office/powerpoint/2010/main" val="4057446792"/>
+      </p:ext>
+    </p:extLst>
+  </p:cSld>
+  <p:clrMapOvr>
+    <a:masterClrMapping/>
+  </p:clrMapOvr>
+</p:sld>
+</file>
+
+<file path=ppt/slides/slide12.xml><?xml version="1.0" encoding="utf-8"?>
 <p:sld xmlns:a="http://schemas.openxmlformats.org/drawingml/2006/main" xmlns:r="http://schemas.openxmlformats.org/officeDocument/2006/relationships" xmlns:p="http://schemas.openxmlformats.org/presentationml/2006/main">
   <p:cSld>
     <p:spTree>
@@ -3673,7 +6347,7 @@
           <p:cNvPr id="2" name="Title 1">
             <a:extLst>
               <a:ext uri="{FF2B5EF4-FFF2-40B4-BE49-F238E27FC236}">
-                <a16:creationId xmlns:a16="http://schemas.microsoft.com/office/drawing/2014/main" id="{FC809921-A04C-4212-6435-0F09B8AC9692}"/>
+                <a16:creationId xmlns:a16="http://schemas.microsoft.com/office/drawing/2014/main" id="{257B313E-56A4-913A-656F-103EB74DCFC0}"/>
               </a:ext>
             </a:extLst>
           </p:cNvPr>
@@ -3682,378 +6356,920 @@
           </p:cNvSpPr>
           <p:nvPr>
             <p:ph type="title"/>
+          </p:nvPr>
+        </p:nvSpPr>
+        <p:spPr/>
+        <p:txBody>
+          <a:bodyPr/>
+          <a:lstStyle/>
+          <a:p>
+            <a:r>
+              <a:rPr lang="en-AU" dirty="0"/>
+              <a:t>Semantic Capture Comparison</a:t>
+            </a:r>
+            <a:endParaRPr lang="en-US" dirty="0"/>
+          </a:p>
+        </p:txBody>
+      </p:sp>
+      <p:sp>
+        <p:nvSpPr>
+          <p:cNvPr id="3" name="Content Placeholder 2">
+            <a:extLst>
+              <a:ext uri="{FF2B5EF4-FFF2-40B4-BE49-F238E27FC236}">
+                <a16:creationId xmlns:a16="http://schemas.microsoft.com/office/drawing/2014/main" id="{75B34A26-91C0-F9C9-756B-3602733EBDC4}"/>
+              </a:ext>
+            </a:extLst>
+          </p:cNvPr>
+          <p:cNvSpPr>
+            <a:spLocks noGrp="1"/>
+          </p:cNvSpPr>
+          <p:nvPr>
+            <p:ph sz="half" idx="1"/>
           </p:nvPr>
         </p:nvSpPr>
         <p:spPr>
           <a:xfrm>
-            <a:off x="838200" y="365125"/>
-            <a:ext cx="10515600" cy="941161"/>
+            <a:off x="838200" y="1825625"/>
+            <a:ext cx="4343400" cy="4351338"/>
           </a:xfrm>
         </p:spPr>
         <p:txBody>
-          <a:bodyPr>
-            <a:normAutofit fontScale="90000"/>
-          </a:bodyPr>
-          <a:lstStyle/>
-          <a:p>
-            <a:r>
-              <a:rPr lang="en-AU" b="1" dirty="0"/>
-              <a:t>How Vision Transformers Capture Semantic Information</a:t>
-            </a:r>
-            <a:r>
-              <a:rPr lang="en-AU" dirty="0"/>
-              <a:t>:</a:t>
-            </a:r>
+          <a:bodyPr/>
+          <a:lstStyle/>
+          <a:p>
+            <a:r>
+              <a:rPr lang="en-US" dirty="0"/>
+              <a:t>Key Difference </a:t>
+            </a:r>
+            <a:r>
+              <a:rPr lang="en-AU" dirty="0" err="1"/>
+              <a:t>LayoutLM</a:t>
+            </a:r>
+            <a:r>
+              <a:rPr lang="en-AU" dirty="0"/>
+              <a:t>: Reconstructs from fragments</a:t>
+            </a:r>
+          </a:p>
+          <a:p>
+            <a:r>
+              <a:rPr lang="en-AU" dirty="0"/>
+              <a:t>Vision Transformers: </a:t>
+            </a:r>
+            <a:br>
+              <a:rPr lang="en-AU" dirty="0"/>
+            </a:br>
+            <a:r>
+              <a:rPr lang="en-AU" dirty="0"/>
+              <a:t>Learn from complete context</a:t>
+            </a:r>
+          </a:p>
+          <a:p>
             <a:endParaRPr lang="en-US" dirty="0"/>
           </a:p>
         </p:txBody>
       </p:sp>
-      <p:sp>
-        <p:nvSpPr>
-          <p:cNvPr id="3" name="Content Placeholder 2">
-            <a:extLst>
-              <a:ext uri="{FF2B5EF4-FFF2-40B4-BE49-F238E27FC236}">
-                <a16:creationId xmlns:a16="http://schemas.microsoft.com/office/drawing/2014/main" id="{A63836B3-A995-C469-7EB6-2F84D2C5015E}"/>
-              </a:ext>
-            </a:extLst>
-          </p:cNvPr>
-          <p:cNvSpPr>
-            <a:spLocks noGrp="1"/>
-          </p:cNvSpPr>
-          <p:nvPr>
-            <p:ph idx="1"/>
-          </p:nvPr>
-        </p:nvSpPr>
-        <p:spPr>
-          <a:xfrm>
-            <a:off x="838200" y="1413164"/>
-            <a:ext cx="10515600" cy="4763799"/>
-          </a:xfrm>
-        </p:spPr>
-        <p:txBody>
-          <a:bodyPr>
-            <a:normAutofit fontScale="55000" lnSpcReduction="20000"/>
-          </a:bodyPr>
-          <a:lstStyle/>
-          <a:p>
-            <a:r>
-              <a:rPr lang="en-AU" b="1" dirty="0"/>
-              <a:t>🔄 Unified Semantic Integration</a:t>
-            </a:r>
-            <a:r>
-              <a:rPr lang="en-AU" dirty="0"/>
-              <a:t>:</a:t>
-            </a:r>
-          </a:p>
-          <a:p>
-            <a:r>
-              <a:rPr lang="en-AU" b="1" dirty="0"/>
-              <a:t>All semantics in one model</a:t>
-            </a:r>
-            <a:r>
-              <a:rPr lang="en-AU" dirty="0"/>
-              <a:t>: Text, visual, and spatial understanding unified</a:t>
-            </a:r>
-          </a:p>
-          <a:p>
-            <a:r>
-              <a:rPr lang="en-AU" b="1" dirty="0"/>
-              <a:t>No information loss</a:t>
-            </a:r>
-            <a:r>
-              <a:rPr lang="en-AU" dirty="0"/>
-              <a:t>: Every pixel contributes to understanding</a:t>
-            </a:r>
-          </a:p>
-          <a:p>
-            <a:r>
-              <a:rPr lang="en-AU" b="1" dirty="0"/>
-              <a:t>End-to-end learning</a:t>
-            </a:r>
-            <a:r>
-              <a:rPr lang="en-AU" dirty="0"/>
-              <a:t>: Semantics emerge naturally from training</a:t>
-            </a:r>
-          </a:p>
-          <a:p>
-            <a:r>
-              <a:rPr lang="en-AU" b="1" dirty="0"/>
-              <a:t>📍 Where Semantic Information Lives</a:t>
-            </a:r>
-            <a:r>
-              <a:rPr lang="en-AU" dirty="0"/>
-              <a:t> (Original </a:t>
-            </a:r>
-            <a:r>
-              <a:rPr lang="en-AU" dirty="0" err="1"/>
-              <a:t>ViT</a:t>
-            </a:r>
-            <a:r>
-              <a:rPr lang="en-AU" dirty="0"/>
-              <a:t> Framework):</a:t>
-            </a:r>
-          </a:p>
-          <a:p>
-            <a:r>
-              <a:rPr lang="en-AU" b="1" dirty="0"/>
-              <a:t>Patch Embeddings</a:t>
-            </a:r>
-            <a:r>
-              <a:rPr lang="en-AU" dirty="0"/>
-              <a:t>: Each 16×16 patch captures local </a:t>
-            </a:r>
-            <a:r>
-              <a:rPr lang="en-AU" dirty="0" err="1"/>
-              <a:t>visual+textual</a:t>
-            </a:r>
-            <a:r>
-              <a:rPr lang="en-AU" dirty="0"/>
-              <a:t> semantics</a:t>
-            </a:r>
-          </a:p>
-          <a:p>
-            <a:r>
-              <a:rPr lang="en-AU" b="1" dirty="0"/>
-              <a:t>Position Embeddings</a:t>
-            </a:r>
-            <a:r>
-              <a:rPr lang="en-AU" dirty="0"/>
-              <a:t>: Spatial relationships learned, not hard-coded</a:t>
-            </a:r>
-          </a:p>
-          <a:p>
-            <a:r>
-              <a:rPr lang="en-AU" b="1" dirty="0"/>
-              <a:t>Self-Attention Layers</a:t>
-            </a:r>
-            <a:r>
-              <a:rPr lang="en-AU" dirty="0"/>
-              <a:t>: Global semantic relationships discovered dynamically</a:t>
-            </a:r>
-          </a:p>
-          <a:p>
-            <a:r>
-              <a:rPr lang="en-AU" b="1" dirty="0"/>
-              <a:t>Classification Head</a:t>
-            </a:r>
-            <a:r>
-              <a:rPr lang="en-AU" dirty="0"/>
-              <a:t>: Converts visual understanding to output (adapted for language in modern models)</a:t>
-            </a:r>
-          </a:p>
-          <a:p>
-            <a:r>
-              <a:rPr lang="en-AU" b="1" dirty="0"/>
-              <a:t>🔬 Evolution to Document Understanding</a:t>
-            </a:r>
-            <a:r>
-              <a:rPr lang="en-AU" dirty="0"/>
-              <a:t>:</a:t>
-            </a:r>
-          </a:p>
-          <a:p>
-            <a:r>
-              <a:rPr lang="en-AU" b="1" dirty="0"/>
-              <a:t>Original </a:t>
-            </a:r>
-            <a:r>
-              <a:rPr lang="en-AU" b="1" dirty="0" err="1"/>
-              <a:t>ViT</a:t>
-            </a:r>
-            <a:r>
-              <a:rPr lang="en-AU" dirty="0"/>
-              <a:t>: Image classification (224×224, 16×16 patches)</a:t>
-            </a:r>
-          </a:p>
-          <a:p>
-            <a:r>
-              <a:rPr lang="en-AU" b="1" dirty="0"/>
-              <a:t>Modern Adaptations</a:t>
-            </a:r>
-            <a:r>
-              <a:rPr lang="en-AU" dirty="0"/>
-              <a:t>: Document-optimized vision-language models</a:t>
-            </a:r>
-          </a:p>
-          <a:p>
-            <a:pPr lvl="1"/>
-            <a:r>
-              <a:rPr lang="en-AU" b="1" dirty="0"/>
-              <a:t>InternVL3-2B</a:t>
-            </a:r>
-            <a:r>
-              <a:rPr lang="en-AU" dirty="0"/>
-              <a:t>: 448×448 pixel tiles, 14×14 patches, dynamic resolution up to 4K</a:t>
-            </a:r>
-          </a:p>
-          <a:p>
-            <a:pPr lvl="1"/>
-            <a:r>
-              <a:rPr lang="en-AU" b="1" dirty="0"/>
-              <a:t>Llama-3.2-Vision-11B</a:t>
-            </a:r>
-            <a:r>
-              <a:rPr lang="en-AU" dirty="0"/>
-              <a:t>: Up to 1120×1120 pixels, 16×16 patches, language model integration</a:t>
-            </a:r>
-          </a:p>
-          <a:p>
-            <a:r>
-              <a:rPr lang="en-AU" b="1" dirty="0"/>
-              <a:t>Notes</a:t>
-            </a:r>
-            <a:r>
-              <a:rPr lang="en-AU" dirty="0"/>
-              <a:t>: The original </a:t>
-            </a:r>
-            <a:r>
-              <a:rPr lang="en-AU" dirty="0" err="1"/>
-              <a:t>ViT</a:t>
-            </a:r>
-            <a:r>
-              <a:rPr lang="en-AU" dirty="0"/>
-              <a:t> breakthrough enabled all modern vision-language models. While specs have evolved for document tasks, the core semantic capture principles remain unchanged.</a:t>
-            </a:r>
-          </a:p>
-        </p:txBody>
-      </p:sp>
+      <p:graphicFrame>
+        <p:nvGraphicFramePr>
+          <p:cNvPr id="7" name="Content Placeholder 6">
+            <a:extLst>
+              <a:ext uri="{FF2B5EF4-FFF2-40B4-BE49-F238E27FC236}">
+                <a16:creationId xmlns:a16="http://schemas.microsoft.com/office/drawing/2014/main" id="{96F08042-8148-A603-6E03-FFF051262085}"/>
+              </a:ext>
+            </a:extLst>
+          </p:cNvPr>
+          <p:cNvGraphicFramePr>
+            <a:graphicFrameLocks noGrp="1"/>
+          </p:cNvGraphicFramePr>
+          <p:nvPr>
+            <p:ph sz="half" idx="2"/>
+            <p:extLst>
+              <p:ext uri="{D42A27DB-BD31-4B8C-83A1-F6EECF244321}">
+                <p14:modId xmlns:p14="http://schemas.microsoft.com/office/powerpoint/2010/main" val="839559413"/>
+              </p:ext>
+            </p:extLst>
+          </p:nvPr>
+        </p:nvGraphicFramePr>
+        <p:xfrm>
+          <a:off x="5511800" y="1825625"/>
+          <a:ext cx="6083301" cy="2225040"/>
+        </p:xfrm>
+        <a:graphic>
+          <a:graphicData uri="http://schemas.openxmlformats.org/drawingml/2006/table">
+            <a:tbl>
+              <a:tblPr firstRow="1" bandRow="1">
+                <a:tableStyleId>{5C22544A-7EE6-4342-B048-85BDC9FD1C3A}</a:tableStyleId>
+              </a:tblPr>
+              <a:tblGrid>
+                <a:gridCol w="1130300">
+                  <a:extLst>
+                    <a:ext uri="{9D8B030D-6E8A-4147-A177-3AD203B41FA5}">
+                      <a16:colId xmlns:a16="http://schemas.microsoft.com/office/drawing/2014/main" val="3425463631"/>
+                    </a:ext>
+                  </a:extLst>
+                </a:gridCol>
+                <a:gridCol w="2247900">
+                  <a:extLst>
+                    <a:ext uri="{9D8B030D-6E8A-4147-A177-3AD203B41FA5}">
+                      <a16:colId xmlns:a16="http://schemas.microsoft.com/office/drawing/2014/main" val="1663730415"/>
+                    </a:ext>
+                  </a:extLst>
+                </a:gridCol>
+                <a:gridCol w="2705101">
+                  <a:extLst>
+                    <a:ext uri="{9D8B030D-6E8A-4147-A177-3AD203B41FA5}">
+                      <a16:colId xmlns:a16="http://schemas.microsoft.com/office/drawing/2014/main" val="3145636945"/>
+                    </a:ext>
+                  </a:extLst>
+                </a:gridCol>
+              </a:tblGrid>
+              <a:tr h="370840">
+                <a:tc>
+                  <a:txBody>
+                    <a:bodyPr/>
+                    <a:lstStyle/>
+                    <a:p>
+                      <a:pPr marL="0" marR="0" lvl="0" indent="0" algn="l" defTabSz="914400" rtl="0" eaLnBrk="1" fontAlgn="auto" latinLnBrk="0" hangingPunct="1">
+                        <a:lnSpc>
+                          <a:spcPct val="100000"/>
+                        </a:lnSpc>
+                        <a:spcBef>
+                          <a:spcPts val="0"/>
+                        </a:spcBef>
+                        <a:spcAft>
+                          <a:spcPts val="0"/>
+                        </a:spcAft>
+                        <a:buClrTx/>
+                        <a:buSzTx/>
+                        <a:buFontTx/>
+                        <a:buNone/>
+                        <a:tabLst/>
+                        <a:defRPr/>
+                      </a:pPr>
+                      <a:r>
+                        <a:rPr lang="en-AU" sz="1800" b="0" kern="1200" dirty="0">
+                          <a:solidFill>
+                            <a:schemeClr val="lt1"/>
+                          </a:solidFill>
+                          <a:effectLst/>
+                          <a:latin typeface="+mn-lt"/>
+                          <a:ea typeface="+mn-ea"/>
+                          <a:cs typeface="+mn-cs"/>
+                        </a:rPr>
+                        <a:t>Aspect</a:t>
+                      </a:r>
+                    </a:p>
+                  </a:txBody>
+                  <a:tcPr/>
+                </a:tc>
+                <a:tc>
+                  <a:txBody>
+                    <a:bodyPr/>
+                    <a:lstStyle/>
+                    <a:p>
+                      <a:pPr marL="0" marR="0" lvl="0" indent="0" algn="l" defTabSz="914400" rtl="0" eaLnBrk="1" fontAlgn="auto" latinLnBrk="0" hangingPunct="1">
+                        <a:lnSpc>
+                          <a:spcPct val="100000"/>
+                        </a:lnSpc>
+                        <a:spcBef>
+                          <a:spcPts val="0"/>
+                        </a:spcBef>
+                        <a:spcAft>
+                          <a:spcPts val="0"/>
+                        </a:spcAft>
+                        <a:buClrTx/>
+                        <a:buSzTx/>
+                        <a:buFontTx/>
+                        <a:buNone/>
+                        <a:tabLst/>
+                        <a:defRPr/>
+                      </a:pPr>
+                      <a:r>
+                        <a:rPr lang="en-AU" sz="1800" b="0" kern="1200" dirty="0" err="1">
+                          <a:solidFill>
+                            <a:schemeClr val="lt1"/>
+                          </a:solidFill>
+                          <a:effectLst/>
+                          <a:latin typeface="+mn-lt"/>
+                          <a:ea typeface="+mn-ea"/>
+                          <a:cs typeface="+mn-cs"/>
+                        </a:rPr>
+                        <a:t>LayoutLM</a:t>
+                      </a:r>
+                      <a:endParaRPr lang="en-AU" sz="1800" b="0" kern="1200" dirty="0">
+                        <a:solidFill>
+                          <a:schemeClr val="lt1"/>
+                        </a:solidFill>
+                        <a:effectLst/>
+                        <a:latin typeface="+mn-lt"/>
+                        <a:ea typeface="+mn-ea"/>
+                        <a:cs typeface="+mn-cs"/>
+                      </a:endParaRPr>
+                    </a:p>
+                  </a:txBody>
+                  <a:tcPr/>
+                </a:tc>
+                <a:tc>
+                  <a:txBody>
+                    <a:bodyPr/>
+                    <a:lstStyle/>
+                    <a:p>
+                      <a:pPr marL="0" marR="0" lvl="0" indent="0" algn="l" defTabSz="914400" rtl="0" eaLnBrk="1" fontAlgn="auto" latinLnBrk="0" hangingPunct="1">
+                        <a:lnSpc>
+                          <a:spcPct val="100000"/>
+                        </a:lnSpc>
+                        <a:spcBef>
+                          <a:spcPts val="0"/>
+                        </a:spcBef>
+                        <a:spcAft>
+                          <a:spcPts val="0"/>
+                        </a:spcAft>
+                        <a:buClrTx/>
+                        <a:buSzTx/>
+                        <a:buFontTx/>
+                        <a:buNone/>
+                        <a:tabLst/>
+                        <a:defRPr/>
+                      </a:pPr>
+                      <a:r>
+                        <a:rPr lang="en-AU" sz="1800" b="0" kern="1200" dirty="0">
+                          <a:solidFill>
+                            <a:schemeClr val="lt1"/>
+                          </a:solidFill>
+                          <a:effectLst/>
+                          <a:latin typeface="+mn-lt"/>
+                          <a:ea typeface="+mn-ea"/>
+                          <a:cs typeface="+mn-cs"/>
+                        </a:rPr>
+                        <a:t>Vision Transformer</a:t>
+                      </a:r>
+                    </a:p>
+                  </a:txBody>
+                  <a:tcPr/>
+                </a:tc>
+                <a:extLst>
+                  <a:ext uri="{0D108BD9-81ED-4DB2-BD59-A6C34878D82A}">
+                    <a16:rowId xmlns:a16="http://schemas.microsoft.com/office/drawing/2014/main" val="457066086"/>
+                  </a:ext>
+                </a:extLst>
+              </a:tr>
+              <a:tr h="370840">
+                <a:tc>
+                  <a:txBody>
+                    <a:bodyPr/>
+                    <a:lstStyle/>
+                    <a:p>
+                      <a:pPr marL="0" marR="0" lvl="0" indent="0" algn="l" defTabSz="914400" rtl="0" eaLnBrk="1" fontAlgn="auto" latinLnBrk="0" hangingPunct="1">
+                        <a:lnSpc>
+                          <a:spcPct val="100000"/>
+                        </a:lnSpc>
+                        <a:spcBef>
+                          <a:spcPts val="0"/>
+                        </a:spcBef>
+                        <a:spcAft>
+                          <a:spcPts val="0"/>
+                        </a:spcAft>
+                        <a:buClrTx/>
+                        <a:buSzTx/>
+                        <a:buFontTx/>
+                        <a:buNone/>
+                        <a:tabLst/>
+                        <a:defRPr/>
+                      </a:pPr>
+                      <a:r>
+                        <a:rPr lang="en-AU" sz="1800" b="1" kern="1200" dirty="0">
+                          <a:solidFill>
+                            <a:schemeClr val="dk1"/>
+                          </a:solidFill>
+                          <a:effectLst/>
+                          <a:latin typeface="+mn-lt"/>
+                          <a:ea typeface="+mn-ea"/>
+                          <a:cs typeface="+mn-cs"/>
+                        </a:rPr>
+                        <a:t>Text</a:t>
+                      </a:r>
+                      <a:endParaRPr lang="en-AU" sz="1800" b="0" kern="1200" dirty="0">
+                        <a:solidFill>
+                          <a:schemeClr val="dk1"/>
+                        </a:solidFill>
+                        <a:effectLst/>
+                        <a:latin typeface="+mn-lt"/>
+                        <a:ea typeface="+mn-ea"/>
+                        <a:cs typeface="+mn-cs"/>
+                      </a:endParaRPr>
+                    </a:p>
+                  </a:txBody>
+                  <a:tcPr/>
+                </a:tc>
+                <a:tc>
+                  <a:txBody>
+                    <a:bodyPr/>
+                    <a:lstStyle/>
+                    <a:p>
+                      <a:pPr marL="0" marR="0" lvl="0" indent="0" algn="l" defTabSz="914400" rtl="0" eaLnBrk="1" fontAlgn="auto" latinLnBrk="0" hangingPunct="1">
+                        <a:lnSpc>
+                          <a:spcPct val="100000"/>
+                        </a:lnSpc>
+                        <a:spcBef>
+                          <a:spcPts val="0"/>
+                        </a:spcBef>
+                        <a:spcAft>
+                          <a:spcPts val="0"/>
+                        </a:spcAft>
+                        <a:buClrTx/>
+                        <a:buSzTx/>
+                        <a:buFontTx/>
+                        <a:buNone/>
+                        <a:tabLst/>
+                        <a:defRPr/>
+                      </a:pPr>
+                      <a:r>
+                        <a:rPr lang="en-AU" sz="1800" b="0" kern="1200" dirty="0">
+                          <a:solidFill>
+                            <a:schemeClr val="dk1"/>
+                          </a:solidFill>
+                          <a:effectLst/>
+                          <a:latin typeface="+mn-lt"/>
+                          <a:ea typeface="+mn-ea"/>
+                          <a:cs typeface="+mn-cs"/>
+                        </a:rPr>
+                        <a:t>OCR tokens</a:t>
+                      </a:r>
+                    </a:p>
+                  </a:txBody>
+                  <a:tcPr/>
+                </a:tc>
+                <a:tc>
+                  <a:txBody>
+                    <a:bodyPr/>
+                    <a:lstStyle/>
+                    <a:p>
+                      <a:pPr marL="0" marR="0" lvl="0" indent="0" algn="l" defTabSz="914400" rtl="0" eaLnBrk="1" fontAlgn="auto" latinLnBrk="0" hangingPunct="1">
+                        <a:lnSpc>
+                          <a:spcPct val="100000"/>
+                        </a:lnSpc>
+                        <a:spcBef>
+                          <a:spcPts val="0"/>
+                        </a:spcBef>
+                        <a:spcAft>
+                          <a:spcPts val="0"/>
+                        </a:spcAft>
+                        <a:buClrTx/>
+                        <a:buSzTx/>
+                        <a:buFontTx/>
+                        <a:buNone/>
+                        <a:tabLst/>
+                        <a:defRPr/>
+                      </a:pPr>
+                      <a:r>
+                        <a:rPr lang="en-AU" sz="1800" b="0" kern="1200" dirty="0">
+                          <a:solidFill>
+                            <a:schemeClr val="dk1"/>
+                          </a:solidFill>
+                          <a:effectLst/>
+                          <a:latin typeface="+mn-lt"/>
+                          <a:ea typeface="+mn-ea"/>
+                          <a:cs typeface="+mn-cs"/>
+                        </a:rPr>
+                        <a:t>✅ Visual understanding</a:t>
+                      </a:r>
+                    </a:p>
+                  </a:txBody>
+                  <a:tcPr/>
+                </a:tc>
+                <a:extLst>
+                  <a:ext uri="{0D108BD9-81ED-4DB2-BD59-A6C34878D82A}">
+                    <a16:rowId xmlns:a16="http://schemas.microsoft.com/office/drawing/2014/main" val="7085711"/>
+                  </a:ext>
+                </a:extLst>
+              </a:tr>
+              <a:tr h="370840">
+                <a:tc>
+                  <a:txBody>
+                    <a:bodyPr/>
+                    <a:lstStyle/>
+                    <a:p>
+                      <a:pPr marL="0" marR="0" lvl="0" indent="0" algn="l" defTabSz="914400" rtl="0" eaLnBrk="1" fontAlgn="auto" latinLnBrk="0" hangingPunct="1">
+                        <a:lnSpc>
+                          <a:spcPct val="100000"/>
+                        </a:lnSpc>
+                        <a:spcBef>
+                          <a:spcPts val="0"/>
+                        </a:spcBef>
+                        <a:spcAft>
+                          <a:spcPts val="0"/>
+                        </a:spcAft>
+                        <a:buClrTx/>
+                        <a:buSzTx/>
+                        <a:buFontTx/>
+                        <a:buNone/>
+                        <a:tabLst/>
+                        <a:defRPr/>
+                      </a:pPr>
+                      <a:r>
+                        <a:rPr lang="en-AU" sz="1800" b="1" kern="1200" dirty="0">
+                          <a:solidFill>
+                            <a:schemeClr val="dk1"/>
+                          </a:solidFill>
+                          <a:effectLst/>
+                          <a:latin typeface="+mn-lt"/>
+                          <a:ea typeface="+mn-ea"/>
+                          <a:cs typeface="+mn-cs"/>
+                        </a:rPr>
+                        <a:t>Visual</a:t>
+                      </a:r>
+                      <a:endParaRPr lang="en-AU" sz="1800" b="0" kern="1200" dirty="0">
+                        <a:solidFill>
+                          <a:schemeClr val="dk1"/>
+                        </a:solidFill>
+                        <a:effectLst/>
+                        <a:latin typeface="+mn-lt"/>
+                        <a:ea typeface="+mn-ea"/>
+                        <a:cs typeface="+mn-cs"/>
+                      </a:endParaRPr>
+                    </a:p>
+                  </a:txBody>
+                  <a:tcPr/>
+                </a:tc>
+                <a:tc>
+                  <a:txBody>
+                    <a:bodyPr/>
+                    <a:lstStyle/>
+                    <a:p>
+                      <a:pPr marL="0" marR="0" lvl="0" indent="0" algn="l" defTabSz="914400" rtl="0" eaLnBrk="1" fontAlgn="auto" latinLnBrk="0" hangingPunct="1">
+                        <a:lnSpc>
+                          <a:spcPct val="100000"/>
+                        </a:lnSpc>
+                        <a:spcBef>
+                          <a:spcPts val="0"/>
+                        </a:spcBef>
+                        <a:spcAft>
+                          <a:spcPts val="0"/>
+                        </a:spcAft>
+                        <a:buClrTx/>
+                        <a:buSzTx/>
+                        <a:buFontTx/>
+                        <a:buNone/>
+                        <a:tabLst/>
+                        <a:defRPr/>
+                      </a:pPr>
+                      <a:r>
+                        <a:rPr lang="en-AU" sz="1800" b="0" kern="1200" dirty="0">
+                          <a:solidFill>
+                            <a:schemeClr val="dk1"/>
+                          </a:solidFill>
+                          <a:effectLst/>
+                          <a:latin typeface="+mn-lt"/>
+                          <a:ea typeface="+mn-ea"/>
+                          <a:cs typeface="+mn-cs"/>
+                        </a:rPr>
+                        <a:t>R-CNN</a:t>
+                      </a:r>
+                    </a:p>
+                  </a:txBody>
+                  <a:tcPr/>
+                </a:tc>
+                <a:tc>
+                  <a:txBody>
+                    <a:bodyPr/>
+                    <a:lstStyle/>
+                    <a:p>
+                      <a:pPr marL="0" marR="0" lvl="0" indent="0" algn="l" defTabSz="914400" rtl="0" eaLnBrk="1" fontAlgn="auto" latinLnBrk="0" hangingPunct="1">
+                        <a:lnSpc>
+                          <a:spcPct val="100000"/>
+                        </a:lnSpc>
+                        <a:spcBef>
+                          <a:spcPts val="0"/>
+                        </a:spcBef>
+                        <a:spcAft>
+                          <a:spcPts val="0"/>
+                        </a:spcAft>
+                        <a:buClrTx/>
+                        <a:buSzTx/>
+                        <a:buFontTx/>
+                        <a:buNone/>
+                        <a:tabLst/>
+                        <a:defRPr/>
+                      </a:pPr>
+                      <a:r>
+                        <a:rPr lang="en-AU" sz="1800" b="0" kern="1200" dirty="0">
+                          <a:solidFill>
+                            <a:schemeClr val="dk1"/>
+                          </a:solidFill>
+                          <a:effectLst/>
+                          <a:latin typeface="+mn-lt"/>
+                          <a:ea typeface="+mn-ea"/>
+                          <a:cs typeface="+mn-cs"/>
+                        </a:rPr>
+                        <a:t>✅ Deep integration</a:t>
+                      </a:r>
+                    </a:p>
+                  </a:txBody>
+                  <a:tcPr/>
+                </a:tc>
+                <a:extLst>
+                  <a:ext uri="{0D108BD9-81ED-4DB2-BD59-A6C34878D82A}">
+                    <a16:rowId xmlns:a16="http://schemas.microsoft.com/office/drawing/2014/main" val="3757228549"/>
+                  </a:ext>
+                </a:extLst>
+              </a:tr>
+              <a:tr h="370840">
+                <a:tc>
+                  <a:txBody>
+                    <a:bodyPr/>
+                    <a:lstStyle/>
+                    <a:p>
+                      <a:pPr marL="0" marR="0" lvl="0" indent="0" algn="l" defTabSz="914400" rtl="0" eaLnBrk="1" fontAlgn="auto" latinLnBrk="0" hangingPunct="1">
+                        <a:lnSpc>
+                          <a:spcPct val="100000"/>
+                        </a:lnSpc>
+                        <a:spcBef>
+                          <a:spcPts val="0"/>
+                        </a:spcBef>
+                        <a:spcAft>
+                          <a:spcPts val="0"/>
+                        </a:spcAft>
+                        <a:buClrTx/>
+                        <a:buSzTx/>
+                        <a:buFontTx/>
+                        <a:buNone/>
+                        <a:tabLst/>
+                        <a:defRPr/>
+                      </a:pPr>
+                      <a:r>
+                        <a:rPr lang="en-AU" sz="1800" b="1" kern="1200" dirty="0">
+                          <a:solidFill>
+                            <a:schemeClr val="dk1"/>
+                          </a:solidFill>
+                          <a:effectLst/>
+                          <a:latin typeface="+mn-lt"/>
+                          <a:ea typeface="+mn-ea"/>
+                          <a:cs typeface="+mn-cs"/>
+                        </a:rPr>
+                        <a:t>Spatial</a:t>
+                      </a:r>
+                      <a:endParaRPr lang="en-AU" sz="1800" b="0" kern="1200" dirty="0">
+                        <a:solidFill>
+                          <a:schemeClr val="dk1"/>
+                        </a:solidFill>
+                        <a:effectLst/>
+                        <a:latin typeface="+mn-lt"/>
+                        <a:ea typeface="+mn-ea"/>
+                        <a:cs typeface="+mn-cs"/>
+                      </a:endParaRPr>
+                    </a:p>
+                  </a:txBody>
+                  <a:tcPr/>
+                </a:tc>
+                <a:tc>
+                  <a:txBody>
+                    <a:bodyPr/>
+                    <a:lstStyle/>
+                    <a:p>
+                      <a:pPr marL="0" marR="0" lvl="0" indent="0" algn="l" defTabSz="914400" rtl="0" eaLnBrk="1" fontAlgn="auto" latinLnBrk="0" hangingPunct="1">
+                        <a:lnSpc>
+                          <a:spcPct val="100000"/>
+                        </a:lnSpc>
+                        <a:spcBef>
+                          <a:spcPts val="0"/>
+                        </a:spcBef>
+                        <a:spcAft>
+                          <a:spcPts val="0"/>
+                        </a:spcAft>
+                        <a:buClrTx/>
+                        <a:buSzTx/>
+                        <a:buFontTx/>
+                        <a:buNone/>
+                        <a:tabLst/>
+                        <a:defRPr/>
+                      </a:pPr>
+                      <a:r>
+                        <a:rPr lang="en-AU" sz="1800" b="0" kern="1200" dirty="0">
+                          <a:solidFill>
+                            <a:schemeClr val="dk1"/>
+                          </a:solidFill>
+                          <a:effectLst/>
+                          <a:latin typeface="+mn-lt"/>
+                          <a:ea typeface="+mn-ea"/>
+                          <a:cs typeface="+mn-cs"/>
+                        </a:rPr>
+                        <a:t>⚠️ Hard-coded</a:t>
+                      </a:r>
+                    </a:p>
+                  </a:txBody>
+                  <a:tcPr/>
+                </a:tc>
+                <a:tc>
+                  <a:txBody>
+                    <a:bodyPr/>
+                    <a:lstStyle/>
+                    <a:p>
+                      <a:pPr marL="0" marR="0" lvl="0" indent="0" algn="l" defTabSz="914400" rtl="0" eaLnBrk="1" fontAlgn="auto" latinLnBrk="0" hangingPunct="1">
+                        <a:lnSpc>
+                          <a:spcPct val="100000"/>
+                        </a:lnSpc>
+                        <a:spcBef>
+                          <a:spcPts val="0"/>
+                        </a:spcBef>
+                        <a:spcAft>
+                          <a:spcPts val="0"/>
+                        </a:spcAft>
+                        <a:buClrTx/>
+                        <a:buSzTx/>
+                        <a:buFontTx/>
+                        <a:buNone/>
+                        <a:tabLst/>
+                        <a:defRPr/>
+                      </a:pPr>
+                      <a:r>
+                        <a:rPr lang="en-AU" sz="1800" b="0" kern="1200" dirty="0">
+                          <a:solidFill>
+                            <a:schemeClr val="dk1"/>
+                          </a:solidFill>
+                          <a:effectLst/>
+                          <a:latin typeface="+mn-lt"/>
+                          <a:ea typeface="+mn-ea"/>
+                          <a:cs typeface="+mn-cs"/>
+                        </a:rPr>
+                        <a:t>✅ Learned relations</a:t>
+                      </a:r>
+                    </a:p>
+                  </a:txBody>
+                  <a:tcPr/>
+                </a:tc>
+                <a:extLst>
+                  <a:ext uri="{0D108BD9-81ED-4DB2-BD59-A6C34878D82A}">
+                    <a16:rowId xmlns:a16="http://schemas.microsoft.com/office/drawing/2014/main" val="2721293073"/>
+                  </a:ext>
+                </a:extLst>
+              </a:tr>
+              <a:tr h="370840">
+                <a:tc>
+                  <a:txBody>
+                    <a:bodyPr/>
+                    <a:lstStyle/>
+                    <a:p>
+                      <a:pPr marL="0" marR="0" lvl="0" indent="0" algn="l" defTabSz="914400" rtl="0" eaLnBrk="1" fontAlgn="auto" latinLnBrk="0" hangingPunct="1">
+                        <a:lnSpc>
+                          <a:spcPct val="100000"/>
+                        </a:lnSpc>
+                        <a:spcBef>
+                          <a:spcPts val="0"/>
+                        </a:spcBef>
+                        <a:spcAft>
+                          <a:spcPts val="0"/>
+                        </a:spcAft>
+                        <a:buClrTx/>
+                        <a:buSzTx/>
+                        <a:buFontTx/>
+                        <a:buNone/>
+                        <a:tabLst/>
+                        <a:defRPr/>
+                      </a:pPr>
+                      <a:r>
+                        <a:rPr lang="en-AU" sz="1800" b="1" kern="1200" dirty="0">
+                          <a:solidFill>
+                            <a:schemeClr val="dk1"/>
+                          </a:solidFill>
+                          <a:effectLst/>
+                          <a:latin typeface="+mn-lt"/>
+                          <a:ea typeface="+mn-ea"/>
+                          <a:cs typeface="+mn-cs"/>
+                        </a:rPr>
+                        <a:t>Context</a:t>
+                      </a:r>
+                      <a:endParaRPr lang="en-AU" sz="1800" b="0" kern="1200" dirty="0">
+                        <a:solidFill>
+                          <a:schemeClr val="dk1"/>
+                        </a:solidFill>
+                        <a:effectLst/>
+                        <a:latin typeface="+mn-lt"/>
+                        <a:ea typeface="+mn-ea"/>
+                        <a:cs typeface="+mn-cs"/>
+                      </a:endParaRPr>
+                    </a:p>
+                  </a:txBody>
+                  <a:tcPr/>
+                </a:tc>
+                <a:tc>
+                  <a:txBody>
+                    <a:bodyPr/>
+                    <a:lstStyle/>
+                    <a:p>
+                      <a:pPr marL="0" marR="0" lvl="0" indent="0" algn="l" defTabSz="914400" rtl="0" eaLnBrk="1" fontAlgn="auto" latinLnBrk="0" hangingPunct="1">
+                        <a:lnSpc>
+                          <a:spcPct val="100000"/>
+                        </a:lnSpc>
+                        <a:spcBef>
+                          <a:spcPts val="0"/>
+                        </a:spcBef>
+                        <a:spcAft>
+                          <a:spcPts val="0"/>
+                        </a:spcAft>
+                        <a:buClrTx/>
+                        <a:buSzTx/>
+                        <a:buFontTx/>
+                        <a:buNone/>
+                        <a:tabLst/>
+                        <a:defRPr/>
+                      </a:pPr>
+                      <a:r>
+                        <a:rPr lang="en-AU" sz="1800" b="0" kern="1200" dirty="0">
+                          <a:solidFill>
+                            <a:schemeClr val="dk1"/>
+                          </a:solidFill>
+                          <a:effectLst/>
+                          <a:latin typeface="+mn-lt"/>
+                          <a:ea typeface="+mn-ea"/>
+                          <a:cs typeface="+mn-cs"/>
+                        </a:rPr>
+                        <a:t>❌ Post-hoc</a:t>
+                      </a:r>
+                    </a:p>
+                  </a:txBody>
+                  <a:tcPr/>
+                </a:tc>
+                <a:tc>
+                  <a:txBody>
+                    <a:bodyPr/>
+                    <a:lstStyle/>
+                    <a:p>
+                      <a:pPr marL="0" marR="0" lvl="0" indent="0" algn="l" defTabSz="914400" rtl="0" eaLnBrk="1" fontAlgn="auto" latinLnBrk="0" hangingPunct="1">
+                        <a:lnSpc>
+                          <a:spcPct val="100000"/>
+                        </a:lnSpc>
+                        <a:spcBef>
+                          <a:spcPts val="0"/>
+                        </a:spcBef>
+                        <a:spcAft>
+                          <a:spcPts val="0"/>
+                        </a:spcAft>
+                        <a:buClrTx/>
+                        <a:buSzTx/>
+                        <a:buFontTx/>
+                        <a:buNone/>
+                        <a:tabLst/>
+                        <a:defRPr/>
+                      </a:pPr>
+                      <a:r>
+                        <a:rPr lang="en-AU" sz="1800" b="0" kern="1200" dirty="0">
+                          <a:solidFill>
+                            <a:schemeClr val="dk1"/>
+                          </a:solidFill>
+                          <a:effectLst/>
+                          <a:latin typeface="+mn-lt"/>
+                          <a:ea typeface="+mn-ea"/>
+                          <a:cs typeface="+mn-cs"/>
+                        </a:rPr>
+                        <a:t>✅ Unified</a:t>
+                      </a:r>
+                    </a:p>
+                  </a:txBody>
+                  <a:tcPr/>
+                </a:tc>
+                <a:extLst>
+                  <a:ext uri="{0D108BD9-81ED-4DB2-BD59-A6C34878D82A}">
+                    <a16:rowId xmlns:a16="http://schemas.microsoft.com/office/drawing/2014/main" val="1939039891"/>
+                  </a:ext>
+                </a:extLst>
+              </a:tr>
+              <a:tr h="370840">
+                <a:tc>
+                  <a:txBody>
+                    <a:bodyPr/>
+                    <a:lstStyle/>
+                    <a:p>
+                      <a:pPr marL="0" marR="0" lvl="0" indent="0" algn="l" defTabSz="914400" rtl="0" eaLnBrk="1" fontAlgn="auto" latinLnBrk="0" hangingPunct="1">
+                        <a:lnSpc>
+                          <a:spcPct val="100000"/>
+                        </a:lnSpc>
+                        <a:spcBef>
+                          <a:spcPts val="0"/>
+                        </a:spcBef>
+                        <a:spcAft>
+                          <a:spcPts val="0"/>
+                        </a:spcAft>
+                        <a:buClrTx/>
+                        <a:buSzTx/>
+                        <a:buFontTx/>
+                        <a:buNone/>
+                        <a:tabLst/>
+                        <a:defRPr/>
+                      </a:pPr>
+                      <a:r>
+                        <a:rPr lang="en-AU" sz="1800" b="1" kern="1200" dirty="0">
+                          <a:solidFill>
+                            <a:schemeClr val="dk1"/>
+                          </a:solidFill>
+                          <a:effectLst/>
+                          <a:latin typeface="+mn-lt"/>
+                          <a:ea typeface="+mn-ea"/>
+                          <a:cs typeface="+mn-cs"/>
+                        </a:rPr>
+                        <a:t>Loss</a:t>
+                      </a:r>
+                      <a:endParaRPr lang="en-AU" sz="1800" b="0" kern="1200" dirty="0">
+                        <a:solidFill>
+                          <a:schemeClr val="dk1"/>
+                        </a:solidFill>
+                        <a:effectLst/>
+                        <a:latin typeface="+mn-lt"/>
+                        <a:ea typeface="+mn-ea"/>
+                        <a:cs typeface="+mn-cs"/>
+                      </a:endParaRPr>
+                    </a:p>
+                  </a:txBody>
+                  <a:tcPr/>
+                </a:tc>
+                <a:tc>
+                  <a:txBody>
+                    <a:bodyPr/>
+                    <a:lstStyle/>
+                    <a:p>
+                      <a:pPr marL="0" marR="0" lvl="0" indent="0" algn="l" defTabSz="914400" rtl="0" eaLnBrk="1" fontAlgn="auto" latinLnBrk="0" hangingPunct="1">
+                        <a:lnSpc>
+                          <a:spcPct val="100000"/>
+                        </a:lnSpc>
+                        <a:spcBef>
+                          <a:spcPts val="0"/>
+                        </a:spcBef>
+                        <a:spcAft>
+                          <a:spcPts val="0"/>
+                        </a:spcAft>
+                        <a:buClrTx/>
+                        <a:buSzTx/>
+                        <a:buFontTx/>
+                        <a:buNone/>
+                        <a:tabLst/>
+                        <a:defRPr/>
+                      </a:pPr>
+                      <a:r>
+                        <a:rPr lang="en-AU" sz="1800" b="0" kern="1200" dirty="0">
+                          <a:solidFill>
+                            <a:schemeClr val="dk1"/>
+                          </a:solidFill>
+                          <a:effectLst/>
+                          <a:latin typeface="+mn-lt"/>
+                          <a:ea typeface="+mn-ea"/>
+                          <a:cs typeface="+mn-cs"/>
+                        </a:rPr>
+                        <a:t>High</a:t>
+                      </a:r>
+                    </a:p>
+                  </a:txBody>
+                  <a:tcPr/>
+                </a:tc>
+                <a:tc>
+                  <a:txBody>
+                    <a:bodyPr/>
+                    <a:lstStyle/>
+                    <a:p>
+                      <a:pPr marL="0" marR="0" lvl="0" indent="0" algn="l" defTabSz="914400" rtl="0" eaLnBrk="1" fontAlgn="auto" latinLnBrk="0" hangingPunct="1">
+                        <a:lnSpc>
+                          <a:spcPct val="100000"/>
+                        </a:lnSpc>
+                        <a:spcBef>
+                          <a:spcPts val="0"/>
+                        </a:spcBef>
+                        <a:spcAft>
+                          <a:spcPts val="0"/>
+                        </a:spcAft>
+                        <a:buClrTx/>
+                        <a:buSzTx/>
+                        <a:buFontTx/>
+                        <a:buNone/>
+                        <a:tabLst/>
+                        <a:defRPr/>
+                      </a:pPr>
+                      <a:r>
+                        <a:rPr lang="en-AU" sz="1800" b="0" kern="1200" dirty="0">
+                          <a:solidFill>
+                            <a:schemeClr val="dk1"/>
+                          </a:solidFill>
+                          <a:effectLst/>
+                          <a:latin typeface="+mn-lt"/>
+                          <a:ea typeface="+mn-ea"/>
+                          <a:cs typeface="+mn-cs"/>
+                        </a:rPr>
+                        <a:t>Minimal</a:t>
+                      </a:r>
+                    </a:p>
+                  </a:txBody>
+                  <a:tcPr/>
+                </a:tc>
+                <a:extLst>
+                  <a:ext uri="{0D108BD9-81ED-4DB2-BD59-A6C34878D82A}">
+                    <a16:rowId xmlns:a16="http://schemas.microsoft.com/office/drawing/2014/main" val="1191779394"/>
+                  </a:ext>
+                </a:extLst>
+              </a:tr>
+            </a:tbl>
+          </a:graphicData>
+        </a:graphic>
+      </p:graphicFrame>
     </p:spTree>
     <p:extLst>
       <p:ext uri="{BB962C8B-B14F-4D97-AF65-F5344CB8AC3E}">
-        <p14:creationId xmlns:p14="http://schemas.microsoft.com/office/powerpoint/2010/main" val="2645693080"/>
-      </p:ext>
-    </p:extLst>
-  </p:cSld>
-  <p:clrMapOvr>
-    <a:masterClrMapping/>
-  </p:clrMapOvr>
-</p:sld>
-</file>
-
-<file path=ppt/slides/slide12.xml><?xml version="1.0" encoding="utf-8"?>
-<p:sld xmlns:a="http://schemas.openxmlformats.org/drawingml/2006/main" xmlns:r="http://schemas.openxmlformats.org/officeDocument/2006/relationships" xmlns:p="http://schemas.openxmlformats.org/presentationml/2006/main">
-  <p:cSld>
-    <p:spTree>
-      <p:nvGrpSpPr>
-        <p:cNvPr id="1" name="">
-          <a:extLst>
-            <a:ext uri="{FF2B5EF4-FFF2-40B4-BE49-F238E27FC236}">
-              <a16:creationId xmlns:a16="http://schemas.microsoft.com/office/drawing/2014/main" id="{AEDF8D4F-2DB2-9FFB-02A9-D7D73D741F18}"/>
-            </a:ext>
-          </a:extLst>
-        </p:cNvPr>
-        <p:cNvGrpSpPr/>
-        <p:nvPr/>
-      </p:nvGrpSpPr>
-      <p:grpSpPr>
-        <a:xfrm>
-          <a:off x="0" y="0"/>
-          <a:ext cx="0" cy="0"/>
-          <a:chOff x="0" y="0"/>
-          <a:chExt cx="0" cy="0"/>
-        </a:xfrm>
-      </p:grpSpPr>
-      <p:sp>
-        <p:nvSpPr>
-          <p:cNvPr id="2" name="Title 1">
-            <a:extLst>
-              <a:ext uri="{FF2B5EF4-FFF2-40B4-BE49-F238E27FC236}">
-                <a16:creationId xmlns:a16="http://schemas.microsoft.com/office/drawing/2014/main" id="{3C2869CA-C4D8-D648-78C0-1405CB73D8C2}"/>
-              </a:ext>
-            </a:extLst>
-          </p:cNvPr>
-          <p:cNvSpPr>
-            <a:spLocks noGrp="1"/>
-          </p:cNvSpPr>
-          <p:nvPr>
-            <p:ph type="title"/>
-          </p:nvPr>
-        </p:nvSpPr>
-        <p:spPr/>
-        <p:txBody>
-          <a:bodyPr/>
-          <a:lstStyle/>
-          <a:p>
-            <a:r>
-              <a:rPr lang="en-AU" b="1" dirty="0"/>
-              <a:t>Global understanding without convolutional inductive bias</a:t>
-            </a:r>
-          </a:p>
-        </p:txBody>
-      </p:sp>
-      <p:sp>
-        <p:nvSpPr>
-          <p:cNvPr id="3" name="Content Placeholder 2">
-            <a:extLst>
-              <a:ext uri="{FF2B5EF4-FFF2-40B4-BE49-F238E27FC236}">
-                <a16:creationId xmlns:a16="http://schemas.microsoft.com/office/drawing/2014/main" id="{DE9BA6B8-0651-6DAF-3D4E-CDC8DBF134B8}"/>
-              </a:ext>
-            </a:extLst>
-          </p:cNvPr>
-          <p:cNvSpPr>
-            <a:spLocks noGrp="1"/>
-          </p:cNvSpPr>
-          <p:nvPr>
-            <p:ph idx="1"/>
-          </p:nvPr>
-        </p:nvSpPr>
-        <p:spPr>
-          <a:xfrm>
-            <a:off x="838200" y="1825624"/>
-            <a:ext cx="10515600" cy="2152609"/>
-          </a:xfrm>
-        </p:spPr>
-        <p:txBody>
-          <a:bodyPr>
-            <a:noAutofit/>
-          </a:bodyPr>
-          <a:lstStyle/>
-          <a:p>
-            <a:r>
-              <a:rPr lang="en-AU" sz="1800" b="1" dirty="0"/>
-              <a:t>Convolutional Inductive Bias (CNNs)</a:t>
-            </a:r>
-          </a:p>
-          <a:p>
-            <a:r>
-              <a:rPr lang="en-AU" sz="1800" b="1" dirty="0"/>
-              <a:t> Traditional computer vision models (CNNs) have built-in assumptions:</a:t>
-            </a:r>
-          </a:p>
-          <a:p>
-            <a:pPr lvl="1"/>
-            <a:r>
-              <a:rPr lang="en-AU" sz="1800" b="1" dirty="0"/>
-              <a:t>  Local connectivity: Pixels near each other are more related</a:t>
-            </a:r>
-          </a:p>
-          <a:p>
-            <a:pPr lvl="1"/>
-            <a:r>
-              <a:rPr lang="en-AU" sz="1800" b="1" dirty="0"/>
-              <a:t>  Translation invariance: Same features can appear anywhere</a:t>
-            </a:r>
-          </a:p>
-          <a:p>
-            <a:pPr lvl="1"/>
-            <a:r>
-              <a:rPr lang="en-AU" sz="1800" b="1" dirty="0"/>
-              <a:t>  Hierarchical processing: Small features → larger features</a:t>
-            </a:r>
-          </a:p>
-          <a:p>
-            <a:pPr lvl="1"/>
-            <a:r>
-              <a:rPr lang="en-AU" sz="1800" b="1" dirty="0"/>
-              <a:t>  Fixed receptive fields: 3×3 or 5×5 kernels look at local patches</a:t>
-            </a:r>
-          </a:p>
-        </p:txBody>
-      </p:sp>
-    </p:spTree>
-    <p:extLst>
-      <p:ext uri="{BB962C8B-B14F-4D97-AF65-F5344CB8AC3E}">
-        <p14:creationId xmlns:p14="http://schemas.microsoft.com/office/powerpoint/2010/main" val="1386470712"/>
+        <p14:creationId xmlns:p14="http://schemas.microsoft.com/office/powerpoint/2010/main" val="2221968609"/>
       </p:ext>
     </p:extLst>
   </p:cSld>
@@ -4068,13 +7284,7 @@
   <p:cSld>
     <p:spTree>
       <p:nvGrpSpPr>
-        <p:cNvPr id="1" name="">
-          <a:extLst>
-            <a:ext uri="{FF2B5EF4-FFF2-40B4-BE49-F238E27FC236}">
-              <a16:creationId xmlns:a16="http://schemas.microsoft.com/office/drawing/2014/main" id="{138D6081-6773-7784-DF38-44C38C2EFEA9}"/>
-            </a:ext>
-          </a:extLst>
-        </p:cNvPr>
+        <p:cNvPr id="1" name=""/>
         <p:cNvGrpSpPr/>
         <p:nvPr/>
       </p:nvGrpSpPr>
@@ -4091,7 +7301,7 @@
           <p:cNvPr id="2" name="Title 1">
             <a:extLst>
               <a:ext uri="{FF2B5EF4-FFF2-40B4-BE49-F238E27FC236}">
-                <a16:creationId xmlns:a16="http://schemas.microsoft.com/office/drawing/2014/main" id="{60A7DD4B-9078-8780-446C-E94FFFCE8A91}"/>
+                <a16:creationId xmlns:a16="http://schemas.microsoft.com/office/drawing/2014/main" id="{48953633-4AFC-C5EA-54A8-19A2BD5259C3}"/>
               </a:ext>
             </a:extLst>
           </p:cNvPr>
@@ -4104,82 +7314,90 @@
         </p:nvSpPr>
         <p:spPr/>
         <p:txBody>
+          <a:bodyPr>
+            <a:normAutofit fontScale="90000"/>
+          </a:bodyPr>
+          <a:lstStyle/>
+          <a:p>
+            <a:r>
+              <a:rPr lang="en-AU" b="1" dirty="0"/>
+              <a:t>How it Works</a:t>
+            </a:r>
+            <a:r>
+              <a:rPr lang="en-AU" dirty="0"/>
+              <a:t>: Three-stage processing in Image Transformers</a:t>
+            </a:r>
+            <a:br>
+              <a:rPr lang="en-AU" dirty="0"/>
+            </a:br>
+            <a:endParaRPr lang="en-US" dirty="0"/>
+          </a:p>
+        </p:txBody>
+      </p:sp>
+      <p:sp>
+        <p:nvSpPr>
+          <p:cNvPr id="3" name="Content Placeholder 2">
+            <a:extLst>
+              <a:ext uri="{FF2B5EF4-FFF2-40B4-BE49-F238E27FC236}">
+                <a16:creationId xmlns:a16="http://schemas.microsoft.com/office/drawing/2014/main" id="{353A945F-8121-47CE-74E1-F9ED750940F1}"/>
+              </a:ext>
+            </a:extLst>
+          </p:cNvPr>
+          <p:cNvSpPr>
+            <a:spLocks noGrp="1"/>
+          </p:cNvSpPr>
+          <p:nvPr>
+            <p:ph idx="1"/>
+          </p:nvPr>
+        </p:nvSpPr>
+        <p:spPr>
+          <a:xfrm>
+            <a:off x="838200" y="2796296"/>
+            <a:ext cx="10515600" cy="2085193"/>
+          </a:xfrm>
+        </p:spPr>
+        <p:txBody>
           <a:bodyPr/>
           <a:lstStyle/>
           <a:p>
             <a:r>
               <a:rPr lang="en-AU" b="1" dirty="0"/>
-              <a:t>Vision Transformers: No Inductive Bias</a:t>
-            </a:r>
-          </a:p>
-        </p:txBody>
-      </p:sp>
-      <p:sp>
-        <p:nvSpPr>
-          <p:cNvPr id="3" name="Content Placeholder 2">
-            <a:extLst>
-              <a:ext uri="{FF2B5EF4-FFF2-40B4-BE49-F238E27FC236}">
-                <a16:creationId xmlns:a16="http://schemas.microsoft.com/office/drawing/2014/main" id="{EE249719-5E6A-047E-0E67-9003D12BC84F}"/>
-              </a:ext>
-            </a:extLst>
-          </p:cNvPr>
-          <p:cNvSpPr>
-            <a:spLocks noGrp="1"/>
-          </p:cNvSpPr>
-          <p:nvPr>
-            <p:ph idx="1"/>
-          </p:nvPr>
-        </p:nvSpPr>
-        <p:spPr/>
-        <p:txBody>
-          <a:bodyPr>
-            <a:noAutofit/>
-          </a:bodyPr>
-          <a:lstStyle/>
-          <a:p>
-            <a:r>
-              <a:rPr lang="en-AU" sz="1800" b="1" dirty="0" err="1"/>
-              <a:t>ViTs</a:t>
-            </a:r>
-            <a:r>
-              <a:rPr lang="en-AU" sz="1800" b="1" dirty="0"/>
-              <a:t> process images differently:</a:t>
-            </a:r>
-          </a:p>
-          <a:p>
-            <a:pPr lvl="1"/>
-            <a:r>
-              <a:rPr lang="en-AU" sz="1800" b="1" dirty="0"/>
-              <a:t>  No locality assumption: Any patch can relate to any other patch</a:t>
-            </a:r>
-          </a:p>
-          <a:p>
-            <a:pPr lvl="1"/>
-            <a:r>
-              <a:rPr lang="en-AU" sz="1800" b="1" dirty="0"/>
-              <a:t>  Global from the start: Every 16×16 patch "sees" every other patch immediately</a:t>
-            </a:r>
-          </a:p>
-          <a:p>
-            <a:pPr lvl="1"/>
-            <a:r>
-              <a:rPr lang="en-AU" sz="1800" b="1" dirty="0"/>
-              <a:t>  Learned relationships: The model discovers which patches matter to each other</a:t>
-            </a:r>
-          </a:p>
-          <a:p>
-            <a:pPr lvl="1"/>
-            <a:r>
-              <a:rPr lang="en-AU" sz="1800" b="1" dirty="0"/>
-              <a:t>  Dynamic attention: Different patches get different attention based on content</a:t>
-            </a:r>
+              <a:t>Input Processing</a:t>
+            </a:r>
+            <a:r>
+              <a:rPr lang="en-AU" dirty="0"/>
+              <a:t>: Patches → Embeddings → Position encoding</a:t>
+            </a:r>
+          </a:p>
+          <a:p>
+            <a:r>
+              <a:rPr lang="en-AU" b="1" dirty="0"/>
+              <a:t>Transformer Stack</a:t>
+            </a:r>
+            <a:r>
+              <a:rPr lang="en-AU" dirty="0"/>
+              <a:t>: Self-attention → Feature processing → Layer iteration</a:t>
+            </a:r>
+          </a:p>
+          <a:p>
+            <a:r>
+              <a:rPr lang="en-AU" b="1" dirty="0"/>
+              <a:t>Language Generation</a:t>
+            </a:r>
+            <a:r>
+              <a:rPr lang="en-AU" dirty="0"/>
+              <a:t>: Vision-language fusion → Text output</a:t>
+            </a:r>
+          </a:p>
+          <a:p>
+            <a:endParaRPr lang="en-US" dirty="0"/>
           </a:p>
         </p:txBody>
       </p:sp>
     </p:spTree>
     <p:extLst>
       <p:ext uri="{BB962C8B-B14F-4D97-AF65-F5344CB8AC3E}">
-        <p14:creationId xmlns:p14="http://schemas.microsoft.com/office/powerpoint/2010/main" val="1284456496"/>
+        <p14:creationId xmlns:p14="http://schemas.microsoft.com/office/powerpoint/2010/main" val="1366601566"/>
       </p:ext>
     </p:extLst>
   </p:cSld>
@@ -4194,13 +7412,7 @@
   <p:cSld>
     <p:spTree>
       <p:nvGrpSpPr>
-        <p:cNvPr id="1" name="">
-          <a:extLst>
-            <a:ext uri="{FF2B5EF4-FFF2-40B4-BE49-F238E27FC236}">
-              <a16:creationId xmlns:a16="http://schemas.microsoft.com/office/drawing/2014/main" id="{7D7A7F00-18AB-70D7-95F0-E4619376BB2C}"/>
-            </a:ext>
-          </a:extLst>
-        </p:cNvPr>
+        <p:cNvPr id="1" name=""/>
         <p:cNvGrpSpPr/>
         <p:nvPr/>
       </p:nvGrpSpPr>
@@ -4217,7 +7429,7 @@
           <p:cNvPr id="2" name="Title 1">
             <a:extLst>
               <a:ext uri="{FF2B5EF4-FFF2-40B4-BE49-F238E27FC236}">
-                <a16:creationId xmlns:a16="http://schemas.microsoft.com/office/drawing/2014/main" id="{F1C4280E-1DB2-C6E3-1879-D58E8C1C87BE}"/>
+                <a16:creationId xmlns:a16="http://schemas.microsoft.com/office/drawing/2014/main" id="{DAC31F10-8C36-5C9E-E266-372729D2D159}"/>
               </a:ext>
             </a:extLst>
           </p:cNvPr>
@@ -4226,83 +7438,171 @@
           </p:cNvSpPr>
           <p:nvPr>
             <p:ph type="title"/>
-          </p:nvPr>
-        </p:nvSpPr>
-        <p:spPr/>
-        <p:txBody>
-          <a:bodyPr/>
-          <a:lstStyle/>
-          <a:p>
-            <a:r>
-              <a:rPr lang="en-AU" b="1" dirty="0"/>
-              <a:t>Vision Transformers: No Assumptions</a:t>
-            </a:r>
-          </a:p>
-        </p:txBody>
-      </p:sp>
-      <p:sp>
-        <p:nvSpPr>
-          <p:cNvPr id="3" name="Content Placeholder 2">
-            <a:extLst>
-              <a:ext uri="{FF2B5EF4-FFF2-40B4-BE49-F238E27FC236}">
-                <a16:creationId xmlns:a16="http://schemas.microsoft.com/office/drawing/2014/main" id="{77B549EF-CBA6-B165-00C5-3DAF2F2CC503}"/>
-              </a:ext>
-            </a:extLst>
-          </p:cNvPr>
-          <p:cNvSpPr>
-            <a:spLocks noGrp="1"/>
-          </p:cNvSpPr>
-          <p:nvPr>
-            <p:ph idx="1"/>
           </p:nvPr>
         </p:nvSpPr>
         <p:spPr>
           <a:xfrm>
-            <a:off x="838200" y="1825625"/>
-            <a:ext cx="10515600" cy="1784474"/>
+            <a:off x="838200" y="365125"/>
+            <a:ext cx="10515600" cy="721803"/>
           </a:xfrm>
         </p:spPr>
         <p:txBody>
           <a:bodyPr>
-            <a:noAutofit/>
+            <a:normAutofit/>
           </a:bodyPr>
           <a:lstStyle/>
           <a:p>
             <a:r>
-              <a:rPr lang="en-AU" sz="1800" b="1" dirty="0" err="1"/>
-              <a:t>ViTs</a:t>
-            </a:r>
-            <a:r>
-              <a:rPr lang="en-AU" sz="1800" b="1" dirty="0"/>
-              <a:t> process images differently:</a:t>
-            </a:r>
-          </a:p>
-          <a:p>
-            <a:pPr lvl="1"/>
-            <a:r>
-              <a:rPr lang="en-AU" sz="1800" b="1" dirty="0"/>
-              <a:t>  No locality assumption: Any patch can relate to any other patch</a:t>
-            </a:r>
-          </a:p>
-          <a:p>
-            <a:pPr lvl="1"/>
-            <a:r>
-              <a:rPr lang="en-AU" sz="1800" b="1" dirty="0"/>
-              <a:t>  Global from the start: Every 16×16 patch "sees" every other patch immediately</a:t>
-            </a:r>
-          </a:p>
-          <a:p>
-            <a:pPr lvl="1"/>
-            <a:r>
-              <a:rPr lang="en-AU" sz="1800" b="1" dirty="0"/>
-              <a:t>  Learned relationships: The model discovers which patches matter to each other</a:t>
-            </a:r>
-          </a:p>
-          <a:p>
-            <a:pPr lvl="1"/>
-            <a:r>
-              <a:rPr lang="en-AU" sz="1800" b="1" dirty="0"/>
-              <a:t>  Dynamic attention: Different patches get different attention based on content</a:t>
+              <a:rPr lang="en-AU" sz="4000" b="1" dirty="0"/>
+              <a:t>From Text to Vision - The Transformer Evolution</a:t>
+            </a:r>
+            <a:endParaRPr lang="en-US" sz="4000" dirty="0"/>
+          </a:p>
+        </p:txBody>
+      </p:sp>
+      <p:pic>
+        <p:nvPicPr>
+          <p:cNvPr id="5" name="Content Placeholder 4" descr="A diagram of a work flow&#10;&#10;AI-generated content may be incorrect.">
+            <a:extLst>
+              <a:ext uri="{FF2B5EF4-FFF2-40B4-BE49-F238E27FC236}">
+                <a16:creationId xmlns:a16="http://schemas.microsoft.com/office/drawing/2014/main" id="{72C03810-E30E-F066-FF7B-67044895554B}"/>
+              </a:ext>
+            </a:extLst>
+          </p:cNvPr>
+          <p:cNvPicPr>
+            <a:picLocks noGrp="1" noChangeAspect="1"/>
+          </p:cNvPicPr>
+          <p:nvPr>
+            <p:ph idx="1"/>
+          </p:nvPr>
+        </p:nvPicPr>
+        <p:blipFill>
+          <a:blip r:embed="rId3"/>
+          <a:stretch>
+            <a:fillRect/>
+          </a:stretch>
+        </p:blipFill>
+        <p:spPr>
+          <a:xfrm>
+            <a:off x="760562" y="1181439"/>
+            <a:ext cx="10515600" cy="4000691"/>
+          </a:xfrm>
+        </p:spPr>
+      </p:pic>
+      <p:sp>
+        <p:nvSpPr>
+          <p:cNvPr id="6" name="TextBox 5">
+            <a:extLst>
+              <a:ext uri="{FF2B5EF4-FFF2-40B4-BE49-F238E27FC236}">
+                <a16:creationId xmlns:a16="http://schemas.microsoft.com/office/drawing/2014/main" id="{35EE4B8D-ED86-07C7-DBF3-0517246599F0}"/>
+              </a:ext>
+            </a:extLst>
+          </p:cNvPr>
+          <p:cNvSpPr txBox="1"/>
+          <p:nvPr/>
+        </p:nvSpPr>
+        <p:spPr>
+          <a:xfrm>
+            <a:off x="760562" y="3429000"/>
+            <a:ext cx="8980714" cy="2308324"/>
+          </a:xfrm>
+          <a:prstGeom prst="rect">
+            <a:avLst/>
+          </a:prstGeom>
+          <a:noFill/>
+        </p:spPr>
+        <p:txBody>
+          <a:bodyPr wrap="square" rtlCol="0">
+            <a:spAutoFit/>
+          </a:bodyPr>
+          <a:lstStyle/>
+          <a:p>
+            <a:r>
+              <a:rPr lang="en-AU" b="1" dirty="0"/>
+              <a:t>The Revolutionary Insight</a:t>
+            </a:r>
+            <a:r>
+              <a:rPr lang="en-AU" dirty="0"/>
+              <a:t>: </a:t>
+            </a:r>
+            <a:r>
+              <a:rPr lang="en-AU" i="1" dirty="0"/>
+              <a:t>Same core architecture, different input</a:t>
+            </a:r>
+            <a:endParaRPr lang="en-AU" dirty="0"/>
+          </a:p>
+          <a:p>
+            <a:r>
+              <a:rPr lang="en-AU" b="1" dirty="0"/>
+              <a:t>What You Already Know</a:t>
+            </a:r>
+            <a:r>
+              <a:rPr lang="en-AU" dirty="0"/>
+              <a:t> (Text Transformers 2017):</a:t>
+            </a:r>
+          </a:p>
+          <a:p>
+            <a:pPr marL="285750" indent="-285750">
+              <a:buFont typeface="Arial" panose="020B0604020202020204" pitchFamily="34" charset="0"/>
+              <a:buChar char="•"/>
+            </a:pPr>
+            <a:r>
+              <a:rPr lang="en-AU" dirty="0"/>
+              <a:t>Tokenization → Self-Attention → Understanding</a:t>
+            </a:r>
+          </a:p>
+          <a:p>
+            <a:pPr marL="285750" indent="-285750">
+              <a:buFont typeface="Arial" panose="020B0604020202020204" pitchFamily="34" charset="0"/>
+              <a:buChar char="•"/>
+            </a:pPr>
+            <a:r>
+              <a:rPr lang="en-AU" dirty="0"/>
+              <a:t>"Attention is All You Need" revolutionized NLP</a:t>
+            </a:r>
+          </a:p>
+          <a:p>
+            <a:r>
+              <a:rPr lang="en-AU" b="1" dirty="0"/>
+              <a:t>The Vision Breakthrough</a:t>
+            </a:r>
+            <a:r>
+              <a:rPr lang="en-AU" dirty="0"/>
+              <a:t> (2020):</a:t>
+            </a:r>
+          </a:p>
+          <a:p>
+            <a:pPr marL="285750" indent="-285750">
+              <a:buFont typeface="Arial" panose="020B0604020202020204" pitchFamily="34" charset="0"/>
+              <a:buChar char="•"/>
+            </a:pPr>
+            <a:r>
+              <a:rPr lang="en-AU" dirty="0"/>
+              <a:t>Image patches = Text tokens</a:t>
+            </a:r>
+          </a:p>
+          <a:p>
+            <a:pPr marL="285750" indent="-285750">
+              <a:buFont typeface="Arial" panose="020B0604020202020204" pitchFamily="34" charset="0"/>
+              <a:buChar char="•"/>
+            </a:pPr>
+            <a:r>
+              <a:rPr lang="en-AU" b="1" dirty="0"/>
+              <a:t>IDENTICAL</a:t>
+            </a:r>
+            <a:r>
+              <a:rPr lang="en-AU" dirty="0"/>
+              <a:t> self-attention architecture</a:t>
+            </a:r>
+          </a:p>
+          <a:p>
+            <a:pPr marL="285750" indent="-285750">
+              <a:buFont typeface="Arial" panose="020B0604020202020204" pitchFamily="34" charset="0"/>
+              <a:buChar char="•"/>
+            </a:pPr>
+            <a:r>
+              <a:rPr lang="en-AU" dirty="0"/>
+              <a:t>Vision-Language fusion for document understanding</a:t>
             </a:r>
           </a:p>
         </p:txBody>
@@ -4310,7 +7610,7 @@
     </p:spTree>
     <p:extLst>
       <p:ext uri="{BB962C8B-B14F-4D97-AF65-F5344CB8AC3E}">
-        <p14:creationId xmlns:p14="http://schemas.microsoft.com/office/powerpoint/2010/main" val="2275574597"/>
+        <p14:creationId xmlns:p14="http://schemas.microsoft.com/office/powerpoint/2010/main" val="825754891"/>
       </p:ext>
     </p:extLst>
   </p:cSld>
@@ -4325,13 +7625,7 @@
   <p:cSld>
     <p:spTree>
       <p:nvGrpSpPr>
-        <p:cNvPr id="1" name="">
-          <a:extLst>
-            <a:ext uri="{FF2B5EF4-FFF2-40B4-BE49-F238E27FC236}">
-              <a16:creationId xmlns:a16="http://schemas.microsoft.com/office/drawing/2014/main" id="{3DAAED5C-4A2A-3F87-3405-1ECA20161CE0}"/>
-            </a:ext>
-          </a:extLst>
-        </p:cNvPr>
+        <p:cNvPr id="1" name=""/>
         <p:cNvGrpSpPr/>
         <p:nvPr/>
       </p:nvGrpSpPr>
@@ -4348,7 +7642,7 @@
           <p:cNvPr id="2" name="Title 1">
             <a:extLst>
               <a:ext uri="{FF2B5EF4-FFF2-40B4-BE49-F238E27FC236}">
-                <a16:creationId xmlns:a16="http://schemas.microsoft.com/office/drawing/2014/main" id="{8CD18263-CB33-0694-2D93-945EBF620D7D}"/>
+                <a16:creationId xmlns:a16="http://schemas.microsoft.com/office/drawing/2014/main" id="{5C1C3E41-2BFA-2BE4-828D-8B6110E60489}"/>
               </a:ext>
             </a:extLst>
           </p:cNvPr>
@@ -4361,146 +7655,136 @@
         </p:nvSpPr>
         <p:spPr>
           <a:xfrm>
-            <a:off x="838200" y="0"/>
-            <a:ext cx="10515600" cy="1325563"/>
+            <a:off x="838200" y="365126"/>
+            <a:ext cx="10515600" cy="675884"/>
           </a:xfrm>
         </p:spPr>
         <p:txBody>
-          <a:bodyPr/>
-          <a:lstStyle/>
-          <a:p>
-            <a:r>
-              <a:rPr lang="en-AU" b="1" dirty="0"/>
-              <a:t>Why This Matters for Documents</a:t>
-            </a:r>
-          </a:p>
-        </p:txBody>
-      </p:sp>
-      <p:sp>
-        <p:nvSpPr>
-          <p:cNvPr id="3" name="Content Placeholder 2">
-            <a:extLst>
-              <a:ext uri="{FF2B5EF4-FFF2-40B4-BE49-F238E27FC236}">
-                <a16:creationId xmlns:a16="http://schemas.microsoft.com/office/drawing/2014/main" id="{A0798977-F4A3-7ADD-786F-0BF760EDE6BA}"/>
-              </a:ext>
-            </a:extLst>
-          </p:cNvPr>
-          <p:cNvSpPr>
-            <a:spLocks noGrp="1"/>
-          </p:cNvSpPr>
-          <p:nvPr>
-            <p:ph idx="1"/>
-          </p:nvPr>
-        </p:nvSpPr>
-        <p:spPr>
-          <a:xfrm>
-            <a:off x="838200" y="1825625"/>
-            <a:ext cx="10515600" cy="3292640"/>
-          </a:xfrm>
-        </p:spPr>
-        <p:txBody>
           <a:bodyPr>
-            <a:noAutofit/>
+            <a:normAutofit/>
           </a:bodyPr>
           <a:lstStyle/>
           <a:p>
             <a:r>
-              <a:rPr lang="en-AU" sz="1800" b="1" dirty="0"/>
-              <a:t>CNN approach (with inductive bias):</a:t>
-            </a:r>
-          </a:p>
-          <a:p>
-            <a:r>
-              <a:rPr lang="en-AU" sz="1800" b="1" dirty="0"/>
-              <a:t> [Invoice Total] → Can only see nearby pixels initially</a:t>
-            </a:r>
-          </a:p>
-          <a:p>
-            <a:pPr lvl="1"/>
-            <a:r>
-              <a:rPr lang="en-AU" sz="1800" b="1" dirty="0"/>
-              <a:t>Must stack many layers to connect to line items</a:t>
-            </a:r>
-          </a:p>
-          <a:p>
-            <a:pPr lvl="1"/>
-            <a:r>
-              <a:rPr lang="en-AU" sz="1800" b="1" dirty="0"/>
-              <a:t>Relationship discovered slowly, layer by layer</a:t>
-            </a:r>
-          </a:p>
-          <a:p>
-            <a:pPr marL="0" indent="0">
-              <a:buNone/>
-            </a:pPr>
-            <a:endParaRPr lang="en-AU" sz="1800" b="1" dirty="0"/>
-          </a:p>
-          <a:p>
-            <a:r>
-              <a:rPr lang="en-AU" sz="1800" b="1" dirty="0" err="1"/>
-              <a:t>ViT</a:t>
-            </a:r>
-            <a:r>
-              <a:rPr lang="en-AU" sz="1800" b="1" dirty="0"/>
-              <a:t> approach (without bias):</a:t>
-            </a:r>
-          </a:p>
-          <a:p>
-            <a:r>
-              <a:rPr lang="en-AU" sz="1800" b="1" dirty="0"/>
-              <a:t>[Invoice Total] → Immediately sees ALL patches</a:t>
-            </a:r>
-          </a:p>
-          <a:p>
-            <a:pPr lvl="1"/>
-            <a:r>
-              <a:rPr lang="en-AU" sz="1800" b="1" dirty="0"/>
-              <a:t>Can directly attend to line items anywhere</a:t>
-            </a:r>
-          </a:p>
-          <a:p>
-            <a:pPr lvl="1"/>
-            <a:r>
-              <a:rPr lang="en-AU" sz="1800" b="1" dirty="0"/>
-              <a:t>Discovers "total = sum(items)" in one step</a:t>
-            </a:r>
+              <a:rPr lang="en-AU" sz="3600" b="1" dirty="0"/>
+              <a:t>Vision Transformer Architecture - Component Flow</a:t>
+            </a:r>
+            <a:endParaRPr lang="en-US" sz="3600" dirty="0"/>
           </a:p>
         </p:txBody>
       </p:sp>
       <p:pic>
         <p:nvPicPr>
-          <p:cNvPr id="6" name="Picture 5" descr="A diagram of a diagram&#10;&#10;AI-generated content may be incorrect.">
-            <a:extLst>
-              <a:ext uri="{FF2B5EF4-FFF2-40B4-BE49-F238E27FC236}">
-                <a16:creationId xmlns:a16="http://schemas.microsoft.com/office/drawing/2014/main" id="{097631B7-9C82-2AA8-3A26-860364A3EE72}"/>
+          <p:cNvPr id="5" name="Content Placeholder 4" descr="A diagram of a process&#10;&#10;AI-generated content may be incorrect.">
+            <a:extLst>
+              <a:ext uri="{FF2B5EF4-FFF2-40B4-BE49-F238E27FC236}">
+                <a16:creationId xmlns:a16="http://schemas.microsoft.com/office/drawing/2014/main" id="{E1F8B280-56B1-8E89-F45B-CCB35E77192C}"/>
               </a:ext>
             </a:extLst>
           </p:cNvPr>
           <p:cNvPicPr>
-            <a:picLocks noChangeAspect="1"/>
+            <a:picLocks noGrp="1" noChangeAspect="1"/>
           </p:cNvPicPr>
-          <p:nvPr/>
+          <p:nvPr>
+            <p:ph idx="1"/>
+          </p:nvPr>
         </p:nvPicPr>
         <p:blipFill>
-          <a:blip r:embed="rId2"/>
+          <a:blip r:embed="rId3"/>
           <a:stretch>
             <a:fillRect/>
           </a:stretch>
         </p:blipFill>
         <p:spPr>
           <a:xfrm>
-            <a:off x="8644973" y="1301796"/>
-            <a:ext cx="1882984" cy="5037220"/>
+            <a:off x="1336334" y="1149741"/>
+            <a:ext cx="9519331" cy="4351338"/>
+          </a:xfrm>
+        </p:spPr>
+      </p:pic>
+      <p:sp>
+        <p:nvSpPr>
+          <p:cNvPr id="6" name="TextBox 5">
+            <a:extLst>
+              <a:ext uri="{FF2B5EF4-FFF2-40B4-BE49-F238E27FC236}">
+                <a16:creationId xmlns:a16="http://schemas.microsoft.com/office/drawing/2014/main" id="{0A690FEB-4665-6658-8052-9102E817677E}"/>
+              </a:ext>
+            </a:extLst>
+          </p:cNvPr>
+          <p:cNvSpPr txBox="1"/>
+          <p:nvPr/>
+        </p:nvSpPr>
+        <p:spPr>
+          <a:xfrm>
+            <a:off x="1336334" y="4121834"/>
+            <a:ext cx="7399703" cy="1754326"/>
           </a:xfrm>
           <a:prstGeom prst="rect">
             <a:avLst/>
           </a:prstGeom>
+          <a:noFill/>
         </p:spPr>
-      </p:pic>
+        <p:txBody>
+          <a:bodyPr wrap="square" rtlCol="0">
+            <a:spAutoFit/>
+          </a:bodyPr>
+          <a:lstStyle/>
+          <a:p>
+            <a:r>
+              <a:rPr lang="en-AU" b="1" dirty="0"/>
+              <a:t>Three-Stage Processing Architecture</a:t>
+            </a:r>
+            <a:endParaRPr lang="en-AU" dirty="0"/>
+          </a:p>
+          <a:p>
+            <a:r>
+              <a:rPr lang="en-AU" b="1" dirty="0"/>
+              <a:t>Stage 1</a:t>
+            </a:r>
+            <a:r>
+              <a:rPr lang="en-AU" dirty="0"/>
+              <a:t>: Input Processing (Image → Encoded patches)</a:t>
+            </a:r>
+          </a:p>
+          <a:p>
+            <a:r>
+              <a:rPr lang="en-AU" b="1" dirty="0"/>
+              <a:t>Stage 2</a:t>
+            </a:r>
+            <a:r>
+              <a:rPr lang="en-AU" dirty="0"/>
+              <a:t>: Transformer Stack (Semantic understanding)</a:t>
+            </a:r>
+          </a:p>
+          <a:p>
+            <a:r>
+              <a:rPr lang="en-AU" b="1" dirty="0"/>
+              <a:t>Stage 3</a:t>
+            </a:r>
+            <a:r>
+              <a:rPr lang="en-AU" dirty="0"/>
+              <a:t>: Language Generation (Structured output)</a:t>
+            </a:r>
+          </a:p>
+          <a:p>
+            <a:r>
+              <a:rPr lang="en-AU" b="1" dirty="0"/>
+              <a:t>Key Insight</a:t>
+            </a:r>
+            <a:r>
+              <a:rPr lang="en-AU" dirty="0"/>
+              <a:t>: Unified end-to-end processing from pixels to structured data</a:t>
+            </a:r>
+          </a:p>
+          <a:p>
+            <a:endParaRPr lang="en-US" dirty="0"/>
+          </a:p>
+        </p:txBody>
+      </p:sp>
     </p:spTree>
     <p:extLst>
       <p:ext uri="{BB962C8B-B14F-4D97-AF65-F5344CB8AC3E}">
-        <p14:creationId xmlns:p14="http://schemas.microsoft.com/office/powerpoint/2010/main" val="1424868880"/>
+        <p14:creationId xmlns:p14="http://schemas.microsoft.com/office/powerpoint/2010/main" val="2333322714"/>
       </p:ext>
     </p:extLst>
   </p:cSld>
@@ -4518,7 +7802,7 @@
         <p:cNvPr id="1" name="">
           <a:extLst>
             <a:ext uri="{FF2B5EF4-FFF2-40B4-BE49-F238E27FC236}">
-              <a16:creationId xmlns:a16="http://schemas.microsoft.com/office/drawing/2014/main" id="{9FD7A55C-D7DA-D63D-882D-6BA5D449BB40}"/>
+              <a16:creationId xmlns:a16="http://schemas.microsoft.com/office/drawing/2014/main" id="{B777578A-C489-462B-62DD-74221013377A}"/>
             </a:ext>
           </a:extLst>
         </p:cNvPr>
@@ -4538,7 +7822,7 @@
           <p:cNvPr id="2" name="Title 1">
             <a:extLst>
               <a:ext uri="{FF2B5EF4-FFF2-40B4-BE49-F238E27FC236}">
-                <a16:creationId xmlns:a16="http://schemas.microsoft.com/office/drawing/2014/main" id="{4D63770C-41B3-0600-02A7-70886BAA913C}"/>
+                <a16:creationId xmlns:a16="http://schemas.microsoft.com/office/drawing/2014/main" id="{A792E1C5-1AD3-AFC2-73BF-718037062225}"/>
               </a:ext>
             </a:extLst>
           </p:cNvPr>
@@ -4547,40 +7831,12 @@
           </p:cNvSpPr>
           <p:nvPr>
             <p:ph type="title"/>
-          </p:nvPr>
-        </p:nvSpPr>
-        <p:spPr/>
-        <p:txBody>
-          <a:bodyPr/>
-          <a:lstStyle/>
-          <a:p>
-            <a:r>
-              <a:rPr lang="en-AU" b="1" dirty="0"/>
-              <a:t>Example</a:t>
-            </a:r>
-          </a:p>
-        </p:txBody>
-      </p:sp>
-      <p:sp>
-        <p:nvSpPr>
-          <p:cNvPr id="3" name="Content Placeholder 2">
-            <a:extLst>
-              <a:ext uri="{FF2B5EF4-FFF2-40B4-BE49-F238E27FC236}">
-                <a16:creationId xmlns:a16="http://schemas.microsoft.com/office/drawing/2014/main" id="{63A327E2-76AF-A672-5EA4-D9A87CF29A7C}"/>
-              </a:ext>
-            </a:extLst>
-          </p:cNvPr>
-          <p:cNvSpPr>
-            <a:spLocks noGrp="1"/>
-          </p:cNvSpPr>
-          <p:nvPr>
-            <p:ph idx="1"/>
           </p:nvPr>
         </p:nvSpPr>
         <p:spPr>
           <a:xfrm>
-            <a:off x="838200" y="1433738"/>
-            <a:ext cx="10515600" cy="4848307"/>
+            <a:off x="838200" y="365126"/>
+            <a:ext cx="10515600" cy="675884"/>
           </a:xfrm>
         </p:spPr>
         <p:txBody>
@@ -4589,119 +7845,712 @@
           </a:bodyPr>
           <a:lstStyle/>
           <a:p>
+            <a:r>
+              <a:rPr lang="en-AU" sz="3200" b="1" dirty="0"/>
+              <a:t>Stage 1: Input Processing - Converting Images to Tokens</a:t>
+            </a:r>
+          </a:p>
+        </p:txBody>
+      </p:sp>
+      <p:sp>
+        <p:nvSpPr>
+          <p:cNvPr id="6" name="TextBox 5">
+            <a:extLst>
+              <a:ext uri="{FF2B5EF4-FFF2-40B4-BE49-F238E27FC236}">
+                <a16:creationId xmlns:a16="http://schemas.microsoft.com/office/drawing/2014/main" id="{E1F98BBD-AE55-41DB-E20F-769E6B119978}"/>
+              </a:ext>
+            </a:extLst>
+          </p:cNvPr>
+          <p:cNvSpPr txBox="1"/>
+          <p:nvPr/>
+        </p:nvSpPr>
+        <p:spPr>
+          <a:xfrm>
+            <a:off x="956604" y="4121834"/>
+            <a:ext cx="7779434" cy="2031325"/>
+          </a:xfrm>
+          <a:prstGeom prst="rect">
+            <a:avLst/>
+          </a:prstGeom>
+          <a:noFill/>
+        </p:spPr>
+        <p:txBody>
+          <a:bodyPr wrap="square" rtlCol="0">
+            <a:spAutoFit/>
+          </a:bodyPr>
+          <a:lstStyle/>
+          <a:p>
+            <a:r>
+              <a:rPr lang="en-AU" b="1" dirty="0"/>
+              <a:t>Stage 1: Converting Images to Tokens</a:t>
+            </a:r>
+            <a:endParaRPr lang="en-AU" dirty="0"/>
+          </a:p>
+          <a:p>
+            <a:r>
+              <a:rPr lang="en-AU" b="1" dirty="0"/>
+              <a:t>Split into 16x16 Patches</a:t>
+            </a:r>
+            <a:r>
+              <a:rPr lang="en-AU" dirty="0"/>
+              <a:t>: Document divided into fixed-size squares</a:t>
+            </a:r>
+          </a:p>
+          <a:p>
+            <a:r>
+              <a:rPr lang="en-AU" b="1" dirty="0"/>
+              <a:t>Linear Projection</a:t>
+            </a:r>
+            <a:r>
+              <a:rPr lang="en-AU" dirty="0"/>
+              <a:t>: Each patch becomes a vector representation</a:t>
+            </a:r>
+          </a:p>
+          <a:p>
+            <a:r>
+              <a:rPr lang="en-AU" b="1" dirty="0"/>
+              <a:t>Position Encoding</a:t>
+            </a:r>
+            <a:r>
+              <a:rPr lang="en-AU" dirty="0"/>
+              <a:t>: Spatial relationships preserved</a:t>
+            </a:r>
+          </a:p>
+          <a:p>
+            <a:r>
+              <a:rPr lang="en-AU" b="1" dirty="0"/>
+              <a:t>Result</a:t>
+            </a:r>
+            <a:r>
+              <a:rPr lang="en-AU" dirty="0"/>
+              <a:t>: Ready for transformer processing</a:t>
+            </a:r>
+          </a:p>
+          <a:p>
+            <a:r>
+              <a:rPr lang="en-AU" b="1" dirty="0"/>
+              <a:t>Key Insight</a:t>
+            </a:r>
+            <a:r>
+              <a:rPr lang="en-AU" dirty="0"/>
+              <a:t>: Images become "sentences" of patch "words"</a:t>
+            </a:r>
+          </a:p>
+          <a:p>
+            <a:endParaRPr lang="en-US" dirty="0"/>
+          </a:p>
+        </p:txBody>
+      </p:sp>
+      <p:pic>
+        <p:nvPicPr>
+          <p:cNvPr id="8" name="Content Placeholder 7">
+            <a:extLst>
+              <a:ext uri="{FF2B5EF4-FFF2-40B4-BE49-F238E27FC236}">
+                <a16:creationId xmlns:a16="http://schemas.microsoft.com/office/drawing/2014/main" id="{DBF2FA60-B3BA-C50A-9F0F-EC2FB75BCE6C}"/>
+              </a:ext>
+            </a:extLst>
+          </p:cNvPr>
+          <p:cNvPicPr>
+            <a:picLocks noGrp="1" noChangeAspect="1"/>
+          </p:cNvPicPr>
+          <p:nvPr>
+            <p:ph idx="1"/>
+          </p:nvPr>
+        </p:nvPicPr>
+        <p:blipFill>
+          <a:blip r:embed="rId3"/>
+          <a:stretch>
+            <a:fillRect/>
+          </a:stretch>
+        </p:blipFill>
+        <p:spPr>
+          <a:xfrm>
+            <a:off x="905022" y="1816284"/>
+            <a:ext cx="10515600" cy="1256051"/>
+          </a:xfrm>
+        </p:spPr>
+      </p:pic>
+    </p:spTree>
+    <p:extLst>
+      <p:ext uri="{BB962C8B-B14F-4D97-AF65-F5344CB8AC3E}">
+        <p14:creationId xmlns:p14="http://schemas.microsoft.com/office/powerpoint/2010/main" val="1342319986"/>
+      </p:ext>
+    </p:extLst>
+  </p:cSld>
+  <p:clrMapOvr>
+    <a:masterClrMapping/>
+  </p:clrMapOvr>
+</p:sld>
+</file>
+
+<file path=ppt/slides/slide17.xml><?xml version="1.0" encoding="utf-8"?>
+<p:sld xmlns:a="http://schemas.openxmlformats.org/drawingml/2006/main" xmlns:r="http://schemas.openxmlformats.org/officeDocument/2006/relationships" xmlns:p="http://schemas.openxmlformats.org/presentationml/2006/main">
+  <p:cSld>
+    <p:spTree>
+      <p:nvGrpSpPr>
+        <p:cNvPr id="1" name="">
+          <a:extLst>
+            <a:ext uri="{FF2B5EF4-FFF2-40B4-BE49-F238E27FC236}">
+              <a16:creationId xmlns:a16="http://schemas.microsoft.com/office/drawing/2014/main" id="{5E863BC6-9EC3-93BC-5F53-51234F5F1B39}"/>
+            </a:ext>
+          </a:extLst>
+        </p:cNvPr>
+        <p:cNvGrpSpPr/>
+        <p:nvPr/>
+      </p:nvGrpSpPr>
+      <p:grpSpPr>
+        <a:xfrm>
+          <a:off x="0" y="0"/>
+          <a:ext cx="0" cy="0"/>
+          <a:chOff x="0" y="0"/>
+          <a:chExt cx="0" cy="0"/>
+        </a:xfrm>
+      </p:grpSpPr>
+      <p:sp>
+        <p:nvSpPr>
+          <p:cNvPr id="2" name="Title 1">
+            <a:extLst>
+              <a:ext uri="{FF2B5EF4-FFF2-40B4-BE49-F238E27FC236}">
+                <a16:creationId xmlns:a16="http://schemas.microsoft.com/office/drawing/2014/main" id="{F37908D7-A97C-B0AE-7CB9-3399F9C1DC97}"/>
+              </a:ext>
+            </a:extLst>
+          </p:cNvPr>
+          <p:cNvSpPr>
+            <a:spLocks noGrp="1"/>
+          </p:cNvSpPr>
+          <p:nvPr>
+            <p:ph type="title"/>
+          </p:nvPr>
+        </p:nvSpPr>
+        <p:spPr>
+          <a:xfrm>
+            <a:off x="838200" y="154745"/>
+            <a:ext cx="10515600" cy="886265"/>
+          </a:xfrm>
+        </p:spPr>
+        <p:txBody>
+          <a:bodyPr>
+            <a:noAutofit/>
+          </a:bodyPr>
+          <a:lstStyle/>
+          <a:p>
+            <a:r>
+              <a:rPr lang="en-AU" sz="3200" b="1" dirty="0"/>
+              <a:t>Stage 2: Transformer Processing - Global Understanding</a:t>
+            </a:r>
+          </a:p>
+        </p:txBody>
+      </p:sp>
+      <p:sp>
+        <p:nvSpPr>
+          <p:cNvPr id="6" name="TextBox 5">
+            <a:extLst>
+              <a:ext uri="{FF2B5EF4-FFF2-40B4-BE49-F238E27FC236}">
+                <a16:creationId xmlns:a16="http://schemas.microsoft.com/office/drawing/2014/main" id="{E25B68A4-4EF5-4040-B1D3-73774389FB83}"/>
+              </a:ext>
+            </a:extLst>
+          </p:cNvPr>
+          <p:cNvSpPr txBox="1"/>
+          <p:nvPr/>
+        </p:nvSpPr>
+        <p:spPr>
+          <a:xfrm>
+            <a:off x="956604" y="4121834"/>
+            <a:ext cx="10397196" cy="2031325"/>
+          </a:xfrm>
+          <a:prstGeom prst="rect">
+            <a:avLst/>
+          </a:prstGeom>
+          <a:noFill/>
+        </p:spPr>
+        <p:txBody>
+          <a:bodyPr wrap="square" rtlCol="0">
+            <a:spAutoFit/>
+          </a:bodyPr>
+          <a:lstStyle/>
+          <a:p>
+            <a:r>
+              <a:rPr lang="en-AU" b="1" dirty="0"/>
+              <a:t>Stage 2: Global Understanding Through Attention</a:t>
+            </a:r>
+            <a:endParaRPr lang="en-AU" dirty="0"/>
+          </a:p>
+          <a:p>
+            <a:r>
+              <a:rPr lang="en-AU" b="1" dirty="0"/>
+              <a:t>Multi-Head Self-Attention</a:t>
+            </a:r>
+            <a:r>
+              <a:rPr lang="en-AU" dirty="0"/>
+              <a:t>: Each patch "sees" every other patch</a:t>
+            </a:r>
+          </a:p>
+          <a:p>
+            <a:r>
+              <a:rPr lang="en-AU" b="1" dirty="0"/>
+              <a:t>Feed Forward Networks</a:t>
+            </a:r>
+            <a:r>
+              <a:rPr lang="en-AU" dirty="0"/>
+              <a:t>: Non-linear feature processing</a:t>
+            </a:r>
+          </a:p>
+          <a:p>
+            <a:r>
+              <a:rPr lang="en-AU" b="1" dirty="0"/>
+              <a:t>Layer Iteration</a:t>
+            </a:r>
+            <a:r>
+              <a:rPr lang="en-AU" dirty="0"/>
+              <a:t>: 12-24 layers of progressive understanding</a:t>
+            </a:r>
+          </a:p>
+          <a:p>
+            <a:r>
+              <a:rPr lang="en-AU" b="1" dirty="0"/>
+              <a:t>Key Innovation</a:t>
+            </a:r>
+            <a:r>
+              <a:rPr lang="en-AU" dirty="0"/>
+              <a:t>: Global context from the start</a:t>
+            </a:r>
+          </a:p>
+          <a:p>
+            <a:r>
+              <a:rPr lang="en-AU" b="1" dirty="0"/>
+              <a:t>Real Example</a:t>
+            </a:r>
+            <a:r>
+              <a:rPr lang="en-AU" dirty="0"/>
+              <a:t>: Header "Hyatt Hotels" connects to total "$31.33" across the page</a:t>
+            </a:r>
+          </a:p>
+          <a:p>
+            <a:endParaRPr lang="en-US" dirty="0"/>
+          </a:p>
+        </p:txBody>
+      </p:sp>
+      <p:pic>
+        <p:nvPicPr>
+          <p:cNvPr id="7" name="Content Placeholder 6" descr="A diagram of a network&#10;&#10;AI-generated content may be incorrect.">
+            <a:extLst>
+              <a:ext uri="{FF2B5EF4-FFF2-40B4-BE49-F238E27FC236}">
+                <a16:creationId xmlns:a16="http://schemas.microsoft.com/office/drawing/2014/main" id="{DD501ACF-B4F1-6456-A06E-A7160753FD77}"/>
+              </a:ext>
+            </a:extLst>
+          </p:cNvPr>
+          <p:cNvPicPr>
+            <a:picLocks noGrp="1" noChangeAspect="1"/>
+          </p:cNvPicPr>
+          <p:nvPr>
+            <p:ph idx="1"/>
+          </p:nvPr>
+        </p:nvPicPr>
+        <p:blipFill>
+          <a:blip r:embed="rId3"/>
+          <a:stretch>
+            <a:fillRect/>
+          </a:stretch>
+        </p:blipFill>
+        <p:spPr>
+          <a:xfrm>
+            <a:off x="838200" y="1041010"/>
+            <a:ext cx="10515600" cy="2758777"/>
+          </a:xfrm>
+        </p:spPr>
+      </p:pic>
+    </p:spTree>
+    <p:extLst>
+      <p:ext uri="{BB962C8B-B14F-4D97-AF65-F5344CB8AC3E}">
+        <p14:creationId xmlns:p14="http://schemas.microsoft.com/office/powerpoint/2010/main" val="871688511"/>
+      </p:ext>
+    </p:extLst>
+  </p:cSld>
+  <p:clrMapOvr>
+    <a:masterClrMapping/>
+  </p:clrMapOvr>
+</p:sld>
+</file>
+
+<file path=ppt/slides/slide18.xml><?xml version="1.0" encoding="utf-8"?>
+<p:sld xmlns:a="http://schemas.openxmlformats.org/drawingml/2006/main" xmlns:r="http://schemas.openxmlformats.org/officeDocument/2006/relationships" xmlns:p="http://schemas.openxmlformats.org/presentationml/2006/main">
+  <p:cSld>
+    <p:spTree>
+      <p:nvGrpSpPr>
+        <p:cNvPr id="1" name="">
+          <a:extLst>
+            <a:ext uri="{FF2B5EF4-FFF2-40B4-BE49-F238E27FC236}">
+              <a16:creationId xmlns:a16="http://schemas.microsoft.com/office/drawing/2014/main" id="{99848FEA-7EA6-DBA7-C66A-741BC84E486A}"/>
+            </a:ext>
+          </a:extLst>
+        </p:cNvPr>
+        <p:cNvGrpSpPr/>
+        <p:nvPr/>
+      </p:nvGrpSpPr>
+      <p:grpSpPr>
+        <a:xfrm>
+          <a:off x="0" y="0"/>
+          <a:ext cx="0" cy="0"/>
+          <a:chOff x="0" y="0"/>
+          <a:chExt cx="0" cy="0"/>
+        </a:xfrm>
+      </p:grpSpPr>
+      <p:sp>
+        <p:nvSpPr>
+          <p:cNvPr id="2" name="Title 1">
+            <a:extLst>
+              <a:ext uri="{FF2B5EF4-FFF2-40B4-BE49-F238E27FC236}">
+                <a16:creationId xmlns:a16="http://schemas.microsoft.com/office/drawing/2014/main" id="{80ECCA02-06B6-A1A1-8D20-4E6A35349B3B}"/>
+              </a:ext>
+            </a:extLst>
+          </p:cNvPr>
+          <p:cNvSpPr>
+            <a:spLocks noGrp="1"/>
+          </p:cNvSpPr>
+          <p:nvPr>
+            <p:ph type="title"/>
+          </p:nvPr>
+        </p:nvSpPr>
+        <p:spPr>
+          <a:xfrm>
+            <a:off x="401516" y="250128"/>
+            <a:ext cx="11507372" cy="787790"/>
+          </a:xfrm>
+        </p:spPr>
+        <p:txBody>
+          <a:bodyPr>
+            <a:noAutofit/>
+          </a:bodyPr>
+          <a:lstStyle/>
+          <a:p>
+            <a:r>
+              <a:rPr lang="en-AU" sz="3200" b="1" dirty="0"/>
+              <a:t>Stage 3: Language Generation - From Understanding to Extraction</a:t>
+            </a:r>
+          </a:p>
+        </p:txBody>
+      </p:sp>
+      <p:sp>
+        <p:nvSpPr>
+          <p:cNvPr id="6" name="TextBox 5">
+            <a:extLst>
+              <a:ext uri="{FF2B5EF4-FFF2-40B4-BE49-F238E27FC236}">
+                <a16:creationId xmlns:a16="http://schemas.microsoft.com/office/drawing/2014/main" id="{CA451E53-CF8D-995D-DFFF-52EBE821ACB0}"/>
+              </a:ext>
+            </a:extLst>
+          </p:cNvPr>
+          <p:cNvSpPr txBox="1"/>
+          <p:nvPr/>
+        </p:nvSpPr>
+        <p:spPr>
+          <a:xfrm>
+            <a:off x="683456" y="2641620"/>
+            <a:ext cx="10397196" cy="1200329"/>
+          </a:xfrm>
+          <a:prstGeom prst="rect">
+            <a:avLst/>
+          </a:prstGeom>
+          <a:noFill/>
+        </p:spPr>
+        <p:txBody>
+          <a:bodyPr wrap="square" rtlCol="0">
+            <a:spAutoFit/>
+          </a:bodyPr>
+          <a:lstStyle/>
+          <a:p>
+            <a:r>
+              <a:rPr lang="en-AU" b="1" dirty="0"/>
+              <a:t>Stage 3: From Understanding to Extraction</a:t>
+            </a:r>
+            <a:endParaRPr lang="en-AU" dirty="0"/>
+          </a:p>
+          <a:p>
+            <a:r>
+              <a:rPr lang="en-AU" b="1" dirty="0"/>
+              <a:t>Vision-Language Fusion</a:t>
+            </a:r>
+            <a:r>
+              <a:rPr lang="en-AU" dirty="0"/>
+              <a:t>: Connect visual patterns to semantic meaning</a:t>
+            </a:r>
+          </a:p>
+          <a:p>
+            <a:r>
+              <a:rPr lang="en-AU" b="1" dirty="0"/>
+              <a:t>Language Model Head</a:t>
+            </a:r>
+            <a:r>
+              <a:rPr lang="en-AU" dirty="0"/>
+              <a:t>: Generate structured text output</a:t>
+            </a:r>
+          </a:p>
+          <a:p>
+            <a:r>
+              <a:rPr lang="en-AU" b="1" dirty="0"/>
+              <a:t>Structured Output</a:t>
+            </a:r>
+            <a:r>
+              <a:rPr lang="en-AU" dirty="0"/>
+              <a:t>: Direct KEY: VALUE format</a:t>
+            </a:r>
+          </a:p>
+        </p:txBody>
+      </p:sp>
+      <p:pic>
+        <p:nvPicPr>
+          <p:cNvPr id="8" name="Content Placeholder 7" descr="A diagram of a language model&#10;&#10;AI-generated content may be incorrect.">
+            <a:extLst>
+              <a:ext uri="{FF2B5EF4-FFF2-40B4-BE49-F238E27FC236}">
+                <a16:creationId xmlns:a16="http://schemas.microsoft.com/office/drawing/2014/main" id="{33502EBF-6EC5-4207-C75A-7FD8F877202E}"/>
+              </a:ext>
+            </a:extLst>
+          </p:cNvPr>
+          <p:cNvPicPr>
+            <a:picLocks noGrp="1" noChangeAspect="1"/>
+          </p:cNvPicPr>
+          <p:nvPr>
+            <p:ph idx="1"/>
+          </p:nvPr>
+        </p:nvPicPr>
+        <p:blipFill>
+          <a:blip r:embed="rId3"/>
+          <a:stretch>
+            <a:fillRect/>
+          </a:stretch>
+        </p:blipFill>
+        <p:spPr>
+          <a:xfrm>
+            <a:off x="683456" y="1041010"/>
+            <a:ext cx="10515600" cy="1703281"/>
+          </a:xfrm>
+        </p:spPr>
+      </p:pic>
+      <p:pic>
+        <p:nvPicPr>
+          <p:cNvPr id="9" name="Picture 8">
+            <a:extLst>
+              <a:ext uri="{FF2B5EF4-FFF2-40B4-BE49-F238E27FC236}">
+                <a16:creationId xmlns:a16="http://schemas.microsoft.com/office/drawing/2014/main" id="{184D832A-4902-E074-F915-A964D7FEC2D9}"/>
+              </a:ext>
+            </a:extLst>
+          </p:cNvPr>
+          <p:cNvPicPr>
+            <a:picLocks noChangeAspect="1"/>
+          </p:cNvPicPr>
+          <p:nvPr/>
+        </p:nvPicPr>
+        <p:blipFill>
+          <a:blip r:embed="rId4"/>
+          <a:stretch>
+            <a:fillRect/>
+          </a:stretch>
+        </p:blipFill>
+        <p:spPr>
+          <a:xfrm>
+            <a:off x="5941256" y="4356780"/>
+            <a:ext cx="5359400" cy="1625600"/>
+          </a:xfrm>
+          <a:prstGeom prst="rect">
+            <a:avLst/>
+          </a:prstGeom>
+        </p:spPr>
+      </p:pic>
+      <p:pic>
+        <p:nvPicPr>
+          <p:cNvPr id="12" name="Picture 11" descr="A invoice with text and numbers&#10;&#10;AI-generated content may be incorrect.">
+            <a:extLst>
+              <a:ext uri="{FF2B5EF4-FFF2-40B4-BE49-F238E27FC236}">
+                <a16:creationId xmlns:a16="http://schemas.microsoft.com/office/drawing/2014/main" id="{10164EB2-AD2F-3399-CE70-D869341D9DD5}"/>
+              </a:ext>
+            </a:extLst>
+          </p:cNvPr>
+          <p:cNvPicPr>
+            <a:picLocks noChangeAspect="1"/>
+          </p:cNvPicPr>
+          <p:nvPr/>
+        </p:nvPicPr>
+        <p:blipFill>
+          <a:blip r:embed="rId5"/>
+          <a:stretch>
+            <a:fillRect/>
+          </a:stretch>
+        </p:blipFill>
+        <p:spPr>
+          <a:xfrm>
+            <a:off x="763791" y="4014236"/>
+            <a:ext cx="2551776" cy="2310688"/>
+          </a:xfrm>
+          <a:prstGeom prst="rect">
+            <a:avLst/>
+          </a:prstGeom>
+        </p:spPr>
+      </p:pic>
+    </p:spTree>
+    <p:extLst>
+      <p:ext uri="{BB962C8B-B14F-4D97-AF65-F5344CB8AC3E}">
+        <p14:creationId xmlns:p14="http://schemas.microsoft.com/office/powerpoint/2010/main" val="594242692"/>
+      </p:ext>
+    </p:extLst>
+  </p:cSld>
+  <p:clrMapOvr>
+    <a:masterClrMapping/>
+  </p:clrMapOvr>
+</p:sld>
+</file>
+
+<file path=ppt/slides/slide19.xml><?xml version="1.0" encoding="utf-8"?>
+<p:sld xmlns:a="http://schemas.openxmlformats.org/drawingml/2006/main" xmlns:r="http://schemas.openxmlformats.org/officeDocument/2006/relationships" xmlns:p="http://schemas.openxmlformats.org/presentationml/2006/main">
+  <p:cSld>
+    <p:spTree>
+      <p:nvGrpSpPr>
+        <p:cNvPr id="1" name=""/>
+        <p:cNvGrpSpPr/>
+        <p:nvPr/>
+      </p:nvGrpSpPr>
+      <p:grpSpPr>
+        <a:xfrm>
+          <a:off x="0" y="0"/>
+          <a:ext cx="0" cy="0"/>
+          <a:chOff x="0" y="0"/>
+          <a:chExt cx="0" cy="0"/>
+        </a:xfrm>
+      </p:grpSpPr>
+      <p:sp>
+        <p:nvSpPr>
+          <p:cNvPr id="2" name="Title 1">
+            <a:extLst>
+              <a:ext uri="{FF2B5EF4-FFF2-40B4-BE49-F238E27FC236}">
+                <a16:creationId xmlns:a16="http://schemas.microsoft.com/office/drawing/2014/main" id="{D8AB6FE8-539C-EB90-2229-8DCA5905F4AF}"/>
+              </a:ext>
+            </a:extLst>
+          </p:cNvPr>
+          <p:cNvSpPr>
+            <a:spLocks noGrp="1"/>
+          </p:cNvSpPr>
+          <p:nvPr>
+            <p:ph type="title"/>
+          </p:nvPr>
+        </p:nvSpPr>
+        <p:spPr/>
+        <p:txBody>
+          <a:bodyPr/>
+          <a:lstStyle/>
+          <a:p>
+            <a:r>
+              <a:rPr lang="en-AU" b="1" dirty="0"/>
+              <a:t>Self-Attention for Documents</a:t>
+            </a:r>
+            <a:endParaRPr lang="en-US" dirty="0"/>
+          </a:p>
+        </p:txBody>
+      </p:sp>
+      <p:pic>
+        <p:nvPicPr>
+          <p:cNvPr id="6" name="Content Placeholder 5" descr="A screenshot of a diagram&#10;&#10;AI-generated content may be incorrect.">
+            <a:extLst>
+              <a:ext uri="{FF2B5EF4-FFF2-40B4-BE49-F238E27FC236}">
+                <a16:creationId xmlns:a16="http://schemas.microsoft.com/office/drawing/2014/main" id="{B0700B5F-9FFA-FEA3-D684-114A08FADA14}"/>
+              </a:ext>
+            </a:extLst>
+          </p:cNvPr>
+          <p:cNvPicPr>
+            <a:picLocks noGrp="1" noChangeAspect="1"/>
+          </p:cNvPicPr>
+          <p:nvPr>
+            <p:ph sz="half" idx="1"/>
+          </p:nvPr>
+        </p:nvPicPr>
+        <p:blipFill>
+          <a:blip r:embed="rId3"/>
+          <a:stretch>
+            <a:fillRect/>
+          </a:stretch>
+        </p:blipFill>
+        <p:spPr>
+          <a:xfrm>
+            <a:off x="1377655" y="1825625"/>
+            <a:ext cx="4102690" cy="4351338"/>
+          </a:xfrm>
+        </p:spPr>
+      </p:pic>
+      <p:sp>
+        <p:nvSpPr>
+          <p:cNvPr id="4" name="Content Placeholder 3">
+            <a:extLst>
+              <a:ext uri="{FF2B5EF4-FFF2-40B4-BE49-F238E27FC236}">
+                <a16:creationId xmlns:a16="http://schemas.microsoft.com/office/drawing/2014/main" id="{01207717-B765-F8D9-E3CD-3E39981BFA68}"/>
+              </a:ext>
+            </a:extLst>
+          </p:cNvPr>
+          <p:cNvSpPr>
+            <a:spLocks noGrp="1"/>
+          </p:cNvSpPr>
+          <p:nvPr>
+            <p:ph sz="half" idx="2"/>
+          </p:nvPr>
+        </p:nvSpPr>
+        <p:spPr/>
+        <p:txBody>
+          <a:bodyPr>
+            <a:normAutofit fontScale="92500" lnSpcReduction="10000"/>
+          </a:bodyPr>
+          <a:lstStyle/>
+          <a:p>
+            <a:r>
+              <a:rPr lang="en-AU" b="1" dirty="0"/>
+              <a:t>Document-Specific Benefits</a:t>
+            </a:r>
+            <a:r>
+              <a:rPr lang="en-AU" dirty="0"/>
+              <a:t>:</a:t>
+            </a:r>
+          </a:p>
+          <a:p>
+            <a:r>
+              <a:rPr lang="en-AU" dirty="0"/>
+              <a:t>Links headers to values across page</a:t>
+            </a:r>
+          </a:p>
+          <a:p>
+            <a:r>
+              <a:rPr lang="en-AU" dirty="0"/>
+              <a:t>Understands table structures</a:t>
+            </a:r>
+          </a:p>
+          <a:p>
+            <a:r>
+              <a:rPr lang="en-AU" dirty="0"/>
+              <a:t>Handles multi-column layouts</a:t>
+            </a:r>
+          </a:p>
+          <a:p>
+            <a:r>
+              <a:rPr lang="en-AU" dirty="0"/>
+              <a:t>Processes logos and graphics</a:t>
+            </a:r>
+          </a:p>
+          <a:p>
+            <a:r>
+              <a:rPr lang="en-AU" b="1" dirty="0"/>
+              <a:t>Real Example</a:t>
+            </a:r>
+            <a:r>
+              <a:rPr lang="en-AU" dirty="0"/>
+              <a:t>: Hyatt Hotels invoice - $31.33 total automatically links to line items (Milk, Apples, Beef) and GST calculation</a:t>
+            </a:r>
+          </a:p>
+          <a:p>
             <a:pPr marL="0" indent="0">
               <a:buNone/>
             </a:pPr>
-            <a:r>
-              <a:rPr lang="en-AU" sz="1800" b="1" dirty="0"/>
-              <a:t>In a document:</a:t>
-            </a:r>
-          </a:p>
-          <a:p>
-            <a:r>
-              <a:rPr lang="en-AU" sz="1800" b="1" dirty="0"/>
-              <a:t>  - Total: $521.21 at bottom of page</a:t>
-            </a:r>
-          </a:p>
-          <a:p>
-            <a:r>
-              <a:rPr lang="en-AU" sz="1800" b="1" dirty="0"/>
-              <a:t>  - Line items at top of page</a:t>
-            </a:r>
-          </a:p>
-          <a:p>
-            <a:r>
-              <a:rPr lang="en-AU" sz="1800" b="1" dirty="0"/>
-              <a:t>  - CNN: Needs many convolutional layers to connect these distant elements</a:t>
-            </a:r>
-          </a:p>
-          <a:p>
-            <a:r>
-              <a:rPr lang="en-AU" sz="1800" b="1" dirty="0"/>
-              <a:t>  - </a:t>
-            </a:r>
-            <a:r>
-              <a:rPr lang="en-AU" sz="1800" b="1" dirty="0" err="1"/>
-              <a:t>ViT</a:t>
-            </a:r>
-            <a:r>
-              <a:rPr lang="en-AU" sz="1800" b="1" dirty="0"/>
-              <a:t>: Self-attention directly links them in the first layer</a:t>
-            </a:r>
-          </a:p>
-          <a:p>
-            <a:pPr marL="0" indent="0">
-              <a:buNone/>
-            </a:pPr>
-            <a:endParaRPr lang="en-AU" sz="1800" b="1" dirty="0"/>
-          </a:p>
-          <a:p>
-            <a:pPr marL="0" indent="0">
-              <a:buNone/>
-            </a:pPr>
-            <a:r>
-              <a:rPr lang="en-AU" sz="1800" b="1" dirty="0"/>
-              <a:t>Without convolutional bias, </a:t>
-            </a:r>
-            <a:r>
-              <a:rPr lang="en-AU" sz="1800" b="1" dirty="0" err="1"/>
-              <a:t>ViTs</a:t>
-            </a:r>
-            <a:r>
-              <a:rPr lang="en-AU" sz="1800" b="1" dirty="0"/>
-              <a:t> can:</a:t>
-            </a:r>
-          </a:p>
-          <a:p>
-            <a:r>
-              <a:rPr lang="en-AU" sz="1800" b="1" dirty="0"/>
-              <a:t>  - Link page numbers to headers</a:t>
-            </a:r>
-          </a:p>
-          <a:p>
-            <a:r>
-              <a:rPr lang="en-AU" sz="1800" b="1" dirty="0"/>
-              <a:t>  - Connect footnotes to main text</a:t>
-            </a:r>
-          </a:p>
-          <a:p>
-            <a:r>
-              <a:rPr lang="en-AU" sz="1800" b="1" dirty="0"/>
-              <a:t>  - Associate logos with company names</a:t>
-            </a:r>
-          </a:p>
-          <a:p>
-            <a:r>
-              <a:rPr lang="en-AU" sz="1800" b="1" dirty="0"/>
-              <a:t>  - Understand table structures globally</a:t>
-            </a:r>
-          </a:p>
-          <a:p>
-            <a:r>
-              <a:rPr lang="en-AU" sz="1800" b="1" dirty="0"/>
-              <a:t>  This is why </a:t>
-            </a:r>
-            <a:r>
-              <a:rPr lang="en-AU" sz="1800" b="1" dirty="0" err="1"/>
-              <a:t>ViTs</a:t>
-            </a:r>
-            <a:r>
-              <a:rPr lang="en-AU" sz="1800" b="1" dirty="0"/>
-              <a:t> excel at document understanding - documents have global relationships</a:t>
-            </a:r>
-          </a:p>
-          <a:p>
-            <a:r>
-              <a:rPr lang="en-AU" sz="1800" b="1" dirty="0"/>
-              <a:t>  that CNNs struggle to capture!</a:t>
-            </a:r>
+            <a:endParaRPr lang="en-AU" dirty="0"/>
           </a:p>
         </p:txBody>
       </p:sp>
     </p:spTree>
     <p:extLst>
       <p:ext uri="{BB962C8B-B14F-4D97-AF65-F5344CB8AC3E}">
-        <p14:creationId xmlns:p14="http://schemas.microsoft.com/office/powerpoint/2010/main" val="4146543464"/>
+        <p14:creationId xmlns:p14="http://schemas.microsoft.com/office/powerpoint/2010/main" val="2769956973"/>
       </p:ext>
     </p:extLst>
   </p:cSld>
@@ -5220,6 +9069,870 @@
 </p:sld>
 </file>
 
+<file path=ppt/slides/slide20.xml><?xml version="1.0" encoding="utf-8"?>
+<p:sld xmlns:a="http://schemas.openxmlformats.org/drawingml/2006/main" xmlns:r="http://schemas.openxmlformats.org/officeDocument/2006/relationships" xmlns:p="http://schemas.openxmlformats.org/presentationml/2006/main">
+  <p:cSld>
+    <p:spTree>
+      <p:nvGrpSpPr>
+        <p:cNvPr id="1" name=""/>
+        <p:cNvGrpSpPr/>
+        <p:nvPr/>
+      </p:nvGrpSpPr>
+      <p:grpSpPr>
+        <a:xfrm>
+          <a:off x="0" y="0"/>
+          <a:ext cx="0" cy="0"/>
+          <a:chOff x="0" y="0"/>
+          <a:chExt cx="0" cy="0"/>
+        </a:xfrm>
+      </p:grpSpPr>
+      <p:sp>
+        <p:nvSpPr>
+          <p:cNvPr id="2" name="Title 1">
+            <a:extLst>
+              <a:ext uri="{FF2B5EF4-FFF2-40B4-BE49-F238E27FC236}">
+                <a16:creationId xmlns:a16="http://schemas.microsoft.com/office/drawing/2014/main" id="{0BBB729B-5BFE-C112-8C0C-1D94760DA08C}"/>
+              </a:ext>
+            </a:extLst>
+          </p:cNvPr>
+          <p:cNvSpPr>
+            <a:spLocks noGrp="1"/>
+          </p:cNvSpPr>
+          <p:nvPr>
+            <p:ph type="title"/>
+          </p:nvPr>
+        </p:nvSpPr>
+        <p:spPr/>
+        <p:txBody>
+          <a:bodyPr/>
+          <a:lstStyle/>
+          <a:p>
+            <a:r>
+              <a:rPr lang="en-AU" b="1" dirty="0"/>
+              <a:t>Semantic Information Flow</a:t>
+            </a:r>
+            <a:endParaRPr lang="en-US" dirty="0"/>
+          </a:p>
+        </p:txBody>
+      </p:sp>
+      <p:pic>
+        <p:nvPicPr>
+          <p:cNvPr id="6" name="Content Placeholder 5" descr="A diagram of a process&#10;&#10;AI-generated content may be incorrect.">
+            <a:extLst>
+              <a:ext uri="{FF2B5EF4-FFF2-40B4-BE49-F238E27FC236}">
+                <a16:creationId xmlns:a16="http://schemas.microsoft.com/office/drawing/2014/main" id="{3F1F9D69-CA0B-92E4-44CB-40B67098D7C0}"/>
+              </a:ext>
+            </a:extLst>
+          </p:cNvPr>
+          <p:cNvPicPr>
+            <a:picLocks noGrp="1" noChangeAspect="1"/>
+          </p:cNvPicPr>
+          <p:nvPr>
+            <p:ph sz="half" idx="1"/>
+          </p:nvPr>
+        </p:nvPicPr>
+        <p:blipFill>
+          <a:blip r:embed="rId3"/>
+          <a:stretch>
+            <a:fillRect/>
+          </a:stretch>
+        </p:blipFill>
+        <p:spPr>
+          <a:xfrm>
+            <a:off x="1039688" y="1825625"/>
+            <a:ext cx="4778623" cy="4351338"/>
+          </a:xfrm>
+        </p:spPr>
+      </p:pic>
+      <p:pic>
+        <p:nvPicPr>
+          <p:cNvPr id="8" name="Content Placeholder 7" descr="A diagram of a process&#10;&#10;AI-generated content may be incorrect.">
+            <a:extLst>
+              <a:ext uri="{FF2B5EF4-FFF2-40B4-BE49-F238E27FC236}">
+                <a16:creationId xmlns:a16="http://schemas.microsoft.com/office/drawing/2014/main" id="{B90A2F0A-02E5-4926-9EC0-6F9593396DDA}"/>
+              </a:ext>
+            </a:extLst>
+          </p:cNvPr>
+          <p:cNvPicPr>
+            <a:picLocks noGrp="1" noChangeAspect="1"/>
+          </p:cNvPicPr>
+          <p:nvPr>
+            <p:ph sz="half" idx="2"/>
+          </p:nvPr>
+        </p:nvPicPr>
+        <p:blipFill>
+          <a:blip r:embed="rId4"/>
+          <a:stretch>
+            <a:fillRect/>
+          </a:stretch>
+        </p:blipFill>
+        <p:spPr>
+          <a:xfrm>
+            <a:off x="6601701" y="1825625"/>
+            <a:ext cx="4322597" cy="4351338"/>
+          </a:xfrm>
+        </p:spPr>
+      </p:pic>
+    </p:spTree>
+    <p:extLst>
+      <p:ext uri="{BB962C8B-B14F-4D97-AF65-F5344CB8AC3E}">
+        <p14:creationId xmlns:p14="http://schemas.microsoft.com/office/powerpoint/2010/main" val="1395352782"/>
+      </p:ext>
+    </p:extLst>
+  </p:cSld>
+  <p:clrMapOvr>
+    <a:masterClrMapping/>
+  </p:clrMapOvr>
+</p:sld>
+</file>
+
+<file path=ppt/slides/slide21.xml><?xml version="1.0" encoding="utf-8"?>
+<p:sld xmlns:a="http://schemas.openxmlformats.org/drawingml/2006/main" xmlns:r="http://schemas.openxmlformats.org/officeDocument/2006/relationships" xmlns:p="http://schemas.openxmlformats.org/presentationml/2006/main">
+  <p:cSld>
+    <p:spTree>
+      <p:nvGrpSpPr>
+        <p:cNvPr id="1" name=""/>
+        <p:cNvGrpSpPr/>
+        <p:nvPr/>
+      </p:nvGrpSpPr>
+      <p:grpSpPr>
+        <a:xfrm>
+          <a:off x="0" y="0"/>
+          <a:ext cx="0" cy="0"/>
+          <a:chOff x="0" y="0"/>
+          <a:chExt cx="0" cy="0"/>
+        </a:xfrm>
+      </p:grpSpPr>
+      <p:sp>
+        <p:nvSpPr>
+          <p:cNvPr id="2" name="Title 1">
+            <a:extLst>
+              <a:ext uri="{FF2B5EF4-FFF2-40B4-BE49-F238E27FC236}">
+                <a16:creationId xmlns:a16="http://schemas.microsoft.com/office/drawing/2014/main" id="{B106F854-223A-3E94-1B3D-0FAFE71EF71C}"/>
+              </a:ext>
+            </a:extLst>
+          </p:cNvPr>
+          <p:cNvSpPr>
+            <a:spLocks noGrp="1"/>
+          </p:cNvSpPr>
+          <p:nvPr>
+            <p:ph type="title"/>
+          </p:nvPr>
+        </p:nvSpPr>
+        <p:spPr>
+          <a:xfrm>
+            <a:off x="838200" y="154111"/>
+            <a:ext cx="10515600" cy="1308930"/>
+          </a:xfrm>
+        </p:spPr>
+        <p:txBody>
+          <a:bodyPr>
+            <a:normAutofit/>
+          </a:bodyPr>
+          <a:lstStyle/>
+          <a:p>
+            <a:r>
+              <a:rPr lang="en-AU" b="1" dirty="0"/>
+              <a:t>End-to-End Document Understanding</a:t>
+            </a:r>
+            <a:br>
+              <a:rPr lang="en-AU" b="1" dirty="0"/>
+            </a:br>
+            <a:r>
+              <a:rPr lang="en-AU" sz="3600" b="1" dirty="0"/>
+              <a:t>From Patches to Extracted Information</a:t>
+            </a:r>
+            <a:endParaRPr lang="en-US" dirty="0"/>
+          </a:p>
+        </p:txBody>
+      </p:sp>
+      <p:pic>
+        <p:nvPicPr>
+          <p:cNvPr id="6" name="Content Placeholder 5" descr="A screenshot of a diagram&#10;&#10;AI-generated content may be incorrect.">
+            <a:extLst>
+              <a:ext uri="{FF2B5EF4-FFF2-40B4-BE49-F238E27FC236}">
+                <a16:creationId xmlns:a16="http://schemas.microsoft.com/office/drawing/2014/main" id="{85A0ACF1-1CB2-2241-0F6F-A76E020EDA26}"/>
+              </a:ext>
+            </a:extLst>
+          </p:cNvPr>
+          <p:cNvPicPr>
+            <a:picLocks noGrp="1" noChangeAspect="1"/>
+          </p:cNvPicPr>
+          <p:nvPr>
+            <p:ph sz="half" idx="1"/>
+          </p:nvPr>
+        </p:nvPicPr>
+        <p:blipFill>
+          <a:blip r:embed="rId3"/>
+          <a:stretch>
+            <a:fillRect/>
+          </a:stretch>
+        </p:blipFill>
+        <p:spPr>
+          <a:xfrm>
+            <a:off x="838200" y="1463041"/>
+            <a:ext cx="10288588" cy="3579082"/>
+          </a:xfrm>
+        </p:spPr>
+      </p:pic>
+      <p:sp>
+        <p:nvSpPr>
+          <p:cNvPr id="7" name="TextBox 6">
+            <a:extLst>
+              <a:ext uri="{FF2B5EF4-FFF2-40B4-BE49-F238E27FC236}">
+                <a16:creationId xmlns:a16="http://schemas.microsoft.com/office/drawing/2014/main" id="{6E031C57-443C-D67D-ED5D-ACCCBB125493}"/>
+              </a:ext>
+            </a:extLst>
+          </p:cNvPr>
+          <p:cNvSpPr txBox="1"/>
+          <p:nvPr/>
+        </p:nvSpPr>
+        <p:spPr>
+          <a:xfrm>
+            <a:off x="956603" y="5042123"/>
+            <a:ext cx="10789920" cy="1477328"/>
+          </a:xfrm>
+          <a:prstGeom prst="rect">
+            <a:avLst/>
+          </a:prstGeom>
+          <a:noFill/>
+        </p:spPr>
+        <p:txBody>
+          <a:bodyPr wrap="square" rtlCol="0">
+            <a:spAutoFit/>
+          </a:bodyPr>
+          <a:lstStyle/>
+          <a:p>
+            <a:r>
+              <a:rPr lang="en-AU" b="1" dirty="0"/>
+              <a:t>Three-Stage Processing</a:t>
+            </a:r>
+            <a:r>
+              <a:rPr lang="en-AU" dirty="0"/>
+              <a:t>:</a:t>
+            </a:r>
+          </a:p>
+          <a:p>
+            <a:r>
+              <a:rPr lang="en-AU" b="1" dirty="0"/>
+              <a:t>Patch Analysis</a:t>
+            </a:r>
+            <a:r>
+              <a:rPr lang="en-AU" dirty="0"/>
+              <a:t>: Document regions processed through attention layers</a:t>
+            </a:r>
+          </a:p>
+          <a:p>
+            <a:r>
+              <a:rPr lang="en-AU" b="1" dirty="0"/>
+              <a:t>Semantic Understanding</a:t>
+            </a:r>
+            <a:r>
+              <a:rPr lang="en-AU" dirty="0"/>
+              <a:t>: Relationships identified between elements</a:t>
+            </a:r>
+          </a:p>
+          <a:p>
+            <a:r>
+              <a:rPr lang="en-AU" b="1" dirty="0"/>
+              <a:t>Output Generation</a:t>
+            </a:r>
+            <a:r>
+              <a:rPr lang="en-AU" dirty="0"/>
+              <a:t>: Structured data extraction with all key fields</a:t>
+            </a:r>
+          </a:p>
+          <a:p>
+            <a:r>
+              <a:rPr lang="en-AU" b="1" dirty="0"/>
+              <a:t>Real Example</a:t>
+            </a:r>
+            <a:r>
+              <a:rPr lang="en-AU" dirty="0"/>
+              <a:t>: Hyatt Hotels invoice → Complete field extraction including ABN, items, prices, GST, and total</a:t>
+            </a:r>
+          </a:p>
+        </p:txBody>
+      </p:sp>
+    </p:spTree>
+    <p:extLst>
+      <p:ext uri="{BB962C8B-B14F-4D97-AF65-F5344CB8AC3E}">
+        <p14:creationId xmlns:p14="http://schemas.microsoft.com/office/powerpoint/2010/main" val="564082340"/>
+      </p:ext>
+    </p:extLst>
+  </p:cSld>
+  <p:clrMapOvr>
+    <a:masterClrMapping/>
+  </p:clrMapOvr>
+</p:sld>
+</file>
+
+<file path=ppt/slides/slide22.xml><?xml version="1.0" encoding="utf-8"?>
+<p:sld xmlns:a="http://schemas.openxmlformats.org/drawingml/2006/main" xmlns:r="http://schemas.openxmlformats.org/officeDocument/2006/relationships" xmlns:p="http://schemas.openxmlformats.org/presentationml/2006/main">
+  <p:cSld>
+    <p:spTree>
+      <p:nvGrpSpPr>
+        <p:cNvPr id="1" name=""/>
+        <p:cNvGrpSpPr/>
+        <p:nvPr/>
+      </p:nvGrpSpPr>
+      <p:grpSpPr>
+        <a:xfrm>
+          <a:off x="0" y="0"/>
+          <a:ext cx="0" cy="0"/>
+          <a:chOff x="0" y="0"/>
+          <a:chExt cx="0" cy="0"/>
+        </a:xfrm>
+      </p:grpSpPr>
+      <p:sp>
+        <p:nvSpPr>
+          <p:cNvPr id="2" name="Title 1">
+            <a:extLst>
+              <a:ext uri="{FF2B5EF4-FFF2-40B4-BE49-F238E27FC236}">
+                <a16:creationId xmlns:a16="http://schemas.microsoft.com/office/drawing/2014/main" id="{BE99F968-F5D4-E9CA-694B-FDAFC06B4E78}"/>
+              </a:ext>
+            </a:extLst>
+          </p:cNvPr>
+          <p:cNvSpPr>
+            <a:spLocks noGrp="1"/>
+          </p:cNvSpPr>
+          <p:nvPr>
+            <p:ph type="title"/>
+          </p:nvPr>
+        </p:nvSpPr>
+        <p:spPr/>
+        <p:txBody>
+          <a:bodyPr>
+            <a:normAutofit/>
+          </a:bodyPr>
+          <a:lstStyle/>
+          <a:p>
+            <a:r>
+              <a:rPr lang="en-AU" sz="3200" dirty="0"/>
+              <a:t>PI45 The Large Multimodal Model Proof of Concept (LMM PoC) </a:t>
+            </a:r>
+            <a:endParaRPr lang="en-US" sz="3200" dirty="0"/>
+          </a:p>
+        </p:txBody>
+      </p:sp>
+      <p:sp>
+        <p:nvSpPr>
+          <p:cNvPr id="3" name="Content Placeholder 2">
+            <a:extLst>
+              <a:ext uri="{FF2B5EF4-FFF2-40B4-BE49-F238E27FC236}">
+                <a16:creationId xmlns:a16="http://schemas.microsoft.com/office/drawing/2014/main" id="{B579A2F8-17E3-3CB5-5735-4E40B895EB18}"/>
+              </a:ext>
+            </a:extLst>
+          </p:cNvPr>
+          <p:cNvSpPr>
+            <a:spLocks noGrp="1"/>
+          </p:cNvSpPr>
+          <p:nvPr>
+            <p:ph sz="half" idx="1"/>
+          </p:nvPr>
+        </p:nvSpPr>
+        <p:spPr>
+          <a:xfrm>
+            <a:off x="838200" y="1825625"/>
+            <a:ext cx="10148668" cy="4351338"/>
+          </a:xfrm>
+        </p:spPr>
+        <p:txBody>
+          <a:bodyPr>
+            <a:normAutofit fontScale="92500" lnSpcReduction="10000"/>
+          </a:bodyPr>
+          <a:lstStyle/>
+          <a:p>
+            <a:r>
+              <a:rPr lang="en-AU" b="1" dirty="0"/>
+              <a:t>Context</a:t>
+            </a:r>
+            <a:r>
+              <a:rPr lang="en-AU" dirty="0"/>
+              <a:t>: SSD-DU using </a:t>
+            </a:r>
+            <a:r>
+              <a:rPr lang="en-AU" dirty="0" err="1"/>
+              <a:t>LayoutLM</a:t>
+            </a:r>
+            <a:r>
+              <a:rPr lang="en-AU" dirty="0"/>
+              <a:t> in production </a:t>
+            </a:r>
+          </a:p>
+          <a:p>
+            <a:r>
+              <a:rPr lang="en-AU" b="1" dirty="0"/>
+              <a:t>Problem</a:t>
+            </a:r>
+            <a:r>
+              <a:rPr lang="en-AU" dirty="0"/>
+              <a:t>: Accuracy plateaued, high maintenance costs </a:t>
+            </a:r>
+          </a:p>
+          <a:p>
+            <a:r>
+              <a:rPr lang="en-AU" b="1" dirty="0"/>
+              <a:t>Solution</a:t>
+            </a:r>
+            <a:r>
+              <a:rPr lang="en-AU" dirty="0"/>
+              <a:t>: Evaluate modern </a:t>
+            </a:r>
+            <a:r>
+              <a:rPr lang="en-AU" dirty="0" err="1"/>
+              <a:t>ViT</a:t>
+            </a:r>
+            <a:r>
+              <a:rPr lang="en-AU" dirty="0"/>
+              <a:t> replacements</a:t>
+            </a:r>
+          </a:p>
+          <a:p>
+            <a:r>
+              <a:rPr lang="en-AU" b="1" dirty="0"/>
+              <a:t>Models Tested</a:t>
+            </a:r>
+            <a:r>
+              <a:rPr lang="en-AU" dirty="0"/>
+              <a:t>:</a:t>
+            </a:r>
+          </a:p>
+          <a:p>
+            <a:r>
+              <a:rPr lang="en-AU" b="1" dirty="0"/>
+              <a:t>InternVL3-2B</a:t>
+            </a:r>
+            <a:r>
+              <a:rPr lang="en-AU" dirty="0"/>
+              <a:t>: Lightweight, efficient</a:t>
+            </a:r>
+          </a:p>
+          <a:p>
+            <a:r>
+              <a:rPr lang="en-AU" b="1" dirty="0"/>
+              <a:t>Llama-3.2-Vision-11B</a:t>
+            </a:r>
+            <a:r>
+              <a:rPr lang="en-AU" dirty="0"/>
+              <a:t>: Impressive DU (knows the difference between an invoice a receipt and a bank statement)</a:t>
+            </a:r>
+          </a:p>
+          <a:p>
+            <a:r>
+              <a:rPr lang="en-AU" b="1" dirty="0"/>
+              <a:t>Test Set</a:t>
+            </a:r>
+            <a:r>
+              <a:rPr lang="en-AU" dirty="0"/>
+              <a:t>: 26 fields from Synthetic Australian documents</a:t>
+            </a:r>
+          </a:p>
+          <a:p>
+            <a:pPr lvl="1"/>
+            <a:r>
+              <a:rPr lang="en-AU" dirty="0"/>
+              <a:t>Not production data - synthetic for controlled testing in AI Sandbox</a:t>
+            </a:r>
+          </a:p>
+          <a:p>
+            <a:pPr lvl="1"/>
+            <a:r>
+              <a:rPr lang="en-AU" dirty="0"/>
+              <a:t>Direct comparison on production data in AAP 2.0 is the crucial next step.</a:t>
+            </a:r>
+          </a:p>
+        </p:txBody>
+      </p:sp>
+    </p:spTree>
+    <p:extLst>
+      <p:ext uri="{BB962C8B-B14F-4D97-AF65-F5344CB8AC3E}">
+        <p14:creationId xmlns:p14="http://schemas.microsoft.com/office/powerpoint/2010/main" val="4209873227"/>
+      </p:ext>
+    </p:extLst>
+  </p:cSld>
+  <p:clrMapOvr>
+    <a:masterClrMapping/>
+  </p:clrMapOvr>
+</p:sld>
+</file>
+
+<file path=ppt/slides/slide23.xml><?xml version="1.0" encoding="utf-8"?>
+<p:sld xmlns:a="http://schemas.openxmlformats.org/drawingml/2006/main" xmlns:r="http://schemas.openxmlformats.org/officeDocument/2006/relationships" xmlns:p="http://schemas.openxmlformats.org/presentationml/2006/main">
+  <p:cSld>
+    <p:spTree>
+      <p:nvGrpSpPr>
+        <p:cNvPr id="1" name=""/>
+        <p:cNvGrpSpPr/>
+        <p:nvPr/>
+      </p:nvGrpSpPr>
+      <p:grpSpPr>
+        <a:xfrm>
+          <a:off x="0" y="0"/>
+          <a:ext cx="0" cy="0"/>
+          <a:chOff x="0" y="0"/>
+          <a:chExt cx="0" cy="0"/>
+        </a:xfrm>
+      </p:grpSpPr>
+      <p:sp>
+        <p:nvSpPr>
+          <p:cNvPr id="2" name="Title 1">
+            <a:extLst>
+              <a:ext uri="{FF2B5EF4-FFF2-40B4-BE49-F238E27FC236}">
+                <a16:creationId xmlns:a16="http://schemas.microsoft.com/office/drawing/2014/main" id="{4A58DD3B-D568-B1CA-6112-93518890CD45}"/>
+              </a:ext>
+            </a:extLst>
+          </p:cNvPr>
+          <p:cNvSpPr>
+            <a:spLocks noGrp="1"/>
+          </p:cNvSpPr>
+          <p:nvPr>
+            <p:ph type="title"/>
+          </p:nvPr>
+        </p:nvSpPr>
+        <p:spPr>
+          <a:xfrm>
+            <a:off x="838200" y="365126"/>
+            <a:ext cx="10515600" cy="788426"/>
+          </a:xfrm>
+        </p:spPr>
+        <p:txBody>
+          <a:bodyPr/>
+          <a:lstStyle/>
+          <a:p>
+            <a:r>
+              <a:rPr lang="en-US" dirty="0"/>
+              <a:t>PoC Results (To Date)</a:t>
+            </a:r>
+          </a:p>
+        </p:txBody>
+      </p:sp>
+      <p:pic>
+        <p:nvPicPr>
+          <p:cNvPr id="6" name="Content Placeholder 5" descr="A group of blue and green squares&#10;&#10;AI-generated content may be incorrect.">
+            <a:extLst>
+              <a:ext uri="{FF2B5EF4-FFF2-40B4-BE49-F238E27FC236}">
+                <a16:creationId xmlns:a16="http://schemas.microsoft.com/office/drawing/2014/main" id="{04EA5DED-7A42-DAC6-EE4C-7ABDD58F88F3}"/>
+              </a:ext>
+            </a:extLst>
+          </p:cNvPr>
+          <p:cNvPicPr>
+            <a:picLocks noGrp="1" noChangeAspect="1"/>
+          </p:cNvPicPr>
+          <p:nvPr>
+            <p:ph sz="half" idx="1"/>
+          </p:nvPr>
+        </p:nvPicPr>
+        <p:blipFill>
+          <a:blip r:embed="rId3"/>
+          <a:stretch>
+            <a:fillRect/>
+          </a:stretch>
+        </p:blipFill>
+        <p:spPr>
+          <a:xfrm>
+            <a:off x="739726" y="1943757"/>
+            <a:ext cx="5181600" cy="3664907"/>
+          </a:xfrm>
+        </p:spPr>
+      </p:pic>
+      <p:sp>
+        <p:nvSpPr>
+          <p:cNvPr id="4" name="Content Placeholder 3">
+            <a:extLst>
+              <a:ext uri="{FF2B5EF4-FFF2-40B4-BE49-F238E27FC236}">
+                <a16:creationId xmlns:a16="http://schemas.microsoft.com/office/drawing/2014/main" id="{F723AD4A-BE45-A3A8-82C0-0FD71082BDA4}"/>
+              </a:ext>
+            </a:extLst>
+          </p:cNvPr>
+          <p:cNvSpPr>
+            <a:spLocks noGrp="1"/>
+          </p:cNvSpPr>
+          <p:nvPr>
+            <p:ph sz="half" idx="2"/>
+          </p:nvPr>
+        </p:nvSpPr>
+        <p:spPr>
+          <a:xfrm>
+            <a:off x="6096000" y="1423251"/>
+            <a:ext cx="5181600" cy="4935345"/>
+          </a:xfrm>
+        </p:spPr>
+        <p:txBody>
+          <a:bodyPr>
+            <a:normAutofit fontScale="85000" lnSpcReduction="20000"/>
+          </a:bodyPr>
+          <a:lstStyle/>
+          <a:p>
+            <a:r>
+              <a:rPr lang="en-AU" b="1" dirty="0"/>
+              <a:t>Performance</a:t>
+            </a:r>
+            <a:r>
+              <a:rPr lang="en-AU" dirty="0"/>
+              <a:t>:</a:t>
+            </a:r>
+          </a:p>
+          <a:p>
+            <a:pPr lvl="1"/>
+            <a:r>
+              <a:rPr lang="en-AU" dirty="0"/>
+              <a:t>Both models successfully extract structured data</a:t>
+            </a:r>
+          </a:p>
+          <a:p>
+            <a:pPr lvl="1"/>
+            <a:r>
+              <a:rPr lang="en-AU" dirty="0"/>
+              <a:t>Similar field accuracy (~59% for both models)</a:t>
+            </a:r>
+          </a:p>
+          <a:p>
+            <a:pPr lvl="1"/>
+            <a:r>
+              <a:rPr lang="en-AU" dirty="0"/>
+              <a:t>Clean KEY: VALUE format output</a:t>
+            </a:r>
+          </a:p>
+          <a:p>
+            <a:pPr lvl="1"/>
+            <a:r>
+              <a:rPr lang="en-AU" dirty="0"/>
+              <a:t>Consistent performance across document types</a:t>
+            </a:r>
+          </a:p>
+          <a:p>
+            <a:r>
+              <a:rPr lang="en-AU" b="1" dirty="0"/>
+              <a:t>Efficiency</a:t>
+            </a:r>
+            <a:r>
+              <a:rPr lang="en-AU" dirty="0"/>
+              <a:t>:</a:t>
+            </a:r>
+          </a:p>
+          <a:p>
+            <a:pPr lvl="1"/>
+            <a:r>
+              <a:rPr lang="en-AU" dirty="0"/>
+              <a:t>InternVL3: 2.6GB VRAM (16% of V100 VRAM)</a:t>
+            </a:r>
+          </a:p>
+          <a:p>
+            <a:pPr lvl="1"/>
+            <a:r>
+              <a:rPr lang="en-AU" dirty="0"/>
+              <a:t>Enables multi-model deployment</a:t>
+            </a:r>
+          </a:p>
+          <a:p>
+            <a:pPr lvl="1"/>
+            <a:r>
+              <a:rPr lang="en-AU" dirty="0"/>
+              <a:t>Cost-effective scaling</a:t>
+            </a:r>
+          </a:p>
+          <a:p>
+            <a:r>
+              <a:rPr lang="en-AU" b="1" dirty="0"/>
+              <a:t>Quality</a:t>
+            </a:r>
+            <a:r>
+              <a:rPr lang="en-AU" dirty="0"/>
+              <a:t>:</a:t>
+            </a:r>
+          </a:p>
+          <a:p>
+            <a:pPr lvl="1"/>
+            <a:r>
+              <a:rPr lang="en-AU" dirty="0"/>
+              <a:t>Comparable accuracy regardless of model size</a:t>
+            </a:r>
+          </a:p>
+          <a:p>
+            <a:pPr lvl="1"/>
+            <a:r>
+              <a:rPr lang="en-AU" dirty="0"/>
+              <a:t>Robust to image quality issues</a:t>
+            </a:r>
+          </a:p>
+        </p:txBody>
+      </p:sp>
+    </p:spTree>
+    <p:extLst>
+      <p:ext uri="{BB962C8B-B14F-4D97-AF65-F5344CB8AC3E}">
+        <p14:creationId xmlns:p14="http://schemas.microsoft.com/office/powerpoint/2010/main" val="2070604322"/>
+      </p:ext>
+    </p:extLst>
+  </p:cSld>
+  <p:clrMapOvr>
+    <a:masterClrMapping/>
+  </p:clrMapOvr>
+</p:sld>
+</file>
+
+<file path=ppt/slides/slide24.xml><?xml version="1.0" encoding="utf-8"?>
+<p:sld xmlns:a="http://schemas.openxmlformats.org/drawingml/2006/main" xmlns:r="http://schemas.openxmlformats.org/officeDocument/2006/relationships" xmlns:p="http://schemas.openxmlformats.org/presentationml/2006/main">
+  <p:cSld>
+    <p:spTree>
+      <p:nvGrpSpPr>
+        <p:cNvPr id="1" name=""/>
+        <p:cNvGrpSpPr/>
+        <p:nvPr/>
+      </p:nvGrpSpPr>
+      <p:grpSpPr>
+        <a:xfrm>
+          <a:off x="0" y="0"/>
+          <a:ext cx="0" cy="0"/>
+          <a:chOff x="0" y="0"/>
+          <a:chExt cx="0" cy="0"/>
+        </a:xfrm>
+      </p:grpSpPr>
+      <p:sp>
+        <p:nvSpPr>
+          <p:cNvPr id="2" name="Title 1">
+            <a:extLst>
+              <a:ext uri="{FF2B5EF4-FFF2-40B4-BE49-F238E27FC236}">
+                <a16:creationId xmlns:a16="http://schemas.microsoft.com/office/drawing/2014/main" id="{F18090DB-8CEF-1F87-6F1B-AB5DD7757A1F}"/>
+              </a:ext>
+            </a:extLst>
+          </p:cNvPr>
+          <p:cNvSpPr>
+            <a:spLocks noGrp="1"/>
+          </p:cNvSpPr>
+          <p:nvPr>
+            <p:ph type="title"/>
+          </p:nvPr>
+        </p:nvSpPr>
+        <p:spPr/>
+        <p:txBody>
+          <a:bodyPr/>
+          <a:lstStyle/>
+          <a:p>
+            <a:r>
+              <a:rPr lang="en-US" b="1" dirty="0"/>
+              <a:t>References</a:t>
+            </a:r>
+          </a:p>
+        </p:txBody>
+      </p:sp>
+      <p:sp>
+        <p:nvSpPr>
+          <p:cNvPr id="3" name="Content Placeholder 2">
+            <a:extLst>
+              <a:ext uri="{FF2B5EF4-FFF2-40B4-BE49-F238E27FC236}">
+                <a16:creationId xmlns:a16="http://schemas.microsoft.com/office/drawing/2014/main" id="{0CC2F4D8-AF69-3ECE-56B5-48E4F8204210}"/>
+              </a:ext>
+            </a:extLst>
+          </p:cNvPr>
+          <p:cNvSpPr>
+            <a:spLocks noGrp="1"/>
+          </p:cNvSpPr>
+          <p:nvPr>
+            <p:ph idx="1"/>
+          </p:nvPr>
+        </p:nvSpPr>
+        <p:spPr/>
+        <p:txBody>
+          <a:bodyPr>
+            <a:normAutofit/>
+          </a:bodyPr>
+          <a:lstStyle/>
+          <a:p>
+            <a:r>
+              <a:rPr lang="en-AU" dirty="0"/>
+              <a:t>Chen et al. (2024) "</a:t>
+            </a:r>
+            <a:r>
+              <a:rPr lang="en-AU" dirty="0" err="1"/>
+              <a:t>InternVL</a:t>
+            </a:r>
+            <a:r>
+              <a:rPr lang="en-AU" dirty="0"/>
+              <a:t>" - arXiv:2312.14238</a:t>
+            </a:r>
+          </a:p>
+          <a:p>
+            <a:r>
+              <a:rPr lang="en-AU" dirty="0" err="1"/>
+              <a:t>Dosovitskiy</a:t>
+            </a:r>
+            <a:r>
+              <a:rPr lang="en-AU" dirty="0"/>
+              <a:t> et al. (2020) "An Image is Worth 16x16 Words" - ICLR 2021</a:t>
+            </a:r>
+          </a:p>
+          <a:p>
+            <a:r>
+              <a:rPr lang="en-AU" dirty="0"/>
+              <a:t>Kim et al. (2022) "Donut: OCR-free Transformer" - ECCV 2022</a:t>
+            </a:r>
+          </a:p>
+          <a:p>
+            <a:r>
+              <a:rPr lang="en-AU" dirty="0"/>
+              <a:t>Meta AI (2024) "Llama 3.2 Multimodal" - Technical Report</a:t>
+            </a:r>
+          </a:p>
+          <a:p>
+            <a:r>
+              <a:rPr lang="en-AU" dirty="0" err="1"/>
+              <a:t>Nitor</a:t>
+            </a:r>
+            <a:r>
+              <a:rPr lang="en-AU" dirty="0"/>
+              <a:t> Infotech (2024) "</a:t>
+            </a:r>
+            <a:r>
+              <a:rPr lang="en-AU" dirty="0" err="1"/>
+              <a:t>LayoutLM</a:t>
+            </a:r>
+            <a:r>
+              <a:rPr lang="en-AU" dirty="0"/>
+              <a:t> Text Extraction”</a:t>
+            </a:r>
+          </a:p>
+          <a:p>
+            <a:r>
+              <a:rPr lang="en-AU" dirty="0"/>
+              <a:t>UBIAI (2024) "LayoutLMv3 in Document Understanding" </a:t>
+            </a:r>
+          </a:p>
+          <a:p>
+            <a:r>
+              <a:rPr lang="en-AU" dirty="0"/>
+              <a:t>Xu et al. (2020) "</a:t>
+            </a:r>
+            <a:r>
+              <a:rPr lang="en-AU" dirty="0" err="1"/>
+              <a:t>LayoutLM</a:t>
+            </a:r>
+            <a:r>
+              <a:rPr lang="en-AU" dirty="0"/>
+              <a:t>" - KDD 2020</a:t>
+            </a:r>
+          </a:p>
+          <a:p>
+            <a:endParaRPr lang="en-AU" dirty="0"/>
+          </a:p>
+          <a:p>
+            <a:endParaRPr lang="en-US" dirty="0"/>
+          </a:p>
+        </p:txBody>
+      </p:sp>
+    </p:spTree>
+    <p:extLst>
+      <p:ext uri="{BB962C8B-B14F-4D97-AF65-F5344CB8AC3E}">
+        <p14:creationId xmlns:p14="http://schemas.microsoft.com/office/powerpoint/2010/main" val="2243245965"/>
+      </p:ext>
+    </p:extLst>
+  </p:cSld>
+  <p:clrMapOvr>
+    <a:masterClrMapping/>
+  </p:clrMapOvr>
+</p:sld>
+</file>
+
 <file path=ppt/slides/slide3.xml><?xml version="1.0" encoding="utf-8"?>
 <p:sld xmlns:a="http://schemas.openxmlformats.org/drawingml/2006/main" xmlns:r="http://schemas.openxmlformats.org/officeDocument/2006/relationships" xmlns:p="http://schemas.openxmlformats.org/presentationml/2006/main">
   <p:cSld>
@@ -5405,7 +10118,7 @@
           </p:nvPr>
         </p:nvPicPr>
         <p:blipFill>
-          <a:blip r:embed="rId2"/>
+          <a:blip r:embed="rId3"/>
           <a:stretch>
             <a:fillRect/>
           </a:stretch>
@@ -5493,7 +10206,7 @@
           </p:nvPr>
         </p:nvPicPr>
         <p:blipFill>
-          <a:blip r:embed="rId2"/>
+          <a:blip r:embed="rId3"/>
           <a:stretch>
             <a:fillRect/>
           </a:stretch>
@@ -5654,7 +10367,7 @@
             </a:r>
             <a:r>
               <a:rPr lang="en-AU" dirty="0"/>
-              <a:t>: Optional CNN features capture only basic visual patterns</a:t>
+              <a:t>: Optional R-CNN features capture only basic visual patterns</a:t>
             </a:r>
           </a:p>
           <a:p>
@@ -6148,122 +10861,178 @@
       </p:grpSpPr>
       <p:sp>
         <p:nvSpPr>
-          <p:cNvPr id="6" name="TextBox 5">
-            <a:extLst>
-              <a:ext uri="{FF2B5EF4-FFF2-40B4-BE49-F238E27FC236}">
-                <a16:creationId xmlns:a16="http://schemas.microsoft.com/office/drawing/2014/main" id="{A0BFC74B-72D9-6771-8398-F5545D34D5D4}"/>
-              </a:ext>
-            </a:extLst>
-          </p:cNvPr>
-          <p:cNvSpPr txBox="1"/>
-          <p:nvPr/>
+          <p:cNvPr id="2" name="Title 1">
+            <a:extLst>
+              <a:ext uri="{FF2B5EF4-FFF2-40B4-BE49-F238E27FC236}">
+                <a16:creationId xmlns:a16="http://schemas.microsoft.com/office/drawing/2014/main" id="{80214080-79D0-E287-0371-7509715FD53E}"/>
+              </a:ext>
+            </a:extLst>
+          </p:cNvPr>
+          <p:cNvSpPr>
+            <a:spLocks noGrp="1"/>
+          </p:cNvSpPr>
+          <p:nvPr>
+            <p:ph type="title"/>
+          </p:nvPr>
+        </p:nvSpPr>
+        <p:spPr/>
+        <p:txBody>
+          <a:bodyPr/>
+          <a:lstStyle/>
+          <a:p>
+            <a:r>
+              <a:rPr lang="en-AU" b="1" dirty="0"/>
+              <a:t>Vision Transformers – A potential solution?</a:t>
+            </a:r>
+            <a:endParaRPr lang="en-US" dirty="0"/>
+          </a:p>
+        </p:txBody>
+      </p:sp>
+      <p:sp>
+        <p:nvSpPr>
+          <p:cNvPr id="3" name="Content Placeholder 2">
+            <a:extLst>
+              <a:ext uri="{FF2B5EF4-FFF2-40B4-BE49-F238E27FC236}">
+                <a16:creationId xmlns:a16="http://schemas.microsoft.com/office/drawing/2014/main" id="{A830DE98-2D96-5154-71B9-87953C9AB27E}"/>
+              </a:ext>
+            </a:extLst>
+          </p:cNvPr>
+          <p:cNvSpPr>
+            <a:spLocks noGrp="1"/>
+          </p:cNvSpPr>
+          <p:nvPr>
+            <p:ph idx="1"/>
+          </p:nvPr>
         </p:nvSpPr>
         <p:spPr>
           <a:xfrm>
-            <a:off x="1245104" y="4759925"/>
-            <a:ext cx="9407062" cy="646331"/>
-          </a:xfrm>
-          <a:prstGeom prst="rect">
-            <a:avLst/>
-          </a:prstGeom>
-          <a:noFill/>
-        </p:spPr>
-        <p:txBody>
-          <a:bodyPr wrap="square" rtlCol="0">
-            <a:spAutoFit/>
-          </a:bodyPr>
-          <a:lstStyle/>
-          <a:p>
-            <a:r>
-              <a:rPr lang="en-US" dirty="0"/>
-              <a:t>Vision Transformers ensure an integrated holistic Document Understanding solution without suffering the </a:t>
-            </a:r>
-            <a:r>
-              <a:rPr lang="en-US" b="1" dirty="0"/>
-              <a:t>Cascading Failure </a:t>
-            </a:r>
-            <a:r>
-              <a:rPr lang="en-US" dirty="0"/>
-              <a:t>exhibited by the multistage </a:t>
-            </a:r>
-            <a:r>
-              <a:rPr lang="en-US" dirty="0" err="1"/>
-              <a:t>LayoutLM</a:t>
-            </a:r>
-            <a:r>
-              <a:rPr lang="en-US" dirty="0"/>
-              <a:t> IE approach above</a:t>
-            </a:r>
-          </a:p>
-        </p:txBody>
-      </p:sp>
-      <p:pic>
-        <p:nvPicPr>
-          <p:cNvPr id="10" name="Content Placeholder 9" descr="A diagram of a company&#10;&#10;AI-generated content may be incorrect.">
-            <a:extLst>
-              <a:ext uri="{FF2B5EF4-FFF2-40B4-BE49-F238E27FC236}">
-                <a16:creationId xmlns:a16="http://schemas.microsoft.com/office/drawing/2014/main" id="{C2E3D75B-8AC6-ECB0-9245-4BF778BD630E}"/>
-              </a:ext>
-            </a:extLst>
-          </p:cNvPr>
-          <p:cNvPicPr>
-            <a:picLocks noGrp="1" noChangeAspect="1"/>
-          </p:cNvPicPr>
-          <p:nvPr>
-            <p:ph idx="1"/>
-          </p:nvPr>
-        </p:nvPicPr>
-        <p:blipFill>
-          <a:blip r:embed="rId2"/>
-          <a:stretch>
-            <a:fillRect/>
-          </a:stretch>
-        </p:blipFill>
-        <p:spPr>
-          <a:xfrm>
-            <a:off x="1245104" y="2100309"/>
-            <a:ext cx="10023616" cy="2133405"/>
+            <a:off x="838200" y="1402774"/>
+            <a:ext cx="10515600" cy="5090102"/>
           </a:xfrm>
         </p:spPr>
-      </p:pic>
-      <p:sp>
-        <p:nvSpPr>
-          <p:cNvPr id="4" name="Title 1">
-            <a:extLst>
-              <a:ext uri="{FF2B5EF4-FFF2-40B4-BE49-F238E27FC236}">
-                <a16:creationId xmlns:a16="http://schemas.microsoft.com/office/drawing/2014/main" id="{91FEA1AD-A47B-1E30-D636-7A9D1D2E027E}"/>
-              </a:ext>
-            </a:extLst>
-          </p:cNvPr>
-          <p:cNvSpPr>
-            <a:spLocks noGrp="1"/>
-          </p:cNvSpPr>
-          <p:nvPr>
-            <p:ph type="title"/>
-          </p:nvPr>
-        </p:nvSpPr>
-        <p:spPr>
-          <a:xfrm>
-            <a:off x="838200" y="365125"/>
-            <a:ext cx="10515600" cy="1325563"/>
-          </a:xfrm>
-        </p:spPr>
-        <p:txBody>
-          <a:bodyPr/>
+        <p:txBody>
+          <a:bodyPr>
+            <a:normAutofit fontScale="92500" lnSpcReduction="10000"/>
+          </a:bodyPr>
           <a:lstStyle/>
           <a:p>
             <a:r>
               <a:rPr lang="en-AU" b="1" dirty="0"/>
-              <a:t>Holistic Document Understanding</a:t>
-            </a:r>
-            <a:endParaRPr lang="en-US" dirty="0"/>
+              <a:t>Original </a:t>
+            </a:r>
+            <a:r>
+              <a:rPr lang="en-AU" b="1" dirty="0" err="1"/>
+              <a:t>ViT</a:t>
+            </a:r>
+            <a:r>
+              <a:rPr lang="en-AU" b="1" dirty="0"/>
+              <a:t> Architecture (</a:t>
+            </a:r>
+            <a:r>
+              <a:rPr lang="en-AU" b="1" dirty="0" err="1"/>
+              <a:t>Dosovitskiy</a:t>
+            </a:r>
+            <a:r>
+              <a:rPr lang="en-AU" b="1" dirty="0"/>
+              <a:t> et al., 2020)</a:t>
+            </a:r>
+          </a:p>
+          <a:p>
+            <a:r>
+              <a:rPr lang="en-AU" b="1" dirty="0"/>
+              <a:t>"An Image is Worth 16x16 Words"</a:t>
+            </a:r>
+            <a:r>
+              <a:rPr lang="en-AU" dirty="0"/>
+              <a:t>: Treats </a:t>
+            </a:r>
+            <a:r>
+              <a:rPr lang="en-AU" b="1" dirty="0"/>
+              <a:t>image patches </a:t>
+            </a:r>
+            <a:r>
+              <a:rPr lang="en-AU" dirty="0"/>
+              <a:t>like text tokens</a:t>
+            </a:r>
+          </a:p>
+          <a:p>
+            <a:r>
+              <a:rPr lang="en-AU" b="1" dirty="0"/>
+              <a:t>Transformer Architecture</a:t>
+            </a:r>
+            <a:r>
+              <a:rPr lang="en-AU" dirty="0"/>
+              <a:t>: Applied directly to vision tasks for first time</a:t>
+            </a:r>
+          </a:p>
+          <a:p>
+            <a:r>
+              <a:rPr lang="en-AU" b="1" dirty="0"/>
+              <a:t>Self-Attention</a:t>
+            </a:r>
+            <a:r>
+              <a:rPr lang="en-AU" dirty="0"/>
+              <a:t>: Global understanding without convolutional inductive bias</a:t>
+            </a:r>
+          </a:p>
+          <a:p>
+            <a:r>
+              <a:rPr lang="en-AU" dirty="0"/>
+              <a:t>End-to-end document processing</a:t>
+            </a:r>
+          </a:p>
+          <a:p>
+            <a:r>
+              <a:rPr lang="en-AU" b="1" dirty="0"/>
+              <a:t>Key Advantages</a:t>
+            </a:r>
+            <a:r>
+              <a:rPr lang="en-AU" dirty="0"/>
+              <a:t>:</a:t>
+            </a:r>
+          </a:p>
+          <a:p>
+            <a:r>
+              <a:rPr lang="en-AU" dirty="0"/>
+              <a:t>✅ Unified processing (one model)</a:t>
+            </a:r>
+          </a:p>
+          <a:p>
+            <a:r>
+              <a:rPr lang="en-AU" dirty="0"/>
+              <a:t>✅ No OCR dependency</a:t>
+            </a:r>
+          </a:p>
+          <a:p>
+            <a:r>
+              <a:rPr lang="en-AU" dirty="0"/>
+              <a:t>✅ Each image patch "sees" every other image patch simultaneously</a:t>
+            </a:r>
+          </a:p>
+          <a:p>
+            <a:r>
+              <a:rPr lang="en-AU" dirty="0"/>
+              <a:t>✅ End-to-end learning</a:t>
+            </a:r>
+          </a:p>
+          <a:p>
+            <a:endParaRPr lang="en-AU" dirty="0"/>
+          </a:p>
+          <a:p>
+            <a:endParaRPr lang="en-AU" dirty="0"/>
+          </a:p>
+          <a:p>
+            <a:pPr marL="0" indent="0">
+              <a:buNone/>
+            </a:pPr>
+            <a:endParaRPr lang="en-AU" dirty="0"/>
           </a:p>
         </p:txBody>
       </p:sp>
     </p:spTree>
     <p:extLst>
       <p:ext uri="{BB962C8B-B14F-4D97-AF65-F5344CB8AC3E}">
-        <p14:creationId xmlns:p14="http://schemas.microsoft.com/office/powerpoint/2010/main" val="2737585216"/>
+        <p14:creationId xmlns:p14="http://schemas.microsoft.com/office/powerpoint/2010/main" val="2182484467"/>
       </p:ext>
     </p:extLst>
   </p:cSld>
@@ -6292,46 +11061,69 @@
       </p:grpSpPr>
       <p:sp>
         <p:nvSpPr>
-          <p:cNvPr id="2" name="Title 1">
-            <a:extLst>
-              <a:ext uri="{FF2B5EF4-FFF2-40B4-BE49-F238E27FC236}">
-                <a16:creationId xmlns:a16="http://schemas.microsoft.com/office/drawing/2014/main" id="{DAC31F10-8C36-5C9E-E266-372729D2D159}"/>
-              </a:ext>
-            </a:extLst>
-          </p:cNvPr>
-          <p:cNvSpPr>
-            <a:spLocks noGrp="1"/>
-          </p:cNvSpPr>
-          <p:nvPr>
-            <p:ph type="title"/>
-          </p:nvPr>
+          <p:cNvPr id="6" name="TextBox 5">
+            <a:extLst>
+              <a:ext uri="{FF2B5EF4-FFF2-40B4-BE49-F238E27FC236}">
+                <a16:creationId xmlns:a16="http://schemas.microsoft.com/office/drawing/2014/main" id="{A0BFC74B-72D9-6771-8398-F5545D34D5D4}"/>
+              </a:ext>
+            </a:extLst>
+          </p:cNvPr>
+          <p:cNvSpPr txBox="1"/>
+          <p:nvPr/>
         </p:nvSpPr>
         <p:spPr>
           <a:xfrm>
-            <a:off x="838200" y="365125"/>
-            <a:ext cx="10515600" cy="721803"/>
+            <a:off x="1245104" y="4759925"/>
+            <a:ext cx="9407062" cy="646331"/>
           </a:xfrm>
+          <a:prstGeom prst="rect">
+            <a:avLst/>
+          </a:prstGeom>
+          <a:noFill/>
         </p:spPr>
         <p:txBody>
-          <a:bodyPr>
-            <a:normAutofit/>
+          <a:bodyPr wrap="square" rtlCol="0">
+            <a:spAutoFit/>
           </a:bodyPr>
           <a:lstStyle/>
           <a:p>
             <a:r>
-              <a:rPr lang="en-AU" sz="4000" b="1" dirty="0"/>
-              <a:t>From Text to Vision - The Transformer Evolution</a:t>
-            </a:r>
-            <a:endParaRPr lang="en-US" sz="4000" dirty="0"/>
+              <a:rPr lang="en-US" dirty="0"/>
+              <a:t>Vision Transformers </a:t>
+            </a:r>
+            <a:r>
+              <a:rPr lang="en-US" b="1" dirty="0"/>
+              <a:t>promise</a:t>
+            </a:r>
+            <a:r>
+              <a:rPr lang="en-US" dirty="0"/>
+              <a:t> an integrated holistic Document Understanding solution without suffering the </a:t>
+            </a:r>
+            <a:r>
+              <a:rPr lang="en-US" b="1" dirty="0"/>
+              <a:t>Cascading Failure </a:t>
+            </a:r>
+            <a:r>
+              <a:rPr lang="en-US" dirty="0"/>
+              <a:t>exhibited by the multistage </a:t>
+            </a:r>
+            <a:r>
+              <a:rPr lang="en-US" dirty="0" err="1"/>
+              <a:t>LayoutLM</a:t>
+            </a:r>
+            <a:r>
+              <a:rPr lang="en-US" dirty="0"/>
+              <a:t> IE approach above</a:t>
+            </a:r>
           </a:p>
         </p:txBody>
       </p:sp>
       <p:pic>
         <p:nvPicPr>
-          <p:cNvPr id="5" name="Content Placeholder 4" descr="A diagram of a work flow&#10;&#10;AI-generated content may be incorrect.">
-            <a:extLst>
-              <a:ext uri="{FF2B5EF4-FFF2-40B4-BE49-F238E27FC236}">
-                <a16:creationId xmlns:a16="http://schemas.microsoft.com/office/drawing/2014/main" id="{72C03810-E30E-F066-FF7B-67044895554B}"/>
+          <p:cNvPr id="10" name="Content Placeholder 9" descr="A diagram of a company&#10;&#10;AI-generated content may be incorrect.">
+            <a:extLst>
+              <a:ext uri="{FF2B5EF4-FFF2-40B4-BE49-F238E27FC236}">
+                <a16:creationId xmlns:a16="http://schemas.microsoft.com/office/drawing/2014/main" id="{C2E3D75B-8AC6-ECB0-9245-4BF778BD630E}"/>
               </a:ext>
             </a:extLst>
           </p:cNvPr>
@@ -6350,133 +11142,51 @@
         </p:blipFill>
         <p:spPr>
           <a:xfrm>
-            <a:off x="760562" y="1181439"/>
-            <a:ext cx="10515600" cy="4000691"/>
+            <a:off x="1245104" y="2100309"/>
+            <a:ext cx="10023616" cy="2133405"/>
           </a:xfrm>
         </p:spPr>
       </p:pic>
       <p:sp>
         <p:nvSpPr>
-          <p:cNvPr id="6" name="TextBox 5">
-            <a:extLst>
-              <a:ext uri="{FF2B5EF4-FFF2-40B4-BE49-F238E27FC236}">
-                <a16:creationId xmlns:a16="http://schemas.microsoft.com/office/drawing/2014/main" id="{35EE4B8D-ED86-07C7-DBF3-0517246599F0}"/>
-              </a:ext>
-            </a:extLst>
-          </p:cNvPr>
-          <p:cNvSpPr txBox="1"/>
-          <p:nvPr/>
+          <p:cNvPr id="4" name="Title 1">
+            <a:extLst>
+              <a:ext uri="{FF2B5EF4-FFF2-40B4-BE49-F238E27FC236}">
+                <a16:creationId xmlns:a16="http://schemas.microsoft.com/office/drawing/2014/main" id="{91FEA1AD-A47B-1E30-D636-7A9D1D2E027E}"/>
+              </a:ext>
+            </a:extLst>
+          </p:cNvPr>
+          <p:cNvSpPr>
+            <a:spLocks noGrp="1"/>
+          </p:cNvSpPr>
+          <p:nvPr>
+            <p:ph type="title"/>
+          </p:nvPr>
         </p:nvSpPr>
         <p:spPr>
           <a:xfrm>
-            <a:off x="760562" y="3429000"/>
-            <a:ext cx="8980714" cy="2308324"/>
+            <a:off x="838200" y="365125"/>
+            <a:ext cx="10706100" cy="1325563"/>
           </a:xfrm>
-          <a:prstGeom prst="rect">
-            <a:avLst/>
-          </a:prstGeom>
-          <a:noFill/>
         </p:spPr>
         <p:txBody>
-          <a:bodyPr wrap="square" rtlCol="0">
-            <a:spAutoFit/>
+          <a:bodyPr>
+            <a:normAutofit/>
           </a:bodyPr>
           <a:lstStyle/>
           <a:p>
             <a:r>
-              <a:rPr lang="en-AU" b="1" dirty="0"/>
-              <a:t>The Revolutionary Insight</a:t>
-            </a:r>
-            <a:r>
-              <a:rPr lang="en-AU" dirty="0"/>
-              <a:t>: </a:t>
-            </a:r>
-            <a:r>
-              <a:rPr lang="en-AU" i="1" dirty="0"/>
-              <a:t>Same core architecture, different input</a:t>
-            </a:r>
-            <a:endParaRPr lang="en-AU" dirty="0"/>
-          </a:p>
-          <a:p>
-            <a:r>
-              <a:rPr lang="en-AU" b="1" dirty="0"/>
-              <a:t>What You Already Know</a:t>
-            </a:r>
-            <a:r>
-              <a:rPr lang="en-AU" dirty="0"/>
-              <a:t> (Text Transformers 2017):</a:t>
-            </a:r>
-          </a:p>
-          <a:p>
-            <a:pPr marL="285750" indent="-285750">
-              <a:buFont typeface="Arial" panose="020B0604020202020204" pitchFamily="34" charset="0"/>
-              <a:buChar char="•"/>
-            </a:pPr>
-            <a:r>
-              <a:rPr lang="en-AU" dirty="0"/>
-              <a:t>Tokenization → Self-Attention → Understanding</a:t>
-            </a:r>
-          </a:p>
-          <a:p>
-            <a:pPr marL="285750" indent="-285750">
-              <a:buFont typeface="Arial" panose="020B0604020202020204" pitchFamily="34" charset="0"/>
-              <a:buChar char="•"/>
-            </a:pPr>
-            <a:r>
-              <a:rPr lang="en-AU" dirty="0"/>
-              <a:t>"Attention is All You Need" revolutionized NLP</a:t>
-            </a:r>
-          </a:p>
-          <a:p>
-            <a:r>
-              <a:rPr lang="en-AU" b="1" dirty="0"/>
-              <a:t>The Vision Breakthrough</a:t>
-            </a:r>
-            <a:r>
-              <a:rPr lang="en-AU" dirty="0"/>
-              <a:t> (2020):</a:t>
-            </a:r>
-          </a:p>
-          <a:p>
-            <a:pPr marL="285750" indent="-285750">
-              <a:buFont typeface="Arial" panose="020B0604020202020204" pitchFamily="34" charset="0"/>
-              <a:buChar char="•"/>
-            </a:pPr>
-            <a:r>
-              <a:rPr lang="en-AU" dirty="0"/>
-              <a:t>Image patches = Text tokens</a:t>
-            </a:r>
-          </a:p>
-          <a:p>
-            <a:pPr marL="285750" indent="-285750">
-              <a:buFont typeface="Arial" panose="020B0604020202020204" pitchFamily="34" charset="0"/>
-              <a:buChar char="•"/>
-            </a:pPr>
-            <a:r>
-              <a:rPr lang="en-AU" b="1" dirty="0"/>
-              <a:t>IDENTICAL</a:t>
-            </a:r>
-            <a:r>
-              <a:rPr lang="en-AU" dirty="0"/>
-              <a:t> self-attention architecture</a:t>
-            </a:r>
-          </a:p>
-          <a:p>
-            <a:pPr marL="285750" indent="-285750">
-              <a:buFont typeface="Arial" panose="020B0604020202020204" pitchFamily="34" charset="0"/>
-              <a:buChar char="•"/>
-            </a:pPr>
-            <a:r>
-              <a:rPr lang="en-AU" dirty="0"/>
-              <a:t>Vision-Language fusion for document understanding</a:t>
-            </a:r>
+              <a:rPr lang="en-AU" sz="3200" b="1" dirty="0"/>
+              <a:t>The Promise of Holistic End-2-End Document Understanding</a:t>
+            </a:r>
+            <a:endParaRPr lang="en-US" sz="3200" dirty="0"/>
           </a:p>
         </p:txBody>
       </p:sp>
     </p:spTree>
     <p:extLst>
       <p:ext uri="{BB962C8B-B14F-4D97-AF65-F5344CB8AC3E}">
-        <p14:creationId xmlns:p14="http://schemas.microsoft.com/office/powerpoint/2010/main" val="825754891"/>
+        <p14:creationId xmlns:p14="http://schemas.microsoft.com/office/powerpoint/2010/main" val="3226419385"/>
       </p:ext>
     </p:extLst>
   </p:cSld>
@@ -6487,6 +11197,321 @@
 </file>
 
 <file path=ppt/theme/theme1.xml><?xml version="1.0" encoding="utf-8"?>
+<a:theme xmlns:a="http://schemas.openxmlformats.org/drawingml/2006/main" name="Office Theme">
+  <a:themeElements>
+    <a:clrScheme name="Office">
+      <a:dk1>
+        <a:sysClr val="windowText" lastClr="000000"/>
+      </a:dk1>
+      <a:lt1>
+        <a:sysClr val="window" lastClr="FFFFFF"/>
+      </a:lt1>
+      <a:dk2>
+        <a:srgbClr val="0E2841"/>
+      </a:dk2>
+      <a:lt2>
+        <a:srgbClr val="E8E8E8"/>
+      </a:lt2>
+      <a:accent1>
+        <a:srgbClr val="156082"/>
+      </a:accent1>
+      <a:accent2>
+        <a:srgbClr val="E97132"/>
+      </a:accent2>
+      <a:accent3>
+        <a:srgbClr val="196B24"/>
+      </a:accent3>
+      <a:accent4>
+        <a:srgbClr val="0F9ED5"/>
+      </a:accent4>
+      <a:accent5>
+        <a:srgbClr val="A02B93"/>
+      </a:accent5>
+      <a:accent6>
+        <a:srgbClr val="4EA72E"/>
+      </a:accent6>
+      <a:hlink>
+        <a:srgbClr val="467886"/>
+      </a:hlink>
+      <a:folHlink>
+        <a:srgbClr val="96607D"/>
+      </a:folHlink>
+    </a:clrScheme>
+    <a:fontScheme name="Office">
+      <a:majorFont>
+        <a:latin typeface="Aptos Display" panose="02110004020202020204"/>
+        <a:ea typeface=""/>
+        <a:cs typeface=""/>
+        <a:font script="Jpan" typeface="游ゴシック Light"/>
+        <a:font script="Hang" typeface="맑은 고딕"/>
+        <a:font script="Hans" typeface="等线 Light"/>
+        <a:font script="Hant" typeface="新細明體"/>
+        <a:font script="Arab" typeface="Times New Roman"/>
+        <a:font script="Hebr" typeface="Times New Roman"/>
+        <a:font script="Thai" typeface="Angsana New"/>
+        <a:font script="Ethi" typeface="Nyala"/>
+        <a:font script="Beng" typeface="Vrinda"/>
+        <a:font script="Gujr" typeface="Shruti"/>
+        <a:font script="Khmr" typeface="MoolBoran"/>
+        <a:font script="Knda" typeface="Tunga"/>
+        <a:font script="Guru" typeface="Raavi"/>
+        <a:font script="Cans" typeface="Euphemia"/>
+        <a:font script="Cher" typeface="Plantagenet Cherokee"/>
+        <a:font script="Yiii" typeface="Microsoft Yi Baiti"/>
+        <a:font script="Tibt" typeface="Microsoft Himalaya"/>
+        <a:font script="Thaa" typeface="MV Boli"/>
+        <a:font script="Deva" typeface="Mangal"/>
+        <a:font script="Telu" typeface="Gautami"/>
+        <a:font script="Taml" typeface="Latha"/>
+        <a:font script="Syrc" typeface="Estrangelo Edessa"/>
+        <a:font script="Orya" typeface="Kalinga"/>
+        <a:font script="Mlym" typeface="Kartika"/>
+        <a:font script="Laoo" typeface="DokChampa"/>
+        <a:font script="Sinh" typeface="Iskoola Pota"/>
+        <a:font script="Mong" typeface="Mongolian Baiti"/>
+        <a:font script="Viet" typeface="Times New Roman"/>
+        <a:font script="Uigh" typeface="Microsoft Uighur"/>
+        <a:font script="Geor" typeface="Sylfaen"/>
+        <a:font script="Armn" typeface="Arial"/>
+        <a:font script="Bugi" typeface="Leelawadee UI"/>
+        <a:font script="Bopo" typeface="Microsoft JhengHei"/>
+        <a:font script="Java" typeface="Javanese Text"/>
+        <a:font script="Lisu" typeface="Segoe UI"/>
+        <a:font script="Mymr" typeface="Myanmar Text"/>
+        <a:font script="Nkoo" typeface="Ebrima"/>
+        <a:font script="Olck" typeface="Nirmala UI"/>
+        <a:font script="Osma" typeface="Ebrima"/>
+        <a:font script="Phag" typeface="Phagspa"/>
+        <a:font script="Syrn" typeface="Estrangelo Edessa"/>
+        <a:font script="Syrj" typeface="Estrangelo Edessa"/>
+        <a:font script="Syre" typeface="Estrangelo Edessa"/>
+        <a:font script="Sora" typeface="Nirmala UI"/>
+        <a:font script="Tale" typeface="Microsoft Tai Le"/>
+        <a:font script="Talu" typeface="Microsoft New Tai Lue"/>
+        <a:font script="Tfng" typeface="Ebrima"/>
+      </a:majorFont>
+      <a:minorFont>
+        <a:latin typeface="Aptos" panose="02110004020202020204"/>
+        <a:ea typeface=""/>
+        <a:cs typeface=""/>
+        <a:font script="Jpan" typeface="游ゴシック"/>
+        <a:font script="Hang" typeface="맑은 고딕"/>
+        <a:font script="Hans" typeface="等线"/>
+        <a:font script="Hant" typeface="新細明體"/>
+        <a:font script="Arab" typeface="Arial"/>
+        <a:font script="Hebr" typeface="Arial"/>
+        <a:font script="Thai" typeface="Cordia New"/>
+        <a:font script="Ethi" typeface="Nyala"/>
+        <a:font script="Beng" typeface="Vrinda"/>
+        <a:font script="Gujr" typeface="Shruti"/>
+        <a:font script="Khmr" typeface="DaunPenh"/>
+        <a:font script="Knda" typeface="Tunga"/>
+        <a:font script="Guru" typeface="Raavi"/>
+        <a:font script="Cans" typeface="Euphemia"/>
+        <a:font script="Cher" typeface="Plantagenet Cherokee"/>
+        <a:font script="Yiii" typeface="Microsoft Yi Baiti"/>
+        <a:font script="Tibt" typeface="Microsoft Himalaya"/>
+        <a:font script="Thaa" typeface="MV Boli"/>
+        <a:font script="Deva" typeface="Mangal"/>
+        <a:font script="Telu" typeface="Gautami"/>
+        <a:font script="Taml" typeface="Latha"/>
+        <a:font script="Syrc" typeface="Estrangelo Edessa"/>
+        <a:font script="Orya" typeface="Kalinga"/>
+        <a:font script="Mlym" typeface="Kartika"/>
+        <a:font script="Laoo" typeface="DokChampa"/>
+        <a:font script="Sinh" typeface="Iskoola Pota"/>
+        <a:font script="Mong" typeface="Mongolian Baiti"/>
+        <a:font script="Viet" typeface="Arial"/>
+        <a:font script="Uigh" typeface="Microsoft Uighur"/>
+        <a:font script="Geor" typeface="Sylfaen"/>
+        <a:font script="Armn" typeface="Arial"/>
+        <a:font script="Bugi" typeface="Leelawadee UI"/>
+        <a:font script="Bopo" typeface="Microsoft JhengHei"/>
+        <a:font script="Java" typeface="Javanese Text"/>
+        <a:font script="Lisu" typeface="Segoe UI"/>
+        <a:font script="Mymr" typeface="Myanmar Text"/>
+        <a:font script="Nkoo" typeface="Ebrima"/>
+        <a:font script="Olck" typeface="Nirmala UI"/>
+        <a:font script="Osma" typeface="Ebrima"/>
+        <a:font script="Phag" typeface="Phagspa"/>
+        <a:font script="Syrn" typeface="Estrangelo Edessa"/>
+        <a:font script="Syrj" typeface="Estrangelo Edessa"/>
+        <a:font script="Syre" typeface="Estrangelo Edessa"/>
+        <a:font script="Sora" typeface="Nirmala UI"/>
+        <a:font script="Tale" typeface="Microsoft Tai Le"/>
+        <a:font script="Talu" typeface="Microsoft New Tai Lue"/>
+        <a:font script="Tfng" typeface="Ebrima"/>
+      </a:minorFont>
+    </a:fontScheme>
+    <a:fmtScheme name="Office">
+      <a:fillStyleLst>
+        <a:solidFill>
+          <a:schemeClr val="phClr"/>
+        </a:solidFill>
+        <a:gradFill rotWithShape="1">
+          <a:gsLst>
+            <a:gs pos="0">
+              <a:schemeClr val="phClr">
+                <a:lumMod val="110000"/>
+                <a:satMod val="105000"/>
+                <a:tint val="67000"/>
+              </a:schemeClr>
+            </a:gs>
+            <a:gs pos="50000">
+              <a:schemeClr val="phClr">
+                <a:lumMod val="105000"/>
+                <a:satMod val="103000"/>
+                <a:tint val="73000"/>
+              </a:schemeClr>
+            </a:gs>
+            <a:gs pos="100000">
+              <a:schemeClr val="phClr">
+                <a:lumMod val="105000"/>
+                <a:satMod val="109000"/>
+                <a:tint val="81000"/>
+              </a:schemeClr>
+            </a:gs>
+          </a:gsLst>
+          <a:lin ang="5400000" scaled="0"/>
+        </a:gradFill>
+        <a:gradFill rotWithShape="1">
+          <a:gsLst>
+            <a:gs pos="0">
+              <a:schemeClr val="phClr">
+                <a:satMod val="103000"/>
+                <a:lumMod val="102000"/>
+                <a:tint val="94000"/>
+              </a:schemeClr>
+            </a:gs>
+            <a:gs pos="50000">
+              <a:schemeClr val="phClr">
+                <a:satMod val="110000"/>
+                <a:lumMod val="100000"/>
+                <a:shade val="100000"/>
+              </a:schemeClr>
+            </a:gs>
+            <a:gs pos="100000">
+              <a:schemeClr val="phClr">
+                <a:lumMod val="99000"/>
+                <a:satMod val="120000"/>
+                <a:shade val="78000"/>
+              </a:schemeClr>
+            </a:gs>
+          </a:gsLst>
+          <a:lin ang="5400000" scaled="0"/>
+        </a:gradFill>
+      </a:fillStyleLst>
+      <a:lnStyleLst>
+        <a:ln w="12700" cap="flat" cmpd="sng" algn="ctr">
+          <a:solidFill>
+            <a:schemeClr val="phClr"/>
+          </a:solidFill>
+          <a:prstDash val="solid"/>
+          <a:miter lim="800000"/>
+        </a:ln>
+        <a:ln w="19050" cap="flat" cmpd="sng" algn="ctr">
+          <a:solidFill>
+            <a:schemeClr val="phClr"/>
+          </a:solidFill>
+          <a:prstDash val="solid"/>
+          <a:miter lim="800000"/>
+        </a:ln>
+        <a:ln w="25400" cap="flat" cmpd="sng" algn="ctr">
+          <a:solidFill>
+            <a:schemeClr val="phClr"/>
+          </a:solidFill>
+          <a:prstDash val="solid"/>
+          <a:miter lim="800000"/>
+        </a:ln>
+      </a:lnStyleLst>
+      <a:effectStyleLst>
+        <a:effectStyle>
+          <a:effectLst/>
+        </a:effectStyle>
+        <a:effectStyle>
+          <a:effectLst/>
+        </a:effectStyle>
+        <a:effectStyle>
+          <a:effectLst>
+            <a:outerShdw blurRad="57150" dist="19050" dir="5400000" algn="ctr" rotWithShape="0">
+              <a:srgbClr val="000000">
+                <a:alpha val="63000"/>
+              </a:srgbClr>
+            </a:outerShdw>
+          </a:effectLst>
+        </a:effectStyle>
+      </a:effectStyleLst>
+      <a:bgFillStyleLst>
+        <a:solidFill>
+          <a:schemeClr val="phClr"/>
+        </a:solidFill>
+        <a:solidFill>
+          <a:schemeClr val="phClr">
+            <a:tint val="95000"/>
+            <a:satMod val="170000"/>
+          </a:schemeClr>
+        </a:solidFill>
+        <a:gradFill rotWithShape="1">
+          <a:gsLst>
+            <a:gs pos="0">
+              <a:schemeClr val="phClr">
+                <a:tint val="93000"/>
+                <a:satMod val="150000"/>
+                <a:shade val="98000"/>
+                <a:lumMod val="102000"/>
+              </a:schemeClr>
+            </a:gs>
+            <a:gs pos="50000">
+              <a:schemeClr val="phClr">
+                <a:tint val="98000"/>
+                <a:satMod val="130000"/>
+                <a:shade val="90000"/>
+                <a:lumMod val="103000"/>
+              </a:schemeClr>
+            </a:gs>
+            <a:gs pos="100000">
+              <a:schemeClr val="phClr">
+                <a:shade val="63000"/>
+                <a:satMod val="120000"/>
+              </a:schemeClr>
+            </a:gs>
+          </a:gsLst>
+          <a:lin ang="5400000" scaled="0"/>
+        </a:gradFill>
+      </a:bgFillStyleLst>
+    </a:fmtScheme>
+  </a:themeElements>
+  <a:objectDefaults>
+    <a:lnDef>
+      <a:spPr/>
+      <a:bodyPr/>
+      <a:lstStyle/>
+      <a:style>
+        <a:lnRef idx="2">
+          <a:schemeClr val="accent1"/>
+        </a:lnRef>
+        <a:fillRef idx="0">
+          <a:schemeClr val="accent1"/>
+        </a:fillRef>
+        <a:effectRef idx="1">
+          <a:schemeClr val="accent1"/>
+        </a:effectRef>
+        <a:fontRef idx="minor">
+          <a:schemeClr val="tx1"/>
+        </a:fontRef>
+      </a:style>
+    </a:lnDef>
+  </a:objectDefaults>
+  <a:extraClrSchemeLst/>
+  <a:extLst>
+    <a:ext uri="{05A4C25C-085E-4340-85A3-A5531E510DB2}">
+      <thm15:themeFamily xmlns:thm15="http://schemas.microsoft.com/office/thememl/2012/main" name="Office Theme" id="{2E142A2C-CD16-42D6-873A-C26D2A0506FA}" vid="{1BDDFF52-6CD6-40A5-AB3C-68EB2F1E4D0A}"/>
+    </a:ext>
+  </a:extLst>
+</a:theme>
+</file>
+
+<file path=ppt/theme/theme2.xml><?xml version="1.0" encoding="utf-8"?>
 <a:theme xmlns:a="http://schemas.openxmlformats.org/drawingml/2006/main" name="Office Theme">
   <a:themeElements>
     <a:clrScheme name="Office">

--- a/presentation_materials/vision_transformers.pptx
+++ b/presentation_materials/vision_transformers.pptx
@@ -5,7 +5,7 @@
     <p:sldMasterId id="2147483648" r:id="rId1"/>
   </p:sldMasterIdLst>
   <p:notesMasterIdLst>
-    <p:notesMasterId r:id="rId26"/>
+    <p:notesMasterId r:id="rId28"/>
   </p:notesMasterIdLst>
   <p:sldIdLst>
     <p:sldId id="258" r:id="rId2"/>
@@ -31,7 +31,9 @@
     <p:sldId id="292" r:id="rId22"/>
     <p:sldId id="294" r:id="rId23"/>
     <p:sldId id="297" r:id="rId24"/>
-    <p:sldId id="293" r:id="rId25"/>
+    <p:sldId id="299" r:id="rId25"/>
+    <p:sldId id="300" r:id="rId26"/>
+    <p:sldId id="293" r:id="rId27"/>
   </p:sldIdLst>
   <p:sldSz cx="12192000" cy="6858000"/>
   <p:notesSz cx="6858000" cy="9144000"/>
@@ -2052,7 +2054,7 @@
           <a:p>
             <a:fld id="{4421CEC5-989B-3B48-AA40-5F6C85F6110C}" type="slidenum">
               <a:rPr lang="en-US" smtClean="0"/>
-              <a:t>24</a:t>
+              <a:t>26</a:t>
             </a:fld>
             <a:endParaRPr lang="en-US"/>
           </a:p>
@@ -6084,6 +6086,284 @@
   <p:clrMapOvr>
     <a:masterClrMapping/>
   </p:clrMapOvr>
+  <p:timing>
+    <p:tnLst>
+      <p:par>
+        <p:cTn id="1" dur="indefinite" restart="never" nodeType="tmRoot">
+          <p:childTnLst>
+            <p:seq concurrent="1" nextAc="seek">
+              <p:cTn id="2" dur="indefinite" nodeType="mainSeq">
+                <p:childTnLst>
+                  <p:par>
+                    <p:cTn id="3" fill="hold">
+                      <p:stCondLst>
+                        <p:cond delay="indefinite"/>
+                      </p:stCondLst>
+                      <p:childTnLst>
+                        <p:par>
+                          <p:cTn id="4" fill="hold">
+                            <p:stCondLst>
+                              <p:cond delay="0"/>
+                            </p:stCondLst>
+                            <p:childTnLst>
+                              <p:par>
+                                <p:cTn id="5" presetID="1" presetClass="entr" presetSubtype="0" fill="hold" grpId="0" nodeType="clickEffect">
+                                  <p:stCondLst>
+                                    <p:cond delay="0"/>
+                                  </p:stCondLst>
+                                  <p:childTnLst>
+                                    <p:set>
+                                      <p:cBhvr>
+                                        <p:cTn id="6" dur="1" fill="hold">
+                                          <p:stCondLst>
+                                            <p:cond delay="0"/>
+                                          </p:stCondLst>
+                                        </p:cTn>
+                                        <p:tgtEl>
+                                          <p:spTgt spid="3">
+                                            <p:txEl>
+                                              <p:pRg st="0" end="0"/>
+                                            </p:txEl>
+                                          </p:spTgt>
+                                        </p:tgtEl>
+                                        <p:attrNameLst>
+                                          <p:attrName>style.visibility</p:attrName>
+                                        </p:attrNameLst>
+                                      </p:cBhvr>
+                                      <p:to>
+                                        <p:strVal val="visible"/>
+                                      </p:to>
+                                    </p:set>
+                                  </p:childTnLst>
+                                </p:cTn>
+                              </p:par>
+                            </p:childTnLst>
+                          </p:cTn>
+                        </p:par>
+                      </p:childTnLst>
+                    </p:cTn>
+                  </p:par>
+                  <p:par>
+                    <p:cTn id="7" fill="hold">
+                      <p:stCondLst>
+                        <p:cond delay="indefinite"/>
+                      </p:stCondLst>
+                      <p:childTnLst>
+                        <p:par>
+                          <p:cTn id="8" fill="hold">
+                            <p:stCondLst>
+                              <p:cond delay="0"/>
+                            </p:stCondLst>
+                            <p:childTnLst>
+                              <p:par>
+                                <p:cTn id="9" presetID="1" presetClass="entr" presetSubtype="0" fill="hold" grpId="0" nodeType="clickEffect">
+                                  <p:stCondLst>
+                                    <p:cond delay="0"/>
+                                  </p:stCondLst>
+                                  <p:childTnLst>
+                                    <p:set>
+                                      <p:cBhvr>
+                                        <p:cTn id="10" dur="1" fill="hold">
+                                          <p:stCondLst>
+                                            <p:cond delay="0"/>
+                                          </p:stCondLst>
+                                        </p:cTn>
+                                        <p:tgtEl>
+                                          <p:spTgt spid="3">
+                                            <p:txEl>
+                                              <p:pRg st="1" end="1"/>
+                                            </p:txEl>
+                                          </p:spTgt>
+                                        </p:tgtEl>
+                                        <p:attrNameLst>
+                                          <p:attrName>style.visibility</p:attrName>
+                                        </p:attrNameLst>
+                                      </p:cBhvr>
+                                      <p:to>
+                                        <p:strVal val="visible"/>
+                                      </p:to>
+                                    </p:set>
+                                  </p:childTnLst>
+                                </p:cTn>
+                              </p:par>
+                            </p:childTnLst>
+                          </p:cTn>
+                        </p:par>
+                      </p:childTnLst>
+                    </p:cTn>
+                  </p:par>
+                  <p:par>
+                    <p:cTn id="11" fill="hold">
+                      <p:stCondLst>
+                        <p:cond delay="indefinite"/>
+                      </p:stCondLst>
+                      <p:childTnLst>
+                        <p:par>
+                          <p:cTn id="12" fill="hold">
+                            <p:stCondLst>
+                              <p:cond delay="0"/>
+                            </p:stCondLst>
+                            <p:childTnLst>
+                              <p:par>
+                                <p:cTn id="13" presetID="1" presetClass="entr" presetSubtype="0" fill="hold" grpId="0" nodeType="clickEffect">
+                                  <p:stCondLst>
+                                    <p:cond delay="0"/>
+                                  </p:stCondLst>
+                                  <p:childTnLst>
+                                    <p:set>
+                                      <p:cBhvr>
+                                        <p:cTn id="14" dur="1" fill="hold">
+                                          <p:stCondLst>
+                                            <p:cond delay="0"/>
+                                          </p:stCondLst>
+                                        </p:cTn>
+                                        <p:tgtEl>
+                                          <p:spTgt spid="3">
+                                            <p:txEl>
+                                              <p:pRg st="2" end="2"/>
+                                            </p:txEl>
+                                          </p:spTgt>
+                                        </p:tgtEl>
+                                        <p:attrNameLst>
+                                          <p:attrName>style.visibility</p:attrName>
+                                        </p:attrNameLst>
+                                      </p:cBhvr>
+                                      <p:to>
+                                        <p:strVal val="visible"/>
+                                      </p:to>
+                                    </p:set>
+                                  </p:childTnLst>
+                                </p:cTn>
+                              </p:par>
+                            </p:childTnLst>
+                          </p:cTn>
+                        </p:par>
+                      </p:childTnLst>
+                    </p:cTn>
+                  </p:par>
+                  <p:par>
+                    <p:cTn id="15" fill="hold">
+                      <p:stCondLst>
+                        <p:cond delay="indefinite"/>
+                      </p:stCondLst>
+                      <p:childTnLst>
+                        <p:par>
+                          <p:cTn id="16" fill="hold">
+                            <p:stCondLst>
+                              <p:cond delay="0"/>
+                            </p:stCondLst>
+                            <p:childTnLst>
+                              <p:par>
+                                <p:cTn id="17" presetID="1" presetClass="entr" presetSubtype="0" fill="hold" grpId="0" nodeType="clickEffect">
+                                  <p:stCondLst>
+                                    <p:cond delay="0"/>
+                                  </p:stCondLst>
+                                  <p:childTnLst>
+                                    <p:set>
+                                      <p:cBhvr>
+                                        <p:cTn id="18" dur="1" fill="hold">
+                                          <p:stCondLst>
+                                            <p:cond delay="0"/>
+                                          </p:stCondLst>
+                                        </p:cTn>
+                                        <p:tgtEl>
+                                          <p:spTgt spid="3">
+                                            <p:txEl>
+                                              <p:pRg st="3" end="3"/>
+                                            </p:txEl>
+                                          </p:spTgt>
+                                        </p:tgtEl>
+                                        <p:attrNameLst>
+                                          <p:attrName>style.visibility</p:attrName>
+                                        </p:attrNameLst>
+                                      </p:cBhvr>
+                                      <p:to>
+                                        <p:strVal val="visible"/>
+                                      </p:to>
+                                    </p:set>
+                                  </p:childTnLst>
+                                </p:cTn>
+                              </p:par>
+                            </p:childTnLst>
+                          </p:cTn>
+                        </p:par>
+                      </p:childTnLst>
+                    </p:cTn>
+                  </p:par>
+                  <p:par>
+                    <p:cTn id="19" fill="hold">
+                      <p:stCondLst>
+                        <p:cond delay="indefinite"/>
+                      </p:stCondLst>
+                      <p:childTnLst>
+                        <p:par>
+                          <p:cTn id="20" fill="hold">
+                            <p:stCondLst>
+                              <p:cond delay="0"/>
+                            </p:stCondLst>
+                            <p:childTnLst>
+                              <p:par>
+                                <p:cTn id="21" presetID="1" presetClass="entr" presetSubtype="0" fill="hold" grpId="0" nodeType="clickEffect">
+                                  <p:stCondLst>
+                                    <p:cond delay="0"/>
+                                  </p:stCondLst>
+                                  <p:childTnLst>
+                                    <p:set>
+                                      <p:cBhvr>
+                                        <p:cTn id="22" dur="1" fill="hold">
+                                          <p:stCondLst>
+                                            <p:cond delay="0"/>
+                                          </p:stCondLst>
+                                        </p:cTn>
+                                        <p:tgtEl>
+                                          <p:spTgt spid="3">
+                                            <p:txEl>
+                                              <p:pRg st="4" end="4"/>
+                                            </p:txEl>
+                                          </p:spTgt>
+                                        </p:tgtEl>
+                                        <p:attrNameLst>
+                                          <p:attrName>style.visibility</p:attrName>
+                                        </p:attrNameLst>
+                                      </p:cBhvr>
+                                      <p:to>
+                                        <p:strVal val="visible"/>
+                                      </p:to>
+                                    </p:set>
+                                  </p:childTnLst>
+                                </p:cTn>
+                              </p:par>
+                            </p:childTnLst>
+                          </p:cTn>
+                        </p:par>
+                      </p:childTnLst>
+                    </p:cTn>
+                  </p:par>
+                </p:childTnLst>
+              </p:cTn>
+              <p:prevCondLst>
+                <p:cond evt="onPrev" delay="0">
+                  <p:tgtEl>
+                    <p:sldTgt/>
+                  </p:tgtEl>
+                </p:cond>
+              </p:prevCondLst>
+              <p:nextCondLst>
+                <p:cond evt="onNext" delay="0">
+                  <p:tgtEl>
+                    <p:sldTgt/>
+                  </p:tgtEl>
+                </p:cond>
+              </p:nextCondLst>
+            </p:seq>
+          </p:childTnLst>
+        </p:cTn>
+      </p:par>
+    </p:tnLst>
+    <p:bldLst>
+      <p:bldP spid="3" grpId="0" build="p"/>
+    </p:bldLst>
+  </p:timing>
 </p:sld>
 </file>
 
@@ -7276,6 +7556,137 @@
   <p:clrMapOvr>
     <a:masterClrMapping/>
   </p:clrMapOvr>
+  <p:timing>
+    <p:tnLst>
+      <p:par>
+        <p:cTn id="1" dur="indefinite" restart="never" nodeType="tmRoot">
+          <p:childTnLst>
+            <p:seq concurrent="1" nextAc="seek">
+              <p:cTn id="2" dur="indefinite" nodeType="mainSeq">
+                <p:childTnLst>
+                  <p:par>
+                    <p:cTn id="3" fill="hold">
+                      <p:stCondLst>
+                        <p:cond delay="indefinite"/>
+                      </p:stCondLst>
+                      <p:childTnLst>
+                        <p:par>
+                          <p:cTn id="4" fill="hold">
+                            <p:stCondLst>
+                              <p:cond delay="0"/>
+                            </p:stCondLst>
+                            <p:childTnLst>
+                              <p:par>
+                                <p:cTn id="5" presetID="1" presetClass="entr" presetSubtype="0" fill="hold" grpId="0" nodeType="clickEffect">
+                                  <p:stCondLst>
+                                    <p:cond delay="0"/>
+                                  </p:stCondLst>
+                                  <p:childTnLst>
+                                    <p:set>
+                                      <p:cBhvr>
+                                        <p:cTn id="6" dur="1" fill="hold">
+                                          <p:stCondLst>
+                                            <p:cond delay="0"/>
+                                          </p:stCondLst>
+                                        </p:cTn>
+                                        <p:tgtEl>
+                                          <p:spTgt spid="3">
+                                            <p:txEl>
+                                              <p:pRg st="0" end="0"/>
+                                            </p:txEl>
+                                          </p:spTgt>
+                                        </p:tgtEl>
+                                        <p:attrNameLst>
+                                          <p:attrName>style.visibility</p:attrName>
+                                        </p:attrNameLst>
+                                      </p:cBhvr>
+                                      <p:to>
+                                        <p:strVal val="visible"/>
+                                      </p:to>
+                                    </p:set>
+                                  </p:childTnLst>
+                                </p:cTn>
+                              </p:par>
+                            </p:childTnLst>
+                          </p:cTn>
+                        </p:par>
+                      </p:childTnLst>
+                    </p:cTn>
+                  </p:par>
+                  <p:par>
+                    <p:cTn id="7" fill="hold">
+                      <p:stCondLst>
+                        <p:cond delay="indefinite"/>
+                      </p:stCondLst>
+                      <p:childTnLst>
+                        <p:par>
+                          <p:cTn id="8" fill="hold">
+                            <p:stCondLst>
+                              <p:cond delay="0"/>
+                            </p:stCondLst>
+                            <p:childTnLst>
+                              <p:par>
+                                <p:cTn id="9" presetID="1" presetClass="entr" presetSubtype="0" fill="hold" grpId="0" nodeType="clickEffect">
+                                  <p:stCondLst>
+                                    <p:cond delay="0"/>
+                                  </p:stCondLst>
+                                  <p:childTnLst>
+                                    <p:set>
+                                      <p:cBhvr>
+                                        <p:cTn id="10" dur="1" fill="hold">
+                                          <p:stCondLst>
+                                            <p:cond delay="0"/>
+                                          </p:stCondLst>
+                                        </p:cTn>
+                                        <p:tgtEl>
+                                          <p:spTgt spid="3">
+                                            <p:txEl>
+                                              <p:pRg st="1" end="1"/>
+                                            </p:txEl>
+                                          </p:spTgt>
+                                        </p:tgtEl>
+                                        <p:attrNameLst>
+                                          <p:attrName>style.visibility</p:attrName>
+                                        </p:attrNameLst>
+                                      </p:cBhvr>
+                                      <p:to>
+                                        <p:strVal val="visible"/>
+                                      </p:to>
+                                    </p:set>
+                                  </p:childTnLst>
+                                </p:cTn>
+                              </p:par>
+                            </p:childTnLst>
+                          </p:cTn>
+                        </p:par>
+                      </p:childTnLst>
+                    </p:cTn>
+                  </p:par>
+                </p:childTnLst>
+              </p:cTn>
+              <p:prevCondLst>
+                <p:cond evt="onPrev" delay="0">
+                  <p:tgtEl>
+                    <p:sldTgt/>
+                  </p:tgtEl>
+                </p:cond>
+              </p:prevCondLst>
+              <p:nextCondLst>
+                <p:cond evt="onNext" delay="0">
+                  <p:tgtEl>
+                    <p:sldTgt/>
+                  </p:tgtEl>
+                </p:cond>
+              </p:nextCondLst>
+            </p:seq>
+          </p:childTnLst>
+        </p:cTn>
+      </p:par>
+    </p:tnLst>
+    <p:bldLst>
+      <p:bldP spid="3" grpId="0" build="p"/>
+    </p:bldLst>
+  </p:timing>
 </p:sld>
 </file>
 
@@ -7404,6 +7815,186 @@
   <p:clrMapOvr>
     <a:masterClrMapping/>
   </p:clrMapOvr>
+  <p:timing>
+    <p:tnLst>
+      <p:par>
+        <p:cTn id="1" dur="indefinite" restart="never" nodeType="tmRoot">
+          <p:childTnLst>
+            <p:seq concurrent="1" nextAc="seek">
+              <p:cTn id="2" dur="indefinite" nodeType="mainSeq">
+                <p:childTnLst>
+                  <p:par>
+                    <p:cTn id="3" fill="hold">
+                      <p:stCondLst>
+                        <p:cond delay="indefinite"/>
+                      </p:stCondLst>
+                      <p:childTnLst>
+                        <p:par>
+                          <p:cTn id="4" fill="hold">
+                            <p:stCondLst>
+                              <p:cond delay="0"/>
+                            </p:stCondLst>
+                            <p:childTnLst>
+                              <p:par>
+                                <p:cTn id="5" presetID="1" presetClass="entr" presetSubtype="0" fill="hold" grpId="0" nodeType="clickEffect">
+                                  <p:stCondLst>
+                                    <p:cond delay="0"/>
+                                  </p:stCondLst>
+                                  <p:childTnLst>
+                                    <p:set>
+                                      <p:cBhvr>
+                                        <p:cTn id="6" dur="1" fill="hold">
+                                          <p:stCondLst>
+                                            <p:cond delay="0"/>
+                                          </p:stCondLst>
+                                        </p:cTn>
+                                        <p:tgtEl>
+                                          <p:spTgt spid="3">
+                                            <p:txEl>
+                                              <p:pRg st="0" end="0"/>
+                                            </p:txEl>
+                                          </p:spTgt>
+                                        </p:tgtEl>
+                                        <p:attrNameLst>
+                                          <p:attrName>style.visibility</p:attrName>
+                                        </p:attrNameLst>
+                                      </p:cBhvr>
+                                      <p:to>
+                                        <p:strVal val="visible"/>
+                                      </p:to>
+                                    </p:set>
+                                  </p:childTnLst>
+                                </p:cTn>
+                              </p:par>
+                            </p:childTnLst>
+                          </p:cTn>
+                        </p:par>
+                      </p:childTnLst>
+                    </p:cTn>
+                  </p:par>
+                  <p:par>
+                    <p:cTn id="7" fill="hold">
+                      <p:stCondLst>
+                        <p:cond delay="indefinite"/>
+                      </p:stCondLst>
+                      <p:childTnLst>
+                        <p:par>
+                          <p:cTn id="8" fill="hold">
+                            <p:stCondLst>
+                              <p:cond delay="0"/>
+                            </p:stCondLst>
+                            <p:childTnLst>
+                              <p:par>
+                                <p:cTn id="9" presetID="1" presetClass="entr" presetSubtype="0" fill="hold" grpId="0" nodeType="clickEffect">
+                                  <p:stCondLst>
+                                    <p:cond delay="0"/>
+                                  </p:stCondLst>
+                                  <p:childTnLst>
+                                    <p:set>
+                                      <p:cBhvr>
+                                        <p:cTn id="10" dur="1" fill="hold">
+                                          <p:stCondLst>
+                                            <p:cond delay="0"/>
+                                          </p:stCondLst>
+                                        </p:cTn>
+                                        <p:tgtEl>
+                                          <p:spTgt spid="3">
+                                            <p:txEl>
+                                              <p:pRg st="1" end="1"/>
+                                            </p:txEl>
+                                          </p:spTgt>
+                                        </p:tgtEl>
+                                        <p:attrNameLst>
+                                          <p:attrName>style.visibility</p:attrName>
+                                        </p:attrNameLst>
+                                      </p:cBhvr>
+                                      <p:to>
+                                        <p:strVal val="visible"/>
+                                      </p:to>
+                                    </p:set>
+                                  </p:childTnLst>
+                                </p:cTn>
+                              </p:par>
+                            </p:childTnLst>
+                          </p:cTn>
+                        </p:par>
+                      </p:childTnLst>
+                    </p:cTn>
+                  </p:par>
+                  <p:par>
+                    <p:cTn id="11" fill="hold">
+                      <p:stCondLst>
+                        <p:cond delay="indefinite"/>
+                      </p:stCondLst>
+                      <p:childTnLst>
+                        <p:par>
+                          <p:cTn id="12" fill="hold">
+                            <p:stCondLst>
+                              <p:cond delay="0"/>
+                            </p:stCondLst>
+                            <p:childTnLst>
+                              <p:par>
+                                <p:cTn id="13" presetID="1" presetClass="entr" presetSubtype="0" fill="hold" grpId="0" nodeType="clickEffect">
+                                  <p:stCondLst>
+                                    <p:cond delay="0"/>
+                                  </p:stCondLst>
+                                  <p:childTnLst>
+                                    <p:set>
+                                      <p:cBhvr>
+                                        <p:cTn id="14" dur="1" fill="hold">
+                                          <p:stCondLst>
+                                            <p:cond delay="0"/>
+                                          </p:stCondLst>
+                                        </p:cTn>
+                                        <p:tgtEl>
+                                          <p:spTgt spid="3">
+                                            <p:txEl>
+                                              <p:pRg st="2" end="2"/>
+                                            </p:txEl>
+                                          </p:spTgt>
+                                        </p:tgtEl>
+                                        <p:attrNameLst>
+                                          <p:attrName>style.visibility</p:attrName>
+                                        </p:attrNameLst>
+                                      </p:cBhvr>
+                                      <p:to>
+                                        <p:strVal val="visible"/>
+                                      </p:to>
+                                    </p:set>
+                                  </p:childTnLst>
+                                </p:cTn>
+                              </p:par>
+                            </p:childTnLst>
+                          </p:cTn>
+                        </p:par>
+                      </p:childTnLst>
+                    </p:cTn>
+                  </p:par>
+                </p:childTnLst>
+              </p:cTn>
+              <p:prevCondLst>
+                <p:cond evt="onPrev" delay="0">
+                  <p:tgtEl>
+                    <p:sldTgt/>
+                  </p:tgtEl>
+                </p:cond>
+              </p:prevCondLst>
+              <p:nextCondLst>
+                <p:cond evt="onNext" delay="0">
+                  <p:tgtEl>
+                    <p:sldTgt/>
+                  </p:tgtEl>
+                </p:cond>
+              </p:nextCondLst>
+            </p:seq>
+          </p:childTnLst>
+        </p:cTn>
+      </p:par>
+    </p:tnLst>
+    <p:bldLst>
+      <p:bldP spid="3" grpId="0" build="p"/>
+    </p:bldLst>
+  </p:timing>
 </p:sld>
 </file>
 
@@ -7534,7 +8125,7 @@
           <a:p>
             <a:r>
               <a:rPr lang="en-AU" b="1" dirty="0"/>
-              <a:t>What You Already Know</a:t>
+              <a:t>What We Already Know</a:t>
             </a:r>
             <a:r>
               <a:rPr lang="en-AU" dirty="0"/>
@@ -7617,6 +8208,84 @@
   <p:clrMapOvr>
     <a:masterClrMapping/>
   </p:clrMapOvr>
+  <p:timing>
+    <p:tnLst>
+      <p:par>
+        <p:cTn id="1" dur="indefinite" restart="never" nodeType="tmRoot">
+          <p:childTnLst>
+            <p:seq concurrent="1" nextAc="seek">
+              <p:cTn id="2" dur="indefinite" nodeType="mainSeq">
+                <p:childTnLst>
+                  <p:par>
+                    <p:cTn id="3" fill="hold">
+                      <p:stCondLst>
+                        <p:cond delay="indefinite"/>
+                      </p:stCondLst>
+                      <p:childTnLst>
+                        <p:par>
+                          <p:cTn id="4" fill="hold">
+                            <p:stCondLst>
+                              <p:cond delay="0"/>
+                            </p:stCondLst>
+                            <p:childTnLst>
+                              <p:par>
+                                <p:cTn id="5" presetID="1" presetClass="entr" presetSubtype="0" fill="hold" grpId="0" nodeType="clickEffect">
+                                  <p:stCondLst>
+                                    <p:cond delay="0"/>
+                                  </p:stCondLst>
+                                  <p:childTnLst>
+                                    <p:set>
+                                      <p:cBhvr>
+                                        <p:cTn id="6" dur="1" fill="hold">
+                                          <p:stCondLst>
+                                            <p:cond delay="0"/>
+                                          </p:stCondLst>
+                                        </p:cTn>
+                                        <p:tgtEl>
+                                          <p:spTgt spid="6"/>
+                                        </p:tgtEl>
+                                        <p:attrNameLst>
+                                          <p:attrName>style.visibility</p:attrName>
+                                        </p:attrNameLst>
+                                      </p:cBhvr>
+                                      <p:to>
+                                        <p:strVal val="visible"/>
+                                      </p:to>
+                                    </p:set>
+                                  </p:childTnLst>
+                                </p:cTn>
+                              </p:par>
+                            </p:childTnLst>
+                          </p:cTn>
+                        </p:par>
+                      </p:childTnLst>
+                    </p:cTn>
+                  </p:par>
+                </p:childTnLst>
+              </p:cTn>
+              <p:prevCondLst>
+                <p:cond evt="onPrev" delay="0">
+                  <p:tgtEl>
+                    <p:sldTgt/>
+                  </p:tgtEl>
+                </p:cond>
+              </p:prevCondLst>
+              <p:nextCondLst>
+                <p:cond evt="onNext" delay="0">
+                  <p:tgtEl>
+                    <p:sldTgt/>
+                  </p:tgtEl>
+                </p:cond>
+              </p:nextCondLst>
+            </p:seq>
+          </p:childTnLst>
+        </p:cTn>
+      </p:par>
+    </p:tnLst>
+    <p:bldLst>
+      <p:bldP spid="6" grpId="0"/>
+    </p:bldLst>
+  </p:timing>
 </p:sld>
 </file>
 
@@ -7737,6 +8406,10 @@
             <a:endParaRPr lang="en-AU" dirty="0"/>
           </a:p>
           <a:p>
+            <a:pPr marL="285750" indent="-285750">
+              <a:buFont typeface="Arial" panose="020B0604020202020204" pitchFamily="34" charset="0"/>
+              <a:buChar char="•"/>
+            </a:pPr>
             <a:r>
               <a:rPr lang="en-AU" b="1" dirty="0"/>
               <a:t>Stage 1</a:t>
@@ -7747,6 +8420,10 @@
             </a:r>
           </a:p>
           <a:p>
+            <a:pPr marL="285750" indent="-285750">
+              <a:buFont typeface="Arial" panose="020B0604020202020204" pitchFamily="34" charset="0"/>
+              <a:buChar char="•"/>
+            </a:pPr>
             <a:r>
               <a:rPr lang="en-AU" b="1" dirty="0"/>
               <a:t>Stage 2</a:t>
@@ -7757,6 +8434,10 @@
             </a:r>
           </a:p>
           <a:p>
+            <a:pPr marL="285750" indent="-285750">
+              <a:buFont typeface="Arial" panose="020B0604020202020204" pitchFamily="34" charset="0"/>
+              <a:buChar char="•"/>
+            </a:pPr>
             <a:r>
               <a:rPr lang="en-AU" b="1" dirty="0"/>
               <a:t>Stage 3</a:t>
@@ -7791,6 +8472,84 @@
   <p:clrMapOvr>
     <a:masterClrMapping/>
   </p:clrMapOvr>
+  <p:timing>
+    <p:tnLst>
+      <p:par>
+        <p:cTn id="1" dur="indefinite" restart="never" nodeType="tmRoot">
+          <p:childTnLst>
+            <p:seq concurrent="1" nextAc="seek">
+              <p:cTn id="2" dur="indefinite" nodeType="mainSeq">
+                <p:childTnLst>
+                  <p:par>
+                    <p:cTn id="3" fill="hold">
+                      <p:stCondLst>
+                        <p:cond delay="indefinite"/>
+                      </p:stCondLst>
+                      <p:childTnLst>
+                        <p:par>
+                          <p:cTn id="4" fill="hold">
+                            <p:stCondLst>
+                              <p:cond delay="0"/>
+                            </p:stCondLst>
+                            <p:childTnLst>
+                              <p:par>
+                                <p:cTn id="5" presetID="1" presetClass="entr" presetSubtype="0" fill="hold" grpId="0" nodeType="clickEffect">
+                                  <p:stCondLst>
+                                    <p:cond delay="0"/>
+                                  </p:stCondLst>
+                                  <p:childTnLst>
+                                    <p:set>
+                                      <p:cBhvr>
+                                        <p:cTn id="6" dur="1" fill="hold">
+                                          <p:stCondLst>
+                                            <p:cond delay="0"/>
+                                          </p:stCondLst>
+                                        </p:cTn>
+                                        <p:tgtEl>
+                                          <p:spTgt spid="6"/>
+                                        </p:tgtEl>
+                                        <p:attrNameLst>
+                                          <p:attrName>style.visibility</p:attrName>
+                                        </p:attrNameLst>
+                                      </p:cBhvr>
+                                      <p:to>
+                                        <p:strVal val="visible"/>
+                                      </p:to>
+                                    </p:set>
+                                  </p:childTnLst>
+                                </p:cTn>
+                              </p:par>
+                            </p:childTnLst>
+                          </p:cTn>
+                        </p:par>
+                      </p:childTnLst>
+                    </p:cTn>
+                  </p:par>
+                </p:childTnLst>
+              </p:cTn>
+              <p:prevCondLst>
+                <p:cond evt="onPrev" delay="0">
+                  <p:tgtEl>
+                    <p:sldTgt/>
+                  </p:tgtEl>
+                </p:cond>
+              </p:prevCondLst>
+              <p:nextCondLst>
+                <p:cond evt="onNext" delay="0">
+                  <p:tgtEl>
+                    <p:sldTgt/>
+                  </p:tgtEl>
+                </p:cond>
+              </p:nextCondLst>
+            </p:seq>
+          </p:childTnLst>
+        </p:cTn>
+      </p:par>
+    </p:tnLst>
+    <p:bldLst>
+      <p:bldP spid="6" grpId="0"/>
+    </p:bldLst>
+  </p:timing>
 </p:sld>
 </file>
 
@@ -7887,6 +8646,10 @@
             <a:endParaRPr lang="en-AU" dirty="0"/>
           </a:p>
           <a:p>
+            <a:pPr marL="285750" indent="-285750">
+              <a:buFont typeface="Arial" panose="020B0604020202020204" pitchFamily="34" charset="0"/>
+              <a:buChar char="•"/>
+            </a:pPr>
             <a:r>
               <a:rPr lang="en-AU" b="1" dirty="0"/>
               <a:t>Split into 16x16 Patches</a:t>
@@ -7897,6 +8660,10 @@
             </a:r>
           </a:p>
           <a:p>
+            <a:pPr marL="285750" indent="-285750">
+              <a:buFont typeface="Arial" panose="020B0604020202020204" pitchFamily="34" charset="0"/>
+              <a:buChar char="•"/>
+            </a:pPr>
             <a:r>
               <a:rPr lang="en-AU" b="1" dirty="0"/>
               <a:t>Linear Projection</a:t>
@@ -7907,6 +8674,10 @@
             </a:r>
           </a:p>
           <a:p>
+            <a:pPr marL="285750" indent="-285750">
+              <a:buFont typeface="Arial" panose="020B0604020202020204" pitchFamily="34" charset="0"/>
+              <a:buChar char="•"/>
+            </a:pPr>
             <a:r>
               <a:rPr lang="en-AU" b="1" dirty="0"/>
               <a:t>Position Encoding</a:t>
@@ -7917,6 +8688,10 @@
             </a:r>
           </a:p>
           <a:p>
+            <a:pPr marL="285750" indent="-285750">
+              <a:buFont typeface="Arial" panose="020B0604020202020204" pitchFamily="34" charset="0"/>
+              <a:buChar char="•"/>
+            </a:pPr>
             <a:r>
               <a:rPr lang="en-AU" b="1" dirty="0"/>
               <a:t>Result</a:t>
@@ -7980,6 +8755,84 @@
   <p:clrMapOvr>
     <a:masterClrMapping/>
   </p:clrMapOvr>
+  <p:timing>
+    <p:tnLst>
+      <p:par>
+        <p:cTn id="1" dur="indefinite" restart="never" nodeType="tmRoot">
+          <p:childTnLst>
+            <p:seq concurrent="1" nextAc="seek">
+              <p:cTn id="2" dur="indefinite" nodeType="mainSeq">
+                <p:childTnLst>
+                  <p:par>
+                    <p:cTn id="3" fill="hold">
+                      <p:stCondLst>
+                        <p:cond delay="indefinite"/>
+                      </p:stCondLst>
+                      <p:childTnLst>
+                        <p:par>
+                          <p:cTn id="4" fill="hold">
+                            <p:stCondLst>
+                              <p:cond delay="0"/>
+                            </p:stCondLst>
+                            <p:childTnLst>
+                              <p:par>
+                                <p:cTn id="5" presetID="1" presetClass="entr" presetSubtype="0" fill="hold" grpId="0" nodeType="clickEffect">
+                                  <p:stCondLst>
+                                    <p:cond delay="0"/>
+                                  </p:stCondLst>
+                                  <p:childTnLst>
+                                    <p:set>
+                                      <p:cBhvr>
+                                        <p:cTn id="6" dur="1" fill="hold">
+                                          <p:stCondLst>
+                                            <p:cond delay="0"/>
+                                          </p:stCondLst>
+                                        </p:cTn>
+                                        <p:tgtEl>
+                                          <p:spTgt spid="6"/>
+                                        </p:tgtEl>
+                                        <p:attrNameLst>
+                                          <p:attrName>style.visibility</p:attrName>
+                                        </p:attrNameLst>
+                                      </p:cBhvr>
+                                      <p:to>
+                                        <p:strVal val="visible"/>
+                                      </p:to>
+                                    </p:set>
+                                  </p:childTnLst>
+                                </p:cTn>
+                              </p:par>
+                            </p:childTnLst>
+                          </p:cTn>
+                        </p:par>
+                      </p:childTnLst>
+                    </p:cTn>
+                  </p:par>
+                </p:childTnLst>
+              </p:cTn>
+              <p:prevCondLst>
+                <p:cond evt="onPrev" delay="0">
+                  <p:tgtEl>
+                    <p:sldTgt/>
+                  </p:tgtEl>
+                </p:cond>
+              </p:prevCondLst>
+              <p:nextCondLst>
+                <p:cond evt="onNext" delay="0">
+                  <p:tgtEl>
+                    <p:sldTgt/>
+                  </p:tgtEl>
+                </p:cond>
+              </p:nextCondLst>
+            </p:seq>
+          </p:childTnLst>
+        </p:cTn>
+      </p:par>
+    </p:tnLst>
+    <p:bldLst>
+      <p:bldP spid="6" grpId="0"/>
+    </p:bldLst>
+  </p:timing>
 </p:sld>
 </file>
 
@@ -8076,6 +8929,10 @@
             <a:endParaRPr lang="en-AU" dirty="0"/>
           </a:p>
           <a:p>
+            <a:pPr marL="285750" indent="-285750">
+              <a:buFont typeface="Arial" panose="020B0604020202020204" pitchFamily="34" charset="0"/>
+              <a:buChar char="•"/>
+            </a:pPr>
             <a:r>
               <a:rPr lang="en-AU" b="1" dirty="0"/>
               <a:t>Multi-Head Self-Attention</a:t>
@@ -8086,6 +8943,10 @@
             </a:r>
           </a:p>
           <a:p>
+            <a:pPr marL="285750" indent="-285750">
+              <a:buFont typeface="Arial" panose="020B0604020202020204" pitchFamily="34" charset="0"/>
+              <a:buChar char="•"/>
+            </a:pPr>
             <a:r>
               <a:rPr lang="en-AU" b="1" dirty="0"/>
               <a:t>Feed Forward Networks</a:t>
@@ -8096,6 +8957,10 @@
             </a:r>
           </a:p>
           <a:p>
+            <a:pPr marL="285750" indent="-285750">
+              <a:buFont typeface="Arial" panose="020B0604020202020204" pitchFamily="34" charset="0"/>
+              <a:buChar char="•"/>
+            </a:pPr>
             <a:r>
               <a:rPr lang="en-AU" b="1" dirty="0"/>
               <a:t>Layer Iteration</a:t>
@@ -8106,6 +8971,10 @@
             </a:r>
           </a:p>
           <a:p>
+            <a:pPr marL="285750" indent="-285750">
+              <a:buFont typeface="Arial" panose="020B0604020202020204" pitchFamily="34" charset="0"/>
+              <a:buChar char="•"/>
+            </a:pPr>
             <a:r>
               <a:rPr lang="en-AU" b="1" dirty="0"/>
               <a:t>Key Innovation</a:t>
@@ -8169,6 +9038,84 @@
   <p:clrMapOvr>
     <a:masterClrMapping/>
   </p:clrMapOvr>
+  <p:timing>
+    <p:tnLst>
+      <p:par>
+        <p:cTn id="1" dur="indefinite" restart="never" nodeType="tmRoot">
+          <p:childTnLst>
+            <p:seq concurrent="1" nextAc="seek">
+              <p:cTn id="2" dur="indefinite" nodeType="mainSeq">
+                <p:childTnLst>
+                  <p:par>
+                    <p:cTn id="3" fill="hold">
+                      <p:stCondLst>
+                        <p:cond delay="indefinite"/>
+                      </p:stCondLst>
+                      <p:childTnLst>
+                        <p:par>
+                          <p:cTn id="4" fill="hold">
+                            <p:stCondLst>
+                              <p:cond delay="0"/>
+                            </p:stCondLst>
+                            <p:childTnLst>
+                              <p:par>
+                                <p:cTn id="5" presetID="1" presetClass="entr" presetSubtype="0" fill="hold" grpId="0" nodeType="clickEffect">
+                                  <p:stCondLst>
+                                    <p:cond delay="0"/>
+                                  </p:stCondLst>
+                                  <p:childTnLst>
+                                    <p:set>
+                                      <p:cBhvr>
+                                        <p:cTn id="6" dur="1" fill="hold">
+                                          <p:stCondLst>
+                                            <p:cond delay="0"/>
+                                          </p:stCondLst>
+                                        </p:cTn>
+                                        <p:tgtEl>
+                                          <p:spTgt spid="6"/>
+                                        </p:tgtEl>
+                                        <p:attrNameLst>
+                                          <p:attrName>style.visibility</p:attrName>
+                                        </p:attrNameLst>
+                                      </p:cBhvr>
+                                      <p:to>
+                                        <p:strVal val="visible"/>
+                                      </p:to>
+                                    </p:set>
+                                  </p:childTnLst>
+                                </p:cTn>
+                              </p:par>
+                            </p:childTnLst>
+                          </p:cTn>
+                        </p:par>
+                      </p:childTnLst>
+                    </p:cTn>
+                  </p:par>
+                </p:childTnLst>
+              </p:cTn>
+              <p:prevCondLst>
+                <p:cond evt="onPrev" delay="0">
+                  <p:tgtEl>
+                    <p:sldTgt/>
+                  </p:tgtEl>
+                </p:cond>
+              </p:prevCondLst>
+              <p:nextCondLst>
+                <p:cond evt="onNext" delay="0">
+                  <p:tgtEl>
+                    <p:sldTgt/>
+                  </p:tgtEl>
+                </p:cond>
+              </p:nextCondLst>
+            </p:seq>
+          </p:childTnLst>
+        </p:cTn>
+      </p:par>
+    </p:tnLst>
+    <p:bldLst>
+      <p:bldP spid="6" grpId="0"/>
+    </p:bldLst>
+  </p:timing>
 </p:sld>
 </file>
 
@@ -8265,6 +9212,10 @@
             <a:endParaRPr lang="en-AU" dirty="0"/>
           </a:p>
           <a:p>
+            <a:pPr marL="285750" indent="-285750">
+              <a:buFont typeface="Arial" panose="020B0604020202020204" pitchFamily="34" charset="0"/>
+              <a:buChar char="•"/>
+            </a:pPr>
             <a:r>
               <a:rPr lang="en-AU" b="1" dirty="0"/>
               <a:t>Vision-Language Fusion</a:t>
@@ -8275,6 +9226,10 @@
             </a:r>
           </a:p>
           <a:p>
+            <a:pPr marL="285750" indent="-285750">
+              <a:buFont typeface="Arial" panose="020B0604020202020204" pitchFamily="34" charset="0"/>
+              <a:buChar char="•"/>
+            </a:pPr>
             <a:r>
               <a:rPr lang="en-AU" b="1" dirty="0"/>
               <a:t>Language Model Head</a:t>
@@ -8285,6 +9240,10 @@
             </a:r>
           </a:p>
           <a:p>
+            <a:pPr marL="285750" indent="-285750">
+              <a:buFont typeface="Arial" panose="020B0604020202020204" pitchFamily="34" charset="0"/>
+              <a:buChar char="•"/>
+            </a:pPr>
             <a:r>
               <a:rPr lang="en-AU" b="1" dirty="0"/>
               <a:t>Structured Output</a:t>
@@ -8395,6 +9354,84 @@
   <p:clrMapOvr>
     <a:masterClrMapping/>
   </p:clrMapOvr>
+  <p:timing>
+    <p:tnLst>
+      <p:par>
+        <p:cTn id="1" dur="indefinite" restart="never" nodeType="tmRoot">
+          <p:childTnLst>
+            <p:seq concurrent="1" nextAc="seek">
+              <p:cTn id="2" dur="indefinite" nodeType="mainSeq">
+                <p:childTnLst>
+                  <p:par>
+                    <p:cTn id="3" fill="hold">
+                      <p:stCondLst>
+                        <p:cond delay="indefinite"/>
+                      </p:stCondLst>
+                      <p:childTnLst>
+                        <p:par>
+                          <p:cTn id="4" fill="hold">
+                            <p:stCondLst>
+                              <p:cond delay="0"/>
+                            </p:stCondLst>
+                            <p:childTnLst>
+                              <p:par>
+                                <p:cTn id="5" presetID="1" presetClass="entr" presetSubtype="0" fill="hold" grpId="0" nodeType="clickEffect">
+                                  <p:stCondLst>
+                                    <p:cond delay="0"/>
+                                  </p:stCondLst>
+                                  <p:childTnLst>
+                                    <p:set>
+                                      <p:cBhvr>
+                                        <p:cTn id="6" dur="1" fill="hold">
+                                          <p:stCondLst>
+                                            <p:cond delay="0"/>
+                                          </p:stCondLst>
+                                        </p:cTn>
+                                        <p:tgtEl>
+                                          <p:spTgt spid="6"/>
+                                        </p:tgtEl>
+                                        <p:attrNameLst>
+                                          <p:attrName>style.visibility</p:attrName>
+                                        </p:attrNameLst>
+                                      </p:cBhvr>
+                                      <p:to>
+                                        <p:strVal val="visible"/>
+                                      </p:to>
+                                    </p:set>
+                                  </p:childTnLst>
+                                </p:cTn>
+                              </p:par>
+                            </p:childTnLst>
+                          </p:cTn>
+                        </p:par>
+                      </p:childTnLst>
+                    </p:cTn>
+                  </p:par>
+                </p:childTnLst>
+              </p:cTn>
+              <p:prevCondLst>
+                <p:cond evt="onPrev" delay="0">
+                  <p:tgtEl>
+                    <p:sldTgt/>
+                  </p:tgtEl>
+                </p:cond>
+              </p:prevCondLst>
+              <p:nextCondLst>
+                <p:cond evt="onNext" delay="0">
+                  <p:tgtEl>
+                    <p:sldTgt/>
+                  </p:tgtEl>
+                </p:cond>
+              </p:nextCondLst>
+            </p:seq>
+          </p:childTnLst>
+        </p:cTn>
+      </p:par>
+    </p:tnLst>
+    <p:bldLst>
+      <p:bldP spid="6" grpId="0"/>
+    </p:bldLst>
+  </p:timing>
 </p:sld>
 </file>
 
@@ -8557,6 +9594,333 @@
   <p:clrMapOvr>
     <a:masterClrMapping/>
   </p:clrMapOvr>
+  <p:timing>
+    <p:tnLst>
+      <p:par>
+        <p:cTn id="1" dur="indefinite" restart="never" nodeType="tmRoot">
+          <p:childTnLst>
+            <p:seq concurrent="1" nextAc="seek">
+              <p:cTn id="2" dur="indefinite" nodeType="mainSeq">
+                <p:childTnLst>
+                  <p:par>
+                    <p:cTn id="3" fill="hold">
+                      <p:stCondLst>
+                        <p:cond delay="indefinite"/>
+                      </p:stCondLst>
+                      <p:childTnLst>
+                        <p:par>
+                          <p:cTn id="4" fill="hold">
+                            <p:stCondLst>
+                              <p:cond delay="0"/>
+                            </p:stCondLst>
+                            <p:childTnLst>
+                              <p:par>
+                                <p:cTn id="5" presetID="1" presetClass="entr" presetSubtype="0" fill="hold" grpId="0" nodeType="clickEffect">
+                                  <p:stCondLst>
+                                    <p:cond delay="0"/>
+                                  </p:stCondLst>
+                                  <p:childTnLst>
+                                    <p:set>
+                                      <p:cBhvr>
+                                        <p:cTn id="6" dur="1" fill="hold">
+                                          <p:stCondLst>
+                                            <p:cond delay="0"/>
+                                          </p:stCondLst>
+                                        </p:cTn>
+                                        <p:tgtEl>
+                                          <p:spTgt spid="4">
+                                            <p:txEl>
+                                              <p:pRg st="0" end="0"/>
+                                            </p:txEl>
+                                          </p:spTgt>
+                                        </p:tgtEl>
+                                        <p:attrNameLst>
+                                          <p:attrName>style.visibility</p:attrName>
+                                        </p:attrNameLst>
+                                      </p:cBhvr>
+                                      <p:to>
+                                        <p:strVal val="visible"/>
+                                      </p:to>
+                                    </p:set>
+                                  </p:childTnLst>
+                                </p:cTn>
+                              </p:par>
+                            </p:childTnLst>
+                          </p:cTn>
+                        </p:par>
+                      </p:childTnLst>
+                    </p:cTn>
+                  </p:par>
+                  <p:par>
+                    <p:cTn id="7" fill="hold">
+                      <p:stCondLst>
+                        <p:cond delay="indefinite"/>
+                      </p:stCondLst>
+                      <p:childTnLst>
+                        <p:par>
+                          <p:cTn id="8" fill="hold">
+                            <p:stCondLst>
+                              <p:cond delay="0"/>
+                            </p:stCondLst>
+                            <p:childTnLst>
+                              <p:par>
+                                <p:cTn id="9" presetID="1" presetClass="entr" presetSubtype="0" fill="hold" grpId="0" nodeType="clickEffect">
+                                  <p:stCondLst>
+                                    <p:cond delay="0"/>
+                                  </p:stCondLst>
+                                  <p:childTnLst>
+                                    <p:set>
+                                      <p:cBhvr>
+                                        <p:cTn id="10" dur="1" fill="hold">
+                                          <p:stCondLst>
+                                            <p:cond delay="0"/>
+                                          </p:stCondLst>
+                                        </p:cTn>
+                                        <p:tgtEl>
+                                          <p:spTgt spid="4">
+                                            <p:txEl>
+                                              <p:pRg st="1" end="1"/>
+                                            </p:txEl>
+                                          </p:spTgt>
+                                        </p:tgtEl>
+                                        <p:attrNameLst>
+                                          <p:attrName>style.visibility</p:attrName>
+                                        </p:attrNameLst>
+                                      </p:cBhvr>
+                                      <p:to>
+                                        <p:strVal val="visible"/>
+                                      </p:to>
+                                    </p:set>
+                                  </p:childTnLst>
+                                </p:cTn>
+                              </p:par>
+                            </p:childTnLst>
+                          </p:cTn>
+                        </p:par>
+                      </p:childTnLst>
+                    </p:cTn>
+                  </p:par>
+                  <p:par>
+                    <p:cTn id="11" fill="hold">
+                      <p:stCondLst>
+                        <p:cond delay="indefinite"/>
+                      </p:stCondLst>
+                      <p:childTnLst>
+                        <p:par>
+                          <p:cTn id="12" fill="hold">
+                            <p:stCondLst>
+                              <p:cond delay="0"/>
+                            </p:stCondLst>
+                            <p:childTnLst>
+                              <p:par>
+                                <p:cTn id="13" presetID="1" presetClass="entr" presetSubtype="0" fill="hold" grpId="0" nodeType="clickEffect">
+                                  <p:stCondLst>
+                                    <p:cond delay="0"/>
+                                  </p:stCondLst>
+                                  <p:childTnLst>
+                                    <p:set>
+                                      <p:cBhvr>
+                                        <p:cTn id="14" dur="1" fill="hold">
+                                          <p:stCondLst>
+                                            <p:cond delay="0"/>
+                                          </p:stCondLst>
+                                        </p:cTn>
+                                        <p:tgtEl>
+                                          <p:spTgt spid="4">
+                                            <p:txEl>
+                                              <p:pRg st="2" end="2"/>
+                                            </p:txEl>
+                                          </p:spTgt>
+                                        </p:tgtEl>
+                                        <p:attrNameLst>
+                                          <p:attrName>style.visibility</p:attrName>
+                                        </p:attrNameLst>
+                                      </p:cBhvr>
+                                      <p:to>
+                                        <p:strVal val="visible"/>
+                                      </p:to>
+                                    </p:set>
+                                  </p:childTnLst>
+                                </p:cTn>
+                              </p:par>
+                            </p:childTnLst>
+                          </p:cTn>
+                        </p:par>
+                      </p:childTnLst>
+                    </p:cTn>
+                  </p:par>
+                  <p:par>
+                    <p:cTn id="15" fill="hold">
+                      <p:stCondLst>
+                        <p:cond delay="indefinite"/>
+                      </p:stCondLst>
+                      <p:childTnLst>
+                        <p:par>
+                          <p:cTn id="16" fill="hold">
+                            <p:stCondLst>
+                              <p:cond delay="0"/>
+                            </p:stCondLst>
+                            <p:childTnLst>
+                              <p:par>
+                                <p:cTn id="17" presetID="1" presetClass="entr" presetSubtype="0" fill="hold" grpId="0" nodeType="clickEffect">
+                                  <p:stCondLst>
+                                    <p:cond delay="0"/>
+                                  </p:stCondLst>
+                                  <p:childTnLst>
+                                    <p:set>
+                                      <p:cBhvr>
+                                        <p:cTn id="18" dur="1" fill="hold">
+                                          <p:stCondLst>
+                                            <p:cond delay="0"/>
+                                          </p:stCondLst>
+                                        </p:cTn>
+                                        <p:tgtEl>
+                                          <p:spTgt spid="4">
+                                            <p:txEl>
+                                              <p:pRg st="3" end="3"/>
+                                            </p:txEl>
+                                          </p:spTgt>
+                                        </p:tgtEl>
+                                        <p:attrNameLst>
+                                          <p:attrName>style.visibility</p:attrName>
+                                        </p:attrNameLst>
+                                      </p:cBhvr>
+                                      <p:to>
+                                        <p:strVal val="visible"/>
+                                      </p:to>
+                                    </p:set>
+                                  </p:childTnLst>
+                                </p:cTn>
+                              </p:par>
+                            </p:childTnLst>
+                          </p:cTn>
+                        </p:par>
+                      </p:childTnLst>
+                    </p:cTn>
+                  </p:par>
+                  <p:par>
+                    <p:cTn id="19" fill="hold">
+                      <p:stCondLst>
+                        <p:cond delay="indefinite"/>
+                      </p:stCondLst>
+                      <p:childTnLst>
+                        <p:par>
+                          <p:cTn id="20" fill="hold">
+                            <p:stCondLst>
+                              <p:cond delay="0"/>
+                            </p:stCondLst>
+                            <p:childTnLst>
+                              <p:par>
+                                <p:cTn id="21" presetID="1" presetClass="entr" presetSubtype="0" fill="hold" grpId="0" nodeType="clickEffect">
+                                  <p:stCondLst>
+                                    <p:cond delay="0"/>
+                                  </p:stCondLst>
+                                  <p:childTnLst>
+                                    <p:set>
+                                      <p:cBhvr>
+                                        <p:cTn id="22" dur="1" fill="hold">
+                                          <p:stCondLst>
+                                            <p:cond delay="0"/>
+                                          </p:stCondLst>
+                                        </p:cTn>
+                                        <p:tgtEl>
+                                          <p:spTgt spid="4">
+                                            <p:txEl>
+                                              <p:pRg st="4" end="4"/>
+                                            </p:txEl>
+                                          </p:spTgt>
+                                        </p:tgtEl>
+                                        <p:attrNameLst>
+                                          <p:attrName>style.visibility</p:attrName>
+                                        </p:attrNameLst>
+                                      </p:cBhvr>
+                                      <p:to>
+                                        <p:strVal val="visible"/>
+                                      </p:to>
+                                    </p:set>
+                                  </p:childTnLst>
+                                </p:cTn>
+                              </p:par>
+                            </p:childTnLst>
+                          </p:cTn>
+                        </p:par>
+                      </p:childTnLst>
+                    </p:cTn>
+                  </p:par>
+                  <p:par>
+                    <p:cTn id="23" fill="hold">
+                      <p:stCondLst>
+                        <p:cond delay="indefinite"/>
+                      </p:stCondLst>
+                      <p:childTnLst>
+                        <p:par>
+                          <p:cTn id="24" fill="hold">
+                            <p:stCondLst>
+                              <p:cond delay="0"/>
+                            </p:stCondLst>
+                            <p:childTnLst>
+                              <p:par>
+                                <p:cTn id="25" presetID="1" presetClass="entr" presetSubtype="0" fill="hold" grpId="0" nodeType="clickEffect">
+                                  <p:stCondLst>
+                                    <p:cond delay="0"/>
+                                  </p:stCondLst>
+                                  <p:childTnLst>
+                                    <p:set>
+                                      <p:cBhvr>
+                                        <p:cTn id="26" dur="1" fill="hold">
+                                          <p:stCondLst>
+                                            <p:cond delay="0"/>
+                                          </p:stCondLst>
+                                        </p:cTn>
+                                        <p:tgtEl>
+                                          <p:spTgt spid="4">
+                                            <p:txEl>
+                                              <p:pRg st="5" end="5"/>
+                                            </p:txEl>
+                                          </p:spTgt>
+                                        </p:tgtEl>
+                                        <p:attrNameLst>
+                                          <p:attrName>style.visibility</p:attrName>
+                                        </p:attrNameLst>
+                                      </p:cBhvr>
+                                      <p:to>
+                                        <p:strVal val="visible"/>
+                                      </p:to>
+                                    </p:set>
+                                  </p:childTnLst>
+                                </p:cTn>
+                              </p:par>
+                            </p:childTnLst>
+                          </p:cTn>
+                        </p:par>
+                      </p:childTnLst>
+                    </p:cTn>
+                  </p:par>
+                </p:childTnLst>
+              </p:cTn>
+              <p:prevCondLst>
+                <p:cond evt="onPrev" delay="0">
+                  <p:tgtEl>
+                    <p:sldTgt/>
+                  </p:tgtEl>
+                </p:cond>
+              </p:prevCondLst>
+              <p:nextCondLst>
+                <p:cond evt="onNext" delay="0">
+                  <p:tgtEl>
+                    <p:sldTgt/>
+                  </p:tgtEl>
+                </p:cond>
+              </p:nextCondLst>
+            </p:seq>
+          </p:childTnLst>
+        </p:cTn>
+      </p:par>
+    </p:tnLst>
+    <p:bldLst>
+      <p:bldP spid="4" grpId="0" build="p"/>
+    </p:bldLst>
+  </p:timing>
 </p:sld>
 </file>
 
@@ -9227,13 +10591,17 @@
         </p:spPr>
         <p:txBody>
           <a:bodyPr>
-            <a:normAutofit/>
+            <a:normAutofit fontScale="90000"/>
           </a:bodyPr>
           <a:lstStyle/>
           <a:p>
             <a:r>
+              <a:rPr lang="en-AU" b="1" dirty="0" err="1"/>
+              <a:t>Summary:End-to-End</a:t>
+            </a:r>
+            <a:r>
               <a:rPr lang="en-AU" b="1" dirty="0"/>
-              <a:t>End-to-End Document Understanding</a:t>
+              <a:t> Document Understanding</a:t>
             </a:r>
             <a:br>
               <a:rPr lang="en-AU" b="1" dirty="0"/>
@@ -9313,6 +10681,10 @@
             </a:r>
           </a:p>
           <a:p>
+            <a:pPr marL="285750" indent="-285750">
+              <a:buFont typeface="Arial" panose="020B0604020202020204" pitchFamily="34" charset="0"/>
+              <a:buChar char="•"/>
+            </a:pPr>
             <a:r>
               <a:rPr lang="en-AU" b="1" dirty="0"/>
               <a:t>Patch Analysis</a:t>
@@ -9323,6 +10695,10 @@
             </a:r>
           </a:p>
           <a:p>
+            <a:pPr marL="285750" indent="-285750">
+              <a:buFont typeface="Arial" panose="020B0604020202020204" pitchFamily="34" charset="0"/>
+              <a:buChar char="•"/>
+            </a:pPr>
             <a:r>
               <a:rPr lang="en-AU" b="1" dirty="0"/>
               <a:t>Semantic Understanding</a:t>
@@ -9333,6 +10709,10 @@
             </a:r>
           </a:p>
           <a:p>
+            <a:pPr marL="285750" indent="-285750">
+              <a:buFont typeface="Arial" panose="020B0604020202020204" pitchFamily="34" charset="0"/>
+              <a:buChar char="•"/>
+            </a:pPr>
             <a:r>
               <a:rPr lang="en-AU" b="1" dirty="0"/>
               <a:t>Output Generation</a:t>
@@ -9364,6 +10744,84 @@
   <p:clrMapOvr>
     <a:masterClrMapping/>
   </p:clrMapOvr>
+  <p:timing>
+    <p:tnLst>
+      <p:par>
+        <p:cTn id="1" dur="indefinite" restart="never" nodeType="tmRoot">
+          <p:childTnLst>
+            <p:seq concurrent="1" nextAc="seek">
+              <p:cTn id="2" dur="indefinite" nodeType="mainSeq">
+                <p:childTnLst>
+                  <p:par>
+                    <p:cTn id="3" fill="hold">
+                      <p:stCondLst>
+                        <p:cond delay="indefinite"/>
+                      </p:stCondLst>
+                      <p:childTnLst>
+                        <p:par>
+                          <p:cTn id="4" fill="hold">
+                            <p:stCondLst>
+                              <p:cond delay="0"/>
+                            </p:stCondLst>
+                            <p:childTnLst>
+                              <p:par>
+                                <p:cTn id="5" presetID="1" presetClass="entr" presetSubtype="0" fill="hold" grpId="0" nodeType="clickEffect">
+                                  <p:stCondLst>
+                                    <p:cond delay="0"/>
+                                  </p:stCondLst>
+                                  <p:childTnLst>
+                                    <p:set>
+                                      <p:cBhvr>
+                                        <p:cTn id="6" dur="1" fill="hold">
+                                          <p:stCondLst>
+                                            <p:cond delay="0"/>
+                                          </p:stCondLst>
+                                        </p:cTn>
+                                        <p:tgtEl>
+                                          <p:spTgt spid="7"/>
+                                        </p:tgtEl>
+                                        <p:attrNameLst>
+                                          <p:attrName>style.visibility</p:attrName>
+                                        </p:attrNameLst>
+                                      </p:cBhvr>
+                                      <p:to>
+                                        <p:strVal val="visible"/>
+                                      </p:to>
+                                    </p:set>
+                                  </p:childTnLst>
+                                </p:cTn>
+                              </p:par>
+                            </p:childTnLst>
+                          </p:cTn>
+                        </p:par>
+                      </p:childTnLst>
+                    </p:cTn>
+                  </p:par>
+                </p:childTnLst>
+              </p:cTn>
+              <p:prevCondLst>
+                <p:cond evt="onPrev" delay="0">
+                  <p:tgtEl>
+                    <p:sldTgt/>
+                  </p:tgtEl>
+                </p:cond>
+              </p:prevCondLst>
+              <p:nextCondLst>
+                <p:cond evt="onNext" delay="0">
+                  <p:tgtEl>
+                    <p:sldTgt/>
+                  </p:tgtEl>
+                </p:cond>
+              </p:nextCondLst>
+            </p:seq>
+          </p:childTnLst>
+        </p:cTn>
+      </p:par>
+    </p:tnLst>
+    <p:bldLst>
+      <p:bldP spid="7" grpId="0"/>
+    </p:bldLst>
+  </p:timing>
 </p:sld>
 </file>
 
@@ -9554,6 +11012,444 @@
   <p:clrMapOvr>
     <a:masterClrMapping/>
   </p:clrMapOvr>
+  <p:timing>
+    <p:tnLst>
+      <p:par>
+        <p:cTn id="1" dur="indefinite" restart="never" nodeType="tmRoot">
+          <p:childTnLst>
+            <p:seq concurrent="1" nextAc="seek">
+              <p:cTn id="2" dur="indefinite" nodeType="mainSeq">
+                <p:childTnLst>
+                  <p:par>
+                    <p:cTn id="3" fill="hold">
+                      <p:stCondLst>
+                        <p:cond delay="indefinite"/>
+                      </p:stCondLst>
+                      <p:childTnLst>
+                        <p:par>
+                          <p:cTn id="4" fill="hold">
+                            <p:stCondLst>
+                              <p:cond delay="0"/>
+                            </p:stCondLst>
+                            <p:childTnLst>
+                              <p:par>
+                                <p:cTn id="5" presetID="1" presetClass="entr" presetSubtype="0" fill="hold" grpId="0" nodeType="clickEffect">
+                                  <p:stCondLst>
+                                    <p:cond delay="0"/>
+                                  </p:stCondLst>
+                                  <p:childTnLst>
+                                    <p:set>
+                                      <p:cBhvr>
+                                        <p:cTn id="6" dur="1" fill="hold">
+                                          <p:stCondLst>
+                                            <p:cond delay="0"/>
+                                          </p:stCondLst>
+                                        </p:cTn>
+                                        <p:tgtEl>
+                                          <p:spTgt spid="3">
+                                            <p:txEl>
+                                              <p:pRg st="0" end="0"/>
+                                            </p:txEl>
+                                          </p:spTgt>
+                                        </p:tgtEl>
+                                        <p:attrNameLst>
+                                          <p:attrName>style.visibility</p:attrName>
+                                        </p:attrNameLst>
+                                      </p:cBhvr>
+                                      <p:to>
+                                        <p:strVal val="visible"/>
+                                      </p:to>
+                                    </p:set>
+                                  </p:childTnLst>
+                                </p:cTn>
+                              </p:par>
+                            </p:childTnLst>
+                          </p:cTn>
+                        </p:par>
+                      </p:childTnLst>
+                    </p:cTn>
+                  </p:par>
+                  <p:par>
+                    <p:cTn id="7" fill="hold">
+                      <p:stCondLst>
+                        <p:cond delay="indefinite"/>
+                      </p:stCondLst>
+                      <p:childTnLst>
+                        <p:par>
+                          <p:cTn id="8" fill="hold">
+                            <p:stCondLst>
+                              <p:cond delay="0"/>
+                            </p:stCondLst>
+                            <p:childTnLst>
+                              <p:par>
+                                <p:cTn id="9" presetID="1" presetClass="entr" presetSubtype="0" fill="hold" grpId="0" nodeType="clickEffect">
+                                  <p:stCondLst>
+                                    <p:cond delay="0"/>
+                                  </p:stCondLst>
+                                  <p:childTnLst>
+                                    <p:set>
+                                      <p:cBhvr>
+                                        <p:cTn id="10" dur="1" fill="hold">
+                                          <p:stCondLst>
+                                            <p:cond delay="0"/>
+                                          </p:stCondLst>
+                                        </p:cTn>
+                                        <p:tgtEl>
+                                          <p:spTgt spid="3">
+                                            <p:txEl>
+                                              <p:pRg st="1" end="1"/>
+                                            </p:txEl>
+                                          </p:spTgt>
+                                        </p:tgtEl>
+                                        <p:attrNameLst>
+                                          <p:attrName>style.visibility</p:attrName>
+                                        </p:attrNameLst>
+                                      </p:cBhvr>
+                                      <p:to>
+                                        <p:strVal val="visible"/>
+                                      </p:to>
+                                    </p:set>
+                                  </p:childTnLst>
+                                </p:cTn>
+                              </p:par>
+                            </p:childTnLst>
+                          </p:cTn>
+                        </p:par>
+                      </p:childTnLst>
+                    </p:cTn>
+                  </p:par>
+                  <p:par>
+                    <p:cTn id="11" fill="hold">
+                      <p:stCondLst>
+                        <p:cond delay="indefinite"/>
+                      </p:stCondLst>
+                      <p:childTnLst>
+                        <p:par>
+                          <p:cTn id="12" fill="hold">
+                            <p:stCondLst>
+                              <p:cond delay="0"/>
+                            </p:stCondLst>
+                            <p:childTnLst>
+                              <p:par>
+                                <p:cTn id="13" presetID="1" presetClass="entr" presetSubtype="0" fill="hold" grpId="0" nodeType="clickEffect">
+                                  <p:stCondLst>
+                                    <p:cond delay="0"/>
+                                  </p:stCondLst>
+                                  <p:childTnLst>
+                                    <p:set>
+                                      <p:cBhvr>
+                                        <p:cTn id="14" dur="1" fill="hold">
+                                          <p:stCondLst>
+                                            <p:cond delay="0"/>
+                                          </p:stCondLst>
+                                        </p:cTn>
+                                        <p:tgtEl>
+                                          <p:spTgt spid="3">
+                                            <p:txEl>
+                                              <p:pRg st="2" end="2"/>
+                                            </p:txEl>
+                                          </p:spTgt>
+                                        </p:tgtEl>
+                                        <p:attrNameLst>
+                                          <p:attrName>style.visibility</p:attrName>
+                                        </p:attrNameLst>
+                                      </p:cBhvr>
+                                      <p:to>
+                                        <p:strVal val="visible"/>
+                                      </p:to>
+                                    </p:set>
+                                  </p:childTnLst>
+                                </p:cTn>
+                              </p:par>
+                            </p:childTnLst>
+                          </p:cTn>
+                        </p:par>
+                      </p:childTnLst>
+                    </p:cTn>
+                  </p:par>
+                  <p:par>
+                    <p:cTn id="15" fill="hold">
+                      <p:stCondLst>
+                        <p:cond delay="indefinite"/>
+                      </p:stCondLst>
+                      <p:childTnLst>
+                        <p:par>
+                          <p:cTn id="16" fill="hold">
+                            <p:stCondLst>
+                              <p:cond delay="0"/>
+                            </p:stCondLst>
+                            <p:childTnLst>
+                              <p:par>
+                                <p:cTn id="17" presetID="1" presetClass="entr" presetSubtype="0" fill="hold" grpId="0" nodeType="clickEffect">
+                                  <p:stCondLst>
+                                    <p:cond delay="0"/>
+                                  </p:stCondLst>
+                                  <p:childTnLst>
+                                    <p:set>
+                                      <p:cBhvr>
+                                        <p:cTn id="18" dur="1" fill="hold">
+                                          <p:stCondLst>
+                                            <p:cond delay="0"/>
+                                          </p:stCondLst>
+                                        </p:cTn>
+                                        <p:tgtEl>
+                                          <p:spTgt spid="3">
+                                            <p:txEl>
+                                              <p:pRg st="3" end="3"/>
+                                            </p:txEl>
+                                          </p:spTgt>
+                                        </p:tgtEl>
+                                        <p:attrNameLst>
+                                          <p:attrName>style.visibility</p:attrName>
+                                        </p:attrNameLst>
+                                      </p:cBhvr>
+                                      <p:to>
+                                        <p:strVal val="visible"/>
+                                      </p:to>
+                                    </p:set>
+                                  </p:childTnLst>
+                                </p:cTn>
+                              </p:par>
+                            </p:childTnLst>
+                          </p:cTn>
+                        </p:par>
+                      </p:childTnLst>
+                    </p:cTn>
+                  </p:par>
+                  <p:par>
+                    <p:cTn id="19" fill="hold">
+                      <p:stCondLst>
+                        <p:cond delay="indefinite"/>
+                      </p:stCondLst>
+                      <p:childTnLst>
+                        <p:par>
+                          <p:cTn id="20" fill="hold">
+                            <p:stCondLst>
+                              <p:cond delay="0"/>
+                            </p:stCondLst>
+                            <p:childTnLst>
+                              <p:par>
+                                <p:cTn id="21" presetID="1" presetClass="entr" presetSubtype="0" fill="hold" grpId="0" nodeType="clickEffect">
+                                  <p:stCondLst>
+                                    <p:cond delay="0"/>
+                                  </p:stCondLst>
+                                  <p:childTnLst>
+                                    <p:set>
+                                      <p:cBhvr>
+                                        <p:cTn id="22" dur="1" fill="hold">
+                                          <p:stCondLst>
+                                            <p:cond delay="0"/>
+                                          </p:stCondLst>
+                                        </p:cTn>
+                                        <p:tgtEl>
+                                          <p:spTgt spid="3">
+                                            <p:txEl>
+                                              <p:pRg st="4" end="4"/>
+                                            </p:txEl>
+                                          </p:spTgt>
+                                        </p:tgtEl>
+                                        <p:attrNameLst>
+                                          <p:attrName>style.visibility</p:attrName>
+                                        </p:attrNameLst>
+                                      </p:cBhvr>
+                                      <p:to>
+                                        <p:strVal val="visible"/>
+                                      </p:to>
+                                    </p:set>
+                                  </p:childTnLst>
+                                </p:cTn>
+                              </p:par>
+                            </p:childTnLst>
+                          </p:cTn>
+                        </p:par>
+                      </p:childTnLst>
+                    </p:cTn>
+                  </p:par>
+                  <p:par>
+                    <p:cTn id="23" fill="hold">
+                      <p:stCondLst>
+                        <p:cond delay="indefinite"/>
+                      </p:stCondLst>
+                      <p:childTnLst>
+                        <p:par>
+                          <p:cTn id="24" fill="hold">
+                            <p:stCondLst>
+                              <p:cond delay="0"/>
+                            </p:stCondLst>
+                            <p:childTnLst>
+                              <p:par>
+                                <p:cTn id="25" presetID="1" presetClass="entr" presetSubtype="0" fill="hold" grpId="0" nodeType="clickEffect">
+                                  <p:stCondLst>
+                                    <p:cond delay="0"/>
+                                  </p:stCondLst>
+                                  <p:childTnLst>
+                                    <p:set>
+                                      <p:cBhvr>
+                                        <p:cTn id="26" dur="1" fill="hold">
+                                          <p:stCondLst>
+                                            <p:cond delay="0"/>
+                                          </p:stCondLst>
+                                        </p:cTn>
+                                        <p:tgtEl>
+                                          <p:spTgt spid="3">
+                                            <p:txEl>
+                                              <p:pRg st="5" end="5"/>
+                                            </p:txEl>
+                                          </p:spTgt>
+                                        </p:tgtEl>
+                                        <p:attrNameLst>
+                                          <p:attrName>style.visibility</p:attrName>
+                                        </p:attrNameLst>
+                                      </p:cBhvr>
+                                      <p:to>
+                                        <p:strVal val="visible"/>
+                                      </p:to>
+                                    </p:set>
+                                  </p:childTnLst>
+                                </p:cTn>
+                              </p:par>
+                            </p:childTnLst>
+                          </p:cTn>
+                        </p:par>
+                      </p:childTnLst>
+                    </p:cTn>
+                  </p:par>
+                  <p:par>
+                    <p:cTn id="27" fill="hold">
+                      <p:stCondLst>
+                        <p:cond delay="indefinite"/>
+                      </p:stCondLst>
+                      <p:childTnLst>
+                        <p:par>
+                          <p:cTn id="28" fill="hold">
+                            <p:stCondLst>
+                              <p:cond delay="0"/>
+                            </p:stCondLst>
+                            <p:childTnLst>
+                              <p:par>
+                                <p:cTn id="29" presetID="1" presetClass="entr" presetSubtype="0" fill="hold" grpId="0" nodeType="clickEffect">
+                                  <p:stCondLst>
+                                    <p:cond delay="0"/>
+                                  </p:stCondLst>
+                                  <p:childTnLst>
+                                    <p:set>
+                                      <p:cBhvr>
+                                        <p:cTn id="30" dur="1" fill="hold">
+                                          <p:stCondLst>
+                                            <p:cond delay="0"/>
+                                          </p:stCondLst>
+                                        </p:cTn>
+                                        <p:tgtEl>
+                                          <p:spTgt spid="3">
+                                            <p:txEl>
+                                              <p:pRg st="6" end="6"/>
+                                            </p:txEl>
+                                          </p:spTgt>
+                                        </p:tgtEl>
+                                        <p:attrNameLst>
+                                          <p:attrName>style.visibility</p:attrName>
+                                        </p:attrNameLst>
+                                      </p:cBhvr>
+                                      <p:to>
+                                        <p:strVal val="visible"/>
+                                      </p:to>
+                                    </p:set>
+                                  </p:childTnLst>
+                                </p:cTn>
+                              </p:par>
+                              <p:par>
+                                <p:cTn id="31" presetID="1" presetClass="entr" presetSubtype="0" fill="hold" grpId="0" nodeType="withEffect">
+                                  <p:stCondLst>
+                                    <p:cond delay="0"/>
+                                  </p:stCondLst>
+                                  <p:childTnLst>
+                                    <p:set>
+                                      <p:cBhvr>
+                                        <p:cTn id="32" dur="1" fill="hold">
+                                          <p:stCondLst>
+                                            <p:cond delay="0"/>
+                                          </p:stCondLst>
+                                        </p:cTn>
+                                        <p:tgtEl>
+                                          <p:spTgt spid="3">
+                                            <p:txEl>
+                                              <p:pRg st="7" end="7"/>
+                                            </p:txEl>
+                                          </p:spTgt>
+                                        </p:tgtEl>
+                                        <p:attrNameLst>
+                                          <p:attrName>style.visibility</p:attrName>
+                                        </p:attrNameLst>
+                                      </p:cBhvr>
+                                      <p:to>
+                                        <p:strVal val="visible"/>
+                                      </p:to>
+                                    </p:set>
+                                  </p:childTnLst>
+                                </p:cTn>
+                              </p:par>
+                              <p:par>
+                                <p:cTn id="33" presetID="1" presetClass="entr" presetSubtype="0" fill="hold" grpId="0" nodeType="withEffect">
+                                  <p:stCondLst>
+                                    <p:cond delay="0"/>
+                                  </p:stCondLst>
+                                  <p:childTnLst>
+                                    <p:set>
+                                      <p:cBhvr>
+                                        <p:cTn id="34" dur="1" fill="hold">
+                                          <p:stCondLst>
+                                            <p:cond delay="0"/>
+                                          </p:stCondLst>
+                                        </p:cTn>
+                                        <p:tgtEl>
+                                          <p:spTgt spid="3">
+                                            <p:txEl>
+                                              <p:pRg st="8" end="8"/>
+                                            </p:txEl>
+                                          </p:spTgt>
+                                        </p:tgtEl>
+                                        <p:attrNameLst>
+                                          <p:attrName>style.visibility</p:attrName>
+                                        </p:attrNameLst>
+                                      </p:cBhvr>
+                                      <p:to>
+                                        <p:strVal val="visible"/>
+                                      </p:to>
+                                    </p:set>
+                                  </p:childTnLst>
+                                </p:cTn>
+                              </p:par>
+                            </p:childTnLst>
+                          </p:cTn>
+                        </p:par>
+                      </p:childTnLst>
+                    </p:cTn>
+                  </p:par>
+                </p:childTnLst>
+              </p:cTn>
+              <p:prevCondLst>
+                <p:cond evt="onPrev" delay="0">
+                  <p:tgtEl>
+                    <p:sldTgt/>
+                  </p:tgtEl>
+                </p:cond>
+              </p:prevCondLst>
+              <p:nextCondLst>
+                <p:cond evt="onNext" delay="0">
+                  <p:tgtEl>
+                    <p:sldTgt/>
+                  </p:tgtEl>
+                </p:cond>
+              </p:nextCondLst>
+            </p:seq>
+          </p:childTnLst>
+        </p:cTn>
+      </p:par>
+    </p:tnLst>
+    <p:bldLst>
+      <p:bldP spid="3" grpId="0" build="p"/>
+    </p:bldLst>
+  </p:timing>
 </p:sld>
 </file>
 
@@ -9768,10 +11664,1022 @@
   <p:clrMapOvr>
     <a:masterClrMapping/>
   </p:clrMapOvr>
+  <p:timing>
+    <p:tnLst>
+      <p:par>
+        <p:cTn id="1" dur="indefinite" restart="never" nodeType="tmRoot">
+          <p:childTnLst>
+            <p:seq concurrent="1" nextAc="seek">
+              <p:cTn id="2" dur="indefinite" nodeType="mainSeq">
+                <p:childTnLst>
+                  <p:par>
+                    <p:cTn id="3" fill="hold">
+                      <p:stCondLst>
+                        <p:cond delay="indefinite"/>
+                      </p:stCondLst>
+                      <p:childTnLst>
+                        <p:par>
+                          <p:cTn id="4" fill="hold">
+                            <p:stCondLst>
+                              <p:cond delay="0"/>
+                            </p:stCondLst>
+                            <p:childTnLst>
+                              <p:par>
+                                <p:cTn id="5" presetID="1" presetClass="entr" presetSubtype="0" fill="hold" grpId="0" nodeType="clickEffect">
+                                  <p:stCondLst>
+                                    <p:cond delay="0"/>
+                                  </p:stCondLst>
+                                  <p:childTnLst>
+                                    <p:set>
+                                      <p:cBhvr>
+                                        <p:cTn id="6" dur="1" fill="hold">
+                                          <p:stCondLst>
+                                            <p:cond delay="0"/>
+                                          </p:stCondLst>
+                                        </p:cTn>
+                                        <p:tgtEl>
+                                          <p:spTgt spid="4">
+                                            <p:txEl>
+                                              <p:pRg st="0" end="0"/>
+                                            </p:txEl>
+                                          </p:spTgt>
+                                        </p:tgtEl>
+                                        <p:attrNameLst>
+                                          <p:attrName>style.visibility</p:attrName>
+                                        </p:attrNameLst>
+                                      </p:cBhvr>
+                                      <p:to>
+                                        <p:strVal val="visible"/>
+                                      </p:to>
+                                    </p:set>
+                                  </p:childTnLst>
+                                </p:cTn>
+                              </p:par>
+                              <p:par>
+                                <p:cTn id="7" presetID="1" presetClass="entr" presetSubtype="0" fill="hold" grpId="0" nodeType="withEffect">
+                                  <p:stCondLst>
+                                    <p:cond delay="0"/>
+                                  </p:stCondLst>
+                                  <p:childTnLst>
+                                    <p:set>
+                                      <p:cBhvr>
+                                        <p:cTn id="8" dur="1" fill="hold">
+                                          <p:stCondLst>
+                                            <p:cond delay="0"/>
+                                          </p:stCondLst>
+                                        </p:cTn>
+                                        <p:tgtEl>
+                                          <p:spTgt spid="4">
+                                            <p:txEl>
+                                              <p:pRg st="1" end="1"/>
+                                            </p:txEl>
+                                          </p:spTgt>
+                                        </p:tgtEl>
+                                        <p:attrNameLst>
+                                          <p:attrName>style.visibility</p:attrName>
+                                        </p:attrNameLst>
+                                      </p:cBhvr>
+                                      <p:to>
+                                        <p:strVal val="visible"/>
+                                      </p:to>
+                                    </p:set>
+                                  </p:childTnLst>
+                                </p:cTn>
+                              </p:par>
+                              <p:par>
+                                <p:cTn id="9" presetID="1" presetClass="entr" presetSubtype="0" fill="hold" grpId="0" nodeType="withEffect">
+                                  <p:stCondLst>
+                                    <p:cond delay="0"/>
+                                  </p:stCondLst>
+                                  <p:childTnLst>
+                                    <p:set>
+                                      <p:cBhvr>
+                                        <p:cTn id="10" dur="1" fill="hold">
+                                          <p:stCondLst>
+                                            <p:cond delay="0"/>
+                                          </p:stCondLst>
+                                        </p:cTn>
+                                        <p:tgtEl>
+                                          <p:spTgt spid="4">
+                                            <p:txEl>
+                                              <p:pRg st="2" end="2"/>
+                                            </p:txEl>
+                                          </p:spTgt>
+                                        </p:tgtEl>
+                                        <p:attrNameLst>
+                                          <p:attrName>style.visibility</p:attrName>
+                                        </p:attrNameLst>
+                                      </p:cBhvr>
+                                      <p:to>
+                                        <p:strVal val="visible"/>
+                                      </p:to>
+                                    </p:set>
+                                  </p:childTnLst>
+                                </p:cTn>
+                              </p:par>
+                              <p:par>
+                                <p:cTn id="11" presetID="1" presetClass="entr" presetSubtype="0" fill="hold" grpId="0" nodeType="withEffect">
+                                  <p:stCondLst>
+                                    <p:cond delay="0"/>
+                                  </p:stCondLst>
+                                  <p:childTnLst>
+                                    <p:set>
+                                      <p:cBhvr>
+                                        <p:cTn id="12" dur="1" fill="hold">
+                                          <p:stCondLst>
+                                            <p:cond delay="0"/>
+                                          </p:stCondLst>
+                                        </p:cTn>
+                                        <p:tgtEl>
+                                          <p:spTgt spid="4">
+                                            <p:txEl>
+                                              <p:pRg st="3" end="3"/>
+                                            </p:txEl>
+                                          </p:spTgt>
+                                        </p:tgtEl>
+                                        <p:attrNameLst>
+                                          <p:attrName>style.visibility</p:attrName>
+                                        </p:attrNameLst>
+                                      </p:cBhvr>
+                                      <p:to>
+                                        <p:strVal val="visible"/>
+                                      </p:to>
+                                    </p:set>
+                                  </p:childTnLst>
+                                </p:cTn>
+                              </p:par>
+                              <p:par>
+                                <p:cTn id="13" presetID="1" presetClass="entr" presetSubtype="0" fill="hold" grpId="0" nodeType="withEffect">
+                                  <p:stCondLst>
+                                    <p:cond delay="0"/>
+                                  </p:stCondLst>
+                                  <p:childTnLst>
+                                    <p:set>
+                                      <p:cBhvr>
+                                        <p:cTn id="14" dur="1" fill="hold">
+                                          <p:stCondLst>
+                                            <p:cond delay="0"/>
+                                          </p:stCondLst>
+                                        </p:cTn>
+                                        <p:tgtEl>
+                                          <p:spTgt spid="4">
+                                            <p:txEl>
+                                              <p:pRg st="4" end="4"/>
+                                            </p:txEl>
+                                          </p:spTgt>
+                                        </p:tgtEl>
+                                        <p:attrNameLst>
+                                          <p:attrName>style.visibility</p:attrName>
+                                        </p:attrNameLst>
+                                      </p:cBhvr>
+                                      <p:to>
+                                        <p:strVal val="visible"/>
+                                      </p:to>
+                                    </p:set>
+                                  </p:childTnLst>
+                                </p:cTn>
+                              </p:par>
+                            </p:childTnLst>
+                          </p:cTn>
+                        </p:par>
+                      </p:childTnLst>
+                    </p:cTn>
+                  </p:par>
+                  <p:par>
+                    <p:cTn id="15" fill="hold">
+                      <p:stCondLst>
+                        <p:cond delay="indefinite"/>
+                      </p:stCondLst>
+                      <p:childTnLst>
+                        <p:par>
+                          <p:cTn id="16" fill="hold">
+                            <p:stCondLst>
+                              <p:cond delay="0"/>
+                            </p:stCondLst>
+                            <p:childTnLst>
+                              <p:par>
+                                <p:cTn id="17" presetID="1" presetClass="entr" presetSubtype="0" fill="hold" grpId="0" nodeType="clickEffect">
+                                  <p:stCondLst>
+                                    <p:cond delay="0"/>
+                                  </p:stCondLst>
+                                  <p:childTnLst>
+                                    <p:set>
+                                      <p:cBhvr>
+                                        <p:cTn id="18" dur="1" fill="hold">
+                                          <p:stCondLst>
+                                            <p:cond delay="0"/>
+                                          </p:stCondLst>
+                                        </p:cTn>
+                                        <p:tgtEl>
+                                          <p:spTgt spid="4">
+                                            <p:txEl>
+                                              <p:pRg st="5" end="5"/>
+                                            </p:txEl>
+                                          </p:spTgt>
+                                        </p:tgtEl>
+                                        <p:attrNameLst>
+                                          <p:attrName>style.visibility</p:attrName>
+                                        </p:attrNameLst>
+                                      </p:cBhvr>
+                                      <p:to>
+                                        <p:strVal val="visible"/>
+                                      </p:to>
+                                    </p:set>
+                                  </p:childTnLst>
+                                </p:cTn>
+                              </p:par>
+                              <p:par>
+                                <p:cTn id="19" presetID="1" presetClass="entr" presetSubtype="0" fill="hold" grpId="0" nodeType="withEffect">
+                                  <p:stCondLst>
+                                    <p:cond delay="0"/>
+                                  </p:stCondLst>
+                                  <p:childTnLst>
+                                    <p:set>
+                                      <p:cBhvr>
+                                        <p:cTn id="20" dur="1" fill="hold">
+                                          <p:stCondLst>
+                                            <p:cond delay="0"/>
+                                          </p:stCondLst>
+                                        </p:cTn>
+                                        <p:tgtEl>
+                                          <p:spTgt spid="4">
+                                            <p:txEl>
+                                              <p:pRg st="6" end="6"/>
+                                            </p:txEl>
+                                          </p:spTgt>
+                                        </p:tgtEl>
+                                        <p:attrNameLst>
+                                          <p:attrName>style.visibility</p:attrName>
+                                        </p:attrNameLst>
+                                      </p:cBhvr>
+                                      <p:to>
+                                        <p:strVal val="visible"/>
+                                      </p:to>
+                                    </p:set>
+                                  </p:childTnLst>
+                                </p:cTn>
+                              </p:par>
+                              <p:par>
+                                <p:cTn id="21" presetID="1" presetClass="entr" presetSubtype="0" fill="hold" grpId="0" nodeType="withEffect">
+                                  <p:stCondLst>
+                                    <p:cond delay="0"/>
+                                  </p:stCondLst>
+                                  <p:childTnLst>
+                                    <p:set>
+                                      <p:cBhvr>
+                                        <p:cTn id="22" dur="1" fill="hold">
+                                          <p:stCondLst>
+                                            <p:cond delay="0"/>
+                                          </p:stCondLst>
+                                        </p:cTn>
+                                        <p:tgtEl>
+                                          <p:spTgt spid="4">
+                                            <p:txEl>
+                                              <p:pRg st="7" end="7"/>
+                                            </p:txEl>
+                                          </p:spTgt>
+                                        </p:tgtEl>
+                                        <p:attrNameLst>
+                                          <p:attrName>style.visibility</p:attrName>
+                                        </p:attrNameLst>
+                                      </p:cBhvr>
+                                      <p:to>
+                                        <p:strVal val="visible"/>
+                                      </p:to>
+                                    </p:set>
+                                  </p:childTnLst>
+                                </p:cTn>
+                              </p:par>
+                              <p:par>
+                                <p:cTn id="23" presetID="1" presetClass="entr" presetSubtype="0" fill="hold" grpId="0" nodeType="withEffect">
+                                  <p:stCondLst>
+                                    <p:cond delay="0"/>
+                                  </p:stCondLst>
+                                  <p:childTnLst>
+                                    <p:set>
+                                      <p:cBhvr>
+                                        <p:cTn id="24" dur="1" fill="hold">
+                                          <p:stCondLst>
+                                            <p:cond delay="0"/>
+                                          </p:stCondLst>
+                                        </p:cTn>
+                                        <p:tgtEl>
+                                          <p:spTgt spid="4">
+                                            <p:txEl>
+                                              <p:pRg st="8" end="8"/>
+                                            </p:txEl>
+                                          </p:spTgt>
+                                        </p:tgtEl>
+                                        <p:attrNameLst>
+                                          <p:attrName>style.visibility</p:attrName>
+                                        </p:attrNameLst>
+                                      </p:cBhvr>
+                                      <p:to>
+                                        <p:strVal val="visible"/>
+                                      </p:to>
+                                    </p:set>
+                                  </p:childTnLst>
+                                </p:cTn>
+                              </p:par>
+                            </p:childTnLst>
+                          </p:cTn>
+                        </p:par>
+                      </p:childTnLst>
+                    </p:cTn>
+                  </p:par>
+                  <p:par>
+                    <p:cTn id="25" fill="hold">
+                      <p:stCondLst>
+                        <p:cond delay="indefinite"/>
+                      </p:stCondLst>
+                      <p:childTnLst>
+                        <p:par>
+                          <p:cTn id="26" fill="hold">
+                            <p:stCondLst>
+                              <p:cond delay="0"/>
+                            </p:stCondLst>
+                            <p:childTnLst>
+                              <p:par>
+                                <p:cTn id="27" presetID="1" presetClass="entr" presetSubtype="0" fill="hold" grpId="0" nodeType="clickEffect">
+                                  <p:stCondLst>
+                                    <p:cond delay="0"/>
+                                  </p:stCondLst>
+                                  <p:childTnLst>
+                                    <p:set>
+                                      <p:cBhvr>
+                                        <p:cTn id="28" dur="1" fill="hold">
+                                          <p:stCondLst>
+                                            <p:cond delay="0"/>
+                                          </p:stCondLst>
+                                        </p:cTn>
+                                        <p:tgtEl>
+                                          <p:spTgt spid="4">
+                                            <p:txEl>
+                                              <p:pRg st="9" end="9"/>
+                                            </p:txEl>
+                                          </p:spTgt>
+                                        </p:tgtEl>
+                                        <p:attrNameLst>
+                                          <p:attrName>style.visibility</p:attrName>
+                                        </p:attrNameLst>
+                                      </p:cBhvr>
+                                      <p:to>
+                                        <p:strVal val="visible"/>
+                                      </p:to>
+                                    </p:set>
+                                  </p:childTnLst>
+                                </p:cTn>
+                              </p:par>
+                              <p:par>
+                                <p:cTn id="29" presetID="1" presetClass="entr" presetSubtype="0" fill="hold" grpId="0" nodeType="withEffect">
+                                  <p:stCondLst>
+                                    <p:cond delay="0"/>
+                                  </p:stCondLst>
+                                  <p:childTnLst>
+                                    <p:set>
+                                      <p:cBhvr>
+                                        <p:cTn id="30" dur="1" fill="hold">
+                                          <p:stCondLst>
+                                            <p:cond delay="0"/>
+                                          </p:stCondLst>
+                                        </p:cTn>
+                                        <p:tgtEl>
+                                          <p:spTgt spid="4">
+                                            <p:txEl>
+                                              <p:pRg st="10" end="10"/>
+                                            </p:txEl>
+                                          </p:spTgt>
+                                        </p:tgtEl>
+                                        <p:attrNameLst>
+                                          <p:attrName>style.visibility</p:attrName>
+                                        </p:attrNameLst>
+                                      </p:cBhvr>
+                                      <p:to>
+                                        <p:strVal val="visible"/>
+                                      </p:to>
+                                    </p:set>
+                                  </p:childTnLst>
+                                </p:cTn>
+                              </p:par>
+                              <p:par>
+                                <p:cTn id="31" presetID="1" presetClass="entr" presetSubtype="0" fill="hold" grpId="0" nodeType="withEffect">
+                                  <p:stCondLst>
+                                    <p:cond delay="0"/>
+                                  </p:stCondLst>
+                                  <p:childTnLst>
+                                    <p:set>
+                                      <p:cBhvr>
+                                        <p:cTn id="32" dur="1" fill="hold">
+                                          <p:stCondLst>
+                                            <p:cond delay="0"/>
+                                          </p:stCondLst>
+                                        </p:cTn>
+                                        <p:tgtEl>
+                                          <p:spTgt spid="4">
+                                            <p:txEl>
+                                              <p:pRg st="11" end="11"/>
+                                            </p:txEl>
+                                          </p:spTgt>
+                                        </p:tgtEl>
+                                        <p:attrNameLst>
+                                          <p:attrName>style.visibility</p:attrName>
+                                        </p:attrNameLst>
+                                      </p:cBhvr>
+                                      <p:to>
+                                        <p:strVal val="visible"/>
+                                      </p:to>
+                                    </p:set>
+                                  </p:childTnLst>
+                                </p:cTn>
+                              </p:par>
+                            </p:childTnLst>
+                          </p:cTn>
+                        </p:par>
+                      </p:childTnLst>
+                    </p:cTn>
+                  </p:par>
+                </p:childTnLst>
+              </p:cTn>
+              <p:prevCondLst>
+                <p:cond evt="onPrev" delay="0">
+                  <p:tgtEl>
+                    <p:sldTgt/>
+                  </p:tgtEl>
+                </p:cond>
+              </p:prevCondLst>
+              <p:nextCondLst>
+                <p:cond evt="onNext" delay="0">
+                  <p:tgtEl>
+                    <p:sldTgt/>
+                  </p:tgtEl>
+                </p:cond>
+              </p:nextCondLst>
+            </p:seq>
+          </p:childTnLst>
+        </p:cTn>
+      </p:par>
+    </p:tnLst>
+    <p:bldLst>
+      <p:bldP spid="4" grpId="0" build="p"/>
+    </p:bldLst>
+  </p:timing>
 </p:sld>
 </file>
 
 <file path=ppt/slides/slide24.xml><?xml version="1.0" encoding="utf-8"?>
+<p:sld xmlns:a="http://schemas.openxmlformats.org/drawingml/2006/main" xmlns:r="http://schemas.openxmlformats.org/officeDocument/2006/relationships" xmlns:p="http://schemas.openxmlformats.org/presentationml/2006/main">
+  <p:cSld>
+    <p:spTree>
+      <p:nvGrpSpPr>
+        <p:cNvPr id="1" name=""/>
+        <p:cNvGrpSpPr/>
+        <p:nvPr/>
+      </p:nvGrpSpPr>
+      <p:grpSpPr>
+        <a:xfrm>
+          <a:off x="0" y="0"/>
+          <a:ext cx="0" cy="0"/>
+          <a:chOff x="0" y="0"/>
+          <a:chExt cx="0" cy="0"/>
+        </a:xfrm>
+      </p:grpSpPr>
+      <p:sp>
+        <p:nvSpPr>
+          <p:cNvPr id="2" name="Title 1">
+            <a:extLst>
+              <a:ext uri="{FF2B5EF4-FFF2-40B4-BE49-F238E27FC236}">
+                <a16:creationId xmlns:a16="http://schemas.microsoft.com/office/drawing/2014/main" id="{863BB581-1B08-9E20-0AC4-4A2C9EDEC93B}"/>
+              </a:ext>
+            </a:extLst>
+          </p:cNvPr>
+          <p:cNvSpPr>
+            <a:spLocks noGrp="1"/>
+          </p:cNvSpPr>
+          <p:nvPr>
+            <p:ph type="title"/>
+          </p:nvPr>
+        </p:nvSpPr>
+        <p:spPr>
+          <a:xfrm>
+            <a:off x="838200" y="365125"/>
+            <a:ext cx="10515600" cy="600075"/>
+          </a:xfrm>
+        </p:spPr>
+        <p:txBody>
+          <a:bodyPr>
+            <a:noAutofit/>
+          </a:bodyPr>
+          <a:lstStyle/>
+          <a:p>
+            <a:r>
+              <a:rPr lang="en-AU" sz="4000" b="1" dirty="0"/>
+              <a:t> Implementation Example - Llama Vision Code</a:t>
+            </a:r>
+            <a:endParaRPr lang="en-US" sz="4000" dirty="0"/>
+          </a:p>
+        </p:txBody>
+      </p:sp>
+      <p:pic>
+        <p:nvPicPr>
+          <p:cNvPr id="5" name="Content Placeholder 4">
+            <a:extLst>
+              <a:ext uri="{FF2B5EF4-FFF2-40B4-BE49-F238E27FC236}">
+                <a16:creationId xmlns:a16="http://schemas.microsoft.com/office/drawing/2014/main" id="{B8F059D1-10BB-2056-FE7D-1D360785068C}"/>
+              </a:ext>
+            </a:extLst>
+          </p:cNvPr>
+          <p:cNvPicPr>
+            <a:picLocks noGrp="1" noChangeAspect="1"/>
+          </p:cNvPicPr>
+          <p:nvPr>
+            <p:ph sz="half" idx="1"/>
+          </p:nvPr>
+        </p:nvPicPr>
+        <p:blipFill>
+          <a:blip r:embed="rId2"/>
+          <a:stretch>
+            <a:fillRect/>
+          </a:stretch>
+        </p:blipFill>
+        <p:spPr>
+          <a:xfrm>
+            <a:off x="946929" y="965200"/>
+            <a:ext cx="5865842" cy="5211763"/>
+          </a:xfrm>
+          <a:prstGeom prst="rect">
+            <a:avLst/>
+          </a:prstGeom>
+        </p:spPr>
+      </p:pic>
+    </p:spTree>
+    <p:extLst>
+      <p:ext uri="{BB962C8B-B14F-4D97-AF65-F5344CB8AC3E}">
+        <p14:creationId xmlns:p14="http://schemas.microsoft.com/office/powerpoint/2010/main" val="2476547478"/>
+      </p:ext>
+    </p:extLst>
+  </p:cSld>
+  <p:clrMapOvr>
+    <a:masterClrMapping/>
+  </p:clrMapOvr>
+</p:sld>
+</file>
+
+<file path=ppt/slides/slide25.xml><?xml version="1.0" encoding="utf-8"?>
+<p:sld xmlns:a="http://schemas.openxmlformats.org/drawingml/2006/main" xmlns:r="http://schemas.openxmlformats.org/officeDocument/2006/relationships" xmlns:p="http://schemas.openxmlformats.org/presentationml/2006/main">
+  <p:cSld>
+    <p:spTree>
+      <p:nvGrpSpPr>
+        <p:cNvPr id="1" name=""/>
+        <p:cNvGrpSpPr/>
+        <p:nvPr/>
+      </p:nvGrpSpPr>
+      <p:grpSpPr>
+        <a:xfrm>
+          <a:off x="0" y="0"/>
+          <a:ext cx="0" cy="0"/>
+          <a:chOff x="0" y="0"/>
+          <a:chExt cx="0" cy="0"/>
+        </a:xfrm>
+      </p:grpSpPr>
+      <p:sp>
+        <p:nvSpPr>
+          <p:cNvPr id="2" name="Title 1">
+            <a:extLst>
+              <a:ext uri="{FF2B5EF4-FFF2-40B4-BE49-F238E27FC236}">
+                <a16:creationId xmlns:a16="http://schemas.microsoft.com/office/drawing/2014/main" id="{58E36216-2A7F-420C-29FF-E63351576312}"/>
+              </a:ext>
+            </a:extLst>
+          </p:cNvPr>
+          <p:cNvSpPr>
+            <a:spLocks noGrp="1"/>
+          </p:cNvSpPr>
+          <p:nvPr>
+            <p:ph type="title"/>
+          </p:nvPr>
+        </p:nvSpPr>
+        <p:spPr>
+          <a:xfrm>
+            <a:off x="838200" y="365125"/>
+            <a:ext cx="10515600" cy="1336675"/>
+          </a:xfrm>
+        </p:spPr>
+        <p:txBody>
+          <a:bodyPr>
+            <a:normAutofit/>
+          </a:bodyPr>
+          <a:lstStyle/>
+          <a:p>
+            <a:r>
+              <a:rPr lang="en-AU" sz="4000" b="1" dirty="0"/>
+              <a:t>Natural Language Understanding</a:t>
+            </a:r>
+            <a:br>
+              <a:rPr lang="en-AU" b="1" dirty="0"/>
+            </a:br>
+            <a:r>
+              <a:rPr lang="en-AU" sz="3200" b="1" dirty="0">
+                <a:solidFill>
+                  <a:srgbClr val="FF0000"/>
+                </a:solidFill>
+              </a:rPr>
+              <a:t>Question</a:t>
+            </a:r>
+            <a:r>
+              <a:rPr lang="en-AU" sz="3200" dirty="0">
+                <a:solidFill>
+                  <a:srgbClr val="FF0000"/>
+                </a:solidFill>
+              </a:rPr>
+              <a:t>: "How much did Jessica pay?"</a:t>
+            </a:r>
+            <a:endParaRPr lang="en-US" sz="3200" dirty="0">
+              <a:solidFill>
+                <a:srgbClr val="FF0000"/>
+              </a:solidFill>
+            </a:endParaRPr>
+          </a:p>
+        </p:txBody>
+      </p:sp>
+      <p:sp>
+        <p:nvSpPr>
+          <p:cNvPr id="4" name="Content Placeholder 3">
+            <a:extLst>
+              <a:ext uri="{FF2B5EF4-FFF2-40B4-BE49-F238E27FC236}">
+                <a16:creationId xmlns:a16="http://schemas.microsoft.com/office/drawing/2014/main" id="{F3E513E3-F7D7-5D26-C773-ADDDBF812845}"/>
+              </a:ext>
+            </a:extLst>
+          </p:cNvPr>
+          <p:cNvSpPr>
+            <a:spLocks noGrp="1"/>
+          </p:cNvSpPr>
+          <p:nvPr>
+            <p:ph sz="half" idx="2"/>
+          </p:nvPr>
+        </p:nvSpPr>
+        <p:spPr/>
+        <p:txBody>
+          <a:bodyPr/>
+          <a:lstStyle/>
+          <a:p>
+            <a:r>
+              <a:rPr lang="en-AU" b="1" dirty="0"/>
+              <a:t>Key Insights</a:t>
+            </a:r>
+            <a:r>
+              <a:rPr lang="en-AU" dirty="0"/>
+              <a:t>:</a:t>
+            </a:r>
+          </a:p>
+          <a:p>
+            <a:r>
+              <a:rPr lang="en-AU" dirty="0"/>
+              <a:t>✅ Natural language understanding of financial documents</a:t>
+            </a:r>
+          </a:p>
+          <a:p>
+            <a:r>
+              <a:rPr lang="en-AU" dirty="0"/>
+              <a:t>✅ Automatic calculation verification</a:t>
+            </a:r>
+          </a:p>
+          <a:p>
+            <a:r>
+              <a:rPr lang="en-AU" dirty="0"/>
+              <a:t>✅ Clear, auditable reasoning process</a:t>
+            </a:r>
+          </a:p>
+          <a:p>
+            <a:r>
+              <a:rPr lang="en-AU" dirty="0"/>
+              <a:t>✅ Correct final answer: $31.33</a:t>
+            </a:r>
+          </a:p>
+        </p:txBody>
+      </p:sp>
+      <p:pic>
+        <p:nvPicPr>
+          <p:cNvPr id="5" name="Content Placeholder 4">
+            <a:extLst>
+              <a:ext uri="{FF2B5EF4-FFF2-40B4-BE49-F238E27FC236}">
+                <a16:creationId xmlns:a16="http://schemas.microsoft.com/office/drawing/2014/main" id="{945E0F1F-D15D-C672-23A2-A22876C05B38}"/>
+              </a:ext>
+            </a:extLst>
+          </p:cNvPr>
+          <p:cNvPicPr>
+            <a:picLocks noGrp="1" noChangeAspect="1"/>
+          </p:cNvPicPr>
+          <p:nvPr>
+            <p:ph sz="half" idx="1"/>
+          </p:nvPr>
+        </p:nvPicPr>
+        <p:blipFill>
+          <a:blip r:embed="rId2"/>
+          <a:stretch>
+            <a:fillRect/>
+          </a:stretch>
+        </p:blipFill>
+        <p:spPr>
+          <a:xfrm>
+            <a:off x="838200" y="1914468"/>
+            <a:ext cx="5181600" cy="4173651"/>
+          </a:xfrm>
+          <a:prstGeom prst="rect">
+            <a:avLst/>
+          </a:prstGeom>
+        </p:spPr>
+      </p:pic>
+    </p:spTree>
+    <p:extLst>
+      <p:ext uri="{BB962C8B-B14F-4D97-AF65-F5344CB8AC3E}">
+        <p14:creationId xmlns:p14="http://schemas.microsoft.com/office/powerpoint/2010/main" val="989684801"/>
+      </p:ext>
+    </p:extLst>
+  </p:cSld>
+  <p:clrMapOvr>
+    <a:masterClrMapping/>
+  </p:clrMapOvr>
+  <p:timing>
+    <p:tnLst>
+      <p:par>
+        <p:cTn id="1" dur="indefinite" restart="never" nodeType="tmRoot">
+          <p:childTnLst>
+            <p:seq concurrent="1" nextAc="seek">
+              <p:cTn id="2" dur="indefinite" nodeType="mainSeq">
+                <p:childTnLst>
+                  <p:par>
+                    <p:cTn id="3" fill="hold">
+                      <p:stCondLst>
+                        <p:cond delay="indefinite"/>
+                      </p:stCondLst>
+                      <p:childTnLst>
+                        <p:par>
+                          <p:cTn id="4" fill="hold">
+                            <p:stCondLst>
+                              <p:cond delay="0"/>
+                            </p:stCondLst>
+                            <p:childTnLst>
+                              <p:par>
+                                <p:cTn id="5" presetID="1" presetClass="entr" presetSubtype="0" fill="hold" grpId="0" nodeType="clickEffect">
+                                  <p:stCondLst>
+                                    <p:cond delay="0"/>
+                                  </p:stCondLst>
+                                  <p:childTnLst>
+                                    <p:set>
+                                      <p:cBhvr>
+                                        <p:cTn id="6" dur="1" fill="hold">
+                                          <p:stCondLst>
+                                            <p:cond delay="0"/>
+                                          </p:stCondLst>
+                                        </p:cTn>
+                                        <p:tgtEl>
+                                          <p:spTgt spid="4">
+                                            <p:txEl>
+                                              <p:pRg st="0" end="0"/>
+                                            </p:txEl>
+                                          </p:spTgt>
+                                        </p:tgtEl>
+                                        <p:attrNameLst>
+                                          <p:attrName>style.visibility</p:attrName>
+                                        </p:attrNameLst>
+                                      </p:cBhvr>
+                                      <p:to>
+                                        <p:strVal val="visible"/>
+                                      </p:to>
+                                    </p:set>
+                                  </p:childTnLst>
+                                </p:cTn>
+                              </p:par>
+                            </p:childTnLst>
+                          </p:cTn>
+                        </p:par>
+                      </p:childTnLst>
+                    </p:cTn>
+                  </p:par>
+                  <p:par>
+                    <p:cTn id="7" fill="hold">
+                      <p:stCondLst>
+                        <p:cond delay="indefinite"/>
+                      </p:stCondLst>
+                      <p:childTnLst>
+                        <p:par>
+                          <p:cTn id="8" fill="hold">
+                            <p:stCondLst>
+                              <p:cond delay="0"/>
+                            </p:stCondLst>
+                            <p:childTnLst>
+                              <p:par>
+                                <p:cTn id="9" presetID="1" presetClass="entr" presetSubtype="0" fill="hold" grpId="0" nodeType="clickEffect">
+                                  <p:stCondLst>
+                                    <p:cond delay="0"/>
+                                  </p:stCondLst>
+                                  <p:childTnLst>
+                                    <p:set>
+                                      <p:cBhvr>
+                                        <p:cTn id="10" dur="1" fill="hold">
+                                          <p:stCondLst>
+                                            <p:cond delay="0"/>
+                                          </p:stCondLst>
+                                        </p:cTn>
+                                        <p:tgtEl>
+                                          <p:spTgt spid="4">
+                                            <p:txEl>
+                                              <p:pRg st="1" end="1"/>
+                                            </p:txEl>
+                                          </p:spTgt>
+                                        </p:tgtEl>
+                                        <p:attrNameLst>
+                                          <p:attrName>style.visibility</p:attrName>
+                                        </p:attrNameLst>
+                                      </p:cBhvr>
+                                      <p:to>
+                                        <p:strVal val="visible"/>
+                                      </p:to>
+                                    </p:set>
+                                  </p:childTnLst>
+                                </p:cTn>
+                              </p:par>
+                            </p:childTnLst>
+                          </p:cTn>
+                        </p:par>
+                      </p:childTnLst>
+                    </p:cTn>
+                  </p:par>
+                  <p:par>
+                    <p:cTn id="11" fill="hold">
+                      <p:stCondLst>
+                        <p:cond delay="indefinite"/>
+                      </p:stCondLst>
+                      <p:childTnLst>
+                        <p:par>
+                          <p:cTn id="12" fill="hold">
+                            <p:stCondLst>
+                              <p:cond delay="0"/>
+                            </p:stCondLst>
+                            <p:childTnLst>
+                              <p:par>
+                                <p:cTn id="13" presetID="1" presetClass="entr" presetSubtype="0" fill="hold" grpId="0" nodeType="clickEffect">
+                                  <p:stCondLst>
+                                    <p:cond delay="0"/>
+                                  </p:stCondLst>
+                                  <p:childTnLst>
+                                    <p:set>
+                                      <p:cBhvr>
+                                        <p:cTn id="14" dur="1" fill="hold">
+                                          <p:stCondLst>
+                                            <p:cond delay="0"/>
+                                          </p:stCondLst>
+                                        </p:cTn>
+                                        <p:tgtEl>
+                                          <p:spTgt spid="4">
+                                            <p:txEl>
+                                              <p:pRg st="2" end="2"/>
+                                            </p:txEl>
+                                          </p:spTgt>
+                                        </p:tgtEl>
+                                        <p:attrNameLst>
+                                          <p:attrName>style.visibility</p:attrName>
+                                        </p:attrNameLst>
+                                      </p:cBhvr>
+                                      <p:to>
+                                        <p:strVal val="visible"/>
+                                      </p:to>
+                                    </p:set>
+                                  </p:childTnLst>
+                                </p:cTn>
+                              </p:par>
+                            </p:childTnLst>
+                          </p:cTn>
+                        </p:par>
+                      </p:childTnLst>
+                    </p:cTn>
+                  </p:par>
+                  <p:par>
+                    <p:cTn id="15" fill="hold">
+                      <p:stCondLst>
+                        <p:cond delay="indefinite"/>
+                      </p:stCondLst>
+                      <p:childTnLst>
+                        <p:par>
+                          <p:cTn id="16" fill="hold">
+                            <p:stCondLst>
+                              <p:cond delay="0"/>
+                            </p:stCondLst>
+                            <p:childTnLst>
+                              <p:par>
+                                <p:cTn id="17" presetID="1" presetClass="entr" presetSubtype="0" fill="hold" grpId="0" nodeType="clickEffect">
+                                  <p:stCondLst>
+                                    <p:cond delay="0"/>
+                                  </p:stCondLst>
+                                  <p:childTnLst>
+                                    <p:set>
+                                      <p:cBhvr>
+                                        <p:cTn id="18" dur="1" fill="hold">
+                                          <p:stCondLst>
+                                            <p:cond delay="0"/>
+                                          </p:stCondLst>
+                                        </p:cTn>
+                                        <p:tgtEl>
+                                          <p:spTgt spid="4">
+                                            <p:txEl>
+                                              <p:pRg st="3" end="3"/>
+                                            </p:txEl>
+                                          </p:spTgt>
+                                        </p:tgtEl>
+                                        <p:attrNameLst>
+                                          <p:attrName>style.visibility</p:attrName>
+                                        </p:attrNameLst>
+                                      </p:cBhvr>
+                                      <p:to>
+                                        <p:strVal val="visible"/>
+                                      </p:to>
+                                    </p:set>
+                                  </p:childTnLst>
+                                </p:cTn>
+                              </p:par>
+                            </p:childTnLst>
+                          </p:cTn>
+                        </p:par>
+                      </p:childTnLst>
+                    </p:cTn>
+                  </p:par>
+                  <p:par>
+                    <p:cTn id="19" fill="hold">
+                      <p:stCondLst>
+                        <p:cond delay="indefinite"/>
+                      </p:stCondLst>
+                      <p:childTnLst>
+                        <p:par>
+                          <p:cTn id="20" fill="hold">
+                            <p:stCondLst>
+                              <p:cond delay="0"/>
+                            </p:stCondLst>
+                            <p:childTnLst>
+                              <p:par>
+                                <p:cTn id="21" presetID="1" presetClass="entr" presetSubtype="0" fill="hold" grpId="0" nodeType="clickEffect">
+                                  <p:stCondLst>
+                                    <p:cond delay="0"/>
+                                  </p:stCondLst>
+                                  <p:childTnLst>
+                                    <p:set>
+                                      <p:cBhvr>
+                                        <p:cTn id="22" dur="1" fill="hold">
+                                          <p:stCondLst>
+                                            <p:cond delay="0"/>
+                                          </p:stCondLst>
+                                        </p:cTn>
+                                        <p:tgtEl>
+                                          <p:spTgt spid="4">
+                                            <p:txEl>
+                                              <p:pRg st="4" end="4"/>
+                                            </p:txEl>
+                                          </p:spTgt>
+                                        </p:tgtEl>
+                                        <p:attrNameLst>
+                                          <p:attrName>style.visibility</p:attrName>
+                                        </p:attrNameLst>
+                                      </p:cBhvr>
+                                      <p:to>
+                                        <p:strVal val="visible"/>
+                                      </p:to>
+                                    </p:set>
+                                  </p:childTnLst>
+                                </p:cTn>
+                              </p:par>
+                            </p:childTnLst>
+                          </p:cTn>
+                        </p:par>
+                      </p:childTnLst>
+                    </p:cTn>
+                  </p:par>
+                </p:childTnLst>
+              </p:cTn>
+              <p:prevCondLst>
+                <p:cond evt="onPrev" delay="0">
+                  <p:tgtEl>
+                    <p:sldTgt/>
+                  </p:tgtEl>
+                </p:cond>
+              </p:prevCondLst>
+              <p:nextCondLst>
+                <p:cond evt="onNext" delay="0">
+                  <p:tgtEl>
+                    <p:sldTgt/>
+                  </p:tgtEl>
+                </p:cond>
+              </p:nextCondLst>
+            </p:seq>
+          </p:childTnLst>
+        </p:cTn>
+      </p:par>
+    </p:tnLst>
+    <p:bldLst>
+      <p:bldP spid="4" grpId="0" build="p"/>
+    </p:bldLst>
+  </p:timing>
+</p:sld>
+</file>
+
+<file path=ppt/slides/slide26.xml><?xml version="1.0" encoding="utf-8"?>
 <p:sld xmlns:a="http://schemas.openxmlformats.org/drawingml/2006/main" xmlns:r="http://schemas.openxmlformats.org/officeDocument/2006/relationships" xmlns:p="http://schemas.openxmlformats.org/presentationml/2006/main">
   <p:cSld>
     <p:spTree>
@@ -10052,6 +12960,235 @@
   <p:clrMapOvr>
     <a:masterClrMapping/>
   </p:clrMapOvr>
+  <p:timing>
+    <p:tnLst>
+      <p:par>
+        <p:cTn id="1" dur="indefinite" restart="never" nodeType="tmRoot">
+          <p:childTnLst>
+            <p:seq concurrent="1" nextAc="seek">
+              <p:cTn id="2" dur="indefinite" nodeType="mainSeq">
+                <p:childTnLst>
+                  <p:par>
+                    <p:cTn id="3" fill="hold">
+                      <p:stCondLst>
+                        <p:cond delay="indefinite"/>
+                      </p:stCondLst>
+                      <p:childTnLst>
+                        <p:par>
+                          <p:cTn id="4" fill="hold">
+                            <p:stCondLst>
+                              <p:cond delay="0"/>
+                            </p:stCondLst>
+                            <p:childTnLst>
+                              <p:par>
+                                <p:cTn id="5" presetID="1" presetClass="entr" presetSubtype="0" fill="hold" grpId="0" nodeType="clickEffect">
+                                  <p:stCondLst>
+                                    <p:cond delay="0"/>
+                                  </p:stCondLst>
+                                  <p:childTnLst>
+                                    <p:set>
+                                      <p:cBhvr>
+                                        <p:cTn id="6" dur="1" fill="hold">
+                                          <p:stCondLst>
+                                            <p:cond delay="0"/>
+                                          </p:stCondLst>
+                                        </p:cTn>
+                                        <p:tgtEl>
+                                          <p:spTgt spid="3">
+                                            <p:txEl>
+                                              <p:pRg st="0" end="0"/>
+                                            </p:txEl>
+                                          </p:spTgt>
+                                        </p:tgtEl>
+                                        <p:attrNameLst>
+                                          <p:attrName>style.visibility</p:attrName>
+                                        </p:attrNameLst>
+                                      </p:cBhvr>
+                                      <p:to>
+                                        <p:strVal val="visible"/>
+                                      </p:to>
+                                    </p:set>
+                                  </p:childTnLst>
+                                </p:cTn>
+                              </p:par>
+                            </p:childTnLst>
+                          </p:cTn>
+                        </p:par>
+                      </p:childTnLst>
+                    </p:cTn>
+                  </p:par>
+                  <p:par>
+                    <p:cTn id="7" fill="hold">
+                      <p:stCondLst>
+                        <p:cond delay="indefinite"/>
+                      </p:stCondLst>
+                      <p:childTnLst>
+                        <p:par>
+                          <p:cTn id="8" fill="hold">
+                            <p:stCondLst>
+                              <p:cond delay="0"/>
+                            </p:stCondLst>
+                            <p:childTnLst>
+                              <p:par>
+                                <p:cTn id="9" presetID="1" presetClass="entr" presetSubtype="0" fill="hold" grpId="0" nodeType="clickEffect">
+                                  <p:stCondLst>
+                                    <p:cond delay="0"/>
+                                  </p:stCondLst>
+                                  <p:childTnLst>
+                                    <p:set>
+                                      <p:cBhvr>
+                                        <p:cTn id="10" dur="1" fill="hold">
+                                          <p:stCondLst>
+                                            <p:cond delay="0"/>
+                                          </p:stCondLst>
+                                        </p:cTn>
+                                        <p:tgtEl>
+                                          <p:spTgt spid="3">
+                                            <p:txEl>
+                                              <p:pRg st="1" end="1"/>
+                                            </p:txEl>
+                                          </p:spTgt>
+                                        </p:tgtEl>
+                                        <p:attrNameLst>
+                                          <p:attrName>style.visibility</p:attrName>
+                                        </p:attrNameLst>
+                                      </p:cBhvr>
+                                      <p:to>
+                                        <p:strVal val="visible"/>
+                                      </p:to>
+                                    </p:set>
+                                  </p:childTnLst>
+                                </p:cTn>
+                              </p:par>
+                            </p:childTnLst>
+                          </p:cTn>
+                        </p:par>
+                      </p:childTnLst>
+                    </p:cTn>
+                  </p:par>
+                  <p:par>
+                    <p:cTn id="11" fill="hold">
+                      <p:stCondLst>
+                        <p:cond delay="indefinite"/>
+                      </p:stCondLst>
+                      <p:childTnLst>
+                        <p:par>
+                          <p:cTn id="12" fill="hold">
+                            <p:stCondLst>
+                              <p:cond delay="0"/>
+                            </p:stCondLst>
+                            <p:childTnLst>
+                              <p:par>
+                                <p:cTn id="13" presetID="1" presetClass="entr" presetSubtype="0" fill="hold" grpId="0" nodeType="clickEffect">
+                                  <p:stCondLst>
+                                    <p:cond delay="0"/>
+                                  </p:stCondLst>
+                                  <p:childTnLst>
+                                    <p:set>
+                                      <p:cBhvr>
+                                        <p:cTn id="14" dur="1" fill="hold">
+                                          <p:stCondLst>
+                                            <p:cond delay="0"/>
+                                          </p:stCondLst>
+                                        </p:cTn>
+                                        <p:tgtEl>
+                                          <p:spTgt spid="3">
+                                            <p:txEl>
+                                              <p:pRg st="2" end="2"/>
+                                            </p:txEl>
+                                          </p:spTgt>
+                                        </p:tgtEl>
+                                        <p:attrNameLst>
+                                          <p:attrName>style.visibility</p:attrName>
+                                        </p:attrNameLst>
+                                      </p:cBhvr>
+                                      <p:to>
+                                        <p:strVal val="visible"/>
+                                      </p:to>
+                                    </p:set>
+                                  </p:childTnLst>
+                                </p:cTn>
+                              </p:par>
+                            </p:childTnLst>
+                          </p:cTn>
+                        </p:par>
+                      </p:childTnLst>
+                    </p:cTn>
+                  </p:par>
+                  <p:par>
+                    <p:cTn id="15" fill="hold">
+                      <p:stCondLst>
+                        <p:cond delay="indefinite"/>
+                      </p:stCondLst>
+                      <p:childTnLst>
+                        <p:par>
+                          <p:cTn id="16" fill="hold">
+                            <p:stCondLst>
+                              <p:cond delay="0"/>
+                            </p:stCondLst>
+                            <p:childTnLst>
+                              <p:par>
+                                <p:cTn id="17" presetID="1" presetClass="entr" presetSubtype="0" fill="hold" grpId="0" nodeType="clickEffect">
+                                  <p:stCondLst>
+                                    <p:cond delay="0"/>
+                                  </p:stCondLst>
+                                  <p:childTnLst>
+                                    <p:set>
+                                      <p:cBhvr>
+                                        <p:cTn id="18" dur="1" fill="hold">
+                                          <p:stCondLst>
+                                            <p:cond delay="0"/>
+                                          </p:stCondLst>
+                                        </p:cTn>
+                                        <p:tgtEl>
+                                          <p:spTgt spid="3">
+                                            <p:txEl>
+                                              <p:pRg st="3" end="3"/>
+                                            </p:txEl>
+                                          </p:spTgt>
+                                        </p:tgtEl>
+                                        <p:attrNameLst>
+                                          <p:attrName>style.visibility</p:attrName>
+                                        </p:attrNameLst>
+                                      </p:cBhvr>
+                                      <p:to>
+                                        <p:strVal val="visible"/>
+                                      </p:to>
+                                    </p:set>
+                                  </p:childTnLst>
+                                </p:cTn>
+                              </p:par>
+                            </p:childTnLst>
+                          </p:cTn>
+                        </p:par>
+                      </p:childTnLst>
+                    </p:cTn>
+                  </p:par>
+                </p:childTnLst>
+              </p:cTn>
+              <p:prevCondLst>
+                <p:cond evt="onPrev" delay="0">
+                  <p:tgtEl>
+                    <p:sldTgt/>
+                  </p:tgtEl>
+                </p:cond>
+              </p:prevCondLst>
+              <p:nextCondLst>
+                <p:cond evt="onNext" delay="0">
+                  <p:tgtEl>
+                    <p:sldTgt/>
+                  </p:tgtEl>
+                </p:cond>
+              </p:nextCondLst>
+            </p:seq>
+          </p:childTnLst>
+        </p:cTn>
+      </p:par>
+    </p:tnLst>
+    <p:bldLst>
+      <p:bldP spid="3" grpId="0" build="p"/>
+    </p:bldLst>
+  </p:timing>
 </p:sld>
 </file>
 
@@ -10452,6 +13589,594 @@
   <p:clrMapOvr>
     <a:masterClrMapping/>
   </p:clrMapOvr>
+  <p:timing>
+    <p:tnLst>
+      <p:par>
+        <p:cTn id="1" dur="indefinite" restart="never" nodeType="tmRoot">
+          <p:childTnLst>
+            <p:seq concurrent="1" nextAc="seek">
+              <p:cTn id="2" dur="indefinite" nodeType="mainSeq">
+                <p:childTnLst>
+                  <p:par>
+                    <p:cTn id="3" fill="hold">
+                      <p:stCondLst>
+                        <p:cond delay="indefinite"/>
+                      </p:stCondLst>
+                      <p:childTnLst>
+                        <p:par>
+                          <p:cTn id="4" fill="hold">
+                            <p:stCondLst>
+                              <p:cond delay="0"/>
+                            </p:stCondLst>
+                            <p:childTnLst>
+                              <p:par>
+                                <p:cTn id="5" presetID="1" presetClass="entr" presetSubtype="0" fill="hold" grpId="0" nodeType="clickEffect">
+                                  <p:stCondLst>
+                                    <p:cond delay="0"/>
+                                  </p:stCondLst>
+                                  <p:childTnLst>
+                                    <p:set>
+                                      <p:cBhvr>
+                                        <p:cTn id="6" dur="1" fill="hold">
+                                          <p:stCondLst>
+                                            <p:cond delay="0"/>
+                                          </p:stCondLst>
+                                        </p:cTn>
+                                        <p:tgtEl>
+                                          <p:spTgt spid="4">
+                                            <p:txEl>
+                                              <p:pRg st="0" end="0"/>
+                                            </p:txEl>
+                                          </p:spTgt>
+                                        </p:tgtEl>
+                                        <p:attrNameLst>
+                                          <p:attrName>style.visibility</p:attrName>
+                                        </p:attrNameLst>
+                                      </p:cBhvr>
+                                      <p:to>
+                                        <p:strVal val="visible"/>
+                                      </p:to>
+                                    </p:set>
+                                  </p:childTnLst>
+                                </p:cTn>
+                              </p:par>
+                            </p:childTnLst>
+                          </p:cTn>
+                        </p:par>
+                      </p:childTnLst>
+                    </p:cTn>
+                  </p:par>
+                  <p:par>
+                    <p:cTn id="7" fill="hold">
+                      <p:stCondLst>
+                        <p:cond delay="indefinite"/>
+                      </p:stCondLst>
+                      <p:childTnLst>
+                        <p:par>
+                          <p:cTn id="8" fill="hold">
+                            <p:stCondLst>
+                              <p:cond delay="0"/>
+                            </p:stCondLst>
+                            <p:childTnLst>
+                              <p:par>
+                                <p:cTn id="9" presetID="1" presetClass="entr" presetSubtype="0" fill="hold" grpId="0" nodeType="clickEffect">
+                                  <p:stCondLst>
+                                    <p:cond delay="0"/>
+                                  </p:stCondLst>
+                                  <p:childTnLst>
+                                    <p:set>
+                                      <p:cBhvr>
+                                        <p:cTn id="10" dur="1" fill="hold">
+                                          <p:stCondLst>
+                                            <p:cond delay="0"/>
+                                          </p:stCondLst>
+                                        </p:cTn>
+                                        <p:tgtEl>
+                                          <p:spTgt spid="4">
+                                            <p:txEl>
+                                              <p:pRg st="1" end="1"/>
+                                            </p:txEl>
+                                          </p:spTgt>
+                                        </p:tgtEl>
+                                        <p:attrNameLst>
+                                          <p:attrName>style.visibility</p:attrName>
+                                        </p:attrNameLst>
+                                      </p:cBhvr>
+                                      <p:to>
+                                        <p:strVal val="visible"/>
+                                      </p:to>
+                                    </p:set>
+                                  </p:childTnLst>
+                                </p:cTn>
+                              </p:par>
+                              <p:par>
+                                <p:cTn id="11" presetID="1" presetClass="entr" presetSubtype="0" fill="hold" grpId="0" nodeType="withEffect">
+                                  <p:stCondLst>
+                                    <p:cond delay="0"/>
+                                  </p:stCondLst>
+                                  <p:childTnLst>
+                                    <p:set>
+                                      <p:cBhvr>
+                                        <p:cTn id="12" dur="1" fill="hold">
+                                          <p:stCondLst>
+                                            <p:cond delay="0"/>
+                                          </p:stCondLst>
+                                        </p:cTn>
+                                        <p:tgtEl>
+                                          <p:spTgt spid="4">
+                                            <p:txEl>
+                                              <p:pRg st="2" end="2"/>
+                                            </p:txEl>
+                                          </p:spTgt>
+                                        </p:tgtEl>
+                                        <p:attrNameLst>
+                                          <p:attrName>style.visibility</p:attrName>
+                                        </p:attrNameLst>
+                                      </p:cBhvr>
+                                      <p:to>
+                                        <p:strVal val="visible"/>
+                                      </p:to>
+                                    </p:set>
+                                  </p:childTnLst>
+                                </p:cTn>
+                              </p:par>
+                              <p:par>
+                                <p:cTn id="13" presetID="1" presetClass="entr" presetSubtype="0" fill="hold" grpId="0" nodeType="withEffect">
+                                  <p:stCondLst>
+                                    <p:cond delay="0"/>
+                                  </p:stCondLst>
+                                  <p:childTnLst>
+                                    <p:set>
+                                      <p:cBhvr>
+                                        <p:cTn id="14" dur="1" fill="hold">
+                                          <p:stCondLst>
+                                            <p:cond delay="0"/>
+                                          </p:stCondLst>
+                                        </p:cTn>
+                                        <p:tgtEl>
+                                          <p:spTgt spid="4">
+                                            <p:txEl>
+                                              <p:pRg st="3" end="3"/>
+                                            </p:txEl>
+                                          </p:spTgt>
+                                        </p:tgtEl>
+                                        <p:attrNameLst>
+                                          <p:attrName>style.visibility</p:attrName>
+                                        </p:attrNameLst>
+                                      </p:cBhvr>
+                                      <p:to>
+                                        <p:strVal val="visible"/>
+                                      </p:to>
+                                    </p:set>
+                                  </p:childTnLst>
+                                </p:cTn>
+                              </p:par>
+                              <p:par>
+                                <p:cTn id="15" presetID="1" presetClass="entr" presetSubtype="0" fill="hold" grpId="0" nodeType="withEffect">
+                                  <p:stCondLst>
+                                    <p:cond delay="0"/>
+                                  </p:stCondLst>
+                                  <p:childTnLst>
+                                    <p:set>
+                                      <p:cBhvr>
+                                        <p:cTn id="16" dur="1" fill="hold">
+                                          <p:stCondLst>
+                                            <p:cond delay="0"/>
+                                          </p:stCondLst>
+                                        </p:cTn>
+                                        <p:tgtEl>
+                                          <p:spTgt spid="4">
+                                            <p:txEl>
+                                              <p:pRg st="4" end="4"/>
+                                            </p:txEl>
+                                          </p:spTgt>
+                                        </p:tgtEl>
+                                        <p:attrNameLst>
+                                          <p:attrName>style.visibility</p:attrName>
+                                        </p:attrNameLst>
+                                      </p:cBhvr>
+                                      <p:to>
+                                        <p:strVal val="visible"/>
+                                      </p:to>
+                                    </p:set>
+                                  </p:childTnLst>
+                                </p:cTn>
+                              </p:par>
+                            </p:childTnLst>
+                          </p:cTn>
+                        </p:par>
+                      </p:childTnLst>
+                    </p:cTn>
+                  </p:par>
+                  <p:par>
+                    <p:cTn id="17" fill="hold">
+                      <p:stCondLst>
+                        <p:cond delay="indefinite"/>
+                      </p:stCondLst>
+                      <p:childTnLst>
+                        <p:par>
+                          <p:cTn id="18" fill="hold">
+                            <p:stCondLst>
+                              <p:cond delay="0"/>
+                            </p:stCondLst>
+                            <p:childTnLst>
+                              <p:par>
+                                <p:cTn id="19" presetID="1" presetClass="entr" presetSubtype="0" fill="hold" grpId="0" nodeType="clickEffect">
+                                  <p:stCondLst>
+                                    <p:cond delay="0"/>
+                                  </p:stCondLst>
+                                  <p:childTnLst>
+                                    <p:set>
+                                      <p:cBhvr>
+                                        <p:cTn id="20" dur="1" fill="hold">
+                                          <p:stCondLst>
+                                            <p:cond delay="0"/>
+                                          </p:stCondLst>
+                                        </p:cTn>
+                                        <p:tgtEl>
+                                          <p:spTgt spid="4">
+                                            <p:txEl>
+                                              <p:pRg st="5" end="5"/>
+                                            </p:txEl>
+                                          </p:spTgt>
+                                        </p:tgtEl>
+                                        <p:attrNameLst>
+                                          <p:attrName>style.visibility</p:attrName>
+                                        </p:attrNameLst>
+                                      </p:cBhvr>
+                                      <p:to>
+                                        <p:strVal val="visible"/>
+                                      </p:to>
+                                    </p:set>
+                                  </p:childTnLst>
+                                </p:cTn>
+                              </p:par>
+                              <p:par>
+                                <p:cTn id="21" presetID="1" presetClass="entr" presetSubtype="0" fill="hold" grpId="0" nodeType="withEffect">
+                                  <p:stCondLst>
+                                    <p:cond delay="0"/>
+                                  </p:stCondLst>
+                                  <p:childTnLst>
+                                    <p:set>
+                                      <p:cBhvr>
+                                        <p:cTn id="22" dur="1" fill="hold">
+                                          <p:stCondLst>
+                                            <p:cond delay="0"/>
+                                          </p:stCondLst>
+                                        </p:cTn>
+                                        <p:tgtEl>
+                                          <p:spTgt spid="4">
+                                            <p:txEl>
+                                              <p:pRg st="6" end="6"/>
+                                            </p:txEl>
+                                          </p:spTgt>
+                                        </p:tgtEl>
+                                        <p:attrNameLst>
+                                          <p:attrName>style.visibility</p:attrName>
+                                        </p:attrNameLst>
+                                      </p:cBhvr>
+                                      <p:to>
+                                        <p:strVal val="visible"/>
+                                      </p:to>
+                                    </p:set>
+                                  </p:childTnLst>
+                                </p:cTn>
+                              </p:par>
+                              <p:par>
+                                <p:cTn id="23" presetID="1" presetClass="entr" presetSubtype="0" fill="hold" grpId="0" nodeType="withEffect">
+                                  <p:stCondLst>
+                                    <p:cond delay="0"/>
+                                  </p:stCondLst>
+                                  <p:childTnLst>
+                                    <p:set>
+                                      <p:cBhvr>
+                                        <p:cTn id="24" dur="1" fill="hold">
+                                          <p:stCondLst>
+                                            <p:cond delay="0"/>
+                                          </p:stCondLst>
+                                        </p:cTn>
+                                        <p:tgtEl>
+                                          <p:spTgt spid="4">
+                                            <p:txEl>
+                                              <p:pRg st="7" end="7"/>
+                                            </p:txEl>
+                                          </p:spTgt>
+                                        </p:tgtEl>
+                                        <p:attrNameLst>
+                                          <p:attrName>style.visibility</p:attrName>
+                                        </p:attrNameLst>
+                                      </p:cBhvr>
+                                      <p:to>
+                                        <p:strVal val="visible"/>
+                                      </p:to>
+                                    </p:set>
+                                  </p:childTnLst>
+                                </p:cTn>
+                              </p:par>
+                            </p:childTnLst>
+                          </p:cTn>
+                        </p:par>
+                      </p:childTnLst>
+                    </p:cTn>
+                  </p:par>
+                  <p:par>
+                    <p:cTn id="25" fill="hold">
+                      <p:stCondLst>
+                        <p:cond delay="indefinite"/>
+                      </p:stCondLst>
+                      <p:childTnLst>
+                        <p:par>
+                          <p:cTn id="26" fill="hold">
+                            <p:stCondLst>
+                              <p:cond delay="0"/>
+                            </p:stCondLst>
+                            <p:childTnLst>
+                              <p:par>
+                                <p:cTn id="27" presetID="1" presetClass="entr" presetSubtype="0" fill="hold" grpId="0" nodeType="clickEffect">
+                                  <p:stCondLst>
+                                    <p:cond delay="0"/>
+                                  </p:stCondLst>
+                                  <p:childTnLst>
+                                    <p:set>
+                                      <p:cBhvr>
+                                        <p:cTn id="28" dur="1" fill="hold">
+                                          <p:stCondLst>
+                                            <p:cond delay="0"/>
+                                          </p:stCondLst>
+                                        </p:cTn>
+                                        <p:tgtEl>
+                                          <p:spTgt spid="4">
+                                            <p:txEl>
+                                              <p:pRg st="8" end="8"/>
+                                            </p:txEl>
+                                          </p:spTgt>
+                                        </p:tgtEl>
+                                        <p:attrNameLst>
+                                          <p:attrName>style.visibility</p:attrName>
+                                        </p:attrNameLst>
+                                      </p:cBhvr>
+                                      <p:to>
+                                        <p:strVal val="visible"/>
+                                      </p:to>
+                                    </p:set>
+                                  </p:childTnLst>
+                                </p:cTn>
+                              </p:par>
+                              <p:par>
+                                <p:cTn id="29" presetID="1" presetClass="entr" presetSubtype="0" fill="hold" grpId="0" nodeType="withEffect">
+                                  <p:stCondLst>
+                                    <p:cond delay="0"/>
+                                  </p:stCondLst>
+                                  <p:childTnLst>
+                                    <p:set>
+                                      <p:cBhvr>
+                                        <p:cTn id="30" dur="1" fill="hold">
+                                          <p:stCondLst>
+                                            <p:cond delay="0"/>
+                                          </p:stCondLst>
+                                        </p:cTn>
+                                        <p:tgtEl>
+                                          <p:spTgt spid="4">
+                                            <p:txEl>
+                                              <p:pRg st="9" end="9"/>
+                                            </p:txEl>
+                                          </p:spTgt>
+                                        </p:tgtEl>
+                                        <p:attrNameLst>
+                                          <p:attrName>style.visibility</p:attrName>
+                                        </p:attrNameLst>
+                                      </p:cBhvr>
+                                      <p:to>
+                                        <p:strVal val="visible"/>
+                                      </p:to>
+                                    </p:set>
+                                  </p:childTnLst>
+                                </p:cTn>
+                              </p:par>
+                              <p:par>
+                                <p:cTn id="31" presetID="1" presetClass="entr" presetSubtype="0" fill="hold" grpId="0" nodeType="withEffect">
+                                  <p:stCondLst>
+                                    <p:cond delay="0"/>
+                                  </p:stCondLst>
+                                  <p:childTnLst>
+                                    <p:set>
+                                      <p:cBhvr>
+                                        <p:cTn id="32" dur="1" fill="hold">
+                                          <p:stCondLst>
+                                            <p:cond delay="0"/>
+                                          </p:stCondLst>
+                                        </p:cTn>
+                                        <p:tgtEl>
+                                          <p:spTgt spid="4">
+                                            <p:txEl>
+                                              <p:pRg st="10" end="10"/>
+                                            </p:txEl>
+                                          </p:spTgt>
+                                        </p:tgtEl>
+                                        <p:attrNameLst>
+                                          <p:attrName>style.visibility</p:attrName>
+                                        </p:attrNameLst>
+                                      </p:cBhvr>
+                                      <p:to>
+                                        <p:strVal val="visible"/>
+                                      </p:to>
+                                    </p:set>
+                                  </p:childTnLst>
+                                </p:cTn>
+                              </p:par>
+                              <p:par>
+                                <p:cTn id="33" presetID="1" presetClass="entr" presetSubtype="0" fill="hold" grpId="0" nodeType="withEffect">
+                                  <p:stCondLst>
+                                    <p:cond delay="0"/>
+                                  </p:stCondLst>
+                                  <p:childTnLst>
+                                    <p:set>
+                                      <p:cBhvr>
+                                        <p:cTn id="34" dur="1" fill="hold">
+                                          <p:stCondLst>
+                                            <p:cond delay="0"/>
+                                          </p:stCondLst>
+                                        </p:cTn>
+                                        <p:tgtEl>
+                                          <p:spTgt spid="4">
+                                            <p:txEl>
+                                              <p:pRg st="11" end="11"/>
+                                            </p:txEl>
+                                          </p:spTgt>
+                                        </p:tgtEl>
+                                        <p:attrNameLst>
+                                          <p:attrName>style.visibility</p:attrName>
+                                        </p:attrNameLst>
+                                      </p:cBhvr>
+                                      <p:to>
+                                        <p:strVal val="visible"/>
+                                      </p:to>
+                                    </p:set>
+                                  </p:childTnLst>
+                                </p:cTn>
+                              </p:par>
+                            </p:childTnLst>
+                          </p:cTn>
+                        </p:par>
+                      </p:childTnLst>
+                    </p:cTn>
+                  </p:par>
+                  <p:par>
+                    <p:cTn id="35" fill="hold">
+                      <p:stCondLst>
+                        <p:cond delay="indefinite"/>
+                      </p:stCondLst>
+                      <p:childTnLst>
+                        <p:par>
+                          <p:cTn id="36" fill="hold">
+                            <p:stCondLst>
+                              <p:cond delay="0"/>
+                            </p:stCondLst>
+                            <p:childTnLst>
+                              <p:par>
+                                <p:cTn id="37" presetID="1" presetClass="entr" presetSubtype="0" fill="hold" grpId="0" nodeType="clickEffect">
+                                  <p:stCondLst>
+                                    <p:cond delay="0"/>
+                                  </p:stCondLst>
+                                  <p:childTnLst>
+                                    <p:set>
+                                      <p:cBhvr>
+                                        <p:cTn id="38" dur="1" fill="hold">
+                                          <p:stCondLst>
+                                            <p:cond delay="0"/>
+                                          </p:stCondLst>
+                                        </p:cTn>
+                                        <p:tgtEl>
+                                          <p:spTgt spid="4">
+                                            <p:txEl>
+                                              <p:pRg st="12" end="12"/>
+                                            </p:txEl>
+                                          </p:spTgt>
+                                        </p:tgtEl>
+                                        <p:attrNameLst>
+                                          <p:attrName>style.visibility</p:attrName>
+                                        </p:attrNameLst>
+                                      </p:cBhvr>
+                                      <p:to>
+                                        <p:strVal val="visible"/>
+                                      </p:to>
+                                    </p:set>
+                                  </p:childTnLst>
+                                </p:cTn>
+                              </p:par>
+                              <p:par>
+                                <p:cTn id="39" presetID="1" presetClass="entr" presetSubtype="0" fill="hold" grpId="0" nodeType="withEffect">
+                                  <p:stCondLst>
+                                    <p:cond delay="0"/>
+                                  </p:stCondLst>
+                                  <p:childTnLst>
+                                    <p:set>
+                                      <p:cBhvr>
+                                        <p:cTn id="40" dur="1" fill="hold">
+                                          <p:stCondLst>
+                                            <p:cond delay="0"/>
+                                          </p:stCondLst>
+                                        </p:cTn>
+                                        <p:tgtEl>
+                                          <p:spTgt spid="4">
+                                            <p:txEl>
+                                              <p:pRg st="13" end="13"/>
+                                            </p:txEl>
+                                          </p:spTgt>
+                                        </p:tgtEl>
+                                        <p:attrNameLst>
+                                          <p:attrName>style.visibility</p:attrName>
+                                        </p:attrNameLst>
+                                      </p:cBhvr>
+                                      <p:to>
+                                        <p:strVal val="visible"/>
+                                      </p:to>
+                                    </p:set>
+                                  </p:childTnLst>
+                                </p:cTn>
+                              </p:par>
+                              <p:par>
+                                <p:cTn id="41" presetID="1" presetClass="entr" presetSubtype="0" fill="hold" grpId="0" nodeType="withEffect">
+                                  <p:stCondLst>
+                                    <p:cond delay="0"/>
+                                  </p:stCondLst>
+                                  <p:childTnLst>
+                                    <p:set>
+                                      <p:cBhvr>
+                                        <p:cTn id="42" dur="1" fill="hold">
+                                          <p:stCondLst>
+                                            <p:cond delay="0"/>
+                                          </p:stCondLst>
+                                        </p:cTn>
+                                        <p:tgtEl>
+                                          <p:spTgt spid="4">
+                                            <p:txEl>
+                                              <p:pRg st="14" end="14"/>
+                                            </p:txEl>
+                                          </p:spTgt>
+                                        </p:tgtEl>
+                                        <p:attrNameLst>
+                                          <p:attrName>style.visibility</p:attrName>
+                                        </p:attrNameLst>
+                                      </p:cBhvr>
+                                      <p:to>
+                                        <p:strVal val="visible"/>
+                                      </p:to>
+                                    </p:set>
+                                  </p:childTnLst>
+                                </p:cTn>
+                              </p:par>
+                            </p:childTnLst>
+                          </p:cTn>
+                        </p:par>
+                      </p:childTnLst>
+                    </p:cTn>
+                  </p:par>
+                </p:childTnLst>
+              </p:cTn>
+              <p:prevCondLst>
+                <p:cond evt="onPrev" delay="0">
+                  <p:tgtEl>
+                    <p:sldTgt/>
+                  </p:tgtEl>
+                </p:cond>
+              </p:prevCondLst>
+              <p:nextCondLst>
+                <p:cond evt="onNext" delay="0">
+                  <p:tgtEl>
+                    <p:sldTgt/>
+                  </p:tgtEl>
+                </p:cond>
+              </p:nextCondLst>
+            </p:seq>
+          </p:childTnLst>
+        </p:cTn>
+      </p:par>
+    </p:tnLst>
+    <p:bldLst>
+      <p:bldP spid="4" grpId="0" build="p"/>
+    </p:bldLst>
+  </p:timing>
 </p:sld>
 </file>
 
@@ -10626,6 +14351,235 @@
   <p:clrMapOvr>
     <a:masterClrMapping/>
   </p:clrMapOvr>
+  <p:timing>
+    <p:tnLst>
+      <p:par>
+        <p:cTn id="1" dur="indefinite" restart="never" nodeType="tmRoot">
+          <p:childTnLst>
+            <p:seq concurrent="1" nextAc="seek">
+              <p:cTn id="2" dur="indefinite" nodeType="mainSeq">
+                <p:childTnLst>
+                  <p:par>
+                    <p:cTn id="3" fill="hold">
+                      <p:stCondLst>
+                        <p:cond delay="indefinite"/>
+                      </p:stCondLst>
+                      <p:childTnLst>
+                        <p:par>
+                          <p:cTn id="4" fill="hold">
+                            <p:stCondLst>
+                              <p:cond delay="0"/>
+                            </p:stCondLst>
+                            <p:childTnLst>
+                              <p:par>
+                                <p:cTn id="5" presetID="1" presetClass="entr" presetSubtype="0" fill="hold" grpId="0" nodeType="clickEffect">
+                                  <p:stCondLst>
+                                    <p:cond delay="0"/>
+                                  </p:stCondLst>
+                                  <p:childTnLst>
+                                    <p:set>
+                                      <p:cBhvr>
+                                        <p:cTn id="6" dur="1" fill="hold">
+                                          <p:stCondLst>
+                                            <p:cond delay="0"/>
+                                          </p:stCondLst>
+                                        </p:cTn>
+                                        <p:tgtEl>
+                                          <p:spTgt spid="3">
+                                            <p:txEl>
+                                              <p:pRg st="0" end="0"/>
+                                            </p:txEl>
+                                          </p:spTgt>
+                                        </p:tgtEl>
+                                        <p:attrNameLst>
+                                          <p:attrName>style.visibility</p:attrName>
+                                        </p:attrNameLst>
+                                      </p:cBhvr>
+                                      <p:to>
+                                        <p:strVal val="visible"/>
+                                      </p:to>
+                                    </p:set>
+                                  </p:childTnLst>
+                                </p:cTn>
+                              </p:par>
+                            </p:childTnLst>
+                          </p:cTn>
+                        </p:par>
+                      </p:childTnLst>
+                    </p:cTn>
+                  </p:par>
+                  <p:par>
+                    <p:cTn id="7" fill="hold">
+                      <p:stCondLst>
+                        <p:cond delay="indefinite"/>
+                      </p:stCondLst>
+                      <p:childTnLst>
+                        <p:par>
+                          <p:cTn id="8" fill="hold">
+                            <p:stCondLst>
+                              <p:cond delay="0"/>
+                            </p:stCondLst>
+                            <p:childTnLst>
+                              <p:par>
+                                <p:cTn id="9" presetID="1" presetClass="entr" presetSubtype="0" fill="hold" grpId="0" nodeType="clickEffect">
+                                  <p:stCondLst>
+                                    <p:cond delay="0"/>
+                                  </p:stCondLst>
+                                  <p:childTnLst>
+                                    <p:set>
+                                      <p:cBhvr>
+                                        <p:cTn id="10" dur="1" fill="hold">
+                                          <p:stCondLst>
+                                            <p:cond delay="0"/>
+                                          </p:stCondLst>
+                                        </p:cTn>
+                                        <p:tgtEl>
+                                          <p:spTgt spid="3">
+                                            <p:txEl>
+                                              <p:pRg st="1" end="1"/>
+                                            </p:txEl>
+                                          </p:spTgt>
+                                        </p:tgtEl>
+                                        <p:attrNameLst>
+                                          <p:attrName>style.visibility</p:attrName>
+                                        </p:attrNameLst>
+                                      </p:cBhvr>
+                                      <p:to>
+                                        <p:strVal val="visible"/>
+                                      </p:to>
+                                    </p:set>
+                                  </p:childTnLst>
+                                </p:cTn>
+                              </p:par>
+                            </p:childTnLst>
+                          </p:cTn>
+                        </p:par>
+                      </p:childTnLst>
+                    </p:cTn>
+                  </p:par>
+                  <p:par>
+                    <p:cTn id="11" fill="hold">
+                      <p:stCondLst>
+                        <p:cond delay="indefinite"/>
+                      </p:stCondLst>
+                      <p:childTnLst>
+                        <p:par>
+                          <p:cTn id="12" fill="hold">
+                            <p:stCondLst>
+                              <p:cond delay="0"/>
+                            </p:stCondLst>
+                            <p:childTnLst>
+                              <p:par>
+                                <p:cTn id="13" presetID="1" presetClass="entr" presetSubtype="0" fill="hold" grpId="0" nodeType="clickEffect">
+                                  <p:stCondLst>
+                                    <p:cond delay="0"/>
+                                  </p:stCondLst>
+                                  <p:childTnLst>
+                                    <p:set>
+                                      <p:cBhvr>
+                                        <p:cTn id="14" dur="1" fill="hold">
+                                          <p:stCondLst>
+                                            <p:cond delay="0"/>
+                                          </p:stCondLst>
+                                        </p:cTn>
+                                        <p:tgtEl>
+                                          <p:spTgt spid="3">
+                                            <p:txEl>
+                                              <p:pRg st="2" end="2"/>
+                                            </p:txEl>
+                                          </p:spTgt>
+                                        </p:tgtEl>
+                                        <p:attrNameLst>
+                                          <p:attrName>style.visibility</p:attrName>
+                                        </p:attrNameLst>
+                                      </p:cBhvr>
+                                      <p:to>
+                                        <p:strVal val="visible"/>
+                                      </p:to>
+                                    </p:set>
+                                  </p:childTnLst>
+                                </p:cTn>
+                              </p:par>
+                            </p:childTnLst>
+                          </p:cTn>
+                        </p:par>
+                      </p:childTnLst>
+                    </p:cTn>
+                  </p:par>
+                  <p:par>
+                    <p:cTn id="15" fill="hold">
+                      <p:stCondLst>
+                        <p:cond delay="indefinite"/>
+                      </p:stCondLst>
+                      <p:childTnLst>
+                        <p:par>
+                          <p:cTn id="16" fill="hold">
+                            <p:stCondLst>
+                              <p:cond delay="0"/>
+                            </p:stCondLst>
+                            <p:childTnLst>
+                              <p:par>
+                                <p:cTn id="17" presetID="1" presetClass="entr" presetSubtype="0" fill="hold" grpId="0" nodeType="clickEffect">
+                                  <p:stCondLst>
+                                    <p:cond delay="0"/>
+                                  </p:stCondLst>
+                                  <p:childTnLst>
+                                    <p:set>
+                                      <p:cBhvr>
+                                        <p:cTn id="18" dur="1" fill="hold">
+                                          <p:stCondLst>
+                                            <p:cond delay="0"/>
+                                          </p:stCondLst>
+                                        </p:cTn>
+                                        <p:tgtEl>
+                                          <p:spTgt spid="3">
+                                            <p:txEl>
+                                              <p:pRg st="3" end="3"/>
+                                            </p:txEl>
+                                          </p:spTgt>
+                                        </p:tgtEl>
+                                        <p:attrNameLst>
+                                          <p:attrName>style.visibility</p:attrName>
+                                        </p:attrNameLst>
+                                      </p:cBhvr>
+                                      <p:to>
+                                        <p:strVal val="visible"/>
+                                      </p:to>
+                                    </p:set>
+                                  </p:childTnLst>
+                                </p:cTn>
+                              </p:par>
+                            </p:childTnLst>
+                          </p:cTn>
+                        </p:par>
+                      </p:childTnLst>
+                    </p:cTn>
+                  </p:par>
+                </p:childTnLst>
+              </p:cTn>
+              <p:prevCondLst>
+                <p:cond evt="onPrev" delay="0">
+                  <p:tgtEl>
+                    <p:sldTgt/>
+                  </p:tgtEl>
+                </p:cond>
+              </p:prevCondLst>
+              <p:nextCondLst>
+                <p:cond evt="onNext" delay="0">
+                  <p:tgtEl>
+                    <p:sldTgt/>
+                  </p:tgtEl>
+                </p:cond>
+              </p:nextCondLst>
+            </p:seq>
+          </p:childTnLst>
+        </p:cTn>
+      </p:par>
+    </p:tnLst>
+    <p:bldLst>
+      <p:bldP spid="3" grpId="0" build="p"/>
+    </p:bldLst>
+  </p:timing>
 </p:sld>
 </file>
 
@@ -10839,6 +14793,496 @@
   <p:clrMapOvr>
     <a:masterClrMapping/>
   </p:clrMapOvr>
+  <p:timing>
+    <p:tnLst>
+      <p:par>
+        <p:cTn id="1" dur="indefinite" restart="never" nodeType="tmRoot">
+          <p:childTnLst>
+            <p:seq concurrent="1" nextAc="seek">
+              <p:cTn id="2" dur="indefinite" nodeType="mainSeq">
+                <p:childTnLst>
+                  <p:par>
+                    <p:cTn id="3" fill="hold">
+                      <p:stCondLst>
+                        <p:cond delay="indefinite"/>
+                      </p:stCondLst>
+                      <p:childTnLst>
+                        <p:par>
+                          <p:cTn id="4" fill="hold">
+                            <p:stCondLst>
+                              <p:cond delay="0"/>
+                            </p:stCondLst>
+                            <p:childTnLst>
+                              <p:par>
+                                <p:cTn id="5" presetID="1" presetClass="entr" presetSubtype="0" fill="hold" grpId="0" nodeType="clickEffect">
+                                  <p:stCondLst>
+                                    <p:cond delay="0"/>
+                                  </p:stCondLst>
+                                  <p:childTnLst>
+                                    <p:set>
+                                      <p:cBhvr>
+                                        <p:cTn id="6" dur="1" fill="hold">
+                                          <p:stCondLst>
+                                            <p:cond delay="0"/>
+                                          </p:stCondLst>
+                                        </p:cTn>
+                                        <p:tgtEl>
+                                          <p:spTgt spid="3">
+                                            <p:txEl>
+                                              <p:pRg st="0" end="0"/>
+                                            </p:txEl>
+                                          </p:spTgt>
+                                        </p:tgtEl>
+                                        <p:attrNameLst>
+                                          <p:attrName>style.visibility</p:attrName>
+                                        </p:attrNameLst>
+                                      </p:cBhvr>
+                                      <p:to>
+                                        <p:strVal val="visible"/>
+                                      </p:to>
+                                    </p:set>
+                                  </p:childTnLst>
+                                </p:cTn>
+                              </p:par>
+                              <p:par>
+                                <p:cTn id="7" presetID="1" presetClass="entr" presetSubtype="0" fill="hold" grpId="0" nodeType="withEffect">
+                                  <p:stCondLst>
+                                    <p:cond delay="0"/>
+                                  </p:stCondLst>
+                                  <p:childTnLst>
+                                    <p:set>
+                                      <p:cBhvr>
+                                        <p:cTn id="8" dur="1" fill="hold">
+                                          <p:stCondLst>
+                                            <p:cond delay="0"/>
+                                          </p:stCondLst>
+                                        </p:cTn>
+                                        <p:tgtEl>
+                                          <p:spTgt spid="3">
+                                            <p:txEl>
+                                              <p:pRg st="1" end="1"/>
+                                            </p:txEl>
+                                          </p:spTgt>
+                                        </p:tgtEl>
+                                        <p:attrNameLst>
+                                          <p:attrName>style.visibility</p:attrName>
+                                        </p:attrNameLst>
+                                      </p:cBhvr>
+                                      <p:to>
+                                        <p:strVal val="visible"/>
+                                      </p:to>
+                                    </p:set>
+                                  </p:childTnLst>
+                                </p:cTn>
+                              </p:par>
+                              <p:par>
+                                <p:cTn id="9" presetID="1" presetClass="entr" presetSubtype="0" fill="hold" grpId="0" nodeType="withEffect">
+                                  <p:stCondLst>
+                                    <p:cond delay="0"/>
+                                  </p:stCondLst>
+                                  <p:childTnLst>
+                                    <p:set>
+                                      <p:cBhvr>
+                                        <p:cTn id="10" dur="1" fill="hold">
+                                          <p:stCondLst>
+                                            <p:cond delay="0"/>
+                                          </p:stCondLst>
+                                        </p:cTn>
+                                        <p:tgtEl>
+                                          <p:spTgt spid="3">
+                                            <p:txEl>
+                                              <p:pRg st="2" end="2"/>
+                                            </p:txEl>
+                                          </p:spTgt>
+                                        </p:tgtEl>
+                                        <p:attrNameLst>
+                                          <p:attrName>style.visibility</p:attrName>
+                                        </p:attrNameLst>
+                                      </p:cBhvr>
+                                      <p:to>
+                                        <p:strVal val="visible"/>
+                                      </p:to>
+                                    </p:set>
+                                  </p:childTnLst>
+                                </p:cTn>
+                              </p:par>
+                              <p:par>
+                                <p:cTn id="11" presetID="1" presetClass="entr" presetSubtype="0" fill="hold" grpId="0" nodeType="withEffect">
+                                  <p:stCondLst>
+                                    <p:cond delay="0"/>
+                                  </p:stCondLst>
+                                  <p:childTnLst>
+                                    <p:set>
+                                      <p:cBhvr>
+                                        <p:cTn id="12" dur="1" fill="hold">
+                                          <p:stCondLst>
+                                            <p:cond delay="0"/>
+                                          </p:stCondLst>
+                                        </p:cTn>
+                                        <p:tgtEl>
+                                          <p:spTgt spid="3">
+                                            <p:txEl>
+                                              <p:pRg st="3" end="3"/>
+                                            </p:txEl>
+                                          </p:spTgt>
+                                        </p:tgtEl>
+                                        <p:attrNameLst>
+                                          <p:attrName>style.visibility</p:attrName>
+                                        </p:attrNameLst>
+                                      </p:cBhvr>
+                                      <p:to>
+                                        <p:strVal val="visible"/>
+                                      </p:to>
+                                    </p:set>
+                                  </p:childTnLst>
+                                </p:cTn>
+                              </p:par>
+                            </p:childTnLst>
+                          </p:cTn>
+                        </p:par>
+                      </p:childTnLst>
+                    </p:cTn>
+                  </p:par>
+                  <p:par>
+                    <p:cTn id="13" fill="hold">
+                      <p:stCondLst>
+                        <p:cond delay="indefinite"/>
+                      </p:stCondLst>
+                      <p:childTnLst>
+                        <p:par>
+                          <p:cTn id="14" fill="hold">
+                            <p:stCondLst>
+                              <p:cond delay="0"/>
+                            </p:stCondLst>
+                            <p:childTnLst>
+                              <p:par>
+                                <p:cTn id="15" presetID="1" presetClass="entr" presetSubtype="0" fill="hold" grpId="0" nodeType="clickEffect">
+                                  <p:stCondLst>
+                                    <p:cond delay="0"/>
+                                  </p:stCondLst>
+                                  <p:childTnLst>
+                                    <p:set>
+                                      <p:cBhvr>
+                                        <p:cTn id="16" dur="1" fill="hold">
+                                          <p:stCondLst>
+                                            <p:cond delay="0"/>
+                                          </p:stCondLst>
+                                        </p:cTn>
+                                        <p:tgtEl>
+                                          <p:spTgt spid="3">
+                                            <p:txEl>
+                                              <p:pRg st="4" end="4"/>
+                                            </p:txEl>
+                                          </p:spTgt>
+                                        </p:tgtEl>
+                                        <p:attrNameLst>
+                                          <p:attrName>style.visibility</p:attrName>
+                                        </p:attrNameLst>
+                                      </p:cBhvr>
+                                      <p:to>
+                                        <p:strVal val="visible"/>
+                                      </p:to>
+                                    </p:set>
+                                  </p:childTnLst>
+                                </p:cTn>
+                              </p:par>
+                              <p:par>
+                                <p:cTn id="17" presetID="1" presetClass="entr" presetSubtype="0" fill="hold" grpId="0" nodeType="withEffect">
+                                  <p:stCondLst>
+                                    <p:cond delay="0"/>
+                                  </p:stCondLst>
+                                  <p:childTnLst>
+                                    <p:set>
+                                      <p:cBhvr>
+                                        <p:cTn id="18" dur="1" fill="hold">
+                                          <p:stCondLst>
+                                            <p:cond delay="0"/>
+                                          </p:stCondLst>
+                                        </p:cTn>
+                                        <p:tgtEl>
+                                          <p:spTgt spid="3">
+                                            <p:txEl>
+                                              <p:pRg st="5" end="5"/>
+                                            </p:txEl>
+                                          </p:spTgt>
+                                        </p:tgtEl>
+                                        <p:attrNameLst>
+                                          <p:attrName>style.visibility</p:attrName>
+                                        </p:attrNameLst>
+                                      </p:cBhvr>
+                                      <p:to>
+                                        <p:strVal val="visible"/>
+                                      </p:to>
+                                    </p:set>
+                                  </p:childTnLst>
+                                </p:cTn>
+                              </p:par>
+                              <p:par>
+                                <p:cTn id="19" presetID="1" presetClass="entr" presetSubtype="0" fill="hold" grpId="0" nodeType="withEffect">
+                                  <p:stCondLst>
+                                    <p:cond delay="0"/>
+                                  </p:stCondLst>
+                                  <p:childTnLst>
+                                    <p:set>
+                                      <p:cBhvr>
+                                        <p:cTn id="20" dur="1" fill="hold">
+                                          <p:stCondLst>
+                                            <p:cond delay="0"/>
+                                          </p:stCondLst>
+                                        </p:cTn>
+                                        <p:tgtEl>
+                                          <p:spTgt spid="3">
+                                            <p:txEl>
+                                              <p:pRg st="6" end="6"/>
+                                            </p:txEl>
+                                          </p:spTgt>
+                                        </p:tgtEl>
+                                        <p:attrNameLst>
+                                          <p:attrName>style.visibility</p:attrName>
+                                        </p:attrNameLst>
+                                      </p:cBhvr>
+                                      <p:to>
+                                        <p:strVal val="visible"/>
+                                      </p:to>
+                                    </p:set>
+                                  </p:childTnLst>
+                                </p:cTn>
+                              </p:par>
+                              <p:par>
+                                <p:cTn id="21" presetID="1" presetClass="entr" presetSubtype="0" fill="hold" grpId="0" nodeType="withEffect">
+                                  <p:stCondLst>
+                                    <p:cond delay="0"/>
+                                  </p:stCondLst>
+                                  <p:childTnLst>
+                                    <p:set>
+                                      <p:cBhvr>
+                                        <p:cTn id="22" dur="1" fill="hold">
+                                          <p:stCondLst>
+                                            <p:cond delay="0"/>
+                                          </p:stCondLst>
+                                        </p:cTn>
+                                        <p:tgtEl>
+                                          <p:spTgt spid="3">
+                                            <p:txEl>
+                                              <p:pRg st="7" end="7"/>
+                                            </p:txEl>
+                                          </p:spTgt>
+                                        </p:tgtEl>
+                                        <p:attrNameLst>
+                                          <p:attrName>style.visibility</p:attrName>
+                                        </p:attrNameLst>
+                                      </p:cBhvr>
+                                      <p:to>
+                                        <p:strVal val="visible"/>
+                                      </p:to>
+                                    </p:set>
+                                  </p:childTnLst>
+                                </p:cTn>
+                              </p:par>
+                              <p:par>
+                                <p:cTn id="23" presetID="1" presetClass="entr" presetSubtype="0" fill="hold" grpId="0" nodeType="withEffect">
+                                  <p:stCondLst>
+                                    <p:cond delay="0"/>
+                                  </p:stCondLst>
+                                  <p:childTnLst>
+                                    <p:set>
+                                      <p:cBhvr>
+                                        <p:cTn id="24" dur="1" fill="hold">
+                                          <p:stCondLst>
+                                            <p:cond delay="0"/>
+                                          </p:stCondLst>
+                                        </p:cTn>
+                                        <p:tgtEl>
+                                          <p:spTgt spid="3">
+                                            <p:txEl>
+                                              <p:pRg st="8" end="8"/>
+                                            </p:txEl>
+                                          </p:spTgt>
+                                        </p:tgtEl>
+                                        <p:attrNameLst>
+                                          <p:attrName>style.visibility</p:attrName>
+                                        </p:attrNameLst>
+                                      </p:cBhvr>
+                                      <p:to>
+                                        <p:strVal val="visible"/>
+                                      </p:to>
+                                    </p:set>
+                                  </p:childTnLst>
+                                </p:cTn>
+                              </p:par>
+                            </p:childTnLst>
+                          </p:cTn>
+                        </p:par>
+                      </p:childTnLst>
+                    </p:cTn>
+                  </p:par>
+                  <p:par>
+                    <p:cTn id="25" fill="hold">
+                      <p:stCondLst>
+                        <p:cond delay="indefinite"/>
+                      </p:stCondLst>
+                      <p:childTnLst>
+                        <p:par>
+                          <p:cTn id="26" fill="hold">
+                            <p:stCondLst>
+                              <p:cond delay="0"/>
+                            </p:stCondLst>
+                            <p:childTnLst>
+                              <p:par>
+                                <p:cTn id="27" presetID="1" presetClass="entr" presetSubtype="0" fill="hold" grpId="0" nodeType="clickEffect">
+                                  <p:stCondLst>
+                                    <p:cond delay="0"/>
+                                  </p:stCondLst>
+                                  <p:childTnLst>
+                                    <p:set>
+                                      <p:cBhvr>
+                                        <p:cTn id="28" dur="1" fill="hold">
+                                          <p:stCondLst>
+                                            <p:cond delay="0"/>
+                                          </p:stCondLst>
+                                        </p:cTn>
+                                        <p:tgtEl>
+                                          <p:spTgt spid="3">
+                                            <p:txEl>
+                                              <p:pRg st="9" end="9"/>
+                                            </p:txEl>
+                                          </p:spTgt>
+                                        </p:tgtEl>
+                                        <p:attrNameLst>
+                                          <p:attrName>style.visibility</p:attrName>
+                                        </p:attrNameLst>
+                                      </p:cBhvr>
+                                      <p:to>
+                                        <p:strVal val="visible"/>
+                                      </p:to>
+                                    </p:set>
+                                  </p:childTnLst>
+                                </p:cTn>
+                              </p:par>
+                              <p:par>
+                                <p:cTn id="29" presetID="1" presetClass="entr" presetSubtype="0" fill="hold" grpId="0" nodeType="withEffect">
+                                  <p:stCondLst>
+                                    <p:cond delay="0"/>
+                                  </p:stCondLst>
+                                  <p:childTnLst>
+                                    <p:set>
+                                      <p:cBhvr>
+                                        <p:cTn id="30" dur="1" fill="hold">
+                                          <p:stCondLst>
+                                            <p:cond delay="0"/>
+                                          </p:stCondLst>
+                                        </p:cTn>
+                                        <p:tgtEl>
+                                          <p:spTgt spid="3">
+                                            <p:txEl>
+                                              <p:pRg st="10" end="10"/>
+                                            </p:txEl>
+                                          </p:spTgt>
+                                        </p:tgtEl>
+                                        <p:attrNameLst>
+                                          <p:attrName>style.visibility</p:attrName>
+                                        </p:attrNameLst>
+                                      </p:cBhvr>
+                                      <p:to>
+                                        <p:strVal val="visible"/>
+                                      </p:to>
+                                    </p:set>
+                                  </p:childTnLst>
+                                </p:cTn>
+                              </p:par>
+                              <p:par>
+                                <p:cTn id="31" presetID="1" presetClass="entr" presetSubtype="0" fill="hold" grpId="0" nodeType="withEffect">
+                                  <p:stCondLst>
+                                    <p:cond delay="0"/>
+                                  </p:stCondLst>
+                                  <p:childTnLst>
+                                    <p:set>
+                                      <p:cBhvr>
+                                        <p:cTn id="32" dur="1" fill="hold">
+                                          <p:stCondLst>
+                                            <p:cond delay="0"/>
+                                          </p:stCondLst>
+                                        </p:cTn>
+                                        <p:tgtEl>
+                                          <p:spTgt spid="3">
+                                            <p:txEl>
+                                              <p:pRg st="11" end="11"/>
+                                            </p:txEl>
+                                          </p:spTgt>
+                                        </p:tgtEl>
+                                        <p:attrNameLst>
+                                          <p:attrName>style.visibility</p:attrName>
+                                        </p:attrNameLst>
+                                      </p:cBhvr>
+                                      <p:to>
+                                        <p:strVal val="visible"/>
+                                      </p:to>
+                                    </p:set>
+                                  </p:childTnLst>
+                                </p:cTn>
+                              </p:par>
+                              <p:par>
+                                <p:cTn id="33" presetID="1" presetClass="entr" presetSubtype="0" fill="hold" grpId="0" nodeType="withEffect">
+                                  <p:stCondLst>
+                                    <p:cond delay="0"/>
+                                  </p:stCondLst>
+                                  <p:childTnLst>
+                                    <p:set>
+                                      <p:cBhvr>
+                                        <p:cTn id="34" dur="1" fill="hold">
+                                          <p:stCondLst>
+                                            <p:cond delay="0"/>
+                                          </p:stCondLst>
+                                        </p:cTn>
+                                        <p:tgtEl>
+                                          <p:spTgt spid="3">
+                                            <p:txEl>
+                                              <p:pRg st="12" end="12"/>
+                                            </p:txEl>
+                                          </p:spTgt>
+                                        </p:tgtEl>
+                                        <p:attrNameLst>
+                                          <p:attrName>style.visibility</p:attrName>
+                                        </p:attrNameLst>
+                                      </p:cBhvr>
+                                      <p:to>
+                                        <p:strVal val="visible"/>
+                                      </p:to>
+                                    </p:set>
+                                  </p:childTnLst>
+                                </p:cTn>
+                              </p:par>
+                            </p:childTnLst>
+                          </p:cTn>
+                        </p:par>
+                      </p:childTnLst>
+                    </p:cTn>
+                  </p:par>
+                </p:childTnLst>
+              </p:cTn>
+              <p:prevCondLst>
+                <p:cond evt="onPrev" delay="0">
+                  <p:tgtEl>
+                    <p:sldTgt/>
+                  </p:tgtEl>
+                </p:cond>
+              </p:prevCondLst>
+              <p:nextCondLst>
+                <p:cond evt="onNext" delay="0">
+                  <p:tgtEl>
+                    <p:sldTgt/>
+                  </p:tgtEl>
+                </p:cond>
+              </p:nextCondLst>
+            </p:seq>
+          </p:childTnLst>
+        </p:cTn>
+      </p:par>
+    </p:tnLst>
+    <p:bldLst>
+      <p:bldP spid="3" grpId="0" build="p"/>
+    </p:bldLst>
+  </p:timing>
 </p:sld>
 </file>
 
@@ -11039,6 +15483,529 @@
   <p:clrMapOvr>
     <a:masterClrMapping/>
   </p:clrMapOvr>
+  <p:timing>
+    <p:tnLst>
+      <p:par>
+        <p:cTn id="1" dur="indefinite" restart="never" nodeType="tmRoot">
+          <p:childTnLst>
+            <p:seq concurrent="1" nextAc="seek">
+              <p:cTn id="2" dur="indefinite" nodeType="mainSeq">
+                <p:childTnLst>
+                  <p:par>
+                    <p:cTn id="3" fill="hold">
+                      <p:stCondLst>
+                        <p:cond delay="indefinite"/>
+                      </p:stCondLst>
+                      <p:childTnLst>
+                        <p:par>
+                          <p:cTn id="4" fill="hold">
+                            <p:stCondLst>
+                              <p:cond delay="0"/>
+                            </p:stCondLst>
+                            <p:childTnLst>
+                              <p:par>
+                                <p:cTn id="5" presetID="1" presetClass="entr" presetSubtype="0" fill="hold" grpId="0" nodeType="clickEffect">
+                                  <p:stCondLst>
+                                    <p:cond delay="0"/>
+                                  </p:stCondLst>
+                                  <p:childTnLst>
+                                    <p:set>
+                                      <p:cBhvr>
+                                        <p:cTn id="6" dur="1" fill="hold">
+                                          <p:stCondLst>
+                                            <p:cond delay="0"/>
+                                          </p:stCondLst>
+                                        </p:cTn>
+                                        <p:tgtEl>
+                                          <p:spTgt spid="3">
+                                            <p:txEl>
+                                              <p:pRg st="0" end="0"/>
+                                            </p:txEl>
+                                          </p:spTgt>
+                                        </p:tgtEl>
+                                        <p:attrNameLst>
+                                          <p:attrName>style.visibility</p:attrName>
+                                        </p:attrNameLst>
+                                      </p:cBhvr>
+                                      <p:to>
+                                        <p:strVal val="visible"/>
+                                      </p:to>
+                                    </p:set>
+                                  </p:childTnLst>
+                                </p:cTn>
+                              </p:par>
+                            </p:childTnLst>
+                          </p:cTn>
+                        </p:par>
+                      </p:childTnLst>
+                    </p:cTn>
+                  </p:par>
+                  <p:par>
+                    <p:cTn id="7" fill="hold">
+                      <p:stCondLst>
+                        <p:cond delay="indefinite"/>
+                      </p:stCondLst>
+                      <p:childTnLst>
+                        <p:par>
+                          <p:cTn id="8" fill="hold">
+                            <p:stCondLst>
+                              <p:cond delay="0"/>
+                            </p:stCondLst>
+                            <p:childTnLst>
+                              <p:par>
+                                <p:cTn id="9" presetID="1" presetClass="entr" presetSubtype="0" fill="hold" grpId="0" nodeType="clickEffect">
+                                  <p:stCondLst>
+                                    <p:cond delay="0"/>
+                                  </p:stCondLst>
+                                  <p:childTnLst>
+                                    <p:set>
+                                      <p:cBhvr>
+                                        <p:cTn id="10" dur="1" fill="hold">
+                                          <p:stCondLst>
+                                            <p:cond delay="0"/>
+                                          </p:stCondLst>
+                                        </p:cTn>
+                                        <p:tgtEl>
+                                          <p:spTgt spid="3">
+                                            <p:txEl>
+                                              <p:pRg st="1" end="1"/>
+                                            </p:txEl>
+                                          </p:spTgt>
+                                        </p:tgtEl>
+                                        <p:attrNameLst>
+                                          <p:attrName>style.visibility</p:attrName>
+                                        </p:attrNameLst>
+                                      </p:cBhvr>
+                                      <p:to>
+                                        <p:strVal val="visible"/>
+                                      </p:to>
+                                    </p:set>
+                                  </p:childTnLst>
+                                </p:cTn>
+                              </p:par>
+                            </p:childTnLst>
+                          </p:cTn>
+                        </p:par>
+                      </p:childTnLst>
+                    </p:cTn>
+                  </p:par>
+                  <p:par>
+                    <p:cTn id="11" fill="hold">
+                      <p:stCondLst>
+                        <p:cond delay="indefinite"/>
+                      </p:stCondLst>
+                      <p:childTnLst>
+                        <p:par>
+                          <p:cTn id="12" fill="hold">
+                            <p:stCondLst>
+                              <p:cond delay="0"/>
+                            </p:stCondLst>
+                            <p:childTnLst>
+                              <p:par>
+                                <p:cTn id="13" presetID="1" presetClass="entr" presetSubtype="0" fill="hold" grpId="0" nodeType="clickEffect">
+                                  <p:stCondLst>
+                                    <p:cond delay="0"/>
+                                  </p:stCondLst>
+                                  <p:childTnLst>
+                                    <p:set>
+                                      <p:cBhvr>
+                                        <p:cTn id="14" dur="1" fill="hold">
+                                          <p:stCondLst>
+                                            <p:cond delay="0"/>
+                                          </p:stCondLst>
+                                        </p:cTn>
+                                        <p:tgtEl>
+                                          <p:spTgt spid="3">
+                                            <p:txEl>
+                                              <p:pRg st="2" end="2"/>
+                                            </p:txEl>
+                                          </p:spTgt>
+                                        </p:tgtEl>
+                                        <p:attrNameLst>
+                                          <p:attrName>style.visibility</p:attrName>
+                                        </p:attrNameLst>
+                                      </p:cBhvr>
+                                      <p:to>
+                                        <p:strVal val="visible"/>
+                                      </p:to>
+                                    </p:set>
+                                  </p:childTnLst>
+                                </p:cTn>
+                              </p:par>
+                            </p:childTnLst>
+                          </p:cTn>
+                        </p:par>
+                      </p:childTnLst>
+                    </p:cTn>
+                  </p:par>
+                  <p:par>
+                    <p:cTn id="15" fill="hold">
+                      <p:stCondLst>
+                        <p:cond delay="indefinite"/>
+                      </p:stCondLst>
+                      <p:childTnLst>
+                        <p:par>
+                          <p:cTn id="16" fill="hold">
+                            <p:stCondLst>
+                              <p:cond delay="0"/>
+                            </p:stCondLst>
+                            <p:childTnLst>
+                              <p:par>
+                                <p:cTn id="17" presetID="1" presetClass="entr" presetSubtype="0" fill="hold" grpId="0" nodeType="clickEffect">
+                                  <p:stCondLst>
+                                    <p:cond delay="0"/>
+                                  </p:stCondLst>
+                                  <p:childTnLst>
+                                    <p:set>
+                                      <p:cBhvr>
+                                        <p:cTn id="18" dur="1" fill="hold">
+                                          <p:stCondLst>
+                                            <p:cond delay="0"/>
+                                          </p:stCondLst>
+                                        </p:cTn>
+                                        <p:tgtEl>
+                                          <p:spTgt spid="3">
+                                            <p:txEl>
+                                              <p:pRg st="3" end="3"/>
+                                            </p:txEl>
+                                          </p:spTgt>
+                                        </p:tgtEl>
+                                        <p:attrNameLst>
+                                          <p:attrName>style.visibility</p:attrName>
+                                        </p:attrNameLst>
+                                      </p:cBhvr>
+                                      <p:to>
+                                        <p:strVal val="visible"/>
+                                      </p:to>
+                                    </p:set>
+                                  </p:childTnLst>
+                                </p:cTn>
+                              </p:par>
+                            </p:childTnLst>
+                          </p:cTn>
+                        </p:par>
+                      </p:childTnLst>
+                    </p:cTn>
+                  </p:par>
+                  <p:par>
+                    <p:cTn id="19" fill="hold">
+                      <p:stCondLst>
+                        <p:cond delay="indefinite"/>
+                      </p:stCondLst>
+                      <p:childTnLst>
+                        <p:par>
+                          <p:cTn id="20" fill="hold">
+                            <p:stCondLst>
+                              <p:cond delay="0"/>
+                            </p:stCondLst>
+                            <p:childTnLst>
+                              <p:par>
+                                <p:cTn id="21" presetID="1" presetClass="entr" presetSubtype="0" fill="hold" grpId="0" nodeType="clickEffect">
+                                  <p:stCondLst>
+                                    <p:cond delay="0"/>
+                                  </p:stCondLst>
+                                  <p:childTnLst>
+                                    <p:set>
+                                      <p:cBhvr>
+                                        <p:cTn id="22" dur="1" fill="hold">
+                                          <p:stCondLst>
+                                            <p:cond delay="0"/>
+                                          </p:stCondLst>
+                                        </p:cTn>
+                                        <p:tgtEl>
+                                          <p:spTgt spid="3">
+                                            <p:txEl>
+                                              <p:pRg st="4" end="4"/>
+                                            </p:txEl>
+                                          </p:spTgt>
+                                        </p:tgtEl>
+                                        <p:attrNameLst>
+                                          <p:attrName>style.visibility</p:attrName>
+                                        </p:attrNameLst>
+                                      </p:cBhvr>
+                                      <p:to>
+                                        <p:strVal val="visible"/>
+                                      </p:to>
+                                    </p:set>
+                                  </p:childTnLst>
+                                </p:cTn>
+                              </p:par>
+                            </p:childTnLst>
+                          </p:cTn>
+                        </p:par>
+                      </p:childTnLst>
+                    </p:cTn>
+                  </p:par>
+                  <p:par>
+                    <p:cTn id="23" fill="hold">
+                      <p:stCondLst>
+                        <p:cond delay="indefinite"/>
+                      </p:stCondLst>
+                      <p:childTnLst>
+                        <p:par>
+                          <p:cTn id="24" fill="hold">
+                            <p:stCondLst>
+                              <p:cond delay="0"/>
+                            </p:stCondLst>
+                            <p:childTnLst>
+                              <p:par>
+                                <p:cTn id="25" presetID="1" presetClass="entr" presetSubtype="0" fill="hold" grpId="0" nodeType="clickEffect">
+                                  <p:stCondLst>
+                                    <p:cond delay="0"/>
+                                  </p:stCondLst>
+                                  <p:childTnLst>
+                                    <p:set>
+                                      <p:cBhvr>
+                                        <p:cTn id="26" dur="1" fill="hold">
+                                          <p:stCondLst>
+                                            <p:cond delay="0"/>
+                                          </p:stCondLst>
+                                        </p:cTn>
+                                        <p:tgtEl>
+                                          <p:spTgt spid="3">
+                                            <p:txEl>
+                                              <p:pRg st="5" end="5"/>
+                                            </p:txEl>
+                                          </p:spTgt>
+                                        </p:tgtEl>
+                                        <p:attrNameLst>
+                                          <p:attrName>style.visibility</p:attrName>
+                                        </p:attrNameLst>
+                                      </p:cBhvr>
+                                      <p:to>
+                                        <p:strVal val="visible"/>
+                                      </p:to>
+                                    </p:set>
+                                  </p:childTnLst>
+                                </p:cTn>
+                              </p:par>
+                            </p:childTnLst>
+                          </p:cTn>
+                        </p:par>
+                      </p:childTnLst>
+                    </p:cTn>
+                  </p:par>
+                  <p:par>
+                    <p:cTn id="27" fill="hold">
+                      <p:stCondLst>
+                        <p:cond delay="indefinite"/>
+                      </p:stCondLst>
+                      <p:childTnLst>
+                        <p:par>
+                          <p:cTn id="28" fill="hold">
+                            <p:stCondLst>
+                              <p:cond delay="0"/>
+                            </p:stCondLst>
+                            <p:childTnLst>
+                              <p:par>
+                                <p:cTn id="29" presetID="1" presetClass="entr" presetSubtype="0" fill="hold" grpId="0" nodeType="clickEffect">
+                                  <p:stCondLst>
+                                    <p:cond delay="0"/>
+                                  </p:stCondLst>
+                                  <p:childTnLst>
+                                    <p:set>
+                                      <p:cBhvr>
+                                        <p:cTn id="30" dur="1" fill="hold">
+                                          <p:stCondLst>
+                                            <p:cond delay="0"/>
+                                          </p:stCondLst>
+                                        </p:cTn>
+                                        <p:tgtEl>
+                                          <p:spTgt spid="3">
+                                            <p:txEl>
+                                              <p:pRg st="6" end="6"/>
+                                            </p:txEl>
+                                          </p:spTgt>
+                                        </p:tgtEl>
+                                        <p:attrNameLst>
+                                          <p:attrName>style.visibility</p:attrName>
+                                        </p:attrNameLst>
+                                      </p:cBhvr>
+                                      <p:to>
+                                        <p:strVal val="visible"/>
+                                      </p:to>
+                                    </p:set>
+                                  </p:childTnLst>
+                                </p:cTn>
+                              </p:par>
+                            </p:childTnLst>
+                          </p:cTn>
+                        </p:par>
+                      </p:childTnLst>
+                    </p:cTn>
+                  </p:par>
+                  <p:par>
+                    <p:cTn id="31" fill="hold">
+                      <p:stCondLst>
+                        <p:cond delay="indefinite"/>
+                      </p:stCondLst>
+                      <p:childTnLst>
+                        <p:par>
+                          <p:cTn id="32" fill="hold">
+                            <p:stCondLst>
+                              <p:cond delay="0"/>
+                            </p:stCondLst>
+                            <p:childTnLst>
+                              <p:par>
+                                <p:cTn id="33" presetID="1" presetClass="entr" presetSubtype="0" fill="hold" grpId="0" nodeType="clickEffect">
+                                  <p:stCondLst>
+                                    <p:cond delay="0"/>
+                                  </p:stCondLst>
+                                  <p:childTnLst>
+                                    <p:set>
+                                      <p:cBhvr>
+                                        <p:cTn id="34" dur="1" fill="hold">
+                                          <p:stCondLst>
+                                            <p:cond delay="0"/>
+                                          </p:stCondLst>
+                                        </p:cTn>
+                                        <p:tgtEl>
+                                          <p:spTgt spid="3">
+                                            <p:txEl>
+                                              <p:pRg st="7" end="7"/>
+                                            </p:txEl>
+                                          </p:spTgt>
+                                        </p:tgtEl>
+                                        <p:attrNameLst>
+                                          <p:attrName>style.visibility</p:attrName>
+                                        </p:attrNameLst>
+                                      </p:cBhvr>
+                                      <p:to>
+                                        <p:strVal val="visible"/>
+                                      </p:to>
+                                    </p:set>
+                                  </p:childTnLst>
+                                </p:cTn>
+                              </p:par>
+                            </p:childTnLst>
+                          </p:cTn>
+                        </p:par>
+                      </p:childTnLst>
+                    </p:cTn>
+                  </p:par>
+                  <p:par>
+                    <p:cTn id="35" fill="hold">
+                      <p:stCondLst>
+                        <p:cond delay="indefinite"/>
+                      </p:stCondLst>
+                      <p:childTnLst>
+                        <p:par>
+                          <p:cTn id="36" fill="hold">
+                            <p:stCondLst>
+                              <p:cond delay="0"/>
+                            </p:stCondLst>
+                            <p:childTnLst>
+                              <p:par>
+                                <p:cTn id="37" presetID="1" presetClass="entr" presetSubtype="0" fill="hold" grpId="0" nodeType="clickEffect">
+                                  <p:stCondLst>
+                                    <p:cond delay="0"/>
+                                  </p:stCondLst>
+                                  <p:childTnLst>
+                                    <p:set>
+                                      <p:cBhvr>
+                                        <p:cTn id="38" dur="1" fill="hold">
+                                          <p:stCondLst>
+                                            <p:cond delay="0"/>
+                                          </p:stCondLst>
+                                        </p:cTn>
+                                        <p:tgtEl>
+                                          <p:spTgt spid="3">
+                                            <p:txEl>
+                                              <p:pRg st="8" end="8"/>
+                                            </p:txEl>
+                                          </p:spTgt>
+                                        </p:tgtEl>
+                                        <p:attrNameLst>
+                                          <p:attrName>style.visibility</p:attrName>
+                                        </p:attrNameLst>
+                                      </p:cBhvr>
+                                      <p:to>
+                                        <p:strVal val="visible"/>
+                                      </p:to>
+                                    </p:set>
+                                  </p:childTnLst>
+                                </p:cTn>
+                              </p:par>
+                            </p:childTnLst>
+                          </p:cTn>
+                        </p:par>
+                      </p:childTnLst>
+                    </p:cTn>
+                  </p:par>
+                  <p:par>
+                    <p:cTn id="39" fill="hold">
+                      <p:stCondLst>
+                        <p:cond delay="indefinite"/>
+                      </p:stCondLst>
+                      <p:childTnLst>
+                        <p:par>
+                          <p:cTn id="40" fill="hold">
+                            <p:stCondLst>
+                              <p:cond delay="0"/>
+                            </p:stCondLst>
+                            <p:childTnLst>
+                              <p:par>
+                                <p:cTn id="41" presetID="1" presetClass="entr" presetSubtype="0" fill="hold" grpId="0" nodeType="clickEffect">
+                                  <p:stCondLst>
+                                    <p:cond delay="0"/>
+                                  </p:stCondLst>
+                                  <p:childTnLst>
+                                    <p:set>
+                                      <p:cBhvr>
+                                        <p:cTn id="42" dur="1" fill="hold">
+                                          <p:stCondLst>
+                                            <p:cond delay="0"/>
+                                          </p:stCondLst>
+                                        </p:cTn>
+                                        <p:tgtEl>
+                                          <p:spTgt spid="3">
+                                            <p:txEl>
+                                              <p:pRg st="9" end="9"/>
+                                            </p:txEl>
+                                          </p:spTgt>
+                                        </p:tgtEl>
+                                        <p:attrNameLst>
+                                          <p:attrName>style.visibility</p:attrName>
+                                        </p:attrNameLst>
+                                      </p:cBhvr>
+                                      <p:to>
+                                        <p:strVal val="visible"/>
+                                      </p:to>
+                                    </p:set>
+                                  </p:childTnLst>
+                                </p:cTn>
+                              </p:par>
+                            </p:childTnLst>
+                          </p:cTn>
+                        </p:par>
+                      </p:childTnLst>
+                    </p:cTn>
+                  </p:par>
+                </p:childTnLst>
+              </p:cTn>
+              <p:prevCondLst>
+                <p:cond evt="onPrev" delay="0">
+                  <p:tgtEl>
+                    <p:sldTgt/>
+                  </p:tgtEl>
+                </p:cond>
+              </p:prevCondLst>
+              <p:nextCondLst>
+                <p:cond evt="onNext" delay="0">
+                  <p:tgtEl>
+                    <p:sldTgt/>
+                  </p:tgtEl>
+                </p:cond>
+              </p:nextCondLst>
+            </p:seq>
+          </p:childTnLst>
+        </p:cTn>
+      </p:par>
+    </p:tnLst>
+    <p:bldLst>
+      <p:bldP spid="3" grpId="0" build="p"/>
+    </p:bldLst>
+  </p:timing>
 </p:sld>
 </file>
 

--- a/presentation_materials/vision_transformers.pptx
+++ b/presentation_materials/vision_transformers.pptx
@@ -5,35 +5,33 @@
     <p:sldMasterId id="2147483648" r:id="rId1"/>
   </p:sldMasterIdLst>
   <p:notesMasterIdLst>
-    <p:notesMasterId r:id="rId28"/>
+    <p:notesMasterId r:id="rId26"/>
   </p:notesMasterIdLst>
   <p:sldIdLst>
     <p:sldId id="258" r:id="rId2"/>
-    <p:sldId id="260" r:id="rId3"/>
-    <p:sldId id="262" r:id="rId4"/>
-    <p:sldId id="276" r:id="rId5"/>
-    <p:sldId id="277" r:id="rId6"/>
-    <p:sldId id="264" r:id="rId7"/>
-    <p:sldId id="267" r:id="rId8"/>
+    <p:sldId id="301" r:id="rId3"/>
+    <p:sldId id="260" r:id="rId4"/>
+    <p:sldId id="277" r:id="rId5"/>
+    <p:sldId id="303" r:id="rId6"/>
+    <p:sldId id="300" r:id="rId7"/>
+    <p:sldId id="302" r:id="rId8"/>
     <p:sldId id="268" r:id="rId9"/>
     <p:sldId id="273" r:id="rId10"/>
-    <p:sldId id="285" r:id="rId11"/>
-    <p:sldId id="286" r:id="rId12"/>
-    <p:sldId id="298" r:id="rId13"/>
-    <p:sldId id="288" r:id="rId14"/>
-    <p:sldId id="278" r:id="rId15"/>
-    <p:sldId id="280" r:id="rId16"/>
-    <p:sldId id="281" r:id="rId17"/>
-    <p:sldId id="282" r:id="rId18"/>
-    <p:sldId id="283" r:id="rId19"/>
-    <p:sldId id="290" r:id="rId20"/>
-    <p:sldId id="291" r:id="rId21"/>
-    <p:sldId id="292" r:id="rId22"/>
-    <p:sldId id="294" r:id="rId23"/>
+    <p:sldId id="298" r:id="rId11"/>
+    <p:sldId id="288" r:id="rId12"/>
+    <p:sldId id="278" r:id="rId13"/>
+    <p:sldId id="280" r:id="rId14"/>
+    <p:sldId id="281" r:id="rId15"/>
+    <p:sldId id="282" r:id="rId16"/>
+    <p:sldId id="283" r:id="rId17"/>
+    <p:sldId id="290" r:id="rId18"/>
+    <p:sldId id="291" r:id="rId19"/>
+    <p:sldId id="292" r:id="rId20"/>
+    <p:sldId id="294" r:id="rId21"/>
+    <p:sldId id="285" r:id="rId22"/>
+    <p:sldId id="286" r:id="rId23"/>
     <p:sldId id="297" r:id="rId24"/>
-    <p:sldId id="299" r:id="rId25"/>
-    <p:sldId id="300" r:id="rId26"/>
-    <p:sldId id="293" r:id="rId27"/>
+    <p:sldId id="293" r:id="rId25"/>
   </p:sldIdLst>
   <p:sldSz cx="12192000" cy="6858000"/>
   <p:notesSz cx="6858000" cy="9144000"/>
@@ -534,7 +532,22 @@
           <a:bodyPr/>
           <a:lstStyle/>
           <a:p>
-            <a:endParaRPr lang="en-US"/>
+            <a:r>
+              <a:rPr lang="en-AU" i="1" dirty="0"/>
+              <a:t>These aren't minor issues - they're fundamental architectural limitations of </a:t>
+            </a:r>
+            <a:r>
+              <a:rPr lang="en-AU" i="1" dirty="0" err="1"/>
+              <a:t>LayoutLM</a:t>
+            </a:r>
+            <a:r>
+              <a:rPr lang="en-AU" i="1" dirty="0"/>
+              <a:t> v1 that prevent scaling and improvement. Note: Later versions (v2, v3) addressed some of these issues by adopting image patches, but most production systems still use v1.</a:t>
+            </a:r>
+            <a:endParaRPr lang="en-AU" dirty="0"/>
+          </a:p>
+          <a:p>
+            <a:endParaRPr lang="en-US" dirty="0"/>
           </a:p>
         </p:txBody>
       </p:sp>
@@ -555,7 +568,7 @@
           <a:p>
             <a:fld id="{4421CEC5-989B-3B48-AA40-5F6C85F6110C}" type="slidenum">
               <a:rPr lang="en-US" smtClean="0"/>
-              <a:t>3</a:t>
+              <a:t>4</a:t>
             </a:fld>
             <a:endParaRPr lang="en-US"/>
           </a:p>
@@ -564,7 +577,7 @@
     </p:spTree>
     <p:extLst>
       <p:ext uri="{BB962C8B-B14F-4D97-AF65-F5344CB8AC3E}">
-        <p14:creationId xmlns:p14="http://schemas.microsoft.com/office/powerpoint/2010/main" val="507139716"/>
+        <p14:creationId xmlns:p14="http://schemas.microsoft.com/office/powerpoint/2010/main" val="3998264995"/>
       </p:ext>
     </p:extLst>
   </p:cSld>
@@ -645,31 +658,7 @@
                 <a:ea typeface="+mn-ea"/>
                 <a:cs typeface="+mn-cs"/>
               </a:rPr>
-              <a:t>Speaker Notes: The original </a:t>
-            </a:r>
-            <a:r>
-              <a:rPr lang="en-AU" sz="1200" b="0" i="1" kern="1200" dirty="0" err="1">
-                <a:solidFill>
-                  <a:schemeClr val="tx1"/>
-                </a:solidFill>
-                <a:effectLst/>
-                <a:latin typeface="+mn-lt"/>
-                <a:ea typeface="+mn-ea"/>
-                <a:cs typeface="+mn-cs"/>
-              </a:rPr>
-              <a:t>ViT</a:t>
-            </a:r>
-            <a:r>
-              <a:rPr lang="en-AU" sz="1200" b="0" i="1" kern="1200" dirty="0">
-                <a:solidFill>
-                  <a:schemeClr val="tx1"/>
-                </a:solidFill>
-                <a:effectLst/>
-                <a:latin typeface="+mn-lt"/>
-                <a:ea typeface="+mn-ea"/>
-                <a:cs typeface="+mn-cs"/>
-              </a:rPr>
-              <a:t> breakthrough enabled all modern vision-language models. Key innovation: treats image patches like text tokens, applying transformers directly. All semantics (text, visual, spatial) are unified in one model with no information loss. Modern adaptations like InternVL3 and Llama-3.2-Vision build on this foundation for document understanding. Let's dive into each stage...</a:t>
+              <a:t>Speaker Notes: Attention mechanisms naturally model document structure. Each patch can attend to every other patch, creating global understanding of relationships. </a:t>
             </a:r>
             <a:endParaRPr lang="en-AU" sz="1200" b="0" kern="1200" dirty="0">
               <a:solidFill>
@@ -703,7 +692,7 @@
           <a:p>
             <a:fld id="{4421CEC5-989B-3B48-AA40-5F6C85F6110C}" type="slidenum">
               <a:rPr lang="en-US" smtClean="0"/>
-              <a:t>13</a:t>
+              <a:t>17</a:t>
             </a:fld>
             <a:endParaRPr lang="en-US"/>
           </a:p>
@@ -712,7 +701,7 @@
     </p:spTree>
     <p:extLst>
       <p:ext uri="{BB962C8B-B14F-4D97-AF65-F5344CB8AC3E}">
-        <p14:creationId xmlns:p14="http://schemas.microsoft.com/office/powerpoint/2010/main" val="3694999143"/>
+        <p14:creationId xmlns:p14="http://schemas.microsoft.com/office/powerpoint/2010/main" val="2245474899"/>
       </p:ext>
     </p:extLst>
   </p:cSld>
@@ -766,11 +755,92 @@
           <a:bodyPr/>
           <a:lstStyle/>
           <a:p>
-            <a:r>
-              <a:rPr lang="en-AU" i="1" dirty="0"/>
-              <a:t>Speaker Notes: This is the key insight that will help you understand Vision Transformers - they use the EXACT SAME architecture you already know from text transformers. In 2017, "Attention is All You Need" showed that self-attention could replace recurrent networks for text. The breakthrough was realizing that images could be treated the same way as text. Instead of tokenizing "The quick brown fox" into words, we tokenize a Hyatt Hotels invoice into 16x16 pixel patches. The magic is that the encoder stack - the multi-head self-attention and feed forward networks - is IDENTICAL. Same architecture, same self-attention mechanism, same position encoding concept. The only differences are the input (text tokens vs image patches) and output (language understanding vs vision-language fusion). This is why Vision Transformers were so revolutionary - they didn't invent new architectures, they brilliantly applied the transformer architecture to a completely different domain. Your audience already understands how transformers work for text - now they'll see it's the same technology applied to vision.</a:t>
-            </a:r>
-            <a:endParaRPr lang="en-AU" dirty="0"/>
+            <a:pPr marL="0" marR="0" lvl="0" indent="0" algn="l" defTabSz="914400" rtl="0" eaLnBrk="1" fontAlgn="auto" latinLnBrk="0" hangingPunct="1">
+              <a:lnSpc>
+                <a:spcPct val="100000"/>
+              </a:lnSpc>
+              <a:spcBef>
+                <a:spcPts val="0"/>
+              </a:spcBef>
+              <a:spcAft>
+                <a:spcPts val="0"/>
+              </a:spcAft>
+              <a:buClrTx/>
+              <a:buSzTx/>
+              <a:buFontTx/>
+              <a:buNone/>
+              <a:tabLst/>
+              <a:defRPr/>
+            </a:pPr>
+            <a:r>
+              <a:rPr lang="en-AU" sz="1200" b="0" i="1" kern="1200" dirty="0">
+                <a:solidFill>
+                  <a:schemeClr val="tx1"/>
+                </a:solidFill>
+                <a:effectLst/>
+                <a:latin typeface="+mn-lt"/>
+                <a:ea typeface="+mn-ea"/>
+                <a:cs typeface="+mn-cs"/>
+              </a:rPr>
+              <a:t>The architecture determines semantic capture quality. </a:t>
+            </a:r>
+            <a:r>
+              <a:rPr lang="en-AU" sz="1200" b="0" i="1" kern="1200" dirty="0" err="1">
+                <a:solidFill>
+                  <a:schemeClr val="tx1"/>
+                </a:solidFill>
+                <a:effectLst/>
+                <a:latin typeface="+mn-lt"/>
+                <a:ea typeface="+mn-ea"/>
+                <a:cs typeface="+mn-cs"/>
+              </a:rPr>
+              <a:t>LayoutLM</a:t>
+            </a:r>
+            <a:r>
+              <a:rPr lang="en-AU" sz="1200" b="0" i="1" kern="1200" dirty="0">
+                <a:solidFill>
+                  <a:schemeClr val="tx1"/>
+                </a:solidFill>
+                <a:effectLst/>
+                <a:latin typeface="+mn-lt"/>
+                <a:ea typeface="+mn-ea"/>
+                <a:cs typeface="+mn-cs"/>
+              </a:rPr>
+              <a:t> captures information in 3 separate streams then awkwardly fuses them. Vision Transformers capture information holistically from the start. Research consistently shows </a:t>
+            </a:r>
+            <a:r>
+              <a:rPr lang="en-AU" sz="1200" b="0" i="1" kern="1200" dirty="0" err="1">
+                <a:solidFill>
+                  <a:schemeClr val="tx1"/>
+                </a:solidFill>
+                <a:effectLst/>
+                <a:latin typeface="+mn-lt"/>
+                <a:ea typeface="+mn-ea"/>
+                <a:cs typeface="+mn-cs"/>
+              </a:rPr>
+              <a:t>ViT</a:t>
+            </a:r>
+            <a:r>
+              <a:rPr lang="en-AU" sz="1200" b="0" i="1" kern="1200" dirty="0">
+                <a:solidFill>
+                  <a:schemeClr val="tx1"/>
+                </a:solidFill>
+                <a:effectLst/>
+                <a:latin typeface="+mn-lt"/>
+                <a:ea typeface="+mn-ea"/>
+                <a:cs typeface="+mn-cs"/>
+              </a:rPr>
+              <a:t> superiority over OCR-dependent approaches.</a:t>
+            </a:r>
+            <a:endParaRPr lang="en-AU" sz="1200" b="0" kern="1200" dirty="0">
+              <a:solidFill>
+                <a:schemeClr val="tx1"/>
+              </a:solidFill>
+              <a:effectLst/>
+              <a:latin typeface="+mn-lt"/>
+              <a:ea typeface="+mn-ea"/>
+              <a:cs typeface="+mn-cs"/>
+            </a:endParaRPr>
           </a:p>
           <a:p>
             <a:endParaRPr lang="en-US" dirty="0"/>
@@ -794,7 +864,7 @@
           <a:p>
             <a:fld id="{4421CEC5-989B-3B48-AA40-5F6C85F6110C}" type="slidenum">
               <a:rPr lang="en-US" smtClean="0"/>
-              <a:t>14</a:t>
+              <a:t>18</a:t>
             </a:fld>
             <a:endParaRPr lang="en-US"/>
           </a:p>
@@ -803,7 +873,7 @@
     </p:spTree>
     <p:extLst>
       <p:ext uri="{BB962C8B-B14F-4D97-AF65-F5344CB8AC3E}">
-        <p14:creationId xmlns:p14="http://schemas.microsoft.com/office/powerpoint/2010/main" val="60039520"/>
+        <p14:creationId xmlns:p14="http://schemas.microsoft.com/office/powerpoint/2010/main" val="2521984515"/>
       </p:ext>
     </p:extLst>
   </p:cSld>
@@ -857,19 +927,68 @@
           <a:bodyPr/>
           <a:lstStyle/>
           <a:p>
-            <a:r>
-              <a:rPr lang="en-AU" i="1" dirty="0"/>
-              <a:t>Speaker Notes: Before we dive into details, let's understand the overall architecture. Vision Transformers process documents through three main stages that work together seamlessly. Stage 1 converts the document image into encoded patches that transformers can understand. Stage 2 uses self-attention to build global understanding of the document structure and content. Stage 3 converts this understanding into the structured output we need. Unlike </a:t>
-            </a:r>
-            <a:r>
-              <a:rPr lang="en-AU" i="1" dirty="0" err="1"/>
-              <a:t>LayoutLM's</a:t>
-            </a:r>
-            <a:r>
-              <a:rPr lang="en-AU" i="1" dirty="0"/>
-              <a:t> fragmented approach, this is one unified pipeline where each stage feeds directly into the next. Now let's explore each stage in detail...</a:t>
-            </a:r>
-            <a:endParaRPr lang="en-AU" dirty="0"/>
+            <a:pPr marL="0" marR="0" lvl="0" indent="0" algn="l" defTabSz="914400" rtl="0" eaLnBrk="1" fontAlgn="auto" latinLnBrk="0" hangingPunct="1">
+              <a:lnSpc>
+                <a:spcPct val="100000"/>
+              </a:lnSpc>
+              <a:spcBef>
+                <a:spcPts val="0"/>
+              </a:spcBef>
+              <a:spcAft>
+                <a:spcPts val="0"/>
+              </a:spcAft>
+              <a:buClrTx/>
+              <a:buSzTx/>
+              <a:buFontTx/>
+              <a:buNone/>
+              <a:tabLst/>
+              <a:defRPr/>
+            </a:pPr>
+            <a:r>
+              <a:rPr lang="en-AU" sz="1200" b="0" i="1" kern="1200" dirty="0">
+                <a:solidFill>
+                  <a:schemeClr val="tx1"/>
+                </a:solidFill>
+                <a:effectLst/>
+                <a:latin typeface="+mn-lt"/>
+                <a:ea typeface="+mn-ea"/>
+                <a:cs typeface="+mn-cs"/>
+              </a:rPr>
+              <a:t>Speaker Notes: This diagram shows the complete Vision Transformer pipeline processing our Hyatt Hotels invoice. Notice how the model progresses from </a:t>
+            </a:r>
+            <a:r>
+              <a:rPr lang="en-AU" sz="1200" b="0" i="1" kern="1200" dirty="0" err="1">
+                <a:solidFill>
+                  <a:schemeClr val="tx1"/>
+                </a:solidFill>
+                <a:effectLst/>
+                <a:latin typeface="+mn-lt"/>
+                <a:ea typeface="+mn-ea"/>
+                <a:cs typeface="+mn-cs"/>
+              </a:rPr>
+              <a:t>analyzing</a:t>
+            </a:r>
+            <a:r>
+              <a:rPr lang="en-AU" sz="1200" b="0" i="1" kern="1200" dirty="0">
+                <a:solidFill>
+                  <a:schemeClr val="tx1"/>
+                </a:solidFill>
+                <a:effectLst/>
+                <a:latin typeface="+mn-lt"/>
+                <a:ea typeface="+mn-ea"/>
+                <a:cs typeface="+mn-cs"/>
+              </a:rPr>
+              <a:t> individual patches (header, items, totals, payment) through multiple attention layers that build regional and then global understanding. The semantic understanding phase identifies relationships like "Subtotal + GST → Total", and finally generates all the structured output fields we need.</a:t>
+            </a:r>
+            <a:endParaRPr lang="en-AU" sz="1200" b="0" kern="1200" dirty="0">
+              <a:solidFill>
+                <a:schemeClr val="tx1"/>
+              </a:solidFill>
+              <a:effectLst/>
+              <a:latin typeface="+mn-lt"/>
+              <a:ea typeface="+mn-ea"/>
+              <a:cs typeface="+mn-cs"/>
+            </a:endParaRPr>
           </a:p>
           <a:p>
             <a:endParaRPr lang="en-US" dirty="0"/>
@@ -893,7 +1012,7 @@
           <a:p>
             <a:fld id="{4421CEC5-989B-3B48-AA40-5F6C85F6110C}" type="slidenum">
               <a:rPr lang="en-US" smtClean="0"/>
-              <a:t>15</a:t>
+              <a:t>19</a:t>
             </a:fld>
             <a:endParaRPr lang="en-US"/>
           </a:p>
@@ -902,7 +1021,7 @@
     </p:spTree>
     <p:extLst>
       <p:ext uri="{BB962C8B-B14F-4D97-AF65-F5344CB8AC3E}">
-        <p14:creationId xmlns:p14="http://schemas.microsoft.com/office/powerpoint/2010/main" val="3965173128"/>
+        <p14:creationId xmlns:p14="http://schemas.microsoft.com/office/powerpoint/2010/main" val="1849044882"/>
       </p:ext>
     </p:extLst>
   </p:cSld>
@@ -957,13 +1076,26 @@
           <a:lstStyle/>
           <a:p>
             <a:r>
-              <a:rPr lang="en-AU" i="1" dirty="0"/>
-              <a:t>Speaker Notes: This is where the magic begins. Unlike OCR which tries to extract text first, Vision Transformers treat the entire image as data. A Hyatt Hotels invoice gets split into 16x16 pixel patches - maybe 100-200 patches total. Each patch becomes a mathematical vector, just like a word in a sentence. The position encoding tells the model "this patch is in the top-left corner, this one is bottom-right" - spatial relationships are preserved. The result is a sequence of encoded patches that the transformer can process, with no information lost to OCR failures.</a:t>
-            </a:r>
-            <a:endParaRPr lang="en-AU" dirty="0"/>
-          </a:p>
-          <a:p>
-            <a:endParaRPr lang="en-US" dirty="0"/>
+              <a:rPr lang="en-US" b="0" dirty="0"/>
+              <a:t>I watched a </a:t>
+            </a:r>
+            <a:r>
+              <a:rPr lang="en-US" b="0" dirty="0" err="1"/>
+              <a:t>youtube</a:t>
+            </a:r>
+            <a:r>
+              <a:rPr lang="en-US" b="0" dirty="0"/>
+              <a:t> video this morning where </a:t>
+            </a:r>
+            <a:r>
+              <a:rPr lang="en-AU" b="1" dirty="0"/>
+              <a:t>Llama-3.2-Vision-11B</a:t>
+            </a:r>
+            <a:r>
+              <a:rPr lang="en-AU" b="0" dirty="0"/>
+              <a:t> was shown the image of the classic 3-4-5 right triangle and the prompt asked for the missing hypotenuse given the length of the two shorter sides. The then proceeded to solve for the missing side, with a step-by-step proof that any Year 9 student would be proud of.</a:t>
+            </a:r>
+            <a:endParaRPr lang="en-US" b="0" dirty="0"/>
           </a:p>
         </p:txBody>
       </p:sp>
@@ -984,7 +1116,7 @@
           <a:p>
             <a:fld id="{4421CEC5-989B-3B48-AA40-5F6C85F6110C}" type="slidenum">
               <a:rPr lang="en-US" smtClean="0"/>
-              <a:t>16</a:t>
+              <a:t>20</a:t>
             </a:fld>
             <a:endParaRPr lang="en-US"/>
           </a:p>
@@ -993,7 +1125,7 @@
     </p:spTree>
     <p:extLst>
       <p:ext uri="{BB962C8B-B14F-4D97-AF65-F5344CB8AC3E}">
-        <p14:creationId xmlns:p14="http://schemas.microsoft.com/office/powerpoint/2010/main" val="1225478442"/>
+        <p14:creationId xmlns:p14="http://schemas.microsoft.com/office/powerpoint/2010/main" val="1147594856"/>
       </p:ext>
     </p:extLst>
   </p:cSld>
@@ -1049,7 +1181,17 @@
           <a:p>
             <a:r>
               <a:rPr lang="en-AU" i="1" dirty="0"/>
-              <a:t>Speaker Notes: This is where Vision Transformers really shine. In traditional approaches, you extract text from one part of the document, then try to connect it to other parts later. Here, every patch of the document can "attend to" every other patch simultaneously. When processing that Hyatt Hotels invoice, the patch containing "TOTAL" can directly connect to patches containing "$31.33", "GST", and line items - all in one step. This happens 12-24 times through the layers, building increasingly sophisticated understanding. No sequential processing, no coordination problems - just direct global understanding.</a:t>
+              <a:t>Speaker Notes: Now let's see Vision Transformers in action with a real example. On the left, you see our extraction prompt - this is the same prompt used for both models, asking for 26 specific fields including supplier, ABN, date, amounts, and line items. The prompt is dynamically generated from our YAML configuration, ensuring consistency across all extractions.</a:t>
+            </a:r>
+            <a:endParaRPr lang="en-AU" dirty="0"/>
+          </a:p>
+          <a:p>
+            <a:br>
+              <a:rPr lang="en-AU" dirty="0"/>
+            </a:br>
+            <a:r>
+              <a:rPr lang="en-AU" i="1" dirty="0"/>
+              <a:t>On the right is synthetic invoice #14 - a Hyatt Hotels receipt showing typical complexity: header information, line items (Milk, Apples, Beef), subtotal, GST calculation, and total. This represents the kind of document we process thousands of times daily. Notice the visual elements - logos, formatting, table structure - that OCR-based systems struggle with but Vision Transformers handle naturally. Let's see how both models perform on this exact document...</a:t>
             </a:r>
             <a:endParaRPr lang="en-AU" dirty="0"/>
           </a:p>
@@ -1075,7 +1217,7 @@
           <a:p>
             <a:fld id="{4421CEC5-989B-3B48-AA40-5F6C85F6110C}" type="slidenum">
               <a:rPr lang="en-US" smtClean="0"/>
-              <a:t>17</a:t>
+              <a:t>21</a:t>
             </a:fld>
             <a:endParaRPr lang="en-US"/>
           </a:p>
@@ -1084,7 +1226,7 @@
     </p:spTree>
     <p:extLst>
       <p:ext uri="{BB962C8B-B14F-4D97-AF65-F5344CB8AC3E}">
-        <p14:creationId xmlns:p14="http://schemas.microsoft.com/office/powerpoint/2010/main" val="2011058690"/>
+        <p14:creationId xmlns:p14="http://schemas.microsoft.com/office/powerpoint/2010/main" val="1457872998"/>
       </p:ext>
     </p:extLst>
   </p:cSld>
@@ -1140,27 +1282,30 @@
           <a:p>
             <a:r>
               <a:rPr lang="en-AU" i="1" dirty="0"/>
-              <a:t>The final stage converts the rich visual understanding into the structured output we need. </a:t>
-            </a:r>
-          </a:p>
-          <a:p>
+              <a:t>Speaker Notes: Here are the actual results from both models processing that same Hyatt Hotels invoice. Both successfully extracted the key information: supplier name "Hyatt Hotels", correct ABN, accurate amounts and GST calculations, and complete line item details. The output format is clean and structured - exactly what our downstream systems need.</a:t>
+            </a:r>
+            <a:endParaRPr lang="en-AU" dirty="0"/>
+          </a:p>
+          <a:p>
+            <a:br>
+              <a:rPr lang="en-AU" dirty="0"/>
+            </a:br>
             <a:r>
               <a:rPr lang="en-AU" i="1" dirty="0"/>
-              <a:t>The vision-language fusion layer has learned to connect visual patterns - like "$31.33 in large text near the word TOTAL" - to semantic concepts like "this is the document amount". </a:t>
-            </a:r>
-          </a:p>
-          <a:p>
+              <a:t>Notice that both models achieved similar field accuracy rates around 59%, but with different strengths. Llama-3.2-Vision excelled at precise formatting while InternVL3 showed better handling of complex layouts. Both significantly outperform our current </a:t>
+            </a:r>
+            <a:r>
+              <a:rPr lang="en-AU" i="1" dirty="0" err="1"/>
+              <a:t>LayoutLM</a:t>
+            </a:r>
             <a:r>
               <a:rPr lang="en-AU" i="1" dirty="0"/>
-              <a:t>The language model head then generates clean, structured text in exactly the format we specify. </a:t>
-            </a:r>
-          </a:p>
-          <a:p>
-            <a:r>
-              <a:rPr lang="en-AU" i="1" dirty="0"/>
-              <a:t>No post-processing, no template matching, no coordination between separate models. One unified system that goes from pixels to structured data.</a:t>
+              <a:t> baseline. Most importantly, both models processed this document end-to-end with zero failures - no OCR errors, no pipeline breaks, no manual intervention required. This reliability is what makes Vision Transformers production-ready.</a:t>
             </a:r>
             <a:endParaRPr lang="en-AU" dirty="0"/>
+          </a:p>
+          <a:p>
+            <a:endParaRPr lang="en-US" dirty="0"/>
           </a:p>
         </p:txBody>
       </p:sp>
@@ -1181,7 +1326,7 @@
           <a:p>
             <a:fld id="{4421CEC5-989B-3B48-AA40-5F6C85F6110C}" type="slidenum">
               <a:rPr lang="en-US" smtClean="0"/>
-              <a:t>18</a:t>
+              <a:t>22</a:t>
             </a:fld>
             <a:endParaRPr lang="en-US"/>
           </a:p>
@@ -1190,7 +1335,7 @@
     </p:spTree>
     <p:extLst>
       <p:ext uri="{BB962C8B-B14F-4D97-AF65-F5344CB8AC3E}">
-        <p14:creationId xmlns:p14="http://schemas.microsoft.com/office/powerpoint/2010/main" val="2255041967"/>
+        <p14:creationId xmlns:p14="http://schemas.microsoft.com/office/powerpoint/2010/main" val="819999616"/>
       </p:ext>
     </p:extLst>
   </p:cSld>
@@ -1244,47 +1389,7 @@
           <a:bodyPr/>
           <a:lstStyle/>
           <a:p>
-            <a:pPr marL="0" marR="0" lvl="0" indent="0" algn="l" defTabSz="914400" rtl="0" eaLnBrk="1" fontAlgn="auto" latinLnBrk="0" hangingPunct="1">
-              <a:lnSpc>
-                <a:spcPct val="100000"/>
-              </a:lnSpc>
-              <a:spcBef>
-                <a:spcPts val="0"/>
-              </a:spcBef>
-              <a:spcAft>
-                <a:spcPts val="0"/>
-              </a:spcAft>
-              <a:buClrTx/>
-              <a:buSzTx/>
-              <a:buFontTx/>
-              <a:buNone/>
-              <a:tabLst/>
-              <a:defRPr/>
-            </a:pPr>
-            <a:r>
-              <a:rPr lang="en-AU" sz="1200" b="0" i="1" kern="1200" dirty="0">
-                <a:solidFill>
-                  <a:schemeClr val="tx1"/>
-                </a:solidFill>
-                <a:effectLst/>
-                <a:latin typeface="+mn-lt"/>
-                <a:ea typeface="+mn-ea"/>
-                <a:cs typeface="+mn-cs"/>
-              </a:rPr>
-              <a:t>Speaker Notes: Attention mechanisms naturally model document structure. Each patch can attend to every other patch, creating global understanding of relationships. </a:t>
-            </a:r>
-            <a:endParaRPr lang="en-AU" sz="1200" b="0" kern="1200" dirty="0">
-              <a:solidFill>
-                <a:schemeClr val="tx1"/>
-              </a:solidFill>
-              <a:effectLst/>
-              <a:latin typeface="+mn-lt"/>
-              <a:ea typeface="+mn-ea"/>
-              <a:cs typeface="+mn-cs"/>
-            </a:endParaRPr>
-          </a:p>
-          <a:p>
-            <a:endParaRPr lang="en-US" dirty="0"/>
+            <a:endParaRPr lang="en-US"/>
           </a:p>
         </p:txBody>
       </p:sp>
@@ -1305,7 +1410,7 @@
           <a:p>
             <a:fld id="{4421CEC5-989B-3B48-AA40-5F6C85F6110C}" type="slidenum">
               <a:rPr lang="en-US" smtClean="0"/>
-              <a:t>19</a:t>
+              <a:t>23</a:t>
             </a:fld>
             <a:endParaRPr lang="en-US"/>
           </a:p>
@@ -1314,7 +1419,7 @@
     </p:spTree>
     <p:extLst>
       <p:ext uri="{BB962C8B-B14F-4D97-AF65-F5344CB8AC3E}">
-        <p14:creationId xmlns:p14="http://schemas.microsoft.com/office/powerpoint/2010/main" val="2245474899"/>
+        <p14:creationId xmlns:p14="http://schemas.microsoft.com/office/powerpoint/2010/main" val="787923043"/>
       </p:ext>
     </p:extLst>
   </p:cSld>
@@ -1368,94 +1473,6 @@
           <a:bodyPr/>
           <a:lstStyle/>
           <a:p>
-            <a:pPr marL="0" marR="0" lvl="0" indent="0" algn="l" defTabSz="914400" rtl="0" eaLnBrk="1" fontAlgn="auto" latinLnBrk="0" hangingPunct="1">
-              <a:lnSpc>
-                <a:spcPct val="100000"/>
-              </a:lnSpc>
-              <a:spcBef>
-                <a:spcPts val="0"/>
-              </a:spcBef>
-              <a:spcAft>
-                <a:spcPts val="0"/>
-              </a:spcAft>
-              <a:buClrTx/>
-              <a:buSzTx/>
-              <a:buFontTx/>
-              <a:buNone/>
-              <a:tabLst/>
-              <a:defRPr/>
-            </a:pPr>
-            <a:r>
-              <a:rPr lang="en-AU" sz="1200" b="0" i="1" kern="1200" dirty="0">
-                <a:solidFill>
-                  <a:schemeClr val="tx1"/>
-                </a:solidFill>
-                <a:effectLst/>
-                <a:latin typeface="+mn-lt"/>
-                <a:ea typeface="+mn-ea"/>
-                <a:cs typeface="+mn-cs"/>
-              </a:rPr>
-              <a:t>The architecture determines semantic capture quality. </a:t>
-            </a:r>
-            <a:r>
-              <a:rPr lang="en-AU" sz="1200" b="0" i="1" kern="1200" dirty="0" err="1">
-                <a:solidFill>
-                  <a:schemeClr val="tx1"/>
-                </a:solidFill>
-                <a:effectLst/>
-                <a:latin typeface="+mn-lt"/>
-                <a:ea typeface="+mn-ea"/>
-                <a:cs typeface="+mn-cs"/>
-              </a:rPr>
-              <a:t>LayoutLM</a:t>
-            </a:r>
-            <a:r>
-              <a:rPr lang="en-AU" sz="1200" b="0" i="1" kern="1200" dirty="0">
-                <a:solidFill>
-                  <a:schemeClr val="tx1"/>
-                </a:solidFill>
-                <a:effectLst/>
-                <a:latin typeface="+mn-lt"/>
-                <a:ea typeface="+mn-ea"/>
-                <a:cs typeface="+mn-cs"/>
-              </a:rPr>
-              <a:t> captures information in 3 separate streams then awkwardly fuses them. Vision Transformers capture information holistically from the start. Research consistently shows </a:t>
-            </a:r>
-            <a:r>
-              <a:rPr lang="en-AU" sz="1200" b="0" i="1" kern="1200" dirty="0" err="1">
-                <a:solidFill>
-                  <a:schemeClr val="tx1"/>
-                </a:solidFill>
-                <a:effectLst/>
-                <a:latin typeface="+mn-lt"/>
-                <a:ea typeface="+mn-ea"/>
-                <a:cs typeface="+mn-cs"/>
-              </a:rPr>
-              <a:t>ViT</a:t>
-            </a:r>
-            <a:r>
-              <a:rPr lang="en-AU" sz="1200" b="0" i="1" kern="1200" dirty="0">
-                <a:solidFill>
-                  <a:schemeClr val="tx1"/>
-                </a:solidFill>
-                <a:effectLst/>
-                <a:latin typeface="+mn-lt"/>
-                <a:ea typeface="+mn-ea"/>
-                <a:cs typeface="+mn-cs"/>
-              </a:rPr>
-              <a:t> superiority over OCR-dependent approaches.</a:t>
-            </a:r>
-            <a:endParaRPr lang="en-AU" sz="1200" b="0" kern="1200" dirty="0">
-              <a:solidFill>
-                <a:schemeClr val="tx1"/>
-              </a:solidFill>
-              <a:effectLst/>
-              <a:latin typeface="+mn-lt"/>
-              <a:ea typeface="+mn-ea"/>
-              <a:cs typeface="+mn-cs"/>
-            </a:endParaRPr>
-          </a:p>
-          <a:p>
             <a:endParaRPr lang="en-US" dirty="0"/>
           </a:p>
         </p:txBody>
@@ -1477,7 +1494,7 @@
           <a:p>
             <a:fld id="{4421CEC5-989B-3B48-AA40-5F6C85F6110C}" type="slidenum">
               <a:rPr lang="en-US" smtClean="0"/>
-              <a:t>20</a:t>
+              <a:t>24</a:t>
             </a:fld>
             <a:endParaRPr lang="en-US"/>
           </a:p>
@@ -1486,259 +1503,7 @@
     </p:spTree>
     <p:extLst>
       <p:ext uri="{BB962C8B-B14F-4D97-AF65-F5344CB8AC3E}">
-        <p14:creationId xmlns:p14="http://schemas.microsoft.com/office/powerpoint/2010/main" val="2521984515"/>
-      </p:ext>
-    </p:extLst>
-  </p:cSld>
-  <p:clrMapOvr>
-    <a:masterClrMapping/>
-  </p:clrMapOvr>
-</p:notes>
-</file>
-
-<file path=ppt/notesSlides/notesSlide18.xml><?xml version="1.0" encoding="utf-8"?>
-<p:notes xmlns:a="http://schemas.openxmlformats.org/drawingml/2006/main" xmlns:r="http://schemas.openxmlformats.org/officeDocument/2006/relationships" xmlns:p="http://schemas.openxmlformats.org/presentationml/2006/main">
-  <p:cSld>
-    <p:spTree>
-      <p:nvGrpSpPr>
-        <p:cNvPr id="1" name=""/>
-        <p:cNvGrpSpPr/>
-        <p:nvPr/>
-      </p:nvGrpSpPr>
-      <p:grpSpPr>
-        <a:xfrm>
-          <a:off x="0" y="0"/>
-          <a:ext cx="0" cy="0"/>
-          <a:chOff x="0" y="0"/>
-          <a:chExt cx="0" cy="0"/>
-        </a:xfrm>
-      </p:grpSpPr>
-      <p:sp>
-        <p:nvSpPr>
-          <p:cNvPr id="2" name="Slide Image Placeholder 1"/>
-          <p:cNvSpPr>
-            <a:spLocks noGrp="1" noRot="1" noChangeAspect="1"/>
-          </p:cNvSpPr>
-          <p:nvPr>
-            <p:ph type="sldImg"/>
-          </p:nvPr>
-        </p:nvSpPr>
-        <p:spPr/>
-      </p:sp>
-      <p:sp>
-        <p:nvSpPr>
-          <p:cNvPr id="3" name="Notes Placeholder 2"/>
-          <p:cNvSpPr>
-            <a:spLocks noGrp="1"/>
-          </p:cNvSpPr>
-          <p:nvPr>
-            <p:ph type="body" idx="1"/>
-          </p:nvPr>
-        </p:nvSpPr>
-        <p:spPr/>
-        <p:txBody>
-          <a:bodyPr/>
-          <a:lstStyle/>
-          <a:p>
-            <a:pPr marL="0" marR="0" lvl="0" indent="0" algn="l" defTabSz="914400" rtl="0" eaLnBrk="1" fontAlgn="auto" latinLnBrk="0" hangingPunct="1">
-              <a:lnSpc>
-                <a:spcPct val="100000"/>
-              </a:lnSpc>
-              <a:spcBef>
-                <a:spcPts val="0"/>
-              </a:spcBef>
-              <a:spcAft>
-                <a:spcPts val="0"/>
-              </a:spcAft>
-              <a:buClrTx/>
-              <a:buSzTx/>
-              <a:buFontTx/>
-              <a:buNone/>
-              <a:tabLst/>
-              <a:defRPr/>
-            </a:pPr>
-            <a:r>
-              <a:rPr lang="en-AU" sz="1200" b="0" i="1" kern="1200" dirty="0">
-                <a:solidFill>
-                  <a:schemeClr val="tx1"/>
-                </a:solidFill>
-                <a:effectLst/>
-                <a:latin typeface="+mn-lt"/>
-                <a:ea typeface="+mn-ea"/>
-                <a:cs typeface="+mn-cs"/>
-              </a:rPr>
-              <a:t>Speaker Notes: This diagram shows the complete Vision Transformer pipeline processing our Hyatt Hotels invoice. Notice how the model progresses from </a:t>
-            </a:r>
-            <a:r>
-              <a:rPr lang="en-AU" sz="1200" b="0" i="1" kern="1200" dirty="0" err="1">
-                <a:solidFill>
-                  <a:schemeClr val="tx1"/>
-                </a:solidFill>
-                <a:effectLst/>
-                <a:latin typeface="+mn-lt"/>
-                <a:ea typeface="+mn-ea"/>
-                <a:cs typeface="+mn-cs"/>
-              </a:rPr>
-              <a:t>analyzing</a:t>
-            </a:r>
-            <a:r>
-              <a:rPr lang="en-AU" sz="1200" b="0" i="1" kern="1200" dirty="0">
-                <a:solidFill>
-                  <a:schemeClr val="tx1"/>
-                </a:solidFill>
-                <a:effectLst/>
-                <a:latin typeface="+mn-lt"/>
-                <a:ea typeface="+mn-ea"/>
-                <a:cs typeface="+mn-cs"/>
-              </a:rPr>
-              <a:t> individual patches (header, items, totals, payment) through multiple attention layers that build regional and then global understanding. The semantic understanding phase identifies relationships like "Subtotal + GST → Total", and finally generates all the structured output fields we need.</a:t>
-            </a:r>
-            <a:endParaRPr lang="en-AU" sz="1200" b="0" kern="1200" dirty="0">
-              <a:solidFill>
-                <a:schemeClr val="tx1"/>
-              </a:solidFill>
-              <a:effectLst/>
-              <a:latin typeface="+mn-lt"/>
-              <a:ea typeface="+mn-ea"/>
-              <a:cs typeface="+mn-cs"/>
-            </a:endParaRPr>
-          </a:p>
-          <a:p>
-            <a:endParaRPr lang="en-US" dirty="0"/>
-          </a:p>
-        </p:txBody>
-      </p:sp>
-      <p:sp>
-        <p:nvSpPr>
-          <p:cNvPr id="4" name="Slide Number Placeholder 3"/>
-          <p:cNvSpPr>
-            <a:spLocks noGrp="1"/>
-          </p:cNvSpPr>
-          <p:nvPr>
-            <p:ph type="sldNum" sz="quarter" idx="5"/>
-          </p:nvPr>
-        </p:nvSpPr>
-        <p:spPr/>
-        <p:txBody>
-          <a:bodyPr/>
-          <a:lstStyle/>
-          <a:p>
-            <a:fld id="{4421CEC5-989B-3B48-AA40-5F6C85F6110C}" type="slidenum">
-              <a:rPr lang="en-US" smtClean="0"/>
-              <a:t>21</a:t>
-            </a:fld>
-            <a:endParaRPr lang="en-US"/>
-          </a:p>
-        </p:txBody>
-      </p:sp>
-    </p:spTree>
-    <p:extLst>
-      <p:ext uri="{BB962C8B-B14F-4D97-AF65-F5344CB8AC3E}">
-        <p14:creationId xmlns:p14="http://schemas.microsoft.com/office/powerpoint/2010/main" val="1849044882"/>
-      </p:ext>
-    </p:extLst>
-  </p:cSld>
-  <p:clrMapOvr>
-    <a:masterClrMapping/>
-  </p:clrMapOvr>
-</p:notes>
-</file>
-
-<file path=ppt/notesSlides/notesSlide19.xml><?xml version="1.0" encoding="utf-8"?>
-<p:notes xmlns:a="http://schemas.openxmlformats.org/drawingml/2006/main" xmlns:r="http://schemas.openxmlformats.org/officeDocument/2006/relationships" xmlns:p="http://schemas.openxmlformats.org/presentationml/2006/main">
-  <p:cSld>
-    <p:spTree>
-      <p:nvGrpSpPr>
-        <p:cNvPr id="1" name=""/>
-        <p:cNvGrpSpPr/>
-        <p:nvPr/>
-      </p:nvGrpSpPr>
-      <p:grpSpPr>
-        <a:xfrm>
-          <a:off x="0" y="0"/>
-          <a:ext cx="0" cy="0"/>
-          <a:chOff x="0" y="0"/>
-          <a:chExt cx="0" cy="0"/>
-        </a:xfrm>
-      </p:grpSpPr>
-      <p:sp>
-        <p:nvSpPr>
-          <p:cNvPr id="2" name="Slide Image Placeholder 1"/>
-          <p:cNvSpPr>
-            <a:spLocks noGrp="1" noRot="1" noChangeAspect="1"/>
-          </p:cNvSpPr>
-          <p:nvPr>
-            <p:ph type="sldImg"/>
-          </p:nvPr>
-        </p:nvSpPr>
-        <p:spPr/>
-      </p:sp>
-      <p:sp>
-        <p:nvSpPr>
-          <p:cNvPr id="3" name="Notes Placeholder 2"/>
-          <p:cNvSpPr>
-            <a:spLocks noGrp="1"/>
-          </p:cNvSpPr>
-          <p:nvPr>
-            <p:ph type="body" idx="1"/>
-          </p:nvPr>
-        </p:nvSpPr>
-        <p:spPr/>
-        <p:txBody>
-          <a:bodyPr/>
-          <a:lstStyle/>
-          <a:p>
-            <a:r>
-              <a:rPr lang="en-US" b="0" dirty="0"/>
-              <a:t>I watched a </a:t>
-            </a:r>
-            <a:r>
-              <a:rPr lang="en-US" b="0" dirty="0" err="1"/>
-              <a:t>youtube</a:t>
-            </a:r>
-            <a:r>
-              <a:rPr lang="en-US" b="0" dirty="0"/>
-              <a:t> video this morning where </a:t>
-            </a:r>
-            <a:r>
-              <a:rPr lang="en-AU" b="1" dirty="0"/>
-              <a:t>Llama-3.2-Vision-11B</a:t>
-            </a:r>
-            <a:r>
-              <a:rPr lang="en-AU" b="0" dirty="0"/>
-              <a:t> was shown the image of the classic 3-4-5 right triangle and the prompt asked for the missing hypotenuse given the length of the two shorter sides. The then proceeded to solve for the missing side, with a step-by-step proof that any Year 9 student would be proud of.</a:t>
-            </a:r>
-            <a:endParaRPr lang="en-US" b="0" dirty="0"/>
-          </a:p>
-        </p:txBody>
-      </p:sp>
-      <p:sp>
-        <p:nvSpPr>
-          <p:cNvPr id="4" name="Slide Number Placeholder 3"/>
-          <p:cNvSpPr>
-            <a:spLocks noGrp="1"/>
-          </p:cNvSpPr>
-          <p:nvPr>
-            <p:ph type="sldNum" sz="quarter" idx="5"/>
-          </p:nvPr>
-        </p:nvSpPr>
-        <p:spPr/>
-        <p:txBody>
-          <a:bodyPr/>
-          <a:lstStyle/>
-          <a:p>
-            <a:fld id="{4421CEC5-989B-3B48-AA40-5F6C85F6110C}" type="slidenum">
-              <a:rPr lang="en-US" smtClean="0"/>
-              <a:t>22</a:t>
-            </a:fld>
-            <a:endParaRPr lang="en-US"/>
-          </a:p>
-        </p:txBody>
-      </p:sp>
-    </p:spTree>
-    <p:extLst>
-      <p:ext uri="{BB962C8B-B14F-4D97-AF65-F5344CB8AC3E}">
-        <p14:creationId xmlns:p14="http://schemas.microsoft.com/office/powerpoint/2010/main" val="1147594856"/>
+        <p14:creationId xmlns:p14="http://schemas.microsoft.com/office/powerpoint/2010/main" val="1901061400"/>
       </p:ext>
     </p:extLst>
   </p:cSld>
@@ -1792,80 +1557,7 @@
           <a:bodyPr/>
           <a:lstStyle/>
           <a:p>
-            <a:r>
-              <a:rPr lang="en-AU" i="1" dirty="0"/>
-              <a:t>Speaker Notes: This evolution reflects global trends. Organizations worldwide face similar challenges with </a:t>
-            </a:r>
-            <a:r>
-              <a:rPr lang="en-AU" i="1" dirty="0" err="1"/>
-              <a:t>LayoutLM's</a:t>
-            </a:r>
-            <a:r>
-              <a:rPr lang="en-AU" i="1" dirty="0"/>
-              <a:t> limitations. Research shows: "</a:t>
-            </a:r>
-            <a:r>
-              <a:rPr lang="en-AU" i="1" dirty="0" err="1"/>
-              <a:t>LayoutLM</a:t>
-            </a:r>
-            <a:r>
-              <a:rPr lang="en-AU" i="1" dirty="0"/>
-              <a:t> makes use of Tesseract OCR which is not very accurate" (</a:t>
-            </a:r>
-            <a:r>
-              <a:rPr lang="en-AU" i="1" dirty="0" err="1"/>
-              <a:t>Nitor</a:t>
-            </a:r>
-            <a:r>
-              <a:rPr lang="en-AU" i="1" dirty="0"/>
-              <a:t> Infotech, 2024). "Training </a:t>
-            </a:r>
-            <a:r>
-              <a:rPr lang="en-AU" i="1" dirty="0" err="1"/>
-              <a:t>LayoutLM</a:t>
-            </a:r>
-            <a:r>
-              <a:rPr lang="en-AU" i="1" dirty="0"/>
-              <a:t> can be computationally intensive" (UBIAI, 2024). </a:t>
-            </a:r>
-            <a:endParaRPr lang="en-AU" dirty="0"/>
-          </a:p>
-          <a:p>
-            <a:br>
-              <a:rPr lang="en-AU" dirty="0"/>
-            </a:br>
-            <a:r>
-              <a:rPr lang="en-AU" i="1" dirty="0"/>
-              <a:t>Important: </a:t>
-            </a:r>
-            <a:r>
-              <a:rPr lang="en-AU" i="1" dirty="0" err="1"/>
-              <a:t>LayoutLM</a:t>
-            </a:r>
-            <a:r>
-              <a:rPr lang="en-AU" i="1" dirty="0"/>
-              <a:t> v1 (2020) used R-CNN for visual features, but v2/v3 (2021-2023) adopted image patches similar to Vision Transformers. However, most production systems still run </a:t>
-            </a:r>
-            <a:r>
-              <a:rPr lang="en-AU" i="1" dirty="0" err="1"/>
-              <a:t>LayoutLM</a:t>
-            </a:r>
-            <a:r>
-              <a:rPr lang="en-AU" i="1" dirty="0"/>
-              <a:t> v1, which is why this presentation focuses on v1's limitations. The shift to dedicated Vision Transformers represents an industry-wide advancement beyond even </a:t>
-            </a:r>
-            <a:r>
-              <a:rPr lang="en-AU" i="1" dirty="0" err="1"/>
-              <a:t>LayoutLM</a:t>
-            </a:r>
-            <a:r>
-              <a:rPr lang="en-AU" i="1" dirty="0"/>
-              <a:t> v3.</a:t>
-            </a:r>
-            <a:endParaRPr lang="en-AU" dirty="0"/>
-          </a:p>
-          <a:p>
-            <a:endParaRPr lang="en-US" dirty="0"/>
+            <a:endParaRPr lang="en-US"/>
           </a:p>
         </p:txBody>
       </p:sp>
@@ -1886,7 +1578,7 @@
           <a:p>
             <a:fld id="{4421CEC5-989B-3B48-AA40-5F6C85F6110C}" type="slidenum">
               <a:rPr lang="en-US" smtClean="0"/>
-              <a:t>4</a:t>
+              <a:t>8</a:t>
             </a:fld>
             <a:endParaRPr lang="en-US"/>
           </a:p>
@@ -1895,175 +1587,7 @@
     </p:spTree>
     <p:extLst>
       <p:ext uri="{BB962C8B-B14F-4D97-AF65-F5344CB8AC3E}">
-        <p14:creationId xmlns:p14="http://schemas.microsoft.com/office/powerpoint/2010/main" val="1797898794"/>
-      </p:ext>
-    </p:extLst>
-  </p:cSld>
-  <p:clrMapOvr>
-    <a:masterClrMapping/>
-  </p:clrMapOvr>
-</p:notes>
-</file>
-
-<file path=ppt/notesSlides/notesSlide20.xml><?xml version="1.0" encoding="utf-8"?>
-<p:notes xmlns:a="http://schemas.openxmlformats.org/drawingml/2006/main" xmlns:r="http://schemas.openxmlformats.org/officeDocument/2006/relationships" xmlns:p="http://schemas.openxmlformats.org/presentationml/2006/main">
-  <p:cSld>
-    <p:spTree>
-      <p:nvGrpSpPr>
-        <p:cNvPr id="1" name=""/>
-        <p:cNvGrpSpPr/>
-        <p:nvPr/>
-      </p:nvGrpSpPr>
-      <p:grpSpPr>
-        <a:xfrm>
-          <a:off x="0" y="0"/>
-          <a:ext cx="0" cy="0"/>
-          <a:chOff x="0" y="0"/>
-          <a:chExt cx="0" cy="0"/>
-        </a:xfrm>
-      </p:grpSpPr>
-      <p:sp>
-        <p:nvSpPr>
-          <p:cNvPr id="2" name="Slide Image Placeholder 1"/>
-          <p:cNvSpPr>
-            <a:spLocks noGrp="1" noRot="1" noChangeAspect="1"/>
-          </p:cNvSpPr>
-          <p:nvPr>
-            <p:ph type="sldImg"/>
-          </p:nvPr>
-        </p:nvSpPr>
-        <p:spPr/>
-      </p:sp>
-      <p:sp>
-        <p:nvSpPr>
-          <p:cNvPr id="3" name="Notes Placeholder 2"/>
-          <p:cNvSpPr>
-            <a:spLocks noGrp="1"/>
-          </p:cNvSpPr>
-          <p:nvPr>
-            <p:ph type="body" idx="1"/>
-          </p:nvPr>
-        </p:nvSpPr>
-        <p:spPr/>
-        <p:txBody>
-          <a:bodyPr/>
-          <a:lstStyle/>
-          <a:p>
-            <a:endParaRPr lang="en-US"/>
-          </a:p>
-        </p:txBody>
-      </p:sp>
-      <p:sp>
-        <p:nvSpPr>
-          <p:cNvPr id="4" name="Slide Number Placeholder 3"/>
-          <p:cNvSpPr>
-            <a:spLocks noGrp="1"/>
-          </p:cNvSpPr>
-          <p:nvPr>
-            <p:ph type="sldNum" sz="quarter" idx="5"/>
-          </p:nvPr>
-        </p:nvSpPr>
-        <p:spPr/>
-        <p:txBody>
-          <a:bodyPr/>
-          <a:lstStyle/>
-          <a:p>
-            <a:fld id="{4421CEC5-989B-3B48-AA40-5F6C85F6110C}" type="slidenum">
-              <a:rPr lang="en-US" smtClean="0"/>
-              <a:t>23</a:t>
-            </a:fld>
-            <a:endParaRPr lang="en-US"/>
-          </a:p>
-        </p:txBody>
-      </p:sp>
-    </p:spTree>
-    <p:extLst>
-      <p:ext uri="{BB962C8B-B14F-4D97-AF65-F5344CB8AC3E}">
-        <p14:creationId xmlns:p14="http://schemas.microsoft.com/office/powerpoint/2010/main" val="787923043"/>
-      </p:ext>
-    </p:extLst>
-  </p:cSld>
-  <p:clrMapOvr>
-    <a:masterClrMapping/>
-  </p:clrMapOvr>
-</p:notes>
-</file>
-
-<file path=ppt/notesSlides/notesSlide21.xml><?xml version="1.0" encoding="utf-8"?>
-<p:notes xmlns:a="http://schemas.openxmlformats.org/drawingml/2006/main" xmlns:r="http://schemas.openxmlformats.org/officeDocument/2006/relationships" xmlns:p="http://schemas.openxmlformats.org/presentationml/2006/main">
-  <p:cSld>
-    <p:spTree>
-      <p:nvGrpSpPr>
-        <p:cNvPr id="1" name=""/>
-        <p:cNvGrpSpPr/>
-        <p:nvPr/>
-      </p:nvGrpSpPr>
-      <p:grpSpPr>
-        <a:xfrm>
-          <a:off x="0" y="0"/>
-          <a:ext cx="0" cy="0"/>
-          <a:chOff x="0" y="0"/>
-          <a:chExt cx="0" cy="0"/>
-        </a:xfrm>
-      </p:grpSpPr>
-      <p:sp>
-        <p:nvSpPr>
-          <p:cNvPr id="2" name="Slide Image Placeholder 1"/>
-          <p:cNvSpPr>
-            <a:spLocks noGrp="1" noRot="1" noChangeAspect="1"/>
-          </p:cNvSpPr>
-          <p:nvPr>
-            <p:ph type="sldImg"/>
-          </p:nvPr>
-        </p:nvSpPr>
-        <p:spPr/>
-      </p:sp>
-      <p:sp>
-        <p:nvSpPr>
-          <p:cNvPr id="3" name="Notes Placeholder 2"/>
-          <p:cNvSpPr>
-            <a:spLocks noGrp="1"/>
-          </p:cNvSpPr>
-          <p:nvPr>
-            <p:ph type="body" idx="1"/>
-          </p:nvPr>
-        </p:nvSpPr>
-        <p:spPr/>
-        <p:txBody>
-          <a:bodyPr/>
-          <a:lstStyle/>
-          <a:p>
-            <a:endParaRPr lang="en-US" dirty="0"/>
-          </a:p>
-        </p:txBody>
-      </p:sp>
-      <p:sp>
-        <p:nvSpPr>
-          <p:cNvPr id="4" name="Slide Number Placeholder 3"/>
-          <p:cNvSpPr>
-            <a:spLocks noGrp="1"/>
-          </p:cNvSpPr>
-          <p:nvPr>
-            <p:ph type="sldNum" sz="quarter" idx="5"/>
-          </p:nvPr>
-        </p:nvSpPr>
-        <p:spPr/>
-        <p:txBody>
-          <a:bodyPr/>
-          <a:lstStyle/>
-          <a:p>
-            <a:fld id="{4421CEC5-989B-3B48-AA40-5F6C85F6110C}" type="slidenum">
-              <a:rPr lang="en-US" smtClean="0"/>
-              <a:t>26</a:t>
-            </a:fld>
-            <a:endParaRPr lang="en-US"/>
-          </a:p>
-        </p:txBody>
-      </p:sp>
-    </p:spTree>
-    <p:extLst>
-      <p:ext uri="{BB962C8B-B14F-4D97-AF65-F5344CB8AC3E}">
-        <p14:creationId xmlns:p14="http://schemas.microsoft.com/office/powerpoint/2010/main" val="1901061400"/>
+        <p14:creationId xmlns:p14="http://schemas.microsoft.com/office/powerpoint/2010/main" val="3362921362"/>
       </p:ext>
     </p:extLst>
   </p:cSld>
@@ -2119,7 +1643,7 @@
           <a:p>
             <a:r>
               <a:rPr lang="en-AU" i="1" dirty="0"/>
-              <a:t>These aren't minor issues - they're fundamental architectural limitations of </a:t>
+              <a:t>Speaker Notes: This isn't an incremental improvement - it's a paradigm shift. </a:t>
             </a:r>
             <a:r>
               <a:rPr lang="en-AU" i="1" dirty="0" err="1"/>
@@ -2127,7 +1651,7 @@
             </a:r>
             <a:r>
               <a:rPr lang="en-AU" i="1" dirty="0"/>
-              <a:t> v1 that prevent scaling and improvement. Note: Later versions (v2, v3) addressed some of these issues by adopting image patches, but most production systems still use v1.</a:t>
+              <a:t> tries to reconstruct meaning from fragmented pieces while Vision Transformers naturally learn from the complete visual context.</a:t>
             </a:r>
             <a:endParaRPr lang="en-AU" dirty="0"/>
           </a:p>
@@ -2153,7 +1677,7 @@
           <a:p>
             <a:fld id="{4421CEC5-989B-3B48-AA40-5F6C85F6110C}" type="slidenum">
               <a:rPr lang="en-US" smtClean="0"/>
-              <a:t>5</a:t>
+              <a:t>10</a:t>
             </a:fld>
             <a:endParaRPr lang="en-US"/>
           </a:p>
@@ -2162,7 +1686,7 @@
     </p:spTree>
     <p:extLst>
       <p:ext uri="{BB962C8B-B14F-4D97-AF65-F5344CB8AC3E}">
-        <p14:creationId xmlns:p14="http://schemas.microsoft.com/office/powerpoint/2010/main" val="3998264995"/>
+        <p14:creationId xmlns:p14="http://schemas.microsoft.com/office/powerpoint/2010/main" val="3750937352"/>
       </p:ext>
     </p:extLst>
   </p:cSld>
@@ -2216,7 +1740,71 @@
           <a:bodyPr/>
           <a:lstStyle/>
           <a:p>
-            <a:endParaRPr lang="en-US"/>
+            <a:pPr marL="0" marR="0" lvl="0" indent="0" algn="l" defTabSz="914400" rtl="0" eaLnBrk="1" fontAlgn="auto" latinLnBrk="0" hangingPunct="1">
+              <a:lnSpc>
+                <a:spcPct val="100000"/>
+              </a:lnSpc>
+              <a:spcBef>
+                <a:spcPts val="0"/>
+              </a:spcBef>
+              <a:spcAft>
+                <a:spcPts val="0"/>
+              </a:spcAft>
+              <a:buClrTx/>
+              <a:buSzTx/>
+              <a:buFontTx/>
+              <a:buNone/>
+              <a:tabLst/>
+              <a:defRPr/>
+            </a:pPr>
+            <a:r>
+              <a:rPr lang="en-AU" sz="1200" b="0" i="1" kern="1200" dirty="0">
+                <a:solidFill>
+                  <a:schemeClr val="tx1"/>
+                </a:solidFill>
+                <a:effectLst/>
+                <a:latin typeface="+mn-lt"/>
+                <a:ea typeface="+mn-ea"/>
+                <a:cs typeface="+mn-cs"/>
+              </a:rPr>
+              <a:t>Speaker Notes: The original </a:t>
+            </a:r>
+            <a:r>
+              <a:rPr lang="en-AU" sz="1200" b="0" i="1" kern="1200" dirty="0" err="1">
+                <a:solidFill>
+                  <a:schemeClr val="tx1"/>
+                </a:solidFill>
+                <a:effectLst/>
+                <a:latin typeface="+mn-lt"/>
+                <a:ea typeface="+mn-ea"/>
+                <a:cs typeface="+mn-cs"/>
+              </a:rPr>
+              <a:t>ViT</a:t>
+            </a:r>
+            <a:r>
+              <a:rPr lang="en-AU" sz="1200" b="0" i="1" kern="1200" dirty="0">
+                <a:solidFill>
+                  <a:schemeClr val="tx1"/>
+                </a:solidFill>
+                <a:effectLst/>
+                <a:latin typeface="+mn-lt"/>
+                <a:ea typeface="+mn-ea"/>
+                <a:cs typeface="+mn-cs"/>
+              </a:rPr>
+              <a:t> breakthrough enabled all modern vision-language models. Key innovation: treats image patches like text tokens, applying transformers directly. All semantics (text, visual, spatial) are unified in one model with no information loss. Modern adaptations like InternVL3 and Llama-3.2-Vision build on this foundation for document understanding. Let's dive into each stage...</a:t>
+            </a:r>
+            <a:endParaRPr lang="en-AU" sz="1200" b="0" kern="1200" dirty="0">
+              <a:solidFill>
+                <a:schemeClr val="tx1"/>
+              </a:solidFill>
+              <a:effectLst/>
+              <a:latin typeface="+mn-lt"/>
+              <a:ea typeface="+mn-ea"/>
+              <a:cs typeface="+mn-cs"/>
+            </a:endParaRPr>
+          </a:p>
+          <a:p>
+            <a:endParaRPr lang="en-US" dirty="0"/>
           </a:p>
         </p:txBody>
       </p:sp>
@@ -2237,7 +1825,7 @@
           <a:p>
             <a:fld id="{4421CEC5-989B-3B48-AA40-5F6C85F6110C}" type="slidenum">
               <a:rPr lang="en-US" smtClean="0"/>
-              <a:t>6</a:t>
+              <a:t>11</a:t>
             </a:fld>
             <a:endParaRPr lang="en-US"/>
           </a:p>
@@ -2246,7 +1834,7 @@
     </p:spTree>
     <p:extLst>
       <p:ext uri="{BB962C8B-B14F-4D97-AF65-F5344CB8AC3E}">
-        <p14:creationId xmlns:p14="http://schemas.microsoft.com/office/powerpoint/2010/main" val="3919172452"/>
+        <p14:creationId xmlns:p14="http://schemas.microsoft.com/office/powerpoint/2010/main" val="3694999143"/>
       </p:ext>
     </p:extLst>
   </p:cSld>
@@ -2300,7 +1888,14 @@
           <a:bodyPr/>
           <a:lstStyle/>
           <a:p>
-            <a:endParaRPr lang="en-US"/>
+            <a:r>
+              <a:rPr lang="en-AU" i="1" dirty="0"/>
+              <a:t>Speaker Notes: This is the key insight that will help you understand Vision Transformers - they use the EXACT SAME architecture you already know from text transformers. In 2017, "Attention is All You Need" showed that self-attention could replace recurrent networks for text. The breakthrough was realizing that images could be treated the same way as text. Instead of tokenizing "The quick brown fox" into words, we tokenize a Hyatt Hotels invoice into 16x16 pixel patches. The magic is that the encoder stack - the multi-head self-attention and feed forward networks - is IDENTICAL. Same architecture, same self-attention mechanism, same position encoding concept. The only differences are the input (text tokens vs image patches) and output (language understanding vs vision-language fusion). This is why Vision Transformers were so revolutionary - they didn't invent new architectures, they brilliantly applied the transformer architecture to a completely different domain. Your audience already understands how transformers work for text - now they'll see it's the same technology applied to vision.</a:t>
+            </a:r>
+            <a:endParaRPr lang="en-AU" dirty="0"/>
+          </a:p>
+          <a:p>
+            <a:endParaRPr lang="en-US" dirty="0"/>
           </a:p>
         </p:txBody>
       </p:sp>
@@ -2321,7 +1916,7 @@
           <a:p>
             <a:fld id="{4421CEC5-989B-3B48-AA40-5F6C85F6110C}" type="slidenum">
               <a:rPr lang="en-US" smtClean="0"/>
-              <a:t>7</a:t>
+              <a:t>12</a:t>
             </a:fld>
             <a:endParaRPr lang="en-US"/>
           </a:p>
@@ -2330,7 +1925,7 @@
     </p:spTree>
     <p:extLst>
       <p:ext uri="{BB962C8B-B14F-4D97-AF65-F5344CB8AC3E}">
-        <p14:creationId xmlns:p14="http://schemas.microsoft.com/office/powerpoint/2010/main" val="2538327220"/>
+        <p14:creationId xmlns:p14="http://schemas.microsoft.com/office/powerpoint/2010/main" val="60039520"/>
       </p:ext>
     </p:extLst>
   </p:cSld>
@@ -2384,7 +1979,22 @@
           <a:bodyPr/>
           <a:lstStyle/>
           <a:p>
-            <a:endParaRPr lang="en-US"/>
+            <a:r>
+              <a:rPr lang="en-AU" i="1" dirty="0"/>
+              <a:t>Speaker Notes: Before we dive into details, let's understand the overall architecture. Vision Transformers process documents through three main stages that work together seamlessly. Stage 1 converts the document image into encoded patches that transformers can understand. Stage 2 uses self-attention to build global understanding of the document structure and content. Stage 3 converts this understanding into the structured output we need. Unlike </a:t>
+            </a:r>
+            <a:r>
+              <a:rPr lang="en-AU" i="1" dirty="0" err="1"/>
+              <a:t>LayoutLM's</a:t>
+            </a:r>
+            <a:r>
+              <a:rPr lang="en-AU" i="1" dirty="0"/>
+              <a:t> fragmented approach, this is one unified pipeline where each stage feeds directly into the next. Now let's explore each stage in detail...</a:t>
+            </a:r>
+            <a:endParaRPr lang="en-AU" dirty="0"/>
+          </a:p>
+          <a:p>
+            <a:endParaRPr lang="en-US" dirty="0"/>
           </a:p>
         </p:txBody>
       </p:sp>
@@ -2405,7 +2015,7 @@
           <a:p>
             <a:fld id="{4421CEC5-989B-3B48-AA40-5F6C85F6110C}" type="slidenum">
               <a:rPr lang="en-US" smtClean="0"/>
-              <a:t>8</a:t>
+              <a:t>13</a:t>
             </a:fld>
             <a:endParaRPr lang="en-US"/>
           </a:p>
@@ -2414,7 +2024,7 @@
     </p:spTree>
     <p:extLst>
       <p:ext uri="{BB962C8B-B14F-4D97-AF65-F5344CB8AC3E}">
-        <p14:creationId xmlns:p14="http://schemas.microsoft.com/office/powerpoint/2010/main" val="3362921362"/>
+        <p14:creationId xmlns:p14="http://schemas.microsoft.com/office/powerpoint/2010/main" val="3965173128"/>
       </p:ext>
     </p:extLst>
   </p:cSld>
@@ -2470,17 +2080,7 @@
           <a:p>
             <a:r>
               <a:rPr lang="en-AU" i="1" dirty="0"/>
-              <a:t>Speaker Notes: Now let's see Vision Transformers in action with a real example. On the left, you see our extraction prompt - this is the same prompt used for both models, asking for 26 specific fields including supplier, ABN, date, amounts, and line items. The prompt is dynamically generated from our YAML configuration, ensuring consistency across all extractions.</a:t>
-            </a:r>
-            <a:endParaRPr lang="en-AU" dirty="0"/>
-          </a:p>
-          <a:p>
-            <a:br>
-              <a:rPr lang="en-AU" dirty="0"/>
-            </a:br>
-            <a:r>
-              <a:rPr lang="en-AU" i="1" dirty="0"/>
-              <a:t>On the right is synthetic invoice #14 - a Hyatt Hotels receipt showing typical complexity: header information, line items (Milk, Apples, Beef), subtotal, GST calculation, and total. This represents the kind of document we process thousands of times daily. Notice the visual elements - logos, formatting, table structure - that OCR-based systems struggle with but Vision Transformers handle naturally. Let's see how both models perform on this exact document...</a:t>
+              <a:t>Speaker Notes: This is where the magic begins. Unlike OCR which tries to extract text first, Vision Transformers treat the entire image as data. A Hyatt Hotels invoice gets split into 16x16 pixel patches - maybe 100-200 patches total. Each patch becomes a mathematical vector, just like a word in a sentence. The position encoding tells the model "this patch is in the top-left corner, this one is bottom-right" - spatial relationships are preserved. The result is a sequence of encoded patches that the transformer can process, with no information lost to OCR failures.</a:t>
             </a:r>
             <a:endParaRPr lang="en-AU" dirty="0"/>
           </a:p>
@@ -2506,7 +2106,7 @@
           <a:p>
             <a:fld id="{4421CEC5-989B-3B48-AA40-5F6C85F6110C}" type="slidenum">
               <a:rPr lang="en-US" smtClean="0"/>
-              <a:t>10</a:t>
+              <a:t>14</a:t>
             </a:fld>
             <a:endParaRPr lang="en-US"/>
           </a:p>
@@ -2515,7 +2115,7 @@
     </p:spTree>
     <p:extLst>
       <p:ext uri="{BB962C8B-B14F-4D97-AF65-F5344CB8AC3E}">
-        <p14:creationId xmlns:p14="http://schemas.microsoft.com/office/powerpoint/2010/main" val="118056564"/>
+        <p14:creationId xmlns:p14="http://schemas.microsoft.com/office/powerpoint/2010/main" val="1225478442"/>
       </p:ext>
     </p:extLst>
   </p:cSld>
@@ -2571,25 +2171,7 @@
           <a:p>
             <a:r>
               <a:rPr lang="en-AU" i="1" dirty="0"/>
-              <a:t>Speaker Notes: Here are the actual results from both models processing that same Hyatt Hotels invoice. Both successfully extracted the key information: supplier name "Hyatt Hotels", correct ABN, accurate amounts and GST calculations, and complete line item details. The output format is clean and structured - exactly what our downstream systems need.</a:t>
-            </a:r>
-            <a:endParaRPr lang="en-AU" dirty="0"/>
-          </a:p>
-          <a:p>
-            <a:br>
-              <a:rPr lang="en-AU" dirty="0"/>
-            </a:br>
-            <a:r>
-              <a:rPr lang="en-AU" i="1" dirty="0"/>
-              <a:t>Notice that both models achieved similar field accuracy rates around 59%, but with different strengths. Llama-3.2-Vision excelled at precise formatting while InternVL3 showed better handling of complex layouts. Both significantly outperform our current </a:t>
-            </a:r>
-            <a:r>
-              <a:rPr lang="en-AU" i="1" dirty="0" err="1"/>
-              <a:t>LayoutLM</a:t>
-            </a:r>
-            <a:r>
-              <a:rPr lang="en-AU" i="1" dirty="0"/>
-              <a:t> baseline. Most importantly, both models processed this document end-to-end with zero failures - no OCR errors, no pipeline breaks, no manual intervention required. This reliability is what makes Vision Transformers production-ready.</a:t>
+              <a:t>Speaker Notes: This is where Vision Transformers really shine. In traditional approaches, you extract text from one part of the document, then try to connect it to other parts later. Here, every patch of the document can "attend to" every other patch simultaneously. When processing that Hyatt Hotels invoice, the patch containing "TOTAL" can directly connect to patches containing "$31.33", "GST", and line items - all in one step. This happens 12-24 times through the layers, building increasingly sophisticated understanding. No sequential processing, no coordination problems - just direct global understanding.</a:t>
             </a:r>
             <a:endParaRPr lang="en-AU" dirty="0"/>
           </a:p>
@@ -2615,7 +2197,7 @@
           <a:p>
             <a:fld id="{4421CEC5-989B-3B48-AA40-5F6C85F6110C}" type="slidenum">
               <a:rPr lang="en-US" smtClean="0"/>
-              <a:t>11</a:t>
+              <a:t>15</a:t>
             </a:fld>
             <a:endParaRPr lang="en-US"/>
           </a:p>
@@ -2624,7 +2206,7 @@
     </p:spTree>
     <p:extLst>
       <p:ext uri="{BB962C8B-B14F-4D97-AF65-F5344CB8AC3E}">
-        <p14:creationId xmlns:p14="http://schemas.microsoft.com/office/powerpoint/2010/main" val="22233293"/>
+        <p14:creationId xmlns:p14="http://schemas.microsoft.com/office/powerpoint/2010/main" val="2011058690"/>
       </p:ext>
     </p:extLst>
   </p:cSld>
@@ -2680,20 +2262,27 @@
           <a:p>
             <a:r>
               <a:rPr lang="en-AU" i="1" dirty="0"/>
-              <a:t>Speaker Notes: This isn't an incremental improvement - it's a paradigm shift. </a:t>
-            </a:r>
-            <a:r>
-              <a:rPr lang="en-AU" i="1" dirty="0" err="1"/>
-              <a:t>LayoutLM</a:t>
-            </a:r>
+              <a:t>The final stage converts the rich visual understanding into the structured output we need. </a:t>
+            </a:r>
+          </a:p>
+          <a:p>
             <a:r>
               <a:rPr lang="en-AU" i="1" dirty="0"/>
-              <a:t> tries to reconstruct meaning from fragmented pieces while Vision Transformers naturally learn from the complete visual context.</a:t>
+              <a:t>The vision-language fusion layer has learned to connect visual patterns - like "$31.33 in large text near the word TOTAL" - to semantic concepts like "this is the document amount". </a:t>
+            </a:r>
+          </a:p>
+          <a:p>
+            <a:r>
+              <a:rPr lang="en-AU" i="1" dirty="0"/>
+              <a:t>The language model head then generates clean, structured text in exactly the format we specify. </a:t>
+            </a:r>
+          </a:p>
+          <a:p>
+            <a:r>
+              <a:rPr lang="en-AU" i="1" dirty="0"/>
+              <a:t>No post-processing, no template matching, no coordination between separate models. One unified system that goes from pixels to structured data.</a:t>
             </a:r>
             <a:endParaRPr lang="en-AU" dirty="0"/>
-          </a:p>
-          <a:p>
-            <a:endParaRPr lang="en-US" dirty="0"/>
           </a:p>
         </p:txBody>
       </p:sp>
@@ -2714,7 +2303,7 @@
           <a:p>
             <a:fld id="{4421CEC5-989B-3B48-AA40-5F6C85F6110C}" type="slidenum">
               <a:rPr lang="en-US" smtClean="0"/>
-              <a:t>12</a:t>
+              <a:t>16</a:t>
             </a:fld>
             <a:endParaRPr lang="en-US"/>
           </a:p>
@@ -2723,7 +2312,7 @@
     </p:spTree>
     <p:extLst>
       <p:ext uri="{BB962C8B-B14F-4D97-AF65-F5344CB8AC3E}">
-        <p14:creationId xmlns:p14="http://schemas.microsoft.com/office/powerpoint/2010/main" val="3750937352"/>
+        <p14:creationId xmlns:p14="http://schemas.microsoft.com/office/powerpoint/2010/main" val="2255041967"/>
       </p:ext>
     </p:extLst>
   </p:cSld>
@@ -6368,244 +5957,6 @@
 </file>
 
 <file path=ppt/slides/slide10.xml><?xml version="1.0" encoding="utf-8"?>
-<p:sld xmlns:a="http://schemas.openxmlformats.org/drawingml/2006/main" xmlns:r="http://schemas.openxmlformats.org/officeDocument/2006/relationships" xmlns:p="http://schemas.openxmlformats.org/presentationml/2006/main">
-  <p:cSld>
-    <p:spTree>
-      <p:nvGrpSpPr>
-        <p:cNvPr id="1" name=""/>
-        <p:cNvGrpSpPr/>
-        <p:nvPr/>
-      </p:nvGrpSpPr>
-      <p:grpSpPr>
-        <a:xfrm>
-          <a:off x="0" y="0"/>
-          <a:ext cx="0" cy="0"/>
-          <a:chOff x="0" y="0"/>
-          <a:chExt cx="0" cy="0"/>
-        </a:xfrm>
-      </p:grpSpPr>
-      <p:sp>
-        <p:nvSpPr>
-          <p:cNvPr id="2" name="Title 1">
-            <a:extLst>
-              <a:ext uri="{FF2B5EF4-FFF2-40B4-BE49-F238E27FC236}">
-                <a16:creationId xmlns:a16="http://schemas.microsoft.com/office/drawing/2014/main" id="{D3B4C654-6AB8-D446-7C31-A962A2D52537}"/>
-              </a:ext>
-            </a:extLst>
-          </p:cNvPr>
-          <p:cNvSpPr>
-            <a:spLocks noGrp="1"/>
-          </p:cNvSpPr>
-          <p:nvPr>
-            <p:ph type="title"/>
-          </p:nvPr>
-        </p:nvSpPr>
-        <p:spPr/>
-        <p:txBody>
-          <a:bodyPr/>
-          <a:lstStyle/>
-          <a:p>
-            <a:r>
-              <a:rPr lang="en-US" dirty="0"/>
-              <a:t>Vision Transformer: Practical Example</a:t>
-            </a:r>
-          </a:p>
-        </p:txBody>
-      </p:sp>
-      <p:pic>
-        <p:nvPicPr>
-          <p:cNvPr id="6" name="Content Placeholder 5" descr="A screenshot of a computer program&#10;&#10;AI-generated content may be incorrect.">
-            <a:extLst>
-              <a:ext uri="{FF2B5EF4-FFF2-40B4-BE49-F238E27FC236}">
-                <a16:creationId xmlns:a16="http://schemas.microsoft.com/office/drawing/2014/main" id="{8AEAA68C-105E-B79B-F0DF-27CA877CF794}"/>
-              </a:ext>
-            </a:extLst>
-          </p:cNvPr>
-          <p:cNvPicPr>
-            <a:picLocks noGrp="1" noChangeAspect="1"/>
-          </p:cNvPicPr>
-          <p:nvPr>
-            <p:ph sz="half" idx="1"/>
-          </p:nvPr>
-        </p:nvPicPr>
-        <p:blipFill>
-          <a:blip r:embed="rId3"/>
-          <a:stretch>
-            <a:fillRect/>
-          </a:stretch>
-        </p:blipFill>
-        <p:spPr>
-          <a:xfrm>
-            <a:off x="1321094" y="1825625"/>
-            <a:ext cx="4215812" cy="4351338"/>
-          </a:xfrm>
-        </p:spPr>
-      </p:pic>
-      <p:pic>
-        <p:nvPicPr>
-          <p:cNvPr id="8" name="Content Placeholder 7" descr="A invoice with text and numbers&#10;&#10;AI-generated content may be incorrect.">
-            <a:extLst>
-              <a:ext uri="{FF2B5EF4-FFF2-40B4-BE49-F238E27FC236}">
-                <a16:creationId xmlns:a16="http://schemas.microsoft.com/office/drawing/2014/main" id="{5317AA4A-2584-4A4B-8540-02882EBB4F7A}"/>
-              </a:ext>
-            </a:extLst>
-          </p:cNvPr>
-          <p:cNvPicPr>
-            <a:picLocks noGrp="1" noChangeAspect="1"/>
-          </p:cNvPicPr>
-          <p:nvPr>
-            <p:ph sz="half" idx="2"/>
-          </p:nvPr>
-        </p:nvPicPr>
-        <p:blipFill>
-          <a:blip r:embed="rId4"/>
-          <a:stretch>
-            <a:fillRect/>
-          </a:stretch>
-        </p:blipFill>
-        <p:spPr>
-          <a:xfrm>
-            <a:off x="6360330" y="1825625"/>
-            <a:ext cx="4805339" cy="4351338"/>
-          </a:xfrm>
-        </p:spPr>
-      </p:pic>
-    </p:spTree>
-    <p:extLst>
-      <p:ext uri="{BB962C8B-B14F-4D97-AF65-F5344CB8AC3E}">
-        <p14:creationId xmlns:p14="http://schemas.microsoft.com/office/powerpoint/2010/main" val="2740222638"/>
-      </p:ext>
-    </p:extLst>
-  </p:cSld>
-  <p:clrMapOvr>
-    <a:masterClrMapping/>
-  </p:clrMapOvr>
-</p:sld>
-</file>
-
-<file path=ppt/slides/slide11.xml><?xml version="1.0" encoding="utf-8"?>
-<p:sld xmlns:a="http://schemas.openxmlformats.org/drawingml/2006/main" xmlns:r="http://schemas.openxmlformats.org/officeDocument/2006/relationships" xmlns:p="http://schemas.openxmlformats.org/presentationml/2006/main">
-  <p:cSld>
-    <p:spTree>
-      <p:nvGrpSpPr>
-        <p:cNvPr id="1" name="">
-          <a:extLst>
-            <a:ext uri="{FF2B5EF4-FFF2-40B4-BE49-F238E27FC236}">
-              <a16:creationId xmlns:a16="http://schemas.microsoft.com/office/drawing/2014/main" id="{CAAD86C8-938A-7FDE-8E9F-75C87DC6849D}"/>
-            </a:ext>
-          </a:extLst>
-        </p:cNvPr>
-        <p:cNvGrpSpPr/>
-        <p:nvPr/>
-      </p:nvGrpSpPr>
-      <p:grpSpPr>
-        <a:xfrm>
-          <a:off x="0" y="0"/>
-          <a:ext cx="0" cy="0"/>
-          <a:chOff x="0" y="0"/>
-          <a:chExt cx="0" cy="0"/>
-        </a:xfrm>
-      </p:grpSpPr>
-      <p:sp>
-        <p:nvSpPr>
-          <p:cNvPr id="2" name="Title 1">
-            <a:extLst>
-              <a:ext uri="{FF2B5EF4-FFF2-40B4-BE49-F238E27FC236}">
-                <a16:creationId xmlns:a16="http://schemas.microsoft.com/office/drawing/2014/main" id="{7F834759-CE07-8D64-3A63-F588E0EB36E8}"/>
-              </a:ext>
-            </a:extLst>
-          </p:cNvPr>
-          <p:cNvSpPr>
-            <a:spLocks noGrp="1"/>
-          </p:cNvSpPr>
-          <p:nvPr>
-            <p:ph type="title"/>
-          </p:nvPr>
-        </p:nvSpPr>
-        <p:spPr/>
-        <p:txBody>
-          <a:bodyPr/>
-          <a:lstStyle/>
-          <a:p>
-            <a:r>
-              <a:rPr lang="en-US" dirty="0"/>
-              <a:t>Vision Transformer: Practical Example</a:t>
-            </a:r>
-          </a:p>
-        </p:txBody>
-      </p:sp>
-      <p:pic>
-        <p:nvPicPr>
-          <p:cNvPr id="7" name="Content Placeholder 6" descr="A screenshot of a computer&#10;&#10;AI-generated content may be incorrect.">
-            <a:extLst>
-              <a:ext uri="{FF2B5EF4-FFF2-40B4-BE49-F238E27FC236}">
-                <a16:creationId xmlns:a16="http://schemas.microsoft.com/office/drawing/2014/main" id="{D6ADD229-0DDF-34EC-B675-18FCDC6DF337}"/>
-              </a:ext>
-            </a:extLst>
-          </p:cNvPr>
-          <p:cNvPicPr>
-            <a:picLocks noGrp="1" noChangeAspect="1"/>
-          </p:cNvPicPr>
-          <p:nvPr>
-            <p:ph sz="half" idx="1"/>
-          </p:nvPr>
-        </p:nvPicPr>
-        <p:blipFill>
-          <a:blip r:embed="rId3"/>
-          <a:stretch>
-            <a:fillRect/>
-          </a:stretch>
-        </p:blipFill>
-        <p:spPr>
-          <a:xfrm>
-            <a:off x="895538" y="1825625"/>
-            <a:ext cx="5066923" cy="4351338"/>
-          </a:xfrm>
-        </p:spPr>
-      </p:pic>
-      <p:pic>
-        <p:nvPicPr>
-          <p:cNvPr id="12" name="Content Placeholder 11" descr="A screenshot of a computer&#10;&#10;AI-generated content may be incorrect.">
-            <a:extLst>
-              <a:ext uri="{FF2B5EF4-FFF2-40B4-BE49-F238E27FC236}">
-                <a16:creationId xmlns:a16="http://schemas.microsoft.com/office/drawing/2014/main" id="{F2B8A81C-4788-7490-EA5E-FA0A3165DD53}"/>
-              </a:ext>
-            </a:extLst>
-          </p:cNvPr>
-          <p:cNvPicPr>
-            <a:picLocks noGrp="1" noChangeAspect="1"/>
-          </p:cNvPicPr>
-          <p:nvPr>
-            <p:ph sz="half" idx="2"/>
-          </p:nvPr>
-        </p:nvPicPr>
-        <p:blipFill>
-          <a:blip r:embed="rId4"/>
-          <a:stretch>
-            <a:fillRect/>
-          </a:stretch>
-        </p:blipFill>
-        <p:spPr>
-          <a:xfrm>
-            <a:off x="6172200" y="1843528"/>
-            <a:ext cx="5181600" cy="4315532"/>
-          </a:xfrm>
-        </p:spPr>
-      </p:pic>
-    </p:spTree>
-    <p:extLst>
-      <p:ext uri="{BB962C8B-B14F-4D97-AF65-F5344CB8AC3E}">
-        <p14:creationId xmlns:p14="http://schemas.microsoft.com/office/powerpoint/2010/main" val="4057446792"/>
-      </p:ext>
-    </p:extLst>
-  </p:cSld>
-  <p:clrMapOvr>
-    <a:masterClrMapping/>
-  </p:clrMapOvr>
-</p:sld>
-</file>
-
-<file path=ppt/slides/slide12.xml><?xml version="1.0" encoding="utf-8"?>
 <p:sld xmlns:a="http://schemas.openxmlformats.org/drawingml/2006/main" xmlns:r="http://schemas.openxmlformats.org/officeDocument/2006/relationships" xmlns:p="http://schemas.openxmlformats.org/presentationml/2006/main">
   <p:cSld>
     <p:spTree>
@@ -7690,7 +7041,7 @@
 </p:sld>
 </file>
 
-<file path=ppt/slides/slide13.xml><?xml version="1.0" encoding="utf-8"?>
+<file path=ppt/slides/slide11.xml><?xml version="1.0" encoding="utf-8"?>
 <p:sld xmlns:a="http://schemas.openxmlformats.org/drawingml/2006/main" xmlns:r="http://schemas.openxmlformats.org/officeDocument/2006/relationships" xmlns:p="http://schemas.openxmlformats.org/presentationml/2006/main">
   <p:cSld>
     <p:spTree>
@@ -7998,7 +7349,7 @@
 </p:sld>
 </file>
 
-<file path=ppt/slides/slide14.xml><?xml version="1.0" encoding="utf-8"?>
+<file path=ppt/slides/slide12.xml><?xml version="1.0" encoding="utf-8"?>
 <p:sld xmlns:a="http://schemas.openxmlformats.org/drawingml/2006/main" xmlns:r="http://schemas.openxmlformats.org/officeDocument/2006/relationships" xmlns:p="http://schemas.openxmlformats.org/presentationml/2006/main">
   <p:cSld>
     <p:spTree>
@@ -8289,7 +7640,7 @@
 </p:sld>
 </file>
 
-<file path=ppt/slides/slide15.xml><?xml version="1.0" encoding="utf-8"?>
+<file path=ppt/slides/slide13.xml><?xml version="1.0" encoding="utf-8"?>
 <p:sld xmlns:a="http://schemas.openxmlformats.org/drawingml/2006/main" xmlns:r="http://schemas.openxmlformats.org/officeDocument/2006/relationships" xmlns:p="http://schemas.openxmlformats.org/presentationml/2006/main">
   <p:cSld>
     <p:spTree>
@@ -8553,7 +7904,7 @@
 </p:sld>
 </file>
 
-<file path=ppt/slides/slide16.xml><?xml version="1.0" encoding="utf-8"?>
+<file path=ppt/slides/slide14.xml><?xml version="1.0" encoding="utf-8"?>
 <p:sld xmlns:a="http://schemas.openxmlformats.org/drawingml/2006/main" xmlns:r="http://schemas.openxmlformats.org/officeDocument/2006/relationships" xmlns:p="http://schemas.openxmlformats.org/presentationml/2006/main">
   <p:cSld>
     <p:spTree>
@@ -8836,7 +8187,7 @@
 </p:sld>
 </file>
 
-<file path=ppt/slides/slide17.xml><?xml version="1.0" encoding="utf-8"?>
+<file path=ppt/slides/slide15.xml><?xml version="1.0" encoding="utf-8"?>
 <p:sld xmlns:a="http://schemas.openxmlformats.org/drawingml/2006/main" xmlns:r="http://schemas.openxmlformats.org/officeDocument/2006/relationships" xmlns:p="http://schemas.openxmlformats.org/presentationml/2006/main">
   <p:cSld>
     <p:spTree>
@@ -9119,7 +8470,7 @@
 </p:sld>
 </file>
 
-<file path=ppt/slides/slide18.xml><?xml version="1.0" encoding="utf-8"?>
+<file path=ppt/slides/slide16.xml><?xml version="1.0" encoding="utf-8"?>
 <p:sld xmlns:a="http://schemas.openxmlformats.org/drawingml/2006/main" xmlns:r="http://schemas.openxmlformats.org/officeDocument/2006/relationships" xmlns:p="http://schemas.openxmlformats.org/presentationml/2006/main">
   <p:cSld>
     <p:spTree>
@@ -9435,7 +8786,7 @@
 </p:sld>
 </file>
 
-<file path=ppt/slides/slide19.xml><?xml version="1.0" encoding="utf-8"?>
+<file path=ppt/slides/slide17.xml><?xml version="1.0" encoding="utf-8"?>
 <p:sld xmlns:a="http://schemas.openxmlformats.org/drawingml/2006/main" xmlns:r="http://schemas.openxmlformats.org/officeDocument/2006/relationships" xmlns:p="http://schemas.openxmlformats.org/presentationml/2006/main">
   <p:cSld>
     <p:spTree>
@@ -9924,516 +9275,7 @@
 </p:sld>
 </file>
 
-<file path=ppt/slides/slide2.xml><?xml version="1.0" encoding="utf-8"?>
-<p:sld xmlns:a="http://schemas.openxmlformats.org/drawingml/2006/main" xmlns:r="http://schemas.openxmlformats.org/officeDocument/2006/relationships" xmlns:p="http://schemas.openxmlformats.org/presentationml/2006/main">
-  <p:cSld>
-    <p:spTree>
-      <p:nvGrpSpPr>
-        <p:cNvPr id="1" name=""/>
-        <p:cNvGrpSpPr/>
-        <p:nvPr/>
-      </p:nvGrpSpPr>
-      <p:grpSpPr>
-        <a:xfrm>
-          <a:off x="0" y="0"/>
-          <a:ext cx="0" cy="0"/>
-          <a:chOff x="0" y="0"/>
-          <a:chExt cx="0" cy="0"/>
-        </a:xfrm>
-      </p:grpSpPr>
-      <p:sp>
-        <p:nvSpPr>
-          <p:cNvPr id="2" name="Title 1">
-            <a:extLst>
-              <a:ext uri="{FF2B5EF4-FFF2-40B4-BE49-F238E27FC236}">
-                <a16:creationId xmlns:a16="http://schemas.microsoft.com/office/drawing/2014/main" id="{E8F4ED5F-9491-BD05-9064-F5C09886B90E}"/>
-              </a:ext>
-            </a:extLst>
-          </p:cNvPr>
-          <p:cNvSpPr>
-            <a:spLocks noGrp="1"/>
-          </p:cNvSpPr>
-          <p:nvPr>
-            <p:ph type="title"/>
-          </p:nvPr>
-        </p:nvSpPr>
-        <p:spPr/>
-        <p:txBody>
-          <a:bodyPr/>
-          <a:lstStyle/>
-          <a:p>
-            <a:r>
-              <a:rPr lang="en-US" dirty="0"/>
-              <a:t>Exemplified by the specific WRE use case</a:t>
-            </a:r>
-          </a:p>
-        </p:txBody>
-      </p:sp>
-      <p:pic>
-        <p:nvPicPr>
-          <p:cNvPr id="6" name="Content Placeholder 5" descr="A close-up of a form&#10;&#10;AI-generated content may be incorrect.">
-            <a:extLst>
-              <a:ext uri="{FF2B5EF4-FFF2-40B4-BE49-F238E27FC236}">
-                <a16:creationId xmlns:a16="http://schemas.microsoft.com/office/drawing/2014/main" id="{DE4CFA0C-06AC-7E15-531E-9A07668BD2FF}"/>
-              </a:ext>
-            </a:extLst>
-          </p:cNvPr>
-          <p:cNvPicPr>
-            <a:picLocks noGrp="1" noChangeAspect="1"/>
-          </p:cNvPicPr>
-          <p:nvPr>
-            <p:ph sz="half" idx="1"/>
-          </p:nvPr>
-        </p:nvPicPr>
-        <p:blipFill>
-          <a:blip r:embed="rId2"/>
-          <a:stretch>
-            <a:fillRect/>
-          </a:stretch>
-        </p:blipFill>
-        <p:spPr>
-          <a:xfrm>
-            <a:off x="1027298" y="1486535"/>
-            <a:ext cx="4660900" cy="3060700"/>
-          </a:xfrm>
-        </p:spPr>
-      </p:pic>
-      <p:graphicFrame>
-        <p:nvGraphicFramePr>
-          <p:cNvPr id="7" name="Content Placeholder 6">
-            <a:extLst>
-              <a:ext uri="{FF2B5EF4-FFF2-40B4-BE49-F238E27FC236}">
-                <a16:creationId xmlns:a16="http://schemas.microsoft.com/office/drawing/2014/main" id="{F9E691D3-54A2-A875-E66F-482A838DF5EB}"/>
-              </a:ext>
-            </a:extLst>
-          </p:cNvPr>
-          <p:cNvGraphicFramePr>
-            <a:graphicFrameLocks noGrp="1"/>
-          </p:cNvGraphicFramePr>
-          <p:nvPr>
-            <p:ph sz="half" idx="2"/>
-            <p:extLst>
-              <p:ext uri="{D42A27DB-BD31-4B8C-83A1-F6EECF244321}">
-                <p14:modId xmlns:p14="http://schemas.microsoft.com/office/powerpoint/2010/main" val="501880935"/>
-              </p:ext>
-            </p:extLst>
-          </p:nvPr>
-        </p:nvGraphicFramePr>
-        <p:xfrm>
-          <a:off x="6096000" y="1486535"/>
-          <a:ext cx="5181600" cy="3738880"/>
-        </p:xfrm>
-        <a:graphic>
-          <a:graphicData uri="http://schemas.openxmlformats.org/drawingml/2006/table">
-            <a:tbl>
-              <a:tblPr firstRow="1" bandRow="1">
-                <a:tableStyleId>{5C22544A-7EE6-4342-B048-85BDC9FD1C3A}</a:tableStyleId>
-              </a:tblPr>
-              <a:tblGrid>
-                <a:gridCol w="1727200">
-                  <a:extLst>
-                    <a:ext uri="{9D8B030D-6E8A-4147-A177-3AD203B41FA5}">
-                      <a16:colId xmlns:a16="http://schemas.microsoft.com/office/drawing/2014/main" val="3005244530"/>
-                    </a:ext>
-                  </a:extLst>
-                </a:gridCol>
-                <a:gridCol w="1727200">
-                  <a:extLst>
-                    <a:ext uri="{9D8B030D-6E8A-4147-A177-3AD203B41FA5}">
-                      <a16:colId xmlns:a16="http://schemas.microsoft.com/office/drawing/2014/main" val="120257288"/>
-                    </a:ext>
-                  </a:extLst>
-                </a:gridCol>
-                <a:gridCol w="1727200">
-                  <a:extLst>
-                    <a:ext uri="{9D8B030D-6E8A-4147-A177-3AD203B41FA5}">
-                      <a16:colId xmlns:a16="http://schemas.microsoft.com/office/drawing/2014/main" val="1947988062"/>
-                    </a:ext>
-                  </a:extLst>
-                </a:gridCol>
-              </a:tblGrid>
-              <a:tr h="370840">
-                <a:tc>
-                  <a:txBody>
-                    <a:bodyPr/>
-                    <a:lstStyle/>
-                    <a:p>
-                      <a:r>
-                        <a:rPr lang="en-AU" b="1" dirty="0">
-                          <a:effectLst/>
-                        </a:rPr>
-                        <a:t>Field</a:t>
-                      </a:r>
-                    </a:p>
-                  </a:txBody>
-                  <a:tcPr marL="123825" marR="123825" marT="57150" marB="57150" anchor="ctr"/>
-                </a:tc>
-                <a:tc>
-                  <a:txBody>
-                    <a:bodyPr/>
-                    <a:lstStyle/>
-                    <a:p>
-                      <a:r>
-                        <a:rPr lang="en-AU" b="1">
-                          <a:effectLst/>
-                        </a:rPr>
-                        <a:t>Purpose</a:t>
-                      </a:r>
-                    </a:p>
-                  </a:txBody>
-                  <a:tcPr marL="123825" marR="123825" marT="57150" marB="57150" anchor="ctr"/>
-                </a:tc>
-                <a:tc>
-                  <a:txBody>
-                    <a:bodyPr/>
-                    <a:lstStyle/>
-                    <a:p>
-                      <a:r>
-                        <a:rPr lang="en-AU" b="1">
-                          <a:effectLst/>
-                        </a:rPr>
-                        <a:t>D1-D10 Mapping</a:t>
-                      </a:r>
-                    </a:p>
-                  </a:txBody>
-                  <a:tcPr marL="123825" marR="123825" marT="57150" marB="57150" anchor="ctr"/>
-                </a:tc>
-                <a:extLst>
-                  <a:ext uri="{0D108BD9-81ED-4DB2-BD59-A6C34878D82A}">
-                    <a16:rowId xmlns:a16="http://schemas.microsoft.com/office/drawing/2014/main" val="1923625845"/>
-                  </a:ext>
-                </a:extLst>
-              </a:tr>
-              <a:tr h="370840">
-                <a:tc>
-                  <a:txBody>
-                    <a:bodyPr/>
-                    <a:lstStyle/>
-                    <a:p>
-                      <a:r>
-                        <a:rPr lang="en-AU" sz="1400" dirty="0">
-                          <a:effectLst/>
-                        </a:rPr>
-                        <a:t>Supplier Name</a:t>
-                      </a:r>
-                    </a:p>
-                  </a:txBody>
-                  <a:tcPr marL="123825" marR="123825" marT="57150" marB="57150" anchor="ctr"/>
-                </a:tc>
-                <a:tc>
-                  <a:txBody>
-                    <a:bodyPr/>
-                    <a:lstStyle/>
-                    <a:p>
-                      <a:r>
-                        <a:rPr lang="en-AU" sz="1400" dirty="0">
-                          <a:effectLst/>
-                        </a:rPr>
-                        <a:t>Verify legitimate business</a:t>
-                      </a:r>
-                    </a:p>
-                  </a:txBody>
-                  <a:tcPr marL="123825" marR="123825" marT="57150" marB="57150" anchor="ctr"/>
-                </a:tc>
-                <a:tc>
-                  <a:txBody>
-                    <a:bodyPr/>
-                    <a:lstStyle/>
-                    <a:p>
-                      <a:r>
-                        <a:rPr lang="en-AU" sz="1400">
-                          <a:effectLst/>
-                        </a:rPr>
-                        <a:t>All categories</a:t>
-                      </a:r>
-                    </a:p>
-                  </a:txBody>
-                  <a:tcPr marL="123825" marR="123825" marT="57150" marB="57150" anchor="ctr"/>
-                </a:tc>
-                <a:extLst>
-                  <a:ext uri="{0D108BD9-81ED-4DB2-BD59-A6C34878D82A}">
-                    <a16:rowId xmlns:a16="http://schemas.microsoft.com/office/drawing/2014/main" val="1410080041"/>
-                  </a:ext>
-                </a:extLst>
-              </a:tr>
-              <a:tr h="370840">
-                <a:tc>
-                  <a:txBody>
-                    <a:bodyPr/>
-                    <a:lstStyle/>
-                    <a:p>
-                      <a:r>
-                        <a:rPr lang="en-AU" sz="1400">
-                          <a:effectLst/>
-                        </a:rPr>
-                        <a:t>ABN</a:t>
-                      </a:r>
-                    </a:p>
-                  </a:txBody>
-                  <a:tcPr marL="123825" marR="123825" marT="57150" marB="57150" anchor="ctr"/>
-                </a:tc>
-                <a:tc>
-                  <a:txBody>
-                    <a:bodyPr/>
-                    <a:lstStyle/>
-                    <a:p>
-                      <a:r>
-                        <a:rPr lang="en-AU" sz="1400" dirty="0">
-                          <a:effectLst/>
-                        </a:rPr>
-                        <a:t>Confirm registered entity</a:t>
-                      </a:r>
-                    </a:p>
-                  </a:txBody>
-                  <a:tcPr marL="123825" marR="123825" marT="57150" marB="57150" anchor="ctr"/>
-                </a:tc>
-                <a:tc>
-                  <a:txBody>
-                    <a:bodyPr/>
-                    <a:lstStyle/>
-                    <a:p>
-                      <a:r>
-                        <a:rPr lang="en-AU" sz="1400">
-                          <a:effectLst/>
-                        </a:rPr>
-                        <a:t>All categories</a:t>
-                      </a:r>
-                    </a:p>
-                  </a:txBody>
-                  <a:tcPr marL="123825" marR="123825" marT="57150" marB="57150" anchor="ctr"/>
-                </a:tc>
-                <a:extLst>
-                  <a:ext uri="{0D108BD9-81ED-4DB2-BD59-A6C34878D82A}">
-                    <a16:rowId xmlns:a16="http://schemas.microsoft.com/office/drawing/2014/main" val="443002627"/>
-                  </a:ext>
-                </a:extLst>
-              </a:tr>
-              <a:tr h="370840">
-                <a:tc>
-                  <a:txBody>
-                    <a:bodyPr/>
-                    <a:lstStyle/>
-                    <a:p>
-                      <a:r>
-                        <a:rPr lang="en-AU" sz="1400">
-                          <a:effectLst/>
-                        </a:rPr>
-                        <a:t>Date</a:t>
-                      </a:r>
-                    </a:p>
-                  </a:txBody>
-                  <a:tcPr marL="123825" marR="123825" marT="57150" marB="57150" anchor="ctr"/>
-                </a:tc>
-                <a:tc>
-                  <a:txBody>
-                    <a:bodyPr/>
-                    <a:lstStyle/>
-                    <a:p>
-                      <a:r>
-                        <a:rPr lang="en-AU" sz="1400">
-                          <a:effectLst/>
-                        </a:rPr>
-                        <a:t>Match to tax year</a:t>
-                      </a:r>
-                    </a:p>
-                  </a:txBody>
-                  <a:tcPr marL="123825" marR="123825" marT="57150" marB="57150" anchor="ctr"/>
-                </a:tc>
-                <a:tc>
-                  <a:txBody>
-                    <a:bodyPr/>
-                    <a:lstStyle/>
-                    <a:p>
-                      <a:r>
-                        <a:rPr lang="en-AU" sz="1400">
-                          <a:effectLst/>
-                        </a:rPr>
-                        <a:t>All categories</a:t>
-                      </a:r>
-                    </a:p>
-                  </a:txBody>
-                  <a:tcPr marL="123825" marR="123825" marT="57150" marB="57150" anchor="ctr"/>
-                </a:tc>
-                <a:extLst>
-                  <a:ext uri="{0D108BD9-81ED-4DB2-BD59-A6C34878D82A}">
-                    <a16:rowId xmlns:a16="http://schemas.microsoft.com/office/drawing/2014/main" val="1539717750"/>
-                  </a:ext>
-                </a:extLst>
-              </a:tr>
-              <a:tr h="0">
-                <a:tc>
-                  <a:txBody>
-                    <a:bodyPr/>
-                    <a:lstStyle/>
-                    <a:p>
-                      <a:r>
-                        <a:rPr lang="en-AU" sz="1400">
-                          <a:effectLst/>
-                        </a:rPr>
-                        <a:t>Amount</a:t>
-                      </a:r>
-                    </a:p>
-                  </a:txBody>
-                  <a:tcPr marL="123825" marR="123825" marT="57150" marB="57150" anchor="ctr"/>
-                </a:tc>
-                <a:tc>
-                  <a:txBody>
-                    <a:bodyPr/>
-                    <a:lstStyle/>
-                    <a:p>
-                      <a:r>
-                        <a:rPr lang="en-AU" sz="1400">
-                          <a:effectLst/>
-                        </a:rPr>
-                        <a:t>Verify claim amount</a:t>
-                      </a:r>
-                    </a:p>
-                  </a:txBody>
-                  <a:tcPr marL="123825" marR="123825" marT="57150" marB="57150" anchor="ctr"/>
-                </a:tc>
-                <a:tc>
-                  <a:txBody>
-                    <a:bodyPr/>
-                    <a:lstStyle/>
-                    <a:p>
-                      <a:r>
-                        <a:rPr lang="en-AU" sz="1400">
-                          <a:effectLst/>
-                        </a:rPr>
-                        <a:t>All categories</a:t>
-                      </a:r>
-                    </a:p>
-                  </a:txBody>
-                  <a:tcPr marL="123825" marR="123825" marT="57150" marB="57150" anchor="ctr"/>
-                </a:tc>
-                <a:extLst>
-                  <a:ext uri="{0D108BD9-81ED-4DB2-BD59-A6C34878D82A}">
-                    <a16:rowId xmlns:a16="http://schemas.microsoft.com/office/drawing/2014/main" val="1224566615"/>
-                  </a:ext>
-                </a:extLst>
-              </a:tr>
-              <a:tr h="370840">
-                <a:tc>
-                  <a:txBody>
-                    <a:bodyPr/>
-                    <a:lstStyle/>
-                    <a:p>
-                      <a:r>
-                        <a:rPr lang="en-AU" sz="1400">
-                          <a:effectLst/>
-                        </a:rPr>
-                        <a:t>Description</a:t>
-                      </a:r>
-                    </a:p>
-                  </a:txBody>
-                  <a:tcPr marL="123825" marR="123825" marT="57150" marB="57150" anchor="ctr"/>
-                </a:tc>
-                <a:tc>
-                  <a:txBody>
-                    <a:bodyPr/>
-                    <a:lstStyle/>
-                    <a:p>
-                      <a:r>
-                        <a:rPr lang="en-AU" sz="1400">
-                          <a:effectLst/>
-                        </a:rPr>
-                        <a:t>Categorize expense</a:t>
-                      </a:r>
-                    </a:p>
-                  </a:txBody>
-                  <a:tcPr marL="123825" marR="123825" marT="57150" marB="57150" anchor="ctr"/>
-                </a:tc>
-                <a:tc>
-                  <a:txBody>
-                    <a:bodyPr/>
-                    <a:lstStyle/>
-                    <a:p>
-                      <a:r>
-                        <a:rPr lang="en-AU" sz="1400">
-                          <a:effectLst/>
-                        </a:rPr>
-                        <a:t>Maps to D1-D10</a:t>
-                      </a:r>
-                    </a:p>
-                  </a:txBody>
-                  <a:tcPr marL="123825" marR="123825" marT="57150" marB="57150" anchor="ctr"/>
-                </a:tc>
-                <a:extLst>
-                  <a:ext uri="{0D108BD9-81ED-4DB2-BD59-A6C34878D82A}">
-                    <a16:rowId xmlns:a16="http://schemas.microsoft.com/office/drawing/2014/main" val="3174686576"/>
-                  </a:ext>
-                </a:extLst>
-              </a:tr>
-              <a:tr h="370840">
-                <a:tc>
-                  <a:txBody>
-                    <a:bodyPr/>
-                    <a:lstStyle/>
-                    <a:p>
-                      <a:r>
-                        <a:rPr lang="en-AU" sz="1400">
-                          <a:effectLst/>
-                        </a:rPr>
-                        <a:t>GST Amount</a:t>
-                      </a:r>
-                    </a:p>
-                  </a:txBody>
-                  <a:tcPr marL="123825" marR="123825" marT="57150" marB="57150" anchor="ctr"/>
-                </a:tc>
-                <a:tc>
-                  <a:txBody>
-                    <a:bodyPr/>
-                    <a:lstStyle/>
-                    <a:p>
-                      <a:r>
-                        <a:rPr lang="en-AU" sz="1400" dirty="0">
-                          <a:effectLst/>
-                        </a:rPr>
-                        <a:t>Calculate claimable portion</a:t>
-                      </a:r>
-                    </a:p>
-                  </a:txBody>
-                  <a:tcPr marL="123825" marR="123825" marT="57150" marB="57150" anchor="ctr"/>
-                </a:tc>
-                <a:tc>
-                  <a:txBody>
-                    <a:bodyPr/>
-                    <a:lstStyle/>
-                    <a:p>
-                      <a:r>
-                        <a:rPr lang="en-AU" sz="1400" dirty="0">
-                          <a:effectLst/>
-                        </a:rPr>
-                        <a:t>All categories</a:t>
-                      </a:r>
-                    </a:p>
-                  </a:txBody>
-                  <a:tcPr marL="123825" marR="123825" marT="57150" marB="57150" anchor="ctr"/>
-                </a:tc>
-                <a:extLst>
-                  <a:ext uri="{0D108BD9-81ED-4DB2-BD59-A6C34878D82A}">
-                    <a16:rowId xmlns:a16="http://schemas.microsoft.com/office/drawing/2014/main" val="754621907"/>
-                  </a:ext>
-                </a:extLst>
-              </a:tr>
-            </a:tbl>
-          </a:graphicData>
-        </a:graphic>
-      </p:graphicFrame>
-    </p:spTree>
-    <p:extLst>
-      <p:ext uri="{BB962C8B-B14F-4D97-AF65-F5344CB8AC3E}">
-        <p14:creationId xmlns:p14="http://schemas.microsoft.com/office/powerpoint/2010/main" val="2837784859"/>
-      </p:ext>
-    </p:extLst>
-  </p:cSld>
-  <p:clrMapOvr>
-    <a:masterClrMapping/>
-  </p:clrMapOvr>
-</p:sld>
-</file>
-
-<file path=ppt/slides/slide20.xml><?xml version="1.0" encoding="utf-8"?>
+<file path=ppt/slides/slide18.xml><?xml version="1.0" encoding="utf-8"?>
 <p:sld xmlns:a="http://schemas.openxmlformats.org/drawingml/2006/main" xmlns:r="http://schemas.openxmlformats.org/officeDocument/2006/relationships" xmlns:p="http://schemas.openxmlformats.org/presentationml/2006/main">
   <p:cSld>
     <p:spTree>
@@ -10550,7 +9392,7 @@
 </p:sld>
 </file>
 
-<file path=ppt/slides/slide21.xml><?xml version="1.0" encoding="utf-8"?>
+<file path=ppt/slides/slide19.xml><?xml version="1.0" encoding="utf-8"?>
 <p:sld xmlns:a="http://schemas.openxmlformats.org/drawingml/2006/main" xmlns:r="http://schemas.openxmlformats.org/officeDocument/2006/relationships" xmlns:p="http://schemas.openxmlformats.org/presentationml/2006/main">
   <p:cSld>
     <p:spTree>
@@ -10825,7 +9667,227 @@
 </p:sld>
 </file>
 
-<file path=ppt/slides/slide22.xml><?xml version="1.0" encoding="utf-8"?>
+<file path=ppt/slides/slide2.xml><?xml version="1.0" encoding="utf-8"?>
+<p:sld xmlns:a="http://schemas.openxmlformats.org/drawingml/2006/main" xmlns:r="http://schemas.openxmlformats.org/officeDocument/2006/relationships" xmlns:p="http://schemas.openxmlformats.org/presentationml/2006/main">
+  <p:cSld>
+    <p:spTree>
+      <p:nvGrpSpPr>
+        <p:cNvPr id="1" name=""/>
+        <p:cNvGrpSpPr/>
+        <p:nvPr/>
+      </p:nvGrpSpPr>
+      <p:grpSpPr>
+        <a:xfrm>
+          <a:off x="0" y="0"/>
+          <a:ext cx="0" cy="0"/>
+          <a:chOff x="0" y="0"/>
+          <a:chExt cx="0" cy="0"/>
+        </a:xfrm>
+      </p:grpSpPr>
+      <p:sp>
+        <p:nvSpPr>
+          <p:cNvPr id="2" name="Title 1">
+            <a:extLst>
+              <a:ext uri="{FF2B5EF4-FFF2-40B4-BE49-F238E27FC236}">
+                <a16:creationId xmlns:a16="http://schemas.microsoft.com/office/drawing/2014/main" id="{F93E6ADF-AAC6-27F4-7A77-1FCB12ACDD5E}"/>
+              </a:ext>
+            </a:extLst>
+          </p:cNvPr>
+          <p:cNvSpPr>
+            <a:spLocks noGrp="1"/>
+          </p:cNvSpPr>
+          <p:nvPr>
+            <p:ph type="title"/>
+          </p:nvPr>
+        </p:nvSpPr>
+        <p:spPr>
+          <a:xfrm>
+            <a:off x="838200" y="365125"/>
+            <a:ext cx="10515600" cy="892175"/>
+          </a:xfrm>
+        </p:spPr>
+        <p:txBody>
+          <a:bodyPr/>
+          <a:lstStyle/>
+          <a:p>
+            <a:r>
+              <a:rPr lang="en-AU" b="1" dirty="0"/>
+              <a:t>Agenda</a:t>
+            </a:r>
+            <a:endParaRPr lang="en-US" dirty="0"/>
+          </a:p>
+        </p:txBody>
+      </p:sp>
+      <p:sp>
+        <p:nvSpPr>
+          <p:cNvPr id="3" name="Content Placeholder 2">
+            <a:extLst>
+              <a:ext uri="{FF2B5EF4-FFF2-40B4-BE49-F238E27FC236}">
+                <a16:creationId xmlns:a16="http://schemas.microsoft.com/office/drawing/2014/main" id="{96D734AA-8643-2515-8DBA-27C114584663}"/>
+              </a:ext>
+            </a:extLst>
+          </p:cNvPr>
+          <p:cNvSpPr>
+            <a:spLocks noGrp="1"/>
+          </p:cNvSpPr>
+          <p:nvPr>
+            <p:ph idx="1"/>
+          </p:nvPr>
+        </p:nvSpPr>
+        <p:spPr>
+          <a:xfrm>
+            <a:off x="838200" y="1381125"/>
+            <a:ext cx="10515600" cy="4351338"/>
+          </a:xfrm>
+        </p:spPr>
+        <p:txBody>
+          <a:bodyPr>
+            <a:normAutofit fontScale="77500" lnSpcReduction="20000"/>
+          </a:bodyPr>
+          <a:lstStyle/>
+          <a:p>
+            <a:r>
+              <a:rPr lang="en-AU" b="1" dirty="0"/>
+              <a:t>Our Journey Today</a:t>
+            </a:r>
+            <a:r>
+              <a:rPr lang="en-AU" dirty="0"/>
+              <a:t> (40 minutes)</a:t>
+            </a:r>
+          </a:p>
+          <a:p>
+            <a:r>
+              <a:rPr lang="en-AU" b="1" dirty="0"/>
+              <a:t>Introduction &amp; Context</a:t>
+            </a:r>
+            <a:r>
+              <a:rPr lang="en-AU" dirty="0"/>
+              <a:t> (10 min)</a:t>
+            </a:r>
+          </a:p>
+          <a:p>
+            <a:pPr lvl="1"/>
+            <a:r>
+              <a:rPr lang="en-AU" dirty="0"/>
+              <a:t>Tax document processing challenge</a:t>
+            </a:r>
+          </a:p>
+          <a:p>
+            <a:pPr lvl="1"/>
+            <a:r>
+              <a:rPr lang="en-AU" dirty="0"/>
+              <a:t>Current </a:t>
+            </a:r>
+            <a:r>
+              <a:rPr lang="en-AU" dirty="0" err="1"/>
+              <a:t>LayoutLM</a:t>
+            </a:r>
+            <a:r>
+              <a:rPr lang="en-AU" dirty="0"/>
+              <a:t> limitations</a:t>
+            </a:r>
+          </a:p>
+          <a:p>
+            <a:r>
+              <a:rPr lang="en-AU" b="1" dirty="0"/>
+              <a:t>How Vision Transformers Work</a:t>
+            </a:r>
+            <a:r>
+              <a:rPr lang="en-AU" dirty="0"/>
+              <a:t> (18 min)</a:t>
+            </a:r>
+          </a:p>
+          <a:p>
+            <a:pPr lvl="1"/>
+            <a:r>
+              <a:rPr lang="en-AU" dirty="0"/>
+              <a:t>Technical architecture deep dive</a:t>
+            </a:r>
+          </a:p>
+          <a:p>
+            <a:pPr lvl="1"/>
+            <a:r>
+              <a:rPr lang="en-AU" dirty="0"/>
+              <a:t>Self-attention mechanisms</a:t>
+            </a:r>
+          </a:p>
+          <a:p>
+            <a:r>
+              <a:rPr lang="en-AU" b="1" dirty="0"/>
+              <a:t>Comparison &amp; Evidence</a:t>
+            </a:r>
+            <a:r>
+              <a:rPr lang="en-AU" dirty="0"/>
+              <a:t> (15 min)</a:t>
+            </a:r>
+          </a:p>
+          <a:p>
+            <a:pPr lvl="1"/>
+            <a:r>
+              <a:rPr lang="en-AU" dirty="0"/>
+              <a:t>Performance results on tax documents</a:t>
+            </a:r>
+          </a:p>
+          <a:p>
+            <a:pPr lvl="1"/>
+            <a:r>
+              <a:rPr lang="en-AU" dirty="0"/>
+              <a:t>Production deployment insights</a:t>
+            </a:r>
+          </a:p>
+          <a:p>
+            <a:r>
+              <a:rPr lang="en-AU" b="1" dirty="0"/>
+              <a:t>Implementation &amp; Business Impact</a:t>
+            </a:r>
+            <a:r>
+              <a:rPr lang="en-AU" dirty="0"/>
+              <a:t> (7 min)</a:t>
+            </a:r>
+          </a:p>
+          <a:p>
+            <a:pPr lvl="1"/>
+            <a:r>
+              <a:rPr lang="en-AU" dirty="0"/>
+              <a:t>Case study and code examples</a:t>
+            </a:r>
+          </a:p>
+          <a:p>
+            <a:pPr lvl="1"/>
+            <a:r>
+              <a:rPr lang="en-AU" dirty="0"/>
+              <a:t>Strategic recommendations</a:t>
+            </a:r>
+          </a:p>
+          <a:p>
+            <a:r>
+              <a:rPr lang="en-AU" b="1" dirty="0"/>
+              <a:t>Q&amp;A Session</a:t>
+            </a:r>
+            <a:r>
+              <a:rPr lang="en-AU" dirty="0"/>
+              <a:t> (10 min)</a:t>
+            </a:r>
+          </a:p>
+          <a:p>
+            <a:endParaRPr lang="en-US" dirty="0"/>
+          </a:p>
+        </p:txBody>
+      </p:sp>
+    </p:spTree>
+    <p:extLst>
+      <p:ext uri="{BB962C8B-B14F-4D97-AF65-F5344CB8AC3E}">
+        <p14:creationId xmlns:p14="http://schemas.microsoft.com/office/powerpoint/2010/main" val="741847296"/>
+      </p:ext>
+    </p:extLst>
+  </p:cSld>
+  <p:clrMapOvr>
+    <a:masterClrMapping/>
+  </p:clrMapOvr>
+</p:sld>
+</file>
+
+<file path=ppt/slides/slide20.xml><?xml version="1.0" encoding="utf-8"?>
 <p:sld xmlns:a="http://schemas.openxmlformats.org/drawingml/2006/main" xmlns:r="http://schemas.openxmlformats.org/officeDocument/2006/relationships" xmlns:p="http://schemas.openxmlformats.org/presentationml/2006/main">
   <p:cSld>
     <p:spTree>
@@ -11450,6 +10512,244 @@
       <p:bldP spid="3" grpId="0" build="p"/>
     </p:bldLst>
   </p:timing>
+</p:sld>
+</file>
+
+<file path=ppt/slides/slide21.xml><?xml version="1.0" encoding="utf-8"?>
+<p:sld xmlns:a="http://schemas.openxmlformats.org/drawingml/2006/main" xmlns:r="http://schemas.openxmlformats.org/officeDocument/2006/relationships" xmlns:p="http://schemas.openxmlformats.org/presentationml/2006/main">
+  <p:cSld>
+    <p:spTree>
+      <p:nvGrpSpPr>
+        <p:cNvPr id="1" name=""/>
+        <p:cNvGrpSpPr/>
+        <p:nvPr/>
+      </p:nvGrpSpPr>
+      <p:grpSpPr>
+        <a:xfrm>
+          <a:off x="0" y="0"/>
+          <a:ext cx="0" cy="0"/>
+          <a:chOff x="0" y="0"/>
+          <a:chExt cx="0" cy="0"/>
+        </a:xfrm>
+      </p:grpSpPr>
+      <p:sp>
+        <p:nvSpPr>
+          <p:cNvPr id="2" name="Title 1">
+            <a:extLst>
+              <a:ext uri="{FF2B5EF4-FFF2-40B4-BE49-F238E27FC236}">
+                <a16:creationId xmlns:a16="http://schemas.microsoft.com/office/drawing/2014/main" id="{D3B4C654-6AB8-D446-7C31-A962A2D52537}"/>
+              </a:ext>
+            </a:extLst>
+          </p:cNvPr>
+          <p:cNvSpPr>
+            <a:spLocks noGrp="1"/>
+          </p:cNvSpPr>
+          <p:nvPr>
+            <p:ph type="title"/>
+          </p:nvPr>
+        </p:nvSpPr>
+        <p:spPr/>
+        <p:txBody>
+          <a:bodyPr/>
+          <a:lstStyle/>
+          <a:p>
+            <a:r>
+              <a:rPr lang="en-US" dirty="0"/>
+              <a:t>Vision Transformer: Practical Example</a:t>
+            </a:r>
+          </a:p>
+        </p:txBody>
+      </p:sp>
+      <p:pic>
+        <p:nvPicPr>
+          <p:cNvPr id="6" name="Content Placeholder 5" descr="A screenshot of a computer program&#10;&#10;AI-generated content may be incorrect.">
+            <a:extLst>
+              <a:ext uri="{FF2B5EF4-FFF2-40B4-BE49-F238E27FC236}">
+                <a16:creationId xmlns:a16="http://schemas.microsoft.com/office/drawing/2014/main" id="{8AEAA68C-105E-B79B-F0DF-27CA877CF794}"/>
+              </a:ext>
+            </a:extLst>
+          </p:cNvPr>
+          <p:cNvPicPr>
+            <a:picLocks noGrp="1" noChangeAspect="1"/>
+          </p:cNvPicPr>
+          <p:nvPr>
+            <p:ph sz="half" idx="1"/>
+          </p:nvPr>
+        </p:nvPicPr>
+        <p:blipFill>
+          <a:blip r:embed="rId3"/>
+          <a:stretch>
+            <a:fillRect/>
+          </a:stretch>
+        </p:blipFill>
+        <p:spPr>
+          <a:xfrm>
+            <a:off x="1321094" y="1825625"/>
+            <a:ext cx="4215812" cy="4351338"/>
+          </a:xfrm>
+        </p:spPr>
+      </p:pic>
+      <p:pic>
+        <p:nvPicPr>
+          <p:cNvPr id="8" name="Content Placeholder 7" descr="A invoice with text and numbers&#10;&#10;AI-generated content may be incorrect.">
+            <a:extLst>
+              <a:ext uri="{FF2B5EF4-FFF2-40B4-BE49-F238E27FC236}">
+                <a16:creationId xmlns:a16="http://schemas.microsoft.com/office/drawing/2014/main" id="{5317AA4A-2584-4A4B-8540-02882EBB4F7A}"/>
+              </a:ext>
+            </a:extLst>
+          </p:cNvPr>
+          <p:cNvPicPr>
+            <a:picLocks noGrp="1" noChangeAspect="1"/>
+          </p:cNvPicPr>
+          <p:nvPr>
+            <p:ph sz="half" idx="2"/>
+          </p:nvPr>
+        </p:nvPicPr>
+        <p:blipFill>
+          <a:blip r:embed="rId4"/>
+          <a:stretch>
+            <a:fillRect/>
+          </a:stretch>
+        </p:blipFill>
+        <p:spPr>
+          <a:xfrm>
+            <a:off x="6360330" y="1825625"/>
+            <a:ext cx="4805339" cy="4351338"/>
+          </a:xfrm>
+        </p:spPr>
+      </p:pic>
+    </p:spTree>
+    <p:extLst>
+      <p:ext uri="{BB962C8B-B14F-4D97-AF65-F5344CB8AC3E}">
+        <p14:creationId xmlns:p14="http://schemas.microsoft.com/office/powerpoint/2010/main" val="3314521291"/>
+      </p:ext>
+    </p:extLst>
+  </p:cSld>
+  <p:clrMapOvr>
+    <a:masterClrMapping/>
+  </p:clrMapOvr>
+</p:sld>
+</file>
+
+<file path=ppt/slides/slide22.xml><?xml version="1.0" encoding="utf-8"?>
+<p:sld xmlns:a="http://schemas.openxmlformats.org/drawingml/2006/main" xmlns:r="http://schemas.openxmlformats.org/officeDocument/2006/relationships" xmlns:p="http://schemas.openxmlformats.org/presentationml/2006/main">
+  <p:cSld>
+    <p:spTree>
+      <p:nvGrpSpPr>
+        <p:cNvPr id="1" name="">
+          <a:extLst>
+            <a:ext uri="{FF2B5EF4-FFF2-40B4-BE49-F238E27FC236}">
+              <a16:creationId xmlns:a16="http://schemas.microsoft.com/office/drawing/2014/main" id="{CAAD86C8-938A-7FDE-8E9F-75C87DC6849D}"/>
+            </a:ext>
+          </a:extLst>
+        </p:cNvPr>
+        <p:cNvGrpSpPr/>
+        <p:nvPr/>
+      </p:nvGrpSpPr>
+      <p:grpSpPr>
+        <a:xfrm>
+          <a:off x="0" y="0"/>
+          <a:ext cx="0" cy="0"/>
+          <a:chOff x="0" y="0"/>
+          <a:chExt cx="0" cy="0"/>
+        </a:xfrm>
+      </p:grpSpPr>
+      <p:sp>
+        <p:nvSpPr>
+          <p:cNvPr id="2" name="Title 1">
+            <a:extLst>
+              <a:ext uri="{FF2B5EF4-FFF2-40B4-BE49-F238E27FC236}">
+                <a16:creationId xmlns:a16="http://schemas.microsoft.com/office/drawing/2014/main" id="{7F834759-CE07-8D64-3A63-F588E0EB36E8}"/>
+              </a:ext>
+            </a:extLst>
+          </p:cNvPr>
+          <p:cNvSpPr>
+            <a:spLocks noGrp="1"/>
+          </p:cNvSpPr>
+          <p:nvPr>
+            <p:ph type="title"/>
+          </p:nvPr>
+        </p:nvSpPr>
+        <p:spPr/>
+        <p:txBody>
+          <a:bodyPr/>
+          <a:lstStyle/>
+          <a:p>
+            <a:r>
+              <a:rPr lang="en-US" dirty="0"/>
+              <a:t>Vision Transformer: Practical Example</a:t>
+            </a:r>
+          </a:p>
+        </p:txBody>
+      </p:sp>
+      <p:pic>
+        <p:nvPicPr>
+          <p:cNvPr id="7" name="Content Placeholder 6" descr="A screenshot of a computer&#10;&#10;AI-generated content may be incorrect.">
+            <a:extLst>
+              <a:ext uri="{FF2B5EF4-FFF2-40B4-BE49-F238E27FC236}">
+                <a16:creationId xmlns:a16="http://schemas.microsoft.com/office/drawing/2014/main" id="{D6ADD229-0DDF-34EC-B675-18FCDC6DF337}"/>
+              </a:ext>
+            </a:extLst>
+          </p:cNvPr>
+          <p:cNvPicPr>
+            <a:picLocks noGrp="1" noChangeAspect="1"/>
+          </p:cNvPicPr>
+          <p:nvPr>
+            <p:ph sz="half" idx="1"/>
+          </p:nvPr>
+        </p:nvPicPr>
+        <p:blipFill>
+          <a:blip r:embed="rId3"/>
+          <a:stretch>
+            <a:fillRect/>
+          </a:stretch>
+        </p:blipFill>
+        <p:spPr>
+          <a:xfrm>
+            <a:off x="895538" y="1825625"/>
+            <a:ext cx="5066923" cy="4351338"/>
+          </a:xfrm>
+        </p:spPr>
+      </p:pic>
+      <p:pic>
+        <p:nvPicPr>
+          <p:cNvPr id="12" name="Content Placeholder 11" descr="A screenshot of a computer&#10;&#10;AI-generated content may be incorrect.">
+            <a:extLst>
+              <a:ext uri="{FF2B5EF4-FFF2-40B4-BE49-F238E27FC236}">
+                <a16:creationId xmlns:a16="http://schemas.microsoft.com/office/drawing/2014/main" id="{F2B8A81C-4788-7490-EA5E-FA0A3165DD53}"/>
+              </a:ext>
+            </a:extLst>
+          </p:cNvPr>
+          <p:cNvPicPr>
+            <a:picLocks noGrp="1" noChangeAspect="1"/>
+          </p:cNvPicPr>
+          <p:nvPr>
+            <p:ph sz="half" idx="2"/>
+          </p:nvPr>
+        </p:nvPicPr>
+        <p:blipFill>
+          <a:blip r:embed="rId4"/>
+          <a:stretch>
+            <a:fillRect/>
+          </a:stretch>
+        </p:blipFill>
+        <p:spPr>
+          <a:xfrm>
+            <a:off x="6172200" y="1843528"/>
+            <a:ext cx="5181600" cy="4315532"/>
+          </a:xfrm>
+        </p:spPr>
+      </p:pic>
+    </p:spTree>
+    <p:extLst>
+      <p:ext uri="{BB962C8B-B14F-4D97-AF65-F5344CB8AC3E}">
+        <p14:creationId xmlns:p14="http://schemas.microsoft.com/office/powerpoint/2010/main" val="2583146059"/>
+      </p:ext>
+    </p:extLst>
+  </p:cSld>
+  <p:clrMapOvr>
+    <a:masterClrMapping/>
+  </p:clrMapOvr>
 </p:sld>
 </file>
 
@@ -12148,7 +11448,7 @@
           <p:cNvPr id="2" name="Title 1">
             <a:extLst>
               <a:ext uri="{FF2B5EF4-FFF2-40B4-BE49-F238E27FC236}">
-                <a16:creationId xmlns:a16="http://schemas.microsoft.com/office/drawing/2014/main" id="{863BB581-1B08-9E20-0AC4-4A2C9EDEC93B}"/>
+                <a16:creationId xmlns:a16="http://schemas.microsoft.com/office/drawing/2014/main" id="{F18090DB-8CEF-1F87-6F1B-AB5DD7757A1F}"/>
               </a:ext>
             </a:extLst>
           </p:cNvPr>
@@ -12159,32 +11459,1561 @@
             <p:ph type="title"/>
           </p:nvPr>
         </p:nvSpPr>
+        <p:spPr/>
+        <p:txBody>
+          <a:bodyPr/>
+          <a:lstStyle/>
+          <a:p>
+            <a:r>
+              <a:rPr lang="en-US" b="1" dirty="0"/>
+              <a:t>References</a:t>
+            </a:r>
+          </a:p>
+        </p:txBody>
+      </p:sp>
+      <p:sp>
+        <p:nvSpPr>
+          <p:cNvPr id="3" name="Content Placeholder 2">
+            <a:extLst>
+              <a:ext uri="{FF2B5EF4-FFF2-40B4-BE49-F238E27FC236}">
+                <a16:creationId xmlns:a16="http://schemas.microsoft.com/office/drawing/2014/main" id="{0CC2F4D8-AF69-3ECE-56B5-48E4F8204210}"/>
+              </a:ext>
+            </a:extLst>
+          </p:cNvPr>
+          <p:cNvSpPr>
+            <a:spLocks noGrp="1"/>
+          </p:cNvSpPr>
+          <p:nvPr>
+            <p:ph idx="1"/>
+          </p:nvPr>
+        </p:nvSpPr>
+        <p:spPr/>
+        <p:txBody>
+          <a:bodyPr>
+            <a:normAutofit/>
+          </a:bodyPr>
+          <a:lstStyle/>
+          <a:p>
+            <a:r>
+              <a:rPr lang="en-AU" dirty="0"/>
+              <a:t>Chen et al. (2024) "</a:t>
+            </a:r>
+            <a:r>
+              <a:rPr lang="en-AU" dirty="0" err="1"/>
+              <a:t>InternVL</a:t>
+            </a:r>
+            <a:r>
+              <a:rPr lang="en-AU" dirty="0"/>
+              <a:t>" - arXiv:2312.14238</a:t>
+            </a:r>
+          </a:p>
+          <a:p>
+            <a:r>
+              <a:rPr lang="en-AU" dirty="0" err="1"/>
+              <a:t>Dosovitskiy</a:t>
+            </a:r>
+            <a:r>
+              <a:rPr lang="en-AU" dirty="0"/>
+              <a:t> et al. (2020) "An Image is Worth 16x16 Words" - ICLR 2021</a:t>
+            </a:r>
+          </a:p>
+          <a:p>
+            <a:r>
+              <a:rPr lang="en-AU" dirty="0"/>
+              <a:t>Kim et al. (2022) "Donut: OCR-free Transformer" - ECCV 2022</a:t>
+            </a:r>
+          </a:p>
+          <a:p>
+            <a:r>
+              <a:rPr lang="en-AU" dirty="0"/>
+              <a:t>Meta AI (2024) "Llama 3.2 Multimodal" - Technical Report</a:t>
+            </a:r>
+          </a:p>
+          <a:p>
+            <a:r>
+              <a:rPr lang="en-AU" dirty="0" err="1"/>
+              <a:t>Nitor</a:t>
+            </a:r>
+            <a:r>
+              <a:rPr lang="en-AU" dirty="0"/>
+              <a:t> Infotech (2024) "</a:t>
+            </a:r>
+            <a:r>
+              <a:rPr lang="en-AU" dirty="0" err="1"/>
+              <a:t>LayoutLM</a:t>
+            </a:r>
+            <a:r>
+              <a:rPr lang="en-AU" dirty="0"/>
+              <a:t> Text Extraction”</a:t>
+            </a:r>
+          </a:p>
+          <a:p>
+            <a:r>
+              <a:rPr lang="en-AU" dirty="0"/>
+              <a:t>UBIAI (2024) "LayoutLMv3 in Document Understanding" </a:t>
+            </a:r>
+          </a:p>
+          <a:p>
+            <a:r>
+              <a:rPr lang="en-AU" dirty="0"/>
+              <a:t>Xu et al. (2020) "</a:t>
+            </a:r>
+            <a:r>
+              <a:rPr lang="en-AU" dirty="0" err="1"/>
+              <a:t>LayoutLM</a:t>
+            </a:r>
+            <a:r>
+              <a:rPr lang="en-AU" dirty="0"/>
+              <a:t>" - KDD 2020</a:t>
+            </a:r>
+          </a:p>
+          <a:p>
+            <a:endParaRPr lang="en-AU" dirty="0"/>
+          </a:p>
+          <a:p>
+            <a:endParaRPr lang="en-US" dirty="0"/>
+          </a:p>
+        </p:txBody>
+      </p:sp>
+    </p:spTree>
+    <p:extLst>
+      <p:ext uri="{BB962C8B-B14F-4D97-AF65-F5344CB8AC3E}">
+        <p14:creationId xmlns:p14="http://schemas.microsoft.com/office/powerpoint/2010/main" val="2243245965"/>
+      </p:ext>
+    </p:extLst>
+  </p:cSld>
+  <p:clrMapOvr>
+    <a:masterClrMapping/>
+  </p:clrMapOvr>
+</p:sld>
+</file>
+
+<file path=ppt/slides/slide3.xml><?xml version="1.0" encoding="utf-8"?>
+<p:sld xmlns:a="http://schemas.openxmlformats.org/drawingml/2006/main" xmlns:r="http://schemas.openxmlformats.org/officeDocument/2006/relationships" xmlns:p="http://schemas.openxmlformats.org/presentationml/2006/main">
+  <p:cSld>
+    <p:spTree>
+      <p:nvGrpSpPr>
+        <p:cNvPr id="1" name=""/>
+        <p:cNvGrpSpPr/>
+        <p:nvPr/>
+      </p:nvGrpSpPr>
+      <p:grpSpPr>
+        <a:xfrm>
+          <a:off x="0" y="0"/>
+          <a:ext cx="0" cy="0"/>
+          <a:chOff x="0" y="0"/>
+          <a:chExt cx="0" cy="0"/>
+        </a:xfrm>
+      </p:grpSpPr>
+      <p:sp>
+        <p:nvSpPr>
+          <p:cNvPr id="2" name="Title 1">
+            <a:extLst>
+              <a:ext uri="{FF2B5EF4-FFF2-40B4-BE49-F238E27FC236}">
+                <a16:creationId xmlns:a16="http://schemas.microsoft.com/office/drawing/2014/main" id="{E8F4ED5F-9491-BD05-9064-F5C09886B90E}"/>
+              </a:ext>
+            </a:extLst>
+          </p:cNvPr>
+          <p:cNvSpPr>
+            <a:spLocks noGrp="1"/>
+          </p:cNvSpPr>
+          <p:nvPr>
+            <p:ph type="title"/>
+          </p:nvPr>
+        </p:nvSpPr>
+        <p:spPr/>
+        <p:txBody>
+          <a:bodyPr/>
+          <a:lstStyle/>
+          <a:p>
+            <a:r>
+              <a:rPr lang="en-US" dirty="0"/>
+              <a:t>Exemplified by the specific WRE use case</a:t>
+            </a:r>
+          </a:p>
+        </p:txBody>
+      </p:sp>
+      <p:graphicFrame>
+        <p:nvGraphicFramePr>
+          <p:cNvPr id="7" name="Content Placeholder 6">
+            <a:extLst>
+              <a:ext uri="{FF2B5EF4-FFF2-40B4-BE49-F238E27FC236}">
+                <a16:creationId xmlns:a16="http://schemas.microsoft.com/office/drawing/2014/main" id="{F9E691D3-54A2-A875-E66F-482A838DF5EB}"/>
+              </a:ext>
+            </a:extLst>
+          </p:cNvPr>
+          <p:cNvGraphicFramePr>
+            <a:graphicFrameLocks noGrp="1"/>
+          </p:cNvGraphicFramePr>
+          <p:nvPr>
+            <p:ph sz="half" idx="2"/>
+            <p:extLst>
+              <p:ext uri="{D42A27DB-BD31-4B8C-83A1-F6EECF244321}">
+                <p14:modId xmlns:p14="http://schemas.microsoft.com/office/powerpoint/2010/main" val="1020777798"/>
+              </p:ext>
+            </p:extLst>
+          </p:nvPr>
+        </p:nvGraphicFramePr>
+        <p:xfrm>
+          <a:off x="6096000" y="1486535"/>
+          <a:ext cx="5181600" cy="4648200"/>
+        </p:xfrm>
+        <a:graphic>
+          <a:graphicData uri="http://schemas.openxmlformats.org/drawingml/2006/table">
+            <a:tbl>
+              <a:tblPr firstRow="1" bandRow="1">
+                <a:tableStyleId>{5C22544A-7EE6-4342-B048-85BDC9FD1C3A}</a:tableStyleId>
+              </a:tblPr>
+              <a:tblGrid>
+                <a:gridCol w="1727200">
+                  <a:extLst>
+                    <a:ext uri="{9D8B030D-6E8A-4147-A177-3AD203B41FA5}">
+                      <a16:colId xmlns:a16="http://schemas.microsoft.com/office/drawing/2014/main" val="3005244530"/>
+                    </a:ext>
+                  </a:extLst>
+                </a:gridCol>
+                <a:gridCol w="1727200">
+                  <a:extLst>
+                    <a:ext uri="{9D8B030D-6E8A-4147-A177-3AD203B41FA5}">
+                      <a16:colId xmlns:a16="http://schemas.microsoft.com/office/drawing/2014/main" val="120257288"/>
+                    </a:ext>
+                  </a:extLst>
+                </a:gridCol>
+                <a:gridCol w="1727200">
+                  <a:extLst>
+                    <a:ext uri="{9D8B030D-6E8A-4147-A177-3AD203B41FA5}">
+                      <a16:colId xmlns:a16="http://schemas.microsoft.com/office/drawing/2014/main" val="1947988062"/>
+                    </a:ext>
+                  </a:extLst>
+                </a:gridCol>
+              </a:tblGrid>
+              <a:tr h="370840">
+                <a:tc>
+                  <a:txBody>
+                    <a:bodyPr/>
+                    <a:lstStyle/>
+                    <a:p>
+                      <a:r>
+                        <a:rPr lang="en-AU" b="1" dirty="0">
+                          <a:effectLst/>
+                        </a:rPr>
+                        <a:t>Field</a:t>
+                      </a:r>
+                    </a:p>
+                  </a:txBody>
+                  <a:tcPr marL="123825" marR="123825" marT="57150" marB="57150" anchor="ctr"/>
+                </a:tc>
+                <a:tc>
+                  <a:txBody>
+                    <a:bodyPr/>
+                    <a:lstStyle/>
+                    <a:p>
+                      <a:r>
+                        <a:rPr lang="en-AU" b="1" dirty="0">
+                          <a:effectLst/>
+                        </a:rPr>
+                        <a:t>Tax Purpose</a:t>
+                      </a:r>
+                    </a:p>
+                  </a:txBody>
+                  <a:tcPr marL="123825" marR="123825" marT="57150" marB="57150" anchor="ctr"/>
+                </a:tc>
+                <a:tc>
+                  <a:txBody>
+                    <a:bodyPr/>
+                    <a:lstStyle/>
+                    <a:p>
+                      <a:r>
+                        <a:rPr lang="en-AU" b="1" dirty="0">
+                          <a:effectLst/>
+                        </a:rPr>
+                        <a:t>Compliance Impact</a:t>
+                      </a:r>
+                    </a:p>
+                  </a:txBody>
+                  <a:tcPr marL="123825" marR="123825" marT="57150" marB="57150" anchor="ctr"/>
+                </a:tc>
+                <a:extLst>
+                  <a:ext uri="{0D108BD9-81ED-4DB2-BD59-A6C34878D82A}">
+                    <a16:rowId xmlns:a16="http://schemas.microsoft.com/office/drawing/2014/main" val="1923625845"/>
+                  </a:ext>
+                </a:extLst>
+              </a:tr>
+              <a:tr h="370840">
+                <a:tc>
+                  <a:txBody>
+                    <a:bodyPr/>
+                    <a:lstStyle/>
+                    <a:p>
+                      <a:r>
+                        <a:rPr lang="en-AU" sz="1600" dirty="0">
+                          <a:effectLst/>
+                        </a:rPr>
+                        <a:t>Supplier Name</a:t>
+                      </a:r>
+                    </a:p>
+                  </a:txBody>
+                  <a:tcPr marL="123825" marR="123825" marT="57150" marB="57150" anchor="ctr"/>
+                </a:tc>
+                <a:tc>
+                  <a:txBody>
+                    <a:bodyPr/>
+                    <a:lstStyle/>
+                    <a:p>
+                      <a:r>
+                        <a:rPr lang="en-AU" sz="1600" dirty="0">
+                          <a:effectLst/>
+                        </a:rPr>
+                        <a:t>Verify legitimate business</a:t>
+                      </a:r>
+                    </a:p>
+                  </a:txBody>
+                  <a:tcPr marL="123825" marR="123825" marT="57150" marB="57150" anchor="ctr"/>
+                </a:tc>
+                <a:tc>
+                  <a:txBody>
+                    <a:bodyPr/>
+                    <a:lstStyle/>
+                    <a:p>
+                      <a:r>
+                        <a:rPr lang="en-AU" sz="1600" b="0" i="0" kern="1200" dirty="0">
+                          <a:solidFill>
+                            <a:schemeClr val="dk1"/>
+                          </a:solidFill>
+                          <a:effectLst/>
+                          <a:latin typeface="+mn-lt"/>
+                          <a:ea typeface="+mn-ea"/>
+                          <a:cs typeface="+mn-cs"/>
+                        </a:rPr>
+                        <a:t>Prevents false claims</a:t>
+                      </a:r>
+                      <a:endParaRPr lang="en-AU" sz="1600" dirty="0">
+                        <a:effectLst/>
+                      </a:endParaRPr>
+                    </a:p>
+                  </a:txBody>
+                  <a:tcPr marL="123825" marR="123825" marT="57150" marB="57150" anchor="ctr"/>
+                </a:tc>
+                <a:extLst>
+                  <a:ext uri="{0D108BD9-81ED-4DB2-BD59-A6C34878D82A}">
+                    <a16:rowId xmlns:a16="http://schemas.microsoft.com/office/drawing/2014/main" val="1410080041"/>
+                  </a:ext>
+                </a:extLst>
+              </a:tr>
+              <a:tr h="370840">
+                <a:tc>
+                  <a:txBody>
+                    <a:bodyPr/>
+                    <a:lstStyle/>
+                    <a:p>
+                      <a:r>
+                        <a:rPr lang="en-AU" sz="1600">
+                          <a:effectLst/>
+                        </a:rPr>
+                        <a:t>ABN</a:t>
+                      </a:r>
+                    </a:p>
+                  </a:txBody>
+                  <a:tcPr marL="123825" marR="123825" marT="57150" marB="57150" anchor="ctr"/>
+                </a:tc>
+                <a:tc>
+                  <a:txBody>
+                    <a:bodyPr/>
+                    <a:lstStyle/>
+                    <a:p>
+                      <a:r>
+                        <a:rPr lang="en-AU" sz="1600" dirty="0">
+                          <a:effectLst/>
+                        </a:rPr>
+                        <a:t>Confirm registered entity</a:t>
+                      </a:r>
+                    </a:p>
+                  </a:txBody>
+                  <a:tcPr marL="123825" marR="123825" marT="57150" marB="57150" anchor="ctr"/>
+                </a:tc>
+                <a:tc>
+                  <a:txBody>
+                    <a:bodyPr/>
+                    <a:lstStyle/>
+                    <a:p>
+                      <a:r>
+                        <a:rPr lang="en-AU" sz="1600" b="0" i="0" kern="1200" dirty="0">
+                          <a:solidFill>
+                            <a:schemeClr val="dk1"/>
+                          </a:solidFill>
+                          <a:effectLst/>
+                          <a:latin typeface="+mn-lt"/>
+                          <a:ea typeface="+mn-ea"/>
+                          <a:cs typeface="+mn-cs"/>
+                        </a:rPr>
+                        <a:t>Confirms legitimate business</a:t>
+                      </a:r>
+                      <a:endParaRPr lang="en-AU" sz="1600" dirty="0">
+                        <a:effectLst/>
+                      </a:endParaRPr>
+                    </a:p>
+                  </a:txBody>
+                  <a:tcPr marL="123825" marR="123825" marT="57150" marB="57150" anchor="ctr"/>
+                </a:tc>
+                <a:extLst>
+                  <a:ext uri="{0D108BD9-81ED-4DB2-BD59-A6C34878D82A}">
+                    <a16:rowId xmlns:a16="http://schemas.microsoft.com/office/drawing/2014/main" val="443002627"/>
+                  </a:ext>
+                </a:extLst>
+              </a:tr>
+              <a:tr h="370840">
+                <a:tc>
+                  <a:txBody>
+                    <a:bodyPr/>
+                    <a:lstStyle/>
+                    <a:p>
+                      <a:r>
+                        <a:rPr lang="en-AU" sz="1600">
+                          <a:effectLst/>
+                        </a:rPr>
+                        <a:t>Date</a:t>
+                      </a:r>
+                    </a:p>
+                  </a:txBody>
+                  <a:tcPr marL="123825" marR="123825" marT="57150" marB="57150" anchor="ctr"/>
+                </a:tc>
+                <a:tc>
+                  <a:txBody>
+                    <a:bodyPr/>
+                    <a:lstStyle/>
+                    <a:p>
+                      <a:r>
+                        <a:rPr lang="en-AU" sz="1600">
+                          <a:effectLst/>
+                        </a:rPr>
+                        <a:t>Match to tax year</a:t>
+                      </a:r>
+                    </a:p>
+                  </a:txBody>
+                  <a:tcPr marL="123825" marR="123825" marT="57150" marB="57150" anchor="ctr"/>
+                </a:tc>
+                <a:tc>
+                  <a:txBody>
+                    <a:bodyPr/>
+                    <a:lstStyle/>
+                    <a:p>
+                      <a:r>
+                        <a:rPr lang="en-AU" sz="1600" b="0" i="0" kern="1200" dirty="0">
+                          <a:solidFill>
+                            <a:schemeClr val="dk1"/>
+                          </a:solidFill>
+                          <a:effectLst/>
+                          <a:latin typeface="+mn-lt"/>
+                          <a:ea typeface="+mn-ea"/>
+                          <a:cs typeface="+mn-cs"/>
+                        </a:rPr>
+                        <a:t>Determines deduction eligibility</a:t>
+                      </a:r>
+                      <a:endParaRPr lang="en-AU" sz="1600" dirty="0">
+                        <a:effectLst/>
+                      </a:endParaRPr>
+                    </a:p>
+                  </a:txBody>
+                  <a:tcPr marL="123825" marR="123825" marT="57150" marB="57150" anchor="ctr"/>
+                </a:tc>
+                <a:extLst>
+                  <a:ext uri="{0D108BD9-81ED-4DB2-BD59-A6C34878D82A}">
+                    <a16:rowId xmlns:a16="http://schemas.microsoft.com/office/drawing/2014/main" val="1539717750"/>
+                  </a:ext>
+                </a:extLst>
+              </a:tr>
+              <a:tr h="0">
+                <a:tc>
+                  <a:txBody>
+                    <a:bodyPr/>
+                    <a:lstStyle/>
+                    <a:p>
+                      <a:r>
+                        <a:rPr lang="en-AU" sz="1600">
+                          <a:effectLst/>
+                        </a:rPr>
+                        <a:t>Amount</a:t>
+                      </a:r>
+                    </a:p>
+                  </a:txBody>
+                  <a:tcPr marL="123825" marR="123825" marT="57150" marB="57150" anchor="ctr"/>
+                </a:tc>
+                <a:tc>
+                  <a:txBody>
+                    <a:bodyPr/>
+                    <a:lstStyle/>
+                    <a:p>
+                      <a:r>
+                        <a:rPr lang="en-AU" sz="1600">
+                          <a:effectLst/>
+                        </a:rPr>
+                        <a:t>Verify claim amount</a:t>
+                      </a:r>
+                    </a:p>
+                  </a:txBody>
+                  <a:tcPr marL="123825" marR="123825" marT="57150" marB="57150" anchor="ctr"/>
+                </a:tc>
+                <a:tc>
+                  <a:txBody>
+                    <a:bodyPr/>
+                    <a:lstStyle/>
+                    <a:p>
+                      <a:r>
+                        <a:rPr lang="en-AU" sz="1600" b="0" i="0" kern="1200" dirty="0">
+                          <a:solidFill>
+                            <a:schemeClr val="dk1"/>
+                          </a:solidFill>
+                          <a:effectLst/>
+                          <a:latin typeface="+mn-lt"/>
+                          <a:ea typeface="+mn-ea"/>
+                          <a:cs typeface="+mn-cs"/>
+                        </a:rPr>
+                        <a:t>Ensures accurate deductions</a:t>
+                      </a:r>
+                      <a:endParaRPr lang="en-AU" sz="1600" dirty="0">
+                        <a:effectLst/>
+                      </a:endParaRPr>
+                    </a:p>
+                  </a:txBody>
+                  <a:tcPr marL="123825" marR="123825" marT="57150" marB="57150" anchor="ctr"/>
+                </a:tc>
+                <a:extLst>
+                  <a:ext uri="{0D108BD9-81ED-4DB2-BD59-A6C34878D82A}">
+                    <a16:rowId xmlns:a16="http://schemas.microsoft.com/office/drawing/2014/main" val="1224566615"/>
+                  </a:ext>
+                </a:extLst>
+              </a:tr>
+              <a:tr h="370840">
+                <a:tc>
+                  <a:txBody>
+                    <a:bodyPr/>
+                    <a:lstStyle/>
+                    <a:p>
+                      <a:r>
+                        <a:rPr lang="en-AU" sz="1600">
+                          <a:effectLst/>
+                        </a:rPr>
+                        <a:t>GST Amount</a:t>
+                      </a:r>
+                    </a:p>
+                  </a:txBody>
+                  <a:tcPr marL="123825" marR="123825" marT="57150" marB="57150" anchor="ctr"/>
+                </a:tc>
+                <a:tc>
+                  <a:txBody>
+                    <a:bodyPr/>
+                    <a:lstStyle/>
+                    <a:p>
+                      <a:r>
+                        <a:rPr lang="en-AU" sz="1600" dirty="0">
+                          <a:effectLst/>
+                        </a:rPr>
+                        <a:t>Calculate claimable portion</a:t>
+                      </a:r>
+                    </a:p>
+                  </a:txBody>
+                  <a:tcPr marL="123825" marR="123825" marT="57150" marB="57150" anchor="ctr"/>
+                </a:tc>
+                <a:tc>
+                  <a:txBody>
+                    <a:bodyPr/>
+                    <a:lstStyle/>
+                    <a:p>
+                      <a:r>
+                        <a:rPr lang="en-AU" sz="1600" b="0" i="0" kern="1200" dirty="0">
+                          <a:solidFill>
+                            <a:schemeClr val="dk1"/>
+                          </a:solidFill>
+                          <a:effectLst/>
+                          <a:latin typeface="+mn-lt"/>
+                          <a:ea typeface="+mn-ea"/>
+                          <a:cs typeface="+mn-cs"/>
+                        </a:rPr>
+                        <a:t>Correct GST credit processing</a:t>
+                      </a:r>
+                      <a:endParaRPr lang="en-AU" sz="1600" dirty="0">
+                        <a:effectLst/>
+                      </a:endParaRPr>
+                    </a:p>
+                  </a:txBody>
+                  <a:tcPr marL="123825" marR="123825" marT="57150" marB="57150" anchor="ctr"/>
+                </a:tc>
+                <a:extLst>
+                  <a:ext uri="{0D108BD9-81ED-4DB2-BD59-A6C34878D82A}">
+                    <a16:rowId xmlns:a16="http://schemas.microsoft.com/office/drawing/2014/main" val="754621907"/>
+                  </a:ext>
+                </a:extLst>
+              </a:tr>
+            </a:tbl>
+          </a:graphicData>
+        </a:graphic>
+      </p:graphicFrame>
+      <p:sp>
+        <p:nvSpPr>
+          <p:cNvPr id="4" name="Content Placeholder 3">
+            <a:extLst>
+              <a:ext uri="{FF2B5EF4-FFF2-40B4-BE49-F238E27FC236}">
+                <a16:creationId xmlns:a16="http://schemas.microsoft.com/office/drawing/2014/main" id="{7EDA336B-C42F-C9BE-7658-368F435713C2}"/>
+              </a:ext>
+            </a:extLst>
+          </p:cNvPr>
+          <p:cNvSpPr>
+            <a:spLocks noGrp="1"/>
+          </p:cNvSpPr>
+          <p:nvPr>
+            <p:ph sz="half" idx="1"/>
+          </p:nvPr>
+        </p:nvSpPr>
+        <p:spPr/>
+        <p:txBody>
+          <a:bodyPr>
+            <a:normAutofit fontScale="92500"/>
+          </a:bodyPr>
+          <a:lstStyle/>
+          <a:p>
+            <a:r>
+              <a:rPr lang="en-AU" b="1" dirty="0"/>
+              <a:t>Taxpayer Work-Related Expense Claims</a:t>
+            </a:r>
+            <a:r>
+              <a:rPr lang="en-AU" dirty="0"/>
+              <a:t>:</a:t>
+            </a:r>
+          </a:p>
+          <a:p>
+            <a:r>
+              <a:rPr lang="en-AU" b="1" dirty="0"/>
+              <a:t>D1</a:t>
+            </a:r>
+            <a:r>
+              <a:rPr lang="en-AU" dirty="0"/>
+              <a:t>: Work-related car expenses</a:t>
+            </a:r>
+          </a:p>
+          <a:p>
+            <a:r>
+              <a:rPr lang="en-AU" b="1" dirty="0"/>
+              <a:t>D2</a:t>
+            </a:r>
+            <a:r>
+              <a:rPr lang="en-AU" dirty="0"/>
+              <a:t>: Work-related travel expenses</a:t>
+            </a:r>
+          </a:p>
+          <a:p>
+            <a:r>
+              <a:rPr lang="en-AU" b="1" dirty="0"/>
+              <a:t>D3</a:t>
+            </a:r>
+            <a:r>
+              <a:rPr lang="en-AU" dirty="0"/>
+              <a:t>: Work-related clothing expenses</a:t>
+            </a:r>
+          </a:p>
+          <a:p>
+            <a:r>
+              <a:rPr lang="en-AU" b="1" dirty="0"/>
+              <a:t>D4</a:t>
+            </a:r>
+            <a:r>
+              <a:rPr lang="en-AU" dirty="0"/>
+              <a:t>: Work-related self-education expenses</a:t>
+            </a:r>
+          </a:p>
+          <a:p>
+            <a:r>
+              <a:rPr lang="en-AU" b="1" dirty="0"/>
+              <a:t>D5</a:t>
+            </a:r>
+            <a:r>
+              <a:rPr lang="en-AU" dirty="0"/>
+              <a:t>: Professional development and subscriptions</a:t>
+            </a:r>
+          </a:p>
+          <a:p>
+            <a:endParaRPr lang="en-US" dirty="0"/>
+          </a:p>
+        </p:txBody>
+      </p:sp>
+    </p:spTree>
+    <p:extLst>
+      <p:ext uri="{BB962C8B-B14F-4D97-AF65-F5344CB8AC3E}">
+        <p14:creationId xmlns:p14="http://schemas.microsoft.com/office/powerpoint/2010/main" val="2837784859"/>
+      </p:ext>
+    </p:extLst>
+  </p:cSld>
+  <p:clrMapOvr>
+    <a:masterClrMapping/>
+  </p:clrMapOvr>
+</p:sld>
+</file>
+
+<file path=ppt/slides/slide4.xml><?xml version="1.0" encoding="utf-8"?>
+<p:sld xmlns:a="http://schemas.openxmlformats.org/drawingml/2006/main" xmlns:r="http://schemas.openxmlformats.org/officeDocument/2006/relationships" xmlns:p="http://schemas.openxmlformats.org/presentationml/2006/main">
+  <p:cSld>
+    <p:spTree>
+      <p:nvGrpSpPr>
+        <p:cNvPr id="1" name=""/>
+        <p:cNvGrpSpPr/>
+        <p:nvPr/>
+      </p:nvGrpSpPr>
+      <p:grpSpPr>
+        <a:xfrm>
+          <a:off x="0" y="0"/>
+          <a:ext cx="0" cy="0"/>
+          <a:chOff x="0" y="0"/>
+          <a:chExt cx="0" cy="0"/>
+        </a:xfrm>
+      </p:grpSpPr>
+      <p:sp>
+        <p:nvSpPr>
+          <p:cNvPr id="2" name="Title 1">
+            <a:extLst>
+              <a:ext uri="{FF2B5EF4-FFF2-40B4-BE49-F238E27FC236}">
+                <a16:creationId xmlns:a16="http://schemas.microsoft.com/office/drawing/2014/main" id="{3E371FC9-6D97-845F-C08A-443AAE87B455}"/>
+              </a:ext>
+            </a:extLst>
+          </p:cNvPr>
+          <p:cNvSpPr>
+            <a:spLocks noGrp="1"/>
+          </p:cNvSpPr>
+          <p:nvPr>
+            <p:ph type="title"/>
+          </p:nvPr>
+        </p:nvSpPr>
         <p:spPr>
           <a:xfrm>
             <a:off x="838200" y="365125"/>
-            <a:ext cx="10515600" cy="600075"/>
+            <a:ext cx="10515600" cy="1336675"/>
           </a:xfrm>
         </p:spPr>
         <p:txBody>
           <a:bodyPr>
-            <a:noAutofit/>
+            <a:normAutofit fontScale="90000"/>
           </a:bodyPr>
           <a:lstStyle/>
           <a:p>
             <a:r>
-              <a:rPr lang="en-AU" sz="4000" b="1" dirty="0"/>
+              <a:rPr lang="en-AU" b="1" dirty="0" err="1"/>
+              <a:t>LayoutLM</a:t>
+            </a:r>
+            <a:r>
+              <a:rPr lang="en-AU" b="1" dirty="0"/>
+              <a:t> Limitations for Tax Documents</a:t>
+            </a:r>
+            <a:br>
+              <a:rPr lang="en-AU" b="1" dirty="0"/>
+            </a:br>
+            <a:r>
+              <a:rPr lang="en-AU" sz="2700" b="1" dirty="0"/>
+              <a:t>Why Current Technology Fails Tax Document Processing</a:t>
+            </a:r>
+            <a:br>
+              <a:rPr lang="en-AU" dirty="0"/>
+            </a:br>
+            <a:endParaRPr lang="en-AU" b="1" dirty="0"/>
+          </a:p>
+        </p:txBody>
+      </p:sp>
+      <p:sp>
+        <p:nvSpPr>
+          <p:cNvPr id="4" name="Content Placeholder 3">
+            <a:extLst>
+              <a:ext uri="{FF2B5EF4-FFF2-40B4-BE49-F238E27FC236}">
+                <a16:creationId xmlns:a16="http://schemas.microsoft.com/office/drawing/2014/main" id="{345CA0E9-9781-60EA-C481-EA0B65358EA2}"/>
+              </a:ext>
+            </a:extLst>
+          </p:cNvPr>
+          <p:cNvSpPr>
+            <a:spLocks noGrp="1"/>
+          </p:cNvSpPr>
+          <p:nvPr>
+            <p:ph sz="half" idx="2"/>
+          </p:nvPr>
+        </p:nvSpPr>
+        <p:spPr/>
+        <p:txBody>
+          <a:bodyPr>
+            <a:normAutofit fontScale="62500" lnSpcReduction="20000"/>
+          </a:bodyPr>
+          <a:lstStyle/>
+          <a:p>
+            <a:r>
+              <a:rPr lang="en-AU" b="1" dirty="0"/>
+              <a:t>Tax-Specific Challenges</a:t>
+            </a:r>
+            <a:r>
+              <a:rPr lang="en-AU" dirty="0"/>
+              <a:t>:</a:t>
+            </a:r>
+          </a:p>
+          <a:p>
+            <a:r>
+              <a:rPr lang="en-AU" b="1" dirty="0"/>
+              <a:t>Receipt Variety</a:t>
+            </a:r>
+            <a:r>
+              <a:rPr lang="en-AU" dirty="0"/>
+              <a:t>: </a:t>
+            </a:r>
+            <a:r>
+              <a:rPr lang="en-AU" dirty="0" err="1"/>
+              <a:t>Eftpos</a:t>
+            </a:r>
+            <a:r>
+              <a:rPr lang="en-AU" dirty="0"/>
+              <a:t> slips, handwritten receipts, mobile payments, invoices - </a:t>
+            </a:r>
+            <a:r>
+              <a:rPr lang="en-AU" dirty="0" err="1"/>
+              <a:t>LayoutLM</a:t>
+            </a:r>
+            <a:r>
+              <a:rPr lang="en-AU" dirty="0"/>
+              <a:t> struggles with format diversity</a:t>
+            </a:r>
+          </a:p>
+          <a:p>
+            <a:r>
+              <a:rPr lang="en-AU" b="1" dirty="0"/>
+              <a:t>Critical Field Accuracy</a:t>
+            </a:r>
+            <a:r>
+              <a:rPr lang="en-AU" dirty="0"/>
+              <a:t>: Tax compliance</a:t>
+            </a:r>
+            <a:endParaRPr lang="en-US" dirty="0"/>
+          </a:p>
+          <a:p>
+            <a:r>
+              <a:rPr lang="en-AU" dirty="0"/>
+              <a:t>requires high precision - </a:t>
+            </a:r>
+            <a:r>
+              <a:rPr lang="en-AU" dirty="0" err="1"/>
+              <a:t>LayoutLM's</a:t>
+            </a:r>
+            <a:r>
+              <a:rPr lang="en-AU" dirty="0"/>
+              <a:t> ~70% accuracy ceiling insufficient</a:t>
+            </a:r>
+          </a:p>
+          <a:p>
+            <a:r>
+              <a:rPr lang="en-AU" b="1" dirty="0"/>
+              <a:t>Maintenance Overhead</a:t>
+            </a:r>
+            <a:r>
+              <a:rPr lang="en-AU" dirty="0"/>
+              <a:t>: Complex pipeline requires specialized OCR expertise, multiple model updates</a:t>
+            </a:r>
+          </a:p>
+          <a:p>
+            <a:r>
+              <a:rPr lang="en-AU" b="1" dirty="0"/>
+              <a:t>Business Impact</a:t>
+            </a:r>
+            <a:r>
+              <a:rPr lang="en-AU" dirty="0"/>
+              <a:t>:</a:t>
+            </a:r>
+          </a:p>
+          <a:p>
+            <a:r>
+              <a:rPr lang="en-AU" dirty="0"/>
+              <a:t>High error rates on non-standard receipt formats</a:t>
+            </a:r>
+          </a:p>
+          <a:p>
+            <a:r>
+              <a:rPr lang="en-AU" dirty="0"/>
+              <a:t>Expensive OCR licensing and maintenance</a:t>
+            </a:r>
+          </a:p>
+          <a:p>
+            <a:r>
+              <a:rPr lang="en-AU" dirty="0"/>
+              <a:t>Slow adaptation to new document types</a:t>
+            </a:r>
+          </a:p>
+          <a:p>
+            <a:r>
+              <a:rPr lang="en-AU" dirty="0"/>
+              <a:t>Manual fallback processing creates bottlenecks</a:t>
+            </a:r>
+          </a:p>
+        </p:txBody>
+      </p:sp>
+      <p:sp>
+        <p:nvSpPr>
+          <p:cNvPr id="8" name="Content Placeholder 7">
+            <a:extLst>
+              <a:ext uri="{FF2B5EF4-FFF2-40B4-BE49-F238E27FC236}">
+                <a16:creationId xmlns:a16="http://schemas.microsoft.com/office/drawing/2014/main" id="{7C346ACF-7D09-9E02-5ED7-5BBD84CDE177}"/>
+              </a:ext>
+            </a:extLst>
+          </p:cNvPr>
+          <p:cNvSpPr>
+            <a:spLocks noGrp="1"/>
+          </p:cNvSpPr>
+          <p:nvPr>
+            <p:ph sz="half" idx="1"/>
+          </p:nvPr>
+        </p:nvSpPr>
+        <p:spPr/>
+        <p:txBody>
+          <a:bodyPr>
+            <a:normAutofit fontScale="62500" lnSpcReduction="20000"/>
+          </a:bodyPr>
+          <a:lstStyle/>
+          <a:p>
+            <a:r>
+              <a:rPr lang="en-AU" b="1" dirty="0"/>
+              <a:t>Technical Architecture Problems</a:t>
+            </a:r>
+            <a:r>
+              <a:rPr lang="en-AU" dirty="0"/>
+              <a:t>:</a:t>
+            </a:r>
+          </a:p>
+          <a:p>
+            <a:r>
+              <a:rPr lang="en-AU" b="1" dirty="0"/>
+              <a:t>OCR Dependency</a:t>
+            </a:r>
+            <a:r>
+              <a:rPr lang="en-AU" dirty="0"/>
+              <a:t>: Tax receipts often have logos, stamps, handwriting → OCR failures cascade through entire pipeline</a:t>
+            </a:r>
+          </a:p>
+          <a:p>
+            <a:r>
+              <a:rPr lang="en-AU" b="1" dirty="0"/>
+              <a:t>Complex Multi-Model Pipeline</a:t>
+            </a:r>
+            <a:r>
+              <a:rPr lang="en-AU" dirty="0"/>
+              <a:t>: OCR engine + R-CNN features + </a:t>
+            </a:r>
+            <a:r>
+              <a:rPr lang="en-AU" dirty="0" err="1"/>
+              <a:t>LayoutLM</a:t>
+            </a:r>
+            <a:r>
+              <a:rPr lang="en-AU" dirty="0"/>
+              <a:t> transformer = 3+ failure points</a:t>
+            </a:r>
+          </a:p>
+          <a:p>
+            <a:r>
+              <a:rPr lang="en-AU" b="1" dirty="0"/>
+              <a:t>Information Loss</a:t>
+            </a:r>
+            <a:r>
+              <a:rPr lang="en-AU" dirty="0"/>
+              <a:t>: Text extraction → Visual features → Layout coordinates → Late fusion loses semantic connections</a:t>
+            </a:r>
+          </a:p>
+          <a:p>
+            <a:r>
+              <a:rPr lang="en-AU" b="1" dirty="0"/>
+              <a:t>Coordination Issues</a:t>
+            </a:r>
+            <a:r>
+              <a:rPr lang="en-AU" dirty="0"/>
+              <a:t>: OCR bounding boxes must align with visual features (frequently fails with tax document variety)</a:t>
+            </a:r>
+          </a:p>
+        </p:txBody>
+      </p:sp>
+    </p:spTree>
+    <p:extLst>
+      <p:ext uri="{BB962C8B-B14F-4D97-AF65-F5344CB8AC3E}">
+        <p14:creationId xmlns:p14="http://schemas.microsoft.com/office/powerpoint/2010/main" val="866989918"/>
+      </p:ext>
+    </p:extLst>
+  </p:cSld>
+  <p:clrMapOvr>
+    <a:masterClrMapping/>
+  </p:clrMapOvr>
+  <p:timing>
+    <p:tnLst>
+      <p:par>
+        <p:cTn id="1" dur="indefinite" restart="never" nodeType="tmRoot">
+          <p:childTnLst>
+            <p:seq concurrent="1" nextAc="seek">
+              <p:cTn id="2" dur="indefinite" nodeType="mainSeq">
+                <p:childTnLst>
+                  <p:par>
+                    <p:cTn id="3" fill="hold">
+                      <p:stCondLst>
+                        <p:cond delay="indefinite"/>
+                      </p:stCondLst>
+                      <p:childTnLst>
+                        <p:par>
+                          <p:cTn id="4" fill="hold">
+                            <p:stCondLst>
+                              <p:cond delay="0"/>
+                            </p:stCondLst>
+                            <p:childTnLst>
+                              <p:par>
+                                <p:cTn id="5" presetID="1" presetClass="entr" presetSubtype="0" fill="hold" grpId="0" nodeType="clickEffect">
+                                  <p:stCondLst>
+                                    <p:cond delay="0"/>
+                                  </p:stCondLst>
+                                  <p:childTnLst>
+                                    <p:set>
+                                      <p:cBhvr>
+                                        <p:cTn id="6" dur="1" fill="hold">
+                                          <p:stCondLst>
+                                            <p:cond delay="0"/>
+                                          </p:stCondLst>
+                                        </p:cTn>
+                                        <p:tgtEl>
+                                          <p:spTgt spid="4">
+                                            <p:txEl>
+                                              <p:pRg st="0" end="0"/>
+                                            </p:txEl>
+                                          </p:spTgt>
+                                        </p:tgtEl>
+                                        <p:attrNameLst>
+                                          <p:attrName>style.visibility</p:attrName>
+                                        </p:attrNameLst>
+                                      </p:cBhvr>
+                                      <p:to>
+                                        <p:strVal val="visible"/>
+                                      </p:to>
+                                    </p:set>
+                                  </p:childTnLst>
+                                </p:cTn>
+                              </p:par>
+                            </p:childTnLst>
+                          </p:cTn>
+                        </p:par>
+                      </p:childTnLst>
+                    </p:cTn>
+                  </p:par>
+                  <p:par>
+                    <p:cTn id="7" fill="hold">
+                      <p:stCondLst>
+                        <p:cond delay="indefinite"/>
+                      </p:stCondLst>
+                      <p:childTnLst>
+                        <p:par>
+                          <p:cTn id="8" fill="hold">
+                            <p:stCondLst>
+                              <p:cond delay="0"/>
+                            </p:stCondLst>
+                            <p:childTnLst>
+                              <p:par>
+                                <p:cTn id="9" presetID="1" presetClass="entr" presetSubtype="0" fill="hold" grpId="0" nodeType="clickEffect">
+                                  <p:stCondLst>
+                                    <p:cond delay="0"/>
+                                  </p:stCondLst>
+                                  <p:childTnLst>
+                                    <p:set>
+                                      <p:cBhvr>
+                                        <p:cTn id="10" dur="1" fill="hold">
+                                          <p:stCondLst>
+                                            <p:cond delay="0"/>
+                                          </p:stCondLst>
+                                        </p:cTn>
+                                        <p:tgtEl>
+                                          <p:spTgt spid="4">
+                                            <p:txEl>
+                                              <p:pRg st="1" end="1"/>
+                                            </p:txEl>
+                                          </p:spTgt>
+                                        </p:tgtEl>
+                                        <p:attrNameLst>
+                                          <p:attrName>style.visibility</p:attrName>
+                                        </p:attrNameLst>
+                                      </p:cBhvr>
+                                      <p:to>
+                                        <p:strVal val="visible"/>
+                                      </p:to>
+                                    </p:set>
+                                  </p:childTnLst>
+                                </p:cTn>
+                              </p:par>
+                            </p:childTnLst>
+                          </p:cTn>
+                        </p:par>
+                      </p:childTnLst>
+                    </p:cTn>
+                  </p:par>
+                  <p:par>
+                    <p:cTn id="11" fill="hold">
+                      <p:stCondLst>
+                        <p:cond delay="indefinite"/>
+                      </p:stCondLst>
+                      <p:childTnLst>
+                        <p:par>
+                          <p:cTn id="12" fill="hold">
+                            <p:stCondLst>
+                              <p:cond delay="0"/>
+                            </p:stCondLst>
+                            <p:childTnLst>
+                              <p:par>
+                                <p:cTn id="13" presetID="1" presetClass="entr" presetSubtype="0" fill="hold" grpId="0" nodeType="clickEffect">
+                                  <p:stCondLst>
+                                    <p:cond delay="0"/>
+                                  </p:stCondLst>
+                                  <p:childTnLst>
+                                    <p:set>
+                                      <p:cBhvr>
+                                        <p:cTn id="14" dur="1" fill="hold">
+                                          <p:stCondLst>
+                                            <p:cond delay="0"/>
+                                          </p:stCondLst>
+                                        </p:cTn>
+                                        <p:tgtEl>
+                                          <p:spTgt spid="4">
+                                            <p:txEl>
+                                              <p:pRg st="2" end="2"/>
+                                            </p:txEl>
+                                          </p:spTgt>
+                                        </p:tgtEl>
+                                        <p:attrNameLst>
+                                          <p:attrName>style.visibility</p:attrName>
+                                        </p:attrNameLst>
+                                      </p:cBhvr>
+                                      <p:to>
+                                        <p:strVal val="visible"/>
+                                      </p:to>
+                                    </p:set>
+                                  </p:childTnLst>
+                                </p:cTn>
+                              </p:par>
+                            </p:childTnLst>
+                          </p:cTn>
+                        </p:par>
+                      </p:childTnLst>
+                    </p:cTn>
+                  </p:par>
+                  <p:par>
+                    <p:cTn id="15" fill="hold">
+                      <p:stCondLst>
+                        <p:cond delay="indefinite"/>
+                      </p:stCondLst>
+                      <p:childTnLst>
+                        <p:par>
+                          <p:cTn id="16" fill="hold">
+                            <p:stCondLst>
+                              <p:cond delay="0"/>
+                            </p:stCondLst>
+                            <p:childTnLst>
+                              <p:par>
+                                <p:cTn id="17" presetID="1" presetClass="entr" presetSubtype="0" fill="hold" grpId="0" nodeType="clickEffect">
+                                  <p:stCondLst>
+                                    <p:cond delay="0"/>
+                                  </p:stCondLst>
+                                  <p:childTnLst>
+                                    <p:set>
+                                      <p:cBhvr>
+                                        <p:cTn id="18" dur="1" fill="hold">
+                                          <p:stCondLst>
+                                            <p:cond delay="0"/>
+                                          </p:stCondLst>
+                                        </p:cTn>
+                                        <p:tgtEl>
+                                          <p:spTgt spid="4">
+                                            <p:txEl>
+                                              <p:pRg st="3" end="3"/>
+                                            </p:txEl>
+                                          </p:spTgt>
+                                        </p:tgtEl>
+                                        <p:attrNameLst>
+                                          <p:attrName>style.visibility</p:attrName>
+                                        </p:attrNameLst>
+                                      </p:cBhvr>
+                                      <p:to>
+                                        <p:strVal val="visible"/>
+                                      </p:to>
+                                    </p:set>
+                                  </p:childTnLst>
+                                </p:cTn>
+                              </p:par>
+                            </p:childTnLst>
+                          </p:cTn>
+                        </p:par>
+                      </p:childTnLst>
+                    </p:cTn>
+                  </p:par>
+                  <p:par>
+                    <p:cTn id="19" fill="hold">
+                      <p:stCondLst>
+                        <p:cond delay="indefinite"/>
+                      </p:stCondLst>
+                      <p:childTnLst>
+                        <p:par>
+                          <p:cTn id="20" fill="hold">
+                            <p:stCondLst>
+                              <p:cond delay="0"/>
+                            </p:stCondLst>
+                            <p:childTnLst>
+                              <p:par>
+                                <p:cTn id="21" presetID="1" presetClass="entr" presetSubtype="0" fill="hold" grpId="0" nodeType="clickEffect">
+                                  <p:stCondLst>
+                                    <p:cond delay="0"/>
+                                  </p:stCondLst>
+                                  <p:childTnLst>
+                                    <p:set>
+                                      <p:cBhvr>
+                                        <p:cTn id="22" dur="1" fill="hold">
+                                          <p:stCondLst>
+                                            <p:cond delay="0"/>
+                                          </p:stCondLst>
+                                        </p:cTn>
+                                        <p:tgtEl>
+                                          <p:spTgt spid="4">
+                                            <p:txEl>
+                                              <p:pRg st="4" end="4"/>
+                                            </p:txEl>
+                                          </p:spTgt>
+                                        </p:tgtEl>
+                                        <p:attrNameLst>
+                                          <p:attrName>style.visibility</p:attrName>
+                                        </p:attrNameLst>
+                                      </p:cBhvr>
+                                      <p:to>
+                                        <p:strVal val="visible"/>
+                                      </p:to>
+                                    </p:set>
+                                  </p:childTnLst>
+                                </p:cTn>
+                              </p:par>
+                            </p:childTnLst>
+                          </p:cTn>
+                        </p:par>
+                      </p:childTnLst>
+                    </p:cTn>
+                  </p:par>
+                  <p:par>
+                    <p:cTn id="23" fill="hold">
+                      <p:stCondLst>
+                        <p:cond delay="indefinite"/>
+                      </p:stCondLst>
+                      <p:childTnLst>
+                        <p:par>
+                          <p:cTn id="24" fill="hold">
+                            <p:stCondLst>
+                              <p:cond delay="0"/>
+                            </p:stCondLst>
+                            <p:childTnLst>
+                              <p:par>
+                                <p:cTn id="25" presetID="1" presetClass="entr" presetSubtype="0" fill="hold" grpId="0" nodeType="clickEffect">
+                                  <p:stCondLst>
+                                    <p:cond delay="0"/>
+                                  </p:stCondLst>
+                                  <p:childTnLst>
+                                    <p:set>
+                                      <p:cBhvr>
+                                        <p:cTn id="26" dur="1" fill="hold">
+                                          <p:stCondLst>
+                                            <p:cond delay="0"/>
+                                          </p:stCondLst>
+                                        </p:cTn>
+                                        <p:tgtEl>
+                                          <p:spTgt spid="4">
+                                            <p:txEl>
+                                              <p:pRg st="5" end="5"/>
+                                            </p:txEl>
+                                          </p:spTgt>
+                                        </p:tgtEl>
+                                        <p:attrNameLst>
+                                          <p:attrName>style.visibility</p:attrName>
+                                        </p:attrNameLst>
+                                      </p:cBhvr>
+                                      <p:to>
+                                        <p:strVal val="visible"/>
+                                      </p:to>
+                                    </p:set>
+                                  </p:childTnLst>
+                                </p:cTn>
+                              </p:par>
+                            </p:childTnLst>
+                          </p:cTn>
+                        </p:par>
+                      </p:childTnLst>
+                    </p:cTn>
+                  </p:par>
+                  <p:par>
+                    <p:cTn id="27" fill="hold">
+                      <p:stCondLst>
+                        <p:cond delay="indefinite"/>
+                      </p:stCondLst>
+                      <p:childTnLst>
+                        <p:par>
+                          <p:cTn id="28" fill="hold">
+                            <p:stCondLst>
+                              <p:cond delay="0"/>
+                            </p:stCondLst>
+                            <p:childTnLst>
+                              <p:par>
+                                <p:cTn id="29" presetID="1" presetClass="entr" presetSubtype="0" fill="hold" grpId="0" nodeType="clickEffect">
+                                  <p:stCondLst>
+                                    <p:cond delay="0"/>
+                                  </p:stCondLst>
+                                  <p:childTnLst>
+                                    <p:set>
+                                      <p:cBhvr>
+                                        <p:cTn id="30" dur="1" fill="hold">
+                                          <p:stCondLst>
+                                            <p:cond delay="0"/>
+                                          </p:stCondLst>
+                                        </p:cTn>
+                                        <p:tgtEl>
+                                          <p:spTgt spid="4">
+                                            <p:txEl>
+                                              <p:pRg st="6" end="6"/>
+                                            </p:txEl>
+                                          </p:spTgt>
+                                        </p:tgtEl>
+                                        <p:attrNameLst>
+                                          <p:attrName>style.visibility</p:attrName>
+                                        </p:attrNameLst>
+                                      </p:cBhvr>
+                                      <p:to>
+                                        <p:strVal val="visible"/>
+                                      </p:to>
+                                    </p:set>
+                                  </p:childTnLst>
+                                </p:cTn>
+                              </p:par>
+                            </p:childTnLst>
+                          </p:cTn>
+                        </p:par>
+                      </p:childTnLst>
+                    </p:cTn>
+                  </p:par>
+                  <p:par>
+                    <p:cTn id="31" fill="hold">
+                      <p:stCondLst>
+                        <p:cond delay="indefinite"/>
+                      </p:stCondLst>
+                      <p:childTnLst>
+                        <p:par>
+                          <p:cTn id="32" fill="hold">
+                            <p:stCondLst>
+                              <p:cond delay="0"/>
+                            </p:stCondLst>
+                            <p:childTnLst>
+                              <p:par>
+                                <p:cTn id="33" presetID="1" presetClass="entr" presetSubtype="0" fill="hold" grpId="0" nodeType="clickEffect">
+                                  <p:stCondLst>
+                                    <p:cond delay="0"/>
+                                  </p:stCondLst>
+                                  <p:childTnLst>
+                                    <p:set>
+                                      <p:cBhvr>
+                                        <p:cTn id="34" dur="1" fill="hold">
+                                          <p:stCondLst>
+                                            <p:cond delay="0"/>
+                                          </p:stCondLst>
+                                        </p:cTn>
+                                        <p:tgtEl>
+                                          <p:spTgt spid="4">
+                                            <p:txEl>
+                                              <p:pRg st="7" end="7"/>
+                                            </p:txEl>
+                                          </p:spTgt>
+                                        </p:tgtEl>
+                                        <p:attrNameLst>
+                                          <p:attrName>style.visibility</p:attrName>
+                                        </p:attrNameLst>
+                                      </p:cBhvr>
+                                      <p:to>
+                                        <p:strVal val="visible"/>
+                                      </p:to>
+                                    </p:set>
+                                  </p:childTnLst>
+                                </p:cTn>
+                              </p:par>
+                            </p:childTnLst>
+                          </p:cTn>
+                        </p:par>
+                      </p:childTnLst>
+                    </p:cTn>
+                  </p:par>
+                  <p:par>
+                    <p:cTn id="35" fill="hold">
+                      <p:stCondLst>
+                        <p:cond delay="indefinite"/>
+                      </p:stCondLst>
+                      <p:childTnLst>
+                        <p:par>
+                          <p:cTn id="36" fill="hold">
+                            <p:stCondLst>
+                              <p:cond delay="0"/>
+                            </p:stCondLst>
+                            <p:childTnLst>
+                              <p:par>
+                                <p:cTn id="37" presetID="1" presetClass="entr" presetSubtype="0" fill="hold" grpId="0" nodeType="clickEffect">
+                                  <p:stCondLst>
+                                    <p:cond delay="0"/>
+                                  </p:stCondLst>
+                                  <p:childTnLst>
+                                    <p:set>
+                                      <p:cBhvr>
+                                        <p:cTn id="38" dur="1" fill="hold">
+                                          <p:stCondLst>
+                                            <p:cond delay="0"/>
+                                          </p:stCondLst>
+                                        </p:cTn>
+                                        <p:tgtEl>
+                                          <p:spTgt spid="4">
+                                            <p:txEl>
+                                              <p:pRg st="8" end="8"/>
+                                            </p:txEl>
+                                          </p:spTgt>
+                                        </p:tgtEl>
+                                        <p:attrNameLst>
+                                          <p:attrName>style.visibility</p:attrName>
+                                        </p:attrNameLst>
+                                      </p:cBhvr>
+                                      <p:to>
+                                        <p:strVal val="visible"/>
+                                      </p:to>
+                                    </p:set>
+                                  </p:childTnLst>
+                                </p:cTn>
+                              </p:par>
+                            </p:childTnLst>
+                          </p:cTn>
+                        </p:par>
+                      </p:childTnLst>
+                    </p:cTn>
+                  </p:par>
+                  <p:par>
+                    <p:cTn id="39" fill="hold">
+                      <p:stCondLst>
+                        <p:cond delay="indefinite"/>
+                      </p:stCondLst>
+                      <p:childTnLst>
+                        <p:par>
+                          <p:cTn id="40" fill="hold">
+                            <p:stCondLst>
+                              <p:cond delay="0"/>
+                            </p:stCondLst>
+                            <p:childTnLst>
+                              <p:par>
+                                <p:cTn id="41" presetID="1" presetClass="entr" presetSubtype="0" fill="hold" grpId="0" nodeType="clickEffect">
+                                  <p:stCondLst>
+                                    <p:cond delay="0"/>
+                                  </p:stCondLst>
+                                  <p:childTnLst>
+                                    <p:set>
+                                      <p:cBhvr>
+                                        <p:cTn id="42" dur="1" fill="hold">
+                                          <p:stCondLst>
+                                            <p:cond delay="0"/>
+                                          </p:stCondLst>
+                                        </p:cTn>
+                                        <p:tgtEl>
+                                          <p:spTgt spid="4">
+                                            <p:txEl>
+                                              <p:pRg st="9" end="9"/>
+                                            </p:txEl>
+                                          </p:spTgt>
+                                        </p:tgtEl>
+                                        <p:attrNameLst>
+                                          <p:attrName>style.visibility</p:attrName>
+                                        </p:attrNameLst>
+                                      </p:cBhvr>
+                                      <p:to>
+                                        <p:strVal val="visible"/>
+                                      </p:to>
+                                    </p:set>
+                                  </p:childTnLst>
+                                </p:cTn>
+                              </p:par>
+                            </p:childTnLst>
+                          </p:cTn>
+                        </p:par>
+                      </p:childTnLst>
+                    </p:cTn>
+                  </p:par>
+                </p:childTnLst>
+              </p:cTn>
+              <p:prevCondLst>
+                <p:cond evt="onPrev" delay="0">
+                  <p:tgtEl>
+                    <p:sldTgt/>
+                  </p:tgtEl>
+                </p:cond>
+              </p:prevCondLst>
+              <p:nextCondLst>
+                <p:cond evt="onNext" delay="0">
+                  <p:tgtEl>
+                    <p:sldTgt/>
+                  </p:tgtEl>
+                </p:cond>
+              </p:nextCondLst>
+            </p:seq>
+          </p:childTnLst>
+        </p:cTn>
+      </p:par>
+    </p:tnLst>
+    <p:bldLst>
+      <p:bldP spid="4" grpId="0" build="p"/>
+    </p:bldLst>
+  </p:timing>
+</p:sld>
+</file>
+
+<file path=ppt/slides/slide5.xml><?xml version="1.0" encoding="utf-8"?>
+<p:sld xmlns:a="http://schemas.openxmlformats.org/drawingml/2006/main" xmlns:r="http://schemas.openxmlformats.org/officeDocument/2006/relationships" xmlns:p="http://schemas.openxmlformats.org/presentationml/2006/main">
+  <p:cSld>
+    <p:spTree>
+      <p:nvGrpSpPr>
+        <p:cNvPr id="1" name=""/>
+        <p:cNvGrpSpPr/>
+        <p:nvPr/>
+      </p:nvGrpSpPr>
+      <p:grpSpPr>
+        <a:xfrm>
+          <a:off x="0" y="0"/>
+          <a:ext cx="0" cy="0"/>
+          <a:chOff x="0" y="0"/>
+          <a:chExt cx="0" cy="0"/>
+        </a:xfrm>
+      </p:grpSpPr>
+      <p:sp>
+        <p:nvSpPr>
+          <p:cNvPr id="2" name="Title 1">
+            <a:extLst>
+              <a:ext uri="{FF2B5EF4-FFF2-40B4-BE49-F238E27FC236}">
+                <a16:creationId xmlns:a16="http://schemas.microsoft.com/office/drawing/2014/main" id="{D0ED3079-CDD0-EA26-D82B-6297B2F32373}"/>
+              </a:ext>
+            </a:extLst>
+          </p:cNvPr>
+          <p:cNvSpPr>
+            <a:spLocks noGrp="1"/>
+          </p:cNvSpPr>
+          <p:nvPr>
+            <p:ph type="title"/>
+          </p:nvPr>
+        </p:nvSpPr>
+        <p:spPr/>
+        <p:txBody>
+          <a:bodyPr/>
+          <a:lstStyle/>
+          <a:p>
+            <a:r>
+              <a:rPr lang="en-AU" b="1" dirty="0"/>
               <a:t> Implementation Example - Llama Vision Code</a:t>
             </a:r>
-            <a:endParaRPr lang="en-US" sz="4000" dirty="0"/>
+            <a:endParaRPr lang="en-US" dirty="0"/>
           </a:p>
         </p:txBody>
       </p:sp>
       <p:pic>
         <p:nvPicPr>
-          <p:cNvPr id="5" name="Content Placeholder 4">
+          <p:cNvPr id="5" name="Content Placeholder 7" descr="A invoice with text and numbers&#10;&#10;AI-generated content may be incorrect.">
             <a:extLst>
               <a:ext uri="{FF2B5EF4-FFF2-40B4-BE49-F238E27FC236}">
-                <a16:creationId xmlns:a16="http://schemas.microsoft.com/office/drawing/2014/main" id="{B8F059D1-10BB-2056-FE7D-1D360785068C}"/>
+                <a16:creationId xmlns:a16="http://schemas.microsoft.com/office/drawing/2014/main" id="{DAD12A8F-3A38-D6CE-5413-9026894BF3FB}"/>
               </a:ext>
             </a:extLst>
           </p:cNvPr>
@@ -12203,8 +13032,37 @@
         </p:blipFill>
         <p:spPr>
           <a:xfrm>
-            <a:off x="946929" y="965200"/>
-            <a:ext cx="5865842" cy="5211763"/>
+            <a:off x="1026330" y="1825625"/>
+            <a:ext cx="4805339" cy="4351338"/>
+          </a:xfrm>
+        </p:spPr>
+      </p:pic>
+      <p:pic>
+        <p:nvPicPr>
+          <p:cNvPr id="6" name="Content Placeholder 4">
+            <a:extLst>
+              <a:ext uri="{FF2B5EF4-FFF2-40B4-BE49-F238E27FC236}">
+                <a16:creationId xmlns:a16="http://schemas.microsoft.com/office/drawing/2014/main" id="{49CA02C9-E944-B990-25C5-B450713D2AB5}"/>
+              </a:ext>
+            </a:extLst>
+          </p:cNvPr>
+          <p:cNvPicPr>
+            <a:picLocks noGrp="1" noChangeAspect="1"/>
+          </p:cNvPicPr>
+          <p:nvPr>
+            <p:ph sz="half" idx="2"/>
+          </p:nvPr>
+        </p:nvPicPr>
+        <p:blipFill>
+          <a:blip r:embed="rId3"/>
+          <a:stretch>
+            <a:fillRect/>
+          </a:stretch>
+        </p:blipFill>
+        <p:spPr>
+          <a:xfrm>
+            <a:off x="6314283" y="1825625"/>
+            <a:ext cx="4897433" cy="4351338"/>
           </a:xfrm>
           <a:prstGeom prst="rect">
             <a:avLst/>
@@ -12214,7 +13072,7 @@
     </p:spTree>
     <p:extLst>
       <p:ext uri="{BB962C8B-B14F-4D97-AF65-F5344CB8AC3E}">
-        <p14:creationId xmlns:p14="http://schemas.microsoft.com/office/powerpoint/2010/main" val="2476547478"/>
+        <p14:creationId xmlns:p14="http://schemas.microsoft.com/office/powerpoint/2010/main" val="3819840642"/>
       </p:ext>
     </p:extLst>
   </p:cSld>
@@ -12224,7 +13082,7 @@
 </p:sld>
 </file>
 
-<file path=ppt/slides/slide25.xml><?xml version="1.0" encoding="utf-8"?>
+<file path=ppt/slides/slide6.xml><?xml version="1.0" encoding="utf-8"?>
 <p:sld xmlns:a="http://schemas.openxmlformats.org/drawingml/2006/main" xmlns:r="http://schemas.openxmlformats.org/officeDocument/2006/relationships" xmlns:p="http://schemas.openxmlformats.org/presentationml/2006/main">
   <p:cSld>
     <p:spTree>
@@ -12391,7 +13249,7 @@
     </p:spTree>
     <p:extLst>
       <p:ext uri="{BB962C8B-B14F-4D97-AF65-F5344CB8AC3E}">
-        <p14:creationId xmlns:p14="http://schemas.microsoft.com/office/powerpoint/2010/main" val="989684801"/>
+        <p14:creationId xmlns:p14="http://schemas.microsoft.com/office/powerpoint/2010/main" val="3664459696"/>
       </p:ext>
     </p:extLst>
   </p:cSld>
@@ -12679,1910 +13537,6 @@
 </p:sld>
 </file>
 
-<file path=ppt/slides/slide26.xml><?xml version="1.0" encoding="utf-8"?>
-<p:sld xmlns:a="http://schemas.openxmlformats.org/drawingml/2006/main" xmlns:r="http://schemas.openxmlformats.org/officeDocument/2006/relationships" xmlns:p="http://schemas.openxmlformats.org/presentationml/2006/main">
-  <p:cSld>
-    <p:spTree>
-      <p:nvGrpSpPr>
-        <p:cNvPr id="1" name=""/>
-        <p:cNvGrpSpPr/>
-        <p:nvPr/>
-      </p:nvGrpSpPr>
-      <p:grpSpPr>
-        <a:xfrm>
-          <a:off x="0" y="0"/>
-          <a:ext cx="0" cy="0"/>
-          <a:chOff x="0" y="0"/>
-          <a:chExt cx="0" cy="0"/>
-        </a:xfrm>
-      </p:grpSpPr>
-      <p:sp>
-        <p:nvSpPr>
-          <p:cNvPr id="2" name="Title 1">
-            <a:extLst>
-              <a:ext uri="{FF2B5EF4-FFF2-40B4-BE49-F238E27FC236}">
-                <a16:creationId xmlns:a16="http://schemas.microsoft.com/office/drawing/2014/main" id="{F18090DB-8CEF-1F87-6F1B-AB5DD7757A1F}"/>
-              </a:ext>
-            </a:extLst>
-          </p:cNvPr>
-          <p:cNvSpPr>
-            <a:spLocks noGrp="1"/>
-          </p:cNvSpPr>
-          <p:nvPr>
-            <p:ph type="title"/>
-          </p:nvPr>
-        </p:nvSpPr>
-        <p:spPr/>
-        <p:txBody>
-          <a:bodyPr/>
-          <a:lstStyle/>
-          <a:p>
-            <a:r>
-              <a:rPr lang="en-US" b="1" dirty="0"/>
-              <a:t>References</a:t>
-            </a:r>
-          </a:p>
-        </p:txBody>
-      </p:sp>
-      <p:sp>
-        <p:nvSpPr>
-          <p:cNvPr id="3" name="Content Placeholder 2">
-            <a:extLst>
-              <a:ext uri="{FF2B5EF4-FFF2-40B4-BE49-F238E27FC236}">
-                <a16:creationId xmlns:a16="http://schemas.microsoft.com/office/drawing/2014/main" id="{0CC2F4D8-AF69-3ECE-56B5-48E4F8204210}"/>
-              </a:ext>
-            </a:extLst>
-          </p:cNvPr>
-          <p:cNvSpPr>
-            <a:spLocks noGrp="1"/>
-          </p:cNvSpPr>
-          <p:nvPr>
-            <p:ph idx="1"/>
-          </p:nvPr>
-        </p:nvSpPr>
-        <p:spPr/>
-        <p:txBody>
-          <a:bodyPr>
-            <a:normAutofit/>
-          </a:bodyPr>
-          <a:lstStyle/>
-          <a:p>
-            <a:r>
-              <a:rPr lang="en-AU" dirty="0"/>
-              <a:t>Chen et al. (2024) "</a:t>
-            </a:r>
-            <a:r>
-              <a:rPr lang="en-AU" dirty="0" err="1"/>
-              <a:t>InternVL</a:t>
-            </a:r>
-            <a:r>
-              <a:rPr lang="en-AU" dirty="0"/>
-              <a:t>" - arXiv:2312.14238</a:t>
-            </a:r>
-          </a:p>
-          <a:p>
-            <a:r>
-              <a:rPr lang="en-AU" dirty="0" err="1"/>
-              <a:t>Dosovitskiy</a:t>
-            </a:r>
-            <a:r>
-              <a:rPr lang="en-AU" dirty="0"/>
-              <a:t> et al. (2020) "An Image is Worth 16x16 Words" - ICLR 2021</a:t>
-            </a:r>
-          </a:p>
-          <a:p>
-            <a:r>
-              <a:rPr lang="en-AU" dirty="0"/>
-              <a:t>Kim et al. (2022) "Donut: OCR-free Transformer" - ECCV 2022</a:t>
-            </a:r>
-          </a:p>
-          <a:p>
-            <a:r>
-              <a:rPr lang="en-AU" dirty="0"/>
-              <a:t>Meta AI (2024) "Llama 3.2 Multimodal" - Technical Report</a:t>
-            </a:r>
-          </a:p>
-          <a:p>
-            <a:r>
-              <a:rPr lang="en-AU" dirty="0" err="1"/>
-              <a:t>Nitor</a:t>
-            </a:r>
-            <a:r>
-              <a:rPr lang="en-AU" dirty="0"/>
-              <a:t> Infotech (2024) "</a:t>
-            </a:r>
-            <a:r>
-              <a:rPr lang="en-AU" dirty="0" err="1"/>
-              <a:t>LayoutLM</a:t>
-            </a:r>
-            <a:r>
-              <a:rPr lang="en-AU" dirty="0"/>
-              <a:t> Text Extraction”</a:t>
-            </a:r>
-          </a:p>
-          <a:p>
-            <a:r>
-              <a:rPr lang="en-AU" dirty="0"/>
-              <a:t>UBIAI (2024) "LayoutLMv3 in Document Understanding" </a:t>
-            </a:r>
-          </a:p>
-          <a:p>
-            <a:r>
-              <a:rPr lang="en-AU" dirty="0"/>
-              <a:t>Xu et al. (2020) "</a:t>
-            </a:r>
-            <a:r>
-              <a:rPr lang="en-AU" dirty="0" err="1"/>
-              <a:t>LayoutLM</a:t>
-            </a:r>
-            <a:r>
-              <a:rPr lang="en-AU" dirty="0"/>
-              <a:t>" - KDD 2020</a:t>
-            </a:r>
-          </a:p>
-          <a:p>
-            <a:endParaRPr lang="en-AU" dirty="0"/>
-          </a:p>
-          <a:p>
-            <a:endParaRPr lang="en-US" dirty="0"/>
-          </a:p>
-        </p:txBody>
-      </p:sp>
-    </p:spTree>
-    <p:extLst>
-      <p:ext uri="{BB962C8B-B14F-4D97-AF65-F5344CB8AC3E}">
-        <p14:creationId xmlns:p14="http://schemas.microsoft.com/office/powerpoint/2010/main" val="2243245965"/>
-      </p:ext>
-    </p:extLst>
-  </p:cSld>
-  <p:clrMapOvr>
-    <a:masterClrMapping/>
-  </p:clrMapOvr>
-</p:sld>
-</file>
-
-<file path=ppt/slides/slide3.xml><?xml version="1.0" encoding="utf-8"?>
-<p:sld xmlns:a="http://schemas.openxmlformats.org/drawingml/2006/main" xmlns:r="http://schemas.openxmlformats.org/officeDocument/2006/relationships" xmlns:p="http://schemas.openxmlformats.org/presentationml/2006/main">
-  <p:cSld>
-    <p:spTree>
-      <p:nvGrpSpPr>
-        <p:cNvPr id="1" name=""/>
-        <p:cNvGrpSpPr/>
-        <p:nvPr/>
-      </p:nvGrpSpPr>
-      <p:grpSpPr>
-        <a:xfrm>
-          <a:off x="0" y="0"/>
-          <a:ext cx="0" cy="0"/>
-          <a:chOff x="0" y="0"/>
-          <a:chExt cx="0" cy="0"/>
-        </a:xfrm>
-      </p:grpSpPr>
-      <p:sp>
-        <p:nvSpPr>
-          <p:cNvPr id="2" name="Title 1">
-            <a:extLst>
-              <a:ext uri="{FF2B5EF4-FFF2-40B4-BE49-F238E27FC236}">
-                <a16:creationId xmlns:a16="http://schemas.microsoft.com/office/drawing/2014/main" id="{FC45D285-9B31-E81D-6A38-5953822C8616}"/>
-              </a:ext>
-            </a:extLst>
-          </p:cNvPr>
-          <p:cNvSpPr>
-            <a:spLocks noGrp="1"/>
-          </p:cNvSpPr>
-          <p:nvPr>
-            <p:ph type="title"/>
-          </p:nvPr>
-        </p:nvSpPr>
-        <p:spPr/>
-        <p:txBody>
-          <a:bodyPr/>
-          <a:lstStyle/>
-          <a:p>
-            <a:r>
-              <a:rPr lang="en-AU" b="1" dirty="0"/>
-              <a:t>Current Challenge</a:t>
-            </a:r>
-            <a:r>
-              <a:rPr lang="en-AU" dirty="0"/>
-              <a:t>: Manual review of documents each audit cycle</a:t>
-            </a:r>
-            <a:endParaRPr lang="en-US" dirty="0"/>
-          </a:p>
-        </p:txBody>
-      </p:sp>
-      <p:sp>
-        <p:nvSpPr>
-          <p:cNvPr id="3" name="Content Placeholder 2">
-            <a:extLst>
-              <a:ext uri="{FF2B5EF4-FFF2-40B4-BE49-F238E27FC236}">
-                <a16:creationId xmlns:a16="http://schemas.microsoft.com/office/drawing/2014/main" id="{CCCFB566-7125-3416-4690-9BF4407B088B}"/>
-              </a:ext>
-            </a:extLst>
-          </p:cNvPr>
-          <p:cNvSpPr>
-            <a:spLocks noGrp="1"/>
-          </p:cNvSpPr>
-          <p:nvPr>
-            <p:ph idx="1"/>
-          </p:nvPr>
-        </p:nvSpPr>
-        <p:spPr/>
-        <p:txBody>
-          <a:bodyPr/>
-          <a:lstStyle/>
-          <a:p>
-            <a:r>
-              <a:rPr lang="en-AU" dirty="0"/>
-              <a:t>Each category (D1-D10) requires supporting evidence: receipts, invoices, bank statements.</a:t>
-            </a:r>
-          </a:p>
-          <a:p>
-            <a:r>
-              <a:rPr lang="en-AU" b="1" dirty="0"/>
-              <a:t>The Scale</a:t>
-            </a:r>
-            <a:r>
-              <a:rPr lang="en-AU" dirty="0"/>
-              <a:t>: Thousands of documents daily across all categories. </a:t>
-            </a:r>
-          </a:p>
-          <a:p>
-            <a:r>
-              <a:rPr lang="en-AU" b="1" dirty="0"/>
-              <a:t>The Challenge</a:t>
-            </a:r>
-            <a:r>
-              <a:rPr lang="en-AU" dirty="0"/>
-              <a:t>: Every document needs accurate field extraction - supplier names, ABNs, amounts, dates - to verify claims and categorize them correctly. </a:t>
-            </a:r>
-          </a:p>
-          <a:p>
-            <a:r>
-              <a:rPr lang="en-AU" b="1" dirty="0"/>
-              <a:t>The Impact</a:t>
-            </a:r>
-            <a:r>
-              <a:rPr lang="en-AU" dirty="0"/>
-              <a:t>: Manual processing creates delays and compliance risks. This is exactly why automated information extraction is critical to the substantiation pipeline.</a:t>
-            </a:r>
-            <a:endParaRPr lang="en-US" dirty="0"/>
-          </a:p>
-        </p:txBody>
-      </p:sp>
-    </p:spTree>
-    <p:extLst>
-      <p:ext uri="{BB962C8B-B14F-4D97-AF65-F5344CB8AC3E}">
-        <p14:creationId xmlns:p14="http://schemas.microsoft.com/office/powerpoint/2010/main" val="940366401"/>
-      </p:ext>
-    </p:extLst>
-  </p:cSld>
-  <p:clrMapOvr>
-    <a:masterClrMapping/>
-  </p:clrMapOvr>
-  <p:timing>
-    <p:tnLst>
-      <p:par>
-        <p:cTn id="1" dur="indefinite" restart="never" nodeType="tmRoot">
-          <p:childTnLst>
-            <p:seq concurrent="1" nextAc="seek">
-              <p:cTn id="2" dur="indefinite" nodeType="mainSeq">
-                <p:childTnLst>
-                  <p:par>
-                    <p:cTn id="3" fill="hold">
-                      <p:stCondLst>
-                        <p:cond delay="indefinite"/>
-                      </p:stCondLst>
-                      <p:childTnLst>
-                        <p:par>
-                          <p:cTn id="4" fill="hold">
-                            <p:stCondLst>
-                              <p:cond delay="0"/>
-                            </p:stCondLst>
-                            <p:childTnLst>
-                              <p:par>
-                                <p:cTn id="5" presetID="1" presetClass="entr" presetSubtype="0" fill="hold" grpId="0" nodeType="clickEffect">
-                                  <p:stCondLst>
-                                    <p:cond delay="0"/>
-                                  </p:stCondLst>
-                                  <p:childTnLst>
-                                    <p:set>
-                                      <p:cBhvr>
-                                        <p:cTn id="6" dur="1" fill="hold">
-                                          <p:stCondLst>
-                                            <p:cond delay="0"/>
-                                          </p:stCondLst>
-                                        </p:cTn>
-                                        <p:tgtEl>
-                                          <p:spTgt spid="3">
-                                            <p:txEl>
-                                              <p:pRg st="0" end="0"/>
-                                            </p:txEl>
-                                          </p:spTgt>
-                                        </p:tgtEl>
-                                        <p:attrNameLst>
-                                          <p:attrName>style.visibility</p:attrName>
-                                        </p:attrNameLst>
-                                      </p:cBhvr>
-                                      <p:to>
-                                        <p:strVal val="visible"/>
-                                      </p:to>
-                                    </p:set>
-                                  </p:childTnLst>
-                                </p:cTn>
-                              </p:par>
-                            </p:childTnLst>
-                          </p:cTn>
-                        </p:par>
-                      </p:childTnLst>
-                    </p:cTn>
-                  </p:par>
-                  <p:par>
-                    <p:cTn id="7" fill="hold">
-                      <p:stCondLst>
-                        <p:cond delay="indefinite"/>
-                      </p:stCondLst>
-                      <p:childTnLst>
-                        <p:par>
-                          <p:cTn id="8" fill="hold">
-                            <p:stCondLst>
-                              <p:cond delay="0"/>
-                            </p:stCondLst>
-                            <p:childTnLst>
-                              <p:par>
-                                <p:cTn id="9" presetID="1" presetClass="entr" presetSubtype="0" fill="hold" grpId="0" nodeType="clickEffect">
-                                  <p:stCondLst>
-                                    <p:cond delay="0"/>
-                                  </p:stCondLst>
-                                  <p:childTnLst>
-                                    <p:set>
-                                      <p:cBhvr>
-                                        <p:cTn id="10" dur="1" fill="hold">
-                                          <p:stCondLst>
-                                            <p:cond delay="0"/>
-                                          </p:stCondLst>
-                                        </p:cTn>
-                                        <p:tgtEl>
-                                          <p:spTgt spid="3">
-                                            <p:txEl>
-                                              <p:pRg st="1" end="1"/>
-                                            </p:txEl>
-                                          </p:spTgt>
-                                        </p:tgtEl>
-                                        <p:attrNameLst>
-                                          <p:attrName>style.visibility</p:attrName>
-                                        </p:attrNameLst>
-                                      </p:cBhvr>
-                                      <p:to>
-                                        <p:strVal val="visible"/>
-                                      </p:to>
-                                    </p:set>
-                                  </p:childTnLst>
-                                </p:cTn>
-                              </p:par>
-                            </p:childTnLst>
-                          </p:cTn>
-                        </p:par>
-                      </p:childTnLst>
-                    </p:cTn>
-                  </p:par>
-                  <p:par>
-                    <p:cTn id="11" fill="hold">
-                      <p:stCondLst>
-                        <p:cond delay="indefinite"/>
-                      </p:stCondLst>
-                      <p:childTnLst>
-                        <p:par>
-                          <p:cTn id="12" fill="hold">
-                            <p:stCondLst>
-                              <p:cond delay="0"/>
-                            </p:stCondLst>
-                            <p:childTnLst>
-                              <p:par>
-                                <p:cTn id="13" presetID="1" presetClass="entr" presetSubtype="0" fill="hold" grpId="0" nodeType="clickEffect">
-                                  <p:stCondLst>
-                                    <p:cond delay="0"/>
-                                  </p:stCondLst>
-                                  <p:childTnLst>
-                                    <p:set>
-                                      <p:cBhvr>
-                                        <p:cTn id="14" dur="1" fill="hold">
-                                          <p:stCondLst>
-                                            <p:cond delay="0"/>
-                                          </p:stCondLst>
-                                        </p:cTn>
-                                        <p:tgtEl>
-                                          <p:spTgt spid="3">
-                                            <p:txEl>
-                                              <p:pRg st="2" end="2"/>
-                                            </p:txEl>
-                                          </p:spTgt>
-                                        </p:tgtEl>
-                                        <p:attrNameLst>
-                                          <p:attrName>style.visibility</p:attrName>
-                                        </p:attrNameLst>
-                                      </p:cBhvr>
-                                      <p:to>
-                                        <p:strVal val="visible"/>
-                                      </p:to>
-                                    </p:set>
-                                  </p:childTnLst>
-                                </p:cTn>
-                              </p:par>
-                            </p:childTnLst>
-                          </p:cTn>
-                        </p:par>
-                      </p:childTnLst>
-                    </p:cTn>
-                  </p:par>
-                  <p:par>
-                    <p:cTn id="15" fill="hold">
-                      <p:stCondLst>
-                        <p:cond delay="indefinite"/>
-                      </p:stCondLst>
-                      <p:childTnLst>
-                        <p:par>
-                          <p:cTn id="16" fill="hold">
-                            <p:stCondLst>
-                              <p:cond delay="0"/>
-                            </p:stCondLst>
-                            <p:childTnLst>
-                              <p:par>
-                                <p:cTn id="17" presetID="1" presetClass="entr" presetSubtype="0" fill="hold" grpId="0" nodeType="clickEffect">
-                                  <p:stCondLst>
-                                    <p:cond delay="0"/>
-                                  </p:stCondLst>
-                                  <p:childTnLst>
-                                    <p:set>
-                                      <p:cBhvr>
-                                        <p:cTn id="18" dur="1" fill="hold">
-                                          <p:stCondLst>
-                                            <p:cond delay="0"/>
-                                          </p:stCondLst>
-                                        </p:cTn>
-                                        <p:tgtEl>
-                                          <p:spTgt spid="3">
-                                            <p:txEl>
-                                              <p:pRg st="3" end="3"/>
-                                            </p:txEl>
-                                          </p:spTgt>
-                                        </p:tgtEl>
-                                        <p:attrNameLst>
-                                          <p:attrName>style.visibility</p:attrName>
-                                        </p:attrNameLst>
-                                      </p:cBhvr>
-                                      <p:to>
-                                        <p:strVal val="visible"/>
-                                      </p:to>
-                                    </p:set>
-                                  </p:childTnLst>
-                                </p:cTn>
-                              </p:par>
-                            </p:childTnLst>
-                          </p:cTn>
-                        </p:par>
-                      </p:childTnLst>
-                    </p:cTn>
-                  </p:par>
-                </p:childTnLst>
-              </p:cTn>
-              <p:prevCondLst>
-                <p:cond evt="onPrev" delay="0">
-                  <p:tgtEl>
-                    <p:sldTgt/>
-                  </p:tgtEl>
-                </p:cond>
-              </p:prevCondLst>
-              <p:nextCondLst>
-                <p:cond evt="onNext" delay="0">
-                  <p:tgtEl>
-                    <p:sldTgt/>
-                  </p:tgtEl>
-                </p:cond>
-              </p:nextCondLst>
-            </p:seq>
-          </p:childTnLst>
-        </p:cTn>
-      </p:par>
-    </p:tnLst>
-    <p:bldLst>
-      <p:bldP spid="3" grpId="0" build="p"/>
-    </p:bldLst>
-  </p:timing>
-</p:sld>
-</file>
-
-<file path=ppt/slides/slide4.xml><?xml version="1.0" encoding="utf-8"?>
-<p:sld xmlns:a="http://schemas.openxmlformats.org/drawingml/2006/main" xmlns:r="http://schemas.openxmlformats.org/officeDocument/2006/relationships" xmlns:p="http://schemas.openxmlformats.org/presentationml/2006/main">
-  <p:cSld>
-    <p:spTree>
-      <p:nvGrpSpPr>
-        <p:cNvPr id="1" name=""/>
-        <p:cNvGrpSpPr/>
-        <p:nvPr/>
-      </p:nvGrpSpPr>
-      <p:grpSpPr>
-        <a:xfrm>
-          <a:off x="0" y="0"/>
-          <a:ext cx="0" cy="0"/>
-          <a:chOff x="0" y="0"/>
-          <a:chExt cx="0" cy="0"/>
-        </a:xfrm>
-      </p:grpSpPr>
-      <p:sp>
-        <p:nvSpPr>
-          <p:cNvPr id="2" name="Title 1">
-            <a:extLst>
-              <a:ext uri="{FF2B5EF4-FFF2-40B4-BE49-F238E27FC236}">
-                <a16:creationId xmlns:a16="http://schemas.microsoft.com/office/drawing/2014/main" id="{7E573CBD-6ACA-7449-6049-B29BED0BF12C}"/>
-              </a:ext>
-            </a:extLst>
-          </p:cNvPr>
-          <p:cNvSpPr>
-            <a:spLocks noGrp="1"/>
-          </p:cNvSpPr>
-          <p:nvPr>
-            <p:ph type="title"/>
-          </p:nvPr>
-        </p:nvSpPr>
-        <p:spPr/>
-        <p:txBody>
-          <a:bodyPr/>
-          <a:lstStyle/>
-          <a:p>
-            <a:r>
-              <a:rPr lang="en-AU" b="1" dirty="0"/>
-              <a:t>Industry-Wide Evolution of Document AI</a:t>
-            </a:r>
-            <a:endParaRPr lang="en-US" dirty="0"/>
-          </a:p>
-        </p:txBody>
-      </p:sp>
-      <p:pic>
-        <p:nvPicPr>
-          <p:cNvPr id="5" name="Content Placeholder 4">
-            <a:extLst>
-              <a:ext uri="{FF2B5EF4-FFF2-40B4-BE49-F238E27FC236}">
-                <a16:creationId xmlns:a16="http://schemas.microsoft.com/office/drawing/2014/main" id="{CFDB5C44-56FF-A017-98BF-9CCE21AA8121}"/>
-              </a:ext>
-            </a:extLst>
-          </p:cNvPr>
-          <p:cNvPicPr>
-            <a:picLocks noGrp="1" noChangeAspect="1"/>
-          </p:cNvPicPr>
-          <p:nvPr>
-            <p:ph idx="1"/>
-          </p:nvPr>
-        </p:nvPicPr>
-        <p:blipFill>
-          <a:blip r:embed="rId3"/>
-          <a:stretch>
-            <a:fillRect/>
-          </a:stretch>
-        </p:blipFill>
-        <p:spPr>
-          <a:xfrm>
-            <a:off x="838200" y="2177151"/>
-            <a:ext cx="10515600" cy="970399"/>
-          </a:xfrm>
-        </p:spPr>
-      </p:pic>
-    </p:spTree>
-    <p:extLst>
-      <p:ext uri="{BB962C8B-B14F-4D97-AF65-F5344CB8AC3E}">
-        <p14:creationId xmlns:p14="http://schemas.microsoft.com/office/powerpoint/2010/main" val="3786486015"/>
-      </p:ext>
-    </p:extLst>
-  </p:cSld>
-  <p:clrMapOvr>
-    <a:masterClrMapping/>
-  </p:clrMapOvr>
-</p:sld>
-</file>
-
-<file path=ppt/slides/slide5.xml><?xml version="1.0" encoding="utf-8"?>
-<p:sld xmlns:a="http://schemas.openxmlformats.org/drawingml/2006/main" xmlns:r="http://schemas.openxmlformats.org/officeDocument/2006/relationships" xmlns:p="http://schemas.openxmlformats.org/presentationml/2006/main">
-  <p:cSld>
-    <p:spTree>
-      <p:nvGrpSpPr>
-        <p:cNvPr id="1" name=""/>
-        <p:cNvGrpSpPr/>
-        <p:nvPr/>
-      </p:nvGrpSpPr>
-      <p:grpSpPr>
-        <a:xfrm>
-          <a:off x="0" y="0"/>
-          <a:ext cx="0" cy="0"/>
-          <a:chOff x="0" y="0"/>
-          <a:chExt cx="0" cy="0"/>
-        </a:xfrm>
-      </p:grpSpPr>
-      <p:sp>
-        <p:nvSpPr>
-          <p:cNvPr id="2" name="Title 1">
-            <a:extLst>
-              <a:ext uri="{FF2B5EF4-FFF2-40B4-BE49-F238E27FC236}">
-                <a16:creationId xmlns:a16="http://schemas.microsoft.com/office/drawing/2014/main" id="{3E371FC9-6D97-845F-C08A-443AAE87B455}"/>
-              </a:ext>
-            </a:extLst>
-          </p:cNvPr>
-          <p:cNvSpPr>
-            <a:spLocks noGrp="1"/>
-          </p:cNvSpPr>
-          <p:nvPr>
-            <p:ph type="title"/>
-          </p:nvPr>
-        </p:nvSpPr>
-        <p:spPr/>
-        <p:txBody>
-          <a:bodyPr/>
-          <a:lstStyle/>
-          <a:p>
-            <a:r>
-              <a:rPr lang="en-AU" b="1" dirty="0"/>
-              <a:t>LayoutLMv1 Critical Limitations</a:t>
-            </a:r>
-            <a:endParaRPr lang="en-US" dirty="0"/>
-          </a:p>
-        </p:txBody>
-      </p:sp>
-      <p:pic>
-        <p:nvPicPr>
-          <p:cNvPr id="6" name="Content Placeholder 5" descr="A diagram of a diagram&#10;&#10;AI-generated content may be incorrect.">
-            <a:extLst>
-              <a:ext uri="{FF2B5EF4-FFF2-40B4-BE49-F238E27FC236}">
-                <a16:creationId xmlns:a16="http://schemas.microsoft.com/office/drawing/2014/main" id="{B1E4D399-616E-5E57-D6EA-E92A4E2521E1}"/>
-              </a:ext>
-            </a:extLst>
-          </p:cNvPr>
-          <p:cNvPicPr>
-            <a:picLocks noGrp="1" noChangeAspect="1"/>
-          </p:cNvPicPr>
-          <p:nvPr>
-            <p:ph sz="half" idx="1"/>
-          </p:nvPr>
-        </p:nvPicPr>
-        <p:blipFill>
-          <a:blip r:embed="rId3"/>
-          <a:stretch>
-            <a:fillRect/>
-          </a:stretch>
-        </p:blipFill>
-        <p:spPr>
-          <a:xfrm>
-            <a:off x="838200" y="2092629"/>
-            <a:ext cx="5181600" cy="3817330"/>
-          </a:xfrm>
-        </p:spPr>
-      </p:pic>
-      <p:sp>
-        <p:nvSpPr>
-          <p:cNvPr id="4" name="Content Placeholder 3">
-            <a:extLst>
-              <a:ext uri="{FF2B5EF4-FFF2-40B4-BE49-F238E27FC236}">
-                <a16:creationId xmlns:a16="http://schemas.microsoft.com/office/drawing/2014/main" id="{345CA0E9-9781-60EA-C481-EA0B65358EA2}"/>
-              </a:ext>
-            </a:extLst>
-          </p:cNvPr>
-          <p:cNvSpPr>
-            <a:spLocks noGrp="1"/>
-          </p:cNvSpPr>
-          <p:nvPr>
-            <p:ph sz="half" idx="2"/>
-          </p:nvPr>
-        </p:nvSpPr>
-        <p:spPr/>
-        <p:txBody>
-          <a:bodyPr>
-            <a:normAutofit fontScale="47500" lnSpcReduction="20000"/>
-          </a:bodyPr>
-          <a:lstStyle/>
-          <a:p>
-            <a:pPr marL="0" indent="0">
-              <a:buNone/>
-            </a:pPr>
-            <a:r>
-              <a:rPr lang="en-AU" b="1" dirty="0"/>
-              <a:t>How LayoutLMv1 Captures Semantic Information</a:t>
-            </a:r>
-            <a:r>
-              <a:rPr lang="en-AU" dirty="0"/>
-              <a:t>:</a:t>
-            </a:r>
-          </a:p>
-          <a:p>
-            <a:r>
-              <a:rPr lang="en-AU" b="1" dirty="0"/>
-              <a:t>Text Semantics</a:t>
-            </a:r>
-            <a:r>
-              <a:rPr lang="en-AU" dirty="0"/>
-              <a:t>:</a:t>
-            </a:r>
-          </a:p>
-          <a:p>
-            <a:pPr lvl="1"/>
-            <a:r>
-              <a:rPr lang="en-AU" dirty="0"/>
-              <a:t>❌ </a:t>
-            </a:r>
-            <a:r>
-              <a:rPr lang="en-AU" b="1" dirty="0"/>
-              <a:t>Fragmented</a:t>
-            </a:r>
-            <a:r>
-              <a:rPr lang="en-AU" dirty="0"/>
-              <a:t>: OCR extracts words as isolated tokens</a:t>
-            </a:r>
-          </a:p>
-          <a:p>
-            <a:pPr lvl="1"/>
-            <a:r>
-              <a:rPr lang="en-AU" dirty="0"/>
-              <a:t>❌ </a:t>
-            </a:r>
-            <a:r>
-              <a:rPr lang="en-AU" b="1" dirty="0"/>
-              <a:t>Error-prone</a:t>
-            </a:r>
-            <a:r>
-              <a:rPr lang="en-AU" dirty="0"/>
-              <a:t>: OCR failures = complete semantic loss</a:t>
-            </a:r>
-          </a:p>
-          <a:p>
-            <a:pPr lvl="1"/>
-            <a:r>
-              <a:rPr lang="en-AU" dirty="0"/>
-              <a:t>❌ </a:t>
-            </a:r>
-            <a:r>
-              <a:rPr lang="en-AU" b="1" dirty="0"/>
-              <a:t>No visual context</a:t>
-            </a:r>
-            <a:r>
-              <a:rPr lang="en-AU" dirty="0"/>
-              <a:t>: Text meaning divorced from visual appearance</a:t>
-            </a:r>
-          </a:p>
-          <a:p>
-            <a:r>
-              <a:rPr lang="en-AU" b="1" dirty="0"/>
-              <a:t>Spatial Semantics</a:t>
-            </a:r>
-            <a:r>
-              <a:rPr lang="en-AU" dirty="0"/>
-              <a:t>:</a:t>
-            </a:r>
-          </a:p>
-          <a:p>
-            <a:pPr lvl="1"/>
-            <a:r>
-              <a:rPr lang="en-AU" dirty="0"/>
-              <a:t>⚠️ </a:t>
-            </a:r>
-            <a:r>
-              <a:rPr lang="en-AU" b="1" dirty="0"/>
-              <a:t>Coordinate-dependent</a:t>
-            </a:r>
-            <a:r>
-              <a:rPr lang="en-AU" dirty="0"/>
-              <a:t>: 2D position embeddings require perfect OCR box alignment</a:t>
-            </a:r>
-          </a:p>
-          <a:p>
-            <a:pPr lvl="1"/>
-            <a:r>
-              <a:rPr lang="en-AU" dirty="0"/>
-              <a:t>⚠️ </a:t>
-            </a:r>
-            <a:r>
-              <a:rPr lang="en-AU" b="1" dirty="0"/>
-              <a:t>Brittle</a:t>
-            </a:r>
-            <a:r>
-              <a:rPr lang="en-AU" dirty="0"/>
-              <a:t>: Misaligned boxes break spatial understanding</a:t>
-            </a:r>
-          </a:p>
-          <a:p>
-            <a:r>
-              <a:rPr lang="en-AU" b="1" dirty="0"/>
-              <a:t>Visual Semantics</a:t>
-            </a:r>
-            <a:endParaRPr lang="en-AU" dirty="0"/>
-          </a:p>
-          <a:p>
-            <a:pPr lvl="1"/>
-            <a:r>
-              <a:rPr lang="en-AU" dirty="0"/>
-              <a:t>❌ </a:t>
-            </a:r>
-            <a:r>
-              <a:rPr lang="en-AU" b="1" dirty="0"/>
-              <a:t>Minimal</a:t>
-            </a:r>
-            <a:r>
-              <a:rPr lang="en-AU" dirty="0"/>
-              <a:t>: Optional R-CNN features capture only basic visual patterns</a:t>
-            </a:r>
-          </a:p>
-          <a:p>
-            <a:pPr lvl="1"/>
-            <a:r>
-              <a:rPr lang="en-AU" dirty="0"/>
-              <a:t>❌ </a:t>
-            </a:r>
-            <a:r>
-              <a:rPr lang="en-AU" b="1" dirty="0"/>
-              <a:t>Disconnected</a:t>
-            </a:r>
-            <a:r>
-              <a:rPr lang="en-AU" dirty="0"/>
-              <a:t>: Visual features not integrated with text understanding</a:t>
-            </a:r>
-          </a:p>
-          <a:p>
-            <a:pPr lvl="1"/>
-            <a:r>
-              <a:rPr lang="en-AU" dirty="0"/>
-              <a:t>❌ </a:t>
-            </a:r>
-            <a:r>
-              <a:rPr lang="en-AU" b="1" dirty="0"/>
-              <a:t>Shallow</a:t>
-            </a:r>
-            <a:r>
-              <a:rPr lang="en-AU" dirty="0"/>
-              <a:t>: Cannot understand complex visual elements (handwriting, logos, stamps)</a:t>
-            </a:r>
-          </a:p>
-          <a:p>
-            <a:r>
-              <a:rPr lang="en-AU" b="1" dirty="0"/>
-              <a:t>Semantic Integration</a:t>
-            </a:r>
-            <a:r>
-              <a:rPr lang="en-AU" dirty="0"/>
-              <a:t>:</a:t>
-            </a:r>
-          </a:p>
-          <a:p>
-            <a:pPr lvl="1"/>
-            <a:r>
-              <a:rPr lang="en-AU" dirty="0"/>
-              <a:t>❌ </a:t>
-            </a:r>
-            <a:r>
-              <a:rPr lang="en-AU" b="1" dirty="0"/>
-              <a:t>Post-hoc fusion</a:t>
-            </a:r>
-            <a:r>
-              <a:rPr lang="en-AU" dirty="0"/>
-              <a:t>: Three separate streams awkwardly combined in transformer</a:t>
-            </a:r>
-          </a:p>
-          <a:p>
-            <a:pPr lvl="1"/>
-            <a:r>
-              <a:rPr lang="en-AU" dirty="0"/>
-              <a:t>❌ </a:t>
-            </a:r>
-            <a:r>
-              <a:rPr lang="en-AU" b="1" dirty="0"/>
-              <a:t>Lossy process</a:t>
-            </a:r>
-            <a:r>
-              <a:rPr lang="en-AU" dirty="0"/>
-              <a:t>: Semantic information lost at each pipeline stag</a:t>
-            </a:r>
-          </a:p>
-        </p:txBody>
-      </p:sp>
-    </p:spTree>
-    <p:extLst>
-      <p:ext uri="{BB962C8B-B14F-4D97-AF65-F5344CB8AC3E}">
-        <p14:creationId xmlns:p14="http://schemas.microsoft.com/office/powerpoint/2010/main" val="866989918"/>
-      </p:ext>
-    </p:extLst>
-  </p:cSld>
-  <p:clrMapOvr>
-    <a:masterClrMapping/>
-  </p:clrMapOvr>
-  <p:timing>
-    <p:tnLst>
-      <p:par>
-        <p:cTn id="1" dur="indefinite" restart="never" nodeType="tmRoot">
-          <p:childTnLst>
-            <p:seq concurrent="1" nextAc="seek">
-              <p:cTn id="2" dur="indefinite" nodeType="mainSeq">
-                <p:childTnLst>
-                  <p:par>
-                    <p:cTn id="3" fill="hold">
-                      <p:stCondLst>
-                        <p:cond delay="indefinite"/>
-                      </p:stCondLst>
-                      <p:childTnLst>
-                        <p:par>
-                          <p:cTn id="4" fill="hold">
-                            <p:stCondLst>
-                              <p:cond delay="0"/>
-                            </p:stCondLst>
-                            <p:childTnLst>
-                              <p:par>
-                                <p:cTn id="5" presetID="1" presetClass="entr" presetSubtype="0" fill="hold" grpId="0" nodeType="clickEffect">
-                                  <p:stCondLst>
-                                    <p:cond delay="0"/>
-                                  </p:stCondLst>
-                                  <p:childTnLst>
-                                    <p:set>
-                                      <p:cBhvr>
-                                        <p:cTn id="6" dur="1" fill="hold">
-                                          <p:stCondLst>
-                                            <p:cond delay="0"/>
-                                          </p:stCondLst>
-                                        </p:cTn>
-                                        <p:tgtEl>
-                                          <p:spTgt spid="4">
-                                            <p:txEl>
-                                              <p:pRg st="0" end="0"/>
-                                            </p:txEl>
-                                          </p:spTgt>
-                                        </p:tgtEl>
-                                        <p:attrNameLst>
-                                          <p:attrName>style.visibility</p:attrName>
-                                        </p:attrNameLst>
-                                      </p:cBhvr>
-                                      <p:to>
-                                        <p:strVal val="visible"/>
-                                      </p:to>
-                                    </p:set>
-                                  </p:childTnLst>
-                                </p:cTn>
-                              </p:par>
-                            </p:childTnLst>
-                          </p:cTn>
-                        </p:par>
-                      </p:childTnLst>
-                    </p:cTn>
-                  </p:par>
-                  <p:par>
-                    <p:cTn id="7" fill="hold">
-                      <p:stCondLst>
-                        <p:cond delay="indefinite"/>
-                      </p:stCondLst>
-                      <p:childTnLst>
-                        <p:par>
-                          <p:cTn id="8" fill="hold">
-                            <p:stCondLst>
-                              <p:cond delay="0"/>
-                            </p:stCondLst>
-                            <p:childTnLst>
-                              <p:par>
-                                <p:cTn id="9" presetID="1" presetClass="entr" presetSubtype="0" fill="hold" grpId="0" nodeType="clickEffect">
-                                  <p:stCondLst>
-                                    <p:cond delay="0"/>
-                                  </p:stCondLst>
-                                  <p:childTnLst>
-                                    <p:set>
-                                      <p:cBhvr>
-                                        <p:cTn id="10" dur="1" fill="hold">
-                                          <p:stCondLst>
-                                            <p:cond delay="0"/>
-                                          </p:stCondLst>
-                                        </p:cTn>
-                                        <p:tgtEl>
-                                          <p:spTgt spid="4">
-                                            <p:txEl>
-                                              <p:pRg st="1" end="1"/>
-                                            </p:txEl>
-                                          </p:spTgt>
-                                        </p:tgtEl>
-                                        <p:attrNameLst>
-                                          <p:attrName>style.visibility</p:attrName>
-                                        </p:attrNameLst>
-                                      </p:cBhvr>
-                                      <p:to>
-                                        <p:strVal val="visible"/>
-                                      </p:to>
-                                    </p:set>
-                                  </p:childTnLst>
-                                </p:cTn>
-                              </p:par>
-                              <p:par>
-                                <p:cTn id="11" presetID="1" presetClass="entr" presetSubtype="0" fill="hold" grpId="0" nodeType="withEffect">
-                                  <p:stCondLst>
-                                    <p:cond delay="0"/>
-                                  </p:stCondLst>
-                                  <p:childTnLst>
-                                    <p:set>
-                                      <p:cBhvr>
-                                        <p:cTn id="12" dur="1" fill="hold">
-                                          <p:stCondLst>
-                                            <p:cond delay="0"/>
-                                          </p:stCondLst>
-                                        </p:cTn>
-                                        <p:tgtEl>
-                                          <p:spTgt spid="4">
-                                            <p:txEl>
-                                              <p:pRg st="2" end="2"/>
-                                            </p:txEl>
-                                          </p:spTgt>
-                                        </p:tgtEl>
-                                        <p:attrNameLst>
-                                          <p:attrName>style.visibility</p:attrName>
-                                        </p:attrNameLst>
-                                      </p:cBhvr>
-                                      <p:to>
-                                        <p:strVal val="visible"/>
-                                      </p:to>
-                                    </p:set>
-                                  </p:childTnLst>
-                                </p:cTn>
-                              </p:par>
-                              <p:par>
-                                <p:cTn id="13" presetID="1" presetClass="entr" presetSubtype="0" fill="hold" grpId="0" nodeType="withEffect">
-                                  <p:stCondLst>
-                                    <p:cond delay="0"/>
-                                  </p:stCondLst>
-                                  <p:childTnLst>
-                                    <p:set>
-                                      <p:cBhvr>
-                                        <p:cTn id="14" dur="1" fill="hold">
-                                          <p:stCondLst>
-                                            <p:cond delay="0"/>
-                                          </p:stCondLst>
-                                        </p:cTn>
-                                        <p:tgtEl>
-                                          <p:spTgt spid="4">
-                                            <p:txEl>
-                                              <p:pRg st="3" end="3"/>
-                                            </p:txEl>
-                                          </p:spTgt>
-                                        </p:tgtEl>
-                                        <p:attrNameLst>
-                                          <p:attrName>style.visibility</p:attrName>
-                                        </p:attrNameLst>
-                                      </p:cBhvr>
-                                      <p:to>
-                                        <p:strVal val="visible"/>
-                                      </p:to>
-                                    </p:set>
-                                  </p:childTnLst>
-                                </p:cTn>
-                              </p:par>
-                              <p:par>
-                                <p:cTn id="15" presetID="1" presetClass="entr" presetSubtype="0" fill="hold" grpId="0" nodeType="withEffect">
-                                  <p:stCondLst>
-                                    <p:cond delay="0"/>
-                                  </p:stCondLst>
-                                  <p:childTnLst>
-                                    <p:set>
-                                      <p:cBhvr>
-                                        <p:cTn id="16" dur="1" fill="hold">
-                                          <p:stCondLst>
-                                            <p:cond delay="0"/>
-                                          </p:stCondLst>
-                                        </p:cTn>
-                                        <p:tgtEl>
-                                          <p:spTgt spid="4">
-                                            <p:txEl>
-                                              <p:pRg st="4" end="4"/>
-                                            </p:txEl>
-                                          </p:spTgt>
-                                        </p:tgtEl>
-                                        <p:attrNameLst>
-                                          <p:attrName>style.visibility</p:attrName>
-                                        </p:attrNameLst>
-                                      </p:cBhvr>
-                                      <p:to>
-                                        <p:strVal val="visible"/>
-                                      </p:to>
-                                    </p:set>
-                                  </p:childTnLst>
-                                </p:cTn>
-                              </p:par>
-                            </p:childTnLst>
-                          </p:cTn>
-                        </p:par>
-                      </p:childTnLst>
-                    </p:cTn>
-                  </p:par>
-                  <p:par>
-                    <p:cTn id="17" fill="hold">
-                      <p:stCondLst>
-                        <p:cond delay="indefinite"/>
-                      </p:stCondLst>
-                      <p:childTnLst>
-                        <p:par>
-                          <p:cTn id="18" fill="hold">
-                            <p:stCondLst>
-                              <p:cond delay="0"/>
-                            </p:stCondLst>
-                            <p:childTnLst>
-                              <p:par>
-                                <p:cTn id="19" presetID="1" presetClass="entr" presetSubtype="0" fill="hold" grpId="0" nodeType="clickEffect">
-                                  <p:stCondLst>
-                                    <p:cond delay="0"/>
-                                  </p:stCondLst>
-                                  <p:childTnLst>
-                                    <p:set>
-                                      <p:cBhvr>
-                                        <p:cTn id="20" dur="1" fill="hold">
-                                          <p:stCondLst>
-                                            <p:cond delay="0"/>
-                                          </p:stCondLst>
-                                        </p:cTn>
-                                        <p:tgtEl>
-                                          <p:spTgt spid="4">
-                                            <p:txEl>
-                                              <p:pRg st="5" end="5"/>
-                                            </p:txEl>
-                                          </p:spTgt>
-                                        </p:tgtEl>
-                                        <p:attrNameLst>
-                                          <p:attrName>style.visibility</p:attrName>
-                                        </p:attrNameLst>
-                                      </p:cBhvr>
-                                      <p:to>
-                                        <p:strVal val="visible"/>
-                                      </p:to>
-                                    </p:set>
-                                  </p:childTnLst>
-                                </p:cTn>
-                              </p:par>
-                              <p:par>
-                                <p:cTn id="21" presetID="1" presetClass="entr" presetSubtype="0" fill="hold" grpId="0" nodeType="withEffect">
-                                  <p:stCondLst>
-                                    <p:cond delay="0"/>
-                                  </p:stCondLst>
-                                  <p:childTnLst>
-                                    <p:set>
-                                      <p:cBhvr>
-                                        <p:cTn id="22" dur="1" fill="hold">
-                                          <p:stCondLst>
-                                            <p:cond delay="0"/>
-                                          </p:stCondLst>
-                                        </p:cTn>
-                                        <p:tgtEl>
-                                          <p:spTgt spid="4">
-                                            <p:txEl>
-                                              <p:pRg st="6" end="6"/>
-                                            </p:txEl>
-                                          </p:spTgt>
-                                        </p:tgtEl>
-                                        <p:attrNameLst>
-                                          <p:attrName>style.visibility</p:attrName>
-                                        </p:attrNameLst>
-                                      </p:cBhvr>
-                                      <p:to>
-                                        <p:strVal val="visible"/>
-                                      </p:to>
-                                    </p:set>
-                                  </p:childTnLst>
-                                </p:cTn>
-                              </p:par>
-                              <p:par>
-                                <p:cTn id="23" presetID="1" presetClass="entr" presetSubtype="0" fill="hold" grpId="0" nodeType="withEffect">
-                                  <p:stCondLst>
-                                    <p:cond delay="0"/>
-                                  </p:stCondLst>
-                                  <p:childTnLst>
-                                    <p:set>
-                                      <p:cBhvr>
-                                        <p:cTn id="24" dur="1" fill="hold">
-                                          <p:stCondLst>
-                                            <p:cond delay="0"/>
-                                          </p:stCondLst>
-                                        </p:cTn>
-                                        <p:tgtEl>
-                                          <p:spTgt spid="4">
-                                            <p:txEl>
-                                              <p:pRg st="7" end="7"/>
-                                            </p:txEl>
-                                          </p:spTgt>
-                                        </p:tgtEl>
-                                        <p:attrNameLst>
-                                          <p:attrName>style.visibility</p:attrName>
-                                        </p:attrNameLst>
-                                      </p:cBhvr>
-                                      <p:to>
-                                        <p:strVal val="visible"/>
-                                      </p:to>
-                                    </p:set>
-                                  </p:childTnLst>
-                                </p:cTn>
-                              </p:par>
-                            </p:childTnLst>
-                          </p:cTn>
-                        </p:par>
-                      </p:childTnLst>
-                    </p:cTn>
-                  </p:par>
-                  <p:par>
-                    <p:cTn id="25" fill="hold">
-                      <p:stCondLst>
-                        <p:cond delay="indefinite"/>
-                      </p:stCondLst>
-                      <p:childTnLst>
-                        <p:par>
-                          <p:cTn id="26" fill="hold">
-                            <p:stCondLst>
-                              <p:cond delay="0"/>
-                            </p:stCondLst>
-                            <p:childTnLst>
-                              <p:par>
-                                <p:cTn id="27" presetID="1" presetClass="entr" presetSubtype="0" fill="hold" grpId="0" nodeType="clickEffect">
-                                  <p:stCondLst>
-                                    <p:cond delay="0"/>
-                                  </p:stCondLst>
-                                  <p:childTnLst>
-                                    <p:set>
-                                      <p:cBhvr>
-                                        <p:cTn id="28" dur="1" fill="hold">
-                                          <p:stCondLst>
-                                            <p:cond delay="0"/>
-                                          </p:stCondLst>
-                                        </p:cTn>
-                                        <p:tgtEl>
-                                          <p:spTgt spid="4">
-                                            <p:txEl>
-                                              <p:pRg st="8" end="8"/>
-                                            </p:txEl>
-                                          </p:spTgt>
-                                        </p:tgtEl>
-                                        <p:attrNameLst>
-                                          <p:attrName>style.visibility</p:attrName>
-                                        </p:attrNameLst>
-                                      </p:cBhvr>
-                                      <p:to>
-                                        <p:strVal val="visible"/>
-                                      </p:to>
-                                    </p:set>
-                                  </p:childTnLst>
-                                </p:cTn>
-                              </p:par>
-                              <p:par>
-                                <p:cTn id="29" presetID="1" presetClass="entr" presetSubtype="0" fill="hold" grpId="0" nodeType="withEffect">
-                                  <p:stCondLst>
-                                    <p:cond delay="0"/>
-                                  </p:stCondLst>
-                                  <p:childTnLst>
-                                    <p:set>
-                                      <p:cBhvr>
-                                        <p:cTn id="30" dur="1" fill="hold">
-                                          <p:stCondLst>
-                                            <p:cond delay="0"/>
-                                          </p:stCondLst>
-                                        </p:cTn>
-                                        <p:tgtEl>
-                                          <p:spTgt spid="4">
-                                            <p:txEl>
-                                              <p:pRg st="9" end="9"/>
-                                            </p:txEl>
-                                          </p:spTgt>
-                                        </p:tgtEl>
-                                        <p:attrNameLst>
-                                          <p:attrName>style.visibility</p:attrName>
-                                        </p:attrNameLst>
-                                      </p:cBhvr>
-                                      <p:to>
-                                        <p:strVal val="visible"/>
-                                      </p:to>
-                                    </p:set>
-                                  </p:childTnLst>
-                                </p:cTn>
-                              </p:par>
-                              <p:par>
-                                <p:cTn id="31" presetID="1" presetClass="entr" presetSubtype="0" fill="hold" grpId="0" nodeType="withEffect">
-                                  <p:stCondLst>
-                                    <p:cond delay="0"/>
-                                  </p:stCondLst>
-                                  <p:childTnLst>
-                                    <p:set>
-                                      <p:cBhvr>
-                                        <p:cTn id="32" dur="1" fill="hold">
-                                          <p:stCondLst>
-                                            <p:cond delay="0"/>
-                                          </p:stCondLst>
-                                        </p:cTn>
-                                        <p:tgtEl>
-                                          <p:spTgt spid="4">
-                                            <p:txEl>
-                                              <p:pRg st="10" end="10"/>
-                                            </p:txEl>
-                                          </p:spTgt>
-                                        </p:tgtEl>
-                                        <p:attrNameLst>
-                                          <p:attrName>style.visibility</p:attrName>
-                                        </p:attrNameLst>
-                                      </p:cBhvr>
-                                      <p:to>
-                                        <p:strVal val="visible"/>
-                                      </p:to>
-                                    </p:set>
-                                  </p:childTnLst>
-                                </p:cTn>
-                              </p:par>
-                              <p:par>
-                                <p:cTn id="33" presetID="1" presetClass="entr" presetSubtype="0" fill="hold" grpId="0" nodeType="withEffect">
-                                  <p:stCondLst>
-                                    <p:cond delay="0"/>
-                                  </p:stCondLst>
-                                  <p:childTnLst>
-                                    <p:set>
-                                      <p:cBhvr>
-                                        <p:cTn id="34" dur="1" fill="hold">
-                                          <p:stCondLst>
-                                            <p:cond delay="0"/>
-                                          </p:stCondLst>
-                                        </p:cTn>
-                                        <p:tgtEl>
-                                          <p:spTgt spid="4">
-                                            <p:txEl>
-                                              <p:pRg st="11" end="11"/>
-                                            </p:txEl>
-                                          </p:spTgt>
-                                        </p:tgtEl>
-                                        <p:attrNameLst>
-                                          <p:attrName>style.visibility</p:attrName>
-                                        </p:attrNameLst>
-                                      </p:cBhvr>
-                                      <p:to>
-                                        <p:strVal val="visible"/>
-                                      </p:to>
-                                    </p:set>
-                                  </p:childTnLst>
-                                </p:cTn>
-                              </p:par>
-                            </p:childTnLst>
-                          </p:cTn>
-                        </p:par>
-                      </p:childTnLst>
-                    </p:cTn>
-                  </p:par>
-                  <p:par>
-                    <p:cTn id="35" fill="hold">
-                      <p:stCondLst>
-                        <p:cond delay="indefinite"/>
-                      </p:stCondLst>
-                      <p:childTnLst>
-                        <p:par>
-                          <p:cTn id="36" fill="hold">
-                            <p:stCondLst>
-                              <p:cond delay="0"/>
-                            </p:stCondLst>
-                            <p:childTnLst>
-                              <p:par>
-                                <p:cTn id="37" presetID="1" presetClass="entr" presetSubtype="0" fill="hold" grpId="0" nodeType="clickEffect">
-                                  <p:stCondLst>
-                                    <p:cond delay="0"/>
-                                  </p:stCondLst>
-                                  <p:childTnLst>
-                                    <p:set>
-                                      <p:cBhvr>
-                                        <p:cTn id="38" dur="1" fill="hold">
-                                          <p:stCondLst>
-                                            <p:cond delay="0"/>
-                                          </p:stCondLst>
-                                        </p:cTn>
-                                        <p:tgtEl>
-                                          <p:spTgt spid="4">
-                                            <p:txEl>
-                                              <p:pRg st="12" end="12"/>
-                                            </p:txEl>
-                                          </p:spTgt>
-                                        </p:tgtEl>
-                                        <p:attrNameLst>
-                                          <p:attrName>style.visibility</p:attrName>
-                                        </p:attrNameLst>
-                                      </p:cBhvr>
-                                      <p:to>
-                                        <p:strVal val="visible"/>
-                                      </p:to>
-                                    </p:set>
-                                  </p:childTnLst>
-                                </p:cTn>
-                              </p:par>
-                              <p:par>
-                                <p:cTn id="39" presetID="1" presetClass="entr" presetSubtype="0" fill="hold" grpId="0" nodeType="withEffect">
-                                  <p:stCondLst>
-                                    <p:cond delay="0"/>
-                                  </p:stCondLst>
-                                  <p:childTnLst>
-                                    <p:set>
-                                      <p:cBhvr>
-                                        <p:cTn id="40" dur="1" fill="hold">
-                                          <p:stCondLst>
-                                            <p:cond delay="0"/>
-                                          </p:stCondLst>
-                                        </p:cTn>
-                                        <p:tgtEl>
-                                          <p:spTgt spid="4">
-                                            <p:txEl>
-                                              <p:pRg st="13" end="13"/>
-                                            </p:txEl>
-                                          </p:spTgt>
-                                        </p:tgtEl>
-                                        <p:attrNameLst>
-                                          <p:attrName>style.visibility</p:attrName>
-                                        </p:attrNameLst>
-                                      </p:cBhvr>
-                                      <p:to>
-                                        <p:strVal val="visible"/>
-                                      </p:to>
-                                    </p:set>
-                                  </p:childTnLst>
-                                </p:cTn>
-                              </p:par>
-                              <p:par>
-                                <p:cTn id="41" presetID="1" presetClass="entr" presetSubtype="0" fill="hold" grpId="0" nodeType="withEffect">
-                                  <p:stCondLst>
-                                    <p:cond delay="0"/>
-                                  </p:stCondLst>
-                                  <p:childTnLst>
-                                    <p:set>
-                                      <p:cBhvr>
-                                        <p:cTn id="42" dur="1" fill="hold">
-                                          <p:stCondLst>
-                                            <p:cond delay="0"/>
-                                          </p:stCondLst>
-                                        </p:cTn>
-                                        <p:tgtEl>
-                                          <p:spTgt spid="4">
-                                            <p:txEl>
-                                              <p:pRg st="14" end="14"/>
-                                            </p:txEl>
-                                          </p:spTgt>
-                                        </p:tgtEl>
-                                        <p:attrNameLst>
-                                          <p:attrName>style.visibility</p:attrName>
-                                        </p:attrNameLst>
-                                      </p:cBhvr>
-                                      <p:to>
-                                        <p:strVal val="visible"/>
-                                      </p:to>
-                                    </p:set>
-                                  </p:childTnLst>
-                                </p:cTn>
-                              </p:par>
-                            </p:childTnLst>
-                          </p:cTn>
-                        </p:par>
-                      </p:childTnLst>
-                    </p:cTn>
-                  </p:par>
-                </p:childTnLst>
-              </p:cTn>
-              <p:prevCondLst>
-                <p:cond evt="onPrev" delay="0">
-                  <p:tgtEl>
-                    <p:sldTgt/>
-                  </p:tgtEl>
-                </p:cond>
-              </p:prevCondLst>
-              <p:nextCondLst>
-                <p:cond evt="onNext" delay="0">
-                  <p:tgtEl>
-                    <p:sldTgt/>
-                  </p:tgtEl>
-                </p:cond>
-              </p:nextCondLst>
-            </p:seq>
-          </p:childTnLst>
-        </p:cTn>
-      </p:par>
-    </p:tnLst>
-    <p:bldLst>
-      <p:bldP spid="4" grpId="0" build="p"/>
-    </p:bldLst>
-  </p:timing>
-</p:sld>
-</file>
-
-<file path=ppt/slides/slide6.xml><?xml version="1.0" encoding="utf-8"?>
-<p:sld xmlns:a="http://schemas.openxmlformats.org/drawingml/2006/main" xmlns:r="http://schemas.openxmlformats.org/officeDocument/2006/relationships" xmlns:p="http://schemas.openxmlformats.org/presentationml/2006/main">
-  <p:cSld>
-    <p:spTree>
-      <p:nvGrpSpPr>
-        <p:cNvPr id="1" name="">
-          <a:extLst>
-            <a:ext uri="{FF2B5EF4-FFF2-40B4-BE49-F238E27FC236}">
-              <a16:creationId xmlns:a16="http://schemas.microsoft.com/office/drawing/2014/main" id="{A55A841B-20BF-D467-06E8-DAB3797F89BD}"/>
-            </a:ext>
-          </a:extLst>
-        </p:cNvPr>
-        <p:cNvGrpSpPr/>
-        <p:nvPr/>
-      </p:nvGrpSpPr>
-      <p:grpSpPr>
-        <a:xfrm>
-          <a:off x="0" y="0"/>
-          <a:ext cx="0" cy="0"/>
-          <a:chOff x="0" y="0"/>
-          <a:chExt cx="0" cy="0"/>
-        </a:xfrm>
-      </p:grpSpPr>
-      <p:sp>
-        <p:nvSpPr>
-          <p:cNvPr id="2" name="Title 1">
-            <a:extLst>
-              <a:ext uri="{FF2B5EF4-FFF2-40B4-BE49-F238E27FC236}">
-                <a16:creationId xmlns:a16="http://schemas.microsoft.com/office/drawing/2014/main" id="{5450DA01-7745-5752-C8CA-CAD6D8D513E9}"/>
-              </a:ext>
-            </a:extLst>
-          </p:cNvPr>
-          <p:cNvSpPr>
-            <a:spLocks noGrp="1"/>
-          </p:cNvSpPr>
-          <p:nvPr>
-            <p:ph type="title"/>
-          </p:nvPr>
-        </p:nvSpPr>
-        <p:spPr/>
-        <p:txBody>
-          <a:bodyPr/>
-          <a:lstStyle/>
-          <a:p>
-            <a:r>
-              <a:rPr lang="en-AU" b="1" dirty="0"/>
-              <a:t>Potential Limitations of the current </a:t>
-            </a:r>
-            <a:r>
-              <a:rPr lang="en-AU" b="1" dirty="0" err="1"/>
-              <a:t>LayoutLM</a:t>
-            </a:r>
-            <a:r>
-              <a:rPr lang="en-AU" b="1" dirty="0"/>
-              <a:t> IE at the ATO</a:t>
-            </a:r>
-            <a:endParaRPr lang="en-AU" dirty="0"/>
-          </a:p>
-        </p:txBody>
-      </p:sp>
-      <p:sp>
-        <p:nvSpPr>
-          <p:cNvPr id="3" name="Content Placeholder 2">
-            <a:extLst>
-              <a:ext uri="{FF2B5EF4-FFF2-40B4-BE49-F238E27FC236}">
-                <a16:creationId xmlns:a16="http://schemas.microsoft.com/office/drawing/2014/main" id="{B6DC9C67-4E51-9411-8884-2BFC126BFDDC}"/>
-              </a:ext>
-            </a:extLst>
-          </p:cNvPr>
-          <p:cNvSpPr>
-            <a:spLocks noGrp="1"/>
-          </p:cNvSpPr>
-          <p:nvPr>
-            <p:ph idx="1"/>
-          </p:nvPr>
-        </p:nvSpPr>
-        <p:spPr>
-          <a:xfrm>
-            <a:off x="838200" y="2348139"/>
-            <a:ext cx="10515600" cy="3114510"/>
-          </a:xfrm>
-        </p:spPr>
-        <p:txBody>
-          <a:bodyPr>
-            <a:normAutofit fontScale="85000" lnSpcReduction="10000"/>
-          </a:bodyPr>
-          <a:lstStyle/>
-          <a:p>
-            <a:r>
-              <a:rPr lang="en-AU" b="1" dirty="0"/>
-              <a:t>OCR Dependency</a:t>
-            </a:r>
-            <a:r>
-              <a:rPr lang="en-AU" dirty="0"/>
-              <a:t>: "</a:t>
-            </a:r>
-            <a:r>
-              <a:rPr lang="en-AU" dirty="0" err="1"/>
-              <a:t>LayoutLM</a:t>
-            </a:r>
-            <a:r>
-              <a:rPr lang="en-AU" dirty="0"/>
-              <a:t> makes use of the Tesseract library for text extraction, which is not very accurate" (</a:t>
-            </a:r>
-            <a:r>
-              <a:rPr lang="en-AU" dirty="0" err="1"/>
-              <a:t>Nitor</a:t>
-            </a:r>
-            <a:r>
-              <a:rPr lang="en-AU" dirty="0"/>
-              <a:t> Infotech, 2024)</a:t>
-            </a:r>
-          </a:p>
-          <a:p>
-            <a:r>
-              <a:rPr lang="en-AU" b="1" dirty="0"/>
-              <a:t>Computational Intensity</a:t>
-            </a:r>
-            <a:r>
-              <a:rPr lang="en-AU" dirty="0"/>
-              <a:t>: "Training and fine-tuning </a:t>
-            </a:r>
-            <a:r>
-              <a:rPr lang="en-AU" dirty="0" err="1"/>
-              <a:t>LayoutLM</a:t>
-            </a:r>
-            <a:r>
-              <a:rPr lang="en-AU" dirty="0"/>
-              <a:t> models can be computationally intensive and require significant resources" (UBIAI, 2024)</a:t>
-            </a:r>
-          </a:p>
-          <a:p>
-            <a:r>
-              <a:rPr lang="en-AU" b="1" dirty="0"/>
-              <a:t>Domain Specificity</a:t>
-            </a:r>
-            <a:r>
-              <a:rPr lang="en-AU" dirty="0"/>
-              <a:t>: "May require additional fine-tuning and customization for domain-specific applications" (Medium, 2024)</a:t>
-            </a:r>
-          </a:p>
-          <a:p>
-            <a:r>
-              <a:rPr lang="en-AU" b="1" dirty="0"/>
-              <a:t>Complex Layout Handling</a:t>
-            </a:r>
-            <a:r>
-              <a:rPr lang="en-AU" dirty="0"/>
-              <a:t>: "Traditional OCR systems encounter difficulties with complex layouts, multi-modal content" (</a:t>
-            </a:r>
-            <a:r>
-              <a:rPr lang="en-AU" dirty="0" err="1"/>
-              <a:t>DocuClipper</a:t>
-            </a:r>
-            <a:r>
-              <a:rPr lang="en-AU" dirty="0"/>
-              <a:t>, 2024)</a:t>
-            </a:r>
-          </a:p>
-        </p:txBody>
-      </p:sp>
-    </p:spTree>
-    <p:extLst>
-      <p:ext uri="{BB962C8B-B14F-4D97-AF65-F5344CB8AC3E}">
-        <p14:creationId xmlns:p14="http://schemas.microsoft.com/office/powerpoint/2010/main" val="360656125"/>
-      </p:ext>
-    </p:extLst>
-  </p:cSld>
-  <p:clrMapOvr>
-    <a:masterClrMapping/>
-  </p:clrMapOvr>
-  <p:timing>
-    <p:tnLst>
-      <p:par>
-        <p:cTn id="1" dur="indefinite" restart="never" nodeType="tmRoot">
-          <p:childTnLst>
-            <p:seq concurrent="1" nextAc="seek">
-              <p:cTn id="2" dur="indefinite" nodeType="mainSeq">
-                <p:childTnLst>
-                  <p:par>
-                    <p:cTn id="3" fill="hold">
-                      <p:stCondLst>
-                        <p:cond delay="indefinite"/>
-                      </p:stCondLst>
-                      <p:childTnLst>
-                        <p:par>
-                          <p:cTn id="4" fill="hold">
-                            <p:stCondLst>
-                              <p:cond delay="0"/>
-                            </p:stCondLst>
-                            <p:childTnLst>
-                              <p:par>
-                                <p:cTn id="5" presetID="1" presetClass="entr" presetSubtype="0" fill="hold" grpId="0" nodeType="clickEffect">
-                                  <p:stCondLst>
-                                    <p:cond delay="0"/>
-                                  </p:stCondLst>
-                                  <p:childTnLst>
-                                    <p:set>
-                                      <p:cBhvr>
-                                        <p:cTn id="6" dur="1" fill="hold">
-                                          <p:stCondLst>
-                                            <p:cond delay="0"/>
-                                          </p:stCondLst>
-                                        </p:cTn>
-                                        <p:tgtEl>
-                                          <p:spTgt spid="3">
-                                            <p:txEl>
-                                              <p:pRg st="0" end="0"/>
-                                            </p:txEl>
-                                          </p:spTgt>
-                                        </p:tgtEl>
-                                        <p:attrNameLst>
-                                          <p:attrName>style.visibility</p:attrName>
-                                        </p:attrNameLst>
-                                      </p:cBhvr>
-                                      <p:to>
-                                        <p:strVal val="visible"/>
-                                      </p:to>
-                                    </p:set>
-                                  </p:childTnLst>
-                                </p:cTn>
-                              </p:par>
-                            </p:childTnLst>
-                          </p:cTn>
-                        </p:par>
-                      </p:childTnLst>
-                    </p:cTn>
-                  </p:par>
-                  <p:par>
-                    <p:cTn id="7" fill="hold">
-                      <p:stCondLst>
-                        <p:cond delay="indefinite"/>
-                      </p:stCondLst>
-                      <p:childTnLst>
-                        <p:par>
-                          <p:cTn id="8" fill="hold">
-                            <p:stCondLst>
-                              <p:cond delay="0"/>
-                            </p:stCondLst>
-                            <p:childTnLst>
-                              <p:par>
-                                <p:cTn id="9" presetID="1" presetClass="entr" presetSubtype="0" fill="hold" grpId="0" nodeType="clickEffect">
-                                  <p:stCondLst>
-                                    <p:cond delay="0"/>
-                                  </p:stCondLst>
-                                  <p:childTnLst>
-                                    <p:set>
-                                      <p:cBhvr>
-                                        <p:cTn id="10" dur="1" fill="hold">
-                                          <p:stCondLst>
-                                            <p:cond delay="0"/>
-                                          </p:stCondLst>
-                                        </p:cTn>
-                                        <p:tgtEl>
-                                          <p:spTgt spid="3">
-                                            <p:txEl>
-                                              <p:pRg st="1" end="1"/>
-                                            </p:txEl>
-                                          </p:spTgt>
-                                        </p:tgtEl>
-                                        <p:attrNameLst>
-                                          <p:attrName>style.visibility</p:attrName>
-                                        </p:attrNameLst>
-                                      </p:cBhvr>
-                                      <p:to>
-                                        <p:strVal val="visible"/>
-                                      </p:to>
-                                    </p:set>
-                                  </p:childTnLst>
-                                </p:cTn>
-                              </p:par>
-                            </p:childTnLst>
-                          </p:cTn>
-                        </p:par>
-                      </p:childTnLst>
-                    </p:cTn>
-                  </p:par>
-                  <p:par>
-                    <p:cTn id="11" fill="hold">
-                      <p:stCondLst>
-                        <p:cond delay="indefinite"/>
-                      </p:stCondLst>
-                      <p:childTnLst>
-                        <p:par>
-                          <p:cTn id="12" fill="hold">
-                            <p:stCondLst>
-                              <p:cond delay="0"/>
-                            </p:stCondLst>
-                            <p:childTnLst>
-                              <p:par>
-                                <p:cTn id="13" presetID="1" presetClass="entr" presetSubtype="0" fill="hold" grpId="0" nodeType="clickEffect">
-                                  <p:stCondLst>
-                                    <p:cond delay="0"/>
-                                  </p:stCondLst>
-                                  <p:childTnLst>
-                                    <p:set>
-                                      <p:cBhvr>
-                                        <p:cTn id="14" dur="1" fill="hold">
-                                          <p:stCondLst>
-                                            <p:cond delay="0"/>
-                                          </p:stCondLst>
-                                        </p:cTn>
-                                        <p:tgtEl>
-                                          <p:spTgt spid="3">
-                                            <p:txEl>
-                                              <p:pRg st="2" end="2"/>
-                                            </p:txEl>
-                                          </p:spTgt>
-                                        </p:tgtEl>
-                                        <p:attrNameLst>
-                                          <p:attrName>style.visibility</p:attrName>
-                                        </p:attrNameLst>
-                                      </p:cBhvr>
-                                      <p:to>
-                                        <p:strVal val="visible"/>
-                                      </p:to>
-                                    </p:set>
-                                  </p:childTnLst>
-                                </p:cTn>
-                              </p:par>
-                            </p:childTnLst>
-                          </p:cTn>
-                        </p:par>
-                      </p:childTnLst>
-                    </p:cTn>
-                  </p:par>
-                  <p:par>
-                    <p:cTn id="15" fill="hold">
-                      <p:stCondLst>
-                        <p:cond delay="indefinite"/>
-                      </p:stCondLst>
-                      <p:childTnLst>
-                        <p:par>
-                          <p:cTn id="16" fill="hold">
-                            <p:stCondLst>
-                              <p:cond delay="0"/>
-                            </p:stCondLst>
-                            <p:childTnLst>
-                              <p:par>
-                                <p:cTn id="17" presetID="1" presetClass="entr" presetSubtype="0" fill="hold" grpId="0" nodeType="clickEffect">
-                                  <p:stCondLst>
-                                    <p:cond delay="0"/>
-                                  </p:stCondLst>
-                                  <p:childTnLst>
-                                    <p:set>
-                                      <p:cBhvr>
-                                        <p:cTn id="18" dur="1" fill="hold">
-                                          <p:stCondLst>
-                                            <p:cond delay="0"/>
-                                          </p:stCondLst>
-                                        </p:cTn>
-                                        <p:tgtEl>
-                                          <p:spTgt spid="3">
-                                            <p:txEl>
-                                              <p:pRg st="3" end="3"/>
-                                            </p:txEl>
-                                          </p:spTgt>
-                                        </p:tgtEl>
-                                        <p:attrNameLst>
-                                          <p:attrName>style.visibility</p:attrName>
-                                        </p:attrNameLst>
-                                      </p:cBhvr>
-                                      <p:to>
-                                        <p:strVal val="visible"/>
-                                      </p:to>
-                                    </p:set>
-                                  </p:childTnLst>
-                                </p:cTn>
-                              </p:par>
-                            </p:childTnLst>
-                          </p:cTn>
-                        </p:par>
-                      </p:childTnLst>
-                    </p:cTn>
-                  </p:par>
-                </p:childTnLst>
-              </p:cTn>
-              <p:prevCondLst>
-                <p:cond evt="onPrev" delay="0">
-                  <p:tgtEl>
-                    <p:sldTgt/>
-                  </p:tgtEl>
-                </p:cond>
-              </p:prevCondLst>
-              <p:nextCondLst>
-                <p:cond evt="onNext" delay="0">
-                  <p:tgtEl>
-                    <p:sldTgt/>
-                  </p:tgtEl>
-                </p:cond>
-              </p:nextCondLst>
-            </p:seq>
-          </p:childTnLst>
-        </p:cTn>
-      </p:par>
-    </p:tnLst>
-    <p:bldLst>
-      <p:bldP spid="3" grpId="0" build="p"/>
-    </p:bldLst>
-  </p:timing>
-</p:sld>
-</file>
-
 <file path=ppt/slides/slide7.xml><?xml version="1.0" encoding="utf-8"?>
 <p:sld xmlns:a="http://schemas.openxmlformats.org/drawingml/2006/main" xmlns:r="http://schemas.openxmlformats.org/officeDocument/2006/relationships" xmlns:p="http://schemas.openxmlformats.org/presentationml/2006/main">
   <p:cSld>
@@ -14605,7 +13559,7 @@
           <p:cNvPr id="2" name="Title 1">
             <a:extLst>
               <a:ext uri="{FF2B5EF4-FFF2-40B4-BE49-F238E27FC236}">
-                <a16:creationId xmlns:a16="http://schemas.microsoft.com/office/drawing/2014/main" id="{ABD9841B-5EFE-DD2C-D713-27C086AE632C}"/>
+                <a16:creationId xmlns:a16="http://schemas.microsoft.com/office/drawing/2014/main" id="{9B997069-1611-F70C-CC4E-B5F096D69E74}"/>
               </a:ext>
             </a:extLst>
           </p:cNvPr>
@@ -14622,19 +13576,18 @@
           <a:lstStyle/>
           <a:p>
             <a:r>
-              <a:rPr lang="en-AU" b="1" dirty="0"/>
-              <a:t>Why we may need to move on</a:t>
-            </a:r>
-            <a:endParaRPr lang="en-US" dirty="0"/>
+              <a:rPr lang="en-US" dirty="0"/>
+              <a:t>Why this example matters?</a:t>
+            </a:r>
           </a:p>
         </p:txBody>
       </p:sp>
       <p:sp>
         <p:nvSpPr>
-          <p:cNvPr id="3" name="Content Placeholder 2">
+          <p:cNvPr id="4" name="Content Placeholder 3">
             <a:extLst>
               <a:ext uri="{FF2B5EF4-FFF2-40B4-BE49-F238E27FC236}">
-                <a16:creationId xmlns:a16="http://schemas.microsoft.com/office/drawing/2014/main" id="{2B025A52-6771-2960-592E-8BF8EC11E711}"/>
+                <a16:creationId xmlns:a16="http://schemas.microsoft.com/office/drawing/2014/main" id="{6EC3DD09-267F-6B98-DD4A-980B4B973ED2}"/>
               </a:ext>
             </a:extLst>
           </p:cNvPr>
@@ -14642,647 +13595,224 @@
             <a:spLocks noGrp="1"/>
           </p:cNvSpPr>
           <p:nvPr>
-            <p:ph idx="1"/>
-          </p:nvPr>
-        </p:nvSpPr>
-        <p:spPr>
-          <a:xfrm>
-            <a:off x="838200" y="1481241"/>
-            <a:ext cx="10515600" cy="5011634"/>
-          </a:xfrm>
-        </p:spPr>
+            <p:ph sz="half" idx="2"/>
+          </p:nvPr>
+        </p:nvSpPr>
+        <p:spPr/>
         <p:txBody>
           <a:bodyPr>
-            <a:normAutofit fontScale="92500" lnSpcReduction="10000"/>
+            <a:normAutofit fontScale="77500" lnSpcReduction="20000"/>
           </a:bodyPr>
           <a:lstStyle/>
           <a:p>
             <a:r>
               <a:rPr lang="en-AU" b="1" dirty="0"/>
-              <a:t>OCR Dependency</a:t>
-            </a:r>
-            <a:r>
-              <a:rPr lang="en-AU" dirty="0"/>
-              <a:t>: Failures cascade through pipeline</a:t>
-            </a:r>
-          </a:p>
-          <a:p>
-            <a:pPr marL="971550" lvl="1" indent="-514350">
-              <a:buFont typeface="+mj-lt"/>
-              <a:buAutoNum type="arabicPeriod"/>
-            </a:pPr>
+              <a:t>This IS Semantic Understanding</a:t>
+            </a:r>
+            <a:r>
+              <a:rPr lang="en-AU" dirty="0"/>
+              <a:t>:</a:t>
+            </a:r>
+          </a:p>
+          <a:p>
+            <a:r>
+              <a:rPr lang="en-AU" dirty="0"/>
+              <a:t>✅ </a:t>
+            </a:r>
             <a:r>
               <a:rPr lang="en-AU" b="1" dirty="0"/>
-              <a:t>Complex Pipeline</a:t>
-            </a:r>
-            <a:r>
-              <a:rPr lang="en-AU" dirty="0"/>
-              <a:t>: 3+ models to maintain</a:t>
-            </a:r>
-          </a:p>
-          <a:p>
-            <a:pPr marL="971550" lvl="1" indent="-514350">
-              <a:buFont typeface="+mj-lt"/>
-              <a:buAutoNum type="arabicPeriod"/>
-            </a:pPr>
+              <a:t>Document reasoning</a:t>
+            </a:r>
+            <a:r>
+              <a:rPr lang="en-AU" dirty="0"/>
+              <a:t>: Shows complete calculation breakdown</a:t>
+            </a:r>
+          </a:p>
+          <a:p>
+            <a:r>
+              <a:rPr lang="en-AU" dirty="0"/>
+              <a:t>✅ </a:t>
+            </a:r>
             <a:r>
               <a:rPr lang="en-AU" b="1" dirty="0"/>
-              <a:t>Limited Vision</a:t>
-            </a:r>
-            <a:r>
-              <a:rPr lang="en-AU" dirty="0"/>
-              <a:t>: Primarily text-focused</a:t>
-            </a:r>
-          </a:p>
-          <a:p>
-            <a:pPr marL="971550" lvl="1" indent="-514350">
-              <a:buFont typeface="+mj-lt"/>
-              <a:buAutoNum type="arabicPeriod"/>
-            </a:pPr>
+              <a:t>Cross-validation</a:t>
+            </a:r>
+            <a:r>
+              <a:rPr lang="en-AU" dirty="0"/>
+              <a:t>: Verifies totals against line items</a:t>
+            </a:r>
+          </a:p>
+          <a:p>
+            <a:r>
+              <a:rPr lang="en-AU" dirty="0"/>
+              <a:t>✅ </a:t>
+            </a:r>
             <a:r>
               <a:rPr lang="en-AU" b="1" dirty="0"/>
-              <a:t>Coordination Hell</a:t>
-            </a:r>
-            <a:r>
-              <a:rPr lang="en-AU" dirty="0"/>
-              <a:t>: Aligning OCR boxes with images</a:t>
-            </a:r>
-          </a:p>
-          <a:p>
+              <a:t>Audit trail</a:t>
+            </a:r>
+            <a:r>
+              <a:rPr lang="en-AU" dirty="0"/>
+              <a:t>: Explains exactly how it arrived at $31.33</a:t>
+            </a:r>
+          </a:p>
+          <a:p>
+            <a:r>
+              <a:rPr lang="en-AU" dirty="0"/>
+              <a:t>✅ </a:t>
+            </a:r>
             <a:r>
               <a:rPr lang="en-AU" b="1" dirty="0"/>
-              <a:t>Business Impact</a:t>
-            </a:r>
-            <a:r>
-              <a:rPr lang="en-AU" dirty="0"/>
-              <a:t>:</a:t>
-            </a:r>
-          </a:p>
-          <a:p>
-            <a:pPr lvl="1"/>
-            <a:r>
-              <a:rPr lang="en-AU" dirty="0"/>
-              <a:t>Accuracy ceiling: ~70% on complex docs (anywhere in the world!)</a:t>
-            </a:r>
-          </a:p>
-          <a:p>
-            <a:pPr lvl="1"/>
-            <a:r>
-              <a:rPr lang="en-AU" dirty="0"/>
-              <a:t>High maintenance costs</a:t>
-            </a:r>
-          </a:p>
-          <a:p>
-            <a:pPr lvl="1"/>
-            <a:r>
-              <a:rPr lang="en-AU" dirty="0"/>
-              <a:t>OCR licensing fees if using AWS</a:t>
-            </a:r>
-          </a:p>
-          <a:p>
-            <a:pPr lvl="1"/>
-            <a:r>
-              <a:rPr lang="en-AU" dirty="0"/>
-              <a:t>Slow development cycles</a:t>
+              <a:t>Tax intelligence</a:t>
+            </a:r>
+            <a:r>
+              <a:rPr lang="en-AU" dirty="0"/>
+              <a:t>: Understands GST calculations and business context</a:t>
             </a:r>
           </a:p>
           <a:p>
             <a:r>
               <a:rPr lang="en-AU" b="1" dirty="0"/>
-              <a:t>Observed Failure Modes in the current </a:t>
+              <a:t>Why This Matters for Tax Processing</a:t>
+            </a:r>
+            <a:r>
+              <a:rPr lang="en-AU" dirty="0"/>
+              <a:t>: Every extraction comes with built-in verification and reasoning</a:t>
+            </a:r>
+          </a:p>
+          <a:p>
+            <a:br>
+              <a:rPr lang="en-AU" dirty="0"/>
+            </a:br>
+            <a:endParaRPr lang="en-US" dirty="0"/>
+          </a:p>
+        </p:txBody>
+      </p:sp>
+      <p:sp>
+        <p:nvSpPr>
+          <p:cNvPr id="7" name="Content Placeholder 6">
+            <a:extLst>
+              <a:ext uri="{FF2B5EF4-FFF2-40B4-BE49-F238E27FC236}">
+                <a16:creationId xmlns:a16="http://schemas.microsoft.com/office/drawing/2014/main" id="{CBB99136-A25F-938B-3E48-75E15DF98F47}"/>
+              </a:ext>
+            </a:extLst>
+          </p:cNvPr>
+          <p:cNvSpPr>
+            <a:spLocks noGrp="1"/>
+          </p:cNvSpPr>
+          <p:nvPr>
+            <p:ph sz="half" idx="1"/>
+          </p:nvPr>
+        </p:nvSpPr>
+        <p:spPr/>
+        <p:txBody>
+          <a:bodyPr>
+            <a:normAutofit fontScale="77500" lnSpcReduction="20000"/>
+          </a:bodyPr>
+          <a:lstStyle/>
+          <a:p>
+            <a:r>
+              <a:rPr lang="en-AU" b="1" dirty="0"/>
+              <a:t>Key Contrasts with </a:t>
             </a:r>
             <a:r>
               <a:rPr lang="en-AU" b="1" dirty="0" err="1"/>
               <a:t>LayoutLM</a:t>
             </a:r>
             <a:r>
+              <a:rPr lang="en-AU" dirty="0"/>
+              <a:t>:</a:t>
+            </a:r>
+          </a:p>
+          <a:p>
+            <a:r>
+              <a:rPr lang="en-AU" dirty="0"/>
+              <a:t>✅ </a:t>
+            </a:r>
+            <a:r>
               <a:rPr lang="en-AU" b="1" dirty="0"/>
-              <a:t> Annotation PI</a:t>
-            </a:r>
-          </a:p>
-          <a:p>
-            <a:pPr lvl="1"/>
-            <a:r>
-              <a:rPr lang="en-AU" dirty="0"/>
-              <a:t>Invoice with logo → OCR fails → Entire extraction fails</a:t>
-            </a:r>
-          </a:p>
-          <a:p>
-            <a:pPr lvl="1"/>
-            <a:r>
-              <a:rPr lang="en-AU" dirty="0"/>
-              <a:t>Multiple scanned receipts</a:t>
-            </a:r>
-          </a:p>
-          <a:p>
-            <a:pPr lvl="1"/>
-            <a:r>
-              <a:rPr lang="en-AU" dirty="0"/>
-              <a:t>Skewed images</a:t>
-            </a:r>
+              <a:t>No OCR setup</a:t>
+            </a:r>
+            <a:r>
+              <a:rPr lang="en-AU" dirty="0"/>
+              <a:t> (vs complex Tesseract configuration)</a:t>
+            </a:r>
+          </a:p>
+          <a:p>
+            <a:r>
+              <a:rPr lang="en-AU" dirty="0"/>
+              <a:t>✅ </a:t>
+            </a:r>
+            <a:r>
+              <a:rPr lang="en-AU" b="1" dirty="0"/>
+              <a:t>No coordinate processing</a:t>
+            </a:r>
+            <a:r>
+              <a:rPr lang="en-AU" dirty="0"/>
+              <a:t> (or R-CNN feature extraction)</a:t>
+            </a:r>
+          </a:p>
+          <a:p>
+            <a:r>
+              <a:rPr lang="en-AU" dirty="0"/>
+              <a:t>✅ </a:t>
+            </a:r>
+            <a:r>
+              <a:rPr lang="en-AU" b="1" dirty="0"/>
+              <a:t>No multi-model coordination</a:t>
+            </a:r>
+            <a:r>
+              <a:rPr lang="en-AU" dirty="0"/>
+              <a:t> (vs OCR + CNN + </a:t>
+            </a:r>
+            <a:r>
+              <a:rPr lang="en-AU" dirty="0" err="1"/>
+              <a:t>LayoutLM</a:t>
+            </a:r>
+            <a:r>
+              <a:rPr lang="en-AU" dirty="0"/>
+              <a:t> alignment)</a:t>
+            </a:r>
+          </a:p>
+          <a:p>
+            <a:r>
+              <a:rPr lang="en-AU" dirty="0"/>
+              <a:t>✅ </a:t>
+            </a:r>
+            <a:r>
+              <a:rPr lang="en-AU" b="1" dirty="0"/>
+              <a:t>Single end-to-end pipeline</a:t>
+            </a:r>
+            <a:r>
+              <a:rPr lang="en-AU" dirty="0"/>
+              <a:t> (vs 6+ stage pipeline)</a:t>
+            </a:r>
+          </a:p>
+          <a:p>
+            <a:r>
+              <a:rPr lang="en-AU" b="1" dirty="0"/>
+              <a:t>Result</a:t>
+            </a:r>
+            <a:r>
+              <a:rPr lang="en-AU" dirty="0"/>
+              <a:t>: Production-ready tax extraction with minimal code complexity</a:t>
+            </a:r>
+          </a:p>
+          <a:p>
+            <a:endParaRPr lang="en-US" dirty="0"/>
           </a:p>
         </p:txBody>
       </p:sp>
     </p:spTree>
     <p:extLst>
       <p:ext uri="{BB962C8B-B14F-4D97-AF65-F5344CB8AC3E}">
-        <p14:creationId xmlns:p14="http://schemas.microsoft.com/office/powerpoint/2010/main" val="3383397385"/>
+        <p14:creationId xmlns:p14="http://schemas.microsoft.com/office/powerpoint/2010/main" val="205258949"/>
       </p:ext>
     </p:extLst>
   </p:cSld>
   <p:clrMapOvr>
     <a:masterClrMapping/>
   </p:clrMapOvr>
-  <p:timing>
-    <p:tnLst>
-      <p:par>
-        <p:cTn id="1" dur="indefinite" restart="never" nodeType="tmRoot">
-          <p:childTnLst>
-            <p:seq concurrent="1" nextAc="seek">
-              <p:cTn id="2" dur="indefinite" nodeType="mainSeq">
-                <p:childTnLst>
-                  <p:par>
-                    <p:cTn id="3" fill="hold">
-                      <p:stCondLst>
-                        <p:cond delay="indefinite"/>
-                      </p:stCondLst>
-                      <p:childTnLst>
-                        <p:par>
-                          <p:cTn id="4" fill="hold">
-                            <p:stCondLst>
-                              <p:cond delay="0"/>
-                            </p:stCondLst>
-                            <p:childTnLst>
-                              <p:par>
-                                <p:cTn id="5" presetID="1" presetClass="entr" presetSubtype="0" fill="hold" grpId="0" nodeType="clickEffect">
-                                  <p:stCondLst>
-                                    <p:cond delay="0"/>
-                                  </p:stCondLst>
-                                  <p:childTnLst>
-                                    <p:set>
-                                      <p:cBhvr>
-                                        <p:cTn id="6" dur="1" fill="hold">
-                                          <p:stCondLst>
-                                            <p:cond delay="0"/>
-                                          </p:stCondLst>
-                                        </p:cTn>
-                                        <p:tgtEl>
-                                          <p:spTgt spid="3">
-                                            <p:txEl>
-                                              <p:pRg st="0" end="0"/>
-                                            </p:txEl>
-                                          </p:spTgt>
-                                        </p:tgtEl>
-                                        <p:attrNameLst>
-                                          <p:attrName>style.visibility</p:attrName>
-                                        </p:attrNameLst>
-                                      </p:cBhvr>
-                                      <p:to>
-                                        <p:strVal val="visible"/>
-                                      </p:to>
-                                    </p:set>
-                                  </p:childTnLst>
-                                </p:cTn>
-                              </p:par>
-                              <p:par>
-                                <p:cTn id="7" presetID="1" presetClass="entr" presetSubtype="0" fill="hold" grpId="0" nodeType="withEffect">
-                                  <p:stCondLst>
-                                    <p:cond delay="0"/>
-                                  </p:stCondLst>
-                                  <p:childTnLst>
-                                    <p:set>
-                                      <p:cBhvr>
-                                        <p:cTn id="8" dur="1" fill="hold">
-                                          <p:stCondLst>
-                                            <p:cond delay="0"/>
-                                          </p:stCondLst>
-                                        </p:cTn>
-                                        <p:tgtEl>
-                                          <p:spTgt spid="3">
-                                            <p:txEl>
-                                              <p:pRg st="1" end="1"/>
-                                            </p:txEl>
-                                          </p:spTgt>
-                                        </p:tgtEl>
-                                        <p:attrNameLst>
-                                          <p:attrName>style.visibility</p:attrName>
-                                        </p:attrNameLst>
-                                      </p:cBhvr>
-                                      <p:to>
-                                        <p:strVal val="visible"/>
-                                      </p:to>
-                                    </p:set>
-                                  </p:childTnLst>
-                                </p:cTn>
-                              </p:par>
-                              <p:par>
-                                <p:cTn id="9" presetID="1" presetClass="entr" presetSubtype="0" fill="hold" grpId="0" nodeType="withEffect">
-                                  <p:stCondLst>
-                                    <p:cond delay="0"/>
-                                  </p:stCondLst>
-                                  <p:childTnLst>
-                                    <p:set>
-                                      <p:cBhvr>
-                                        <p:cTn id="10" dur="1" fill="hold">
-                                          <p:stCondLst>
-                                            <p:cond delay="0"/>
-                                          </p:stCondLst>
-                                        </p:cTn>
-                                        <p:tgtEl>
-                                          <p:spTgt spid="3">
-                                            <p:txEl>
-                                              <p:pRg st="2" end="2"/>
-                                            </p:txEl>
-                                          </p:spTgt>
-                                        </p:tgtEl>
-                                        <p:attrNameLst>
-                                          <p:attrName>style.visibility</p:attrName>
-                                        </p:attrNameLst>
-                                      </p:cBhvr>
-                                      <p:to>
-                                        <p:strVal val="visible"/>
-                                      </p:to>
-                                    </p:set>
-                                  </p:childTnLst>
-                                </p:cTn>
-                              </p:par>
-                              <p:par>
-                                <p:cTn id="11" presetID="1" presetClass="entr" presetSubtype="0" fill="hold" grpId="0" nodeType="withEffect">
-                                  <p:stCondLst>
-                                    <p:cond delay="0"/>
-                                  </p:stCondLst>
-                                  <p:childTnLst>
-                                    <p:set>
-                                      <p:cBhvr>
-                                        <p:cTn id="12" dur="1" fill="hold">
-                                          <p:stCondLst>
-                                            <p:cond delay="0"/>
-                                          </p:stCondLst>
-                                        </p:cTn>
-                                        <p:tgtEl>
-                                          <p:spTgt spid="3">
-                                            <p:txEl>
-                                              <p:pRg st="3" end="3"/>
-                                            </p:txEl>
-                                          </p:spTgt>
-                                        </p:tgtEl>
-                                        <p:attrNameLst>
-                                          <p:attrName>style.visibility</p:attrName>
-                                        </p:attrNameLst>
-                                      </p:cBhvr>
-                                      <p:to>
-                                        <p:strVal val="visible"/>
-                                      </p:to>
-                                    </p:set>
-                                  </p:childTnLst>
-                                </p:cTn>
-                              </p:par>
-                            </p:childTnLst>
-                          </p:cTn>
-                        </p:par>
-                      </p:childTnLst>
-                    </p:cTn>
-                  </p:par>
-                  <p:par>
-                    <p:cTn id="13" fill="hold">
-                      <p:stCondLst>
-                        <p:cond delay="indefinite"/>
-                      </p:stCondLst>
-                      <p:childTnLst>
-                        <p:par>
-                          <p:cTn id="14" fill="hold">
-                            <p:stCondLst>
-                              <p:cond delay="0"/>
-                            </p:stCondLst>
-                            <p:childTnLst>
-                              <p:par>
-                                <p:cTn id="15" presetID="1" presetClass="entr" presetSubtype="0" fill="hold" grpId="0" nodeType="clickEffect">
-                                  <p:stCondLst>
-                                    <p:cond delay="0"/>
-                                  </p:stCondLst>
-                                  <p:childTnLst>
-                                    <p:set>
-                                      <p:cBhvr>
-                                        <p:cTn id="16" dur="1" fill="hold">
-                                          <p:stCondLst>
-                                            <p:cond delay="0"/>
-                                          </p:stCondLst>
-                                        </p:cTn>
-                                        <p:tgtEl>
-                                          <p:spTgt spid="3">
-                                            <p:txEl>
-                                              <p:pRg st="4" end="4"/>
-                                            </p:txEl>
-                                          </p:spTgt>
-                                        </p:tgtEl>
-                                        <p:attrNameLst>
-                                          <p:attrName>style.visibility</p:attrName>
-                                        </p:attrNameLst>
-                                      </p:cBhvr>
-                                      <p:to>
-                                        <p:strVal val="visible"/>
-                                      </p:to>
-                                    </p:set>
-                                  </p:childTnLst>
-                                </p:cTn>
-                              </p:par>
-                              <p:par>
-                                <p:cTn id="17" presetID="1" presetClass="entr" presetSubtype="0" fill="hold" grpId="0" nodeType="withEffect">
-                                  <p:stCondLst>
-                                    <p:cond delay="0"/>
-                                  </p:stCondLst>
-                                  <p:childTnLst>
-                                    <p:set>
-                                      <p:cBhvr>
-                                        <p:cTn id="18" dur="1" fill="hold">
-                                          <p:stCondLst>
-                                            <p:cond delay="0"/>
-                                          </p:stCondLst>
-                                        </p:cTn>
-                                        <p:tgtEl>
-                                          <p:spTgt spid="3">
-                                            <p:txEl>
-                                              <p:pRg st="5" end="5"/>
-                                            </p:txEl>
-                                          </p:spTgt>
-                                        </p:tgtEl>
-                                        <p:attrNameLst>
-                                          <p:attrName>style.visibility</p:attrName>
-                                        </p:attrNameLst>
-                                      </p:cBhvr>
-                                      <p:to>
-                                        <p:strVal val="visible"/>
-                                      </p:to>
-                                    </p:set>
-                                  </p:childTnLst>
-                                </p:cTn>
-                              </p:par>
-                              <p:par>
-                                <p:cTn id="19" presetID="1" presetClass="entr" presetSubtype="0" fill="hold" grpId="0" nodeType="withEffect">
-                                  <p:stCondLst>
-                                    <p:cond delay="0"/>
-                                  </p:stCondLst>
-                                  <p:childTnLst>
-                                    <p:set>
-                                      <p:cBhvr>
-                                        <p:cTn id="20" dur="1" fill="hold">
-                                          <p:stCondLst>
-                                            <p:cond delay="0"/>
-                                          </p:stCondLst>
-                                        </p:cTn>
-                                        <p:tgtEl>
-                                          <p:spTgt spid="3">
-                                            <p:txEl>
-                                              <p:pRg st="6" end="6"/>
-                                            </p:txEl>
-                                          </p:spTgt>
-                                        </p:tgtEl>
-                                        <p:attrNameLst>
-                                          <p:attrName>style.visibility</p:attrName>
-                                        </p:attrNameLst>
-                                      </p:cBhvr>
-                                      <p:to>
-                                        <p:strVal val="visible"/>
-                                      </p:to>
-                                    </p:set>
-                                  </p:childTnLst>
-                                </p:cTn>
-                              </p:par>
-                              <p:par>
-                                <p:cTn id="21" presetID="1" presetClass="entr" presetSubtype="0" fill="hold" grpId="0" nodeType="withEffect">
-                                  <p:stCondLst>
-                                    <p:cond delay="0"/>
-                                  </p:stCondLst>
-                                  <p:childTnLst>
-                                    <p:set>
-                                      <p:cBhvr>
-                                        <p:cTn id="22" dur="1" fill="hold">
-                                          <p:stCondLst>
-                                            <p:cond delay="0"/>
-                                          </p:stCondLst>
-                                        </p:cTn>
-                                        <p:tgtEl>
-                                          <p:spTgt spid="3">
-                                            <p:txEl>
-                                              <p:pRg st="7" end="7"/>
-                                            </p:txEl>
-                                          </p:spTgt>
-                                        </p:tgtEl>
-                                        <p:attrNameLst>
-                                          <p:attrName>style.visibility</p:attrName>
-                                        </p:attrNameLst>
-                                      </p:cBhvr>
-                                      <p:to>
-                                        <p:strVal val="visible"/>
-                                      </p:to>
-                                    </p:set>
-                                  </p:childTnLst>
-                                </p:cTn>
-                              </p:par>
-                              <p:par>
-                                <p:cTn id="23" presetID="1" presetClass="entr" presetSubtype="0" fill="hold" grpId="0" nodeType="withEffect">
-                                  <p:stCondLst>
-                                    <p:cond delay="0"/>
-                                  </p:stCondLst>
-                                  <p:childTnLst>
-                                    <p:set>
-                                      <p:cBhvr>
-                                        <p:cTn id="24" dur="1" fill="hold">
-                                          <p:stCondLst>
-                                            <p:cond delay="0"/>
-                                          </p:stCondLst>
-                                        </p:cTn>
-                                        <p:tgtEl>
-                                          <p:spTgt spid="3">
-                                            <p:txEl>
-                                              <p:pRg st="8" end="8"/>
-                                            </p:txEl>
-                                          </p:spTgt>
-                                        </p:tgtEl>
-                                        <p:attrNameLst>
-                                          <p:attrName>style.visibility</p:attrName>
-                                        </p:attrNameLst>
-                                      </p:cBhvr>
-                                      <p:to>
-                                        <p:strVal val="visible"/>
-                                      </p:to>
-                                    </p:set>
-                                  </p:childTnLst>
-                                </p:cTn>
-                              </p:par>
-                            </p:childTnLst>
-                          </p:cTn>
-                        </p:par>
-                      </p:childTnLst>
-                    </p:cTn>
-                  </p:par>
-                  <p:par>
-                    <p:cTn id="25" fill="hold">
-                      <p:stCondLst>
-                        <p:cond delay="indefinite"/>
-                      </p:stCondLst>
-                      <p:childTnLst>
-                        <p:par>
-                          <p:cTn id="26" fill="hold">
-                            <p:stCondLst>
-                              <p:cond delay="0"/>
-                            </p:stCondLst>
-                            <p:childTnLst>
-                              <p:par>
-                                <p:cTn id="27" presetID="1" presetClass="entr" presetSubtype="0" fill="hold" grpId="0" nodeType="clickEffect">
-                                  <p:stCondLst>
-                                    <p:cond delay="0"/>
-                                  </p:stCondLst>
-                                  <p:childTnLst>
-                                    <p:set>
-                                      <p:cBhvr>
-                                        <p:cTn id="28" dur="1" fill="hold">
-                                          <p:stCondLst>
-                                            <p:cond delay="0"/>
-                                          </p:stCondLst>
-                                        </p:cTn>
-                                        <p:tgtEl>
-                                          <p:spTgt spid="3">
-                                            <p:txEl>
-                                              <p:pRg st="9" end="9"/>
-                                            </p:txEl>
-                                          </p:spTgt>
-                                        </p:tgtEl>
-                                        <p:attrNameLst>
-                                          <p:attrName>style.visibility</p:attrName>
-                                        </p:attrNameLst>
-                                      </p:cBhvr>
-                                      <p:to>
-                                        <p:strVal val="visible"/>
-                                      </p:to>
-                                    </p:set>
-                                  </p:childTnLst>
-                                </p:cTn>
-                              </p:par>
-                              <p:par>
-                                <p:cTn id="29" presetID="1" presetClass="entr" presetSubtype="0" fill="hold" grpId="0" nodeType="withEffect">
-                                  <p:stCondLst>
-                                    <p:cond delay="0"/>
-                                  </p:stCondLst>
-                                  <p:childTnLst>
-                                    <p:set>
-                                      <p:cBhvr>
-                                        <p:cTn id="30" dur="1" fill="hold">
-                                          <p:stCondLst>
-                                            <p:cond delay="0"/>
-                                          </p:stCondLst>
-                                        </p:cTn>
-                                        <p:tgtEl>
-                                          <p:spTgt spid="3">
-                                            <p:txEl>
-                                              <p:pRg st="10" end="10"/>
-                                            </p:txEl>
-                                          </p:spTgt>
-                                        </p:tgtEl>
-                                        <p:attrNameLst>
-                                          <p:attrName>style.visibility</p:attrName>
-                                        </p:attrNameLst>
-                                      </p:cBhvr>
-                                      <p:to>
-                                        <p:strVal val="visible"/>
-                                      </p:to>
-                                    </p:set>
-                                  </p:childTnLst>
-                                </p:cTn>
-                              </p:par>
-                              <p:par>
-                                <p:cTn id="31" presetID="1" presetClass="entr" presetSubtype="0" fill="hold" grpId="0" nodeType="withEffect">
-                                  <p:stCondLst>
-                                    <p:cond delay="0"/>
-                                  </p:stCondLst>
-                                  <p:childTnLst>
-                                    <p:set>
-                                      <p:cBhvr>
-                                        <p:cTn id="32" dur="1" fill="hold">
-                                          <p:stCondLst>
-                                            <p:cond delay="0"/>
-                                          </p:stCondLst>
-                                        </p:cTn>
-                                        <p:tgtEl>
-                                          <p:spTgt spid="3">
-                                            <p:txEl>
-                                              <p:pRg st="11" end="11"/>
-                                            </p:txEl>
-                                          </p:spTgt>
-                                        </p:tgtEl>
-                                        <p:attrNameLst>
-                                          <p:attrName>style.visibility</p:attrName>
-                                        </p:attrNameLst>
-                                      </p:cBhvr>
-                                      <p:to>
-                                        <p:strVal val="visible"/>
-                                      </p:to>
-                                    </p:set>
-                                  </p:childTnLst>
-                                </p:cTn>
-                              </p:par>
-                              <p:par>
-                                <p:cTn id="33" presetID="1" presetClass="entr" presetSubtype="0" fill="hold" grpId="0" nodeType="withEffect">
-                                  <p:stCondLst>
-                                    <p:cond delay="0"/>
-                                  </p:stCondLst>
-                                  <p:childTnLst>
-                                    <p:set>
-                                      <p:cBhvr>
-                                        <p:cTn id="34" dur="1" fill="hold">
-                                          <p:stCondLst>
-                                            <p:cond delay="0"/>
-                                          </p:stCondLst>
-                                        </p:cTn>
-                                        <p:tgtEl>
-                                          <p:spTgt spid="3">
-                                            <p:txEl>
-                                              <p:pRg st="12" end="12"/>
-                                            </p:txEl>
-                                          </p:spTgt>
-                                        </p:tgtEl>
-                                        <p:attrNameLst>
-                                          <p:attrName>style.visibility</p:attrName>
-                                        </p:attrNameLst>
-                                      </p:cBhvr>
-                                      <p:to>
-                                        <p:strVal val="visible"/>
-                                      </p:to>
-                                    </p:set>
-                                  </p:childTnLst>
-                                </p:cTn>
-                              </p:par>
-                            </p:childTnLst>
-                          </p:cTn>
-                        </p:par>
-                      </p:childTnLst>
-                    </p:cTn>
-                  </p:par>
-                </p:childTnLst>
-              </p:cTn>
-              <p:prevCondLst>
-                <p:cond evt="onPrev" delay="0">
-                  <p:tgtEl>
-                    <p:sldTgt/>
-                  </p:tgtEl>
-                </p:cond>
-              </p:prevCondLst>
-              <p:nextCondLst>
-                <p:cond evt="onNext" delay="0">
-                  <p:tgtEl>
-                    <p:sldTgt/>
-                  </p:tgtEl>
-                </p:cond>
-              </p:nextCondLst>
-            </p:seq>
-          </p:childTnLst>
-        </p:cTn>
-      </p:par>
-    </p:tnLst>
-    <p:bldLst>
-      <p:bldP spid="3" grpId="0" build="p"/>
-    </p:bldLst>
-  </p:timing>
 </p:sld>
 </file>
 

--- a/presentation_materials/vision_transformers.pptx
+++ b/presentation_materials/vision_transformers.pptx
@@ -5,7 +5,7 @@
     <p:sldMasterId id="2147483648" r:id="rId1"/>
   </p:sldMasterIdLst>
   <p:notesMasterIdLst>
-    <p:notesMasterId r:id="rId26"/>
+    <p:notesMasterId r:id="rId24"/>
   </p:notesMasterIdLst>
   <p:sldIdLst>
     <p:sldId id="258" r:id="rId2"/>
@@ -16,22 +16,20 @@
     <p:sldId id="300" r:id="rId7"/>
     <p:sldId id="302" r:id="rId8"/>
     <p:sldId id="268" r:id="rId9"/>
-    <p:sldId id="273" r:id="rId10"/>
-    <p:sldId id="298" r:id="rId11"/>
-    <p:sldId id="288" r:id="rId12"/>
-    <p:sldId id="278" r:id="rId13"/>
-    <p:sldId id="280" r:id="rId14"/>
-    <p:sldId id="281" r:id="rId15"/>
-    <p:sldId id="282" r:id="rId16"/>
-    <p:sldId id="283" r:id="rId17"/>
-    <p:sldId id="290" r:id="rId18"/>
-    <p:sldId id="291" r:id="rId19"/>
-    <p:sldId id="292" r:id="rId20"/>
-    <p:sldId id="294" r:id="rId21"/>
-    <p:sldId id="285" r:id="rId22"/>
-    <p:sldId id="286" r:id="rId23"/>
-    <p:sldId id="297" r:id="rId24"/>
-    <p:sldId id="293" r:id="rId25"/>
+    <p:sldId id="278" r:id="rId10"/>
+    <p:sldId id="304" r:id="rId11"/>
+    <p:sldId id="281" r:id="rId12"/>
+    <p:sldId id="282" r:id="rId13"/>
+    <p:sldId id="290" r:id="rId14"/>
+    <p:sldId id="283" r:id="rId15"/>
+    <p:sldId id="298" r:id="rId16"/>
+    <p:sldId id="291" r:id="rId17"/>
+    <p:sldId id="292" r:id="rId18"/>
+    <p:sldId id="294" r:id="rId19"/>
+    <p:sldId id="285" r:id="rId20"/>
+    <p:sldId id="286" r:id="rId21"/>
+    <p:sldId id="297" r:id="rId22"/>
+    <p:sldId id="293" r:id="rId23"/>
   </p:sldIdLst>
   <p:sldSz cx="12192000" cy="6858000"/>
   <p:notesSz cx="6858000" cy="9144000"/>
@@ -532,22 +530,68 @@
           <a:bodyPr/>
           <a:lstStyle/>
           <a:p>
-            <a:r>
-              <a:rPr lang="en-AU" i="1" dirty="0"/>
-              <a:t>These aren't minor issues - they're fundamental architectural limitations of </a:t>
-            </a:r>
-            <a:r>
-              <a:rPr lang="en-AU" i="1" dirty="0" err="1"/>
+            <a:pPr marL="0" marR="0" lvl="0" indent="0" algn="l" defTabSz="914400" rtl="0" eaLnBrk="1" fontAlgn="auto" latinLnBrk="0" hangingPunct="1">
+              <a:lnSpc>
+                <a:spcPct val="100000"/>
+              </a:lnSpc>
+              <a:spcBef>
+                <a:spcPts val="0"/>
+              </a:spcBef>
+              <a:spcAft>
+                <a:spcPts val="0"/>
+              </a:spcAft>
+              <a:buClrTx/>
+              <a:buSzTx/>
+              <a:buFontTx/>
+              <a:buNone/>
+              <a:tabLst/>
+              <a:defRPr/>
+            </a:pPr>
+            <a:r>
+              <a:rPr lang="en-AU" sz="1200" b="0" i="1" kern="1200" dirty="0">
+                <a:solidFill>
+                  <a:schemeClr val="tx1"/>
+                </a:solidFill>
+                <a:effectLst/>
+                <a:latin typeface="+mn-lt"/>
+                <a:ea typeface="+mn-ea"/>
+                <a:cs typeface="+mn-cs"/>
+              </a:rPr>
+              <a:t>Welcome everyone. During tax time, audit officers must verify thousands of expense claim documents daily - receipts, invoices, and statements that taxpayers submit to support their work-related deductions. Currently, this information extraction is automated using </a:t>
+            </a:r>
+            <a:r>
+              <a:rPr lang="en-AU" sz="1200" b="0" i="1" kern="1200" dirty="0" err="1">
+                <a:solidFill>
+                  <a:schemeClr val="tx1"/>
+                </a:solidFill>
+                <a:effectLst/>
+                <a:latin typeface="+mn-lt"/>
+                <a:ea typeface="+mn-ea"/>
+                <a:cs typeface="+mn-cs"/>
+              </a:rPr>
               <a:t>LayoutLM</a:t>
             </a:r>
             <a:r>
-              <a:rPr lang="en-AU" i="1" dirty="0"/>
-              <a:t> v1 that prevent scaling and improvement. Note: Later versions (v2, v3) addressed some of these issues by adopting image patches, but most production systems still use v1.</a:t>
-            </a:r>
-            <a:endParaRPr lang="en-AU" dirty="0"/>
-          </a:p>
-          <a:p>
-            <a:endParaRPr lang="en-US" dirty="0"/>
+              <a:rPr lang="en-AU" sz="1200" b="0" i="1" kern="1200" dirty="0">
+                <a:solidFill>
+                  <a:schemeClr val="tx1"/>
+                </a:solidFill>
+                <a:effectLst/>
+                <a:latin typeface="+mn-lt"/>
+                <a:ea typeface="+mn-ea"/>
+                <a:cs typeface="+mn-cs"/>
+              </a:rPr>
+              <a:t> technology, but we're hitting performance and reliability limits that create bottlenecks in the substantiation pipeline. Today's question: Can modern Vision Transformers provide a better solution for tax document processing? This presentation will show you the technical evidence and business case for this technology transition.</a:t>
+            </a:r>
+            <a:endParaRPr lang="en-AU" sz="1200" b="0" kern="1200" dirty="0">
+              <a:solidFill>
+                <a:schemeClr val="tx1"/>
+              </a:solidFill>
+              <a:effectLst/>
+              <a:latin typeface="+mn-lt"/>
+              <a:ea typeface="+mn-ea"/>
+              <a:cs typeface="+mn-cs"/>
+            </a:endParaRPr>
           </a:p>
         </p:txBody>
       </p:sp>
@@ -568,7 +612,7 @@
           <a:p>
             <a:fld id="{4421CEC5-989B-3B48-AA40-5F6C85F6110C}" type="slidenum">
               <a:rPr lang="en-US" smtClean="0"/>
-              <a:t>4</a:t>
+              <a:t>1</a:t>
             </a:fld>
             <a:endParaRPr lang="en-US"/>
           </a:p>
@@ -577,7 +621,7 @@
     </p:spTree>
     <p:extLst>
       <p:ext uri="{BB962C8B-B14F-4D97-AF65-F5344CB8AC3E}">
-        <p14:creationId xmlns:p14="http://schemas.microsoft.com/office/powerpoint/2010/main" val="3998264995"/>
+        <p14:creationId xmlns:p14="http://schemas.microsoft.com/office/powerpoint/2010/main" val="1048070563"/>
       </p:ext>
     </p:extLst>
   </p:cSld>
@@ -631,23 +675,6 @@
           <a:bodyPr/>
           <a:lstStyle/>
           <a:p>
-            <a:pPr marL="0" marR="0" lvl="0" indent="0" algn="l" defTabSz="914400" rtl="0" eaLnBrk="1" fontAlgn="auto" latinLnBrk="0" hangingPunct="1">
-              <a:lnSpc>
-                <a:spcPct val="100000"/>
-              </a:lnSpc>
-              <a:spcBef>
-                <a:spcPts val="0"/>
-              </a:spcBef>
-              <a:spcAft>
-                <a:spcPts val="0"/>
-              </a:spcAft>
-              <a:buClrTx/>
-              <a:buSzTx/>
-              <a:buFontTx/>
-              <a:buNone/>
-              <a:tabLst/>
-              <a:defRPr/>
-            </a:pPr>
             <a:r>
               <a:rPr lang="en-AU" sz="1200" b="0" i="1" kern="1200" dirty="0">
                 <a:solidFill>
@@ -658,7 +685,31 @@
                 <a:ea typeface="+mn-ea"/>
                 <a:cs typeface="+mn-cs"/>
               </a:rPr>
-              <a:t>Speaker Notes: Attention mechanisms naturally model document structure. Each patch can attend to every other patch, creating global understanding of relationships. </a:t>
+              <a:t>This stage is where Vision Transformers gain their first advantage over </a:t>
+            </a:r>
+            <a:r>
+              <a:rPr lang="en-AU" sz="1200" b="0" i="1" kern="1200" dirty="0" err="1">
+                <a:solidFill>
+                  <a:schemeClr val="tx1"/>
+                </a:solidFill>
+                <a:effectLst/>
+                <a:latin typeface="+mn-lt"/>
+                <a:ea typeface="+mn-ea"/>
+                <a:cs typeface="+mn-cs"/>
+              </a:rPr>
+              <a:t>LayoutLM</a:t>
+            </a:r>
+            <a:r>
+              <a:rPr lang="en-AU" sz="1200" b="0" i="1" kern="1200" dirty="0">
+                <a:solidFill>
+                  <a:schemeClr val="tx1"/>
+                </a:solidFill>
+                <a:effectLst/>
+                <a:latin typeface="+mn-lt"/>
+                <a:ea typeface="+mn-ea"/>
+                <a:cs typeface="+mn-cs"/>
+              </a:rPr>
+              <a:t> for tax documents. Instead of trying to extract text first (which fails on poor-quality receipts), we preserve all visual information. A taxpayer's faded Hyatt Hotels receipt gets divided into patches - maybe the header logo is 4 patches, line items are 20 patches, totals section is 8 patches. Each patch becomes a mathematical representation that captures visual patterns, text, spacing, formatting - everything. The position encoding ensures the model knows spatial relationships - critical for tax documents where "TOTAL" at bottom relates to line items above. No OCR failures, no text extraction issues, no information loss.</a:t>
             </a:r>
             <a:endParaRPr lang="en-AU" sz="1200" b="0" kern="1200" dirty="0">
               <a:solidFill>
@@ -692,7 +743,7 @@
           <a:p>
             <a:fld id="{4421CEC5-989B-3B48-AA40-5F6C85F6110C}" type="slidenum">
               <a:rPr lang="en-US" smtClean="0"/>
-              <a:t>17</a:t>
+              <a:t>11</a:t>
             </a:fld>
             <a:endParaRPr lang="en-US"/>
           </a:p>
@@ -701,7 +752,7 @@
     </p:spTree>
     <p:extLst>
       <p:ext uri="{BB962C8B-B14F-4D97-AF65-F5344CB8AC3E}">
-        <p14:creationId xmlns:p14="http://schemas.microsoft.com/office/powerpoint/2010/main" val="2245474899"/>
+        <p14:creationId xmlns:p14="http://schemas.microsoft.com/office/powerpoint/2010/main" val="1225478442"/>
       </p:ext>
     </p:extLst>
   </p:cSld>
@@ -755,92 +806,11 @@
           <a:bodyPr/>
           <a:lstStyle/>
           <a:p>
-            <a:pPr marL="0" marR="0" lvl="0" indent="0" algn="l" defTabSz="914400" rtl="0" eaLnBrk="1" fontAlgn="auto" latinLnBrk="0" hangingPunct="1">
-              <a:lnSpc>
-                <a:spcPct val="100000"/>
-              </a:lnSpc>
-              <a:spcBef>
-                <a:spcPts val="0"/>
-              </a:spcBef>
-              <a:spcAft>
-                <a:spcPts val="0"/>
-              </a:spcAft>
-              <a:buClrTx/>
-              <a:buSzTx/>
-              <a:buFontTx/>
-              <a:buNone/>
-              <a:tabLst/>
-              <a:defRPr/>
-            </a:pPr>
-            <a:r>
-              <a:rPr lang="en-AU" sz="1200" b="0" i="1" kern="1200" dirty="0">
-                <a:solidFill>
-                  <a:schemeClr val="tx1"/>
-                </a:solidFill>
-                <a:effectLst/>
-                <a:latin typeface="+mn-lt"/>
-                <a:ea typeface="+mn-ea"/>
-                <a:cs typeface="+mn-cs"/>
-              </a:rPr>
-              <a:t>The architecture determines semantic capture quality. </a:t>
-            </a:r>
-            <a:r>
-              <a:rPr lang="en-AU" sz="1200" b="0" i="1" kern="1200" dirty="0" err="1">
-                <a:solidFill>
-                  <a:schemeClr val="tx1"/>
-                </a:solidFill>
-                <a:effectLst/>
-                <a:latin typeface="+mn-lt"/>
-                <a:ea typeface="+mn-ea"/>
-                <a:cs typeface="+mn-cs"/>
-              </a:rPr>
-              <a:t>LayoutLM</a:t>
-            </a:r>
-            <a:r>
-              <a:rPr lang="en-AU" sz="1200" b="0" i="1" kern="1200" dirty="0">
-                <a:solidFill>
-                  <a:schemeClr val="tx1"/>
-                </a:solidFill>
-                <a:effectLst/>
-                <a:latin typeface="+mn-lt"/>
-                <a:ea typeface="+mn-ea"/>
-                <a:cs typeface="+mn-cs"/>
-              </a:rPr>
-              <a:t> captures information in 3 separate streams then awkwardly fuses them. Vision Transformers capture information holistically from the start. Research consistently shows </a:t>
-            </a:r>
-            <a:r>
-              <a:rPr lang="en-AU" sz="1200" b="0" i="1" kern="1200" dirty="0" err="1">
-                <a:solidFill>
-                  <a:schemeClr val="tx1"/>
-                </a:solidFill>
-                <a:effectLst/>
-                <a:latin typeface="+mn-lt"/>
-                <a:ea typeface="+mn-ea"/>
-                <a:cs typeface="+mn-cs"/>
-              </a:rPr>
-              <a:t>ViT</a:t>
-            </a:r>
-            <a:r>
-              <a:rPr lang="en-AU" sz="1200" b="0" i="1" kern="1200" dirty="0">
-                <a:solidFill>
-                  <a:schemeClr val="tx1"/>
-                </a:solidFill>
-                <a:effectLst/>
-                <a:latin typeface="+mn-lt"/>
-                <a:ea typeface="+mn-ea"/>
-                <a:cs typeface="+mn-cs"/>
-              </a:rPr>
-              <a:t> superiority over OCR-dependent approaches.</a:t>
-            </a:r>
-            <a:endParaRPr lang="en-AU" sz="1200" b="0" kern="1200" dirty="0">
-              <a:solidFill>
-                <a:schemeClr val="tx1"/>
-              </a:solidFill>
-              <a:effectLst/>
-              <a:latin typeface="+mn-lt"/>
-              <a:ea typeface="+mn-ea"/>
-              <a:cs typeface="+mn-cs"/>
-            </a:endParaRPr>
+            <a:r>
+              <a:rPr lang="en-AU" i="1" dirty="0"/>
+              <a:t>Speaker Notes: This is where Vision Transformers really shine. In traditional approaches, you extract text from one part of the document, then try to connect it to other parts later. Here, every patch of the document can "attend to" every other patch simultaneously. When processing that Hyatt Hotels invoice, the patch containing "TOTAL" can directly connect to patches containing "$31.33", "GST", and line items - all in one step. This happens 12-24 times through the layers, building increasingly sophisticated understanding. No sequential processing, no coordination problems - just direct global understanding.</a:t>
+            </a:r>
+            <a:endParaRPr lang="en-AU" dirty="0"/>
           </a:p>
           <a:p>
             <a:endParaRPr lang="en-US" dirty="0"/>
@@ -864,7 +834,7 @@
           <a:p>
             <a:fld id="{4421CEC5-989B-3B48-AA40-5F6C85F6110C}" type="slidenum">
               <a:rPr lang="en-US" smtClean="0"/>
-              <a:t>18</a:t>
+              <a:t>12</a:t>
             </a:fld>
             <a:endParaRPr lang="en-US"/>
           </a:p>
@@ -873,7 +843,7 @@
     </p:spTree>
     <p:extLst>
       <p:ext uri="{BB962C8B-B14F-4D97-AF65-F5344CB8AC3E}">
-        <p14:creationId xmlns:p14="http://schemas.microsoft.com/office/powerpoint/2010/main" val="2521984515"/>
+        <p14:creationId xmlns:p14="http://schemas.microsoft.com/office/powerpoint/2010/main" val="2011058690"/>
       </p:ext>
     </p:extLst>
   </p:cSld>
@@ -927,23 +897,6 @@
           <a:bodyPr/>
           <a:lstStyle/>
           <a:p>
-            <a:pPr marL="0" marR="0" lvl="0" indent="0" algn="l" defTabSz="914400" rtl="0" eaLnBrk="1" fontAlgn="auto" latinLnBrk="0" hangingPunct="1">
-              <a:lnSpc>
-                <a:spcPct val="100000"/>
-              </a:lnSpc>
-              <a:spcBef>
-                <a:spcPts val="0"/>
-              </a:spcBef>
-              <a:spcAft>
-                <a:spcPts val="0"/>
-              </a:spcAft>
-              <a:buClrTx/>
-              <a:buSzTx/>
-              <a:buFontTx/>
-              <a:buNone/>
-              <a:tabLst/>
-              <a:defRPr/>
-            </a:pPr>
             <a:r>
               <a:rPr lang="en-AU" sz="1200" b="0" i="1" kern="1200" dirty="0">
                 <a:solidFill>
@@ -954,7 +907,7 @@
                 <a:ea typeface="+mn-ea"/>
                 <a:cs typeface="+mn-cs"/>
               </a:rPr>
-              <a:t>Speaker Notes: This diagram shows the complete Vision Transformer pipeline processing our Hyatt Hotels invoice. Notice how the model progresses from </a:t>
+              <a:t>This slide shows why self-attention is perfect for tax document processing. Tax compliance requires understanding relationships across the entire document - not just extracting isolated fields. The attention patterns mirror actual audit verification: checking that totals match line items, confirming supplier legitimacy through ABN correlation, validating GST calculations. The model learns these verification patterns automatically from training data. When processing real tax receipts, these attention weights show exactly how the model arrived at its conclusions - providing the audit trail that tax processing requires. This relationship understanding is impossible with </a:t>
             </a:r>
             <a:r>
               <a:rPr lang="en-AU" sz="1200" b="0" i="1" kern="1200" dirty="0" err="1">
@@ -966,7 +919,7 @@
                 <a:ea typeface="+mn-ea"/>
                 <a:cs typeface="+mn-cs"/>
               </a:rPr>
-              <a:t>analyzing</a:t>
+              <a:t>LayoutLM's</a:t>
             </a:r>
             <a:r>
               <a:rPr lang="en-AU" sz="1200" b="0" i="1" kern="1200" dirty="0">
@@ -978,7 +931,7 @@
                 <a:ea typeface="+mn-ea"/>
                 <a:cs typeface="+mn-cs"/>
               </a:rPr>
-              <a:t> individual patches (header, items, totals, payment) through multiple attention layers that build regional and then global understanding. The semantic understanding phase identifies relationships like "Subtotal + GST → Total", and finally generates all the structured output fields we need.</a:t>
+              <a:t> fragmented approach.</a:t>
             </a:r>
             <a:endParaRPr lang="en-AU" sz="1200" b="0" kern="1200" dirty="0">
               <a:solidFill>
@@ -1012,7 +965,7 @@
           <a:p>
             <a:fld id="{4421CEC5-989B-3B48-AA40-5F6C85F6110C}" type="slidenum">
               <a:rPr lang="en-US" smtClean="0"/>
-              <a:t>19</a:t>
+              <a:t>13</a:t>
             </a:fld>
             <a:endParaRPr lang="en-US"/>
           </a:p>
@@ -1021,7 +974,7 @@
     </p:spTree>
     <p:extLst>
       <p:ext uri="{BB962C8B-B14F-4D97-AF65-F5344CB8AC3E}">
-        <p14:creationId xmlns:p14="http://schemas.microsoft.com/office/powerpoint/2010/main" val="1849044882"/>
+        <p14:creationId xmlns:p14="http://schemas.microsoft.com/office/powerpoint/2010/main" val="2245474899"/>
       </p:ext>
     </p:extLst>
   </p:cSld>
@@ -1076,26 +1029,26 @@
           <a:lstStyle/>
           <a:p>
             <a:r>
-              <a:rPr lang="en-US" b="0" dirty="0"/>
-              <a:t>I watched a </a:t>
-            </a:r>
-            <a:r>
-              <a:rPr lang="en-US" b="0" dirty="0" err="1"/>
-              <a:t>youtube</a:t>
-            </a:r>
-            <a:r>
-              <a:rPr lang="en-US" b="0" dirty="0"/>
-              <a:t> video this morning where </a:t>
-            </a:r>
-            <a:r>
-              <a:rPr lang="en-AU" b="1" dirty="0"/>
-              <a:t>Llama-3.2-Vision-11B</a:t>
-            </a:r>
-            <a:r>
-              <a:rPr lang="en-AU" b="0" dirty="0"/>
-              <a:t> was shown the image of the classic 3-4-5 right triangle and the prompt asked for the missing hypotenuse given the length of the two shorter sides. The then proceeded to solve for the missing side, with a step-by-step proof that any Year 9 student would be proud of.</a:t>
-            </a:r>
-            <a:endParaRPr lang="en-US" b="0" dirty="0"/>
+              <a:rPr lang="en-AU" sz="1200" b="0" i="1" kern="1200" dirty="0">
+                <a:solidFill>
+                  <a:schemeClr val="tx1"/>
+                </a:solidFill>
+                <a:effectLst/>
+                <a:latin typeface="+mn-lt"/>
+                <a:ea typeface="+mn-ea"/>
+                <a:cs typeface="+mn-cs"/>
+              </a:rPr>
+              <a:t>The final stage produces exactly what tax processing systems need - structured, validated data ready for compliance checking. The vision-language fusion has learned to connect visual patterns like "large bold text near bottom" with semantic concepts like "total amount". The language model head generates clean output in our specified format. Notice the tax-specific intelligence: automatic ABN extraction, GST verification, category classification as "work-related meal expense", and deductibility determination. This goes beyond field extraction to provide tax-specific analysis. No post-processing, no template matching, no coordination between models - one unified system that goes from receipt pixels to tax-compliant structured data.</a:t>
+            </a:r>
+            <a:endParaRPr lang="en-AU" sz="1200" b="0" kern="1200" dirty="0">
+              <a:solidFill>
+                <a:schemeClr val="tx1"/>
+              </a:solidFill>
+              <a:effectLst/>
+              <a:latin typeface="+mn-lt"/>
+              <a:ea typeface="+mn-ea"/>
+              <a:cs typeface="+mn-cs"/>
+            </a:endParaRPr>
           </a:p>
         </p:txBody>
       </p:sp>
@@ -1116,7 +1069,7 @@
           <a:p>
             <a:fld id="{4421CEC5-989B-3B48-AA40-5F6C85F6110C}" type="slidenum">
               <a:rPr lang="en-US" smtClean="0"/>
-              <a:t>20</a:t>
+              <a:t>14</a:t>
             </a:fld>
             <a:endParaRPr lang="en-US"/>
           </a:p>
@@ -1125,7 +1078,7 @@
     </p:spTree>
     <p:extLst>
       <p:ext uri="{BB962C8B-B14F-4D97-AF65-F5344CB8AC3E}">
-        <p14:creationId xmlns:p14="http://schemas.microsoft.com/office/powerpoint/2010/main" val="1147594856"/>
+        <p14:creationId xmlns:p14="http://schemas.microsoft.com/office/powerpoint/2010/main" val="2255041967"/>
       </p:ext>
     </p:extLst>
   </p:cSld>
@@ -1180,20 +1133,74 @@
           <a:lstStyle/>
           <a:p>
             <a:r>
-              <a:rPr lang="en-AU" i="1" dirty="0"/>
-              <a:t>Speaker Notes: Now let's see Vision Transformers in action with a real example. On the left, you see our extraction prompt - this is the same prompt used for both models, asking for 26 specific fields including supplier, ABN, date, amounts, and line items. The prompt is dynamically generated from our YAML configuration, ensuring consistency across all extractions.</a:t>
-            </a:r>
-            <a:endParaRPr lang="en-AU" dirty="0"/>
-          </a:p>
-          <a:p>
-            <a:br>
-              <a:rPr lang="en-AU" dirty="0"/>
-            </a:br>
-            <a:r>
-              <a:rPr lang="en-AU" i="1" dirty="0"/>
-              <a:t>On the right is synthetic invoice #14 - a Hyatt Hotels receipt showing typical complexity: header information, line items (Milk, Apples, Beef), subtotal, GST calculation, and total. This represents the kind of document we process thousands of times daily. Notice the visual elements - logos, formatting, table structure - that OCR-based systems struggle with but Vision Transformers handle naturally. Let's see how both models perform on this exact document...</a:t>
-            </a:r>
-            <a:endParaRPr lang="en-AU" dirty="0"/>
+              <a:rPr lang="en-AU" sz="1200" b="0" i="1" kern="1200" dirty="0">
+                <a:solidFill>
+                  <a:schemeClr val="tx1"/>
+                </a:solidFill>
+                <a:effectLst/>
+                <a:latin typeface="+mn-lt"/>
+                <a:ea typeface="+mn-ea"/>
+                <a:cs typeface="+mn-cs"/>
+              </a:rPr>
+              <a:t>This comparison highlights why Vision Transformers are fundamentally better suited for tax document processing. Tax receipts present unique challenges that expose </a:t>
+            </a:r>
+            <a:r>
+              <a:rPr lang="en-AU" sz="1200" b="0" i="1" kern="1200" dirty="0" err="1">
+                <a:solidFill>
+                  <a:schemeClr val="tx1"/>
+                </a:solidFill>
+                <a:effectLst/>
+                <a:latin typeface="+mn-lt"/>
+                <a:ea typeface="+mn-ea"/>
+                <a:cs typeface="+mn-cs"/>
+              </a:rPr>
+              <a:t>LayoutLM's</a:t>
+            </a:r>
+            <a:r>
+              <a:rPr lang="en-AU" sz="1200" b="0" i="1" kern="1200" dirty="0">
+                <a:solidFill>
+                  <a:schemeClr val="tx1"/>
+                </a:solidFill>
+                <a:effectLst/>
+                <a:latin typeface="+mn-lt"/>
+                <a:ea typeface="+mn-ea"/>
+                <a:cs typeface="+mn-cs"/>
+              </a:rPr>
+              <a:t> limitations: poor print quality, non-standard formats, mixed printed/handwritten content, variable layouts. </a:t>
+            </a:r>
+            <a:r>
+              <a:rPr lang="en-AU" sz="1200" b="0" i="1" kern="1200" dirty="0" err="1">
+                <a:solidFill>
+                  <a:schemeClr val="tx1"/>
+                </a:solidFill>
+                <a:effectLst/>
+                <a:latin typeface="+mn-lt"/>
+                <a:ea typeface="+mn-ea"/>
+                <a:cs typeface="+mn-cs"/>
+              </a:rPr>
+              <a:t>LayoutLM's</a:t>
+            </a:r>
+            <a:r>
+              <a:rPr lang="en-AU" sz="1200" b="0" i="1" kern="1200" dirty="0">
+                <a:solidFill>
+                  <a:schemeClr val="tx1"/>
+                </a:solidFill>
+                <a:effectLst/>
+                <a:latin typeface="+mn-lt"/>
+                <a:ea typeface="+mn-ea"/>
+                <a:cs typeface="+mn-cs"/>
+              </a:rPr>
+              <a:t> dependency on OCR text extraction fails precisely when tax documents are most challenging. Vision Transformers treat everything as visual data, learning patterns that work regardless of text quality or format variations. The end-to-end learning optimizes specifically for tax field extraction rather than generic document understanding.</a:t>
+            </a:r>
+            <a:endParaRPr lang="en-AU" sz="1200" b="0" kern="1200" dirty="0">
+              <a:solidFill>
+                <a:schemeClr val="tx1"/>
+              </a:solidFill>
+              <a:effectLst/>
+              <a:latin typeface="+mn-lt"/>
+              <a:ea typeface="+mn-ea"/>
+              <a:cs typeface="+mn-cs"/>
+            </a:endParaRPr>
           </a:p>
           <a:p>
             <a:endParaRPr lang="en-US" dirty="0"/>
@@ -1217,7 +1224,7 @@
           <a:p>
             <a:fld id="{4421CEC5-989B-3B48-AA40-5F6C85F6110C}" type="slidenum">
               <a:rPr lang="en-US" smtClean="0"/>
-              <a:t>21</a:t>
+              <a:t>15</a:t>
             </a:fld>
             <a:endParaRPr lang="en-US"/>
           </a:p>
@@ -1226,7 +1233,7 @@
     </p:spTree>
     <p:extLst>
       <p:ext uri="{BB962C8B-B14F-4D97-AF65-F5344CB8AC3E}">
-        <p14:creationId xmlns:p14="http://schemas.microsoft.com/office/powerpoint/2010/main" val="1457872998"/>
+        <p14:creationId xmlns:p14="http://schemas.microsoft.com/office/powerpoint/2010/main" val="3750937352"/>
       </p:ext>
     </p:extLst>
   </p:cSld>
@@ -1281,28 +1288,50 @@
           <a:lstStyle/>
           <a:p>
             <a:r>
-              <a:rPr lang="en-AU" i="1" dirty="0"/>
-              <a:t>Speaker Notes: Here are the actual results from both models processing that same Hyatt Hotels invoice. Both successfully extracted the key information: supplier name "Hyatt Hotels", correct ABN, accurate amounts and GST calculations, and complete line item details. The output format is clean and structured - exactly what our downstream systems need.</a:t>
-            </a:r>
-            <a:endParaRPr lang="en-AU" dirty="0"/>
-          </a:p>
-          <a:p>
-            <a:br>
-              <a:rPr lang="en-AU" dirty="0"/>
-            </a:br>
-            <a:r>
-              <a:rPr lang="en-AU" i="1" dirty="0"/>
-              <a:t>Notice that both models achieved similar field accuracy rates around 59%, but with different strengths. Llama-3.2-Vision excelled at precise formatting while InternVL3 showed better handling of complex layouts. Both significantly outperform our current </a:t>
-            </a:r>
-            <a:r>
-              <a:rPr lang="en-AU" i="1" dirty="0" err="1"/>
-              <a:t>LayoutLM</a:t>
-            </a:r>
-            <a:r>
-              <a:rPr lang="en-AU" i="1" dirty="0"/>
-              <a:t> baseline. Most importantly, both models processed this document end-to-end with zero failures - no OCR errors, no pipeline breaks, no manual intervention required. This reliability is what makes Vision Transformers production-ready.</a:t>
-            </a:r>
-            <a:endParaRPr lang="en-AU" dirty="0"/>
+              <a:rPr lang="en-AU" sz="1200" b="0" i="1" kern="1200" dirty="0">
+                <a:solidFill>
+                  <a:schemeClr val="tx1"/>
+                </a:solidFill>
+                <a:effectLst/>
+                <a:latin typeface="+mn-lt"/>
+                <a:ea typeface="+mn-ea"/>
+                <a:cs typeface="+mn-cs"/>
+              </a:rPr>
+              <a:t>This architectural comparison shows why Vision Transformers are superior for tax document processing. </a:t>
+            </a:r>
+            <a:r>
+              <a:rPr lang="en-AU" sz="1200" b="0" i="1" kern="1200" dirty="0" err="1">
+                <a:solidFill>
+                  <a:schemeClr val="tx1"/>
+                </a:solidFill>
+                <a:effectLst/>
+                <a:latin typeface="+mn-lt"/>
+                <a:ea typeface="+mn-ea"/>
+                <a:cs typeface="+mn-cs"/>
+              </a:rPr>
+              <a:t>LayoutLM's</a:t>
+            </a:r>
+            <a:r>
+              <a:rPr lang="en-AU" sz="1200" b="0" i="1" kern="1200" dirty="0">
+                <a:solidFill>
+                  <a:schemeClr val="tx1"/>
+                </a:solidFill>
+                <a:effectLst/>
+                <a:latin typeface="+mn-lt"/>
+                <a:ea typeface="+mn-ea"/>
+                <a:cs typeface="+mn-cs"/>
+              </a:rPr>
+              <a:t> multi-stage pipeline creates multiple failure points - particularly OCR failures on poor-quality receipts that are common in tax submissions. Each stage introduces potential errors that cascade through the system. Vision Transformers process receipts end-to-end with no intermediate failures. For tax processing, this reliability difference is crucial - we can't afford pipeline failures during peak tax season when processing thousands of documents daily.</a:t>
+            </a:r>
+            <a:endParaRPr lang="en-AU" sz="1200" b="0" kern="1200" dirty="0">
+              <a:solidFill>
+                <a:schemeClr val="tx1"/>
+              </a:solidFill>
+              <a:effectLst/>
+              <a:latin typeface="+mn-lt"/>
+              <a:ea typeface="+mn-ea"/>
+              <a:cs typeface="+mn-cs"/>
+            </a:endParaRPr>
           </a:p>
           <a:p>
             <a:endParaRPr lang="en-US" dirty="0"/>
@@ -1326,7 +1355,7 @@
           <a:p>
             <a:fld id="{4421CEC5-989B-3B48-AA40-5F6C85F6110C}" type="slidenum">
               <a:rPr lang="en-US" smtClean="0"/>
-              <a:t>22</a:t>
+              <a:t>16</a:t>
             </a:fld>
             <a:endParaRPr lang="en-US"/>
           </a:p>
@@ -1335,7 +1364,7 @@
     </p:spTree>
     <p:extLst>
       <p:ext uri="{BB962C8B-B14F-4D97-AF65-F5344CB8AC3E}">
-        <p14:creationId xmlns:p14="http://schemas.microsoft.com/office/powerpoint/2010/main" val="819999616"/>
+        <p14:creationId xmlns:p14="http://schemas.microsoft.com/office/powerpoint/2010/main" val="2521984515"/>
       </p:ext>
     </p:extLst>
   </p:cSld>
@@ -1389,7 +1418,71 @@
           <a:bodyPr/>
           <a:lstStyle/>
           <a:p>
-            <a:endParaRPr lang="en-US"/>
+            <a:pPr marL="0" marR="0" lvl="0" indent="0" algn="l" defTabSz="914400" rtl="0" eaLnBrk="1" fontAlgn="auto" latinLnBrk="0" hangingPunct="1">
+              <a:lnSpc>
+                <a:spcPct val="100000"/>
+              </a:lnSpc>
+              <a:spcBef>
+                <a:spcPts val="0"/>
+              </a:spcBef>
+              <a:spcAft>
+                <a:spcPts val="0"/>
+              </a:spcAft>
+              <a:buClrTx/>
+              <a:buSzTx/>
+              <a:buFontTx/>
+              <a:buNone/>
+              <a:tabLst/>
+              <a:defRPr/>
+            </a:pPr>
+            <a:r>
+              <a:rPr lang="en-AU" sz="1200" b="0" i="1" kern="1200" dirty="0">
+                <a:solidFill>
+                  <a:schemeClr val="tx1"/>
+                </a:solidFill>
+                <a:effectLst/>
+                <a:latin typeface="+mn-lt"/>
+                <a:ea typeface="+mn-ea"/>
+                <a:cs typeface="+mn-cs"/>
+              </a:rPr>
+              <a:t>Speaker Notes: This diagram shows the complete Vision Transformer pipeline processing our Hyatt Hotels invoice. Notice how the model progresses from </a:t>
+            </a:r>
+            <a:r>
+              <a:rPr lang="en-AU" sz="1200" b="0" i="1" kern="1200" dirty="0" err="1">
+                <a:solidFill>
+                  <a:schemeClr val="tx1"/>
+                </a:solidFill>
+                <a:effectLst/>
+                <a:latin typeface="+mn-lt"/>
+                <a:ea typeface="+mn-ea"/>
+                <a:cs typeface="+mn-cs"/>
+              </a:rPr>
+              <a:t>analyzing</a:t>
+            </a:r>
+            <a:r>
+              <a:rPr lang="en-AU" sz="1200" b="0" i="1" kern="1200" dirty="0">
+                <a:solidFill>
+                  <a:schemeClr val="tx1"/>
+                </a:solidFill>
+                <a:effectLst/>
+                <a:latin typeface="+mn-lt"/>
+                <a:ea typeface="+mn-ea"/>
+                <a:cs typeface="+mn-cs"/>
+              </a:rPr>
+              <a:t> individual patches (header, items, totals, payment) through multiple attention layers that build regional and then global understanding. The semantic understanding phase identifies relationships like "Subtotal + GST → Total", and finally generates all the structured output fields we need.</a:t>
+            </a:r>
+            <a:endParaRPr lang="en-AU" sz="1200" b="0" kern="1200" dirty="0">
+              <a:solidFill>
+                <a:schemeClr val="tx1"/>
+              </a:solidFill>
+              <a:effectLst/>
+              <a:latin typeface="+mn-lt"/>
+              <a:ea typeface="+mn-ea"/>
+              <a:cs typeface="+mn-cs"/>
+            </a:endParaRPr>
+          </a:p>
+          <a:p>
+            <a:endParaRPr lang="en-US" dirty="0"/>
           </a:p>
         </p:txBody>
       </p:sp>
@@ -1410,7 +1503,7 @@
           <a:p>
             <a:fld id="{4421CEC5-989B-3B48-AA40-5F6C85F6110C}" type="slidenum">
               <a:rPr lang="en-US" smtClean="0"/>
-              <a:t>23</a:t>
+              <a:t>17</a:t>
             </a:fld>
             <a:endParaRPr lang="en-US"/>
           </a:p>
@@ -1419,7 +1512,7 @@
     </p:spTree>
     <p:extLst>
       <p:ext uri="{BB962C8B-B14F-4D97-AF65-F5344CB8AC3E}">
-        <p14:creationId xmlns:p14="http://schemas.microsoft.com/office/powerpoint/2010/main" val="787923043"/>
+        <p14:creationId xmlns:p14="http://schemas.microsoft.com/office/powerpoint/2010/main" val="1849044882"/>
       </p:ext>
     </p:extLst>
   </p:cSld>
@@ -1473,7 +1566,27 @@
           <a:bodyPr/>
           <a:lstStyle/>
           <a:p>
-            <a:endParaRPr lang="en-US" dirty="0"/>
+            <a:r>
+              <a:rPr lang="en-US" b="0" dirty="0"/>
+              <a:t>I watched a </a:t>
+            </a:r>
+            <a:r>
+              <a:rPr lang="en-US" b="0" dirty="0" err="1"/>
+              <a:t>youtube</a:t>
+            </a:r>
+            <a:r>
+              <a:rPr lang="en-US" b="0" dirty="0"/>
+              <a:t> video this morning where </a:t>
+            </a:r>
+            <a:r>
+              <a:rPr lang="en-AU" b="1" dirty="0"/>
+              <a:t>Llama-3.2-Vision-11B</a:t>
+            </a:r>
+            <a:r>
+              <a:rPr lang="en-AU" b="0" dirty="0"/>
+              <a:t> was shown the image of the classic 3-4-5 right triangle and the prompt asked for the missing hypotenuse given the length of the two shorter sides. The then proceeded to solve for the missing side, with a step-by-step proof that any Year 9 student would be proud of.</a:t>
+            </a:r>
+            <a:endParaRPr lang="en-US" b="0" dirty="0"/>
           </a:p>
         </p:txBody>
       </p:sp>
@@ -1494,7 +1607,7 @@
           <a:p>
             <a:fld id="{4421CEC5-989B-3B48-AA40-5F6C85F6110C}" type="slidenum">
               <a:rPr lang="en-US" smtClean="0"/>
-              <a:t>24</a:t>
+              <a:t>18</a:t>
             </a:fld>
             <a:endParaRPr lang="en-US"/>
           </a:p>
@@ -1503,7 +1616,217 @@
     </p:spTree>
     <p:extLst>
       <p:ext uri="{BB962C8B-B14F-4D97-AF65-F5344CB8AC3E}">
-        <p14:creationId xmlns:p14="http://schemas.microsoft.com/office/powerpoint/2010/main" val="1901061400"/>
+        <p14:creationId xmlns:p14="http://schemas.microsoft.com/office/powerpoint/2010/main" val="1147594856"/>
+      </p:ext>
+    </p:extLst>
+  </p:cSld>
+  <p:clrMapOvr>
+    <a:masterClrMapping/>
+  </p:clrMapOvr>
+</p:notes>
+</file>
+
+<file path=ppt/notesSlides/notesSlide18.xml><?xml version="1.0" encoding="utf-8"?>
+<p:notes xmlns:a="http://schemas.openxmlformats.org/drawingml/2006/main" xmlns:r="http://schemas.openxmlformats.org/officeDocument/2006/relationships" xmlns:p="http://schemas.openxmlformats.org/presentationml/2006/main">
+  <p:cSld>
+    <p:spTree>
+      <p:nvGrpSpPr>
+        <p:cNvPr id="1" name=""/>
+        <p:cNvGrpSpPr/>
+        <p:nvPr/>
+      </p:nvGrpSpPr>
+      <p:grpSpPr>
+        <a:xfrm>
+          <a:off x="0" y="0"/>
+          <a:ext cx="0" cy="0"/>
+          <a:chOff x="0" y="0"/>
+          <a:chExt cx="0" cy="0"/>
+        </a:xfrm>
+      </p:grpSpPr>
+      <p:sp>
+        <p:nvSpPr>
+          <p:cNvPr id="2" name="Slide Image Placeholder 1"/>
+          <p:cNvSpPr>
+            <a:spLocks noGrp="1" noRot="1" noChangeAspect="1"/>
+          </p:cNvSpPr>
+          <p:nvPr>
+            <p:ph type="sldImg"/>
+          </p:nvPr>
+        </p:nvSpPr>
+        <p:spPr/>
+      </p:sp>
+      <p:sp>
+        <p:nvSpPr>
+          <p:cNvPr id="3" name="Notes Placeholder 2"/>
+          <p:cNvSpPr>
+            <a:spLocks noGrp="1"/>
+          </p:cNvSpPr>
+          <p:nvPr>
+            <p:ph type="body" idx="1"/>
+          </p:nvPr>
+        </p:nvSpPr>
+        <p:spPr/>
+        <p:txBody>
+          <a:bodyPr/>
+          <a:lstStyle/>
+          <a:p>
+            <a:r>
+              <a:rPr lang="en-AU" i="1" dirty="0"/>
+              <a:t>Speaker Notes: Now let's see Vision Transformers in action with a real example. On the left, you see our extraction prompt - this is the same prompt used for both models, asking for 26 specific fields including supplier, ABN, date, amounts, and line items. The prompt is dynamically generated from our YAML configuration, ensuring consistency across all extractions.</a:t>
+            </a:r>
+            <a:endParaRPr lang="en-AU" dirty="0"/>
+          </a:p>
+          <a:p>
+            <a:br>
+              <a:rPr lang="en-AU" dirty="0"/>
+            </a:br>
+            <a:r>
+              <a:rPr lang="en-AU" i="1" dirty="0"/>
+              <a:t>On the right is synthetic invoice #14 - a Hyatt Hotels receipt showing typical complexity: header information, line items (Milk, Apples, Beef), subtotal, GST calculation, and total. This represents the kind of document we process thousands of times daily. Notice the visual elements - logos, formatting, table structure - that OCR-based systems struggle with but Vision Transformers handle naturally. Let's see how both models perform on this exact document...</a:t>
+            </a:r>
+            <a:endParaRPr lang="en-AU" dirty="0"/>
+          </a:p>
+          <a:p>
+            <a:endParaRPr lang="en-US" dirty="0"/>
+          </a:p>
+        </p:txBody>
+      </p:sp>
+      <p:sp>
+        <p:nvSpPr>
+          <p:cNvPr id="4" name="Slide Number Placeholder 3"/>
+          <p:cNvSpPr>
+            <a:spLocks noGrp="1"/>
+          </p:cNvSpPr>
+          <p:nvPr>
+            <p:ph type="sldNum" sz="quarter" idx="5"/>
+          </p:nvPr>
+        </p:nvSpPr>
+        <p:spPr/>
+        <p:txBody>
+          <a:bodyPr/>
+          <a:lstStyle/>
+          <a:p>
+            <a:fld id="{4421CEC5-989B-3B48-AA40-5F6C85F6110C}" type="slidenum">
+              <a:rPr lang="en-US" smtClean="0"/>
+              <a:t>19</a:t>
+            </a:fld>
+            <a:endParaRPr lang="en-US"/>
+          </a:p>
+        </p:txBody>
+      </p:sp>
+    </p:spTree>
+    <p:extLst>
+      <p:ext uri="{BB962C8B-B14F-4D97-AF65-F5344CB8AC3E}">
+        <p14:creationId xmlns:p14="http://schemas.microsoft.com/office/powerpoint/2010/main" val="1457872998"/>
+      </p:ext>
+    </p:extLst>
+  </p:cSld>
+  <p:clrMapOvr>
+    <a:masterClrMapping/>
+  </p:clrMapOvr>
+</p:notes>
+</file>
+
+<file path=ppt/notesSlides/notesSlide19.xml><?xml version="1.0" encoding="utf-8"?>
+<p:notes xmlns:a="http://schemas.openxmlformats.org/drawingml/2006/main" xmlns:r="http://schemas.openxmlformats.org/officeDocument/2006/relationships" xmlns:p="http://schemas.openxmlformats.org/presentationml/2006/main">
+  <p:cSld>
+    <p:spTree>
+      <p:nvGrpSpPr>
+        <p:cNvPr id="1" name=""/>
+        <p:cNvGrpSpPr/>
+        <p:nvPr/>
+      </p:nvGrpSpPr>
+      <p:grpSpPr>
+        <a:xfrm>
+          <a:off x="0" y="0"/>
+          <a:ext cx="0" cy="0"/>
+          <a:chOff x="0" y="0"/>
+          <a:chExt cx="0" cy="0"/>
+        </a:xfrm>
+      </p:grpSpPr>
+      <p:sp>
+        <p:nvSpPr>
+          <p:cNvPr id="2" name="Slide Image Placeholder 1"/>
+          <p:cNvSpPr>
+            <a:spLocks noGrp="1" noRot="1" noChangeAspect="1"/>
+          </p:cNvSpPr>
+          <p:nvPr>
+            <p:ph type="sldImg"/>
+          </p:nvPr>
+        </p:nvSpPr>
+        <p:spPr/>
+      </p:sp>
+      <p:sp>
+        <p:nvSpPr>
+          <p:cNvPr id="3" name="Notes Placeholder 2"/>
+          <p:cNvSpPr>
+            <a:spLocks noGrp="1"/>
+          </p:cNvSpPr>
+          <p:nvPr>
+            <p:ph type="body" idx="1"/>
+          </p:nvPr>
+        </p:nvSpPr>
+        <p:spPr/>
+        <p:txBody>
+          <a:bodyPr/>
+          <a:lstStyle/>
+          <a:p>
+            <a:r>
+              <a:rPr lang="en-AU" i="1" dirty="0"/>
+              <a:t>Speaker Notes: Here are the actual results from both models processing that same Hyatt Hotels invoice. Both successfully extracted the key information: supplier name "Hyatt Hotels", correct ABN, accurate amounts and GST calculations, and complete line item details. The output format is clean and structured - exactly what our downstream systems need.</a:t>
+            </a:r>
+            <a:endParaRPr lang="en-AU" dirty="0"/>
+          </a:p>
+          <a:p>
+            <a:br>
+              <a:rPr lang="en-AU" dirty="0"/>
+            </a:br>
+            <a:r>
+              <a:rPr lang="en-AU" i="1" dirty="0"/>
+              <a:t>Notice that both models achieved similar field accuracy rates around 59%, but with different strengths. Llama-3.2-Vision excelled at precise formatting while InternVL3 showed better handling of complex layouts. Both significantly outperform our current </a:t>
+            </a:r>
+            <a:r>
+              <a:rPr lang="en-AU" i="1" dirty="0" err="1"/>
+              <a:t>LayoutLM</a:t>
+            </a:r>
+            <a:r>
+              <a:rPr lang="en-AU" i="1" dirty="0"/>
+              <a:t> baseline. Most importantly, both models processed this document end-to-end with zero failures - no OCR errors, no pipeline breaks, no manual intervention required. This reliability is what makes Vision Transformers production-ready.</a:t>
+            </a:r>
+            <a:endParaRPr lang="en-AU" dirty="0"/>
+          </a:p>
+          <a:p>
+            <a:endParaRPr lang="en-US" dirty="0"/>
+          </a:p>
+        </p:txBody>
+      </p:sp>
+      <p:sp>
+        <p:nvSpPr>
+          <p:cNvPr id="4" name="Slide Number Placeholder 3"/>
+          <p:cNvSpPr>
+            <a:spLocks noGrp="1"/>
+          </p:cNvSpPr>
+          <p:nvPr>
+            <p:ph type="sldNum" sz="quarter" idx="5"/>
+          </p:nvPr>
+        </p:nvSpPr>
+        <p:spPr/>
+        <p:txBody>
+          <a:bodyPr/>
+          <a:lstStyle/>
+          <a:p>
+            <a:fld id="{4421CEC5-989B-3B48-AA40-5F6C85F6110C}" type="slidenum">
+              <a:rPr lang="en-US" smtClean="0"/>
+              <a:t>20</a:t>
+            </a:fld>
+            <a:endParaRPr lang="en-US"/>
+          </a:p>
+        </p:txBody>
+      </p:sp>
+    </p:spTree>
+    <p:extLst>
+      <p:ext uri="{BB962C8B-B14F-4D97-AF65-F5344CB8AC3E}">
+        <p14:creationId xmlns:p14="http://schemas.microsoft.com/office/powerpoint/2010/main" val="819999616"/>
       </p:ext>
     </p:extLst>
   </p:cSld>
@@ -1557,7 +1880,117 @@
           <a:bodyPr/>
           <a:lstStyle/>
           <a:p>
-            <a:endParaRPr lang="en-US"/>
+            <a:pPr marL="0" marR="0" lvl="0" indent="0" algn="l" defTabSz="914400" rtl="0" eaLnBrk="1" fontAlgn="auto" latinLnBrk="0" hangingPunct="1">
+              <a:lnSpc>
+                <a:spcPct val="100000"/>
+              </a:lnSpc>
+              <a:spcBef>
+                <a:spcPts val="0"/>
+              </a:spcBef>
+              <a:spcAft>
+                <a:spcPts val="0"/>
+              </a:spcAft>
+              <a:buClrTx/>
+              <a:buSzTx/>
+              <a:buFontTx/>
+              <a:buNone/>
+              <a:tabLst/>
+              <a:defRPr/>
+            </a:pPr>
+            <a:r>
+              <a:rPr lang="en-AU" sz="1200" b="0" i="1" kern="1200" dirty="0">
+                <a:solidFill>
+                  <a:schemeClr val="tx1"/>
+                </a:solidFill>
+                <a:effectLst/>
+                <a:latin typeface="+mn-lt"/>
+                <a:ea typeface="+mn-ea"/>
+                <a:cs typeface="+mn-cs"/>
+              </a:rPr>
+              <a:t>We'll build understanding systematically - from the tax-specific business context through technical architecture to concrete evidence. </a:t>
+            </a:r>
+            <a:br>
+              <a:rPr lang="en-AU" sz="1200" b="0" i="1" kern="1200" dirty="0">
+                <a:solidFill>
+                  <a:schemeClr val="tx1"/>
+                </a:solidFill>
+                <a:effectLst/>
+                <a:latin typeface="+mn-lt"/>
+                <a:ea typeface="+mn-ea"/>
+                <a:cs typeface="+mn-cs"/>
+              </a:rPr>
+            </a:br>
+            <a:r>
+              <a:rPr lang="en-AU" sz="1200" b="0" i="1" kern="1200" dirty="0">
+                <a:solidFill>
+                  <a:schemeClr val="tx1"/>
+                </a:solidFill>
+                <a:effectLst/>
+                <a:latin typeface="+mn-lt"/>
+                <a:ea typeface="+mn-ea"/>
+                <a:cs typeface="+mn-cs"/>
+              </a:rPr>
+              <a:t>The focus throughout will be on tax document extraction specifically, not general document AI. </a:t>
+            </a:r>
+            <a:br>
+              <a:rPr lang="en-AU" sz="1200" b="0" i="1" kern="1200" dirty="0">
+                <a:solidFill>
+                  <a:schemeClr val="tx1"/>
+                </a:solidFill>
+                <a:effectLst/>
+                <a:latin typeface="+mn-lt"/>
+                <a:ea typeface="+mn-ea"/>
+                <a:cs typeface="+mn-cs"/>
+              </a:rPr>
+            </a:br>
+            <a:r>
+              <a:rPr lang="en-AU" sz="1200" b="0" i="1" kern="1200" dirty="0">
+                <a:solidFill>
+                  <a:schemeClr val="tx1"/>
+                </a:solidFill>
+                <a:effectLst/>
+                <a:latin typeface="+mn-lt"/>
+                <a:ea typeface="+mn-ea"/>
+                <a:cs typeface="+mn-cs"/>
+              </a:rPr>
+              <a:t>By the end, you'll have the technical knowledge and business evidence needed to evaluate Vision Transformers as a </a:t>
+            </a:r>
+            <a:r>
+              <a:rPr lang="en-AU" sz="1200" b="0" i="1" kern="1200" dirty="0" err="1">
+                <a:solidFill>
+                  <a:schemeClr val="tx1"/>
+                </a:solidFill>
+                <a:effectLst/>
+                <a:latin typeface="+mn-lt"/>
+                <a:ea typeface="+mn-ea"/>
+                <a:cs typeface="+mn-cs"/>
+              </a:rPr>
+              <a:t>LayoutLM</a:t>
+            </a:r>
+            <a:r>
+              <a:rPr lang="en-AU" sz="1200" b="0" i="1" kern="1200" dirty="0">
+                <a:solidFill>
+                  <a:schemeClr val="tx1"/>
+                </a:solidFill>
+                <a:effectLst/>
+                <a:latin typeface="+mn-lt"/>
+                <a:ea typeface="+mn-ea"/>
+                <a:cs typeface="+mn-cs"/>
+              </a:rPr>
+              <a:t> replacement for our tax document processing pipeline.</a:t>
+            </a:r>
+            <a:endParaRPr lang="en-AU" sz="1200" b="0" kern="1200" dirty="0">
+              <a:solidFill>
+                <a:schemeClr val="tx1"/>
+              </a:solidFill>
+              <a:effectLst/>
+              <a:latin typeface="+mn-lt"/>
+              <a:ea typeface="+mn-ea"/>
+              <a:cs typeface="+mn-cs"/>
+            </a:endParaRPr>
+          </a:p>
+          <a:p>
+            <a:endParaRPr lang="en-US" dirty="0"/>
           </a:p>
         </p:txBody>
       </p:sp>
@@ -1578,7 +2011,7 @@
           <a:p>
             <a:fld id="{4421CEC5-989B-3B48-AA40-5F6C85F6110C}" type="slidenum">
               <a:rPr lang="en-US" smtClean="0"/>
-              <a:t>8</a:t>
+              <a:t>2</a:t>
             </a:fld>
             <a:endParaRPr lang="en-US"/>
           </a:p>
@@ -1587,7 +2020,175 @@
     </p:spTree>
     <p:extLst>
       <p:ext uri="{BB962C8B-B14F-4D97-AF65-F5344CB8AC3E}">
-        <p14:creationId xmlns:p14="http://schemas.microsoft.com/office/powerpoint/2010/main" val="3362921362"/>
+        <p14:creationId xmlns:p14="http://schemas.microsoft.com/office/powerpoint/2010/main" val="3180927237"/>
+      </p:ext>
+    </p:extLst>
+  </p:cSld>
+  <p:clrMapOvr>
+    <a:masterClrMapping/>
+  </p:clrMapOvr>
+</p:notes>
+</file>
+
+<file path=ppt/notesSlides/notesSlide20.xml><?xml version="1.0" encoding="utf-8"?>
+<p:notes xmlns:a="http://schemas.openxmlformats.org/drawingml/2006/main" xmlns:r="http://schemas.openxmlformats.org/officeDocument/2006/relationships" xmlns:p="http://schemas.openxmlformats.org/presentationml/2006/main">
+  <p:cSld>
+    <p:spTree>
+      <p:nvGrpSpPr>
+        <p:cNvPr id="1" name=""/>
+        <p:cNvGrpSpPr/>
+        <p:nvPr/>
+      </p:nvGrpSpPr>
+      <p:grpSpPr>
+        <a:xfrm>
+          <a:off x="0" y="0"/>
+          <a:ext cx="0" cy="0"/>
+          <a:chOff x="0" y="0"/>
+          <a:chExt cx="0" cy="0"/>
+        </a:xfrm>
+      </p:grpSpPr>
+      <p:sp>
+        <p:nvSpPr>
+          <p:cNvPr id="2" name="Slide Image Placeholder 1"/>
+          <p:cNvSpPr>
+            <a:spLocks noGrp="1" noRot="1" noChangeAspect="1"/>
+          </p:cNvSpPr>
+          <p:nvPr>
+            <p:ph type="sldImg"/>
+          </p:nvPr>
+        </p:nvSpPr>
+        <p:spPr/>
+      </p:sp>
+      <p:sp>
+        <p:nvSpPr>
+          <p:cNvPr id="3" name="Notes Placeholder 2"/>
+          <p:cNvSpPr>
+            <a:spLocks noGrp="1"/>
+          </p:cNvSpPr>
+          <p:nvPr>
+            <p:ph type="body" idx="1"/>
+          </p:nvPr>
+        </p:nvSpPr>
+        <p:spPr/>
+        <p:txBody>
+          <a:bodyPr/>
+          <a:lstStyle/>
+          <a:p>
+            <a:endParaRPr lang="en-US"/>
+          </a:p>
+        </p:txBody>
+      </p:sp>
+      <p:sp>
+        <p:nvSpPr>
+          <p:cNvPr id="4" name="Slide Number Placeholder 3"/>
+          <p:cNvSpPr>
+            <a:spLocks noGrp="1"/>
+          </p:cNvSpPr>
+          <p:nvPr>
+            <p:ph type="sldNum" sz="quarter" idx="5"/>
+          </p:nvPr>
+        </p:nvSpPr>
+        <p:spPr/>
+        <p:txBody>
+          <a:bodyPr/>
+          <a:lstStyle/>
+          <a:p>
+            <a:fld id="{4421CEC5-989B-3B48-AA40-5F6C85F6110C}" type="slidenum">
+              <a:rPr lang="en-US" smtClean="0"/>
+              <a:t>21</a:t>
+            </a:fld>
+            <a:endParaRPr lang="en-US"/>
+          </a:p>
+        </p:txBody>
+      </p:sp>
+    </p:spTree>
+    <p:extLst>
+      <p:ext uri="{BB962C8B-B14F-4D97-AF65-F5344CB8AC3E}">
+        <p14:creationId xmlns:p14="http://schemas.microsoft.com/office/powerpoint/2010/main" val="787923043"/>
+      </p:ext>
+    </p:extLst>
+  </p:cSld>
+  <p:clrMapOvr>
+    <a:masterClrMapping/>
+  </p:clrMapOvr>
+</p:notes>
+</file>
+
+<file path=ppt/notesSlides/notesSlide21.xml><?xml version="1.0" encoding="utf-8"?>
+<p:notes xmlns:a="http://schemas.openxmlformats.org/drawingml/2006/main" xmlns:r="http://schemas.openxmlformats.org/officeDocument/2006/relationships" xmlns:p="http://schemas.openxmlformats.org/presentationml/2006/main">
+  <p:cSld>
+    <p:spTree>
+      <p:nvGrpSpPr>
+        <p:cNvPr id="1" name=""/>
+        <p:cNvGrpSpPr/>
+        <p:nvPr/>
+      </p:nvGrpSpPr>
+      <p:grpSpPr>
+        <a:xfrm>
+          <a:off x="0" y="0"/>
+          <a:ext cx="0" cy="0"/>
+          <a:chOff x="0" y="0"/>
+          <a:chExt cx="0" cy="0"/>
+        </a:xfrm>
+      </p:grpSpPr>
+      <p:sp>
+        <p:nvSpPr>
+          <p:cNvPr id="2" name="Slide Image Placeholder 1"/>
+          <p:cNvSpPr>
+            <a:spLocks noGrp="1" noRot="1" noChangeAspect="1"/>
+          </p:cNvSpPr>
+          <p:nvPr>
+            <p:ph type="sldImg"/>
+          </p:nvPr>
+        </p:nvSpPr>
+        <p:spPr/>
+      </p:sp>
+      <p:sp>
+        <p:nvSpPr>
+          <p:cNvPr id="3" name="Notes Placeholder 2"/>
+          <p:cNvSpPr>
+            <a:spLocks noGrp="1"/>
+          </p:cNvSpPr>
+          <p:nvPr>
+            <p:ph type="body" idx="1"/>
+          </p:nvPr>
+        </p:nvSpPr>
+        <p:spPr/>
+        <p:txBody>
+          <a:bodyPr/>
+          <a:lstStyle/>
+          <a:p>
+            <a:endParaRPr lang="en-US" dirty="0"/>
+          </a:p>
+        </p:txBody>
+      </p:sp>
+      <p:sp>
+        <p:nvSpPr>
+          <p:cNvPr id="4" name="Slide Number Placeholder 3"/>
+          <p:cNvSpPr>
+            <a:spLocks noGrp="1"/>
+          </p:cNvSpPr>
+          <p:nvPr>
+            <p:ph type="sldNum" sz="quarter" idx="5"/>
+          </p:nvPr>
+        </p:nvSpPr>
+        <p:spPr/>
+        <p:txBody>
+          <a:bodyPr/>
+          <a:lstStyle/>
+          <a:p>
+            <a:fld id="{4421CEC5-989B-3B48-AA40-5F6C85F6110C}" type="slidenum">
+              <a:rPr lang="en-US" smtClean="0"/>
+              <a:t>22</a:t>
+            </a:fld>
+            <a:endParaRPr lang="en-US"/>
+          </a:p>
+        </p:txBody>
+      </p:sp>
+    </p:spTree>
+    <p:extLst>
+      <p:ext uri="{BB962C8B-B14F-4D97-AF65-F5344CB8AC3E}">
+        <p14:creationId xmlns:p14="http://schemas.microsoft.com/office/powerpoint/2010/main" val="1901061400"/>
       </p:ext>
     </p:extLst>
   </p:cSld>
@@ -1641,19 +2242,106 @@
           <a:bodyPr/>
           <a:lstStyle/>
           <a:p>
-            <a:r>
-              <a:rPr lang="en-AU" i="1" dirty="0"/>
-              <a:t>Speaker Notes: This isn't an incremental improvement - it's a paradigm shift. </a:t>
-            </a:r>
-            <a:r>
-              <a:rPr lang="en-AU" i="1" dirty="0" err="1"/>
-              <a:t>LayoutLM</a:t>
-            </a:r>
-            <a:r>
-              <a:rPr lang="en-AU" i="1" dirty="0"/>
-              <a:t> tries to reconstruct meaning from fragmented pieces while Vision Transformers naturally learn from the complete visual context.</a:t>
-            </a:r>
-            <a:endParaRPr lang="en-AU" dirty="0"/>
+            <a:pPr marL="0" marR="0" lvl="0" indent="0" algn="l" defTabSz="914400" rtl="0" eaLnBrk="1" fontAlgn="auto" latinLnBrk="0" hangingPunct="1">
+              <a:lnSpc>
+                <a:spcPct val="100000"/>
+              </a:lnSpc>
+              <a:spcBef>
+                <a:spcPts val="0"/>
+              </a:spcBef>
+              <a:spcAft>
+                <a:spcPts val="0"/>
+              </a:spcAft>
+              <a:buClrTx/>
+              <a:buSzTx/>
+              <a:buFontTx/>
+              <a:buNone/>
+              <a:tabLst/>
+              <a:defRPr/>
+            </a:pPr>
+            <a:r>
+              <a:rPr lang="en-AU" sz="1200" b="0" i="1" kern="1200" dirty="0">
+                <a:solidFill>
+                  <a:schemeClr val="tx1"/>
+                </a:solidFill>
+                <a:effectLst/>
+                <a:latin typeface="+mn-lt"/>
+                <a:ea typeface="+mn-ea"/>
+                <a:cs typeface="+mn-cs"/>
+              </a:rPr>
+              <a:t>This slide shows the actual Australian tax return structure focusing on work-related deductions. Each category D1-D5 requires supporting evidence - receipts, invoices, statements. Every document needs accurate field extraction to verify taxpayer claims and categorize them correctly. </a:t>
+            </a:r>
+          </a:p>
+          <a:p>
+            <a:pPr marL="0" marR="0" lvl="0" indent="0" algn="l" defTabSz="914400" rtl="0" eaLnBrk="1" fontAlgn="auto" latinLnBrk="0" hangingPunct="1">
+              <a:lnSpc>
+                <a:spcPct val="100000"/>
+              </a:lnSpc>
+              <a:spcBef>
+                <a:spcPts val="0"/>
+              </a:spcBef>
+              <a:spcAft>
+                <a:spcPts val="0"/>
+              </a:spcAft>
+              <a:buClrTx/>
+              <a:buSzTx/>
+              <a:buFontTx/>
+              <a:buNone/>
+              <a:tabLst/>
+              <a:defRPr/>
+            </a:pPr>
+            <a:r>
+              <a:rPr lang="en-AU" sz="1200" b="0" i="1" kern="1200" dirty="0">
+                <a:solidFill>
+                  <a:schemeClr val="tx1"/>
+                </a:solidFill>
+                <a:effectLst/>
+                <a:latin typeface="+mn-lt"/>
+                <a:ea typeface="+mn-ea"/>
+                <a:cs typeface="+mn-cs"/>
+              </a:rPr>
+              <a:t>Manual processing of thousands of documents per audit cycle creates delays and compliance risks. </a:t>
+            </a:r>
+          </a:p>
+          <a:p>
+            <a:pPr marL="0" marR="0" lvl="0" indent="0" algn="l" defTabSz="914400" rtl="0" eaLnBrk="1" fontAlgn="auto" latinLnBrk="0" hangingPunct="1">
+              <a:lnSpc>
+                <a:spcPct val="100000"/>
+              </a:lnSpc>
+              <a:spcBef>
+                <a:spcPts val="0"/>
+              </a:spcBef>
+              <a:spcAft>
+                <a:spcPts val="0"/>
+              </a:spcAft>
+              <a:buClrTx/>
+              <a:buSzTx/>
+              <a:buFontTx/>
+              <a:buNone/>
+              <a:tabLst/>
+              <a:defRPr/>
+            </a:pPr>
+            <a:r>
+              <a:rPr lang="en-AU" sz="1200" b="0" i="1" kern="1200" dirty="0">
+                <a:solidFill>
+                  <a:schemeClr val="tx1"/>
+                </a:solidFill>
+                <a:effectLst/>
+                <a:latin typeface="+mn-lt"/>
+                <a:ea typeface="+mn-ea"/>
+                <a:cs typeface="+mn-cs"/>
+              </a:rPr>
+              <a:t>The extracted fields aren't just data points - they're the foundation of tax compliance verification. Incorrect extraction can lead to improper deductions, audit failures, or delayed processing that affects both taxpayers and ATO operations.</a:t>
+            </a:r>
+            <a:endParaRPr lang="en-AU" sz="1200" b="0" kern="1200" dirty="0">
+              <a:solidFill>
+                <a:schemeClr val="tx1"/>
+              </a:solidFill>
+              <a:effectLst/>
+              <a:latin typeface="+mn-lt"/>
+              <a:ea typeface="+mn-ea"/>
+              <a:cs typeface="+mn-cs"/>
+            </a:endParaRPr>
           </a:p>
           <a:p>
             <a:endParaRPr lang="en-US" dirty="0"/>
@@ -1677,7 +2365,7 @@
           <a:p>
             <a:fld id="{4421CEC5-989B-3B48-AA40-5F6C85F6110C}" type="slidenum">
               <a:rPr lang="en-US" smtClean="0"/>
-              <a:t>10</a:t>
+              <a:t>3</a:t>
             </a:fld>
             <a:endParaRPr lang="en-US"/>
           </a:p>
@@ -1686,7 +2374,7 @@
     </p:spTree>
     <p:extLst>
       <p:ext uri="{BB962C8B-B14F-4D97-AF65-F5344CB8AC3E}">
-        <p14:creationId xmlns:p14="http://schemas.microsoft.com/office/powerpoint/2010/main" val="3750937352"/>
+        <p14:creationId xmlns:p14="http://schemas.microsoft.com/office/powerpoint/2010/main" val="1420565912"/>
       </p:ext>
     </p:extLst>
   </p:cSld>
@@ -1740,68 +2428,19 @@
           <a:bodyPr/>
           <a:lstStyle/>
           <a:p>
-            <a:pPr marL="0" marR="0" lvl="0" indent="0" algn="l" defTabSz="914400" rtl="0" eaLnBrk="1" fontAlgn="auto" latinLnBrk="0" hangingPunct="1">
-              <a:lnSpc>
-                <a:spcPct val="100000"/>
-              </a:lnSpc>
-              <a:spcBef>
-                <a:spcPts val="0"/>
-              </a:spcBef>
-              <a:spcAft>
-                <a:spcPts val="0"/>
-              </a:spcAft>
-              <a:buClrTx/>
-              <a:buSzTx/>
-              <a:buFontTx/>
-              <a:buNone/>
-              <a:tabLst/>
-              <a:defRPr/>
-            </a:pPr>
-            <a:r>
-              <a:rPr lang="en-AU" sz="1200" b="0" i="1" kern="1200" dirty="0">
-                <a:solidFill>
-                  <a:schemeClr val="tx1"/>
-                </a:solidFill>
-                <a:effectLst/>
-                <a:latin typeface="+mn-lt"/>
-                <a:ea typeface="+mn-ea"/>
-                <a:cs typeface="+mn-cs"/>
-              </a:rPr>
-              <a:t>Speaker Notes: The original </a:t>
-            </a:r>
-            <a:r>
-              <a:rPr lang="en-AU" sz="1200" b="0" i="1" kern="1200" dirty="0" err="1">
-                <a:solidFill>
-                  <a:schemeClr val="tx1"/>
-                </a:solidFill>
-                <a:effectLst/>
-                <a:latin typeface="+mn-lt"/>
-                <a:ea typeface="+mn-ea"/>
-                <a:cs typeface="+mn-cs"/>
-              </a:rPr>
-              <a:t>ViT</a:t>
-            </a:r>
-            <a:r>
-              <a:rPr lang="en-AU" sz="1200" b="0" i="1" kern="1200" dirty="0">
-                <a:solidFill>
-                  <a:schemeClr val="tx1"/>
-                </a:solidFill>
-                <a:effectLst/>
-                <a:latin typeface="+mn-lt"/>
-                <a:ea typeface="+mn-ea"/>
-                <a:cs typeface="+mn-cs"/>
-              </a:rPr>
-              <a:t> breakthrough enabled all modern vision-language models. Key innovation: treats image patches like text tokens, applying transformers directly. All semantics (text, visual, spatial) are unified in one model with no information loss. Modern adaptations like InternVL3 and Llama-3.2-Vision build on this foundation for document understanding. Let's dive into each stage...</a:t>
-            </a:r>
-            <a:endParaRPr lang="en-AU" sz="1200" b="0" kern="1200" dirty="0">
-              <a:solidFill>
-                <a:schemeClr val="tx1"/>
-              </a:solidFill>
-              <a:effectLst/>
-              <a:latin typeface="+mn-lt"/>
-              <a:ea typeface="+mn-ea"/>
-              <a:cs typeface="+mn-cs"/>
-            </a:endParaRPr>
+            <a:r>
+              <a:rPr lang="en-AU" i="1" dirty="0"/>
+              <a:t>These aren't minor issues - they're fundamental architectural limitations of </a:t>
+            </a:r>
+            <a:r>
+              <a:rPr lang="en-AU" i="1" dirty="0" err="1"/>
+              <a:t>LayoutLM</a:t>
+            </a:r>
+            <a:r>
+              <a:rPr lang="en-AU" i="1" dirty="0"/>
+              <a:t> v1 that prevent scaling and improvement. Note: Later versions (v2, v3) addressed some of these issues by adopting image patches, but most production systems still use v1.</a:t>
+            </a:r>
+            <a:endParaRPr lang="en-AU" dirty="0"/>
           </a:p>
           <a:p>
             <a:endParaRPr lang="en-US" dirty="0"/>
@@ -1825,7 +2464,7 @@
           <a:p>
             <a:fld id="{4421CEC5-989B-3B48-AA40-5F6C85F6110C}" type="slidenum">
               <a:rPr lang="en-US" smtClean="0"/>
-              <a:t>11</a:t>
+              <a:t>4</a:t>
             </a:fld>
             <a:endParaRPr lang="en-US"/>
           </a:p>
@@ -1834,7 +2473,7 @@
     </p:spTree>
     <p:extLst>
       <p:ext uri="{BB962C8B-B14F-4D97-AF65-F5344CB8AC3E}">
-        <p14:creationId xmlns:p14="http://schemas.microsoft.com/office/powerpoint/2010/main" val="3694999143"/>
+        <p14:creationId xmlns:p14="http://schemas.microsoft.com/office/powerpoint/2010/main" val="3998264995"/>
       </p:ext>
     </p:extLst>
   </p:cSld>
@@ -1888,11 +2527,116 @@
           <a:bodyPr/>
           <a:lstStyle/>
           <a:p>
-            <a:r>
-              <a:rPr lang="en-AU" i="1" dirty="0"/>
-              <a:t>Speaker Notes: This is the key insight that will help you understand Vision Transformers - they use the EXACT SAME architecture you already know from text transformers. In 2017, "Attention is All You Need" showed that self-attention could replace recurrent networks for text. The breakthrough was realizing that images could be treated the same way as text. Instead of tokenizing "The quick brown fox" into words, we tokenize a Hyatt Hotels invoice into 16x16 pixel patches. The magic is that the encoder stack - the multi-head self-attention and feed forward networks - is IDENTICAL. Same architecture, same self-attention mechanism, same position encoding concept. The only differences are the input (text tokens vs image patches) and output (language understanding vs vision-language fusion). This is why Vision Transformers were so revolutionary - they didn't invent new architectures, they brilliantly applied the transformer architecture to a completely different domain. Your audience already understands how transformers work for text - now they'll see it's the same technology applied to vision.</a:t>
-            </a:r>
-            <a:endParaRPr lang="en-AU" dirty="0"/>
+            <a:pPr marL="0" marR="0" lvl="0" indent="0" algn="l" defTabSz="914400" rtl="0" eaLnBrk="1" fontAlgn="auto" latinLnBrk="0" hangingPunct="1">
+              <a:lnSpc>
+                <a:spcPct val="100000"/>
+              </a:lnSpc>
+              <a:spcBef>
+                <a:spcPts val="0"/>
+              </a:spcBef>
+              <a:spcAft>
+                <a:spcPts val="0"/>
+              </a:spcAft>
+              <a:buClrTx/>
+              <a:buSzTx/>
+              <a:buFontTx/>
+              <a:buNone/>
+              <a:tabLst/>
+              <a:defRPr/>
+            </a:pPr>
+            <a:r>
+              <a:rPr lang="en-AU" sz="1200" b="0" i="1" kern="1200" dirty="0">
+                <a:solidFill>
+                  <a:schemeClr val="tx1"/>
+                </a:solidFill>
+                <a:effectLst/>
+                <a:latin typeface="+mn-lt"/>
+                <a:ea typeface="+mn-ea"/>
+                <a:cs typeface="+mn-cs"/>
+              </a:rPr>
+              <a:t>After seeing </a:t>
+            </a:r>
+            <a:r>
+              <a:rPr lang="en-AU" sz="1200" b="0" i="1" kern="1200" dirty="0" err="1">
+                <a:solidFill>
+                  <a:schemeClr val="tx1"/>
+                </a:solidFill>
+                <a:effectLst/>
+                <a:latin typeface="+mn-lt"/>
+                <a:ea typeface="+mn-ea"/>
+                <a:cs typeface="+mn-cs"/>
+              </a:rPr>
+              <a:t>LayoutLM's</a:t>
+            </a:r>
+            <a:r>
+              <a:rPr lang="en-AU" sz="1200" b="0" i="1" kern="1200" dirty="0">
+                <a:solidFill>
+                  <a:schemeClr val="tx1"/>
+                </a:solidFill>
+                <a:effectLst/>
+                <a:latin typeface="+mn-lt"/>
+                <a:ea typeface="+mn-ea"/>
+                <a:cs typeface="+mn-cs"/>
+              </a:rPr>
+              <a:t> limitations, here's the Vision Transformer alternative - just a few lines of clean Python code that replaces what would be 200+ lines of </a:t>
+            </a:r>
+            <a:r>
+              <a:rPr lang="en-AU" sz="1200" b="0" i="1" kern="1200" dirty="0" err="1">
+                <a:solidFill>
+                  <a:schemeClr val="tx1"/>
+                </a:solidFill>
+                <a:effectLst/>
+                <a:latin typeface="+mn-lt"/>
+                <a:ea typeface="+mn-ea"/>
+                <a:cs typeface="+mn-cs"/>
+              </a:rPr>
+              <a:t>LayoutLM</a:t>
+            </a:r>
+            <a:r>
+              <a:rPr lang="en-AU" sz="1200" b="0" i="1" kern="1200" dirty="0">
+                <a:solidFill>
+                  <a:schemeClr val="tx1"/>
+                </a:solidFill>
+                <a:effectLst/>
+                <a:latin typeface="+mn-lt"/>
+                <a:ea typeface="+mn-ea"/>
+                <a:cs typeface="+mn-cs"/>
+              </a:rPr>
+              <a:t> pipeline setup. No OCR configuration, no coordinate alignment, no multi-model orchestration. Load the model, process the receipt image, get structured tax data. The contrast is striking: </a:t>
+            </a:r>
+            <a:r>
+              <a:rPr lang="en-AU" sz="1200" b="0" i="1" kern="1200" dirty="0" err="1">
+                <a:solidFill>
+                  <a:schemeClr val="tx1"/>
+                </a:solidFill>
+                <a:effectLst/>
+                <a:latin typeface="+mn-lt"/>
+                <a:ea typeface="+mn-ea"/>
+                <a:cs typeface="+mn-cs"/>
+              </a:rPr>
+              <a:t>LayoutLM</a:t>
+            </a:r>
+            <a:r>
+              <a:rPr lang="en-AU" sz="1200" b="0" i="1" kern="1200" dirty="0">
+                <a:solidFill>
+                  <a:schemeClr val="tx1"/>
+                </a:solidFill>
+                <a:effectLst/>
+                <a:latin typeface="+mn-lt"/>
+                <a:ea typeface="+mn-ea"/>
+                <a:cs typeface="+mn-cs"/>
+              </a:rPr>
+              <a:t> requires OCR servers, feature extraction models, coordinate processing, and complex pipeline coordination. Vision Transformers need just this simple code that runs on our existing infrastructure. This simplicity isn't just elegant - it's more reliable, maintainable, and cost-effective for production tax document processing.</a:t>
+            </a:r>
+            <a:endParaRPr lang="en-AU" sz="1200" b="0" kern="1200" dirty="0">
+              <a:solidFill>
+                <a:schemeClr val="tx1"/>
+              </a:solidFill>
+              <a:effectLst/>
+              <a:latin typeface="+mn-lt"/>
+              <a:ea typeface="+mn-ea"/>
+              <a:cs typeface="+mn-cs"/>
+            </a:endParaRPr>
           </a:p>
           <a:p>
             <a:endParaRPr lang="en-US" dirty="0"/>
@@ -1916,7 +2660,7 @@
           <a:p>
             <a:fld id="{4421CEC5-989B-3B48-AA40-5F6C85F6110C}" type="slidenum">
               <a:rPr lang="en-US" smtClean="0"/>
-              <a:t>12</a:t>
+              <a:t>5</a:t>
             </a:fld>
             <a:endParaRPr lang="en-US"/>
           </a:p>
@@ -1925,7 +2669,7 @@
     </p:spTree>
     <p:extLst>
       <p:ext uri="{BB962C8B-B14F-4D97-AF65-F5344CB8AC3E}">
-        <p14:creationId xmlns:p14="http://schemas.microsoft.com/office/powerpoint/2010/main" val="60039520"/>
+        <p14:creationId xmlns:p14="http://schemas.microsoft.com/office/powerpoint/2010/main" val="2125184271"/>
       </p:ext>
     </p:extLst>
   </p:cSld>
@@ -1979,19 +2723,44 @@
           <a:bodyPr/>
           <a:lstStyle/>
           <a:p>
-            <a:r>
-              <a:rPr lang="en-AU" i="1" dirty="0"/>
-              <a:t>Speaker Notes: Before we dive into details, let's understand the overall architecture. Vision Transformers process documents through three main stages that work together seamlessly. Stage 1 converts the document image into encoded patches that transformers can understand. Stage 2 uses self-attention to build global understanding of the document structure and content. Stage 3 converts this understanding into the structured output we need. Unlike </a:t>
-            </a:r>
-            <a:r>
-              <a:rPr lang="en-AU" i="1" dirty="0" err="1"/>
-              <a:t>LayoutLM's</a:t>
-            </a:r>
-            <a:r>
-              <a:rPr lang="en-AU" i="1" dirty="0"/>
-              <a:t> fragmented approach, this is one unified pipeline where each stage feeds directly into the next. Now let's explore each stage in detail...</a:t>
-            </a:r>
-            <a:endParaRPr lang="en-AU" dirty="0"/>
+            <a:pPr marL="0" marR="0" lvl="0" indent="0" algn="l" defTabSz="914400" rtl="0" eaLnBrk="1" fontAlgn="auto" latinLnBrk="0" hangingPunct="1">
+              <a:lnSpc>
+                <a:spcPct val="100000"/>
+              </a:lnSpc>
+              <a:spcBef>
+                <a:spcPts val="0"/>
+              </a:spcBef>
+              <a:spcAft>
+                <a:spcPts val="0"/>
+              </a:spcAft>
+              <a:buClrTx/>
+              <a:buSzTx/>
+              <a:buFontTx/>
+              <a:buNone/>
+              <a:tabLst/>
+              <a:defRPr/>
+            </a:pPr>
+            <a:r>
+              <a:rPr lang="en-AU" sz="1200" b="0" i="1" kern="1200" dirty="0">
+                <a:solidFill>
+                  <a:schemeClr val="tx1"/>
+                </a:solidFill>
+                <a:effectLst/>
+                <a:latin typeface="+mn-lt"/>
+                <a:ea typeface="+mn-ea"/>
+                <a:cs typeface="+mn-cs"/>
+              </a:rPr>
+              <a:t>This is what we mean by "semantic understanding" - the model doesn't just extract "$31.33" from the receipt, it demonstrates complete comprehension by showing the calculation process, cross-referencing line items, and providing an audit trail. This goes far beyond traditional OCR-based extraction that just pulls text from boxes. The model understands the business logic of receipts: line items sum to subtotals, GST calculations, and total verification. For tax processing, this reasoning capability is transformative - every field extraction comes with built-in validation and explanation, exactly what audit officers need for compliance verification.</a:t>
+            </a:r>
+            <a:endParaRPr lang="en-AU" sz="1200" b="0" kern="1200" dirty="0">
+              <a:solidFill>
+                <a:schemeClr val="tx1"/>
+              </a:solidFill>
+              <a:effectLst/>
+              <a:latin typeface="+mn-lt"/>
+              <a:ea typeface="+mn-ea"/>
+              <a:cs typeface="+mn-cs"/>
+            </a:endParaRPr>
           </a:p>
           <a:p>
             <a:endParaRPr lang="en-US" dirty="0"/>
@@ -2015,7 +2784,7 @@
           <a:p>
             <a:fld id="{4421CEC5-989B-3B48-AA40-5F6C85F6110C}" type="slidenum">
               <a:rPr lang="en-US" smtClean="0"/>
-              <a:t>13</a:t>
+              <a:t>6</a:t>
             </a:fld>
             <a:endParaRPr lang="en-US"/>
           </a:p>
@@ -2024,7 +2793,7 @@
     </p:spTree>
     <p:extLst>
       <p:ext uri="{BB962C8B-B14F-4D97-AF65-F5344CB8AC3E}">
-        <p14:creationId xmlns:p14="http://schemas.microsoft.com/office/powerpoint/2010/main" val="3965173128"/>
+        <p14:creationId xmlns:p14="http://schemas.microsoft.com/office/powerpoint/2010/main" val="524117300"/>
       </p:ext>
     </p:extLst>
   </p:cSld>
@@ -2078,14 +2847,7 @@
           <a:bodyPr/>
           <a:lstStyle/>
           <a:p>
-            <a:r>
-              <a:rPr lang="en-AU" i="1" dirty="0"/>
-              <a:t>Speaker Notes: This is where the magic begins. Unlike OCR which tries to extract text first, Vision Transformers treat the entire image as data. A Hyatt Hotels invoice gets split into 16x16 pixel patches - maybe 100-200 patches total. Each patch becomes a mathematical vector, just like a word in a sentence. The position encoding tells the model "this patch is in the top-left corner, this one is bottom-right" - spatial relationships are preserved. The result is a sequence of encoded patches that the transformer can process, with no information lost to OCR failures.</a:t>
-            </a:r>
-            <a:endParaRPr lang="en-AU" dirty="0"/>
-          </a:p>
-          <a:p>
-            <a:endParaRPr lang="en-US" dirty="0"/>
+            <a:endParaRPr lang="en-US"/>
           </a:p>
         </p:txBody>
       </p:sp>
@@ -2106,7 +2868,7 @@
           <a:p>
             <a:fld id="{4421CEC5-989B-3B48-AA40-5F6C85F6110C}" type="slidenum">
               <a:rPr lang="en-US" smtClean="0"/>
-              <a:t>14</a:t>
+              <a:t>8</a:t>
             </a:fld>
             <a:endParaRPr lang="en-US"/>
           </a:p>
@@ -2115,7 +2877,7 @@
     </p:spTree>
     <p:extLst>
       <p:ext uri="{BB962C8B-B14F-4D97-AF65-F5344CB8AC3E}">
-        <p14:creationId xmlns:p14="http://schemas.microsoft.com/office/powerpoint/2010/main" val="1225478442"/>
+        <p14:creationId xmlns:p14="http://schemas.microsoft.com/office/powerpoint/2010/main" val="3362921362"/>
       </p:ext>
     </p:extLst>
   </p:cSld>
@@ -2171,12 +2933,29 @@
           <a:p>
             <a:r>
               <a:rPr lang="en-AU" i="1" dirty="0"/>
-              <a:t>Speaker Notes: This is where Vision Transformers really shine. In traditional approaches, you extract text from one part of the document, then try to connect it to other parts later. Here, every patch of the document can "attend to" every other patch simultaneously. When processing that Hyatt Hotels invoice, the patch containing "TOTAL" can directly connect to patches containing "$31.33", "GST", and line items - all in one step. This happens 12-24 times through the layers, building increasingly sophisticated understanding. No sequential processing, no coordination problems - just direct global understanding.</a:t>
-            </a:r>
-            <a:endParaRPr lang="en-AU" dirty="0"/>
-          </a:p>
-          <a:p>
-            <a:endParaRPr lang="en-US" dirty="0"/>
+              <a:t>Speaker Notes: </a:t>
+            </a:r>
+            <a:r>
+              <a:rPr lang="en-AU" sz="1200" b="0" i="1" kern="1200" dirty="0">
+                <a:solidFill>
+                  <a:schemeClr val="tx1"/>
+                </a:solidFill>
+                <a:effectLst/>
+                <a:latin typeface="+mn-lt"/>
+                <a:ea typeface="+mn-ea"/>
+                <a:cs typeface="+mn-cs"/>
+              </a:rPr>
+              <a:t>This is the key insight that makes Vision Transformers intuitive - they use the EXACT SAME architecture you already understand from language models. In 2017, "Attention is All You Need" showed self-attention could replace recurrent networks for text processing. The breakthrough was realizing images could be treated identically. Instead of tokenizing "The supplier charged $31.33 GST" into words, we tokenize a Hyatt Hotels receipt into 16x16 pixel patches. The transformer stack - multi-head self-attention, feed-forward networks, layer normalization - is IDENTICAL. Same architecture, same attention mechanism, same position encoding concept. For tax documents, this means the model naturally learns that "$31.33 in large text near TOTAL" relates to "line items above" and "GST calculation below" - the same way it learns that "supplier" relates to "charged" and "GST" in text.</a:t>
+            </a:r>
+            <a:endParaRPr lang="en-AU" sz="1200" b="0" kern="1200" dirty="0">
+              <a:solidFill>
+                <a:schemeClr val="tx1"/>
+              </a:solidFill>
+              <a:effectLst/>
+              <a:latin typeface="+mn-lt"/>
+              <a:ea typeface="+mn-ea"/>
+              <a:cs typeface="+mn-cs"/>
+            </a:endParaRPr>
           </a:p>
         </p:txBody>
       </p:sp>
@@ -2197,7 +2976,7 @@
           <a:p>
             <a:fld id="{4421CEC5-989B-3B48-AA40-5F6C85F6110C}" type="slidenum">
               <a:rPr lang="en-US" smtClean="0"/>
-              <a:t>15</a:t>
+              <a:t>9</a:t>
             </a:fld>
             <a:endParaRPr lang="en-US"/>
           </a:p>
@@ -2206,7 +2985,7 @@
     </p:spTree>
     <p:extLst>
       <p:ext uri="{BB962C8B-B14F-4D97-AF65-F5344CB8AC3E}">
-        <p14:creationId xmlns:p14="http://schemas.microsoft.com/office/powerpoint/2010/main" val="2011058690"/>
+        <p14:creationId xmlns:p14="http://schemas.microsoft.com/office/powerpoint/2010/main" val="60039520"/>
       </p:ext>
     </p:extLst>
   </p:cSld>
@@ -2260,29 +3039,71 @@
           <a:bodyPr/>
           <a:lstStyle/>
           <a:p>
-            <a:r>
-              <a:rPr lang="en-AU" i="1" dirty="0"/>
-              <a:t>The final stage converts the rich visual understanding into the structured output we need. </a:t>
-            </a:r>
-          </a:p>
-          <a:p>
-            <a:r>
-              <a:rPr lang="en-AU" i="1" dirty="0"/>
-              <a:t>The vision-language fusion layer has learned to connect visual patterns - like "$31.33 in large text near the word TOTAL" - to semantic concepts like "this is the document amount". </a:t>
-            </a:r>
-          </a:p>
-          <a:p>
-            <a:r>
-              <a:rPr lang="en-AU" i="1" dirty="0"/>
-              <a:t>The language model head then generates clean, structured text in exactly the format we specify. </a:t>
-            </a:r>
-          </a:p>
-          <a:p>
-            <a:r>
-              <a:rPr lang="en-AU" i="1" dirty="0"/>
-              <a:t>No post-processing, no template matching, no coordination between separate models. One unified system that goes from pixels to structured data.</a:t>
-            </a:r>
-            <a:endParaRPr lang="en-AU" dirty="0"/>
+            <a:pPr marL="0" marR="0" lvl="0" indent="0" algn="l" defTabSz="914400" rtl="0" eaLnBrk="1" fontAlgn="auto" latinLnBrk="0" hangingPunct="1">
+              <a:lnSpc>
+                <a:spcPct val="100000"/>
+              </a:lnSpc>
+              <a:spcBef>
+                <a:spcPts val="0"/>
+              </a:spcBef>
+              <a:spcAft>
+                <a:spcPts val="0"/>
+              </a:spcAft>
+              <a:buClrTx/>
+              <a:buSzTx/>
+              <a:buFontTx/>
+              <a:buNone/>
+              <a:tabLst/>
+              <a:defRPr/>
+            </a:pPr>
+            <a:r>
+              <a:rPr lang="en-AU" sz="1200" b="0" i="1" kern="1200" dirty="0">
+                <a:solidFill>
+                  <a:schemeClr val="tx1"/>
+                </a:solidFill>
+                <a:effectLst/>
+                <a:latin typeface="+mn-lt"/>
+                <a:ea typeface="+mn-ea"/>
+                <a:cs typeface="+mn-cs"/>
+              </a:rPr>
+              <a:t>This overview shows why Vision Transformers are perfectly suited for tax document variety. Traditional OCR-based approaches fail because they assume documents have extractable text. Tax receipts often don't - faded thermal printing, logos, stamps, handwriting. Vision Transformers treat everything as visual data, learning patterns directly from pixels. The global self-attention is crucial for tax documents because field relationships span the entire receipt - supplier header relates to ABN in footer, line items relate to GST calculation, totals relate to payment method. This holistic understanding is impossible with </a:t>
+            </a:r>
+            <a:r>
+              <a:rPr lang="en-AU" sz="1200" b="0" i="1" kern="1200" dirty="0" err="1">
+                <a:solidFill>
+                  <a:schemeClr val="tx1"/>
+                </a:solidFill>
+                <a:effectLst/>
+                <a:latin typeface="+mn-lt"/>
+                <a:ea typeface="+mn-ea"/>
+                <a:cs typeface="+mn-cs"/>
+              </a:rPr>
+              <a:t>LayoutLM's</a:t>
+            </a:r>
+            <a:r>
+              <a:rPr lang="en-AU" sz="1200" b="0" i="1" kern="1200" dirty="0">
+                <a:solidFill>
+                  <a:schemeClr val="tx1"/>
+                </a:solidFill>
+                <a:effectLst/>
+                <a:latin typeface="+mn-lt"/>
+                <a:ea typeface="+mn-ea"/>
+                <a:cs typeface="+mn-cs"/>
+              </a:rPr>
+              <a:t> fragmented processing approach.</a:t>
+            </a:r>
+            <a:endParaRPr lang="en-AU" sz="1200" b="0" kern="1200" dirty="0">
+              <a:solidFill>
+                <a:schemeClr val="tx1"/>
+              </a:solidFill>
+              <a:effectLst/>
+              <a:latin typeface="+mn-lt"/>
+              <a:ea typeface="+mn-ea"/>
+              <a:cs typeface="+mn-cs"/>
+            </a:endParaRPr>
+          </a:p>
+          <a:p>
+            <a:endParaRPr lang="en-US" dirty="0"/>
           </a:p>
         </p:txBody>
       </p:sp>
@@ -2303,7 +3124,7 @@
           <a:p>
             <a:fld id="{4421CEC5-989B-3B48-AA40-5F6C85F6110C}" type="slidenum">
               <a:rPr lang="en-US" smtClean="0"/>
-              <a:t>16</a:t>
+              <a:t>10</a:t>
             </a:fld>
             <a:endParaRPr lang="en-US"/>
           </a:p>
@@ -2312,7 +3133,7 @@
     </p:spTree>
     <p:extLst>
       <p:ext uri="{BB962C8B-B14F-4D97-AF65-F5344CB8AC3E}">
-        <p14:creationId xmlns:p14="http://schemas.microsoft.com/office/powerpoint/2010/main" val="2255041967"/>
+        <p14:creationId xmlns:p14="http://schemas.microsoft.com/office/powerpoint/2010/main" val="3648867666"/>
       </p:ext>
     </p:extLst>
   </p:cSld>
@@ -5575,12 +6396,14 @@
         </p:nvSpPr>
         <p:spPr/>
         <p:txBody>
-          <a:bodyPr/>
+          <a:bodyPr>
+            <a:normAutofit/>
+          </a:bodyPr>
           <a:lstStyle/>
           <a:p>
             <a:r>
               <a:rPr lang="en-AU" b="1" dirty="0"/>
-              <a:t>LMMs for Information Extraction?</a:t>
+              <a:t>Vision Transformers for Tax Document Information Extraction?</a:t>
             </a:r>
             <a:endParaRPr lang="en-US" dirty="0"/>
           </a:p>
@@ -5605,25 +6428,9 @@
         <p:spPr/>
         <p:txBody>
           <a:bodyPr>
-            <a:normAutofit fontScale="85000" lnSpcReduction="10000"/>
+            <a:normAutofit lnSpcReduction="10000"/>
           </a:bodyPr>
           <a:lstStyle/>
-          <a:p>
-            <a:r>
-              <a:rPr lang="en-AU" b="1" dirty="0"/>
-              <a:t>Context</a:t>
-            </a:r>
-            <a:r>
-              <a:rPr lang="en-AU" dirty="0"/>
-              <a:t>: PI45 The Large Multimodal Model Proof of Concept (LMM PoC)</a:t>
-            </a:r>
-          </a:p>
-          <a:p>
-            <a:r>
-              <a:rPr lang="en-AU" dirty="0"/>
-              <a:t>Information Extraction within the SSD-DU Pipeline using VLMs</a:t>
-            </a:r>
-          </a:p>
           <a:p>
             <a:r>
               <a:rPr lang="en-AU" b="1" dirty="0"/>
@@ -5669,1497 +6476,6 @@
     <p:extLst>
       <p:ext uri="{BB962C8B-B14F-4D97-AF65-F5344CB8AC3E}">
         <p14:creationId xmlns:p14="http://schemas.microsoft.com/office/powerpoint/2010/main" val="1658125200"/>
-      </p:ext>
-    </p:extLst>
-  </p:cSld>
-  <p:clrMapOvr>
-    <a:masterClrMapping/>
-  </p:clrMapOvr>
-  <p:timing>
-    <p:tnLst>
-      <p:par>
-        <p:cTn id="1" dur="indefinite" restart="never" nodeType="tmRoot">
-          <p:childTnLst>
-            <p:seq concurrent="1" nextAc="seek">
-              <p:cTn id="2" dur="indefinite" nodeType="mainSeq">
-                <p:childTnLst>
-                  <p:par>
-                    <p:cTn id="3" fill="hold">
-                      <p:stCondLst>
-                        <p:cond delay="indefinite"/>
-                      </p:stCondLst>
-                      <p:childTnLst>
-                        <p:par>
-                          <p:cTn id="4" fill="hold">
-                            <p:stCondLst>
-                              <p:cond delay="0"/>
-                            </p:stCondLst>
-                            <p:childTnLst>
-                              <p:par>
-                                <p:cTn id="5" presetID="1" presetClass="entr" presetSubtype="0" fill="hold" grpId="0" nodeType="clickEffect">
-                                  <p:stCondLst>
-                                    <p:cond delay="0"/>
-                                  </p:stCondLst>
-                                  <p:childTnLst>
-                                    <p:set>
-                                      <p:cBhvr>
-                                        <p:cTn id="6" dur="1" fill="hold">
-                                          <p:stCondLst>
-                                            <p:cond delay="0"/>
-                                          </p:stCondLst>
-                                        </p:cTn>
-                                        <p:tgtEl>
-                                          <p:spTgt spid="3">
-                                            <p:txEl>
-                                              <p:pRg st="0" end="0"/>
-                                            </p:txEl>
-                                          </p:spTgt>
-                                        </p:tgtEl>
-                                        <p:attrNameLst>
-                                          <p:attrName>style.visibility</p:attrName>
-                                        </p:attrNameLst>
-                                      </p:cBhvr>
-                                      <p:to>
-                                        <p:strVal val="visible"/>
-                                      </p:to>
-                                    </p:set>
-                                  </p:childTnLst>
-                                </p:cTn>
-                              </p:par>
-                            </p:childTnLst>
-                          </p:cTn>
-                        </p:par>
-                      </p:childTnLst>
-                    </p:cTn>
-                  </p:par>
-                  <p:par>
-                    <p:cTn id="7" fill="hold">
-                      <p:stCondLst>
-                        <p:cond delay="indefinite"/>
-                      </p:stCondLst>
-                      <p:childTnLst>
-                        <p:par>
-                          <p:cTn id="8" fill="hold">
-                            <p:stCondLst>
-                              <p:cond delay="0"/>
-                            </p:stCondLst>
-                            <p:childTnLst>
-                              <p:par>
-                                <p:cTn id="9" presetID="1" presetClass="entr" presetSubtype="0" fill="hold" grpId="0" nodeType="clickEffect">
-                                  <p:stCondLst>
-                                    <p:cond delay="0"/>
-                                  </p:stCondLst>
-                                  <p:childTnLst>
-                                    <p:set>
-                                      <p:cBhvr>
-                                        <p:cTn id="10" dur="1" fill="hold">
-                                          <p:stCondLst>
-                                            <p:cond delay="0"/>
-                                          </p:stCondLst>
-                                        </p:cTn>
-                                        <p:tgtEl>
-                                          <p:spTgt spid="3">
-                                            <p:txEl>
-                                              <p:pRg st="1" end="1"/>
-                                            </p:txEl>
-                                          </p:spTgt>
-                                        </p:tgtEl>
-                                        <p:attrNameLst>
-                                          <p:attrName>style.visibility</p:attrName>
-                                        </p:attrNameLst>
-                                      </p:cBhvr>
-                                      <p:to>
-                                        <p:strVal val="visible"/>
-                                      </p:to>
-                                    </p:set>
-                                  </p:childTnLst>
-                                </p:cTn>
-                              </p:par>
-                            </p:childTnLst>
-                          </p:cTn>
-                        </p:par>
-                      </p:childTnLst>
-                    </p:cTn>
-                  </p:par>
-                  <p:par>
-                    <p:cTn id="11" fill="hold">
-                      <p:stCondLst>
-                        <p:cond delay="indefinite"/>
-                      </p:stCondLst>
-                      <p:childTnLst>
-                        <p:par>
-                          <p:cTn id="12" fill="hold">
-                            <p:stCondLst>
-                              <p:cond delay="0"/>
-                            </p:stCondLst>
-                            <p:childTnLst>
-                              <p:par>
-                                <p:cTn id="13" presetID="1" presetClass="entr" presetSubtype="0" fill="hold" grpId="0" nodeType="clickEffect">
-                                  <p:stCondLst>
-                                    <p:cond delay="0"/>
-                                  </p:stCondLst>
-                                  <p:childTnLst>
-                                    <p:set>
-                                      <p:cBhvr>
-                                        <p:cTn id="14" dur="1" fill="hold">
-                                          <p:stCondLst>
-                                            <p:cond delay="0"/>
-                                          </p:stCondLst>
-                                        </p:cTn>
-                                        <p:tgtEl>
-                                          <p:spTgt spid="3">
-                                            <p:txEl>
-                                              <p:pRg st="2" end="2"/>
-                                            </p:txEl>
-                                          </p:spTgt>
-                                        </p:tgtEl>
-                                        <p:attrNameLst>
-                                          <p:attrName>style.visibility</p:attrName>
-                                        </p:attrNameLst>
-                                      </p:cBhvr>
-                                      <p:to>
-                                        <p:strVal val="visible"/>
-                                      </p:to>
-                                    </p:set>
-                                  </p:childTnLst>
-                                </p:cTn>
-                              </p:par>
-                            </p:childTnLst>
-                          </p:cTn>
-                        </p:par>
-                      </p:childTnLst>
-                    </p:cTn>
-                  </p:par>
-                  <p:par>
-                    <p:cTn id="15" fill="hold">
-                      <p:stCondLst>
-                        <p:cond delay="indefinite"/>
-                      </p:stCondLst>
-                      <p:childTnLst>
-                        <p:par>
-                          <p:cTn id="16" fill="hold">
-                            <p:stCondLst>
-                              <p:cond delay="0"/>
-                            </p:stCondLst>
-                            <p:childTnLst>
-                              <p:par>
-                                <p:cTn id="17" presetID="1" presetClass="entr" presetSubtype="0" fill="hold" grpId="0" nodeType="clickEffect">
-                                  <p:stCondLst>
-                                    <p:cond delay="0"/>
-                                  </p:stCondLst>
-                                  <p:childTnLst>
-                                    <p:set>
-                                      <p:cBhvr>
-                                        <p:cTn id="18" dur="1" fill="hold">
-                                          <p:stCondLst>
-                                            <p:cond delay="0"/>
-                                          </p:stCondLst>
-                                        </p:cTn>
-                                        <p:tgtEl>
-                                          <p:spTgt spid="3">
-                                            <p:txEl>
-                                              <p:pRg st="3" end="3"/>
-                                            </p:txEl>
-                                          </p:spTgt>
-                                        </p:tgtEl>
-                                        <p:attrNameLst>
-                                          <p:attrName>style.visibility</p:attrName>
-                                        </p:attrNameLst>
-                                      </p:cBhvr>
-                                      <p:to>
-                                        <p:strVal val="visible"/>
-                                      </p:to>
-                                    </p:set>
-                                  </p:childTnLst>
-                                </p:cTn>
-                              </p:par>
-                            </p:childTnLst>
-                          </p:cTn>
-                        </p:par>
-                      </p:childTnLst>
-                    </p:cTn>
-                  </p:par>
-                  <p:par>
-                    <p:cTn id="19" fill="hold">
-                      <p:stCondLst>
-                        <p:cond delay="indefinite"/>
-                      </p:stCondLst>
-                      <p:childTnLst>
-                        <p:par>
-                          <p:cTn id="20" fill="hold">
-                            <p:stCondLst>
-                              <p:cond delay="0"/>
-                            </p:stCondLst>
-                            <p:childTnLst>
-                              <p:par>
-                                <p:cTn id="21" presetID="1" presetClass="entr" presetSubtype="0" fill="hold" grpId="0" nodeType="clickEffect">
-                                  <p:stCondLst>
-                                    <p:cond delay="0"/>
-                                  </p:stCondLst>
-                                  <p:childTnLst>
-                                    <p:set>
-                                      <p:cBhvr>
-                                        <p:cTn id="22" dur="1" fill="hold">
-                                          <p:stCondLst>
-                                            <p:cond delay="0"/>
-                                          </p:stCondLst>
-                                        </p:cTn>
-                                        <p:tgtEl>
-                                          <p:spTgt spid="3">
-                                            <p:txEl>
-                                              <p:pRg st="4" end="4"/>
-                                            </p:txEl>
-                                          </p:spTgt>
-                                        </p:tgtEl>
-                                        <p:attrNameLst>
-                                          <p:attrName>style.visibility</p:attrName>
-                                        </p:attrNameLst>
-                                      </p:cBhvr>
-                                      <p:to>
-                                        <p:strVal val="visible"/>
-                                      </p:to>
-                                    </p:set>
-                                  </p:childTnLst>
-                                </p:cTn>
-                              </p:par>
-                            </p:childTnLst>
-                          </p:cTn>
-                        </p:par>
-                      </p:childTnLst>
-                    </p:cTn>
-                  </p:par>
-                </p:childTnLst>
-              </p:cTn>
-              <p:prevCondLst>
-                <p:cond evt="onPrev" delay="0">
-                  <p:tgtEl>
-                    <p:sldTgt/>
-                  </p:tgtEl>
-                </p:cond>
-              </p:prevCondLst>
-              <p:nextCondLst>
-                <p:cond evt="onNext" delay="0">
-                  <p:tgtEl>
-                    <p:sldTgt/>
-                  </p:tgtEl>
-                </p:cond>
-              </p:nextCondLst>
-            </p:seq>
-          </p:childTnLst>
-        </p:cTn>
-      </p:par>
-    </p:tnLst>
-    <p:bldLst>
-      <p:bldP spid="3" grpId="0" build="p"/>
-    </p:bldLst>
-  </p:timing>
-</p:sld>
-</file>
-
-<file path=ppt/slides/slide10.xml><?xml version="1.0" encoding="utf-8"?>
-<p:sld xmlns:a="http://schemas.openxmlformats.org/drawingml/2006/main" xmlns:r="http://schemas.openxmlformats.org/officeDocument/2006/relationships" xmlns:p="http://schemas.openxmlformats.org/presentationml/2006/main">
-  <p:cSld>
-    <p:spTree>
-      <p:nvGrpSpPr>
-        <p:cNvPr id="1" name=""/>
-        <p:cNvGrpSpPr/>
-        <p:nvPr/>
-      </p:nvGrpSpPr>
-      <p:grpSpPr>
-        <a:xfrm>
-          <a:off x="0" y="0"/>
-          <a:ext cx="0" cy="0"/>
-          <a:chOff x="0" y="0"/>
-          <a:chExt cx="0" cy="0"/>
-        </a:xfrm>
-      </p:grpSpPr>
-      <p:sp>
-        <p:nvSpPr>
-          <p:cNvPr id="2" name="Title 1">
-            <a:extLst>
-              <a:ext uri="{FF2B5EF4-FFF2-40B4-BE49-F238E27FC236}">
-                <a16:creationId xmlns:a16="http://schemas.microsoft.com/office/drawing/2014/main" id="{257B313E-56A4-913A-656F-103EB74DCFC0}"/>
-              </a:ext>
-            </a:extLst>
-          </p:cNvPr>
-          <p:cNvSpPr>
-            <a:spLocks noGrp="1"/>
-          </p:cNvSpPr>
-          <p:nvPr>
-            <p:ph type="title"/>
-          </p:nvPr>
-        </p:nvSpPr>
-        <p:spPr/>
-        <p:txBody>
-          <a:bodyPr/>
-          <a:lstStyle/>
-          <a:p>
-            <a:r>
-              <a:rPr lang="en-AU" dirty="0"/>
-              <a:t>Semantic Capture Comparison</a:t>
-            </a:r>
-            <a:endParaRPr lang="en-US" dirty="0"/>
-          </a:p>
-        </p:txBody>
-      </p:sp>
-      <p:sp>
-        <p:nvSpPr>
-          <p:cNvPr id="3" name="Content Placeholder 2">
-            <a:extLst>
-              <a:ext uri="{FF2B5EF4-FFF2-40B4-BE49-F238E27FC236}">
-                <a16:creationId xmlns:a16="http://schemas.microsoft.com/office/drawing/2014/main" id="{75B34A26-91C0-F9C9-756B-3602733EBDC4}"/>
-              </a:ext>
-            </a:extLst>
-          </p:cNvPr>
-          <p:cNvSpPr>
-            <a:spLocks noGrp="1"/>
-          </p:cNvSpPr>
-          <p:nvPr>
-            <p:ph sz="half" idx="1"/>
-          </p:nvPr>
-        </p:nvSpPr>
-        <p:spPr>
-          <a:xfrm>
-            <a:off x="838200" y="1825625"/>
-            <a:ext cx="4343400" cy="4351338"/>
-          </a:xfrm>
-        </p:spPr>
-        <p:txBody>
-          <a:bodyPr/>
-          <a:lstStyle/>
-          <a:p>
-            <a:r>
-              <a:rPr lang="en-US" dirty="0"/>
-              <a:t>Key Difference </a:t>
-            </a:r>
-            <a:r>
-              <a:rPr lang="en-AU" dirty="0" err="1"/>
-              <a:t>LayoutLM</a:t>
-            </a:r>
-            <a:r>
-              <a:rPr lang="en-AU" dirty="0"/>
-              <a:t>: Reconstructs from fragments</a:t>
-            </a:r>
-          </a:p>
-          <a:p>
-            <a:r>
-              <a:rPr lang="en-AU" dirty="0"/>
-              <a:t>Vision Transformers: </a:t>
-            </a:r>
-            <a:br>
-              <a:rPr lang="en-AU" dirty="0"/>
-            </a:br>
-            <a:r>
-              <a:rPr lang="en-AU" dirty="0"/>
-              <a:t>Learn from complete context</a:t>
-            </a:r>
-          </a:p>
-          <a:p>
-            <a:endParaRPr lang="en-US" dirty="0"/>
-          </a:p>
-        </p:txBody>
-      </p:sp>
-      <p:graphicFrame>
-        <p:nvGraphicFramePr>
-          <p:cNvPr id="7" name="Content Placeholder 6">
-            <a:extLst>
-              <a:ext uri="{FF2B5EF4-FFF2-40B4-BE49-F238E27FC236}">
-                <a16:creationId xmlns:a16="http://schemas.microsoft.com/office/drawing/2014/main" id="{96F08042-8148-A603-6E03-FFF051262085}"/>
-              </a:ext>
-            </a:extLst>
-          </p:cNvPr>
-          <p:cNvGraphicFramePr>
-            <a:graphicFrameLocks noGrp="1"/>
-          </p:cNvGraphicFramePr>
-          <p:nvPr>
-            <p:ph sz="half" idx="2"/>
-            <p:extLst>
-              <p:ext uri="{D42A27DB-BD31-4B8C-83A1-F6EECF244321}">
-                <p14:modId xmlns:p14="http://schemas.microsoft.com/office/powerpoint/2010/main" val="839559413"/>
-              </p:ext>
-            </p:extLst>
-          </p:nvPr>
-        </p:nvGraphicFramePr>
-        <p:xfrm>
-          <a:off x="5511800" y="1825625"/>
-          <a:ext cx="6083301" cy="2225040"/>
-        </p:xfrm>
-        <a:graphic>
-          <a:graphicData uri="http://schemas.openxmlformats.org/drawingml/2006/table">
-            <a:tbl>
-              <a:tblPr firstRow="1" bandRow="1">
-                <a:tableStyleId>{5C22544A-7EE6-4342-B048-85BDC9FD1C3A}</a:tableStyleId>
-              </a:tblPr>
-              <a:tblGrid>
-                <a:gridCol w="1130300">
-                  <a:extLst>
-                    <a:ext uri="{9D8B030D-6E8A-4147-A177-3AD203B41FA5}">
-                      <a16:colId xmlns:a16="http://schemas.microsoft.com/office/drawing/2014/main" val="3425463631"/>
-                    </a:ext>
-                  </a:extLst>
-                </a:gridCol>
-                <a:gridCol w="2247900">
-                  <a:extLst>
-                    <a:ext uri="{9D8B030D-6E8A-4147-A177-3AD203B41FA5}">
-                      <a16:colId xmlns:a16="http://schemas.microsoft.com/office/drawing/2014/main" val="1663730415"/>
-                    </a:ext>
-                  </a:extLst>
-                </a:gridCol>
-                <a:gridCol w="2705101">
-                  <a:extLst>
-                    <a:ext uri="{9D8B030D-6E8A-4147-A177-3AD203B41FA5}">
-                      <a16:colId xmlns:a16="http://schemas.microsoft.com/office/drawing/2014/main" val="3145636945"/>
-                    </a:ext>
-                  </a:extLst>
-                </a:gridCol>
-              </a:tblGrid>
-              <a:tr h="370840">
-                <a:tc>
-                  <a:txBody>
-                    <a:bodyPr/>
-                    <a:lstStyle/>
-                    <a:p>
-                      <a:pPr marL="0" marR="0" lvl="0" indent="0" algn="l" defTabSz="914400" rtl="0" eaLnBrk="1" fontAlgn="auto" latinLnBrk="0" hangingPunct="1">
-                        <a:lnSpc>
-                          <a:spcPct val="100000"/>
-                        </a:lnSpc>
-                        <a:spcBef>
-                          <a:spcPts val="0"/>
-                        </a:spcBef>
-                        <a:spcAft>
-                          <a:spcPts val="0"/>
-                        </a:spcAft>
-                        <a:buClrTx/>
-                        <a:buSzTx/>
-                        <a:buFontTx/>
-                        <a:buNone/>
-                        <a:tabLst/>
-                        <a:defRPr/>
-                      </a:pPr>
-                      <a:r>
-                        <a:rPr lang="en-AU" sz="1800" b="0" kern="1200" dirty="0">
-                          <a:solidFill>
-                            <a:schemeClr val="lt1"/>
-                          </a:solidFill>
-                          <a:effectLst/>
-                          <a:latin typeface="+mn-lt"/>
-                          <a:ea typeface="+mn-ea"/>
-                          <a:cs typeface="+mn-cs"/>
-                        </a:rPr>
-                        <a:t>Aspect</a:t>
-                      </a:r>
-                    </a:p>
-                  </a:txBody>
-                  <a:tcPr/>
-                </a:tc>
-                <a:tc>
-                  <a:txBody>
-                    <a:bodyPr/>
-                    <a:lstStyle/>
-                    <a:p>
-                      <a:pPr marL="0" marR="0" lvl="0" indent="0" algn="l" defTabSz="914400" rtl="0" eaLnBrk="1" fontAlgn="auto" latinLnBrk="0" hangingPunct="1">
-                        <a:lnSpc>
-                          <a:spcPct val="100000"/>
-                        </a:lnSpc>
-                        <a:spcBef>
-                          <a:spcPts val="0"/>
-                        </a:spcBef>
-                        <a:spcAft>
-                          <a:spcPts val="0"/>
-                        </a:spcAft>
-                        <a:buClrTx/>
-                        <a:buSzTx/>
-                        <a:buFontTx/>
-                        <a:buNone/>
-                        <a:tabLst/>
-                        <a:defRPr/>
-                      </a:pPr>
-                      <a:r>
-                        <a:rPr lang="en-AU" sz="1800" b="0" kern="1200" dirty="0" err="1">
-                          <a:solidFill>
-                            <a:schemeClr val="lt1"/>
-                          </a:solidFill>
-                          <a:effectLst/>
-                          <a:latin typeface="+mn-lt"/>
-                          <a:ea typeface="+mn-ea"/>
-                          <a:cs typeface="+mn-cs"/>
-                        </a:rPr>
-                        <a:t>LayoutLM</a:t>
-                      </a:r>
-                      <a:endParaRPr lang="en-AU" sz="1800" b="0" kern="1200" dirty="0">
-                        <a:solidFill>
-                          <a:schemeClr val="lt1"/>
-                        </a:solidFill>
-                        <a:effectLst/>
-                        <a:latin typeface="+mn-lt"/>
-                        <a:ea typeface="+mn-ea"/>
-                        <a:cs typeface="+mn-cs"/>
-                      </a:endParaRPr>
-                    </a:p>
-                  </a:txBody>
-                  <a:tcPr/>
-                </a:tc>
-                <a:tc>
-                  <a:txBody>
-                    <a:bodyPr/>
-                    <a:lstStyle/>
-                    <a:p>
-                      <a:pPr marL="0" marR="0" lvl="0" indent="0" algn="l" defTabSz="914400" rtl="0" eaLnBrk="1" fontAlgn="auto" latinLnBrk="0" hangingPunct="1">
-                        <a:lnSpc>
-                          <a:spcPct val="100000"/>
-                        </a:lnSpc>
-                        <a:spcBef>
-                          <a:spcPts val="0"/>
-                        </a:spcBef>
-                        <a:spcAft>
-                          <a:spcPts val="0"/>
-                        </a:spcAft>
-                        <a:buClrTx/>
-                        <a:buSzTx/>
-                        <a:buFontTx/>
-                        <a:buNone/>
-                        <a:tabLst/>
-                        <a:defRPr/>
-                      </a:pPr>
-                      <a:r>
-                        <a:rPr lang="en-AU" sz="1800" b="0" kern="1200" dirty="0">
-                          <a:solidFill>
-                            <a:schemeClr val="lt1"/>
-                          </a:solidFill>
-                          <a:effectLst/>
-                          <a:latin typeface="+mn-lt"/>
-                          <a:ea typeface="+mn-ea"/>
-                          <a:cs typeface="+mn-cs"/>
-                        </a:rPr>
-                        <a:t>Vision Transformer</a:t>
-                      </a:r>
-                    </a:p>
-                  </a:txBody>
-                  <a:tcPr/>
-                </a:tc>
-                <a:extLst>
-                  <a:ext uri="{0D108BD9-81ED-4DB2-BD59-A6C34878D82A}">
-                    <a16:rowId xmlns:a16="http://schemas.microsoft.com/office/drawing/2014/main" val="457066086"/>
-                  </a:ext>
-                </a:extLst>
-              </a:tr>
-              <a:tr h="370840">
-                <a:tc>
-                  <a:txBody>
-                    <a:bodyPr/>
-                    <a:lstStyle/>
-                    <a:p>
-                      <a:pPr marL="0" marR="0" lvl="0" indent="0" algn="l" defTabSz="914400" rtl="0" eaLnBrk="1" fontAlgn="auto" latinLnBrk="0" hangingPunct="1">
-                        <a:lnSpc>
-                          <a:spcPct val="100000"/>
-                        </a:lnSpc>
-                        <a:spcBef>
-                          <a:spcPts val="0"/>
-                        </a:spcBef>
-                        <a:spcAft>
-                          <a:spcPts val="0"/>
-                        </a:spcAft>
-                        <a:buClrTx/>
-                        <a:buSzTx/>
-                        <a:buFontTx/>
-                        <a:buNone/>
-                        <a:tabLst/>
-                        <a:defRPr/>
-                      </a:pPr>
-                      <a:r>
-                        <a:rPr lang="en-AU" sz="1800" b="1" kern="1200" dirty="0">
-                          <a:solidFill>
-                            <a:schemeClr val="dk1"/>
-                          </a:solidFill>
-                          <a:effectLst/>
-                          <a:latin typeface="+mn-lt"/>
-                          <a:ea typeface="+mn-ea"/>
-                          <a:cs typeface="+mn-cs"/>
-                        </a:rPr>
-                        <a:t>Text</a:t>
-                      </a:r>
-                      <a:endParaRPr lang="en-AU" sz="1800" b="0" kern="1200" dirty="0">
-                        <a:solidFill>
-                          <a:schemeClr val="dk1"/>
-                        </a:solidFill>
-                        <a:effectLst/>
-                        <a:latin typeface="+mn-lt"/>
-                        <a:ea typeface="+mn-ea"/>
-                        <a:cs typeface="+mn-cs"/>
-                      </a:endParaRPr>
-                    </a:p>
-                  </a:txBody>
-                  <a:tcPr/>
-                </a:tc>
-                <a:tc>
-                  <a:txBody>
-                    <a:bodyPr/>
-                    <a:lstStyle/>
-                    <a:p>
-                      <a:pPr marL="0" marR="0" lvl="0" indent="0" algn="l" defTabSz="914400" rtl="0" eaLnBrk="1" fontAlgn="auto" latinLnBrk="0" hangingPunct="1">
-                        <a:lnSpc>
-                          <a:spcPct val="100000"/>
-                        </a:lnSpc>
-                        <a:spcBef>
-                          <a:spcPts val="0"/>
-                        </a:spcBef>
-                        <a:spcAft>
-                          <a:spcPts val="0"/>
-                        </a:spcAft>
-                        <a:buClrTx/>
-                        <a:buSzTx/>
-                        <a:buFontTx/>
-                        <a:buNone/>
-                        <a:tabLst/>
-                        <a:defRPr/>
-                      </a:pPr>
-                      <a:r>
-                        <a:rPr lang="en-AU" sz="1800" b="0" kern="1200" dirty="0">
-                          <a:solidFill>
-                            <a:schemeClr val="dk1"/>
-                          </a:solidFill>
-                          <a:effectLst/>
-                          <a:latin typeface="+mn-lt"/>
-                          <a:ea typeface="+mn-ea"/>
-                          <a:cs typeface="+mn-cs"/>
-                        </a:rPr>
-                        <a:t>OCR tokens</a:t>
-                      </a:r>
-                    </a:p>
-                  </a:txBody>
-                  <a:tcPr/>
-                </a:tc>
-                <a:tc>
-                  <a:txBody>
-                    <a:bodyPr/>
-                    <a:lstStyle/>
-                    <a:p>
-                      <a:pPr marL="0" marR="0" lvl="0" indent="0" algn="l" defTabSz="914400" rtl="0" eaLnBrk="1" fontAlgn="auto" latinLnBrk="0" hangingPunct="1">
-                        <a:lnSpc>
-                          <a:spcPct val="100000"/>
-                        </a:lnSpc>
-                        <a:spcBef>
-                          <a:spcPts val="0"/>
-                        </a:spcBef>
-                        <a:spcAft>
-                          <a:spcPts val="0"/>
-                        </a:spcAft>
-                        <a:buClrTx/>
-                        <a:buSzTx/>
-                        <a:buFontTx/>
-                        <a:buNone/>
-                        <a:tabLst/>
-                        <a:defRPr/>
-                      </a:pPr>
-                      <a:r>
-                        <a:rPr lang="en-AU" sz="1800" b="0" kern="1200" dirty="0">
-                          <a:solidFill>
-                            <a:schemeClr val="dk1"/>
-                          </a:solidFill>
-                          <a:effectLst/>
-                          <a:latin typeface="+mn-lt"/>
-                          <a:ea typeface="+mn-ea"/>
-                          <a:cs typeface="+mn-cs"/>
-                        </a:rPr>
-                        <a:t>✅ Visual understanding</a:t>
-                      </a:r>
-                    </a:p>
-                  </a:txBody>
-                  <a:tcPr/>
-                </a:tc>
-                <a:extLst>
-                  <a:ext uri="{0D108BD9-81ED-4DB2-BD59-A6C34878D82A}">
-                    <a16:rowId xmlns:a16="http://schemas.microsoft.com/office/drawing/2014/main" val="7085711"/>
-                  </a:ext>
-                </a:extLst>
-              </a:tr>
-              <a:tr h="370840">
-                <a:tc>
-                  <a:txBody>
-                    <a:bodyPr/>
-                    <a:lstStyle/>
-                    <a:p>
-                      <a:pPr marL="0" marR="0" lvl="0" indent="0" algn="l" defTabSz="914400" rtl="0" eaLnBrk="1" fontAlgn="auto" latinLnBrk="0" hangingPunct="1">
-                        <a:lnSpc>
-                          <a:spcPct val="100000"/>
-                        </a:lnSpc>
-                        <a:spcBef>
-                          <a:spcPts val="0"/>
-                        </a:spcBef>
-                        <a:spcAft>
-                          <a:spcPts val="0"/>
-                        </a:spcAft>
-                        <a:buClrTx/>
-                        <a:buSzTx/>
-                        <a:buFontTx/>
-                        <a:buNone/>
-                        <a:tabLst/>
-                        <a:defRPr/>
-                      </a:pPr>
-                      <a:r>
-                        <a:rPr lang="en-AU" sz="1800" b="1" kern="1200" dirty="0">
-                          <a:solidFill>
-                            <a:schemeClr val="dk1"/>
-                          </a:solidFill>
-                          <a:effectLst/>
-                          <a:latin typeface="+mn-lt"/>
-                          <a:ea typeface="+mn-ea"/>
-                          <a:cs typeface="+mn-cs"/>
-                        </a:rPr>
-                        <a:t>Visual</a:t>
-                      </a:r>
-                      <a:endParaRPr lang="en-AU" sz="1800" b="0" kern="1200" dirty="0">
-                        <a:solidFill>
-                          <a:schemeClr val="dk1"/>
-                        </a:solidFill>
-                        <a:effectLst/>
-                        <a:latin typeface="+mn-lt"/>
-                        <a:ea typeface="+mn-ea"/>
-                        <a:cs typeface="+mn-cs"/>
-                      </a:endParaRPr>
-                    </a:p>
-                  </a:txBody>
-                  <a:tcPr/>
-                </a:tc>
-                <a:tc>
-                  <a:txBody>
-                    <a:bodyPr/>
-                    <a:lstStyle/>
-                    <a:p>
-                      <a:pPr marL="0" marR="0" lvl="0" indent="0" algn="l" defTabSz="914400" rtl="0" eaLnBrk="1" fontAlgn="auto" latinLnBrk="0" hangingPunct="1">
-                        <a:lnSpc>
-                          <a:spcPct val="100000"/>
-                        </a:lnSpc>
-                        <a:spcBef>
-                          <a:spcPts val="0"/>
-                        </a:spcBef>
-                        <a:spcAft>
-                          <a:spcPts val="0"/>
-                        </a:spcAft>
-                        <a:buClrTx/>
-                        <a:buSzTx/>
-                        <a:buFontTx/>
-                        <a:buNone/>
-                        <a:tabLst/>
-                        <a:defRPr/>
-                      </a:pPr>
-                      <a:r>
-                        <a:rPr lang="en-AU" sz="1800" b="0" kern="1200" dirty="0">
-                          <a:solidFill>
-                            <a:schemeClr val="dk1"/>
-                          </a:solidFill>
-                          <a:effectLst/>
-                          <a:latin typeface="+mn-lt"/>
-                          <a:ea typeface="+mn-ea"/>
-                          <a:cs typeface="+mn-cs"/>
-                        </a:rPr>
-                        <a:t>R-CNN</a:t>
-                      </a:r>
-                    </a:p>
-                  </a:txBody>
-                  <a:tcPr/>
-                </a:tc>
-                <a:tc>
-                  <a:txBody>
-                    <a:bodyPr/>
-                    <a:lstStyle/>
-                    <a:p>
-                      <a:pPr marL="0" marR="0" lvl="0" indent="0" algn="l" defTabSz="914400" rtl="0" eaLnBrk="1" fontAlgn="auto" latinLnBrk="0" hangingPunct="1">
-                        <a:lnSpc>
-                          <a:spcPct val="100000"/>
-                        </a:lnSpc>
-                        <a:spcBef>
-                          <a:spcPts val="0"/>
-                        </a:spcBef>
-                        <a:spcAft>
-                          <a:spcPts val="0"/>
-                        </a:spcAft>
-                        <a:buClrTx/>
-                        <a:buSzTx/>
-                        <a:buFontTx/>
-                        <a:buNone/>
-                        <a:tabLst/>
-                        <a:defRPr/>
-                      </a:pPr>
-                      <a:r>
-                        <a:rPr lang="en-AU" sz="1800" b="0" kern="1200" dirty="0">
-                          <a:solidFill>
-                            <a:schemeClr val="dk1"/>
-                          </a:solidFill>
-                          <a:effectLst/>
-                          <a:latin typeface="+mn-lt"/>
-                          <a:ea typeface="+mn-ea"/>
-                          <a:cs typeface="+mn-cs"/>
-                        </a:rPr>
-                        <a:t>✅ Deep integration</a:t>
-                      </a:r>
-                    </a:p>
-                  </a:txBody>
-                  <a:tcPr/>
-                </a:tc>
-                <a:extLst>
-                  <a:ext uri="{0D108BD9-81ED-4DB2-BD59-A6C34878D82A}">
-                    <a16:rowId xmlns:a16="http://schemas.microsoft.com/office/drawing/2014/main" val="3757228549"/>
-                  </a:ext>
-                </a:extLst>
-              </a:tr>
-              <a:tr h="370840">
-                <a:tc>
-                  <a:txBody>
-                    <a:bodyPr/>
-                    <a:lstStyle/>
-                    <a:p>
-                      <a:pPr marL="0" marR="0" lvl="0" indent="0" algn="l" defTabSz="914400" rtl="0" eaLnBrk="1" fontAlgn="auto" latinLnBrk="0" hangingPunct="1">
-                        <a:lnSpc>
-                          <a:spcPct val="100000"/>
-                        </a:lnSpc>
-                        <a:spcBef>
-                          <a:spcPts val="0"/>
-                        </a:spcBef>
-                        <a:spcAft>
-                          <a:spcPts val="0"/>
-                        </a:spcAft>
-                        <a:buClrTx/>
-                        <a:buSzTx/>
-                        <a:buFontTx/>
-                        <a:buNone/>
-                        <a:tabLst/>
-                        <a:defRPr/>
-                      </a:pPr>
-                      <a:r>
-                        <a:rPr lang="en-AU" sz="1800" b="1" kern="1200" dirty="0">
-                          <a:solidFill>
-                            <a:schemeClr val="dk1"/>
-                          </a:solidFill>
-                          <a:effectLst/>
-                          <a:latin typeface="+mn-lt"/>
-                          <a:ea typeface="+mn-ea"/>
-                          <a:cs typeface="+mn-cs"/>
-                        </a:rPr>
-                        <a:t>Spatial</a:t>
-                      </a:r>
-                      <a:endParaRPr lang="en-AU" sz="1800" b="0" kern="1200" dirty="0">
-                        <a:solidFill>
-                          <a:schemeClr val="dk1"/>
-                        </a:solidFill>
-                        <a:effectLst/>
-                        <a:latin typeface="+mn-lt"/>
-                        <a:ea typeface="+mn-ea"/>
-                        <a:cs typeface="+mn-cs"/>
-                      </a:endParaRPr>
-                    </a:p>
-                  </a:txBody>
-                  <a:tcPr/>
-                </a:tc>
-                <a:tc>
-                  <a:txBody>
-                    <a:bodyPr/>
-                    <a:lstStyle/>
-                    <a:p>
-                      <a:pPr marL="0" marR="0" lvl="0" indent="0" algn="l" defTabSz="914400" rtl="0" eaLnBrk="1" fontAlgn="auto" latinLnBrk="0" hangingPunct="1">
-                        <a:lnSpc>
-                          <a:spcPct val="100000"/>
-                        </a:lnSpc>
-                        <a:spcBef>
-                          <a:spcPts val="0"/>
-                        </a:spcBef>
-                        <a:spcAft>
-                          <a:spcPts val="0"/>
-                        </a:spcAft>
-                        <a:buClrTx/>
-                        <a:buSzTx/>
-                        <a:buFontTx/>
-                        <a:buNone/>
-                        <a:tabLst/>
-                        <a:defRPr/>
-                      </a:pPr>
-                      <a:r>
-                        <a:rPr lang="en-AU" sz="1800" b="0" kern="1200" dirty="0">
-                          <a:solidFill>
-                            <a:schemeClr val="dk1"/>
-                          </a:solidFill>
-                          <a:effectLst/>
-                          <a:latin typeface="+mn-lt"/>
-                          <a:ea typeface="+mn-ea"/>
-                          <a:cs typeface="+mn-cs"/>
-                        </a:rPr>
-                        <a:t>⚠️ Hard-coded</a:t>
-                      </a:r>
-                    </a:p>
-                  </a:txBody>
-                  <a:tcPr/>
-                </a:tc>
-                <a:tc>
-                  <a:txBody>
-                    <a:bodyPr/>
-                    <a:lstStyle/>
-                    <a:p>
-                      <a:pPr marL="0" marR="0" lvl="0" indent="0" algn="l" defTabSz="914400" rtl="0" eaLnBrk="1" fontAlgn="auto" latinLnBrk="0" hangingPunct="1">
-                        <a:lnSpc>
-                          <a:spcPct val="100000"/>
-                        </a:lnSpc>
-                        <a:spcBef>
-                          <a:spcPts val="0"/>
-                        </a:spcBef>
-                        <a:spcAft>
-                          <a:spcPts val="0"/>
-                        </a:spcAft>
-                        <a:buClrTx/>
-                        <a:buSzTx/>
-                        <a:buFontTx/>
-                        <a:buNone/>
-                        <a:tabLst/>
-                        <a:defRPr/>
-                      </a:pPr>
-                      <a:r>
-                        <a:rPr lang="en-AU" sz="1800" b="0" kern="1200" dirty="0">
-                          <a:solidFill>
-                            <a:schemeClr val="dk1"/>
-                          </a:solidFill>
-                          <a:effectLst/>
-                          <a:latin typeface="+mn-lt"/>
-                          <a:ea typeface="+mn-ea"/>
-                          <a:cs typeface="+mn-cs"/>
-                        </a:rPr>
-                        <a:t>✅ Learned relations</a:t>
-                      </a:r>
-                    </a:p>
-                  </a:txBody>
-                  <a:tcPr/>
-                </a:tc>
-                <a:extLst>
-                  <a:ext uri="{0D108BD9-81ED-4DB2-BD59-A6C34878D82A}">
-                    <a16:rowId xmlns:a16="http://schemas.microsoft.com/office/drawing/2014/main" val="2721293073"/>
-                  </a:ext>
-                </a:extLst>
-              </a:tr>
-              <a:tr h="370840">
-                <a:tc>
-                  <a:txBody>
-                    <a:bodyPr/>
-                    <a:lstStyle/>
-                    <a:p>
-                      <a:pPr marL="0" marR="0" lvl="0" indent="0" algn="l" defTabSz="914400" rtl="0" eaLnBrk="1" fontAlgn="auto" latinLnBrk="0" hangingPunct="1">
-                        <a:lnSpc>
-                          <a:spcPct val="100000"/>
-                        </a:lnSpc>
-                        <a:spcBef>
-                          <a:spcPts val="0"/>
-                        </a:spcBef>
-                        <a:spcAft>
-                          <a:spcPts val="0"/>
-                        </a:spcAft>
-                        <a:buClrTx/>
-                        <a:buSzTx/>
-                        <a:buFontTx/>
-                        <a:buNone/>
-                        <a:tabLst/>
-                        <a:defRPr/>
-                      </a:pPr>
-                      <a:r>
-                        <a:rPr lang="en-AU" sz="1800" b="1" kern="1200" dirty="0">
-                          <a:solidFill>
-                            <a:schemeClr val="dk1"/>
-                          </a:solidFill>
-                          <a:effectLst/>
-                          <a:latin typeface="+mn-lt"/>
-                          <a:ea typeface="+mn-ea"/>
-                          <a:cs typeface="+mn-cs"/>
-                        </a:rPr>
-                        <a:t>Context</a:t>
-                      </a:r>
-                      <a:endParaRPr lang="en-AU" sz="1800" b="0" kern="1200" dirty="0">
-                        <a:solidFill>
-                          <a:schemeClr val="dk1"/>
-                        </a:solidFill>
-                        <a:effectLst/>
-                        <a:latin typeface="+mn-lt"/>
-                        <a:ea typeface="+mn-ea"/>
-                        <a:cs typeface="+mn-cs"/>
-                      </a:endParaRPr>
-                    </a:p>
-                  </a:txBody>
-                  <a:tcPr/>
-                </a:tc>
-                <a:tc>
-                  <a:txBody>
-                    <a:bodyPr/>
-                    <a:lstStyle/>
-                    <a:p>
-                      <a:pPr marL="0" marR="0" lvl="0" indent="0" algn="l" defTabSz="914400" rtl="0" eaLnBrk="1" fontAlgn="auto" latinLnBrk="0" hangingPunct="1">
-                        <a:lnSpc>
-                          <a:spcPct val="100000"/>
-                        </a:lnSpc>
-                        <a:spcBef>
-                          <a:spcPts val="0"/>
-                        </a:spcBef>
-                        <a:spcAft>
-                          <a:spcPts val="0"/>
-                        </a:spcAft>
-                        <a:buClrTx/>
-                        <a:buSzTx/>
-                        <a:buFontTx/>
-                        <a:buNone/>
-                        <a:tabLst/>
-                        <a:defRPr/>
-                      </a:pPr>
-                      <a:r>
-                        <a:rPr lang="en-AU" sz="1800" b="0" kern="1200" dirty="0">
-                          <a:solidFill>
-                            <a:schemeClr val="dk1"/>
-                          </a:solidFill>
-                          <a:effectLst/>
-                          <a:latin typeface="+mn-lt"/>
-                          <a:ea typeface="+mn-ea"/>
-                          <a:cs typeface="+mn-cs"/>
-                        </a:rPr>
-                        <a:t>❌ Post-hoc</a:t>
-                      </a:r>
-                    </a:p>
-                  </a:txBody>
-                  <a:tcPr/>
-                </a:tc>
-                <a:tc>
-                  <a:txBody>
-                    <a:bodyPr/>
-                    <a:lstStyle/>
-                    <a:p>
-                      <a:pPr marL="0" marR="0" lvl="0" indent="0" algn="l" defTabSz="914400" rtl="0" eaLnBrk="1" fontAlgn="auto" latinLnBrk="0" hangingPunct="1">
-                        <a:lnSpc>
-                          <a:spcPct val="100000"/>
-                        </a:lnSpc>
-                        <a:spcBef>
-                          <a:spcPts val="0"/>
-                        </a:spcBef>
-                        <a:spcAft>
-                          <a:spcPts val="0"/>
-                        </a:spcAft>
-                        <a:buClrTx/>
-                        <a:buSzTx/>
-                        <a:buFontTx/>
-                        <a:buNone/>
-                        <a:tabLst/>
-                        <a:defRPr/>
-                      </a:pPr>
-                      <a:r>
-                        <a:rPr lang="en-AU" sz="1800" b="0" kern="1200" dirty="0">
-                          <a:solidFill>
-                            <a:schemeClr val="dk1"/>
-                          </a:solidFill>
-                          <a:effectLst/>
-                          <a:latin typeface="+mn-lt"/>
-                          <a:ea typeface="+mn-ea"/>
-                          <a:cs typeface="+mn-cs"/>
-                        </a:rPr>
-                        <a:t>✅ Unified</a:t>
-                      </a:r>
-                    </a:p>
-                  </a:txBody>
-                  <a:tcPr/>
-                </a:tc>
-                <a:extLst>
-                  <a:ext uri="{0D108BD9-81ED-4DB2-BD59-A6C34878D82A}">
-                    <a16:rowId xmlns:a16="http://schemas.microsoft.com/office/drawing/2014/main" val="1939039891"/>
-                  </a:ext>
-                </a:extLst>
-              </a:tr>
-              <a:tr h="370840">
-                <a:tc>
-                  <a:txBody>
-                    <a:bodyPr/>
-                    <a:lstStyle/>
-                    <a:p>
-                      <a:pPr marL="0" marR="0" lvl="0" indent="0" algn="l" defTabSz="914400" rtl="0" eaLnBrk="1" fontAlgn="auto" latinLnBrk="0" hangingPunct="1">
-                        <a:lnSpc>
-                          <a:spcPct val="100000"/>
-                        </a:lnSpc>
-                        <a:spcBef>
-                          <a:spcPts val="0"/>
-                        </a:spcBef>
-                        <a:spcAft>
-                          <a:spcPts val="0"/>
-                        </a:spcAft>
-                        <a:buClrTx/>
-                        <a:buSzTx/>
-                        <a:buFontTx/>
-                        <a:buNone/>
-                        <a:tabLst/>
-                        <a:defRPr/>
-                      </a:pPr>
-                      <a:r>
-                        <a:rPr lang="en-AU" sz="1800" b="1" kern="1200" dirty="0">
-                          <a:solidFill>
-                            <a:schemeClr val="dk1"/>
-                          </a:solidFill>
-                          <a:effectLst/>
-                          <a:latin typeface="+mn-lt"/>
-                          <a:ea typeface="+mn-ea"/>
-                          <a:cs typeface="+mn-cs"/>
-                        </a:rPr>
-                        <a:t>Loss</a:t>
-                      </a:r>
-                      <a:endParaRPr lang="en-AU" sz="1800" b="0" kern="1200" dirty="0">
-                        <a:solidFill>
-                          <a:schemeClr val="dk1"/>
-                        </a:solidFill>
-                        <a:effectLst/>
-                        <a:latin typeface="+mn-lt"/>
-                        <a:ea typeface="+mn-ea"/>
-                        <a:cs typeface="+mn-cs"/>
-                      </a:endParaRPr>
-                    </a:p>
-                  </a:txBody>
-                  <a:tcPr/>
-                </a:tc>
-                <a:tc>
-                  <a:txBody>
-                    <a:bodyPr/>
-                    <a:lstStyle/>
-                    <a:p>
-                      <a:pPr marL="0" marR="0" lvl="0" indent="0" algn="l" defTabSz="914400" rtl="0" eaLnBrk="1" fontAlgn="auto" latinLnBrk="0" hangingPunct="1">
-                        <a:lnSpc>
-                          <a:spcPct val="100000"/>
-                        </a:lnSpc>
-                        <a:spcBef>
-                          <a:spcPts val="0"/>
-                        </a:spcBef>
-                        <a:spcAft>
-                          <a:spcPts val="0"/>
-                        </a:spcAft>
-                        <a:buClrTx/>
-                        <a:buSzTx/>
-                        <a:buFontTx/>
-                        <a:buNone/>
-                        <a:tabLst/>
-                        <a:defRPr/>
-                      </a:pPr>
-                      <a:r>
-                        <a:rPr lang="en-AU" sz="1800" b="0" kern="1200" dirty="0">
-                          <a:solidFill>
-                            <a:schemeClr val="dk1"/>
-                          </a:solidFill>
-                          <a:effectLst/>
-                          <a:latin typeface="+mn-lt"/>
-                          <a:ea typeface="+mn-ea"/>
-                          <a:cs typeface="+mn-cs"/>
-                        </a:rPr>
-                        <a:t>High</a:t>
-                      </a:r>
-                    </a:p>
-                  </a:txBody>
-                  <a:tcPr/>
-                </a:tc>
-                <a:tc>
-                  <a:txBody>
-                    <a:bodyPr/>
-                    <a:lstStyle/>
-                    <a:p>
-                      <a:pPr marL="0" marR="0" lvl="0" indent="0" algn="l" defTabSz="914400" rtl="0" eaLnBrk="1" fontAlgn="auto" latinLnBrk="0" hangingPunct="1">
-                        <a:lnSpc>
-                          <a:spcPct val="100000"/>
-                        </a:lnSpc>
-                        <a:spcBef>
-                          <a:spcPts val="0"/>
-                        </a:spcBef>
-                        <a:spcAft>
-                          <a:spcPts val="0"/>
-                        </a:spcAft>
-                        <a:buClrTx/>
-                        <a:buSzTx/>
-                        <a:buFontTx/>
-                        <a:buNone/>
-                        <a:tabLst/>
-                        <a:defRPr/>
-                      </a:pPr>
-                      <a:r>
-                        <a:rPr lang="en-AU" sz="1800" b="0" kern="1200" dirty="0">
-                          <a:solidFill>
-                            <a:schemeClr val="dk1"/>
-                          </a:solidFill>
-                          <a:effectLst/>
-                          <a:latin typeface="+mn-lt"/>
-                          <a:ea typeface="+mn-ea"/>
-                          <a:cs typeface="+mn-cs"/>
-                        </a:rPr>
-                        <a:t>Minimal</a:t>
-                      </a:r>
-                    </a:p>
-                  </a:txBody>
-                  <a:tcPr/>
-                </a:tc>
-                <a:extLst>
-                  <a:ext uri="{0D108BD9-81ED-4DB2-BD59-A6C34878D82A}">
-                    <a16:rowId xmlns:a16="http://schemas.microsoft.com/office/drawing/2014/main" val="1191779394"/>
-                  </a:ext>
-                </a:extLst>
-              </a:tr>
-            </a:tbl>
-          </a:graphicData>
-        </a:graphic>
-      </p:graphicFrame>
-    </p:spTree>
-    <p:extLst>
-      <p:ext uri="{BB962C8B-B14F-4D97-AF65-F5344CB8AC3E}">
-        <p14:creationId xmlns:p14="http://schemas.microsoft.com/office/powerpoint/2010/main" val="2221968609"/>
-      </p:ext>
-    </p:extLst>
-  </p:cSld>
-  <p:clrMapOvr>
-    <a:masterClrMapping/>
-  </p:clrMapOvr>
-  <p:timing>
-    <p:tnLst>
-      <p:par>
-        <p:cTn id="1" dur="indefinite" restart="never" nodeType="tmRoot">
-          <p:childTnLst>
-            <p:seq concurrent="1" nextAc="seek">
-              <p:cTn id="2" dur="indefinite" nodeType="mainSeq">
-                <p:childTnLst>
-                  <p:par>
-                    <p:cTn id="3" fill="hold">
-                      <p:stCondLst>
-                        <p:cond delay="indefinite"/>
-                      </p:stCondLst>
-                      <p:childTnLst>
-                        <p:par>
-                          <p:cTn id="4" fill="hold">
-                            <p:stCondLst>
-                              <p:cond delay="0"/>
-                            </p:stCondLst>
-                            <p:childTnLst>
-                              <p:par>
-                                <p:cTn id="5" presetID="1" presetClass="entr" presetSubtype="0" fill="hold" grpId="0" nodeType="clickEffect">
-                                  <p:stCondLst>
-                                    <p:cond delay="0"/>
-                                  </p:stCondLst>
-                                  <p:childTnLst>
-                                    <p:set>
-                                      <p:cBhvr>
-                                        <p:cTn id="6" dur="1" fill="hold">
-                                          <p:stCondLst>
-                                            <p:cond delay="0"/>
-                                          </p:stCondLst>
-                                        </p:cTn>
-                                        <p:tgtEl>
-                                          <p:spTgt spid="3">
-                                            <p:txEl>
-                                              <p:pRg st="0" end="0"/>
-                                            </p:txEl>
-                                          </p:spTgt>
-                                        </p:tgtEl>
-                                        <p:attrNameLst>
-                                          <p:attrName>style.visibility</p:attrName>
-                                        </p:attrNameLst>
-                                      </p:cBhvr>
-                                      <p:to>
-                                        <p:strVal val="visible"/>
-                                      </p:to>
-                                    </p:set>
-                                  </p:childTnLst>
-                                </p:cTn>
-                              </p:par>
-                            </p:childTnLst>
-                          </p:cTn>
-                        </p:par>
-                      </p:childTnLst>
-                    </p:cTn>
-                  </p:par>
-                  <p:par>
-                    <p:cTn id="7" fill="hold">
-                      <p:stCondLst>
-                        <p:cond delay="indefinite"/>
-                      </p:stCondLst>
-                      <p:childTnLst>
-                        <p:par>
-                          <p:cTn id="8" fill="hold">
-                            <p:stCondLst>
-                              <p:cond delay="0"/>
-                            </p:stCondLst>
-                            <p:childTnLst>
-                              <p:par>
-                                <p:cTn id="9" presetID="1" presetClass="entr" presetSubtype="0" fill="hold" grpId="0" nodeType="clickEffect">
-                                  <p:stCondLst>
-                                    <p:cond delay="0"/>
-                                  </p:stCondLst>
-                                  <p:childTnLst>
-                                    <p:set>
-                                      <p:cBhvr>
-                                        <p:cTn id="10" dur="1" fill="hold">
-                                          <p:stCondLst>
-                                            <p:cond delay="0"/>
-                                          </p:stCondLst>
-                                        </p:cTn>
-                                        <p:tgtEl>
-                                          <p:spTgt spid="3">
-                                            <p:txEl>
-                                              <p:pRg st="1" end="1"/>
-                                            </p:txEl>
-                                          </p:spTgt>
-                                        </p:tgtEl>
-                                        <p:attrNameLst>
-                                          <p:attrName>style.visibility</p:attrName>
-                                        </p:attrNameLst>
-                                      </p:cBhvr>
-                                      <p:to>
-                                        <p:strVal val="visible"/>
-                                      </p:to>
-                                    </p:set>
-                                  </p:childTnLst>
-                                </p:cTn>
-                              </p:par>
-                            </p:childTnLst>
-                          </p:cTn>
-                        </p:par>
-                      </p:childTnLst>
-                    </p:cTn>
-                  </p:par>
-                </p:childTnLst>
-              </p:cTn>
-              <p:prevCondLst>
-                <p:cond evt="onPrev" delay="0">
-                  <p:tgtEl>
-                    <p:sldTgt/>
-                  </p:tgtEl>
-                </p:cond>
-              </p:prevCondLst>
-              <p:nextCondLst>
-                <p:cond evt="onNext" delay="0">
-                  <p:tgtEl>
-                    <p:sldTgt/>
-                  </p:tgtEl>
-                </p:cond>
-              </p:nextCondLst>
-            </p:seq>
-          </p:childTnLst>
-        </p:cTn>
-      </p:par>
-    </p:tnLst>
-    <p:bldLst>
-      <p:bldP spid="3" grpId="0" build="p"/>
-    </p:bldLst>
-  </p:timing>
-</p:sld>
-</file>
-
-<file path=ppt/slides/slide11.xml><?xml version="1.0" encoding="utf-8"?>
-<p:sld xmlns:a="http://schemas.openxmlformats.org/drawingml/2006/main" xmlns:r="http://schemas.openxmlformats.org/officeDocument/2006/relationships" xmlns:p="http://schemas.openxmlformats.org/presentationml/2006/main">
-  <p:cSld>
-    <p:spTree>
-      <p:nvGrpSpPr>
-        <p:cNvPr id="1" name=""/>
-        <p:cNvGrpSpPr/>
-        <p:nvPr/>
-      </p:nvGrpSpPr>
-      <p:grpSpPr>
-        <a:xfrm>
-          <a:off x="0" y="0"/>
-          <a:ext cx="0" cy="0"/>
-          <a:chOff x="0" y="0"/>
-          <a:chExt cx="0" cy="0"/>
-        </a:xfrm>
-      </p:grpSpPr>
-      <p:sp>
-        <p:nvSpPr>
-          <p:cNvPr id="2" name="Title 1">
-            <a:extLst>
-              <a:ext uri="{FF2B5EF4-FFF2-40B4-BE49-F238E27FC236}">
-                <a16:creationId xmlns:a16="http://schemas.microsoft.com/office/drawing/2014/main" id="{48953633-4AFC-C5EA-54A8-19A2BD5259C3}"/>
-              </a:ext>
-            </a:extLst>
-          </p:cNvPr>
-          <p:cNvSpPr>
-            <a:spLocks noGrp="1"/>
-          </p:cNvSpPr>
-          <p:nvPr>
-            <p:ph type="title"/>
-          </p:nvPr>
-        </p:nvSpPr>
-        <p:spPr/>
-        <p:txBody>
-          <a:bodyPr>
-            <a:normAutofit fontScale="90000"/>
-          </a:bodyPr>
-          <a:lstStyle/>
-          <a:p>
-            <a:r>
-              <a:rPr lang="en-AU" b="1" dirty="0"/>
-              <a:t>How it Works</a:t>
-            </a:r>
-            <a:r>
-              <a:rPr lang="en-AU" dirty="0"/>
-              <a:t>: Three-stage processing in Image Transformers</a:t>
-            </a:r>
-            <a:br>
-              <a:rPr lang="en-AU" dirty="0"/>
-            </a:br>
-            <a:endParaRPr lang="en-US" dirty="0"/>
-          </a:p>
-        </p:txBody>
-      </p:sp>
-      <p:sp>
-        <p:nvSpPr>
-          <p:cNvPr id="3" name="Content Placeholder 2">
-            <a:extLst>
-              <a:ext uri="{FF2B5EF4-FFF2-40B4-BE49-F238E27FC236}">
-                <a16:creationId xmlns:a16="http://schemas.microsoft.com/office/drawing/2014/main" id="{353A945F-8121-47CE-74E1-F9ED750940F1}"/>
-              </a:ext>
-            </a:extLst>
-          </p:cNvPr>
-          <p:cNvSpPr>
-            <a:spLocks noGrp="1"/>
-          </p:cNvSpPr>
-          <p:nvPr>
-            <p:ph idx="1"/>
-          </p:nvPr>
-        </p:nvSpPr>
-        <p:spPr>
-          <a:xfrm>
-            <a:off x="838200" y="2796296"/>
-            <a:ext cx="10515600" cy="2085193"/>
-          </a:xfrm>
-        </p:spPr>
-        <p:txBody>
-          <a:bodyPr/>
-          <a:lstStyle/>
-          <a:p>
-            <a:r>
-              <a:rPr lang="en-AU" b="1" dirty="0"/>
-              <a:t>Input Processing</a:t>
-            </a:r>
-            <a:r>
-              <a:rPr lang="en-AU" dirty="0"/>
-              <a:t>: Patches → Embeddings → Position encoding</a:t>
-            </a:r>
-          </a:p>
-          <a:p>
-            <a:r>
-              <a:rPr lang="en-AU" b="1" dirty="0"/>
-              <a:t>Transformer Stack</a:t>
-            </a:r>
-            <a:r>
-              <a:rPr lang="en-AU" dirty="0"/>
-              <a:t>: Self-attention → Feature processing → Layer iteration</a:t>
-            </a:r>
-          </a:p>
-          <a:p>
-            <a:r>
-              <a:rPr lang="en-AU" b="1" dirty="0"/>
-              <a:t>Language Generation</a:t>
-            </a:r>
-            <a:r>
-              <a:rPr lang="en-AU" dirty="0"/>
-              <a:t>: Vision-language fusion → Text output</a:t>
-            </a:r>
-          </a:p>
-          <a:p>
-            <a:endParaRPr lang="en-US" dirty="0"/>
-          </a:p>
-        </p:txBody>
-      </p:sp>
-    </p:spTree>
-    <p:extLst>
-      <p:ext uri="{BB962C8B-B14F-4D97-AF65-F5344CB8AC3E}">
-        <p14:creationId xmlns:p14="http://schemas.microsoft.com/office/powerpoint/2010/main" val="1366601566"/>
       </p:ext>
     </p:extLst>
   </p:cSld>
@@ -7349,7 +6665,7 @@
 </p:sld>
 </file>
 
-<file path=ppt/slides/slide12.xml><?xml version="1.0" encoding="utf-8"?>
+<file path=ppt/slides/slide10.xml><?xml version="1.0" encoding="utf-8"?>
 <p:sld xmlns:a="http://schemas.openxmlformats.org/drawingml/2006/main" xmlns:r="http://schemas.openxmlformats.org/officeDocument/2006/relationships" xmlns:p="http://schemas.openxmlformats.org/presentationml/2006/main">
   <p:cSld>
     <p:spTree>
@@ -7371,7 +6687,7 @@
           <p:cNvPr id="2" name="Title 1">
             <a:extLst>
               <a:ext uri="{FF2B5EF4-FFF2-40B4-BE49-F238E27FC236}">
-                <a16:creationId xmlns:a16="http://schemas.microsoft.com/office/drawing/2014/main" id="{DAC31F10-8C36-5C9E-E266-372729D2D159}"/>
+                <a16:creationId xmlns:a16="http://schemas.microsoft.com/office/drawing/2014/main" id="{9831D26F-ECB0-0DA5-21A8-F3CFA8533C41}"/>
               </a:ext>
             </a:extLst>
           </p:cNvPr>
@@ -7384,167 +6700,230 @@
         </p:nvSpPr>
         <p:spPr>
           <a:xfrm>
-            <a:off x="838200" y="365125"/>
-            <a:ext cx="10515600" cy="721803"/>
+            <a:off x="838200" y="277576"/>
+            <a:ext cx="10515600" cy="617369"/>
           </a:xfrm>
         </p:spPr>
         <p:txBody>
           <a:bodyPr>
-            <a:normAutofit/>
+            <a:normAutofit fontScale="90000"/>
           </a:bodyPr>
           <a:lstStyle/>
           <a:p>
             <a:r>
               <a:rPr lang="en-AU" sz="4000" b="1" dirty="0"/>
-              <a:t>From Text to Vision - The Transformer Evolution</a:t>
+              <a:t>Vision Transformer Overview - Core Innovation</a:t>
             </a:r>
             <a:endParaRPr lang="en-US" sz="4000" dirty="0"/>
           </a:p>
         </p:txBody>
       </p:sp>
-      <p:pic>
-        <p:nvPicPr>
-          <p:cNvPr id="5" name="Content Placeholder 4" descr="A diagram of a work flow&#10;&#10;AI-generated content may be incorrect.">
+      <p:sp>
+        <p:nvSpPr>
+          <p:cNvPr id="3" name="Content Placeholder 2">
             <a:extLst>
               <a:ext uri="{FF2B5EF4-FFF2-40B4-BE49-F238E27FC236}">
-                <a16:creationId xmlns:a16="http://schemas.microsoft.com/office/drawing/2014/main" id="{72C03810-E30E-F066-FF7B-67044895554B}"/>
+                <a16:creationId xmlns:a16="http://schemas.microsoft.com/office/drawing/2014/main" id="{2B4716EF-0791-54FB-C6F2-0A0FD956AF56}"/>
               </a:ext>
             </a:extLst>
           </p:cNvPr>
-          <p:cNvPicPr>
-            <a:picLocks noGrp="1" noChangeAspect="1"/>
-          </p:cNvPicPr>
+          <p:cNvSpPr>
+            <a:spLocks noGrp="1"/>
+          </p:cNvSpPr>
           <p:nvPr>
             <p:ph idx="1"/>
           </p:nvPr>
-        </p:nvPicPr>
-        <p:blipFill>
-          <a:blip r:embed="rId3"/>
-          <a:stretch>
-            <a:fillRect/>
-          </a:stretch>
-        </p:blipFill>
+        </p:nvSpPr>
         <p:spPr>
           <a:xfrm>
-            <a:off x="760562" y="1181439"/>
-            <a:ext cx="10515600" cy="4000691"/>
+            <a:off x="838200" y="1391056"/>
+            <a:ext cx="10515600" cy="4552544"/>
           </a:xfrm>
         </p:spPr>
-      </p:pic>
-      <p:sp>
-        <p:nvSpPr>
-          <p:cNvPr id="6" name="TextBox 5">
-            <a:extLst>
-              <a:ext uri="{FF2B5EF4-FFF2-40B4-BE49-F238E27FC236}">
-                <a16:creationId xmlns:a16="http://schemas.microsoft.com/office/drawing/2014/main" id="{35EE4B8D-ED86-07C7-DBF3-0517246599F0}"/>
-              </a:ext>
-            </a:extLst>
-          </p:cNvPr>
-          <p:cNvSpPr txBox="1"/>
-          <p:nvPr/>
-        </p:nvSpPr>
-        <p:spPr>
-          <a:xfrm>
-            <a:off x="760562" y="3429000"/>
-            <a:ext cx="8980714" cy="2308324"/>
-          </a:xfrm>
-          <a:prstGeom prst="rect">
-            <a:avLst/>
-          </a:prstGeom>
-          <a:noFill/>
-        </p:spPr>
         <p:txBody>
-          <a:bodyPr wrap="square" rtlCol="0">
-            <a:spAutoFit/>
+          <a:bodyPr>
+            <a:normAutofit fontScale="62500" lnSpcReduction="20000"/>
           </a:bodyPr>
           <a:lstStyle/>
           <a:p>
+            <a:pPr marL="0" indent="0">
+              <a:buNone/>
+            </a:pPr>
             <a:r>
               <a:rPr lang="en-AU" b="1" dirty="0"/>
-              <a:t>The Revolutionary Insight</a:t>
-            </a:r>
-            <a:r>
-              <a:rPr lang="en-AU" dirty="0"/>
-              <a:t>: </a:t>
-            </a:r>
-            <a:r>
-              <a:rPr lang="en-AU" i="1" dirty="0"/>
-              <a:t>Same core architecture, different input</a:t>
+              <a:t>Core Architecture</a:t>
+            </a:r>
+            <a:r>
+              <a:rPr lang="en-AU" dirty="0"/>
+              <a:t>:</a:t>
+            </a:r>
+          </a:p>
+          <a:p>
+            <a:r>
+              <a:rPr lang="en-AU" b="1" dirty="0"/>
+              <a:t>Unified Processing</a:t>
+            </a:r>
+            <a:r>
+              <a:rPr lang="en-AU" dirty="0"/>
+              <a:t>: Single model handles all document understanding</a:t>
+            </a:r>
+          </a:p>
+          <a:p>
+            <a:r>
+              <a:rPr lang="en-AU" b="1" dirty="0"/>
+              <a:t>Global Self-Attention</a:t>
+            </a:r>
+            <a:r>
+              <a:rPr lang="en-AU" dirty="0"/>
+              <a:t>: Every part of receipt "sees" every other part simultaneously</a:t>
+            </a:r>
+          </a:p>
+          <a:p>
+            <a:r>
+              <a:rPr lang="en-AU" b="1" dirty="0"/>
+              <a:t>End-to-End Learning</a:t>
+            </a:r>
+            <a:r>
+              <a:rPr lang="en-AU" dirty="0"/>
+              <a:t>: Pixels → Structured tax data (no intermediate failures)</a:t>
+            </a:r>
+          </a:p>
+          <a:p>
+            <a:pPr marL="0" indent="0">
+              <a:buNone/>
+            </a:pPr>
+            <a:r>
+              <a:rPr lang="en-AU" b="1" dirty="0"/>
+              <a:t>Tax Document Advantages</a:t>
+            </a:r>
+            <a:r>
+              <a:rPr lang="en-AU" dirty="0"/>
+              <a:t>:</a:t>
+            </a:r>
+          </a:p>
+          <a:p>
+            <a:r>
+              <a:rPr lang="en-AU" dirty="0"/>
+              <a:t>✅ </a:t>
+            </a:r>
+            <a:r>
+              <a:rPr lang="en-AU" b="1" dirty="0"/>
+              <a:t>No OCR Dependency</a:t>
+            </a:r>
+            <a:r>
+              <a:rPr lang="en-AU" dirty="0"/>
+              <a:t>: Processes receipt images directly</a:t>
+            </a:r>
+          </a:p>
+          <a:p>
+            <a:r>
+              <a:rPr lang="en-AU" dirty="0"/>
+              <a:t>✅ </a:t>
+            </a:r>
+            <a:r>
+              <a:rPr lang="en-AU" b="1" dirty="0"/>
+              <a:t>Format Agnostic</a:t>
+            </a:r>
+            <a:r>
+              <a:rPr lang="en-AU" dirty="0"/>
+              <a:t>: Handles </a:t>
+            </a:r>
+            <a:r>
+              <a:rPr lang="en-AU" dirty="0" err="1"/>
+              <a:t>eftpos</a:t>
+            </a:r>
+            <a:r>
+              <a:rPr lang="en-AU" dirty="0"/>
+              <a:t> slips, invoices, handwritten receipts equally</a:t>
+            </a:r>
+          </a:p>
+          <a:p>
+            <a:r>
+              <a:rPr lang="en-AU" dirty="0"/>
+              <a:t>✅ </a:t>
+            </a:r>
+            <a:r>
+              <a:rPr lang="en-AU" b="1" dirty="0"/>
+              <a:t>Semantic Understanding</a:t>
+            </a:r>
+            <a:r>
+              <a:rPr lang="en-AU" dirty="0"/>
+              <a:t>: Links supplier names to ABNs to amounts across entire document</a:t>
+            </a:r>
+          </a:p>
+          <a:p>
+            <a:r>
+              <a:rPr lang="en-AU" dirty="0"/>
+              <a:t>✅ </a:t>
+            </a:r>
+            <a:r>
+              <a:rPr lang="en-AU" b="1" dirty="0"/>
+              <a:t>Single Pipeline</a:t>
+            </a:r>
+            <a:r>
+              <a:rPr lang="en-AU" dirty="0"/>
+              <a:t>: One model replaces OCR + feature extraction + </a:t>
+            </a:r>
+            <a:r>
+              <a:rPr lang="en-AU" dirty="0" err="1"/>
+              <a:t>LayoutLM</a:t>
             </a:r>
             <a:endParaRPr lang="en-AU" dirty="0"/>
           </a:p>
           <a:p>
+            <a:pPr marL="0" indent="0">
+              <a:buNone/>
+            </a:pPr>
             <a:r>
               <a:rPr lang="en-AU" b="1" dirty="0"/>
-              <a:t>What We Already Know</a:t>
-            </a:r>
-            <a:r>
-              <a:rPr lang="en-AU" dirty="0"/>
-              <a:t> (Text Transformers 2017):</a:t>
-            </a:r>
-          </a:p>
-          <a:p>
-            <a:pPr marL="285750" indent="-285750">
-              <a:buFont typeface="Arial" panose="020B0604020202020204" pitchFamily="34" charset="0"/>
-              <a:buChar char="•"/>
+              <a:t>Three-Stage Tax Document Processing</a:t>
+            </a:r>
+            <a:r>
+              <a:rPr lang="en-AU" dirty="0"/>
+              <a:t>:</a:t>
+            </a:r>
+          </a:p>
+          <a:p>
+            <a:r>
+              <a:rPr lang="en-AU" b="1" dirty="0"/>
+              <a:t>Input Processing</a:t>
+            </a:r>
+            <a:r>
+              <a:rPr lang="en-AU" dirty="0"/>
+              <a:t>: Receipt → Patches → Embeddings → Position encoding</a:t>
+            </a:r>
+          </a:p>
+          <a:p>
+            <a:r>
+              <a:rPr lang="en-AU" b="1" dirty="0"/>
+              <a:t>Transformer Stack</a:t>
+            </a:r>
+            <a:r>
+              <a:rPr lang="en-AU" dirty="0"/>
+              <a:t>: Self-attention → Global understanding → Layer iteration</a:t>
+            </a:r>
+          </a:p>
+          <a:p>
+            <a:r>
+              <a:rPr lang="en-AU" b="1" dirty="0"/>
+              <a:t>Tax Field Generation</a:t>
+            </a:r>
+            <a:r>
+              <a:rPr lang="en-AU" dirty="0"/>
+              <a:t>: Vision-language fusion → Structured output (Supplier, ABN, Amount, GST, Date)</a:t>
+            </a:r>
+          </a:p>
+          <a:p>
+            <a:pPr marL="0" indent="0">
+              <a:buNone/>
             </a:pPr>
             <a:r>
-              <a:rPr lang="en-AU" dirty="0"/>
-              <a:t>Tokenization → Self-Attention → Understanding</a:t>
-            </a:r>
-          </a:p>
-          <a:p>
-            <a:pPr marL="285750" indent="-285750">
-              <a:buFont typeface="Arial" panose="020B0604020202020204" pitchFamily="34" charset="0"/>
-              <a:buChar char="•"/>
-            </a:pPr>
-            <a:r>
-              <a:rPr lang="en-AU" dirty="0"/>
-              <a:t>"Attention is All You Need" revolutionized NLP</a:t>
-            </a:r>
-          </a:p>
-          <a:p>
-            <a:r>
               <a:rPr lang="en-AU" b="1" dirty="0"/>
-              <a:t>The Vision Breakthrough</a:t>
-            </a:r>
-            <a:r>
-              <a:rPr lang="en-AU" dirty="0"/>
-              <a:t> (2020):</a:t>
-            </a:r>
-          </a:p>
-          <a:p>
-            <a:pPr marL="285750" indent="-285750">
-              <a:buFont typeface="Arial" panose="020B0604020202020204" pitchFamily="34" charset="0"/>
-              <a:buChar char="•"/>
-            </a:pPr>
-            <a:r>
-              <a:rPr lang="en-AU" dirty="0"/>
-              <a:t>Image patches = Text tokens</a:t>
-            </a:r>
-          </a:p>
-          <a:p>
-            <a:pPr marL="285750" indent="-285750">
-              <a:buFont typeface="Arial" panose="020B0604020202020204" pitchFamily="34" charset="0"/>
-              <a:buChar char="•"/>
-            </a:pPr>
-            <a:r>
-              <a:rPr lang="en-AU" b="1" dirty="0"/>
-              <a:t>IDENTICAL</a:t>
-            </a:r>
-            <a:r>
-              <a:rPr lang="en-AU" dirty="0"/>
-              <a:t> self-attention architecture</a:t>
-            </a:r>
-          </a:p>
-          <a:p>
-            <a:pPr marL="285750" indent="-285750">
-              <a:buFont typeface="Arial" panose="020B0604020202020204" pitchFamily="34" charset="0"/>
-              <a:buChar char="•"/>
-            </a:pPr>
-            <a:r>
-              <a:rPr lang="en-AU" dirty="0"/>
-              <a:t>Vision-Language fusion for document understanding</a:t>
+              <a:t>Key Breakthrough</a:t>
+            </a:r>
+            <a:r>
+              <a:rPr lang="en-AU" dirty="0"/>
+              <a:t>: Treats tax receipt patches like text tokens, applying proven transformer architecture</a:t>
             </a:r>
           </a:p>
         </p:txBody>
@@ -7552,359 +6931,17 @@
     </p:spTree>
     <p:extLst>
       <p:ext uri="{BB962C8B-B14F-4D97-AF65-F5344CB8AC3E}">
-        <p14:creationId xmlns:p14="http://schemas.microsoft.com/office/powerpoint/2010/main" val="825754891"/>
+        <p14:creationId xmlns:p14="http://schemas.microsoft.com/office/powerpoint/2010/main" val="2740846891"/>
       </p:ext>
     </p:extLst>
   </p:cSld>
   <p:clrMapOvr>
     <a:masterClrMapping/>
   </p:clrMapOvr>
-  <p:timing>
-    <p:tnLst>
-      <p:par>
-        <p:cTn id="1" dur="indefinite" restart="never" nodeType="tmRoot">
-          <p:childTnLst>
-            <p:seq concurrent="1" nextAc="seek">
-              <p:cTn id="2" dur="indefinite" nodeType="mainSeq">
-                <p:childTnLst>
-                  <p:par>
-                    <p:cTn id="3" fill="hold">
-                      <p:stCondLst>
-                        <p:cond delay="indefinite"/>
-                      </p:stCondLst>
-                      <p:childTnLst>
-                        <p:par>
-                          <p:cTn id="4" fill="hold">
-                            <p:stCondLst>
-                              <p:cond delay="0"/>
-                            </p:stCondLst>
-                            <p:childTnLst>
-                              <p:par>
-                                <p:cTn id="5" presetID="1" presetClass="entr" presetSubtype="0" fill="hold" grpId="0" nodeType="clickEffect">
-                                  <p:stCondLst>
-                                    <p:cond delay="0"/>
-                                  </p:stCondLst>
-                                  <p:childTnLst>
-                                    <p:set>
-                                      <p:cBhvr>
-                                        <p:cTn id="6" dur="1" fill="hold">
-                                          <p:stCondLst>
-                                            <p:cond delay="0"/>
-                                          </p:stCondLst>
-                                        </p:cTn>
-                                        <p:tgtEl>
-                                          <p:spTgt spid="6"/>
-                                        </p:tgtEl>
-                                        <p:attrNameLst>
-                                          <p:attrName>style.visibility</p:attrName>
-                                        </p:attrNameLst>
-                                      </p:cBhvr>
-                                      <p:to>
-                                        <p:strVal val="visible"/>
-                                      </p:to>
-                                    </p:set>
-                                  </p:childTnLst>
-                                </p:cTn>
-                              </p:par>
-                            </p:childTnLst>
-                          </p:cTn>
-                        </p:par>
-                      </p:childTnLst>
-                    </p:cTn>
-                  </p:par>
-                </p:childTnLst>
-              </p:cTn>
-              <p:prevCondLst>
-                <p:cond evt="onPrev" delay="0">
-                  <p:tgtEl>
-                    <p:sldTgt/>
-                  </p:tgtEl>
-                </p:cond>
-              </p:prevCondLst>
-              <p:nextCondLst>
-                <p:cond evt="onNext" delay="0">
-                  <p:tgtEl>
-                    <p:sldTgt/>
-                  </p:tgtEl>
-                </p:cond>
-              </p:nextCondLst>
-            </p:seq>
-          </p:childTnLst>
-        </p:cTn>
-      </p:par>
-    </p:tnLst>
-    <p:bldLst>
-      <p:bldP spid="6" grpId="0"/>
-    </p:bldLst>
-  </p:timing>
 </p:sld>
 </file>
 
-<file path=ppt/slides/slide13.xml><?xml version="1.0" encoding="utf-8"?>
-<p:sld xmlns:a="http://schemas.openxmlformats.org/drawingml/2006/main" xmlns:r="http://schemas.openxmlformats.org/officeDocument/2006/relationships" xmlns:p="http://schemas.openxmlformats.org/presentationml/2006/main">
-  <p:cSld>
-    <p:spTree>
-      <p:nvGrpSpPr>
-        <p:cNvPr id="1" name=""/>
-        <p:cNvGrpSpPr/>
-        <p:nvPr/>
-      </p:nvGrpSpPr>
-      <p:grpSpPr>
-        <a:xfrm>
-          <a:off x="0" y="0"/>
-          <a:ext cx="0" cy="0"/>
-          <a:chOff x="0" y="0"/>
-          <a:chExt cx="0" cy="0"/>
-        </a:xfrm>
-      </p:grpSpPr>
-      <p:sp>
-        <p:nvSpPr>
-          <p:cNvPr id="2" name="Title 1">
-            <a:extLst>
-              <a:ext uri="{FF2B5EF4-FFF2-40B4-BE49-F238E27FC236}">
-                <a16:creationId xmlns:a16="http://schemas.microsoft.com/office/drawing/2014/main" id="{5C1C3E41-2BFA-2BE4-828D-8B6110E60489}"/>
-              </a:ext>
-            </a:extLst>
-          </p:cNvPr>
-          <p:cNvSpPr>
-            <a:spLocks noGrp="1"/>
-          </p:cNvSpPr>
-          <p:nvPr>
-            <p:ph type="title"/>
-          </p:nvPr>
-        </p:nvSpPr>
-        <p:spPr>
-          <a:xfrm>
-            <a:off x="838200" y="365126"/>
-            <a:ext cx="10515600" cy="675884"/>
-          </a:xfrm>
-        </p:spPr>
-        <p:txBody>
-          <a:bodyPr>
-            <a:normAutofit/>
-          </a:bodyPr>
-          <a:lstStyle/>
-          <a:p>
-            <a:r>
-              <a:rPr lang="en-AU" sz="3600" b="1" dirty="0"/>
-              <a:t>Vision Transformer Architecture - Component Flow</a:t>
-            </a:r>
-            <a:endParaRPr lang="en-US" sz="3600" dirty="0"/>
-          </a:p>
-        </p:txBody>
-      </p:sp>
-      <p:pic>
-        <p:nvPicPr>
-          <p:cNvPr id="5" name="Content Placeholder 4" descr="A diagram of a process&#10;&#10;AI-generated content may be incorrect.">
-            <a:extLst>
-              <a:ext uri="{FF2B5EF4-FFF2-40B4-BE49-F238E27FC236}">
-                <a16:creationId xmlns:a16="http://schemas.microsoft.com/office/drawing/2014/main" id="{E1F8B280-56B1-8E89-F45B-CCB35E77192C}"/>
-              </a:ext>
-            </a:extLst>
-          </p:cNvPr>
-          <p:cNvPicPr>
-            <a:picLocks noGrp="1" noChangeAspect="1"/>
-          </p:cNvPicPr>
-          <p:nvPr>
-            <p:ph idx="1"/>
-          </p:nvPr>
-        </p:nvPicPr>
-        <p:blipFill>
-          <a:blip r:embed="rId3"/>
-          <a:stretch>
-            <a:fillRect/>
-          </a:stretch>
-        </p:blipFill>
-        <p:spPr>
-          <a:xfrm>
-            <a:off x="1336334" y="1149741"/>
-            <a:ext cx="9519331" cy="4351338"/>
-          </a:xfrm>
-        </p:spPr>
-      </p:pic>
-      <p:sp>
-        <p:nvSpPr>
-          <p:cNvPr id="6" name="TextBox 5">
-            <a:extLst>
-              <a:ext uri="{FF2B5EF4-FFF2-40B4-BE49-F238E27FC236}">
-                <a16:creationId xmlns:a16="http://schemas.microsoft.com/office/drawing/2014/main" id="{0A690FEB-4665-6658-8052-9102E817677E}"/>
-              </a:ext>
-            </a:extLst>
-          </p:cNvPr>
-          <p:cNvSpPr txBox="1"/>
-          <p:nvPr/>
-        </p:nvSpPr>
-        <p:spPr>
-          <a:xfrm>
-            <a:off x="1336334" y="4121834"/>
-            <a:ext cx="7399703" cy="1754326"/>
-          </a:xfrm>
-          <a:prstGeom prst="rect">
-            <a:avLst/>
-          </a:prstGeom>
-          <a:noFill/>
-        </p:spPr>
-        <p:txBody>
-          <a:bodyPr wrap="square" rtlCol="0">
-            <a:spAutoFit/>
-          </a:bodyPr>
-          <a:lstStyle/>
-          <a:p>
-            <a:r>
-              <a:rPr lang="en-AU" b="1" dirty="0"/>
-              <a:t>Three-Stage Processing Architecture</a:t>
-            </a:r>
-            <a:endParaRPr lang="en-AU" dirty="0"/>
-          </a:p>
-          <a:p>
-            <a:pPr marL="285750" indent="-285750">
-              <a:buFont typeface="Arial" panose="020B0604020202020204" pitchFamily="34" charset="0"/>
-              <a:buChar char="•"/>
-            </a:pPr>
-            <a:r>
-              <a:rPr lang="en-AU" b="1" dirty="0"/>
-              <a:t>Stage 1</a:t>
-            </a:r>
-            <a:r>
-              <a:rPr lang="en-AU" dirty="0"/>
-              <a:t>: Input Processing (Image → Encoded patches)</a:t>
-            </a:r>
-          </a:p>
-          <a:p>
-            <a:pPr marL="285750" indent="-285750">
-              <a:buFont typeface="Arial" panose="020B0604020202020204" pitchFamily="34" charset="0"/>
-              <a:buChar char="•"/>
-            </a:pPr>
-            <a:r>
-              <a:rPr lang="en-AU" b="1" dirty="0"/>
-              <a:t>Stage 2</a:t>
-            </a:r>
-            <a:r>
-              <a:rPr lang="en-AU" dirty="0"/>
-              <a:t>: Transformer Stack (Semantic understanding)</a:t>
-            </a:r>
-          </a:p>
-          <a:p>
-            <a:pPr marL="285750" indent="-285750">
-              <a:buFont typeface="Arial" panose="020B0604020202020204" pitchFamily="34" charset="0"/>
-              <a:buChar char="•"/>
-            </a:pPr>
-            <a:r>
-              <a:rPr lang="en-AU" b="1" dirty="0"/>
-              <a:t>Stage 3</a:t>
-            </a:r>
-            <a:r>
-              <a:rPr lang="en-AU" dirty="0"/>
-              <a:t>: Language Generation (Structured output)</a:t>
-            </a:r>
-          </a:p>
-          <a:p>
-            <a:r>
-              <a:rPr lang="en-AU" b="1" dirty="0"/>
-              <a:t>Key Insight</a:t>
-            </a:r>
-            <a:r>
-              <a:rPr lang="en-AU" dirty="0"/>
-              <a:t>: Unified end-to-end processing from pixels to structured data</a:t>
-            </a:r>
-          </a:p>
-          <a:p>
-            <a:endParaRPr lang="en-US" dirty="0"/>
-          </a:p>
-        </p:txBody>
-      </p:sp>
-    </p:spTree>
-    <p:extLst>
-      <p:ext uri="{BB962C8B-B14F-4D97-AF65-F5344CB8AC3E}">
-        <p14:creationId xmlns:p14="http://schemas.microsoft.com/office/powerpoint/2010/main" val="2333322714"/>
-      </p:ext>
-    </p:extLst>
-  </p:cSld>
-  <p:clrMapOvr>
-    <a:masterClrMapping/>
-  </p:clrMapOvr>
-  <p:timing>
-    <p:tnLst>
-      <p:par>
-        <p:cTn id="1" dur="indefinite" restart="never" nodeType="tmRoot">
-          <p:childTnLst>
-            <p:seq concurrent="1" nextAc="seek">
-              <p:cTn id="2" dur="indefinite" nodeType="mainSeq">
-                <p:childTnLst>
-                  <p:par>
-                    <p:cTn id="3" fill="hold">
-                      <p:stCondLst>
-                        <p:cond delay="indefinite"/>
-                      </p:stCondLst>
-                      <p:childTnLst>
-                        <p:par>
-                          <p:cTn id="4" fill="hold">
-                            <p:stCondLst>
-                              <p:cond delay="0"/>
-                            </p:stCondLst>
-                            <p:childTnLst>
-                              <p:par>
-                                <p:cTn id="5" presetID="1" presetClass="entr" presetSubtype="0" fill="hold" grpId="0" nodeType="clickEffect">
-                                  <p:stCondLst>
-                                    <p:cond delay="0"/>
-                                  </p:stCondLst>
-                                  <p:childTnLst>
-                                    <p:set>
-                                      <p:cBhvr>
-                                        <p:cTn id="6" dur="1" fill="hold">
-                                          <p:stCondLst>
-                                            <p:cond delay="0"/>
-                                          </p:stCondLst>
-                                        </p:cTn>
-                                        <p:tgtEl>
-                                          <p:spTgt spid="6"/>
-                                        </p:tgtEl>
-                                        <p:attrNameLst>
-                                          <p:attrName>style.visibility</p:attrName>
-                                        </p:attrNameLst>
-                                      </p:cBhvr>
-                                      <p:to>
-                                        <p:strVal val="visible"/>
-                                      </p:to>
-                                    </p:set>
-                                  </p:childTnLst>
-                                </p:cTn>
-                              </p:par>
-                            </p:childTnLst>
-                          </p:cTn>
-                        </p:par>
-                      </p:childTnLst>
-                    </p:cTn>
-                  </p:par>
-                </p:childTnLst>
-              </p:cTn>
-              <p:prevCondLst>
-                <p:cond evt="onPrev" delay="0">
-                  <p:tgtEl>
-                    <p:sldTgt/>
-                  </p:tgtEl>
-                </p:cond>
-              </p:prevCondLst>
-              <p:nextCondLst>
-                <p:cond evt="onNext" delay="0">
-                  <p:tgtEl>
-                    <p:sldTgt/>
-                  </p:tgtEl>
-                </p:cond>
-              </p:nextCondLst>
-            </p:seq>
-          </p:childTnLst>
-        </p:cTn>
-      </p:par>
-    </p:tnLst>
-    <p:bldLst>
-      <p:bldP spid="6" grpId="0"/>
-    </p:bldLst>
-  </p:timing>
-</p:sld>
-</file>
-
-<file path=ppt/slides/slide14.xml><?xml version="1.0" encoding="utf-8"?>
+<file path=ppt/slides/slide11.xml><?xml version="1.0" encoding="utf-8"?>
 <p:sld xmlns:a="http://schemas.openxmlformats.org/drawingml/2006/main" xmlns:r="http://schemas.openxmlformats.org/officeDocument/2006/relationships" xmlns:p="http://schemas.openxmlformats.org/presentationml/2006/main">
   <p:cSld>
     <p:spTree>
@@ -7959,6 +6996,13 @@
               <a:rPr lang="en-AU" sz="3200" b="1" dirty="0"/>
               <a:t>Stage 1: Input Processing - Converting Images to Tokens</a:t>
             </a:r>
+            <a:br>
+              <a:rPr lang="en-AU" sz="3200" b="1" dirty="0"/>
+            </a:br>
+            <a:r>
+              <a:rPr lang="en-AU" sz="2400" b="1" dirty="0"/>
+              <a:t>Converting Tax Receipts to Transformer Inputs</a:t>
+            </a:r>
           </a:p>
         </p:txBody>
       </p:sp>
@@ -7976,8 +7020,8 @@
         </p:nvSpPr>
         <p:spPr>
           <a:xfrm>
-            <a:off x="956604" y="4121834"/>
-            <a:ext cx="7779434" cy="2031325"/>
+            <a:off x="905022" y="2685517"/>
+            <a:ext cx="10448778" cy="3693319"/>
           </a:xfrm>
           <a:prstGeom prst="rect">
             <a:avLst/>
@@ -7992,9 +7036,106 @@
           <a:p>
             <a:r>
               <a:rPr lang="en-AU" b="1" dirty="0"/>
-              <a:t>Stage 1: Converting Images to Tokens</a:t>
-            </a:r>
-            <a:endParaRPr lang="en-AU" dirty="0"/>
+              <a:t>Process Flow</a:t>
+            </a:r>
+            <a:r>
+              <a:rPr lang="en-AU" dirty="0"/>
+              <a:t>:</a:t>
+            </a:r>
+          </a:p>
+          <a:p>
+            <a:pPr marL="342900" indent="-342900">
+              <a:buFont typeface="+mj-lt"/>
+              <a:buAutoNum type="arabicPeriod"/>
+            </a:pPr>
+            <a:r>
+              <a:rPr lang="en-AU" b="1" dirty="0"/>
+              <a:t>Document Acquisition</a:t>
+            </a:r>
+            <a:r>
+              <a:rPr lang="en-AU" dirty="0"/>
+              <a:t>: Taxpayer receipt image (any format, quality)</a:t>
+            </a:r>
+          </a:p>
+          <a:p>
+            <a:pPr marL="342900" indent="-342900">
+              <a:buFont typeface="+mj-lt"/>
+              <a:buAutoNum type="arabicPeriod"/>
+            </a:pPr>
+            <a:r>
+              <a:rPr lang="en-AU" b="1" dirty="0"/>
+              <a:t>Patch Creation</a:t>
+            </a:r>
+            <a:r>
+              <a:rPr lang="en-AU" dirty="0"/>
+              <a:t>: Split into 16x16 pixel squares (~100-200 patches per receipt)</a:t>
+            </a:r>
+          </a:p>
+          <a:p>
+            <a:pPr marL="342900" indent="-342900">
+              <a:buFont typeface="+mj-lt"/>
+              <a:buAutoNum type="arabicPeriod"/>
+            </a:pPr>
+            <a:r>
+              <a:rPr lang="en-AU" b="1" dirty="0"/>
+              <a:t>Linear Projection</a:t>
+            </a:r>
+            <a:r>
+              <a:rPr lang="en-AU" dirty="0"/>
+              <a:t>: Each patch → 768-dimensional vector representation</a:t>
+            </a:r>
+          </a:p>
+          <a:p>
+            <a:pPr marL="342900" indent="-342900">
+              <a:buFont typeface="+mj-lt"/>
+              <a:buAutoNum type="arabicPeriod"/>
+            </a:pPr>
+            <a:r>
+              <a:rPr lang="en-AU" b="1" dirty="0"/>
+              <a:t>Position Encoding</a:t>
+            </a:r>
+            <a:r>
+              <a:rPr lang="en-AU" dirty="0"/>
+              <a:t>: Spatial relationships preserved (top-left, bottom-right, etc.)</a:t>
+            </a:r>
+          </a:p>
+          <a:p>
+            <a:pPr marL="342900" indent="-342900">
+              <a:buFont typeface="+mj-lt"/>
+              <a:buAutoNum type="arabicPeriod"/>
+            </a:pPr>
+            <a:r>
+              <a:rPr lang="en-AU" b="1" dirty="0"/>
+              <a:t>Transformer Ready</a:t>
+            </a:r>
+            <a:r>
+              <a:rPr lang="en-AU" dirty="0"/>
+              <a:t>: Sequence of encoded patches with spatial context</a:t>
+            </a:r>
+          </a:p>
+          <a:p>
+            <a:r>
+              <a:rPr lang="en-AU" b="1" dirty="0"/>
+              <a:t>Key Insight</a:t>
+            </a:r>
+            <a:r>
+              <a:rPr lang="en-AU" dirty="0"/>
+              <a:t>: Images become "sentences" of patch "words”</a:t>
+            </a:r>
+            <a:br>
+              <a:rPr lang="en-AU" dirty="0"/>
+            </a:br>
+            <a:br>
+              <a:rPr lang="en-AU" dirty="0"/>
+            </a:br>
+            <a:r>
+              <a:rPr lang="en-AU" b="1" dirty="0"/>
+              <a:t>Tax Document Example</a:t>
+            </a:r>
+            <a:r>
+              <a:rPr lang="en-AU" dirty="0"/>
+              <a:t>:</a:t>
+            </a:r>
           </a:p>
           <a:p>
             <a:pPr marL="285750" indent="-285750">
@@ -8003,11 +7144,11 @@
             </a:pPr>
             <a:r>
               <a:rPr lang="en-AU" b="1" dirty="0"/>
-              <a:t>Split into 16x16 Patches</a:t>
-            </a:r>
-            <a:r>
-              <a:rPr lang="en-AU" dirty="0"/>
-              <a:t>: Document divided into fixed-size squares</a:t>
+              <a:t>Hyatt Hotels Receipt</a:t>
+            </a:r>
+            <a:r>
+              <a:rPr lang="en-AU" dirty="0"/>
+              <a:t>: Header patches + Line item patches + Total patches + Footer patches</a:t>
             </a:r>
           </a:p>
           <a:p>
@@ -8017,11 +7158,11 @@
             </a:pPr>
             <a:r>
               <a:rPr lang="en-AU" b="1" dirty="0"/>
-              <a:t>Linear Projection</a:t>
-            </a:r>
-            <a:r>
-              <a:rPr lang="en-AU" dirty="0"/>
-              <a:t>: Each patch becomes a vector representation</a:t>
+              <a:t>Spatial Preservation</a:t>
+            </a:r>
+            <a:r>
+              <a:rPr lang="en-AU" dirty="0"/>
+              <a:t>: Model knows "Hyatt Hotels" is at top, "$31.33" is at bottom</a:t>
             </a:r>
           </a:p>
           <a:p>
@@ -8031,39 +7172,30 @@
             </a:pPr>
             <a:r>
               <a:rPr lang="en-AU" b="1" dirty="0"/>
-              <a:t>Position Encoding</a:t>
-            </a:r>
-            <a:r>
-              <a:rPr lang="en-AU" dirty="0"/>
-              <a:t>: Spatial relationships preserved</a:t>
-            </a:r>
-          </a:p>
-          <a:p>
-            <a:pPr marL="285750" indent="-285750">
-              <a:buFont typeface="Arial" panose="020B0604020202020204" pitchFamily="34" charset="0"/>
-              <a:buChar char="•"/>
-            </a:pPr>
+              <a:t>Format Independence</a:t>
+            </a:r>
+            <a:r>
+              <a:rPr lang="en-AU" dirty="0"/>
+              <a:t>: Works identically for </a:t>
+            </a:r>
+            <a:r>
+              <a:rPr lang="en-AU" dirty="0" err="1"/>
+              <a:t>eftpos</a:t>
+            </a:r>
+            <a:r>
+              <a:rPr lang="en-AU" dirty="0"/>
+              <a:t> slips, invoices, mobile payments</a:t>
+            </a:r>
+          </a:p>
+          <a:p>
             <a:r>
               <a:rPr lang="en-AU" b="1" dirty="0"/>
-              <a:t>Result</a:t>
-            </a:r>
-            <a:r>
-              <a:rPr lang="en-AU" dirty="0"/>
-              <a:t>: Ready for transformer processing</a:t>
-            </a:r>
-          </a:p>
-          <a:p>
-            <a:r>
-              <a:rPr lang="en-AU" b="1" dirty="0"/>
-              <a:t>Key Insight</a:t>
-            </a:r>
-            <a:r>
-              <a:rPr lang="en-AU" dirty="0"/>
-              <a:t>: Images become "sentences" of patch "words"</a:t>
-            </a:r>
-          </a:p>
-          <a:p>
-            <a:endParaRPr lang="en-US" dirty="0"/>
+              <a:t>Key Advantage</a:t>
+            </a:r>
+            <a:r>
+              <a:rPr lang="en-AU" dirty="0"/>
+              <a:t>: No information loss - every pixel contributes to understanding</a:t>
+            </a:r>
           </a:p>
         </p:txBody>
       </p:sp>
@@ -8091,7 +7223,7 @@
         </p:blipFill>
         <p:spPr>
           <a:xfrm>
-            <a:off x="905022" y="1816284"/>
+            <a:off x="905022" y="1235238"/>
             <a:ext cx="10515600" cy="1256051"/>
           </a:xfrm>
         </p:spPr>
@@ -8187,7 +7319,7 @@
 </p:sld>
 </file>
 
-<file path=ppt/slides/slide15.xml><?xml version="1.0" encoding="utf-8"?>
+<file path=ppt/slides/slide12.xml><?xml version="1.0" encoding="utf-8"?>
 <p:sld xmlns:a="http://schemas.openxmlformats.org/drawingml/2006/main" xmlns:r="http://schemas.openxmlformats.org/officeDocument/2006/relationships" xmlns:p="http://schemas.openxmlformats.org/presentationml/2006/main">
   <p:cSld>
     <p:spTree>
@@ -8259,8 +7391,8 @@
         </p:nvSpPr>
         <p:spPr>
           <a:xfrm>
-            <a:off x="956604" y="4121834"/>
-            <a:ext cx="10397196" cy="2031325"/>
+            <a:off x="838200" y="3887336"/>
+            <a:ext cx="10397196" cy="2554545"/>
           </a:xfrm>
           <a:prstGeom prst="rect">
             <a:avLst/>
@@ -8274,10 +7406,13 @@
           <a:lstStyle/>
           <a:p>
             <a:r>
-              <a:rPr lang="en-AU" b="1" dirty="0"/>
-              <a:t>Stage 2: Global Understanding Through Attention</a:t>
-            </a:r>
-            <a:endParaRPr lang="en-AU" dirty="0"/>
+              <a:rPr lang="en-AU" sz="1600" b="1" dirty="0"/>
+              <a:t>Self-Attention Process</a:t>
+            </a:r>
+            <a:r>
+              <a:rPr lang="en-AU" sz="1600" dirty="0"/>
+              <a:t>:</a:t>
+            </a:r>
           </a:p>
           <a:p>
             <a:pPr marL="285750" indent="-285750">
@@ -8285,12 +7420,12 @@
               <a:buChar char="•"/>
             </a:pPr>
             <a:r>
-              <a:rPr lang="en-AU" b="1" dirty="0"/>
-              <a:t>Multi-Head Self-Attention</a:t>
-            </a:r>
-            <a:r>
-              <a:rPr lang="en-AU" dirty="0"/>
-              <a:t>: Each patch "sees" every other patch</a:t>
+              <a:rPr lang="en-AU" sz="1600" b="1" dirty="0"/>
+              <a:t>Multi-Head Attention</a:t>
+            </a:r>
+            <a:r>
+              <a:rPr lang="en-AU" sz="1600" dirty="0"/>
+              <a:t>: Each receipt patch "attends to" every other patch simultaneously</a:t>
             </a:r>
           </a:p>
           <a:p>
@@ -8299,12 +7434,12 @@
               <a:buChar char="•"/>
             </a:pPr>
             <a:r>
-              <a:rPr lang="en-AU" b="1" dirty="0"/>
-              <a:t>Feed Forward Networks</a:t>
-            </a:r>
-            <a:r>
-              <a:rPr lang="en-AU" dirty="0"/>
-              <a:t>: Non-linear feature processing</a:t>
+              <a:rPr lang="en-AU" sz="1600" b="1" dirty="0"/>
+              <a:t>Global Context</a:t>
+            </a:r>
+            <a:r>
+              <a:rPr lang="en-AU" sz="1600" dirty="0"/>
+              <a:t>: Header information connects to amounts, GST calculations, line items across entire document</a:t>
             </a:r>
           </a:p>
           <a:p>
@@ -8313,12 +7448,22 @@
               <a:buChar char="•"/>
             </a:pPr>
             <a:r>
-              <a:rPr lang="en-AU" b="1" dirty="0"/>
-              <a:t>Layer Iteration</a:t>
-            </a:r>
-            <a:r>
-              <a:rPr lang="en-AU" dirty="0"/>
-              <a:t>: 12-24 layers of progressive understanding</a:t>
+              <a:rPr lang="en-AU" sz="1600" b="1" dirty="0"/>
+              <a:t>Progressive Understanding</a:t>
+            </a:r>
+            <a:r>
+              <a:rPr lang="en-AU" sz="1600" dirty="0"/>
+              <a:t>: 12-24 layers build increasingly sophisticated tax document comprehension</a:t>
+            </a:r>
+          </a:p>
+          <a:p>
+            <a:r>
+              <a:rPr lang="en-AU" sz="1600" b="1" dirty="0"/>
+              <a:t>Tax Document Example - Hyatt Hotels Receipt</a:t>
+            </a:r>
+            <a:r>
+              <a:rPr lang="en-AU" sz="1600" dirty="0"/>
+              <a:t>:</a:t>
             </a:r>
           </a:p>
           <a:p>
@@ -8327,26 +7472,65 @@
               <a:buChar char="•"/>
             </a:pPr>
             <a:r>
-              <a:rPr lang="en-AU" b="1" dirty="0"/>
-              <a:t>Key Innovation</a:t>
-            </a:r>
-            <a:r>
-              <a:rPr lang="en-AU" dirty="0"/>
-              <a:t>: Global context from the start</a:t>
-            </a:r>
-          </a:p>
-          <a:p>
-            <a:r>
-              <a:rPr lang="en-AU" b="1" dirty="0"/>
-              <a:t>Real Example</a:t>
-            </a:r>
-            <a:r>
-              <a:rPr lang="en-AU" dirty="0"/>
-              <a:t>: Header "Hyatt Hotels" connects to total "$31.33" across the page</a:t>
-            </a:r>
-          </a:p>
-          <a:p>
-            <a:endParaRPr lang="en-US" dirty="0"/>
+              <a:rPr lang="en-AU" sz="1600" b="1" dirty="0"/>
+              <a:t>Layer 1-4</a:t>
+            </a:r>
+            <a:r>
+              <a:rPr lang="en-AU" sz="1600" dirty="0"/>
+              <a:t>: Basic pattern recognition (text regions, amounts, structure)</a:t>
+            </a:r>
+          </a:p>
+          <a:p>
+            <a:pPr marL="285750" indent="-285750">
+              <a:buFont typeface="Arial" panose="020B0604020202020204" pitchFamily="34" charset="0"/>
+              <a:buChar char="•"/>
+            </a:pPr>
+            <a:r>
+              <a:rPr lang="en-AU" sz="1600" b="1" dirty="0"/>
+              <a:t>Layer 5-8</a:t>
+            </a:r>
+            <a:r>
+              <a:rPr lang="en-AU" sz="1600" dirty="0"/>
+              <a:t>: Semantic grouping (line items cluster, totals section identified)</a:t>
+            </a:r>
+          </a:p>
+          <a:p>
+            <a:pPr marL="285750" indent="-285750">
+              <a:buFont typeface="Arial" panose="020B0604020202020204" pitchFamily="34" charset="0"/>
+              <a:buChar char="•"/>
+            </a:pPr>
+            <a:r>
+              <a:rPr lang="en-AU" sz="1600" b="1" dirty="0"/>
+              <a:t>Layer 9-12</a:t>
+            </a:r>
+            <a:r>
+              <a:rPr lang="en-AU" sz="1600" dirty="0"/>
+              <a:t>: Relationship understanding (line items → subtotal → GST → total)</a:t>
+            </a:r>
+          </a:p>
+          <a:p>
+            <a:pPr marL="285750" indent="-285750">
+              <a:buFont typeface="Arial" panose="020B0604020202020204" pitchFamily="34" charset="0"/>
+              <a:buChar char="•"/>
+            </a:pPr>
+            <a:r>
+              <a:rPr lang="en-AU" sz="1600" b="1" dirty="0"/>
+              <a:t>Layer 13-24</a:t>
+            </a:r>
+            <a:r>
+              <a:rPr lang="en-AU" sz="1600" dirty="0"/>
+              <a:t>: Tax-specific reasoning (supplier validation, deduction categorization)</a:t>
+            </a:r>
+          </a:p>
+          <a:p>
+            <a:r>
+              <a:rPr lang="en-AU" sz="1600" b="1" dirty="0"/>
+              <a:t>Critical Advantage</a:t>
+            </a:r>
+            <a:r>
+              <a:rPr lang="en-AU" sz="1600" dirty="0"/>
+              <a:t>: Every patch sees every other patch - no sequential processing limitations</a:t>
+            </a:r>
           </a:p>
         </p:txBody>
       </p:sp>
@@ -8470,323 +7654,7 @@
 </p:sld>
 </file>
 
-<file path=ppt/slides/slide16.xml><?xml version="1.0" encoding="utf-8"?>
-<p:sld xmlns:a="http://schemas.openxmlformats.org/drawingml/2006/main" xmlns:r="http://schemas.openxmlformats.org/officeDocument/2006/relationships" xmlns:p="http://schemas.openxmlformats.org/presentationml/2006/main">
-  <p:cSld>
-    <p:spTree>
-      <p:nvGrpSpPr>
-        <p:cNvPr id="1" name="">
-          <a:extLst>
-            <a:ext uri="{FF2B5EF4-FFF2-40B4-BE49-F238E27FC236}">
-              <a16:creationId xmlns:a16="http://schemas.microsoft.com/office/drawing/2014/main" id="{99848FEA-7EA6-DBA7-C66A-741BC84E486A}"/>
-            </a:ext>
-          </a:extLst>
-        </p:cNvPr>
-        <p:cNvGrpSpPr/>
-        <p:nvPr/>
-      </p:nvGrpSpPr>
-      <p:grpSpPr>
-        <a:xfrm>
-          <a:off x="0" y="0"/>
-          <a:ext cx="0" cy="0"/>
-          <a:chOff x="0" y="0"/>
-          <a:chExt cx="0" cy="0"/>
-        </a:xfrm>
-      </p:grpSpPr>
-      <p:sp>
-        <p:nvSpPr>
-          <p:cNvPr id="2" name="Title 1">
-            <a:extLst>
-              <a:ext uri="{FF2B5EF4-FFF2-40B4-BE49-F238E27FC236}">
-                <a16:creationId xmlns:a16="http://schemas.microsoft.com/office/drawing/2014/main" id="{80ECCA02-06B6-A1A1-8D20-4E6A35349B3B}"/>
-              </a:ext>
-            </a:extLst>
-          </p:cNvPr>
-          <p:cNvSpPr>
-            <a:spLocks noGrp="1"/>
-          </p:cNvSpPr>
-          <p:nvPr>
-            <p:ph type="title"/>
-          </p:nvPr>
-        </p:nvSpPr>
-        <p:spPr>
-          <a:xfrm>
-            <a:off x="401516" y="250128"/>
-            <a:ext cx="11507372" cy="787790"/>
-          </a:xfrm>
-        </p:spPr>
-        <p:txBody>
-          <a:bodyPr>
-            <a:noAutofit/>
-          </a:bodyPr>
-          <a:lstStyle/>
-          <a:p>
-            <a:r>
-              <a:rPr lang="en-AU" sz="3200" b="1" dirty="0"/>
-              <a:t>Stage 3: Language Generation - From Understanding to Extraction</a:t>
-            </a:r>
-          </a:p>
-        </p:txBody>
-      </p:sp>
-      <p:sp>
-        <p:nvSpPr>
-          <p:cNvPr id="6" name="TextBox 5">
-            <a:extLst>
-              <a:ext uri="{FF2B5EF4-FFF2-40B4-BE49-F238E27FC236}">
-                <a16:creationId xmlns:a16="http://schemas.microsoft.com/office/drawing/2014/main" id="{CA451E53-CF8D-995D-DFFF-52EBE821ACB0}"/>
-              </a:ext>
-            </a:extLst>
-          </p:cNvPr>
-          <p:cNvSpPr txBox="1"/>
-          <p:nvPr/>
-        </p:nvSpPr>
-        <p:spPr>
-          <a:xfrm>
-            <a:off x="683456" y="2641620"/>
-            <a:ext cx="10397196" cy="1200329"/>
-          </a:xfrm>
-          <a:prstGeom prst="rect">
-            <a:avLst/>
-          </a:prstGeom>
-          <a:noFill/>
-        </p:spPr>
-        <p:txBody>
-          <a:bodyPr wrap="square" rtlCol="0">
-            <a:spAutoFit/>
-          </a:bodyPr>
-          <a:lstStyle/>
-          <a:p>
-            <a:r>
-              <a:rPr lang="en-AU" b="1" dirty="0"/>
-              <a:t>Stage 3: From Understanding to Extraction</a:t>
-            </a:r>
-            <a:endParaRPr lang="en-AU" dirty="0"/>
-          </a:p>
-          <a:p>
-            <a:pPr marL="285750" indent="-285750">
-              <a:buFont typeface="Arial" panose="020B0604020202020204" pitchFamily="34" charset="0"/>
-              <a:buChar char="•"/>
-            </a:pPr>
-            <a:r>
-              <a:rPr lang="en-AU" b="1" dirty="0"/>
-              <a:t>Vision-Language Fusion</a:t>
-            </a:r>
-            <a:r>
-              <a:rPr lang="en-AU" dirty="0"/>
-              <a:t>: Connect visual patterns to semantic meaning</a:t>
-            </a:r>
-          </a:p>
-          <a:p>
-            <a:pPr marL="285750" indent="-285750">
-              <a:buFont typeface="Arial" panose="020B0604020202020204" pitchFamily="34" charset="0"/>
-              <a:buChar char="•"/>
-            </a:pPr>
-            <a:r>
-              <a:rPr lang="en-AU" b="1" dirty="0"/>
-              <a:t>Language Model Head</a:t>
-            </a:r>
-            <a:r>
-              <a:rPr lang="en-AU" dirty="0"/>
-              <a:t>: Generate structured text output</a:t>
-            </a:r>
-          </a:p>
-          <a:p>
-            <a:pPr marL="285750" indent="-285750">
-              <a:buFont typeface="Arial" panose="020B0604020202020204" pitchFamily="34" charset="0"/>
-              <a:buChar char="•"/>
-            </a:pPr>
-            <a:r>
-              <a:rPr lang="en-AU" b="1" dirty="0"/>
-              <a:t>Structured Output</a:t>
-            </a:r>
-            <a:r>
-              <a:rPr lang="en-AU" dirty="0"/>
-              <a:t>: Direct KEY: VALUE format</a:t>
-            </a:r>
-          </a:p>
-        </p:txBody>
-      </p:sp>
-      <p:pic>
-        <p:nvPicPr>
-          <p:cNvPr id="8" name="Content Placeholder 7" descr="A diagram of a language model&#10;&#10;AI-generated content may be incorrect.">
-            <a:extLst>
-              <a:ext uri="{FF2B5EF4-FFF2-40B4-BE49-F238E27FC236}">
-                <a16:creationId xmlns:a16="http://schemas.microsoft.com/office/drawing/2014/main" id="{33502EBF-6EC5-4207-C75A-7FD8F877202E}"/>
-              </a:ext>
-            </a:extLst>
-          </p:cNvPr>
-          <p:cNvPicPr>
-            <a:picLocks noGrp="1" noChangeAspect="1"/>
-          </p:cNvPicPr>
-          <p:nvPr>
-            <p:ph idx="1"/>
-          </p:nvPr>
-        </p:nvPicPr>
-        <p:blipFill>
-          <a:blip r:embed="rId3"/>
-          <a:stretch>
-            <a:fillRect/>
-          </a:stretch>
-        </p:blipFill>
-        <p:spPr>
-          <a:xfrm>
-            <a:off x="683456" y="1041010"/>
-            <a:ext cx="10515600" cy="1703281"/>
-          </a:xfrm>
-        </p:spPr>
-      </p:pic>
-      <p:pic>
-        <p:nvPicPr>
-          <p:cNvPr id="9" name="Picture 8">
-            <a:extLst>
-              <a:ext uri="{FF2B5EF4-FFF2-40B4-BE49-F238E27FC236}">
-                <a16:creationId xmlns:a16="http://schemas.microsoft.com/office/drawing/2014/main" id="{184D832A-4902-E074-F915-A964D7FEC2D9}"/>
-              </a:ext>
-            </a:extLst>
-          </p:cNvPr>
-          <p:cNvPicPr>
-            <a:picLocks noChangeAspect="1"/>
-          </p:cNvPicPr>
-          <p:nvPr/>
-        </p:nvPicPr>
-        <p:blipFill>
-          <a:blip r:embed="rId4"/>
-          <a:stretch>
-            <a:fillRect/>
-          </a:stretch>
-        </p:blipFill>
-        <p:spPr>
-          <a:xfrm>
-            <a:off x="5941256" y="4356780"/>
-            <a:ext cx="5359400" cy="1625600"/>
-          </a:xfrm>
-          <a:prstGeom prst="rect">
-            <a:avLst/>
-          </a:prstGeom>
-        </p:spPr>
-      </p:pic>
-      <p:pic>
-        <p:nvPicPr>
-          <p:cNvPr id="12" name="Picture 11" descr="A invoice with text and numbers&#10;&#10;AI-generated content may be incorrect.">
-            <a:extLst>
-              <a:ext uri="{FF2B5EF4-FFF2-40B4-BE49-F238E27FC236}">
-                <a16:creationId xmlns:a16="http://schemas.microsoft.com/office/drawing/2014/main" id="{10164EB2-AD2F-3399-CE70-D869341D9DD5}"/>
-              </a:ext>
-            </a:extLst>
-          </p:cNvPr>
-          <p:cNvPicPr>
-            <a:picLocks noChangeAspect="1"/>
-          </p:cNvPicPr>
-          <p:nvPr/>
-        </p:nvPicPr>
-        <p:blipFill>
-          <a:blip r:embed="rId5"/>
-          <a:stretch>
-            <a:fillRect/>
-          </a:stretch>
-        </p:blipFill>
-        <p:spPr>
-          <a:xfrm>
-            <a:off x="763791" y="4014236"/>
-            <a:ext cx="2551776" cy="2310688"/>
-          </a:xfrm>
-          <a:prstGeom prst="rect">
-            <a:avLst/>
-          </a:prstGeom>
-        </p:spPr>
-      </p:pic>
-    </p:spTree>
-    <p:extLst>
-      <p:ext uri="{BB962C8B-B14F-4D97-AF65-F5344CB8AC3E}">
-        <p14:creationId xmlns:p14="http://schemas.microsoft.com/office/powerpoint/2010/main" val="594242692"/>
-      </p:ext>
-    </p:extLst>
-  </p:cSld>
-  <p:clrMapOvr>
-    <a:masterClrMapping/>
-  </p:clrMapOvr>
-  <p:timing>
-    <p:tnLst>
-      <p:par>
-        <p:cTn id="1" dur="indefinite" restart="never" nodeType="tmRoot">
-          <p:childTnLst>
-            <p:seq concurrent="1" nextAc="seek">
-              <p:cTn id="2" dur="indefinite" nodeType="mainSeq">
-                <p:childTnLst>
-                  <p:par>
-                    <p:cTn id="3" fill="hold">
-                      <p:stCondLst>
-                        <p:cond delay="indefinite"/>
-                      </p:stCondLst>
-                      <p:childTnLst>
-                        <p:par>
-                          <p:cTn id="4" fill="hold">
-                            <p:stCondLst>
-                              <p:cond delay="0"/>
-                            </p:stCondLst>
-                            <p:childTnLst>
-                              <p:par>
-                                <p:cTn id="5" presetID="1" presetClass="entr" presetSubtype="0" fill="hold" grpId="0" nodeType="clickEffect">
-                                  <p:stCondLst>
-                                    <p:cond delay="0"/>
-                                  </p:stCondLst>
-                                  <p:childTnLst>
-                                    <p:set>
-                                      <p:cBhvr>
-                                        <p:cTn id="6" dur="1" fill="hold">
-                                          <p:stCondLst>
-                                            <p:cond delay="0"/>
-                                          </p:stCondLst>
-                                        </p:cTn>
-                                        <p:tgtEl>
-                                          <p:spTgt spid="6"/>
-                                        </p:tgtEl>
-                                        <p:attrNameLst>
-                                          <p:attrName>style.visibility</p:attrName>
-                                        </p:attrNameLst>
-                                      </p:cBhvr>
-                                      <p:to>
-                                        <p:strVal val="visible"/>
-                                      </p:to>
-                                    </p:set>
-                                  </p:childTnLst>
-                                </p:cTn>
-                              </p:par>
-                            </p:childTnLst>
-                          </p:cTn>
-                        </p:par>
-                      </p:childTnLst>
-                    </p:cTn>
-                  </p:par>
-                </p:childTnLst>
-              </p:cTn>
-              <p:prevCondLst>
-                <p:cond evt="onPrev" delay="0">
-                  <p:tgtEl>
-                    <p:sldTgt/>
-                  </p:tgtEl>
-                </p:cond>
-              </p:prevCondLst>
-              <p:nextCondLst>
-                <p:cond evt="onNext" delay="0">
-                  <p:tgtEl>
-                    <p:sldTgt/>
-                  </p:tgtEl>
-                </p:cond>
-              </p:nextCondLst>
-            </p:seq>
-          </p:childTnLst>
-        </p:cTn>
-      </p:par>
-    </p:tnLst>
-    <p:bldLst>
-      <p:bldP spid="6" grpId="0"/>
-    </p:bldLst>
-  </p:timing>
-</p:sld>
-</file>
-
-<file path=ppt/slides/slide17.xml><?xml version="1.0" encoding="utf-8"?>
+<file path=ppt/slides/slide13.xml><?xml version="1.0" encoding="utf-8"?>
 <p:sld xmlns:a="http://schemas.openxmlformats.org/drawingml/2006/main" xmlns:r="http://schemas.openxmlformats.org/officeDocument/2006/relationships" xmlns:p="http://schemas.openxmlformats.org/presentationml/2006/main">
   <p:cSld>
     <p:spTree>
@@ -8819,16 +7687,31 @@
             <p:ph type="title"/>
           </p:nvPr>
         </p:nvSpPr>
-        <p:spPr/>
+        <p:spPr>
+          <a:xfrm>
+            <a:off x="838200" y="83024"/>
+            <a:ext cx="10515600" cy="811922"/>
+          </a:xfrm>
+        </p:spPr>
         <p:txBody>
-          <a:bodyPr/>
+          <a:bodyPr>
+            <a:normAutofit/>
+          </a:bodyPr>
           <a:lstStyle/>
           <a:p>
             <a:r>
-              <a:rPr lang="en-AU" b="1" dirty="0"/>
-              <a:t>Self-Attention for Documents</a:t>
-            </a:r>
-            <a:endParaRPr lang="en-US" dirty="0"/>
+              <a:rPr lang="en-AU" sz="4000" b="1" dirty="0"/>
+              <a:t>Stage 2 (</a:t>
+            </a:r>
+            <a:r>
+              <a:rPr lang="en-AU" sz="4000" b="1" dirty="0" err="1"/>
+              <a:t>Cont</a:t>
+            </a:r>
+            <a:r>
+              <a:rPr lang="en-AU" sz="4000" b="1" dirty="0"/>
+              <a:t>) Self-Attention for Documents</a:t>
+            </a:r>
+            <a:endParaRPr lang="en-US" sz="4000" dirty="0"/>
           </a:p>
         </p:txBody>
       </p:sp>
@@ -8877,61 +7760,153 @@
             <p:ph sz="half" idx="2"/>
           </p:nvPr>
         </p:nvSpPr>
-        <p:spPr/>
+        <p:spPr>
+          <a:xfrm>
+            <a:off x="6096000" y="882042"/>
+            <a:ext cx="5181600" cy="5892933"/>
+          </a:xfrm>
+        </p:spPr>
         <p:txBody>
           <a:bodyPr>
-            <a:normAutofit fontScale="92500" lnSpcReduction="10000"/>
+            <a:noAutofit/>
           </a:bodyPr>
           <a:lstStyle/>
-          <a:p>
-            <a:r>
-              <a:rPr lang="en-AU" b="1" dirty="0"/>
-              <a:t>Document-Specific Benefits</a:t>
-            </a:r>
-            <a:r>
-              <a:rPr lang="en-AU" dirty="0"/>
-              <a:t>:</a:t>
-            </a:r>
-          </a:p>
-          <a:p>
-            <a:r>
-              <a:rPr lang="en-AU" dirty="0"/>
-              <a:t>Links headers to values across page</a:t>
-            </a:r>
-          </a:p>
-          <a:p>
-            <a:r>
-              <a:rPr lang="en-AU" dirty="0"/>
-              <a:t>Understands table structures</a:t>
-            </a:r>
-          </a:p>
-          <a:p>
-            <a:r>
-              <a:rPr lang="en-AU" dirty="0"/>
-              <a:t>Handles multi-column layouts</a:t>
-            </a:r>
-          </a:p>
-          <a:p>
-            <a:r>
-              <a:rPr lang="en-AU" dirty="0"/>
-              <a:t>Processes logos and graphics</a:t>
-            </a:r>
-          </a:p>
-          <a:p>
-            <a:r>
-              <a:rPr lang="en-AU" b="1" dirty="0"/>
-              <a:t>Real Example</a:t>
-            </a:r>
-            <a:r>
-              <a:rPr lang="en-AU" dirty="0"/>
-              <a:t>: Hyatt Hotels invoice - $31.33 total automatically links to line items (Milk, Apples, Beef) and GST calculation</a:t>
-            </a:r>
-          </a:p>
           <a:p>
             <a:pPr marL="0" indent="0">
               <a:buNone/>
             </a:pPr>
-            <a:endParaRPr lang="en-AU" dirty="0"/>
+            <a:r>
+              <a:rPr lang="en-AU" sz="1200" b="1" dirty="0"/>
+              <a:t>Document-Specific Attention Patterns</a:t>
+            </a:r>
+            <a:r>
+              <a:rPr lang="en-AU" sz="1200" dirty="0"/>
+              <a:t>:</a:t>
+            </a:r>
+          </a:p>
+          <a:p>
+            <a:r>
+              <a:rPr lang="en-AU" sz="1200" b="1" dirty="0"/>
+              <a:t>Supplier Identification</a:t>
+            </a:r>
+            <a:r>
+              <a:rPr lang="en-AU" sz="1200" dirty="0"/>
+              <a:t>: "Hyatt Hotels" header patches strongly attend to each other and ABN</a:t>
+            </a:r>
+          </a:p>
+          <a:p>
+            <a:r>
+              <a:rPr lang="en-AU" sz="1200" b="1" dirty="0"/>
+              <a:t>Amount Verification</a:t>
+            </a:r>
+            <a:r>
+              <a:rPr lang="en-AU" sz="1200" dirty="0"/>
+              <a:t>: "$31.33" total patches attend to line item amounts for validation</a:t>
+            </a:r>
+          </a:p>
+          <a:p>
+            <a:r>
+              <a:rPr lang="en-AU" sz="1200" b="1" dirty="0"/>
+              <a:t>GST Calculation</a:t>
+            </a:r>
+            <a:r>
+              <a:rPr lang="en-AU" sz="1200" dirty="0"/>
+              <a:t>: GST patches attend to subtotal and tax calculation components</a:t>
+            </a:r>
+          </a:p>
+          <a:p>
+            <a:r>
+              <a:rPr lang="en-AU" sz="1200" b="1" dirty="0"/>
+              <a:t>Item Relationships</a:t>
+            </a:r>
+            <a:r>
+              <a:rPr lang="en-AU" sz="1200" dirty="0"/>
+              <a:t>: Line items attend to corresponding prices and quantities</a:t>
+            </a:r>
+          </a:p>
+          <a:p>
+            <a:pPr marL="0" indent="0">
+              <a:buNone/>
+            </a:pPr>
+            <a:r>
+              <a:rPr lang="en-AU" sz="1200" b="1" dirty="0"/>
+              <a:t>Tax Compliance Applications</a:t>
+            </a:r>
+            <a:r>
+              <a:rPr lang="en-AU" sz="1200" dirty="0"/>
+              <a:t>:</a:t>
+            </a:r>
+          </a:p>
+          <a:p>
+            <a:r>
+              <a:rPr lang="en-AU" sz="1200" b="1" dirty="0"/>
+              <a:t>Cross-Validation</a:t>
+            </a:r>
+            <a:r>
+              <a:rPr lang="en-AU" sz="1200" dirty="0"/>
+              <a:t>: Total amount attention to line items enables automatic verification</a:t>
+            </a:r>
+          </a:p>
+          <a:p>
+            <a:r>
+              <a:rPr lang="en-AU" sz="1200" b="1" dirty="0"/>
+              <a:t>Supplier Validation</a:t>
+            </a:r>
+            <a:r>
+              <a:rPr lang="en-AU" sz="1200" dirty="0"/>
+              <a:t>: Business name attention to ABN confirms entity legitimacy</a:t>
+            </a:r>
+          </a:p>
+          <a:p>
+            <a:r>
+              <a:rPr lang="en-AU" sz="1200" b="1" dirty="0"/>
+              <a:t>Category Recognition</a:t>
+            </a:r>
+            <a:r>
+              <a:rPr lang="en-AU" sz="1200" dirty="0"/>
+              <a:t>: Item descriptions attend to amounts for expense classification</a:t>
+            </a:r>
+          </a:p>
+          <a:p>
+            <a:r>
+              <a:rPr lang="en-AU" sz="1200" b="1" dirty="0"/>
+              <a:t>Date Verification</a:t>
+            </a:r>
+            <a:r>
+              <a:rPr lang="en-AU" sz="1200" dirty="0"/>
+              <a:t>: Transaction date attention to supplier for temporal validation</a:t>
+            </a:r>
+          </a:p>
+          <a:p>
+            <a:pPr marL="0" indent="0">
+              <a:buNone/>
+            </a:pPr>
+            <a:r>
+              <a:rPr lang="en-AU" sz="1200" b="1" dirty="0"/>
+              <a:t>Real Example from Hyatt Hotels Receipt</a:t>
+            </a:r>
+            <a:r>
+              <a:rPr lang="en-AU" sz="1200" dirty="0"/>
+              <a:t>:</a:t>
+            </a:r>
+          </a:p>
+          <a:p>
+            <a:r>
+              <a:rPr lang="en-AU" sz="1200" dirty="0"/>
+              <a:t>"TOTAL $31.33" patches attend to: Line items (0.85), GST calculation (0.78), Subtotal (0.92)</a:t>
+            </a:r>
+          </a:p>
+          <a:p>
+            <a:r>
+              <a:rPr lang="en-AU" sz="1200" dirty="0"/>
+              <a:t>"Hyatt Hotels" patches attend to: ABN number (0.91), Address (0.67), Logo (0.88)</a:t>
+            </a:r>
+          </a:p>
+          <a:p>
+            <a:r>
+              <a:rPr lang="en-AU" sz="1200" dirty="0"/>
+              <a:t>"GST $2.85" patches attend to: Subtotal $28.48 (0.94), Tax rate calculation (0.89)</a:t>
+            </a:r>
           </a:p>
         </p:txBody>
       </p:sp>
@@ -9247,6 +8222,398 @@
                       </p:childTnLst>
                     </p:cTn>
                   </p:par>
+                  <p:par>
+                    <p:cTn id="27" fill="hold">
+                      <p:stCondLst>
+                        <p:cond delay="indefinite"/>
+                      </p:stCondLst>
+                      <p:childTnLst>
+                        <p:par>
+                          <p:cTn id="28" fill="hold">
+                            <p:stCondLst>
+                              <p:cond delay="0"/>
+                            </p:stCondLst>
+                            <p:childTnLst>
+                              <p:par>
+                                <p:cTn id="29" presetID="1" presetClass="entr" presetSubtype="0" fill="hold" grpId="0" nodeType="clickEffect">
+                                  <p:stCondLst>
+                                    <p:cond delay="0"/>
+                                  </p:stCondLst>
+                                  <p:childTnLst>
+                                    <p:set>
+                                      <p:cBhvr>
+                                        <p:cTn id="30" dur="1" fill="hold">
+                                          <p:stCondLst>
+                                            <p:cond delay="0"/>
+                                          </p:stCondLst>
+                                        </p:cTn>
+                                        <p:tgtEl>
+                                          <p:spTgt spid="4">
+                                            <p:txEl>
+                                              <p:pRg st="6" end="6"/>
+                                            </p:txEl>
+                                          </p:spTgt>
+                                        </p:tgtEl>
+                                        <p:attrNameLst>
+                                          <p:attrName>style.visibility</p:attrName>
+                                        </p:attrNameLst>
+                                      </p:cBhvr>
+                                      <p:to>
+                                        <p:strVal val="visible"/>
+                                      </p:to>
+                                    </p:set>
+                                  </p:childTnLst>
+                                </p:cTn>
+                              </p:par>
+                            </p:childTnLst>
+                          </p:cTn>
+                        </p:par>
+                      </p:childTnLst>
+                    </p:cTn>
+                  </p:par>
+                  <p:par>
+                    <p:cTn id="31" fill="hold">
+                      <p:stCondLst>
+                        <p:cond delay="indefinite"/>
+                      </p:stCondLst>
+                      <p:childTnLst>
+                        <p:par>
+                          <p:cTn id="32" fill="hold">
+                            <p:stCondLst>
+                              <p:cond delay="0"/>
+                            </p:stCondLst>
+                            <p:childTnLst>
+                              <p:par>
+                                <p:cTn id="33" presetID="1" presetClass="entr" presetSubtype="0" fill="hold" grpId="0" nodeType="clickEffect">
+                                  <p:stCondLst>
+                                    <p:cond delay="0"/>
+                                  </p:stCondLst>
+                                  <p:childTnLst>
+                                    <p:set>
+                                      <p:cBhvr>
+                                        <p:cTn id="34" dur="1" fill="hold">
+                                          <p:stCondLst>
+                                            <p:cond delay="0"/>
+                                          </p:stCondLst>
+                                        </p:cTn>
+                                        <p:tgtEl>
+                                          <p:spTgt spid="4">
+                                            <p:txEl>
+                                              <p:pRg st="7" end="7"/>
+                                            </p:txEl>
+                                          </p:spTgt>
+                                        </p:tgtEl>
+                                        <p:attrNameLst>
+                                          <p:attrName>style.visibility</p:attrName>
+                                        </p:attrNameLst>
+                                      </p:cBhvr>
+                                      <p:to>
+                                        <p:strVal val="visible"/>
+                                      </p:to>
+                                    </p:set>
+                                  </p:childTnLst>
+                                </p:cTn>
+                              </p:par>
+                            </p:childTnLst>
+                          </p:cTn>
+                        </p:par>
+                      </p:childTnLst>
+                    </p:cTn>
+                  </p:par>
+                  <p:par>
+                    <p:cTn id="35" fill="hold">
+                      <p:stCondLst>
+                        <p:cond delay="indefinite"/>
+                      </p:stCondLst>
+                      <p:childTnLst>
+                        <p:par>
+                          <p:cTn id="36" fill="hold">
+                            <p:stCondLst>
+                              <p:cond delay="0"/>
+                            </p:stCondLst>
+                            <p:childTnLst>
+                              <p:par>
+                                <p:cTn id="37" presetID="1" presetClass="entr" presetSubtype="0" fill="hold" grpId="0" nodeType="clickEffect">
+                                  <p:stCondLst>
+                                    <p:cond delay="0"/>
+                                  </p:stCondLst>
+                                  <p:childTnLst>
+                                    <p:set>
+                                      <p:cBhvr>
+                                        <p:cTn id="38" dur="1" fill="hold">
+                                          <p:stCondLst>
+                                            <p:cond delay="0"/>
+                                          </p:stCondLst>
+                                        </p:cTn>
+                                        <p:tgtEl>
+                                          <p:spTgt spid="4">
+                                            <p:txEl>
+                                              <p:pRg st="8" end="8"/>
+                                            </p:txEl>
+                                          </p:spTgt>
+                                        </p:tgtEl>
+                                        <p:attrNameLst>
+                                          <p:attrName>style.visibility</p:attrName>
+                                        </p:attrNameLst>
+                                      </p:cBhvr>
+                                      <p:to>
+                                        <p:strVal val="visible"/>
+                                      </p:to>
+                                    </p:set>
+                                  </p:childTnLst>
+                                </p:cTn>
+                              </p:par>
+                            </p:childTnLst>
+                          </p:cTn>
+                        </p:par>
+                      </p:childTnLst>
+                    </p:cTn>
+                  </p:par>
+                  <p:par>
+                    <p:cTn id="39" fill="hold">
+                      <p:stCondLst>
+                        <p:cond delay="indefinite"/>
+                      </p:stCondLst>
+                      <p:childTnLst>
+                        <p:par>
+                          <p:cTn id="40" fill="hold">
+                            <p:stCondLst>
+                              <p:cond delay="0"/>
+                            </p:stCondLst>
+                            <p:childTnLst>
+                              <p:par>
+                                <p:cTn id="41" presetID="1" presetClass="entr" presetSubtype="0" fill="hold" grpId="0" nodeType="clickEffect">
+                                  <p:stCondLst>
+                                    <p:cond delay="0"/>
+                                  </p:stCondLst>
+                                  <p:childTnLst>
+                                    <p:set>
+                                      <p:cBhvr>
+                                        <p:cTn id="42" dur="1" fill="hold">
+                                          <p:stCondLst>
+                                            <p:cond delay="0"/>
+                                          </p:stCondLst>
+                                        </p:cTn>
+                                        <p:tgtEl>
+                                          <p:spTgt spid="4">
+                                            <p:txEl>
+                                              <p:pRg st="9" end="9"/>
+                                            </p:txEl>
+                                          </p:spTgt>
+                                        </p:tgtEl>
+                                        <p:attrNameLst>
+                                          <p:attrName>style.visibility</p:attrName>
+                                        </p:attrNameLst>
+                                      </p:cBhvr>
+                                      <p:to>
+                                        <p:strVal val="visible"/>
+                                      </p:to>
+                                    </p:set>
+                                  </p:childTnLst>
+                                </p:cTn>
+                              </p:par>
+                            </p:childTnLst>
+                          </p:cTn>
+                        </p:par>
+                      </p:childTnLst>
+                    </p:cTn>
+                  </p:par>
+                  <p:par>
+                    <p:cTn id="43" fill="hold">
+                      <p:stCondLst>
+                        <p:cond delay="indefinite"/>
+                      </p:stCondLst>
+                      <p:childTnLst>
+                        <p:par>
+                          <p:cTn id="44" fill="hold">
+                            <p:stCondLst>
+                              <p:cond delay="0"/>
+                            </p:stCondLst>
+                            <p:childTnLst>
+                              <p:par>
+                                <p:cTn id="45" presetID="1" presetClass="entr" presetSubtype="0" fill="hold" grpId="0" nodeType="clickEffect">
+                                  <p:stCondLst>
+                                    <p:cond delay="0"/>
+                                  </p:stCondLst>
+                                  <p:childTnLst>
+                                    <p:set>
+                                      <p:cBhvr>
+                                        <p:cTn id="46" dur="1" fill="hold">
+                                          <p:stCondLst>
+                                            <p:cond delay="0"/>
+                                          </p:stCondLst>
+                                        </p:cTn>
+                                        <p:tgtEl>
+                                          <p:spTgt spid="4">
+                                            <p:txEl>
+                                              <p:pRg st="10" end="10"/>
+                                            </p:txEl>
+                                          </p:spTgt>
+                                        </p:tgtEl>
+                                        <p:attrNameLst>
+                                          <p:attrName>style.visibility</p:attrName>
+                                        </p:attrNameLst>
+                                      </p:cBhvr>
+                                      <p:to>
+                                        <p:strVal val="visible"/>
+                                      </p:to>
+                                    </p:set>
+                                  </p:childTnLst>
+                                </p:cTn>
+                              </p:par>
+                            </p:childTnLst>
+                          </p:cTn>
+                        </p:par>
+                      </p:childTnLst>
+                    </p:cTn>
+                  </p:par>
+                  <p:par>
+                    <p:cTn id="47" fill="hold">
+                      <p:stCondLst>
+                        <p:cond delay="indefinite"/>
+                      </p:stCondLst>
+                      <p:childTnLst>
+                        <p:par>
+                          <p:cTn id="48" fill="hold">
+                            <p:stCondLst>
+                              <p:cond delay="0"/>
+                            </p:stCondLst>
+                            <p:childTnLst>
+                              <p:par>
+                                <p:cTn id="49" presetID="1" presetClass="entr" presetSubtype="0" fill="hold" grpId="0" nodeType="clickEffect">
+                                  <p:stCondLst>
+                                    <p:cond delay="0"/>
+                                  </p:stCondLst>
+                                  <p:childTnLst>
+                                    <p:set>
+                                      <p:cBhvr>
+                                        <p:cTn id="50" dur="1" fill="hold">
+                                          <p:stCondLst>
+                                            <p:cond delay="0"/>
+                                          </p:stCondLst>
+                                        </p:cTn>
+                                        <p:tgtEl>
+                                          <p:spTgt spid="4">
+                                            <p:txEl>
+                                              <p:pRg st="11" end="11"/>
+                                            </p:txEl>
+                                          </p:spTgt>
+                                        </p:tgtEl>
+                                        <p:attrNameLst>
+                                          <p:attrName>style.visibility</p:attrName>
+                                        </p:attrNameLst>
+                                      </p:cBhvr>
+                                      <p:to>
+                                        <p:strVal val="visible"/>
+                                      </p:to>
+                                    </p:set>
+                                  </p:childTnLst>
+                                </p:cTn>
+                              </p:par>
+                            </p:childTnLst>
+                          </p:cTn>
+                        </p:par>
+                      </p:childTnLst>
+                    </p:cTn>
+                  </p:par>
+                  <p:par>
+                    <p:cTn id="51" fill="hold">
+                      <p:stCondLst>
+                        <p:cond delay="indefinite"/>
+                      </p:stCondLst>
+                      <p:childTnLst>
+                        <p:par>
+                          <p:cTn id="52" fill="hold">
+                            <p:stCondLst>
+                              <p:cond delay="0"/>
+                            </p:stCondLst>
+                            <p:childTnLst>
+                              <p:par>
+                                <p:cTn id="53" presetID="1" presetClass="entr" presetSubtype="0" fill="hold" grpId="0" nodeType="clickEffect">
+                                  <p:stCondLst>
+                                    <p:cond delay="0"/>
+                                  </p:stCondLst>
+                                  <p:childTnLst>
+                                    <p:set>
+                                      <p:cBhvr>
+                                        <p:cTn id="54" dur="1" fill="hold">
+                                          <p:stCondLst>
+                                            <p:cond delay="0"/>
+                                          </p:stCondLst>
+                                        </p:cTn>
+                                        <p:tgtEl>
+                                          <p:spTgt spid="4">
+                                            <p:txEl>
+                                              <p:pRg st="12" end="12"/>
+                                            </p:txEl>
+                                          </p:spTgt>
+                                        </p:tgtEl>
+                                        <p:attrNameLst>
+                                          <p:attrName>style.visibility</p:attrName>
+                                        </p:attrNameLst>
+                                      </p:cBhvr>
+                                      <p:to>
+                                        <p:strVal val="visible"/>
+                                      </p:to>
+                                    </p:set>
+                                  </p:childTnLst>
+                                </p:cTn>
+                              </p:par>
+                            </p:childTnLst>
+                          </p:cTn>
+                        </p:par>
+                      </p:childTnLst>
+                    </p:cTn>
+                  </p:par>
+                  <p:par>
+                    <p:cTn id="55" fill="hold">
+                      <p:stCondLst>
+                        <p:cond delay="indefinite"/>
+                      </p:stCondLst>
+                      <p:childTnLst>
+                        <p:par>
+                          <p:cTn id="56" fill="hold">
+                            <p:stCondLst>
+                              <p:cond delay="0"/>
+                            </p:stCondLst>
+                            <p:childTnLst>
+                              <p:par>
+                                <p:cTn id="57" presetID="1" presetClass="entr" presetSubtype="0" fill="hold" grpId="0" nodeType="clickEffect">
+                                  <p:stCondLst>
+                                    <p:cond delay="0"/>
+                                  </p:stCondLst>
+                                  <p:childTnLst>
+                                    <p:set>
+                                      <p:cBhvr>
+                                        <p:cTn id="58" dur="1" fill="hold">
+                                          <p:stCondLst>
+                                            <p:cond delay="0"/>
+                                          </p:stCondLst>
+                                        </p:cTn>
+                                        <p:tgtEl>
+                                          <p:spTgt spid="4">
+                                            <p:txEl>
+                                              <p:pRg st="13" end="13"/>
+                                            </p:txEl>
+                                          </p:spTgt>
+                                        </p:tgtEl>
+                                        <p:attrNameLst>
+                                          <p:attrName>style.visibility</p:attrName>
+                                        </p:attrNameLst>
+                                      </p:cBhvr>
+                                      <p:to>
+                                        <p:strVal val="visible"/>
+                                      </p:to>
+                                    </p:set>
+                                  </p:childTnLst>
+                                </p:cTn>
+                              </p:par>
+                            </p:childTnLst>
+                          </p:cTn>
+                        </p:par>
+                      </p:childTnLst>
+                    </p:cTn>
+                  </p:par>
                 </p:childTnLst>
               </p:cTn>
               <p:prevCondLst>
@@ -9275,7 +8642,388 @@
 </p:sld>
 </file>
 
-<file path=ppt/slides/slide18.xml><?xml version="1.0" encoding="utf-8"?>
+<file path=ppt/slides/slide14.xml><?xml version="1.0" encoding="utf-8"?>
+<p:sld xmlns:a="http://schemas.openxmlformats.org/drawingml/2006/main" xmlns:r="http://schemas.openxmlformats.org/officeDocument/2006/relationships" xmlns:p="http://schemas.openxmlformats.org/presentationml/2006/main">
+  <p:cSld>
+    <p:spTree>
+      <p:nvGrpSpPr>
+        <p:cNvPr id="1" name="">
+          <a:extLst>
+            <a:ext uri="{FF2B5EF4-FFF2-40B4-BE49-F238E27FC236}">
+              <a16:creationId xmlns:a16="http://schemas.microsoft.com/office/drawing/2014/main" id="{99848FEA-7EA6-DBA7-C66A-741BC84E486A}"/>
+            </a:ext>
+          </a:extLst>
+        </p:cNvPr>
+        <p:cNvGrpSpPr/>
+        <p:nvPr/>
+      </p:nvGrpSpPr>
+      <p:grpSpPr>
+        <a:xfrm>
+          <a:off x="0" y="0"/>
+          <a:ext cx="0" cy="0"/>
+          <a:chOff x="0" y="0"/>
+          <a:chExt cx="0" cy="0"/>
+        </a:xfrm>
+      </p:grpSpPr>
+      <p:sp>
+        <p:nvSpPr>
+          <p:cNvPr id="2" name="Title 1">
+            <a:extLst>
+              <a:ext uri="{FF2B5EF4-FFF2-40B4-BE49-F238E27FC236}">
+                <a16:creationId xmlns:a16="http://schemas.microsoft.com/office/drawing/2014/main" id="{80ECCA02-06B6-A1A1-8D20-4E6A35349B3B}"/>
+              </a:ext>
+            </a:extLst>
+          </p:cNvPr>
+          <p:cNvSpPr>
+            <a:spLocks noGrp="1"/>
+          </p:cNvSpPr>
+          <p:nvPr>
+            <p:ph type="title"/>
+          </p:nvPr>
+        </p:nvSpPr>
+        <p:spPr>
+          <a:xfrm>
+            <a:off x="401516" y="250128"/>
+            <a:ext cx="11507372" cy="787790"/>
+          </a:xfrm>
+        </p:spPr>
+        <p:txBody>
+          <a:bodyPr>
+            <a:noAutofit/>
+          </a:bodyPr>
+          <a:lstStyle/>
+          <a:p>
+            <a:r>
+              <a:rPr lang="en-AU" sz="3200" b="1" dirty="0"/>
+              <a:t>Stage 3: Language Generation - From Understanding to Extraction</a:t>
+            </a:r>
+          </a:p>
+        </p:txBody>
+      </p:sp>
+      <p:sp>
+        <p:nvSpPr>
+          <p:cNvPr id="6" name="TextBox 5">
+            <a:extLst>
+              <a:ext uri="{FF2B5EF4-FFF2-40B4-BE49-F238E27FC236}">
+                <a16:creationId xmlns:a16="http://schemas.microsoft.com/office/drawing/2014/main" id="{CA451E53-CF8D-995D-DFFF-52EBE821ACB0}"/>
+              </a:ext>
+            </a:extLst>
+          </p:cNvPr>
+          <p:cNvSpPr txBox="1"/>
+          <p:nvPr/>
+        </p:nvSpPr>
+        <p:spPr>
+          <a:xfrm>
+            <a:off x="683456" y="2641620"/>
+            <a:ext cx="10397196" cy="1200329"/>
+          </a:xfrm>
+          <a:prstGeom prst="rect">
+            <a:avLst/>
+          </a:prstGeom>
+          <a:noFill/>
+        </p:spPr>
+        <p:txBody>
+          <a:bodyPr wrap="square" rtlCol="0">
+            <a:spAutoFit/>
+          </a:bodyPr>
+          <a:lstStyle/>
+          <a:p>
+            <a:r>
+              <a:rPr lang="en-AU" b="1" dirty="0"/>
+              <a:t>Stage 3: From Understanding to Extraction</a:t>
+            </a:r>
+            <a:endParaRPr lang="en-AU" dirty="0"/>
+          </a:p>
+          <a:p>
+            <a:pPr marL="285750" indent="-285750">
+              <a:buFont typeface="Arial" panose="020B0604020202020204" pitchFamily="34" charset="0"/>
+              <a:buChar char="•"/>
+            </a:pPr>
+            <a:r>
+              <a:rPr lang="en-AU" b="1" dirty="0"/>
+              <a:t>Vision-Language Fusion</a:t>
+            </a:r>
+            <a:r>
+              <a:rPr lang="en-AU" dirty="0"/>
+              <a:t>: Connect visual patterns to semantic meaning</a:t>
+            </a:r>
+          </a:p>
+          <a:p>
+            <a:pPr marL="285750" indent="-285750">
+              <a:buFont typeface="Arial" panose="020B0604020202020204" pitchFamily="34" charset="0"/>
+              <a:buChar char="•"/>
+            </a:pPr>
+            <a:r>
+              <a:rPr lang="en-AU" b="1" dirty="0"/>
+              <a:t>Language Model Head</a:t>
+            </a:r>
+            <a:r>
+              <a:rPr lang="en-AU" dirty="0"/>
+              <a:t>: Generate structured text output</a:t>
+            </a:r>
+          </a:p>
+          <a:p>
+            <a:pPr marL="285750" indent="-285750">
+              <a:buFont typeface="Arial" panose="020B0604020202020204" pitchFamily="34" charset="0"/>
+              <a:buChar char="•"/>
+            </a:pPr>
+            <a:r>
+              <a:rPr lang="en-AU" b="1" dirty="0"/>
+              <a:t>Structured Output</a:t>
+            </a:r>
+            <a:r>
+              <a:rPr lang="en-AU" dirty="0"/>
+              <a:t>: Direct KEY: VALUE format for downstream integration</a:t>
+            </a:r>
+          </a:p>
+        </p:txBody>
+      </p:sp>
+      <p:pic>
+        <p:nvPicPr>
+          <p:cNvPr id="8" name="Content Placeholder 7" descr="A diagram of a language model&#10;&#10;AI-generated content may be incorrect.">
+            <a:extLst>
+              <a:ext uri="{FF2B5EF4-FFF2-40B4-BE49-F238E27FC236}">
+                <a16:creationId xmlns:a16="http://schemas.microsoft.com/office/drawing/2014/main" id="{33502EBF-6EC5-4207-C75A-7FD8F877202E}"/>
+              </a:ext>
+            </a:extLst>
+          </p:cNvPr>
+          <p:cNvPicPr>
+            <a:picLocks noGrp="1" noChangeAspect="1"/>
+          </p:cNvPicPr>
+          <p:nvPr>
+            <p:ph idx="1"/>
+          </p:nvPr>
+        </p:nvPicPr>
+        <p:blipFill>
+          <a:blip r:embed="rId3"/>
+          <a:stretch>
+            <a:fillRect/>
+          </a:stretch>
+        </p:blipFill>
+        <p:spPr>
+          <a:xfrm>
+            <a:off x="683456" y="1041010"/>
+            <a:ext cx="10515600" cy="1703281"/>
+          </a:xfrm>
+        </p:spPr>
+      </p:pic>
+      <p:pic>
+        <p:nvPicPr>
+          <p:cNvPr id="9" name="Picture 8">
+            <a:extLst>
+              <a:ext uri="{FF2B5EF4-FFF2-40B4-BE49-F238E27FC236}">
+                <a16:creationId xmlns:a16="http://schemas.microsoft.com/office/drawing/2014/main" id="{184D832A-4902-E074-F915-A964D7FEC2D9}"/>
+              </a:ext>
+            </a:extLst>
+          </p:cNvPr>
+          <p:cNvPicPr>
+            <a:picLocks noChangeAspect="1"/>
+          </p:cNvPicPr>
+          <p:nvPr/>
+        </p:nvPicPr>
+        <p:blipFill>
+          <a:blip r:embed="rId4"/>
+          <a:stretch>
+            <a:fillRect/>
+          </a:stretch>
+        </p:blipFill>
+        <p:spPr>
+          <a:xfrm>
+            <a:off x="5941256" y="4356780"/>
+            <a:ext cx="5359400" cy="1625600"/>
+          </a:xfrm>
+          <a:prstGeom prst="rect">
+            <a:avLst/>
+          </a:prstGeom>
+        </p:spPr>
+      </p:pic>
+      <p:sp>
+        <p:nvSpPr>
+          <p:cNvPr id="13" name="TextBox 12">
+            <a:extLst>
+              <a:ext uri="{FF2B5EF4-FFF2-40B4-BE49-F238E27FC236}">
+                <a16:creationId xmlns:a16="http://schemas.microsoft.com/office/drawing/2014/main" id="{A68AED3D-BE01-1349-630C-78462B95A9A6}"/>
+              </a:ext>
+            </a:extLst>
+          </p:cNvPr>
+          <p:cNvSpPr txBox="1"/>
+          <p:nvPr/>
+        </p:nvSpPr>
+        <p:spPr>
+          <a:xfrm>
+            <a:off x="758757" y="4046706"/>
+            <a:ext cx="4805464" cy="2308324"/>
+          </a:xfrm>
+          <a:prstGeom prst="rect">
+            <a:avLst/>
+          </a:prstGeom>
+          <a:noFill/>
+        </p:spPr>
+        <p:txBody>
+          <a:bodyPr wrap="square" rtlCol="0">
+            <a:spAutoFit/>
+          </a:bodyPr>
+          <a:lstStyle/>
+          <a:p>
+            <a:r>
+              <a:rPr lang="en-AU" sz="1600" b="1" dirty="0"/>
+              <a:t>Tax Compliance Features</a:t>
+            </a:r>
+            <a:r>
+              <a:rPr lang="en-AU" sz="1600" dirty="0"/>
+              <a:t>:</a:t>
+            </a:r>
+          </a:p>
+          <a:p>
+            <a:pPr marL="285750" indent="-285750">
+              <a:buFont typeface="Arial" panose="020B0604020202020204" pitchFamily="34" charset="0"/>
+              <a:buChar char="•"/>
+            </a:pPr>
+            <a:r>
+              <a:rPr lang="en-AU" sz="1600" b="1" dirty="0"/>
+              <a:t>ABN Validation</a:t>
+            </a:r>
+            <a:r>
+              <a:rPr lang="en-AU" sz="1600" dirty="0"/>
+              <a:t>: Confirms legitimate business supplier</a:t>
+            </a:r>
+          </a:p>
+          <a:p>
+            <a:pPr marL="285750" indent="-285750">
+              <a:buFont typeface="Arial" panose="020B0604020202020204" pitchFamily="34" charset="0"/>
+              <a:buChar char="•"/>
+            </a:pPr>
+            <a:r>
+              <a:rPr lang="en-AU" sz="1600" b="1" dirty="0"/>
+              <a:t>GST Verification</a:t>
+            </a:r>
+            <a:r>
+              <a:rPr lang="en-AU" sz="1600" dirty="0"/>
+              <a:t>: Ensures correct tax calculations</a:t>
+            </a:r>
+          </a:p>
+          <a:p>
+            <a:pPr marL="285750" indent="-285750">
+              <a:buFont typeface="Arial" panose="020B0604020202020204" pitchFamily="34" charset="0"/>
+              <a:buChar char="•"/>
+            </a:pPr>
+            <a:r>
+              <a:rPr lang="en-AU" sz="1600" b="1" dirty="0"/>
+              <a:t>Category Classification</a:t>
+            </a:r>
+            <a:r>
+              <a:rPr lang="en-AU" sz="1600" dirty="0"/>
+              <a:t>: Automatically identifies deduction type</a:t>
+            </a:r>
+          </a:p>
+          <a:p>
+            <a:pPr marL="285750" indent="-285750">
+              <a:buFont typeface="Arial" panose="020B0604020202020204" pitchFamily="34" charset="0"/>
+              <a:buChar char="•"/>
+            </a:pPr>
+            <a:r>
+              <a:rPr lang="en-AU" sz="1600" b="1" dirty="0"/>
+              <a:t>Audit Trail</a:t>
+            </a:r>
+            <a:r>
+              <a:rPr lang="en-AU" sz="1600" dirty="0"/>
+              <a:t>: All fields extracted from single visual analysis</a:t>
+            </a:r>
+          </a:p>
+        </p:txBody>
+      </p:sp>
+    </p:spTree>
+    <p:extLst>
+      <p:ext uri="{BB962C8B-B14F-4D97-AF65-F5344CB8AC3E}">
+        <p14:creationId xmlns:p14="http://schemas.microsoft.com/office/powerpoint/2010/main" val="594242692"/>
+      </p:ext>
+    </p:extLst>
+  </p:cSld>
+  <p:clrMapOvr>
+    <a:masterClrMapping/>
+  </p:clrMapOvr>
+  <p:timing>
+    <p:tnLst>
+      <p:par>
+        <p:cTn id="1" dur="indefinite" restart="never" nodeType="tmRoot">
+          <p:childTnLst>
+            <p:seq concurrent="1" nextAc="seek">
+              <p:cTn id="2" dur="indefinite" nodeType="mainSeq">
+                <p:childTnLst>
+                  <p:par>
+                    <p:cTn id="3" fill="hold">
+                      <p:stCondLst>
+                        <p:cond delay="indefinite"/>
+                      </p:stCondLst>
+                      <p:childTnLst>
+                        <p:par>
+                          <p:cTn id="4" fill="hold">
+                            <p:stCondLst>
+                              <p:cond delay="0"/>
+                            </p:stCondLst>
+                            <p:childTnLst>
+                              <p:par>
+                                <p:cTn id="5" presetID="1" presetClass="entr" presetSubtype="0" fill="hold" grpId="0" nodeType="clickEffect">
+                                  <p:stCondLst>
+                                    <p:cond delay="0"/>
+                                  </p:stCondLst>
+                                  <p:childTnLst>
+                                    <p:set>
+                                      <p:cBhvr>
+                                        <p:cTn id="6" dur="1" fill="hold">
+                                          <p:stCondLst>
+                                            <p:cond delay="0"/>
+                                          </p:stCondLst>
+                                        </p:cTn>
+                                        <p:tgtEl>
+                                          <p:spTgt spid="6"/>
+                                        </p:tgtEl>
+                                        <p:attrNameLst>
+                                          <p:attrName>style.visibility</p:attrName>
+                                        </p:attrNameLst>
+                                      </p:cBhvr>
+                                      <p:to>
+                                        <p:strVal val="visible"/>
+                                      </p:to>
+                                    </p:set>
+                                  </p:childTnLst>
+                                </p:cTn>
+                              </p:par>
+                            </p:childTnLst>
+                          </p:cTn>
+                        </p:par>
+                      </p:childTnLst>
+                    </p:cTn>
+                  </p:par>
+                </p:childTnLst>
+              </p:cTn>
+              <p:prevCondLst>
+                <p:cond evt="onPrev" delay="0">
+                  <p:tgtEl>
+                    <p:sldTgt/>
+                  </p:tgtEl>
+                </p:cond>
+              </p:prevCondLst>
+              <p:nextCondLst>
+                <p:cond evt="onNext" delay="0">
+                  <p:tgtEl>
+                    <p:sldTgt/>
+                  </p:tgtEl>
+                </p:cond>
+              </p:nextCondLst>
+            </p:seq>
+          </p:childTnLst>
+        </p:cTn>
+      </p:par>
+    </p:tnLst>
+    <p:bldLst>
+      <p:bldP spid="6" grpId="0"/>
+    </p:bldLst>
+  </p:timing>
+</p:sld>
+</file>
+
+<file path=ppt/slides/slide15.xml><?xml version="1.0" encoding="utf-8"?>
 <p:sld xmlns:a="http://schemas.openxmlformats.org/drawingml/2006/main" xmlns:r="http://schemas.openxmlformats.org/officeDocument/2006/relationships" xmlns:p="http://schemas.openxmlformats.org/presentationml/2006/main">
   <p:cSld>
     <p:spTree>
@@ -9297,6 +9045,1505 @@
           <p:cNvPr id="2" name="Title 1">
             <a:extLst>
               <a:ext uri="{FF2B5EF4-FFF2-40B4-BE49-F238E27FC236}">
+                <a16:creationId xmlns:a16="http://schemas.microsoft.com/office/drawing/2014/main" id="{257B313E-56A4-913A-656F-103EB74DCFC0}"/>
+              </a:ext>
+            </a:extLst>
+          </p:cNvPr>
+          <p:cNvSpPr>
+            <a:spLocks noGrp="1"/>
+          </p:cNvSpPr>
+          <p:nvPr>
+            <p:ph type="title"/>
+          </p:nvPr>
+        </p:nvSpPr>
+        <p:spPr/>
+        <p:txBody>
+          <a:bodyPr/>
+          <a:lstStyle/>
+          <a:p>
+            <a:r>
+              <a:rPr lang="en-AU" dirty="0"/>
+              <a:t>Semantic Capture Comparison</a:t>
+            </a:r>
+            <a:endParaRPr lang="en-US" dirty="0"/>
+          </a:p>
+        </p:txBody>
+      </p:sp>
+      <p:sp>
+        <p:nvSpPr>
+          <p:cNvPr id="3" name="Content Placeholder 2">
+            <a:extLst>
+              <a:ext uri="{FF2B5EF4-FFF2-40B4-BE49-F238E27FC236}">
+                <a16:creationId xmlns:a16="http://schemas.microsoft.com/office/drawing/2014/main" id="{75B34A26-91C0-F9C9-756B-3602733EBDC4}"/>
+              </a:ext>
+            </a:extLst>
+          </p:cNvPr>
+          <p:cNvSpPr>
+            <a:spLocks noGrp="1"/>
+          </p:cNvSpPr>
+          <p:nvPr>
+            <p:ph sz="half" idx="1"/>
+          </p:nvPr>
+        </p:nvSpPr>
+        <p:spPr>
+          <a:xfrm>
+            <a:off x="838200" y="1834897"/>
+            <a:ext cx="6700736" cy="3505589"/>
+          </a:xfrm>
+        </p:spPr>
+        <p:txBody>
+          <a:bodyPr>
+            <a:normAutofit fontScale="55000" lnSpcReduction="20000"/>
+          </a:bodyPr>
+          <a:lstStyle/>
+          <a:p>
+            <a:r>
+              <a:rPr lang="en-AU" sz="2900" b="1" dirty="0"/>
+              <a:t>Receipt Quality Issues</a:t>
+            </a:r>
+            <a:r>
+              <a:rPr lang="en-AU" sz="2900" dirty="0"/>
+              <a:t>:</a:t>
+            </a:r>
+          </a:p>
+          <a:p>
+            <a:r>
+              <a:rPr lang="en-AU" sz="2900" b="1" dirty="0" err="1"/>
+              <a:t>LayoutLM</a:t>
+            </a:r>
+            <a:r>
+              <a:rPr lang="en-AU" sz="2900" dirty="0"/>
+              <a:t>: Faded thermal receipt → OCR fails → No extraction</a:t>
+            </a:r>
+          </a:p>
+          <a:p>
+            <a:r>
+              <a:rPr lang="en-AU" sz="2900" b="1" dirty="0"/>
+              <a:t>Vision Transformers</a:t>
+            </a:r>
+            <a:r>
+              <a:rPr lang="en-AU" sz="2900" dirty="0"/>
+              <a:t>: Processes visual patterns → Successful extraction</a:t>
+            </a:r>
+          </a:p>
+          <a:p>
+            <a:r>
+              <a:rPr lang="en-AU" sz="2900" b="1" dirty="0"/>
+              <a:t>Complex Layouts</a:t>
+            </a:r>
+            <a:r>
+              <a:rPr lang="en-AU" sz="2900" dirty="0"/>
+              <a:t>:</a:t>
+            </a:r>
+          </a:p>
+          <a:p>
+            <a:r>
+              <a:rPr lang="en-AU" sz="2900" b="1" dirty="0" err="1"/>
+              <a:t>LayoutLM</a:t>
+            </a:r>
+            <a:r>
+              <a:rPr lang="en-AU" sz="2900" dirty="0"/>
+              <a:t>: Multi-column invoice → Coordinate misalignment → Field confusion</a:t>
+            </a:r>
+          </a:p>
+          <a:p>
+            <a:r>
+              <a:rPr lang="en-AU" sz="2900" b="1" dirty="0"/>
+              <a:t>Vision Transformers</a:t>
+            </a:r>
+            <a:r>
+              <a:rPr lang="en-AU" sz="2900" dirty="0"/>
+              <a:t>: Global attention → Correct field association</a:t>
+            </a:r>
+          </a:p>
+          <a:p>
+            <a:r>
+              <a:rPr lang="en-AU" sz="2900" b="1" dirty="0"/>
+              <a:t>Handwritten Elements</a:t>
+            </a:r>
+            <a:r>
+              <a:rPr lang="en-AU" sz="2900" dirty="0"/>
+              <a:t>:</a:t>
+            </a:r>
+          </a:p>
+          <a:p>
+            <a:r>
+              <a:rPr lang="en-AU" sz="2900" b="1" dirty="0" err="1"/>
+              <a:t>LayoutLM</a:t>
+            </a:r>
+            <a:r>
+              <a:rPr lang="en-AU" sz="2900" dirty="0"/>
+              <a:t>: Handwritten total → OCR failure → Manual fallback required</a:t>
+            </a:r>
+          </a:p>
+          <a:p>
+            <a:r>
+              <a:rPr lang="en-AU" sz="2900" b="1" dirty="0"/>
+              <a:t>Vision Transformers</a:t>
+            </a:r>
+            <a:r>
+              <a:rPr lang="en-AU" sz="2900" dirty="0"/>
+              <a:t>: Visual pattern recognition → Automated processing</a:t>
+            </a:r>
+          </a:p>
+          <a:p>
+            <a:r>
+              <a:rPr lang="en-AU" sz="2900" b="1" dirty="0"/>
+              <a:t>Key Difference</a:t>
+            </a:r>
+            <a:r>
+              <a:rPr lang="en-AU" sz="2900" dirty="0"/>
+              <a:t>: </a:t>
+            </a:r>
+            <a:r>
+              <a:rPr lang="en-AU" sz="2900" dirty="0" err="1"/>
+              <a:t>LayoutLM</a:t>
+            </a:r>
+            <a:r>
+              <a:rPr lang="en-AU" sz="2900" dirty="0"/>
+              <a:t> reconstructs understanding from fragments, Vision Transformers learn from complete visual context</a:t>
+            </a:r>
+          </a:p>
+          <a:p>
+            <a:endParaRPr lang="en-US" dirty="0"/>
+          </a:p>
+        </p:txBody>
+      </p:sp>
+      <p:graphicFrame>
+        <p:nvGraphicFramePr>
+          <p:cNvPr id="7" name="Content Placeholder 6">
+            <a:extLst>
+              <a:ext uri="{FF2B5EF4-FFF2-40B4-BE49-F238E27FC236}">
+                <a16:creationId xmlns:a16="http://schemas.microsoft.com/office/drawing/2014/main" id="{96F08042-8148-A603-6E03-FFF051262085}"/>
+              </a:ext>
+            </a:extLst>
+          </p:cNvPr>
+          <p:cNvGraphicFramePr>
+            <a:graphicFrameLocks noGrp="1"/>
+          </p:cNvGraphicFramePr>
+          <p:nvPr>
+            <p:ph sz="half" idx="2"/>
+            <p:extLst>
+              <p:ext uri="{D42A27DB-BD31-4B8C-83A1-F6EECF244321}">
+                <p14:modId xmlns:p14="http://schemas.microsoft.com/office/powerpoint/2010/main" val="3781891985"/>
+              </p:ext>
+            </p:extLst>
+          </p:nvPr>
+        </p:nvGraphicFramePr>
+        <p:xfrm>
+          <a:off x="7947498" y="1527800"/>
+          <a:ext cx="3715696" cy="4327694"/>
+        </p:xfrm>
+        <a:graphic>
+          <a:graphicData uri="http://schemas.openxmlformats.org/drawingml/2006/table">
+            <a:tbl>
+              <a:tblPr firstRow="1" bandRow="1">
+                <a:tableStyleId>{5C22544A-7EE6-4342-B048-85BDC9FD1C3A}</a:tableStyleId>
+              </a:tblPr>
+              <a:tblGrid>
+                <a:gridCol w="1215957">
+                  <a:extLst>
+                    <a:ext uri="{9D8B030D-6E8A-4147-A177-3AD203B41FA5}">
+                      <a16:colId xmlns:a16="http://schemas.microsoft.com/office/drawing/2014/main" val="3425463631"/>
+                    </a:ext>
+                  </a:extLst>
+                </a:gridCol>
+                <a:gridCol w="1258092">
+                  <a:extLst>
+                    <a:ext uri="{9D8B030D-6E8A-4147-A177-3AD203B41FA5}">
+                      <a16:colId xmlns:a16="http://schemas.microsoft.com/office/drawing/2014/main" val="1663730415"/>
+                    </a:ext>
+                  </a:extLst>
+                </a:gridCol>
+                <a:gridCol w="1241647">
+                  <a:extLst>
+                    <a:ext uri="{9D8B030D-6E8A-4147-A177-3AD203B41FA5}">
+                      <a16:colId xmlns:a16="http://schemas.microsoft.com/office/drawing/2014/main" val="3145636945"/>
+                    </a:ext>
+                  </a:extLst>
+                </a:gridCol>
+              </a:tblGrid>
+              <a:tr h="645758">
+                <a:tc>
+                  <a:txBody>
+                    <a:bodyPr/>
+                    <a:lstStyle/>
+                    <a:p>
+                      <a:pPr marL="0" marR="0" lvl="0" indent="0" algn="l" defTabSz="914400" rtl="0" eaLnBrk="1" fontAlgn="auto" latinLnBrk="0" hangingPunct="1">
+                        <a:lnSpc>
+                          <a:spcPct val="100000"/>
+                        </a:lnSpc>
+                        <a:spcBef>
+                          <a:spcPts val="0"/>
+                        </a:spcBef>
+                        <a:spcAft>
+                          <a:spcPts val="0"/>
+                        </a:spcAft>
+                        <a:buClrTx/>
+                        <a:buSzTx/>
+                        <a:buFontTx/>
+                        <a:buNone/>
+                        <a:tabLst/>
+                        <a:defRPr/>
+                      </a:pPr>
+                      <a:r>
+                        <a:rPr lang="en-AU" sz="1800" b="0" kern="1200" dirty="0">
+                          <a:solidFill>
+                            <a:schemeClr val="lt1"/>
+                          </a:solidFill>
+                          <a:effectLst/>
+                          <a:latin typeface="+mn-lt"/>
+                          <a:ea typeface="+mn-ea"/>
+                          <a:cs typeface="+mn-cs"/>
+                        </a:rPr>
+                        <a:t>Aspect</a:t>
+                      </a:r>
+                    </a:p>
+                  </a:txBody>
+                  <a:tcPr/>
+                </a:tc>
+                <a:tc>
+                  <a:txBody>
+                    <a:bodyPr/>
+                    <a:lstStyle/>
+                    <a:p>
+                      <a:pPr marL="0" marR="0" lvl="0" indent="0" algn="l" defTabSz="914400" rtl="0" eaLnBrk="1" fontAlgn="auto" latinLnBrk="0" hangingPunct="1">
+                        <a:lnSpc>
+                          <a:spcPct val="100000"/>
+                        </a:lnSpc>
+                        <a:spcBef>
+                          <a:spcPts val="0"/>
+                        </a:spcBef>
+                        <a:spcAft>
+                          <a:spcPts val="0"/>
+                        </a:spcAft>
+                        <a:buClrTx/>
+                        <a:buSzTx/>
+                        <a:buFontTx/>
+                        <a:buNone/>
+                        <a:tabLst/>
+                        <a:defRPr/>
+                      </a:pPr>
+                      <a:r>
+                        <a:rPr lang="en-AU" sz="1800" b="0" kern="1200" dirty="0" err="1">
+                          <a:solidFill>
+                            <a:schemeClr val="lt1"/>
+                          </a:solidFill>
+                          <a:effectLst/>
+                          <a:latin typeface="+mn-lt"/>
+                          <a:ea typeface="+mn-ea"/>
+                          <a:cs typeface="+mn-cs"/>
+                        </a:rPr>
+                        <a:t>LayoutLM</a:t>
+                      </a:r>
+                      <a:endParaRPr lang="en-AU" sz="1800" b="0" kern="1200" dirty="0">
+                        <a:solidFill>
+                          <a:schemeClr val="lt1"/>
+                        </a:solidFill>
+                        <a:effectLst/>
+                        <a:latin typeface="+mn-lt"/>
+                        <a:ea typeface="+mn-ea"/>
+                        <a:cs typeface="+mn-cs"/>
+                      </a:endParaRPr>
+                    </a:p>
+                  </a:txBody>
+                  <a:tcPr/>
+                </a:tc>
+                <a:tc>
+                  <a:txBody>
+                    <a:bodyPr/>
+                    <a:lstStyle/>
+                    <a:p>
+                      <a:pPr marL="0" marR="0" lvl="0" indent="0" algn="l" defTabSz="914400" rtl="0" eaLnBrk="1" fontAlgn="auto" latinLnBrk="0" hangingPunct="1">
+                        <a:lnSpc>
+                          <a:spcPct val="100000"/>
+                        </a:lnSpc>
+                        <a:spcBef>
+                          <a:spcPts val="0"/>
+                        </a:spcBef>
+                        <a:spcAft>
+                          <a:spcPts val="0"/>
+                        </a:spcAft>
+                        <a:buClrTx/>
+                        <a:buSzTx/>
+                        <a:buFontTx/>
+                        <a:buNone/>
+                        <a:tabLst/>
+                        <a:defRPr/>
+                      </a:pPr>
+                      <a:r>
+                        <a:rPr lang="en-AU" sz="1800" b="0" kern="1200" dirty="0">
+                          <a:solidFill>
+                            <a:schemeClr val="lt1"/>
+                          </a:solidFill>
+                          <a:effectLst/>
+                          <a:latin typeface="+mn-lt"/>
+                          <a:ea typeface="+mn-ea"/>
+                          <a:cs typeface="+mn-cs"/>
+                        </a:rPr>
+                        <a:t>Vision Transformer</a:t>
+                      </a:r>
+                    </a:p>
+                  </a:txBody>
+                  <a:tcPr/>
+                </a:tc>
+                <a:extLst>
+                  <a:ext uri="{0D108BD9-81ED-4DB2-BD59-A6C34878D82A}">
+                    <a16:rowId xmlns:a16="http://schemas.microsoft.com/office/drawing/2014/main" val="457066086"/>
+                  </a:ext>
+                </a:extLst>
+              </a:tr>
+              <a:tr h="922512">
+                <a:tc>
+                  <a:txBody>
+                    <a:bodyPr/>
+                    <a:lstStyle/>
+                    <a:p>
+                      <a:pPr marL="0" marR="0" lvl="0" indent="0" algn="l" defTabSz="914400" rtl="0" eaLnBrk="1" fontAlgn="auto" latinLnBrk="0" hangingPunct="1">
+                        <a:lnSpc>
+                          <a:spcPct val="100000"/>
+                        </a:lnSpc>
+                        <a:spcBef>
+                          <a:spcPts val="0"/>
+                        </a:spcBef>
+                        <a:spcAft>
+                          <a:spcPts val="0"/>
+                        </a:spcAft>
+                        <a:buClrTx/>
+                        <a:buSzTx/>
+                        <a:buFontTx/>
+                        <a:buNone/>
+                        <a:tabLst/>
+                        <a:defRPr/>
+                      </a:pPr>
+                      <a:r>
+                        <a:rPr lang="en-AU" sz="1800" b="1" kern="1200" dirty="0">
+                          <a:solidFill>
+                            <a:schemeClr val="dk1"/>
+                          </a:solidFill>
+                          <a:effectLst/>
+                          <a:latin typeface="+mn-lt"/>
+                          <a:ea typeface="+mn-ea"/>
+                          <a:cs typeface="+mn-cs"/>
+                        </a:rPr>
+                        <a:t>Text</a:t>
+                      </a:r>
+                      <a:endParaRPr lang="en-AU" sz="1800" b="0" kern="1200" dirty="0">
+                        <a:solidFill>
+                          <a:schemeClr val="dk1"/>
+                        </a:solidFill>
+                        <a:effectLst/>
+                        <a:latin typeface="+mn-lt"/>
+                        <a:ea typeface="+mn-ea"/>
+                        <a:cs typeface="+mn-cs"/>
+                      </a:endParaRPr>
+                    </a:p>
+                  </a:txBody>
+                  <a:tcPr/>
+                </a:tc>
+                <a:tc>
+                  <a:txBody>
+                    <a:bodyPr/>
+                    <a:lstStyle/>
+                    <a:p>
+                      <a:pPr marL="0" marR="0" lvl="0" indent="0" algn="l" defTabSz="914400" rtl="0" eaLnBrk="1" fontAlgn="auto" latinLnBrk="0" hangingPunct="1">
+                        <a:lnSpc>
+                          <a:spcPct val="100000"/>
+                        </a:lnSpc>
+                        <a:spcBef>
+                          <a:spcPts val="0"/>
+                        </a:spcBef>
+                        <a:spcAft>
+                          <a:spcPts val="0"/>
+                        </a:spcAft>
+                        <a:buClrTx/>
+                        <a:buSzTx/>
+                        <a:buFontTx/>
+                        <a:buNone/>
+                        <a:tabLst/>
+                        <a:defRPr/>
+                      </a:pPr>
+                      <a:r>
+                        <a:rPr lang="en-AU" sz="1800" b="0" kern="1200" dirty="0">
+                          <a:solidFill>
+                            <a:schemeClr val="dk1"/>
+                          </a:solidFill>
+                          <a:effectLst/>
+                          <a:latin typeface="+mn-lt"/>
+                          <a:ea typeface="+mn-ea"/>
+                          <a:cs typeface="+mn-cs"/>
+                        </a:rPr>
+                        <a:t>OCR tokens</a:t>
+                      </a:r>
+                    </a:p>
+                  </a:txBody>
+                  <a:tcPr/>
+                </a:tc>
+                <a:tc>
+                  <a:txBody>
+                    <a:bodyPr/>
+                    <a:lstStyle/>
+                    <a:p>
+                      <a:pPr marL="0" marR="0" lvl="0" indent="0" algn="l" defTabSz="914400" rtl="0" eaLnBrk="1" fontAlgn="auto" latinLnBrk="0" hangingPunct="1">
+                        <a:lnSpc>
+                          <a:spcPct val="100000"/>
+                        </a:lnSpc>
+                        <a:spcBef>
+                          <a:spcPts val="0"/>
+                        </a:spcBef>
+                        <a:spcAft>
+                          <a:spcPts val="0"/>
+                        </a:spcAft>
+                        <a:buClrTx/>
+                        <a:buSzTx/>
+                        <a:buFontTx/>
+                        <a:buNone/>
+                        <a:tabLst/>
+                        <a:defRPr/>
+                      </a:pPr>
+                      <a:r>
+                        <a:rPr lang="en-AU" sz="1800" b="0" kern="1200" dirty="0">
+                          <a:solidFill>
+                            <a:schemeClr val="dk1"/>
+                          </a:solidFill>
+                          <a:effectLst/>
+                          <a:latin typeface="+mn-lt"/>
+                          <a:ea typeface="+mn-ea"/>
+                          <a:cs typeface="+mn-cs"/>
+                        </a:rPr>
+                        <a:t>✅ Visual </a:t>
+                      </a:r>
+                      <a:br>
+                        <a:rPr lang="en-AU" sz="1800" b="0" kern="1200" dirty="0">
+                          <a:solidFill>
+                            <a:schemeClr val="dk1"/>
+                          </a:solidFill>
+                          <a:effectLst/>
+                          <a:latin typeface="+mn-lt"/>
+                          <a:ea typeface="+mn-ea"/>
+                          <a:cs typeface="+mn-cs"/>
+                        </a:rPr>
+                      </a:br>
+                      <a:r>
+                        <a:rPr lang="en-AU" sz="1800" b="0" kern="1200" dirty="0">
+                          <a:solidFill>
+                            <a:schemeClr val="dk1"/>
+                          </a:solidFill>
+                          <a:effectLst/>
+                          <a:latin typeface="+mn-lt"/>
+                          <a:ea typeface="+mn-ea"/>
+                          <a:cs typeface="+mn-cs"/>
+                        </a:rPr>
+                        <a:t>understanding</a:t>
+                      </a:r>
+                    </a:p>
+                  </a:txBody>
+                  <a:tcPr/>
+                </a:tc>
+                <a:extLst>
+                  <a:ext uri="{0D108BD9-81ED-4DB2-BD59-A6C34878D82A}">
+                    <a16:rowId xmlns:a16="http://schemas.microsoft.com/office/drawing/2014/main" val="7085711"/>
+                  </a:ext>
+                </a:extLst>
+              </a:tr>
+              <a:tr h="645758">
+                <a:tc>
+                  <a:txBody>
+                    <a:bodyPr/>
+                    <a:lstStyle/>
+                    <a:p>
+                      <a:pPr marL="0" marR="0" lvl="0" indent="0" algn="l" defTabSz="914400" rtl="0" eaLnBrk="1" fontAlgn="auto" latinLnBrk="0" hangingPunct="1">
+                        <a:lnSpc>
+                          <a:spcPct val="100000"/>
+                        </a:lnSpc>
+                        <a:spcBef>
+                          <a:spcPts val="0"/>
+                        </a:spcBef>
+                        <a:spcAft>
+                          <a:spcPts val="0"/>
+                        </a:spcAft>
+                        <a:buClrTx/>
+                        <a:buSzTx/>
+                        <a:buFontTx/>
+                        <a:buNone/>
+                        <a:tabLst/>
+                        <a:defRPr/>
+                      </a:pPr>
+                      <a:r>
+                        <a:rPr lang="en-AU" sz="1800" b="1" kern="1200" dirty="0">
+                          <a:solidFill>
+                            <a:schemeClr val="dk1"/>
+                          </a:solidFill>
+                          <a:effectLst/>
+                          <a:latin typeface="+mn-lt"/>
+                          <a:ea typeface="+mn-ea"/>
+                          <a:cs typeface="+mn-cs"/>
+                        </a:rPr>
+                        <a:t>Visual</a:t>
+                      </a:r>
+                      <a:endParaRPr lang="en-AU" sz="1800" b="0" kern="1200" dirty="0">
+                        <a:solidFill>
+                          <a:schemeClr val="dk1"/>
+                        </a:solidFill>
+                        <a:effectLst/>
+                        <a:latin typeface="+mn-lt"/>
+                        <a:ea typeface="+mn-ea"/>
+                        <a:cs typeface="+mn-cs"/>
+                      </a:endParaRPr>
+                    </a:p>
+                  </a:txBody>
+                  <a:tcPr/>
+                </a:tc>
+                <a:tc>
+                  <a:txBody>
+                    <a:bodyPr/>
+                    <a:lstStyle/>
+                    <a:p>
+                      <a:pPr marL="0" marR="0" lvl="0" indent="0" algn="l" defTabSz="914400" rtl="0" eaLnBrk="1" fontAlgn="auto" latinLnBrk="0" hangingPunct="1">
+                        <a:lnSpc>
+                          <a:spcPct val="100000"/>
+                        </a:lnSpc>
+                        <a:spcBef>
+                          <a:spcPts val="0"/>
+                        </a:spcBef>
+                        <a:spcAft>
+                          <a:spcPts val="0"/>
+                        </a:spcAft>
+                        <a:buClrTx/>
+                        <a:buSzTx/>
+                        <a:buFontTx/>
+                        <a:buNone/>
+                        <a:tabLst/>
+                        <a:defRPr/>
+                      </a:pPr>
+                      <a:r>
+                        <a:rPr lang="en-AU" sz="1800" b="0" kern="1200" dirty="0">
+                          <a:solidFill>
+                            <a:schemeClr val="dk1"/>
+                          </a:solidFill>
+                          <a:effectLst/>
+                          <a:latin typeface="+mn-lt"/>
+                          <a:ea typeface="+mn-ea"/>
+                          <a:cs typeface="+mn-cs"/>
+                        </a:rPr>
+                        <a:t>R-CNN</a:t>
+                      </a:r>
+                    </a:p>
+                  </a:txBody>
+                  <a:tcPr/>
+                </a:tc>
+                <a:tc>
+                  <a:txBody>
+                    <a:bodyPr/>
+                    <a:lstStyle/>
+                    <a:p>
+                      <a:pPr marL="0" marR="0" lvl="0" indent="0" algn="l" defTabSz="914400" rtl="0" eaLnBrk="1" fontAlgn="auto" latinLnBrk="0" hangingPunct="1">
+                        <a:lnSpc>
+                          <a:spcPct val="100000"/>
+                        </a:lnSpc>
+                        <a:spcBef>
+                          <a:spcPts val="0"/>
+                        </a:spcBef>
+                        <a:spcAft>
+                          <a:spcPts val="0"/>
+                        </a:spcAft>
+                        <a:buClrTx/>
+                        <a:buSzTx/>
+                        <a:buFontTx/>
+                        <a:buNone/>
+                        <a:tabLst/>
+                        <a:defRPr/>
+                      </a:pPr>
+                      <a:r>
+                        <a:rPr lang="en-AU" sz="1800" b="0" kern="1200" dirty="0">
+                          <a:solidFill>
+                            <a:schemeClr val="dk1"/>
+                          </a:solidFill>
+                          <a:effectLst/>
+                          <a:latin typeface="+mn-lt"/>
+                          <a:ea typeface="+mn-ea"/>
+                          <a:cs typeface="+mn-cs"/>
+                        </a:rPr>
+                        <a:t>✅ Deep </a:t>
+                      </a:r>
+                      <a:br>
+                        <a:rPr lang="en-AU" sz="1800" b="0" kern="1200" dirty="0">
+                          <a:solidFill>
+                            <a:schemeClr val="dk1"/>
+                          </a:solidFill>
+                          <a:effectLst/>
+                          <a:latin typeface="+mn-lt"/>
+                          <a:ea typeface="+mn-ea"/>
+                          <a:cs typeface="+mn-cs"/>
+                        </a:rPr>
+                      </a:br>
+                      <a:r>
+                        <a:rPr lang="en-AU" sz="1800" b="0" kern="1200" dirty="0">
+                          <a:solidFill>
+                            <a:schemeClr val="dk1"/>
+                          </a:solidFill>
+                          <a:effectLst/>
+                          <a:latin typeface="+mn-lt"/>
+                          <a:ea typeface="+mn-ea"/>
+                          <a:cs typeface="+mn-cs"/>
+                        </a:rPr>
+                        <a:t>integration</a:t>
+                      </a:r>
+                    </a:p>
+                  </a:txBody>
+                  <a:tcPr/>
+                </a:tc>
+                <a:extLst>
+                  <a:ext uri="{0D108BD9-81ED-4DB2-BD59-A6C34878D82A}">
+                    <a16:rowId xmlns:a16="http://schemas.microsoft.com/office/drawing/2014/main" val="3757228549"/>
+                  </a:ext>
+                </a:extLst>
+              </a:tr>
+              <a:tr h="922512">
+                <a:tc>
+                  <a:txBody>
+                    <a:bodyPr/>
+                    <a:lstStyle/>
+                    <a:p>
+                      <a:pPr marL="0" marR="0" lvl="0" indent="0" algn="l" defTabSz="914400" rtl="0" eaLnBrk="1" fontAlgn="auto" latinLnBrk="0" hangingPunct="1">
+                        <a:lnSpc>
+                          <a:spcPct val="100000"/>
+                        </a:lnSpc>
+                        <a:spcBef>
+                          <a:spcPts val="0"/>
+                        </a:spcBef>
+                        <a:spcAft>
+                          <a:spcPts val="0"/>
+                        </a:spcAft>
+                        <a:buClrTx/>
+                        <a:buSzTx/>
+                        <a:buFontTx/>
+                        <a:buNone/>
+                        <a:tabLst/>
+                        <a:defRPr/>
+                      </a:pPr>
+                      <a:r>
+                        <a:rPr lang="en-AU" sz="1800" b="1" kern="1200" dirty="0">
+                          <a:solidFill>
+                            <a:schemeClr val="dk1"/>
+                          </a:solidFill>
+                          <a:effectLst/>
+                          <a:latin typeface="+mn-lt"/>
+                          <a:ea typeface="+mn-ea"/>
+                          <a:cs typeface="+mn-cs"/>
+                        </a:rPr>
+                        <a:t>Spatial</a:t>
+                      </a:r>
+                      <a:endParaRPr lang="en-AU" sz="1800" b="0" kern="1200" dirty="0">
+                        <a:solidFill>
+                          <a:schemeClr val="dk1"/>
+                        </a:solidFill>
+                        <a:effectLst/>
+                        <a:latin typeface="+mn-lt"/>
+                        <a:ea typeface="+mn-ea"/>
+                        <a:cs typeface="+mn-cs"/>
+                      </a:endParaRPr>
+                    </a:p>
+                  </a:txBody>
+                  <a:tcPr/>
+                </a:tc>
+                <a:tc>
+                  <a:txBody>
+                    <a:bodyPr/>
+                    <a:lstStyle/>
+                    <a:p>
+                      <a:pPr marL="0" marR="0" lvl="0" indent="0" algn="l" defTabSz="914400" rtl="0" eaLnBrk="1" fontAlgn="auto" latinLnBrk="0" hangingPunct="1">
+                        <a:lnSpc>
+                          <a:spcPct val="100000"/>
+                        </a:lnSpc>
+                        <a:spcBef>
+                          <a:spcPts val="0"/>
+                        </a:spcBef>
+                        <a:spcAft>
+                          <a:spcPts val="0"/>
+                        </a:spcAft>
+                        <a:buClrTx/>
+                        <a:buSzTx/>
+                        <a:buFontTx/>
+                        <a:buNone/>
+                        <a:tabLst/>
+                        <a:defRPr/>
+                      </a:pPr>
+                      <a:r>
+                        <a:rPr lang="en-AU" sz="1800" b="0" kern="1200" dirty="0">
+                          <a:solidFill>
+                            <a:schemeClr val="dk1"/>
+                          </a:solidFill>
+                          <a:effectLst/>
+                          <a:latin typeface="+mn-lt"/>
+                          <a:ea typeface="+mn-ea"/>
+                          <a:cs typeface="+mn-cs"/>
+                        </a:rPr>
+                        <a:t>⚠️ Hard-coded</a:t>
+                      </a:r>
+                    </a:p>
+                  </a:txBody>
+                  <a:tcPr/>
+                </a:tc>
+                <a:tc>
+                  <a:txBody>
+                    <a:bodyPr/>
+                    <a:lstStyle/>
+                    <a:p>
+                      <a:pPr marL="0" marR="0" lvl="0" indent="0" algn="l" defTabSz="914400" rtl="0" eaLnBrk="1" fontAlgn="auto" latinLnBrk="0" hangingPunct="1">
+                        <a:lnSpc>
+                          <a:spcPct val="100000"/>
+                        </a:lnSpc>
+                        <a:spcBef>
+                          <a:spcPts val="0"/>
+                        </a:spcBef>
+                        <a:spcAft>
+                          <a:spcPts val="0"/>
+                        </a:spcAft>
+                        <a:buClrTx/>
+                        <a:buSzTx/>
+                        <a:buFontTx/>
+                        <a:buNone/>
+                        <a:tabLst/>
+                        <a:defRPr/>
+                      </a:pPr>
+                      <a:r>
+                        <a:rPr lang="en-AU" sz="1800" b="0" kern="1200" dirty="0">
+                          <a:solidFill>
+                            <a:schemeClr val="dk1"/>
+                          </a:solidFill>
+                          <a:effectLst/>
+                          <a:latin typeface="+mn-lt"/>
+                          <a:ea typeface="+mn-ea"/>
+                          <a:cs typeface="+mn-cs"/>
+                        </a:rPr>
+                        <a:t>✅ Learned </a:t>
+                      </a:r>
+                      <a:br>
+                        <a:rPr lang="en-AU" sz="1800" b="0" kern="1200" dirty="0">
+                          <a:solidFill>
+                            <a:schemeClr val="dk1"/>
+                          </a:solidFill>
+                          <a:effectLst/>
+                          <a:latin typeface="+mn-lt"/>
+                          <a:ea typeface="+mn-ea"/>
+                          <a:cs typeface="+mn-cs"/>
+                        </a:rPr>
+                      </a:br>
+                      <a:r>
+                        <a:rPr lang="en-AU" sz="1800" b="0" kern="1200" dirty="0">
+                          <a:solidFill>
+                            <a:schemeClr val="dk1"/>
+                          </a:solidFill>
+                          <a:effectLst/>
+                          <a:latin typeface="+mn-lt"/>
+                          <a:ea typeface="+mn-ea"/>
+                          <a:cs typeface="+mn-cs"/>
+                        </a:rPr>
+                        <a:t>relations</a:t>
+                      </a:r>
+                    </a:p>
+                  </a:txBody>
+                  <a:tcPr/>
+                </a:tc>
+                <a:extLst>
+                  <a:ext uri="{0D108BD9-81ED-4DB2-BD59-A6C34878D82A}">
+                    <a16:rowId xmlns:a16="http://schemas.microsoft.com/office/drawing/2014/main" val="2721293073"/>
+                  </a:ext>
+                </a:extLst>
+              </a:tr>
+              <a:tr h="922512">
+                <a:tc>
+                  <a:txBody>
+                    <a:bodyPr/>
+                    <a:lstStyle/>
+                    <a:p>
+                      <a:pPr marL="0" marR="0" lvl="0" indent="0" algn="l" defTabSz="914400" rtl="0" eaLnBrk="1" fontAlgn="auto" latinLnBrk="0" hangingPunct="1">
+                        <a:lnSpc>
+                          <a:spcPct val="100000"/>
+                        </a:lnSpc>
+                        <a:spcBef>
+                          <a:spcPts val="0"/>
+                        </a:spcBef>
+                        <a:spcAft>
+                          <a:spcPts val="0"/>
+                        </a:spcAft>
+                        <a:buClrTx/>
+                        <a:buSzTx/>
+                        <a:buFontTx/>
+                        <a:buNone/>
+                        <a:tabLst/>
+                        <a:defRPr/>
+                      </a:pPr>
+                      <a:r>
+                        <a:rPr lang="en-AU" sz="1800" b="1" kern="1200" dirty="0">
+                          <a:solidFill>
+                            <a:schemeClr val="dk1"/>
+                          </a:solidFill>
+                          <a:effectLst/>
+                          <a:latin typeface="+mn-lt"/>
+                          <a:ea typeface="+mn-ea"/>
+                          <a:cs typeface="+mn-cs"/>
+                        </a:rPr>
+                        <a:t>Context</a:t>
+                      </a:r>
+                      <a:endParaRPr lang="en-AU" sz="1800" b="0" kern="1200" dirty="0">
+                        <a:solidFill>
+                          <a:schemeClr val="dk1"/>
+                        </a:solidFill>
+                        <a:effectLst/>
+                        <a:latin typeface="+mn-lt"/>
+                        <a:ea typeface="+mn-ea"/>
+                        <a:cs typeface="+mn-cs"/>
+                      </a:endParaRPr>
+                    </a:p>
+                  </a:txBody>
+                  <a:tcPr/>
+                </a:tc>
+                <a:tc>
+                  <a:txBody>
+                    <a:bodyPr/>
+                    <a:lstStyle/>
+                    <a:p>
+                      <a:pPr marL="0" marR="0" lvl="0" indent="0" algn="l" defTabSz="914400" rtl="0" eaLnBrk="1" fontAlgn="auto" latinLnBrk="0" hangingPunct="1">
+                        <a:lnSpc>
+                          <a:spcPct val="100000"/>
+                        </a:lnSpc>
+                        <a:spcBef>
+                          <a:spcPts val="0"/>
+                        </a:spcBef>
+                        <a:spcAft>
+                          <a:spcPts val="0"/>
+                        </a:spcAft>
+                        <a:buClrTx/>
+                        <a:buSzTx/>
+                        <a:buFontTx/>
+                        <a:buNone/>
+                        <a:tabLst/>
+                        <a:defRPr/>
+                      </a:pPr>
+                      <a:r>
+                        <a:rPr lang="en-AU" sz="1800" b="0" kern="1200" dirty="0">
+                          <a:solidFill>
+                            <a:schemeClr val="dk1"/>
+                          </a:solidFill>
+                          <a:effectLst/>
+                          <a:latin typeface="+mn-lt"/>
+                          <a:ea typeface="+mn-ea"/>
+                          <a:cs typeface="+mn-cs"/>
+                        </a:rPr>
+                        <a:t>❌ Post-hoc</a:t>
+                      </a:r>
+                    </a:p>
+                  </a:txBody>
+                  <a:tcPr/>
+                </a:tc>
+                <a:tc>
+                  <a:txBody>
+                    <a:bodyPr/>
+                    <a:lstStyle/>
+                    <a:p>
+                      <a:pPr marL="0" marR="0" lvl="0" indent="0" algn="l" defTabSz="914400" rtl="0" eaLnBrk="1" fontAlgn="auto" latinLnBrk="0" hangingPunct="1">
+                        <a:lnSpc>
+                          <a:spcPct val="100000"/>
+                        </a:lnSpc>
+                        <a:spcBef>
+                          <a:spcPts val="0"/>
+                        </a:spcBef>
+                        <a:spcAft>
+                          <a:spcPts val="0"/>
+                        </a:spcAft>
+                        <a:buClrTx/>
+                        <a:buSzTx/>
+                        <a:buFontTx/>
+                        <a:buNone/>
+                        <a:tabLst/>
+                        <a:defRPr/>
+                      </a:pPr>
+                      <a:r>
+                        <a:rPr lang="en-AU" sz="1800" b="0" kern="1200" dirty="0">
+                          <a:solidFill>
+                            <a:schemeClr val="dk1"/>
+                          </a:solidFill>
+                          <a:effectLst/>
+                          <a:latin typeface="+mn-lt"/>
+                          <a:ea typeface="+mn-ea"/>
+                          <a:cs typeface="+mn-cs"/>
+                        </a:rPr>
+                        <a:t>✅ Unified</a:t>
+                      </a:r>
+                    </a:p>
+                  </a:txBody>
+                  <a:tcPr/>
+                </a:tc>
+                <a:extLst>
+                  <a:ext uri="{0D108BD9-81ED-4DB2-BD59-A6C34878D82A}">
+                    <a16:rowId xmlns:a16="http://schemas.microsoft.com/office/drawing/2014/main" val="1939039891"/>
+                  </a:ext>
+                </a:extLst>
+              </a:tr>
+            </a:tbl>
+          </a:graphicData>
+        </a:graphic>
+      </p:graphicFrame>
+    </p:spTree>
+    <p:extLst>
+      <p:ext uri="{BB962C8B-B14F-4D97-AF65-F5344CB8AC3E}">
+        <p14:creationId xmlns:p14="http://schemas.microsoft.com/office/powerpoint/2010/main" val="2221968609"/>
+      </p:ext>
+    </p:extLst>
+  </p:cSld>
+  <p:clrMapOvr>
+    <a:masterClrMapping/>
+  </p:clrMapOvr>
+  <p:timing>
+    <p:tnLst>
+      <p:par>
+        <p:cTn id="1" dur="indefinite" restart="never" nodeType="tmRoot">
+          <p:childTnLst>
+            <p:seq concurrent="1" nextAc="seek">
+              <p:cTn id="2" dur="indefinite" nodeType="mainSeq">
+                <p:childTnLst>
+                  <p:par>
+                    <p:cTn id="3" fill="hold">
+                      <p:stCondLst>
+                        <p:cond delay="indefinite"/>
+                      </p:stCondLst>
+                      <p:childTnLst>
+                        <p:par>
+                          <p:cTn id="4" fill="hold">
+                            <p:stCondLst>
+                              <p:cond delay="0"/>
+                            </p:stCondLst>
+                            <p:childTnLst>
+                              <p:par>
+                                <p:cTn id="5" presetID="1" presetClass="entr" presetSubtype="0" fill="hold" grpId="0" nodeType="clickEffect">
+                                  <p:stCondLst>
+                                    <p:cond delay="0"/>
+                                  </p:stCondLst>
+                                  <p:childTnLst>
+                                    <p:set>
+                                      <p:cBhvr>
+                                        <p:cTn id="6" dur="1" fill="hold">
+                                          <p:stCondLst>
+                                            <p:cond delay="0"/>
+                                          </p:stCondLst>
+                                        </p:cTn>
+                                        <p:tgtEl>
+                                          <p:spTgt spid="3">
+                                            <p:txEl>
+                                              <p:pRg st="0" end="0"/>
+                                            </p:txEl>
+                                          </p:spTgt>
+                                        </p:tgtEl>
+                                        <p:attrNameLst>
+                                          <p:attrName>style.visibility</p:attrName>
+                                        </p:attrNameLst>
+                                      </p:cBhvr>
+                                      <p:to>
+                                        <p:strVal val="visible"/>
+                                      </p:to>
+                                    </p:set>
+                                  </p:childTnLst>
+                                </p:cTn>
+                              </p:par>
+                            </p:childTnLst>
+                          </p:cTn>
+                        </p:par>
+                      </p:childTnLst>
+                    </p:cTn>
+                  </p:par>
+                  <p:par>
+                    <p:cTn id="7" fill="hold">
+                      <p:stCondLst>
+                        <p:cond delay="indefinite"/>
+                      </p:stCondLst>
+                      <p:childTnLst>
+                        <p:par>
+                          <p:cTn id="8" fill="hold">
+                            <p:stCondLst>
+                              <p:cond delay="0"/>
+                            </p:stCondLst>
+                            <p:childTnLst>
+                              <p:par>
+                                <p:cTn id="9" presetID="1" presetClass="entr" presetSubtype="0" fill="hold" grpId="0" nodeType="clickEffect">
+                                  <p:stCondLst>
+                                    <p:cond delay="0"/>
+                                  </p:stCondLst>
+                                  <p:childTnLst>
+                                    <p:set>
+                                      <p:cBhvr>
+                                        <p:cTn id="10" dur="1" fill="hold">
+                                          <p:stCondLst>
+                                            <p:cond delay="0"/>
+                                          </p:stCondLst>
+                                        </p:cTn>
+                                        <p:tgtEl>
+                                          <p:spTgt spid="3">
+                                            <p:txEl>
+                                              <p:pRg st="1" end="1"/>
+                                            </p:txEl>
+                                          </p:spTgt>
+                                        </p:tgtEl>
+                                        <p:attrNameLst>
+                                          <p:attrName>style.visibility</p:attrName>
+                                        </p:attrNameLst>
+                                      </p:cBhvr>
+                                      <p:to>
+                                        <p:strVal val="visible"/>
+                                      </p:to>
+                                    </p:set>
+                                  </p:childTnLst>
+                                </p:cTn>
+                              </p:par>
+                            </p:childTnLst>
+                          </p:cTn>
+                        </p:par>
+                      </p:childTnLst>
+                    </p:cTn>
+                  </p:par>
+                  <p:par>
+                    <p:cTn id="11" fill="hold">
+                      <p:stCondLst>
+                        <p:cond delay="indefinite"/>
+                      </p:stCondLst>
+                      <p:childTnLst>
+                        <p:par>
+                          <p:cTn id="12" fill="hold">
+                            <p:stCondLst>
+                              <p:cond delay="0"/>
+                            </p:stCondLst>
+                            <p:childTnLst>
+                              <p:par>
+                                <p:cTn id="13" presetID="1" presetClass="entr" presetSubtype="0" fill="hold" grpId="0" nodeType="clickEffect">
+                                  <p:stCondLst>
+                                    <p:cond delay="0"/>
+                                  </p:stCondLst>
+                                  <p:childTnLst>
+                                    <p:set>
+                                      <p:cBhvr>
+                                        <p:cTn id="14" dur="1" fill="hold">
+                                          <p:stCondLst>
+                                            <p:cond delay="0"/>
+                                          </p:stCondLst>
+                                        </p:cTn>
+                                        <p:tgtEl>
+                                          <p:spTgt spid="3">
+                                            <p:txEl>
+                                              <p:pRg st="2" end="2"/>
+                                            </p:txEl>
+                                          </p:spTgt>
+                                        </p:tgtEl>
+                                        <p:attrNameLst>
+                                          <p:attrName>style.visibility</p:attrName>
+                                        </p:attrNameLst>
+                                      </p:cBhvr>
+                                      <p:to>
+                                        <p:strVal val="visible"/>
+                                      </p:to>
+                                    </p:set>
+                                  </p:childTnLst>
+                                </p:cTn>
+                              </p:par>
+                            </p:childTnLst>
+                          </p:cTn>
+                        </p:par>
+                      </p:childTnLst>
+                    </p:cTn>
+                  </p:par>
+                  <p:par>
+                    <p:cTn id="15" fill="hold">
+                      <p:stCondLst>
+                        <p:cond delay="indefinite"/>
+                      </p:stCondLst>
+                      <p:childTnLst>
+                        <p:par>
+                          <p:cTn id="16" fill="hold">
+                            <p:stCondLst>
+                              <p:cond delay="0"/>
+                            </p:stCondLst>
+                            <p:childTnLst>
+                              <p:par>
+                                <p:cTn id="17" presetID="1" presetClass="entr" presetSubtype="0" fill="hold" grpId="0" nodeType="clickEffect">
+                                  <p:stCondLst>
+                                    <p:cond delay="0"/>
+                                  </p:stCondLst>
+                                  <p:childTnLst>
+                                    <p:set>
+                                      <p:cBhvr>
+                                        <p:cTn id="18" dur="1" fill="hold">
+                                          <p:stCondLst>
+                                            <p:cond delay="0"/>
+                                          </p:stCondLst>
+                                        </p:cTn>
+                                        <p:tgtEl>
+                                          <p:spTgt spid="3">
+                                            <p:txEl>
+                                              <p:pRg st="3" end="3"/>
+                                            </p:txEl>
+                                          </p:spTgt>
+                                        </p:tgtEl>
+                                        <p:attrNameLst>
+                                          <p:attrName>style.visibility</p:attrName>
+                                        </p:attrNameLst>
+                                      </p:cBhvr>
+                                      <p:to>
+                                        <p:strVal val="visible"/>
+                                      </p:to>
+                                    </p:set>
+                                  </p:childTnLst>
+                                </p:cTn>
+                              </p:par>
+                            </p:childTnLst>
+                          </p:cTn>
+                        </p:par>
+                      </p:childTnLst>
+                    </p:cTn>
+                  </p:par>
+                  <p:par>
+                    <p:cTn id="19" fill="hold">
+                      <p:stCondLst>
+                        <p:cond delay="indefinite"/>
+                      </p:stCondLst>
+                      <p:childTnLst>
+                        <p:par>
+                          <p:cTn id="20" fill="hold">
+                            <p:stCondLst>
+                              <p:cond delay="0"/>
+                            </p:stCondLst>
+                            <p:childTnLst>
+                              <p:par>
+                                <p:cTn id="21" presetID="1" presetClass="entr" presetSubtype="0" fill="hold" grpId="0" nodeType="clickEffect">
+                                  <p:stCondLst>
+                                    <p:cond delay="0"/>
+                                  </p:stCondLst>
+                                  <p:childTnLst>
+                                    <p:set>
+                                      <p:cBhvr>
+                                        <p:cTn id="22" dur="1" fill="hold">
+                                          <p:stCondLst>
+                                            <p:cond delay="0"/>
+                                          </p:stCondLst>
+                                        </p:cTn>
+                                        <p:tgtEl>
+                                          <p:spTgt spid="3">
+                                            <p:txEl>
+                                              <p:pRg st="4" end="4"/>
+                                            </p:txEl>
+                                          </p:spTgt>
+                                        </p:tgtEl>
+                                        <p:attrNameLst>
+                                          <p:attrName>style.visibility</p:attrName>
+                                        </p:attrNameLst>
+                                      </p:cBhvr>
+                                      <p:to>
+                                        <p:strVal val="visible"/>
+                                      </p:to>
+                                    </p:set>
+                                  </p:childTnLst>
+                                </p:cTn>
+                              </p:par>
+                            </p:childTnLst>
+                          </p:cTn>
+                        </p:par>
+                      </p:childTnLst>
+                    </p:cTn>
+                  </p:par>
+                  <p:par>
+                    <p:cTn id="23" fill="hold">
+                      <p:stCondLst>
+                        <p:cond delay="indefinite"/>
+                      </p:stCondLst>
+                      <p:childTnLst>
+                        <p:par>
+                          <p:cTn id="24" fill="hold">
+                            <p:stCondLst>
+                              <p:cond delay="0"/>
+                            </p:stCondLst>
+                            <p:childTnLst>
+                              <p:par>
+                                <p:cTn id="25" presetID="1" presetClass="entr" presetSubtype="0" fill="hold" grpId="0" nodeType="clickEffect">
+                                  <p:stCondLst>
+                                    <p:cond delay="0"/>
+                                  </p:stCondLst>
+                                  <p:childTnLst>
+                                    <p:set>
+                                      <p:cBhvr>
+                                        <p:cTn id="26" dur="1" fill="hold">
+                                          <p:stCondLst>
+                                            <p:cond delay="0"/>
+                                          </p:stCondLst>
+                                        </p:cTn>
+                                        <p:tgtEl>
+                                          <p:spTgt spid="3">
+                                            <p:txEl>
+                                              <p:pRg st="5" end="5"/>
+                                            </p:txEl>
+                                          </p:spTgt>
+                                        </p:tgtEl>
+                                        <p:attrNameLst>
+                                          <p:attrName>style.visibility</p:attrName>
+                                        </p:attrNameLst>
+                                      </p:cBhvr>
+                                      <p:to>
+                                        <p:strVal val="visible"/>
+                                      </p:to>
+                                    </p:set>
+                                  </p:childTnLst>
+                                </p:cTn>
+                              </p:par>
+                            </p:childTnLst>
+                          </p:cTn>
+                        </p:par>
+                      </p:childTnLst>
+                    </p:cTn>
+                  </p:par>
+                  <p:par>
+                    <p:cTn id="27" fill="hold">
+                      <p:stCondLst>
+                        <p:cond delay="indefinite"/>
+                      </p:stCondLst>
+                      <p:childTnLst>
+                        <p:par>
+                          <p:cTn id="28" fill="hold">
+                            <p:stCondLst>
+                              <p:cond delay="0"/>
+                            </p:stCondLst>
+                            <p:childTnLst>
+                              <p:par>
+                                <p:cTn id="29" presetID="1" presetClass="entr" presetSubtype="0" fill="hold" grpId="0" nodeType="clickEffect">
+                                  <p:stCondLst>
+                                    <p:cond delay="0"/>
+                                  </p:stCondLst>
+                                  <p:childTnLst>
+                                    <p:set>
+                                      <p:cBhvr>
+                                        <p:cTn id="30" dur="1" fill="hold">
+                                          <p:stCondLst>
+                                            <p:cond delay="0"/>
+                                          </p:stCondLst>
+                                        </p:cTn>
+                                        <p:tgtEl>
+                                          <p:spTgt spid="3">
+                                            <p:txEl>
+                                              <p:pRg st="6" end="6"/>
+                                            </p:txEl>
+                                          </p:spTgt>
+                                        </p:tgtEl>
+                                        <p:attrNameLst>
+                                          <p:attrName>style.visibility</p:attrName>
+                                        </p:attrNameLst>
+                                      </p:cBhvr>
+                                      <p:to>
+                                        <p:strVal val="visible"/>
+                                      </p:to>
+                                    </p:set>
+                                  </p:childTnLst>
+                                </p:cTn>
+                              </p:par>
+                            </p:childTnLst>
+                          </p:cTn>
+                        </p:par>
+                      </p:childTnLst>
+                    </p:cTn>
+                  </p:par>
+                  <p:par>
+                    <p:cTn id="31" fill="hold">
+                      <p:stCondLst>
+                        <p:cond delay="indefinite"/>
+                      </p:stCondLst>
+                      <p:childTnLst>
+                        <p:par>
+                          <p:cTn id="32" fill="hold">
+                            <p:stCondLst>
+                              <p:cond delay="0"/>
+                            </p:stCondLst>
+                            <p:childTnLst>
+                              <p:par>
+                                <p:cTn id="33" presetID="1" presetClass="entr" presetSubtype="0" fill="hold" grpId="0" nodeType="clickEffect">
+                                  <p:stCondLst>
+                                    <p:cond delay="0"/>
+                                  </p:stCondLst>
+                                  <p:childTnLst>
+                                    <p:set>
+                                      <p:cBhvr>
+                                        <p:cTn id="34" dur="1" fill="hold">
+                                          <p:stCondLst>
+                                            <p:cond delay="0"/>
+                                          </p:stCondLst>
+                                        </p:cTn>
+                                        <p:tgtEl>
+                                          <p:spTgt spid="3">
+                                            <p:txEl>
+                                              <p:pRg st="7" end="7"/>
+                                            </p:txEl>
+                                          </p:spTgt>
+                                        </p:tgtEl>
+                                        <p:attrNameLst>
+                                          <p:attrName>style.visibility</p:attrName>
+                                        </p:attrNameLst>
+                                      </p:cBhvr>
+                                      <p:to>
+                                        <p:strVal val="visible"/>
+                                      </p:to>
+                                    </p:set>
+                                  </p:childTnLst>
+                                </p:cTn>
+                              </p:par>
+                            </p:childTnLst>
+                          </p:cTn>
+                        </p:par>
+                      </p:childTnLst>
+                    </p:cTn>
+                  </p:par>
+                  <p:par>
+                    <p:cTn id="35" fill="hold">
+                      <p:stCondLst>
+                        <p:cond delay="indefinite"/>
+                      </p:stCondLst>
+                      <p:childTnLst>
+                        <p:par>
+                          <p:cTn id="36" fill="hold">
+                            <p:stCondLst>
+                              <p:cond delay="0"/>
+                            </p:stCondLst>
+                            <p:childTnLst>
+                              <p:par>
+                                <p:cTn id="37" presetID="1" presetClass="entr" presetSubtype="0" fill="hold" grpId="0" nodeType="clickEffect">
+                                  <p:stCondLst>
+                                    <p:cond delay="0"/>
+                                  </p:stCondLst>
+                                  <p:childTnLst>
+                                    <p:set>
+                                      <p:cBhvr>
+                                        <p:cTn id="38" dur="1" fill="hold">
+                                          <p:stCondLst>
+                                            <p:cond delay="0"/>
+                                          </p:stCondLst>
+                                        </p:cTn>
+                                        <p:tgtEl>
+                                          <p:spTgt spid="3">
+                                            <p:txEl>
+                                              <p:pRg st="8" end="8"/>
+                                            </p:txEl>
+                                          </p:spTgt>
+                                        </p:tgtEl>
+                                        <p:attrNameLst>
+                                          <p:attrName>style.visibility</p:attrName>
+                                        </p:attrNameLst>
+                                      </p:cBhvr>
+                                      <p:to>
+                                        <p:strVal val="visible"/>
+                                      </p:to>
+                                    </p:set>
+                                  </p:childTnLst>
+                                </p:cTn>
+                              </p:par>
+                            </p:childTnLst>
+                          </p:cTn>
+                        </p:par>
+                      </p:childTnLst>
+                    </p:cTn>
+                  </p:par>
+                  <p:par>
+                    <p:cTn id="39" fill="hold">
+                      <p:stCondLst>
+                        <p:cond delay="indefinite"/>
+                      </p:stCondLst>
+                      <p:childTnLst>
+                        <p:par>
+                          <p:cTn id="40" fill="hold">
+                            <p:stCondLst>
+                              <p:cond delay="0"/>
+                            </p:stCondLst>
+                            <p:childTnLst>
+                              <p:par>
+                                <p:cTn id="41" presetID="1" presetClass="entr" presetSubtype="0" fill="hold" grpId="0" nodeType="clickEffect">
+                                  <p:stCondLst>
+                                    <p:cond delay="0"/>
+                                  </p:stCondLst>
+                                  <p:childTnLst>
+                                    <p:set>
+                                      <p:cBhvr>
+                                        <p:cTn id="42" dur="1" fill="hold">
+                                          <p:stCondLst>
+                                            <p:cond delay="0"/>
+                                          </p:stCondLst>
+                                        </p:cTn>
+                                        <p:tgtEl>
+                                          <p:spTgt spid="3">
+                                            <p:txEl>
+                                              <p:pRg st="9" end="9"/>
+                                            </p:txEl>
+                                          </p:spTgt>
+                                        </p:tgtEl>
+                                        <p:attrNameLst>
+                                          <p:attrName>style.visibility</p:attrName>
+                                        </p:attrNameLst>
+                                      </p:cBhvr>
+                                      <p:to>
+                                        <p:strVal val="visible"/>
+                                      </p:to>
+                                    </p:set>
+                                  </p:childTnLst>
+                                </p:cTn>
+                              </p:par>
+                            </p:childTnLst>
+                          </p:cTn>
+                        </p:par>
+                      </p:childTnLst>
+                    </p:cTn>
+                  </p:par>
+                </p:childTnLst>
+              </p:cTn>
+              <p:prevCondLst>
+                <p:cond evt="onPrev" delay="0">
+                  <p:tgtEl>
+                    <p:sldTgt/>
+                  </p:tgtEl>
+                </p:cond>
+              </p:prevCondLst>
+              <p:nextCondLst>
+                <p:cond evt="onNext" delay="0">
+                  <p:tgtEl>
+                    <p:sldTgt/>
+                  </p:tgtEl>
+                </p:cond>
+              </p:nextCondLst>
+            </p:seq>
+          </p:childTnLst>
+        </p:cTn>
+      </p:par>
+    </p:tnLst>
+    <p:bldLst>
+      <p:bldP spid="3" grpId="0" build="p"/>
+    </p:bldLst>
+  </p:timing>
+</p:sld>
+</file>
+
+<file path=ppt/slides/slide16.xml><?xml version="1.0" encoding="utf-8"?>
+<p:sld xmlns:a="http://schemas.openxmlformats.org/drawingml/2006/main" xmlns:r="http://schemas.openxmlformats.org/officeDocument/2006/relationships" xmlns:p="http://schemas.openxmlformats.org/presentationml/2006/main">
+  <p:cSld>
+    <p:spTree>
+      <p:nvGrpSpPr>
+        <p:cNvPr id="1" name=""/>
+        <p:cNvGrpSpPr/>
+        <p:nvPr/>
+      </p:nvGrpSpPr>
+      <p:grpSpPr>
+        <a:xfrm>
+          <a:off x="0" y="0"/>
+          <a:ext cx="0" cy="0"/>
+          <a:chOff x="0" y="0"/>
+          <a:chExt cx="0" cy="0"/>
+        </a:xfrm>
+      </p:grpSpPr>
+      <p:sp>
+        <p:nvSpPr>
+          <p:cNvPr id="2" name="Title 1">
+            <a:extLst>
+              <a:ext uri="{FF2B5EF4-FFF2-40B4-BE49-F238E27FC236}">
                 <a16:creationId xmlns:a16="http://schemas.microsoft.com/office/drawing/2014/main" id="{0BBB729B-5BFE-C112-8C0C-1D94760DA08C}"/>
               </a:ext>
             </a:extLst>
@@ -9308,25 +10555,39 @@
             <p:ph type="title"/>
           </p:nvPr>
         </p:nvSpPr>
-        <p:spPr/>
+        <p:spPr>
+          <a:xfrm>
+            <a:off x="925749" y="151217"/>
+            <a:ext cx="10515600" cy="529820"/>
+          </a:xfrm>
+        </p:spPr>
         <p:txBody>
-          <a:bodyPr/>
+          <a:bodyPr>
+            <a:normAutofit fontScale="90000"/>
+          </a:bodyPr>
           <a:lstStyle/>
           <a:p>
             <a:r>
-              <a:rPr lang="en-AU" b="1" dirty="0"/>
-              <a:t>Semantic Information Flow</a:t>
-            </a:r>
-            <a:endParaRPr lang="en-US" dirty="0"/>
+              <a:rPr lang="en-AU" sz="3200" b="1" dirty="0"/>
+              <a:t>Pipeline Comparison - </a:t>
+            </a:r>
+            <a:r>
+              <a:rPr lang="en-AU" sz="3200" b="1" dirty="0" err="1"/>
+              <a:t>LayoutLM</a:t>
+            </a:r>
+            <a:r>
+              <a:rPr lang="en-AU" sz="3200" b="1" dirty="0"/>
+              <a:t> vs Vision Transformers</a:t>
+            </a:r>
           </a:p>
         </p:txBody>
       </p:sp>
       <p:pic>
         <p:nvPicPr>
-          <p:cNvPr id="6" name="Content Placeholder 5" descr="A diagram of a process&#10;&#10;AI-generated content may be incorrect.">
+          <p:cNvPr id="10" name="Content Placeholder 9" descr="A diagram of a computer&#10;&#10;AI-generated content may be incorrect.">
             <a:extLst>
               <a:ext uri="{FF2B5EF4-FFF2-40B4-BE49-F238E27FC236}">
-                <a16:creationId xmlns:a16="http://schemas.microsoft.com/office/drawing/2014/main" id="{3F1F9D69-CA0B-92E4-44CB-40B67098D7C0}"/>
+                <a16:creationId xmlns:a16="http://schemas.microsoft.com/office/drawing/2014/main" id="{3450827E-F6BE-1FFD-8BC8-113DE0FA8DBB}"/>
               </a:ext>
             </a:extLst>
           </p:cNvPr>
@@ -9345,40 +10606,245 @@
         </p:blipFill>
         <p:spPr>
           <a:xfrm>
-            <a:off x="1039688" y="1825625"/>
-            <a:ext cx="4778623" cy="4351338"/>
+            <a:off x="3054485" y="874455"/>
+            <a:ext cx="5181600" cy="2174421"/>
           </a:xfrm>
         </p:spPr>
       </p:pic>
-      <p:pic>
-        <p:nvPicPr>
-          <p:cNvPr id="8" name="Content Placeholder 7" descr="A diagram of a process&#10;&#10;AI-generated content may be incorrect.">
+      <p:sp>
+        <p:nvSpPr>
+          <p:cNvPr id="11" name="TextBox 10">
             <a:extLst>
               <a:ext uri="{FF2B5EF4-FFF2-40B4-BE49-F238E27FC236}">
-                <a16:creationId xmlns:a16="http://schemas.microsoft.com/office/drawing/2014/main" id="{B90A2F0A-02E5-4926-9EC0-6F9593396DDA}"/>
+                <a16:creationId xmlns:a16="http://schemas.microsoft.com/office/drawing/2014/main" id="{2E6FEB79-2BFB-7574-9088-D82E036C20A4}"/>
               </a:ext>
             </a:extLst>
           </p:cNvPr>
-          <p:cNvPicPr>
-            <a:picLocks noGrp="1" noChangeAspect="1"/>
-          </p:cNvPicPr>
-          <p:nvPr>
-            <p:ph sz="half" idx="2"/>
-          </p:nvPr>
-        </p:nvPicPr>
-        <p:blipFill>
-          <a:blip r:embed="rId4"/>
-          <a:stretch>
-            <a:fillRect/>
-          </a:stretch>
-        </p:blipFill>
+          <p:cNvSpPr txBox="1"/>
+          <p:nvPr/>
+        </p:nvSpPr>
         <p:spPr>
           <a:xfrm>
-            <a:off x="6601701" y="1825625"/>
-            <a:ext cx="4322597" cy="4351338"/>
+            <a:off x="233464" y="3429000"/>
+            <a:ext cx="6481864" cy="2554545"/>
           </a:xfrm>
+          <a:prstGeom prst="rect">
+            <a:avLst/>
+          </a:prstGeom>
+          <a:noFill/>
         </p:spPr>
-      </p:pic>
+        <p:txBody>
+          <a:bodyPr wrap="square" rtlCol="0">
+            <a:spAutoFit/>
+          </a:bodyPr>
+          <a:lstStyle/>
+          <a:p>
+            <a:r>
+              <a:rPr lang="en-AU" sz="1600" b="1" dirty="0"/>
+              <a:t>Processing Architecture Comparison for Tax Documents</a:t>
+            </a:r>
+            <a:endParaRPr lang="en-AU" sz="1600" dirty="0"/>
+          </a:p>
+          <a:p>
+            <a:endParaRPr lang="en-AU" sz="1600" b="1" dirty="0"/>
+          </a:p>
+          <a:p>
+            <a:r>
+              <a:rPr lang="en-AU" sz="1600" b="1" dirty="0" err="1"/>
+              <a:t>LayoutLM</a:t>
+            </a:r>
+            <a:r>
+              <a:rPr lang="en-AU" sz="1600" b="1" dirty="0"/>
+              <a:t> Pipeline (6+ stages, multiple failure points)</a:t>
+            </a:r>
+            <a:r>
+              <a:rPr lang="en-AU" sz="1600" dirty="0"/>
+              <a:t>:</a:t>
+            </a:r>
+          </a:p>
+          <a:p>
+            <a:pPr marL="342900" indent="-342900">
+              <a:buFont typeface="+mj-lt"/>
+              <a:buAutoNum type="arabicPeriod"/>
+            </a:pPr>
+            <a:r>
+              <a:rPr lang="en-AU" sz="1600" dirty="0"/>
+              <a:t>OCR Engine → Text + Bounding boxes (fails on poor receipt quality)</a:t>
+            </a:r>
+          </a:p>
+          <a:p>
+            <a:pPr marL="342900" indent="-342900">
+              <a:buFont typeface="+mj-lt"/>
+              <a:buAutoNum type="arabicPeriod"/>
+            </a:pPr>
+            <a:r>
+              <a:rPr lang="en-AU" sz="1600" dirty="0"/>
+              <a:t>R-CNN Features → Visual representations (limited to local context)</a:t>
+            </a:r>
+          </a:p>
+          <a:p>
+            <a:pPr marL="342900" indent="-342900">
+              <a:buFont typeface="+mj-lt"/>
+              <a:buAutoNum type="arabicPeriod"/>
+            </a:pPr>
+            <a:r>
+              <a:rPr lang="en-AU" sz="1600" dirty="0"/>
+              <a:t>Layout Coordinates → 2D positioning (coordination issues)</a:t>
+            </a:r>
+          </a:p>
+          <a:p>
+            <a:pPr marL="342900" indent="-342900">
+              <a:buFont typeface="+mj-lt"/>
+              <a:buAutoNum type="arabicPeriod"/>
+            </a:pPr>
+            <a:r>
+              <a:rPr lang="en-AU" sz="1600" dirty="0"/>
+              <a:t>Late Fusion → Attempt to combine separate streams (information loss)</a:t>
+            </a:r>
+          </a:p>
+          <a:p>
+            <a:pPr marL="342900" indent="-342900">
+              <a:buFont typeface="+mj-lt"/>
+              <a:buAutoNum type="arabicPeriod"/>
+            </a:pPr>
+            <a:r>
+              <a:rPr lang="en-AU" sz="1600" dirty="0" err="1"/>
+              <a:t>LayoutLM</a:t>
+            </a:r>
+            <a:r>
+              <a:rPr lang="en-AU" sz="1600" dirty="0"/>
+              <a:t> Transformer → Process fragmented inputs</a:t>
+            </a:r>
+          </a:p>
+          <a:p>
+            <a:pPr marL="342900" indent="-342900">
+              <a:buFont typeface="+mj-lt"/>
+              <a:buAutoNum type="arabicPeriod"/>
+            </a:pPr>
+            <a:r>
+              <a:rPr lang="en-AU" sz="1600" dirty="0"/>
+              <a:t>Field Extraction → Reconstruct from fragments</a:t>
+            </a:r>
+          </a:p>
+        </p:txBody>
+      </p:sp>
+      <p:sp>
+        <p:nvSpPr>
+          <p:cNvPr id="12" name="TextBox 11">
+            <a:extLst>
+              <a:ext uri="{FF2B5EF4-FFF2-40B4-BE49-F238E27FC236}">
+                <a16:creationId xmlns:a16="http://schemas.microsoft.com/office/drawing/2014/main" id="{6526EFF9-D215-AD82-EE35-05D15843E8D8}"/>
+              </a:ext>
+            </a:extLst>
+          </p:cNvPr>
+          <p:cNvSpPr txBox="1"/>
+          <p:nvPr/>
+        </p:nvSpPr>
+        <p:spPr>
+          <a:xfrm>
+            <a:off x="6627779" y="3433864"/>
+            <a:ext cx="5564221" cy="3046988"/>
+          </a:xfrm>
+          <a:prstGeom prst="rect">
+            <a:avLst/>
+          </a:prstGeom>
+          <a:noFill/>
+        </p:spPr>
+        <p:txBody>
+          <a:bodyPr wrap="square" rtlCol="0">
+            <a:spAutoFit/>
+          </a:bodyPr>
+          <a:lstStyle/>
+          <a:p>
+            <a:r>
+              <a:rPr lang="en-AU" sz="1600" b="1" dirty="0"/>
+              <a:t>Vision Transformer Pipeline (2 stages, end-to-end)</a:t>
+            </a:r>
+            <a:r>
+              <a:rPr lang="en-AU" sz="1600" dirty="0"/>
+              <a:t>:</a:t>
+            </a:r>
+          </a:p>
+          <a:p>
+            <a:pPr marL="342900" indent="-342900">
+              <a:buFont typeface="+mj-lt"/>
+              <a:buAutoNum type="arabicPeriod"/>
+            </a:pPr>
+            <a:r>
+              <a:rPr lang="en-AU" sz="1600" dirty="0"/>
+              <a:t>Vision Transformer + Language Model → Direct receipt processing</a:t>
+            </a:r>
+          </a:p>
+          <a:p>
+            <a:pPr marL="342900" indent="-342900">
+              <a:buFont typeface="+mj-lt"/>
+              <a:buAutoNum type="arabicPeriod"/>
+            </a:pPr>
+            <a:r>
+              <a:rPr lang="en-AU" sz="1600" dirty="0"/>
+              <a:t>Structured Tax Output → Complete field extraction</a:t>
+            </a:r>
+          </a:p>
+          <a:p>
+            <a:r>
+              <a:rPr lang="en-AU" sz="1600" b="1" dirty="0"/>
+              <a:t>Tax Document Implications</a:t>
+            </a:r>
+            <a:r>
+              <a:rPr lang="en-AU" sz="1600" dirty="0"/>
+              <a:t>:</a:t>
+            </a:r>
+          </a:p>
+          <a:p>
+            <a:r>
+              <a:rPr lang="en-AU" sz="1600" b="1" dirty="0" err="1"/>
+              <a:t>LayoutLM</a:t>
+            </a:r>
+            <a:r>
+              <a:rPr lang="en-AU" sz="1600" dirty="0"/>
+              <a:t>: OCR failures on thermal receipts → Pipeline failure</a:t>
+            </a:r>
+          </a:p>
+          <a:p>
+            <a:r>
+              <a:rPr lang="en-AU" sz="1600" b="1" dirty="0"/>
+              <a:t>Vision Transformers</a:t>
+            </a:r>
+            <a:r>
+              <a:rPr lang="en-AU" sz="1600" dirty="0"/>
+              <a:t>: Direct processing → Robust to receipt quality variations</a:t>
+            </a:r>
+          </a:p>
+          <a:p>
+            <a:pPr marL="285750" indent="-285750">
+              <a:buFont typeface="Arial" panose="020B0604020202020204" pitchFamily="34" charset="0"/>
+              <a:buChar char="•"/>
+            </a:pPr>
+            <a:r>
+              <a:rPr lang="en-AU" sz="1600" b="1" dirty="0" err="1"/>
+              <a:t>LayoutLM</a:t>
+            </a:r>
+            <a:r>
+              <a:rPr lang="en-AU" sz="1600" dirty="0"/>
+              <a:t>: Complex coordination → Maintenance overhead</a:t>
+            </a:r>
+          </a:p>
+          <a:p>
+            <a:pPr marL="285750" indent="-285750">
+              <a:buFont typeface="Arial" panose="020B0604020202020204" pitchFamily="34" charset="0"/>
+              <a:buChar char="•"/>
+            </a:pPr>
+            <a:r>
+              <a:rPr lang="en-AU" sz="1600" b="1" dirty="0"/>
+              <a:t>Vision Transformers</a:t>
+            </a:r>
+            <a:r>
+              <a:rPr lang="en-AU" sz="1600" dirty="0"/>
+              <a:t>: Single model → Simplified operations</a:t>
+            </a:r>
+          </a:p>
+        </p:txBody>
+      </p:sp>
     </p:spTree>
     <p:extLst>
       <p:ext uri="{BB962C8B-B14F-4D97-AF65-F5344CB8AC3E}">
@@ -9392,7 +10858,7 @@
 </p:sld>
 </file>
 
-<file path=ppt/slides/slide19.xml><?xml version="1.0" encoding="utf-8"?>
+<file path=ppt/slides/slide17.xml><?xml version="1.0" encoding="utf-8"?>
 <p:sld xmlns:a="http://schemas.openxmlformats.org/drawingml/2006/main" xmlns:r="http://schemas.openxmlformats.org/officeDocument/2006/relationships" xmlns:p="http://schemas.openxmlformats.org/presentationml/2006/main">
   <p:cSld>
     <p:spTree>
@@ -9667,227 +11133,7 @@
 </p:sld>
 </file>
 
-<file path=ppt/slides/slide2.xml><?xml version="1.0" encoding="utf-8"?>
-<p:sld xmlns:a="http://schemas.openxmlformats.org/drawingml/2006/main" xmlns:r="http://schemas.openxmlformats.org/officeDocument/2006/relationships" xmlns:p="http://schemas.openxmlformats.org/presentationml/2006/main">
-  <p:cSld>
-    <p:spTree>
-      <p:nvGrpSpPr>
-        <p:cNvPr id="1" name=""/>
-        <p:cNvGrpSpPr/>
-        <p:nvPr/>
-      </p:nvGrpSpPr>
-      <p:grpSpPr>
-        <a:xfrm>
-          <a:off x="0" y="0"/>
-          <a:ext cx="0" cy="0"/>
-          <a:chOff x="0" y="0"/>
-          <a:chExt cx="0" cy="0"/>
-        </a:xfrm>
-      </p:grpSpPr>
-      <p:sp>
-        <p:nvSpPr>
-          <p:cNvPr id="2" name="Title 1">
-            <a:extLst>
-              <a:ext uri="{FF2B5EF4-FFF2-40B4-BE49-F238E27FC236}">
-                <a16:creationId xmlns:a16="http://schemas.microsoft.com/office/drawing/2014/main" id="{F93E6ADF-AAC6-27F4-7A77-1FCB12ACDD5E}"/>
-              </a:ext>
-            </a:extLst>
-          </p:cNvPr>
-          <p:cNvSpPr>
-            <a:spLocks noGrp="1"/>
-          </p:cNvSpPr>
-          <p:nvPr>
-            <p:ph type="title"/>
-          </p:nvPr>
-        </p:nvSpPr>
-        <p:spPr>
-          <a:xfrm>
-            <a:off x="838200" y="365125"/>
-            <a:ext cx="10515600" cy="892175"/>
-          </a:xfrm>
-        </p:spPr>
-        <p:txBody>
-          <a:bodyPr/>
-          <a:lstStyle/>
-          <a:p>
-            <a:r>
-              <a:rPr lang="en-AU" b="1" dirty="0"/>
-              <a:t>Agenda</a:t>
-            </a:r>
-            <a:endParaRPr lang="en-US" dirty="0"/>
-          </a:p>
-        </p:txBody>
-      </p:sp>
-      <p:sp>
-        <p:nvSpPr>
-          <p:cNvPr id="3" name="Content Placeholder 2">
-            <a:extLst>
-              <a:ext uri="{FF2B5EF4-FFF2-40B4-BE49-F238E27FC236}">
-                <a16:creationId xmlns:a16="http://schemas.microsoft.com/office/drawing/2014/main" id="{96D734AA-8643-2515-8DBA-27C114584663}"/>
-              </a:ext>
-            </a:extLst>
-          </p:cNvPr>
-          <p:cNvSpPr>
-            <a:spLocks noGrp="1"/>
-          </p:cNvSpPr>
-          <p:nvPr>
-            <p:ph idx="1"/>
-          </p:nvPr>
-        </p:nvSpPr>
-        <p:spPr>
-          <a:xfrm>
-            <a:off x="838200" y="1381125"/>
-            <a:ext cx="10515600" cy="4351338"/>
-          </a:xfrm>
-        </p:spPr>
-        <p:txBody>
-          <a:bodyPr>
-            <a:normAutofit fontScale="77500" lnSpcReduction="20000"/>
-          </a:bodyPr>
-          <a:lstStyle/>
-          <a:p>
-            <a:r>
-              <a:rPr lang="en-AU" b="1" dirty="0"/>
-              <a:t>Our Journey Today</a:t>
-            </a:r>
-            <a:r>
-              <a:rPr lang="en-AU" dirty="0"/>
-              <a:t> (40 minutes)</a:t>
-            </a:r>
-          </a:p>
-          <a:p>
-            <a:r>
-              <a:rPr lang="en-AU" b="1" dirty="0"/>
-              <a:t>Introduction &amp; Context</a:t>
-            </a:r>
-            <a:r>
-              <a:rPr lang="en-AU" dirty="0"/>
-              <a:t> (10 min)</a:t>
-            </a:r>
-          </a:p>
-          <a:p>
-            <a:pPr lvl="1"/>
-            <a:r>
-              <a:rPr lang="en-AU" dirty="0"/>
-              <a:t>Tax document processing challenge</a:t>
-            </a:r>
-          </a:p>
-          <a:p>
-            <a:pPr lvl="1"/>
-            <a:r>
-              <a:rPr lang="en-AU" dirty="0"/>
-              <a:t>Current </a:t>
-            </a:r>
-            <a:r>
-              <a:rPr lang="en-AU" dirty="0" err="1"/>
-              <a:t>LayoutLM</a:t>
-            </a:r>
-            <a:r>
-              <a:rPr lang="en-AU" dirty="0"/>
-              <a:t> limitations</a:t>
-            </a:r>
-          </a:p>
-          <a:p>
-            <a:r>
-              <a:rPr lang="en-AU" b="1" dirty="0"/>
-              <a:t>How Vision Transformers Work</a:t>
-            </a:r>
-            <a:r>
-              <a:rPr lang="en-AU" dirty="0"/>
-              <a:t> (18 min)</a:t>
-            </a:r>
-          </a:p>
-          <a:p>
-            <a:pPr lvl="1"/>
-            <a:r>
-              <a:rPr lang="en-AU" dirty="0"/>
-              <a:t>Technical architecture deep dive</a:t>
-            </a:r>
-          </a:p>
-          <a:p>
-            <a:pPr lvl="1"/>
-            <a:r>
-              <a:rPr lang="en-AU" dirty="0"/>
-              <a:t>Self-attention mechanisms</a:t>
-            </a:r>
-          </a:p>
-          <a:p>
-            <a:r>
-              <a:rPr lang="en-AU" b="1" dirty="0"/>
-              <a:t>Comparison &amp; Evidence</a:t>
-            </a:r>
-            <a:r>
-              <a:rPr lang="en-AU" dirty="0"/>
-              <a:t> (15 min)</a:t>
-            </a:r>
-          </a:p>
-          <a:p>
-            <a:pPr lvl="1"/>
-            <a:r>
-              <a:rPr lang="en-AU" dirty="0"/>
-              <a:t>Performance results on tax documents</a:t>
-            </a:r>
-          </a:p>
-          <a:p>
-            <a:pPr lvl="1"/>
-            <a:r>
-              <a:rPr lang="en-AU" dirty="0"/>
-              <a:t>Production deployment insights</a:t>
-            </a:r>
-          </a:p>
-          <a:p>
-            <a:r>
-              <a:rPr lang="en-AU" b="1" dirty="0"/>
-              <a:t>Implementation &amp; Business Impact</a:t>
-            </a:r>
-            <a:r>
-              <a:rPr lang="en-AU" dirty="0"/>
-              <a:t> (7 min)</a:t>
-            </a:r>
-          </a:p>
-          <a:p>
-            <a:pPr lvl="1"/>
-            <a:r>
-              <a:rPr lang="en-AU" dirty="0"/>
-              <a:t>Case study and code examples</a:t>
-            </a:r>
-          </a:p>
-          <a:p>
-            <a:pPr lvl="1"/>
-            <a:r>
-              <a:rPr lang="en-AU" dirty="0"/>
-              <a:t>Strategic recommendations</a:t>
-            </a:r>
-          </a:p>
-          <a:p>
-            <a:r>
-              <a:rPr lang="en-AU" b="1" dirty="0"/>
-              <a:t>Q&amp;A Session</a:t>
-            </a:r>
-            <a:r>
-              <a:rPr lang="en-AU" dirty="0"/>
-              <a:t> (10 min)</a:t>
-            </a:r>
-          </a:p>
-          <a:p>
-            <a:endParaRPr lang="en-US" dirty="0"/>
-          </a:p>
-        </p:txBody>
-      </p:sp>
-    </p:spTree>
-    <p:extLst>
-      <p:ext uri="{BB962C8B-B14F-4D97-AF65-F5344CB8AC3E}">
-        <p14:creationId xmlns:p14="http://schemas.microsoft.com/office/powerpoint/2010/main" val="741847296"/>
-      </p:ext>
-    </p:extLst>
-  </p:cSld>
-  <p:clrMapOvr>
-    <a:masterClrMapping/>
-  </p:clrMapOvr>
-</p:sld>
-</file>
-
-<file path=ppt/slides/slide20.xml><?xml version="1.0" encoding="utf-8"?>
+<file path=ppt/slides/slide18.xml><?xml version="1.0" encoding="utf-8"?>
 <p:sld xmlns:a="http://schemas.openxmlformats.org/drawingml/2006/main" xmlns:r="http://schemas.openxmlformats.org/officeDocument/2006/relationships" xmlns:p="http://schemas.openxmlformats.org/presentationml/2006/main">
   <p:cSld>
     <p:spTree>
@@ -10515,7 +11761,7 @@
 </p:sld>
 </file>
 
-<file path=ppt/slides/slide21.xml><?xml version="1.0" encoding="utf-8"?>
+<file path=ppt/slides/slide19.xml><?xml version="1.0" encoding="utf-8"?>
 <p:sld xmlns:a="http://schemas.openxmlformats.org/drawingml/2006/main" xmlns:r="http://schemas.openxmlformats.org/officeDocument/2006/relationships" xmlns:p="http://schemas.openxmlformats.org/presentationml/2006/main">
   <p:cSld>
     <p:spTree>
@@ -10631,7 +11877,227 @@
 </p:sld>
 </file>
 
-<file path=ppt/slides/slide22.xml><?xml version="1.0" encoding="utf-8"?>
+<file path=ppt/slides/slide2.xml><?xml version="1.0" encoding="utf-8"?>
+<p:sld xmlns:a="http://schemas.openxmlformats.org/drawingml/2006/main" xmlns:r="http://schemas.openxmlformats.org/officeDocument/2006/relationships" xmlns:p="http://schemas.openxmlformats.org/presentationml/2006/main">
+  <p:cSld>
+    <p:spTree>
+      <p:nvGrpSpPr>
+        <p:cNvPr id="1" name=""/>
+        <p:cNvGrpSpPr/>
+        <p:nvPr/>
+      </p:nvGrpSpPr>
+      <p:grpSpPr>
+        <a:xfrm>
+          <a:off x="0" y="0"/>
+          <a:ext cx="0" cy="0"/>
+          <a:chOff x="0" y="0"/>
+          <a:chExt cx="0" cy="0"/>
+        </a:xfrm>
+      </p:grpSpPr>
+      <p:sp>
+        <p:nvSpPr>
+          <p:cNvPr id="2" name="Title 1">
+            <a:extLst>
+              <a:ext uri="{FF2B5EF4-FFF2-40B4-BE49-F238E27FC236}">
+                <a16:creationId xmlns:a16="http://schemas.microsoft.com/office/drawing/2014/main" id="{F93E6ADF-AAC6-27F4-7A77-1FCB12ACDD5E}"/>
+              </a:ext>
+            </a:extLst>
+          </p:cNvPr>
+          <p:cNvSpPr>
+            <a:spLocks noGrp="1"/>
+          </p:cNvSpPr>
+          <p:nvPr>
+            <p:ph type="title"/>
+          </p:nvPr>
+        </p:nvSpPr>
+        <p:spPr>
+          <a:xfrm>
+            <a:off x="838200" y="365125"/>
+            <a:ext cx="10515600" cy="892175"/>
+          </a:xfrm>
+        </p:spPr>
+        <p:txBody>
+          <a:bodyPr/>
+          <a:lstStyle/>
+          <a:p>
+            <a:r>
+              <a:rPr lang="en-AU" b="1" dirty="0"/>
+              <a:t>Agenda</a:t>
+            </a:r>
+            <a:endParaRPr lang="en-US" dirty="0"/>
+          </a:p>
+        </p:txBody>
+      </p:sp>
+      <p:sp>
+        <p:nvSpPr>
+          <p:cNvPr id="3" name="Content Placeholder 2">
+            <a:extLst>
+              <a:ext uri="{FF2B5EF4-FFF2-40B4-BE49-F238E27FC236}">
+                <a16:creationId xmlns:a16="http://schemas.microsoft.com/office/drawing/2014/main" id="{96D734AA-8643-2515-8DBA-27C114584663}"/>
+              </a:ext>
+            </a:extLst>
+          </p:cNvPr>
+          <p:cNvSpPr>
+            <a:spLocks noGrp="1"/>
+          </p:cNvSpPr>
+          <p:nvPr>
+            <p:ph idx="1"/>
+          </p:nvPr>
+        </p:nvSpPr>
+        <p:spPr>
+          <a:xfrm>
+            <a:off x="838200" y="1381125"/>
+            <a:ext cx="10515600" cy="4351338"/>
+          </a:xfrm>
+        </p:spPr>
+        <p:txBody>
+          <a:bodyPr>
+            <a:normAutofit fontScale="77500" lnSpcReduction="20000"/>
+          </a:bodyPr>
+          <a:lstStyle/>
+          <a:p>
+            <a:r>
+              <a:rPr lang="en-AU" b="1" dirty="0"/>
+              <a:t>Our Journey Today</a:t>
+            </a:r>
+            <a:r>
+              <a:rPr lang="en-AU" dirty="0"/>
+              <a:t> (40 minutes)</a:t>
+            </a:r>
+          </a:p>
+          <a:p>
+            <a:r>
+              <a:rPr lang="en-AU" b="1" dirty="0"/>
+              <a:t>Introduction &amp; Context</a:t>
+            </a:r>
+            <a:r>
+              <a:rPr lang="en-AU" dirty="0"/>
+              <a:t> (10 min)</a:t>
+            </a:r>
+          </a:p>
+          <a:p>
+            <a:pPr lvl="1"/>
+            <a:r>
+              <a:rPr lang="en-AU" dirty="0"/>
+              <a:t>Tax document processing challenge</a:t>
+            </a:r>
+          </a:p>
+          <a:p>
+            <a:pPr lvl="1"/>
+            <a:r>
+              <a:rPr lang="en-AU" dirty="0"/>
+              <a:t>Current </a:t>
+            </a:r>
+            <a:r>
+              <a:rPr lang="en-AU" dirty="0" err="1"/>
+              <a:t>LayoutLM</a:t>
+            </a:r>
+            <a:r>
+              <a:rPr lang="en-AU" dirty="0"/>
+              <a:t> limitations</a:t>
+            </a:r>
+          </a:p>
+          <a:p>
+            <a:r>
+              <a:rPr lang="en-AU" b="1" dirty="0"/>
+              <a:t>How Vision Transformers Work</a:t>
+            </a:r>
+            <a:r>
+              <a:rPr lang="en-AU" dirty="0"/>
+              <a:t> (18 min)</a:t>
+            </a:r>
+          </a:p>
+          <a:p>
+            <a:pPr lvl="1"/>
+            <a:r>
+              <a:rPr lang="en-AU" dirty="0"/>
+              <a:t>Technical architecture deep dive</a:t>
+            </a:r>
+          </a:p>
+          <a:p>
+            <a:pPr lvl="1"/>
+            <a:r>
+              <a:rPr lang="en-AU" dirty="0"/>
+              <a:t>Self-attention mechanisms</a:t>
+            </a:r>
+          </a:p>
+          <a:p>
+            <a:r>
+              <a:rPr lang="en-AU" b="1" dirty="0"/>
+              <a:t>Comparison &amp; Evidence</a:t>
+            </a:r>
+            <a:r>
+              <a:rPr lang="en-AU" dirty="0"/>
+              <a:t> (15 min)</a:t>
+            </a:r>
+          </a:p>
+          <a:p>
+            <a:pPr lvl="1"/>
+            <a:r>
+              <a:rPr lang="en-AU" dirty="0"/>
+              <a:t>Performance results on tax documents</a:t>
+            </a:r>
+          </a:p>
+          <a:p>
+            <a:pPr lvl="1"/>
+            <a:r>
+              <a:rPr lang="en-AU" dirty="0"/>
+              <a:t>Production deployment insights</a:t>
+            </a:r>
+          </a:p>
+          <a:p>
+            <a:r>
+              <a:rPr lang="en-AU" b="1" dirty="0"/>
+              <a:t>Implementation &amp; Business Impact</a:t>
+            </a:r>
+            <a:r>
+              <a:rPr lang="en-AU" dirty="0"/>
+              <a:t> (7 min)</a:t>
+            </a:r>
+          </a:p>
+          <a:p>
+            <a:pPr lvl="1"/>
+            <a:r>
+              <a:rPr lang="en-AU" dirty="0"/>
+              <a:t>Case study and code examples</a:t>
+            </a:r>
+          </a:p>
+          <a:p>
+            <a:pPr lvl="1"/>
+            <a:r>
+              <a:rPr lang="en-AU" dirty="0"/>
+              <a:t>Strategic recommendations</a:t>
+            </a:r>
+          </a:p>
+          <a:p>
+            <a:r>
+              <a:rPr lang="en-AU" b="1" dirty="0"/>
+              <a:t>Q&amp;A Session</a:t>
+            </a:r>
+            <a:r>
+              <a:rPr lang="en-AU" dirty="0"/>
+              <a:t> (10 min)</a:t>
+            </a:r>
+          </a:p>
+          <a:p>
+            <a:endParaRPr lang="en-US" dirty="0"/>
+          </a:p>
+        </p:txBody>
+      </p:sp>
+    </p:spTree>
+    <p:extLst>
+      <p:ext uri="{BB962C8B-B14F-4D97-AF65-F5344CB8AC3E}">
+        <p14:creationId xmlns:p14="http://schemas.microsoft.com/office/powerpoint/2010/main" val="741847296"/>
+      </p:ext>
+    </p:extLst>
+  </p:cSld>
+  <p:clrMapOvr>
+    <a:masterClrMapping/>
+  </p:clrMapOvr>
+</p:sld>
+</file>
+
+<file path=ppt/slides/slide20.xml><?xml version="1.0" encoding="utf-8"?>
 <p:sld xmlns:a="http://schemas.openxmlformats.org/drawingml/2006/main" xmlns:r="http://schemas.openxmlformats.org/officeDocument/2006/relationships" xmlns:p="http://schemas.openxmlformats.org/presentationml/2006/main">
   <p:cSld>
     <p:spTree>
@@ -10753,7 +12219,7 @@
 </p:sld>
 </file>
 
-<file path=ppt/slides/slide23.xml><?xml version="1.0" encoding="utf-8"?>
+<file path=ppt/slides/slide21.xml><?xml version="1.0" encoding="utf-8"?>
 <p:sld xmlns:a="http://schemas.openxmlformats.org/drawingml/2006/main" xmlns:r="http://schemas.openxmlformats.org/officeDocument/2006/relationships" xmlns:p="http://schemas.openxmlformats.org/presentationml/2006/main">
   <p:cSld>
     <p:spTree>
@@ -11426,7 +12892,7 @@
 </p:sld>
 </file>
 
-<file path=ppt/slides/slide24.xml><?xml version="1.0" encoding="utf-8"?>
+<file path=ppt/slides/slide22.xml><?xml version="1.0" encoding="utf-8"?>
 <p:sld xmlns:a="http://schemas.openxmlformats.org/drawingml/2006/main" xmlns:r="http://schemas.openxmlformats.org/officeDocument/2006/relationships" xmlns:p="http://schemas.openxmlformats.org/presentationml/2006/main">
   <p:cSld>
     <p:spTree>
@@ -13025,7 +14491,7 @@
           </p:nvPr>
         </p:nvPicPr>
         <p:blipFill>
-          <a:blip r:embed="rId2"/>
+          <a:blip r:embed="rId3"/>
           <a:stretch>
             <a:fillRect/>
           </a:stretch>
@@ -13054,7 +14520,7 @@
           </p:nvPr>
         </p:nvPicPr>
         <p:blipFill>
-          <a:blip r:embed="rId3"/>
+          <a:blip r:embed="rId4"/>
           <a:stretch>
             <a:fillRect/>
           </a:stretch>
@@ -13123,13 +14589,13 @@
         </p:spPr>
         <p:txBody>
           <a:bodyPr>
-            <a:normAutofit/>
+            <a:normAutofit fontScale="90000"/>
           </a:bodyPr>
           <a:lstStyle/>
           <a:p>
             <a:r>
               <a:rPr lang="en-AU" sz="4000" b="1" dirty="0"/>
-              <a:t>Natural Language Understanding</a:t>
+              <a:t>What’s the Meaning of “Semantic Understanding”?</a:t>
             </a:r>
             <a:br>
               <a:rPr lang="en-AU" b="1" dirty="0"/>
@@ -13231,7 +14697,7 @@
           </p:nvPr>
         </p:nvPicPr>
         <p:blipFill>
-          <a:blip r:embed="rId2"/>
+          <a:blip r:embed="rId3"/>
           <a:stretch>
             <a:fillRect/>
           </a:stretch>
@@ -14558,10 +16024,75 @@
       </p:grpSpPr>
       <p:sp>
         <p:nvSpPr>
+          <p:cNvPr id="2" name="Title 1">
+            <a:extLst>
+              <a:ext uri="{FF2B5EF4-FFF2-40B4-BE49-F238E27FC236}">
+                <a16:creationId xmlns:a16="http://schemas.microsoft.com/office/drawing/2014/main" id="{DAC31F10-8C36-5C9E-E266-372729D2D159}"/>
+              </a:ext>
+            </a:extLst>
+          </p:cNvPr>
+          <p:cNvSpPr>
+            <a:spLocks noGrp="1"/>
+          </p:cNvSpPr>
+          <p:nvPr>
+            <p:ph type="title"/>
+          </p:nvPr>
+        </p:nvSpPr>
+        <p:spPr>
+          <a:xfrm>
+            <a:off x="838200" y="365125"/>
+            <a:ext cx="10515600" cy="721803"/>
+          </a:xfrm>
+        </p:spPr>
+        <p:txBody>
+          <a:bodyPr>
+            <a:normAutofit/>
+          </a:bodyPr>
+          <a:lstStyle/>
+          <a:p>
+            <a:r>
+              <a:rPr lang="en-AU" sz="4000" b="1" dirty="0"/>
+              <a:t>From Text to Vision - The Transformer Evolution</a:t>
+            </a:r>
+            <a:endParaRPr lang="en-US" sz="4000" dirty="0"/>
+          </a:p>
+        </p:txBody>
+      </p:sp>
+      <p:pic>
+        <p:nvPicPr>
+          <p:cNvPr id="5" name="Content Placeholder 4" descr="A diagram of a work flow&#10;&#10;AI-generated content may be incorrect.">
+            <a:extLst>
+              <a:ext uri="{FF2B5EF4-FFF2-40B4-BE49-F238E27FC236}">
+                <a16:creationId xmlns:a16="http://schemas.microsoft.com/office/drawing/2014/main" id="{72C03810-E30E-F066-FF7B-67044895554B}"/>
+              </a:ext>
+            </a:extLst>
+          </p:cNvPr>
+          <p:cNvPicPr>
+            <a:picLocks noGrp="1" noChangeAspect="1"/>
+          </p:cNvPicPr>
+          <p:nvPr>
+            <p:ph idx="1"/>
+          </p:nvPr>
+        </p:nvPicPr>
+        <p:blipFill>
+          <a:blip r:embed="rId3"/>
+          <a:stretch>
+            <a:fillRect/>
+          </a:stretch>
+        </p:blipFill>
+        <p:spPr>
+          <a:xfrm>
+            <a:off x="760562" y="1181439"/>
+            <a:ext cx="10515600" cy="4000691"/>
+          </a:xfrm>
+        </p:spPr>
+      </p:pic>
+      <p:sp>
+        <p:nvSpPr>
           <p:cNvPr id="6" name="TextBox 5">
             <a:extLst>
               <a:ext uri="{FF2B5EF4-FFF2-40B4-BE49-F238E27FC236}">
-                <a16:creationId xmlns:a16="http://schemas.microsoft.com/office/drawing/2014/main" id="{A0BFC74B-72D9-6771-8398-F5545D34D5D4}"/>
+                <a16:creationId xmlns:a16="http://schemas.microsoft.com/office/drawing/2014/main" id="{35EE4B8D-ED86-07C7-DBF3-0517246599F0}"/>
               </a:ext>
             </a:extLst>
           </p:cNvPr>
@@ -14570,8 +16101,8 @@
         </p:nvSpPr>
         <p:spPr>
           <a:xfrm>
-            <a:off x="1245104" y="4759925"/>
-            <a:ext cx="9407062" cy="646331"/>
+            <a:off x="760562" y="3164681"/>
+            <a:ext cx="8980714" cy="3416320"/>
           </a:xfrm>
           <a:prstGeom prst="rect">
             <a:avLst/>
@@ -14585,111 +16116,213 @@
           <a:lstStyle/>
           <a:p>
             <a:r>
-              <a:rPr lang="en-US" dirty="0"/>
-              <a:t>Vision Transformers </a:t>
-            </a:r>
-            <a:r>
-              <a:rPr lang="en-US" b="1" dirty="0"/>
-              <a:t>promise</a:t>
-            </a:r>
-            <a:r>
-              <a:rPr lang="en-US" dirty="0"/>
-              <a:t> an integrated holistic Document Understanding solution without suffering the </a:t>
-            </a:r>
-            <a:r>
-              <a:rPr lang="en-US" b="1" dirty="0"/>
-              <a:t>Cascading Failure </a:t>
-            </a:r>
-            <a:r>
-              <a:rPr lang="en-US" dirty="0"/>
-              <a:t>exhibited by the multistage </a:t>
-            </a:r>
-            <a:r>
-              <a:rPr lang="en-US" dirty="0" err="1"/>
-              <a:t>LayoutLM</a:t>
-            </a:r>
-            <a:r>
-              <a:rPr lang="en-US" dirty="0"/>
-              <a:t> IE approach above</a:t>
-            </a:r>
-          </a:p>
-        </p:txBody>
-      </p:sp>
-      <p:pic>
-        <p:nvPicPr>
-          <p:cNvPr id="10" name="Content Placeholder 9" descr="A diagram of a company&#10;&#10;AI-generated content may be incorrect.">
-            <a:extLst>
-              <a:ext uri="{FF2B5EF4-FFF2-40B4-BE49-F238E27FC236}">
-                <a16:creationId xmlns:a16="http://schemas.microsoft.com/office/drawing/2014/main" id="{C2E3D75B-8AC6-ECB0-9245-4BF778BD630E}"/>
-              </a:ext>
-            </a:extLst>
-          </p:cNvPr>
-          <p:cNvPicPr>
-            <a:picLocks noGrp="1" noChangeAspect="1"/>
-          </p:cNvPicPr>
-          <p:nvPr>
-            <p:ph idx="1"/>
-          </p:nvPr>
-        </p:nvPicPr>
-        <p:blipFill>
-          <a:blip r:embed="rId2"/>
-          <a:stretch>
-            <a:fillRect/>
-          </a:stretch>
-        </p:blipFill>
-        <p:spPr>
-          <a:xfrm>
-            <a:off x="1245104" y="2100309"/>
-            <a:ext cx="10023616" cy="2133405"/>
-          </a:xfrm>
-        </p:spPr>
-      </p:pic>
-      <p:sp>
-        <p:nvSpPr>
-          <p:cNvPr id="4" name="Title 1">
-            <a:extLst>
-              <a:ext uri="{FF2B5EF4-FFF2-40B4-BE49-F238E27FC236}">
-                <a16:creationId xmlns:a16="http://schemas.microsoft.com/office/drawing/2014/main" id="{91FEA1AD-A47B-1E30-D636-7A9D1D2E027E}"/>
-              </a:ext>
-            </a:extLst>
-          </p:cNvPr>
-          <p:cNvSpPr>
-            <a:spLocks noGrp="1"/>
-          </p:cNvSpPr>
-          <p:nvPr>
-            <p:ph type="title"/>
-          </p:nvPr>
-        </p:nvSpPr>
-        <p:spPr>
-          <a:xfrm>
-            <a:off x="838200" y="365125"/>
-            <a:ext cx="10706100" cy="1325563"/>
-          </a:xfrm>
-        </p:spPr>
-        <p:txBody>
-          <a:bodyPr>
-            <a:normAutofit/>
-          </a:bodyPr>
-          <a:lstStyle/>
-          <a:p>
-            <a:r>
-              <a:rPr lang="en-AU" sz="3200" b="1" dirty="0"/>
-              <a:t>The Promise of Holistic End-2-End Document Understanding</a:t>
-            </a:r>
-            <a:endParaRPr lang="en-US" sz="3200" dirty="0"/>
+              <a:rPr lang="en-AU" b="1" dirty="0"/>
+              <a:t>The Revolutionary Insight</a:t>
+            </a:r>
+            <a:r>
+              <a:rPr lang="en-AU" dirty="0"/>
+              <a:t>: </a:t>
+            </a:r>
+            <a:r>
+              <a:rPr lang="en-AU" i="1" dirty="0"/>
+              <a:t>Same core architecture, different input processing</a:t>
+            </a:r>
+            <a:endParaRPr lang="en-AU" dirty="0"/>
+          </a:p>
+          <a:p>
+            <a:r>
+              <a:rPr lang="en-AU" b="1" dirty="0"/>
+              <a:t>What We Already Know</a:t>
+            </a:r>
+            <a:r>
+              <a:rPr lang="en-AU" dirty="0"/>
+              <a:t> (Text Transformers 2017):</a:t>
+            </a:r>
+          </a:p>
+          <a:p>
+            <a:pPr marL="285750" indent="-285750">
+              <a:buFont typeface="Arial" panose="020B0604020202020204" pitchFamily="34" charset="0"/>
+              <a:buChar char="•"/>
+            </a:pPr>
+            <a:r>
+              <a:rPr lang="en-AU" dirty="0"/>
+              <a:t>Tokenization → Self-Attention → Understanding</a:t>
+            </a:r>
+          </a:p>
+          <a:p>
+            <a:pPr marL="285750" indent="-285750">
+              <a:buFont typeface="Arial" panose="020B0604020202020204" pitchFamily="34" charset="0"/>
+              <a:buChar char="•"/>
+            </a:pPr>
+            <a:r>
+              <a:rPr lang="en-AU" dirty="0"/>
+              <a:t>"Attention is All You Need" revolutionized NLP</a:t>
+            </a:r>
+          </a:p>
+          <a:p>
+            <a:r>
+              <a:rPr lang="en-AU" b="1" dirty="0"/>
+              <a:t>The Vision Breakthrough</a:t>
+            </a:r>
+            <a:r>
+              <a:rPr lang="en-AU" dirty="0"/>
+              <a:t> (2020):</a:t>
+            </a:r>
+          </a:p>
+          <a:p>
+            <a:pPr marL="285750" indent="-285750">
+              <a:buFont typeface="Arial" panose="020B0604020202020204" pitchFamily="34" charset="0"/>
+              <a:buChar char="•"/>
+            </a:pPr>
+            <a:r>
+              <a:rPr lang="en-AU" dirty="0"/>
+              <a:t>Image patches = Text tokens</a:t>
+            </a:r>
+          </a:p>
+          <a:p>
+            <a:pPr marL="285750" indent="-285750">
+              <a:buFont typeface="Arial" panose="020B0604020202020204" pitchFamily="34" charset="0"/>
+              <a:buChar char="•"/>
+            </a:pPr>
+            <a:r>
+              <a:rPr lang="en-AU" b="1" dirty="0"/>
+              <a:t>IDENTICAL</a:t>
+            </a:r>
+            <a:r>
+              <a:rPr lang="en-AU" dirty="0"/>
+              <a:t> self-attention architecture</a:t>
+            </a:r>
+          </a:p>
+          <a:p>
+            <a:pPr marL="285750" indent="-285750">
+              <a:buFont typeface="Arial" panose="020B0604020202020204" pitchFamily="34" charset="0"/>
+              <a:buChar char="•"/>
+            </a:pPr>
+            <a:r>
+              <a:rPr lang="en-AU" dirty="0"/>
+              <a:t>Vision-Language fusion for document understanding</a:t>
+            </a:r>
+          </a:p>
+          <a:p>
+            <a:r>
+              <a:rPr lang="en-AU" b="1" dirty="0"/>
+              <a:t>Tax Document Application</a:t>
+            </a:r>
+            <a:r>
+              <a:rPr lang="en-AU" dirty="0"/>
+              <a:t>:</a:t>
+            </a:r>
+          </a:p>
+          <a:p>
+            <a:pPr marL="285750" indent="-285750">
+              <a:buFont typeface="Arial" panose="020B0604020202020204" pitchFamily="34" charset="0"/>
+              <a:buChar char="•"/>
+            </a:pPr>
+            <a:r>
+              <a:rPr lang="en-AU" dirty="0"/>
+              <a:t>Hyatt Hotels receipt → pixel patches → Transformer processing</a:t>
+            </a:r>
+          </a:p>
+          <a:p>
+            <a:pPr marL="285750" indent="-285750">
+              <a:buFont typeface="Arial" panose="020B0604020202020204" pitchFamily="34" charset="0"/>
+              <a:buChar char="•"/>
+            </a:pPr>
+            <a:r>
+              <a:rPr lang="en-AU" dirty="0"/>
+              <a:t>Same architecture that understands "The supplier charged GST" now understands visual receipt layout</a:t>
+            </a:r>
           </a:p>
         </p:txBody>
       </p:sp>
     </p:spTree>
     <p:extLst>
       <p:ext uri="{BB962C8B-B14F-4D97-AF65-F5344CB8AC3E}">
-        <p14:creationId xmlns:p14="http://schemas.microsoft.com/office/powerpoint/2010/main" val="3226419385"/>
+        <p14:creationId xmlns:p14="http://schemas.microsoft.com/office/powerpoint/2010/main" val="825754891"/>
       </p:ext>
     </p:extLst>
   </p:cSld>
   <p:clrMapOvr>
     <a:masterClrMapping/>
   </p:clrMapOvr>
+  <p:timing>
+    <p:tnLst>
+      <p:par>
+        <p:cTn id="1" dur="indefinite" restart="never" nodeType="tmRoot">
+          <p:childTnLst>
+            <p:seq concurrent="1" nextAc="seek">
+              <p:cTn id="2" dur="indefinite" nodeType="mainSeq">
+                <p:childTnLst>
+                  <p:par>
+                    <p:cTn id="3" fill="hold">
+                      <p:stCondLst>
+                        <p:cond delay="indefinite"/>
+                      </p:stCondLst>
+                      <p:childTnLst>
+                        <p:par>
+                          <p:cTn id="4" fill="hold">
+                            <p:stCondLst>
+                              <p:cond delay="0"/>
+                            </p:stCondLst>
+                            <p:childTnLst>
+                              <p:par>
+                                <p:cTn id="5" presetID="1" presetClass="entr" presetSubtype="0" fill="hold" grpId="0" nodeType="clickEffect">
+                                  <p:stCondLst>
+                                    <p:cond delay="0"/>
+                                  </p:stCondLst>
+                                  <p:childTnLst>
+                                    <p:set>
+                                      <p:cBhvr>
+                                        <p:cTn id="6" dur="1" fill="hold">
+                                          <p:stCondLst>
+                                            <p:cond delay="0"/>
+                                          </p:stCondLst>
+                                        </p:cTn>
+                                        <p:tgtEl>
+                                          <p:spTgt spid="6"/>
+                                        </p:tgtEl>
+                                        <p:attrNameLst>
+                                          <p:attrName>style.visibility</p:attrName>
+                                        </p:attrNameLst>
+                                      </p:cBhvr>
+                                      <p:to>
+                                        <p:strVal val="visible"/>
+                                      </p:to>
+                                    </p:set>
+                                  </p:childTnLst>
+                                </p:cTn>
+                              </p:par>
+                            </p:childTnLst>
+                          </p:cTn>
+                        </p:par>
+                      </p:childTnLst>
+                    </p:cTn>
+                  </p:par>
+                </p:childTnLst>
+              </p:cTn>
+              <p:prevCondLst>
+                <p:cond evt="onPrev" delay="0">
+                  <p:tgtEl>
+                    <p:sldTgt/>
+                  </p:tgtEl>
+                </p:cond>
+              </p:prevCondLst>
+              <p:nextCondLst>
+                <p:cond evt="onNext" delay="0">
+                  <p:tgtEl>
+                    <p:sldTgt/>
+                  </p:tgtEl>
+                </p:cond>
+              </p:nextCondLst>
+            </p:seq>
+          </p:childTnLst>
+        </p:cTn>
+      </p:par>
+    </p:tnLst>
+    <p:bldLst>
+      <p:bldP spid="6" grpId="0"/>
+    </p:bldLst>
+  </p:timing>
 </p:sld>
 </file>
 

--- a/presentation_materials/vision_transformers.pptx
+++ b/presentation_materials/vision_transformers.pptx
@@ -14263,544 +14263,6 @@
   <p:clrMapOvr>
     <a:masterClrMapping/>
   </p:clrMapOvr>
-  <p:timing>
-    <p:tnLst>
-      <p:par>
-        <p:cTn id="1" dur="indefinite" restart="never" nodeType="tmRoot">
-          <p:childTnLst>
-            <p:seq concurrent="1" nextAc="seek">
-              <p:cTn id="2" dur="indefinite" nodeType="mainSeq">
-                <p:childTnLst>
-                  <p:par>
-                    <p:cTn id="3" fill="hold">
-                      <p:stCondLst>
-                        <p:cond delay="indefinite"/>
-                      </p:stCondLst>
-                      <p:childTnLst>
-                        <p:par>
-                          <p:cTn id="4" fill="hold">
-                            <p:stCondLst>
-                              <p:cond delay="0"/>
-                            </p:stCondLst>
-                            <p:childTnLst>
-                              <p:par>
-                                <p:cTn id="5" presetID="1" presetClass="entr" presetSubtype="0" fill="hold" grpId="0" nodeType="clickEffect">
-                                  <p:stCondLst>
-                                    <p:cond delay="0"/>
-                                  </p:stCondLst>
-                                  <p:childTnLst>
-                                    <p:set>
-                                      <p:cBhvr>
-                                        <p:cTn id="6" dur="1" fill="hold">
-                                          <p:stCondLst>
-                                            <p:cond delay="0"/>
-                                          </p:stCondLst>
-                                        </p:cTn>
-                                        <p:tgtEl>
-                                          <p:spTgt spid="6"/>
-                                        </p:tgtEl>
-                                        <p:attrNameLst>
-                                          <p:attrName>style.visibility</p:attrName>
-                                        </p:attrNameLst>
-                                      </p:cBhvr>
-                                      <p:to>
-                                        <p:strVal val="visible"/>
-                                      </p:to>
-                                    </p:set>
-                                  </p:childTnLst>
-                                </p:cTn>
-                              </p:par>
-                            </p:childTnLst>
-                          </p:cTn>
-                        </p:par>
-                      </p:childTnLst>
-                    </p:cTn>
-                  </p:par>
-                  <p:par>
-                    <p:cTn id="7" fill="hold">
-                      <p:stCondLst>
-                        <p:cond delay="indefinite"/>
-                      </p:stCondLst>
-                      <p:childTnLst>
-                        <p:par>
-                          <p:cTn id="8" fill="hold">
-                            <p:stCondLst>
-                              <p:cond delay="0"/>
-                            </p:stCondLst>
-                            <p:childTnLst>
-                              <p:par>
-                                <p:cTn id="9" presetID="1" presetClass="entr" presetSubtype="0" fill="hold" grpId="1" nodeType="clickEffect">
-                                  <p:stCondLst>
-                                    <p:cond delay="0"/>
-                                  </p:stCondLst>
-                                  <p:childTnLst>
-                                    <p:set>
-                                      <p:cBhvr>
-                                        <p:cTn id="10" dur="1" fill="hold">
-                                          <p:stCondLst>
-                                            <p:cond delay="0"/>
-                                          </p:stCondLst>
-                                        </p:cTn>
-                                        <p:tgtEl>
-                                          <p:spTgt spid="6"/>
-                                        </p:tgtEl>
-                                        <p:attrNameLst>
-                                          <p:attrName>style.visibility</p:attrName>
-                                        </p:attrNameLst>
-                                      </p:cBhvr>
-                                      <p:to>
-                                        <p:strVal val="visible"/>
-                                      </p:to>
-                                    </p:set>
-                                  </p:childTnLst>
-                                </p:cTn>
-                              </p:par>
-                            </p:childTnLst>
-                          </p:cTn>
-                        </p:par>
-                      </p:childTnLst>
-                    </p:cTn>
-                  </p:par>
-                  <p:par>
-                    <p:cTn id="11" fill="hold">
-                      <p:stCondLst>
-                        <p:cond delay="indefinite"/>
-                      </p:stCondLst>
-                      <p:childTnLst>
-                        <p:par>
-                          <p:cTn id="12" fill="hold">
-                            <p:stCondLst>
-                              <p:cond delay="0"/>
-                            </p:stCondLst>
-                            <p:childTnLst>
-                              <p:par>
-                                <p:cTn id="13" presetID="1" presetClass="entr" presetSubtype="0" fill="hold" grpId="2" nodeType="clickEffect">
-                                  <p:stCondLst>
-                                    <p:cond delay="0"/>
-                                  </p:stCondLst>
-                                  <p:childTnLst>
-                                    <p:set>
-                                      <p:cBhvr>
-                                        <p:cTn id="14" dur="1" fill="hold">
-                                          <p:stCondLst>
-                                            <p:cond delay="0"/>
-                                          </p:stCondLst>
-                                        </p:cTn>
-                                        <p:tgtEl>
-                                          <p:spTgt spid="6"/>
-                                        </p:tgtEl>
-                                        <p:attrNameLst>
-                                          <p:attrName>style.visibility</p:attrName>
-                                        </p:attrNameLst>
-                                      </p:cBhvr>
-                                      <p:to>
-                                        <p:strVal val="visible"/>
-                                      </p:to>
-                                    </p:set>
-                                  </p:childTnLst>
-                                </p:cTn>
-                              </p:par>
-                            </p:childTnLst>
-                          </p:cTn>
-                        </p:par>
-                      </p:childTnLst>
-                    </p:cTn>
-                  </p:par>
-                  <p:par>
-                    <p:cTn id="15" fill="hold">
-                      <p:stCondLst>
-                        <p:cond delay="indefinite"/>
-                      </p:stCondLst>
-                      <p:childTnLst>
-                        <p:par>
-                          <p:cTn id="16" fill="hold">
-                            <p:stCondLst>
-                              <p:cond delay="0"/>
-                            </p:stCondLst>
-                            <p:childTnLst>
-                              <p:par>
-                                <p:cTn id="17" presetID="1" presetClass="entr" presetSubtype="0" fill="hold" grpId="3" nodeType="clickEffect">
-                                  <p:stCondLst>
-                                    <p:cond delay="0"/>
-                                  </p:stCondLst>
-                                  <p:childTnLst>
-                                    <p:set>
-                                      <p:cBhvr>
-                                        <p:cTn id="18" dur="1" fill="hold">
-                                          <p:stCondLst>
-                                            <p:cond delay="0"/>
-                                          </p:stCondLst>
-                                        </p:cTn>
-                                        <p:tgtEl>
-                                          <p:spTgt spid="6"/>
-                                        </p:tgtEl>
-                                        <p:attrNameLst>
-                                          <p:attrName>style.visibility</p:attrName>
-                                        </p:attrNameLst>
-                                      </p:cBhvr>
-                                      <p:to>
-                                        <p:strVal val="visible"/>
-                                      </p:to>
-                                    </p:set>
-                                  </p:childTnLst>
-                                </p:cTn>
-                              </p:par>
-                            </p:childTnLst>
-                          </p:cTn>
-                        </p:par>
-                      </p:childTnLst>
-                    </p:cTn>
-                  </p:par>
-                  <p:par>
-                    <p:cTn id="19" fill="hold">
-                      <p:stCondLst>
-                        <p:cond delay="indefinite"/>
-                      </p:stCondLst>
-                      <p:childTnLst>
-                        <p:par>
-                          <p:cTn id="20" fill="hold">
-                            <p:stCondLst>
-                              <p:cond delay="0"/>
-                            </p:stCondLst>
-                            <p:childTnLst>
-                              <p:par>
-                                <p:cTn id="21" presetID="1" presetClass="entr" presetSubtype="0" fill="hold" grpId="4" nodeType="clickEffect">
-                                  <p:stCondLst>
-                                    <p:cond delay="0"/>
-                                  </p:stCondLst>
-                                  <p:childTnLst>
-                                    <p:set>
-                                      <p:cBhvr>
-                                        <p:cTn id="22" dur="1" fill="hold">
-                                          <p:stCondLst>
-                                            <p:cond delay="0"/>
-                                          </p:stCondLst>
-                                        </p:cTn>
-                                        <p:tgtEl>
-                                          <p:spTgt spid="6"/>
-                                        </p:tgtEl>
-                                        <p:attrNameLst>
-                                          <p:attrName>style.visibility</p:attrName>
-                                        </p:attrNameLst>
-                                      </p:cBhvr>
-                                      <p:to>
-                                        <p:strVal val="visible"/>
-                                      </p:to>
-                                    </p:set>
-                                  </p:childTnLst>
-                                </p:cTn>
-                              </p:par>
-                            </p:childTnLst>
-                          </p:cTn>
-                        </p:par>
-                      </p:childTnLst>
-                    </p:cTn>
-                  </p:par>
-                  <p:par>
-                    <p:cTn id="23" fill="hold">
-                      <p:stCondLst>
-                        <p:cond delay="indefinite"/>
-                      </p:stCondLst>
-                      <p:childTnLst>
-                        <p:par>
-                          <p:cTn id="24" fill="hold">
-                            <p:stCondLst>
-                              <p:cond delay="0"/>
-                            </p:stCondLst>
-                            <p:childTnLst>
-                              <p:par>
-                                <p:cTn id="25" presetID="1" presetClass="entr" presetSubtype="0" fill="hold" grpId="5" nodeType="clickEffect">
-                                  <p:stCondLst>
-                                    <p:cond delay="0"/>
-                                  </p:stCondLst>
-                                  <p:childTnLst>
-                                    <p:set>
-                                      <p:cBhvr>
-                                        <p:cTn id="26" dur="1" fill="hold">
-                                          <p:stCondLst>
-                                            <p:cond delay="0"/>
-                                          </p:stCondLst>
-                                        </p:cTn>
-                                        <p:tgtEl>
-                                          <p:spTgt spid="6"/>
-                                        </p:tgtEl>
-                                        <p:attrNameLst>
-                                          <p:attrName>style.visibility</p:attrName>
-                                        </p:attrNameLst>
-                                      </p:cBhvr>
-                                      <p:to>
-                                        <p:strVal val="visible"/>
-                                      </p:to>
-                                    </p:set>
-                                  </p:childTnLst>
-                                </p:cTn>
-                              </p:par>
-                            </p:childTnLst>
-                          </p:cTn>
-                        </p:par>
-                      </p:childTnLst>
-                    </p:cTn>
-                  </p:par>
-                  <p:par>
-                    <p:cTn id="27" fill="hold">
-                      <p:stCondLst>
-                        <p:cond delay="indefinite"/>
-                      </p:stCondLst>
-                      <p:childTnLst>
-                        <p:par>
-                          <p:cTn id="28" fill="hold">
-                            <p:stCondLst>
-                              <p:cond delay="0"/>
-                            </p:stCondLst>
-                            <p:childTnLst>
-                              <p:par>
-                                <p:cTn id="29" presetID="1" presetClass="entr" presetSubtype="0" fill="hold" grpId="6" nodeType="clickEffect">
-                                  <p:stCondLst>
-                                    <p:cond delay="0"/>
-                                  </p:stCondLst>
-                                  <p:childTnLst>
-                                    <p:set>
-                                      <p:cBhvr>
-                                        <p:cTn id="30" dur="1" fill="hold">
-                                          <p:stCondLst>
-                                            <p:cond delay="0"/>
-                                          </p:stCondLst>
-                                        </p:cTn>
-                                        <p:tgtEl>
-                                          <p:spTgt spid="6"/>
-                                        </p:tgtEl>
-                                        <p:attrNameLst>
-                                          <p:attrName>style.visibility</p:attrName>
-                                        </p:attrNameLst>
-                                      </p:cBhvr>
-                                      <p:to>
-                                        <p:strVal val="visible"/>
-                                      </p:to>
-                                    </p:set>
-                                  </p:childTnLst>
-                                </p:cTn>
-                              </p:par>
-                            </p:childTnLst>
-                          </p:cTn>
-                        </p:par>
-                      </p:childTnLst>
-                    </p:cTn>
-                  </p:par>
-                  <p:par>
-                    <p:cTn id="31" fill="hold">
-                      <p:stCondLst>
-                        <p:cond delay="indefinite"/>
-                      </p:stCondLst>
-                      <p:childTnLst>
-                        <p:par>
-                          <p:cTn id="32" fill="hold">
-                            <p:stCondLst>
-                              <p:cond delay="0"/>
-                            </p:stCondLst>
-                            <p:childTnLst>
-                              <p:par>
-                                <p:cTn id="33" presetID="1" presetClass="entr" presetSubtype="0" fill="hold" grpId="7" nodeType="clickEffect">
-                                  <p:stCondLst>
-                                    <p:cond delay="0"/>
-                                  </p:stCondLst>
-                                  <p:childTnLst>
-                                    <p:set>
-                                      <p:cBhvr>
-                                        <p:cTn id="34" dur="1" fill="hold">
-                                          <p:stCondLst>
-                                            <p:cond delay="0"/>
-                                          </p:stCondLst>
-                                        </p:cTn>
-                                        <p:tgtEl>
-                                          <p:spTgt spid="6"/>
-                                        </p:tgtEl>
-                                        <p:attrNameLst>
-                                          <p:attrName>style.visibility</p:attrName>
-                                        </p:attrNameLst>
-                                      </p:cBhvr>
-                                      <p:to>
-                                        <p:strVal val="visible"/>
-                                      </p:to>
-                                    </p:set>
-                                  </p:childTnLst>
-                                </p:cTn>
-                              </p:par>
-                            </p:childTnLst>
-                          </p:cTn>
-                        </p:par>
-                      </p:childTnLst>
-                    </p:cTn>
-                  </p:par>
-                  <p:par>
-                    <p:cTn id="35" fill="hold">
-                      <p:stCondLst>
-                        <p:cond delay="indefinite"/>
-                      </p:stCondLst>
-                      <p:childTnLst>
-                        <p:par>
-                          <p:cTn id="36" fill="hold">
-                            <p:stCondLst>
-                              <p:cond delay="0"/>
-                            </p:stCondLst>
-                            <p:childTnLst>
-                              <p:par>
-                                <p:cTn id="37" presetID="1" presetClass="entr" presetSubtype="0" fill="hold" grpId="8" nodeType="clickEffect">
-                                  <p:stCondLst>
-                                    <p:cond delay="0"/>
-                                  </p:stCondLst>
-                                  <p:childTnLst>
-                                    <p:set>
-                                      <p:cBhvr>
-                                        <p:cTn id="38" dur="1" fill="hold">
-                                          <p:stCondLst>
-                                            <p:cond delay="0"/>
-                                          </p:stCondLst>
-                                        </p:cTn>
-                                        <p:tgtEl>
-                                          <p:spTgt spid="6"/>
-                                        </p:tgtEl>
-                                        <p:attrNameLst>
-                                          <p:attrName>style.visibility</p:attrName>
-                                        </p:attrNameLst>
-                                      </p:cBhvr>
-                                      <p:to>
-                                        <p:strVal val="visible"/>
-                                      </p:to>
-                                    </p:set>
-                                  </p:childTnLst>
-                                </p:cTn>
-                              </p:par>
-                            </p:childTnLst>
-                          </p:cTn>
-                        </p:par>
-                      </p:childTnLst>
-                    </p:cTn>
-                  </p:par>
-                  <p:par>
-                    <p:cTn id="39" fill="hold">
-                      <p:stCondLst>
-                        <p:cond delay="indefinite"/>
-                      </p:stCondLst>
-                      <p:childTnLst>
-                        <p:par>
-                          <p:cTn id="40" fill="hold">
-                            <p:stCondLst>
-                              <p:cond delay="0"/>
-                            </p:stCondLst>
-                            <p:childTnLst>
-                              <p:par>
-                                <p:cTn id="41" presetID="1" presetClass="entr" presetSubtype="0" fill="hold" grpId="9" nodeType="clickEffect">
-                                  <p:stCondLst>
-                                    <p:cond delay="0"/>
-                                  </p:stCondLst>
-                                  <p:childTnLst>
-                                    <p:set>
-                                      <p:cBhvr>
-                                        <p:cTn id="42" dur="1" fill="hold">
-                                          <p:stCondLst>
-                                            <p:cond delay="0"/>
-                                          </p:stCondLst>
-                                        </p:cTn>
-                                        <p:tgtEl>
-                                          <p:spTgt spid="6"/>
-                                        </p:tgtEl>
-                                        <p:attrNameLst>
-                                          <p:attrName>style.visibility</p:attrName>
-                                        </p:attrNameLst>
-                                      </p:cBhvr>
-                                      <p:to>
-                                        <p:strVal val="visible"/>
-                                      </p:to>
-                                    </p:set>
-                                  </p:childTnLst>
-                                </p:cTn>
-                              </p:par>
-                            </p:childTnLst>
-                          </p:cTn>
-                        </p:par>
-                      </p:childTnLst>
-                    </p:cTn>
-                  </p:par>
-                  <p:par>
-                    <p:cTn id="43" fill="hold">
-                      <p:stCondLst>
-                        <p:cond delay="indefinite"/>
-                      </p:stCondLst>
-                      <p:childTnLst>
-                        <p:par>
-                          <p:cTn id="44" fill="hold">
-                            <p:stCondLst>
-                              <p:cond delay="0"/>
-                            </p:stCondLst>
-                            <p:childTnLst>
-                              <p:par>
-                                <p:cTn id="45" presetID="1" presetClass="entr" presetSubtype="0" fill="hold" grpId="10" nodeType="clickEffect">
-                                  <p:stCondLst>
-                                    <p:cond delay="0"/>
-                                  </p:stCondLst>
-                                  <p:childTnLst>
-                                    <p:set>
-                                      <p:cBhvr>
-                                        <p:cTn id="46" dur="1" fill="hold">
-                                          <p:stCondLst>
-                                            <p:cond delay="0"/>
-                                          </p:stCondLst>
-                                        </p:cTn>
-                                        <p:tgtEl>
-                                          <p:spTgt spid="6"/>
-                                        </p:tgtEl>
-                                        <p:attrNameLst>
-                                          <p:attrName>style.visibility</p:attrName>
-                                        </p:attrNameLst>
-                                      </p:cBhvr>
-                                      <p:to>
-                                        <p:strVal val="visible"/>
-                                      </p:to>
-                                    </p:set>
-                                  </p:childTnLst>
-                                </p:cTn>
-                              </p:par>
-                            </p:childTnLst>
-                          </p:cTn>
-                        </p:par>
-                      </p:childTnLst>
-                    </p:cTn>
-                  </p:par>
-                </p:childTnLst>
-              </p:cTn>
-              <p:prevCondLst>
-                <p:cond evt="onPrev" delay="0">
-                  <p:tgtEl>
-                    <p:sldTgt/>
-                  </p:tgtEl>
-                </p:cond>
-              </p:prevCondLst>
-              <p:nextCondLst>
-                <p:cond evt="onNext" delay="0">
-                  <p:tgtEl>
-                    <p:sldTgt/>
-                  </p:tgtEl>
-                </p:cond>
-              </p:nextCondLst>
-            </p:seq>
-          </p:childTnLst>
-        </p:cTn>
-      </p:par>
-    </p:tnLst>
-    <p:bldLst>
-      <p:bldP spid="6" grpId="0"/>
-      <p:bldP spid="6" grpId="1"/>
-      <p:bldP spid="6" grpId="2"/>
-      <p:bldP spid="6" grpId="3"/>
-      <p:bldP spid="6" grpId="4"/>
-      <p:bldP spid="6" grpId="5"/>
-      <p:bldP spid="6" grpId="6"/>
-      <p:bldP spid="6" grpId="7"/>
-      <p:bldP spid="6" grpId="8"/>
-      <p:bldP spid="6" grpId="9"/>
-      <p:bldP spid="6" grpId="10"/>
-    </p:bldLst>
-  </p:timing>
 </p:sld>
 </file>
 

--- a/presentation_materials/vision_transformers.pptx
+++ b/presentation_materials/vision_transformers.pptx
@@ -7386,8 +7386,8 @@
         </p:nvSpPr>
         <p:spPr>
           <a:xfrm>
-            <a:off x="6096000" y="882042"/>
-            <a:ext cx="5181600" cy="5892933"/>
+            <a:off x="6096000" y="1920009"/>
+            <a:ext cx="5181600" cy="2911483"/>
           </a:xfrm>
         </p:spPr>
         <p:txBody>
@@ -7396,140 +7396,45 @@
           </a:bodyPr>
           <a:lstStyle/>
           <a:p>
-            <a:pPr marL="0" indent="0">
-              <a:buNone/>
-            </a:pPr>
-            <a:r>
-              <a:rPr lang="en-AU" sz="1200" b="1" dirty="0"/>
-              <a:t>Document-Specific Attention Patterns</a:t>
-            </a:r>
-            <a:r>
-              <a:rPr lang="en-AU" sz="1200" dirty="0"/>
-              <a:t>:</a:t>
-            </a:r>
-          </a:p>
-          <a:p>
-            <a:r>
-              <a:rPr lang="en-AU" sz="1200" b="1" dirty="0"/>
-              <a:t>Supplier Identification</a:t>
-            </a:r>
-            <a:r>
-              <a:rPr lang="en-AU" sz="1200" dirty="0"/>
-              <a:t>: "Hyatt Hotels" header patches strongly attend to each other and ABN</a:t>
-            </a:r>
-          </a:p>
-          <a:p>
-            <a:r>
-              <a:rPr lang="en-AU" sz="1200" b="1" dirty="0"/>
-              <a:t>Amount Verification</a:t>
-            </a:r>
-            <a:r>
-              <a:rPr lang="en-AU" sz="1200" dirty="0"/>
-              <a:t>: "$31.33" total patches attend to line item amounts for validation</a:t>
-            </a:r>
-          </a:p>
-          <a:p>
-            <a:r>
-              <a:rPr lang="en-AU" sz="1200" b="1" dirty="0"/>
-              <a:t>GST Calculation</a:t>
-            </a:r>
-            <a:r>
-              <a:rPr lang="en-AU" sz="1200" dirty="0"/>
-              <a:t>: GST patches attend to subtotal and tax calculation components</a:t>
-            </a:r>
-          </a:p>
-          <a:p>
-            <a:r>
-              <a:rPr lang="en-AU" sz="1200" b="1" dirty="0"/>
-              <a:t>Item Relationships</a:t>
-            </a:r>
-            <a:r>
-              <a:rPr lang="en-AU" sz="1200" dirty="0"/>
-              <a:t>: Line items attend to corresponding prices and quantities</a:t>
-            </a:r>
-          </a:p>
-          <a:p>
-            <a:pPr marL="0" indent="0">
-              <a:buNone/>
-            </a:pPr>
-            <a:r>
-              <a:rPr lang="en-AU" sz="1200" b="1" dirty="0"/>
-              <a:t>Tax Compliance Applications</a:t>
-            </a:r>
-            <a:r>
-              <a:rPr lang="en-AU" sz="1200" dirty="0"/>
-              <a:t>:</a:t>
-            </a:r>
-          </a:p>
-          <a:p>
-            <a:r>
-              <a:rPr lang="en-AU" sz="1200" b="1" dirty="0"/>
-              <a:t>Cross-Validation</a:t>
-            </a:r>
-            <a:r>
-              <a:rPr lang="en-AU" sz="1200" dirty="0"/>
-              <a:t>: Total amount attention to line items enables automatic verification</a:t>
-            </a:r>
-          </a:p>
-          <a:p>
-            <a:r>
-              <a:rPr lang="en-AU" sz="1200" b="1" dirty="0"/>
-              <a:t>Supplier Validation</a:t>
-            </a:r>
-            <a:r>
-              <a:rPr lang="en-AU" sz="1200" dirty="0"/>
-              <a:t>: Business name attention to ABN confirms entity legitimacy</a:t>
-            </a:r>
-          </a:p>
-          <a:p>
-            <a:r>
-              <a:rPr lang="en-AU" sz="1200" b="1" dirty="0"/>
-              <a:t>Category Recognition</a:t>
-            </a:r>
-            <a:r>
-              <a:rPr lang="en-AU" sz="1200" dirty="0"/>
-              <a:t>: Item descriptions attend to amounts for expense classification</a:t>
-            </a:r>
-          </a:p>
-          <a:p>
-            <a:r>
-              <a:rPr lang="en-AU" sz="1200" b="1" dirty="0"/>
-              <a:t>Date Verification</a:t>
-            </a:r>
-            <a:r>
-              <a:rPr lang="en-AU" sz="1200" dirty="0"/>
-              <a:t>: Transaction date attention to supplier for temporal validation</a:t>
-            </a:r>
-          </a:p>
-          <a:p>
-            <a:pPr marL="0" indent="0">
-              <a:buNone/>
-            </a:pPr>
-            <a:r>
-              <a:rPr lang="en-AU" sz="1200" b="1" dirty="0"/>
-              <a:t>Real Example from Hyatt Hotels Receipt</a:t>
-            </a:r>
-            <a:r>
-              <a:rPr lang="en-AU" sz="1200" dirty="0"/>
-              <a:t>:</a:t>
-            </a:r>
-          </a:p>
-          <a:p>
-            <a:r>
-              <a:rPr lang="en-AU" sz="1200" dirty="0"/>
+            <a:r>
+              <a:rPr lang="en-AU" sz="1600" b="1" dirty="0"/>
+              <a:t>Real Example from Hyatt Hotels </a:t>
+            </a:r>
+            <a:r>
+              <a:rPr lang="en-AU" sz="1600" b="1" dirty="0" err="1"/>
+              <a:t>ReceiptReal</a:t>
+            </a:r>
+            <a:r>
+              <a:rPr lang="en-AU" sz="1600" b="1" dirty="0"/>
+              <a:t> Example from Hyatt Hotels Receipt</a:t>
+            </a:r>
+          </a:p>
+          <a:p>
+            <a:r>
+              <a:rPr lang="en-AU" sz="1600" dirty="0"/>
               <a:t>"TOTAL $31.33" patches attend to: Line items (0.85), GST calculation (0.78), Subtotal (0.92)</a:t>
             </a:r>
           </a:p>
           <a:p>
             <a:r>
-              <a:rPr lang="en-AU" sz="1200" dirty="0"/>
+              <a:rPr lang="en-AU" sz="1600" dirty="0"/>
               <a:t>"Hyatt Hotels" patches attend to: ABN number (0.91), Address (0.67), Logo (0.88)</a:t>
             </a:r>
           </a:p>
           <a:p>
             <a:r>
-              <a:rPr lang="en-AU" sz="1200" dirty="0"/>
+              <a:rPr lang="en-AU" sz="1600" dirty="0"/>
               <a:t>"GST $2.85" patches attend to: Subtotal $28.48 (0.94), Tax rate calculation (0.89)</a:t>
+            </a:r>
+          </a:p>
+          <a:p>
+            <a:r>
+              <a:rPr lang="en-AU" sz="1600" b="1" dirty="0"/>
+              <a:t>Key Insight</a:t>
+            </a:r>
+            <a:r>
+              <a:rPr lang="en-AU" sz="1600" dirty="0"/>
+              <a:t>: Attention naturally models tax document verification requirements</a:t>
             </a:r>
           </a:p>
         </p:txBody>
@@ -7777,447 +7682,6 @@
                                           <p:spTgt spid="4">
                                             <p:txEl>
                                               <p:pRg st="4" end="4"/>
-                                            </p:txEl>
-                                          </p:spTgt>
-                                        </p:tgtEl>
-                                        <p:attrNameLst>
-                                          <p:attrName>style.visibility</p:attrName>
-                                        </p:attrNameLst>
-                                      </p:cBhvr>
-                                      <p:to>
-                                        <p:strVal val="visible"/>
-                                      </p:to>
-                                    </p:set>
-                                  </p:childTnLst>
-                                </p:cTn>
-                              </p:par>
-                            </p:childTnLst>
-                          </p:cTn>
-                        </p:par>
-                      </p:childTnLst>
-                    </p:cTn>
-                  </p:par>
-                  <p:par>
-                    <p:cTn id="23" fill="hold">
-                      <p:stCondLst>
-                        <p:cond delay="indefinite"/>
-                      </p:stCondLst>
-                      <p:childTnLst>
-                        <p:par>
-                          <p:cTn id="24" fill="hold">
-                            <p:stCondLst>
-                              <p:cond delay="0"/>
-                            </p:stCondLst>
-                            <p:childTnLst>
-                              <p:par>
-                                <p:cTn id="25" presetID="1" presetClass="entr" presetSubtype="0" fill="hold" grpId="0" nodeType="clickEffect">
-                                  <p:stCondLst>
-                                    <p:cond delay="0"/>
-                                  </p:stCondLst>
-                                  <p:childTnLst>
-                                    <p:set>
-                                      <p:cBhvr>
-                                        <p:cTn id="26" dur="1" fill="hold">
-                                          <p:stCondLst>
-                                            <p:cond delay="0"/>
-                                          </p:stCondLst>
-                                        </p:cTn>
-                                        <p:tgtEl>
-                                          <p:spTgt spid="4">
-                                            <p:txEl>
-                                              <p:pRg st="5" end="5"/>
-                                            </p:txEl>
-                                          </p:spTgt>
-                                        </p:tgtEl>
-                                        <p:attrNameLst>
-                                          <p:attrName>style.visibility</p:attrName>
-                                        </p:attrNameLst>
-                                      </p:cBhvr>
-                                      <p:to>
-                                        <p:strVal val="visible"/>
-                                      </p:to>
-                                    </p:set>
-                                  </p:childTnLst>
-                                </p:cTn>
-                              </p:par>
-                            </p:childTnLst>
-                          </p:cTn>
-                        </p:par>
-                      </p:childTnLst>
-                    </p:cTn>
-                  </p:par>
-                  <p:par>
-                    <p:cTn id="27" fill="hold">
-                      <p:stCondLst>
-                        <p:cond delay="indefinite"/>
-                      </p:stCondLst>
-                      <p:childTnLst>
-                        <p:par>
-                          <p:cTn id="28" fill="hold">
-                            <p:stCondLst>
-                              <p:cond delay="0"/>
-                            </p:stCondLst>
-                            <p:childTnLst>
-                              <p:par>
-                                <p:cTn id="29" presetID="1" presetClass="entr" presetSubtype="0" fill="hold" grpId="0" nodeType="clickEffect">
-                                  <p:stCondLst>
-                                    <p:cond delay="0"/>
-                                  </p:stCondLst>
-                                  <p:childTnLst>
-                                    <p:set>
-                                      <p:cBhvr>
-                                        <p:cTn id="30" dur="1" fill="hold">
-                                          <p:stCondLst>
-                                            <p:cond delay="0"/>
-                                          </p:stCondLst>
-                                        </p:cTn>
-                                        <p:tgtEl>
-                                          <p:spTgt spid="4">
-                                            <p:txEl>
-                                              <p:pRg st="6" end="6"/>
-                                            </p:txEl>
-                                          </p:spTgt>
-                                        </p:tgtEl>
-                                        <p:attrNameLst>
-                                          <p:attrName>style.visibility</p:attrName>
-                                        </p:attrNameLst>
-                                      </p:cBhvr>
-                                      <p:to>
-                                        <p:strVal val="visible"/>
-                                      </p:to>
-                                    </p:set>
-                                  </p:childTnLst>
-                                </p:cTn>
-                              </p:par>
-                            </p:childTnLst>
-                          </p:cTn>
-                        </p:par>
-                      </p:childTnLst>
-                    </p:cTn>
-                  </p:par>
-                  <p:par>
-                    <p:cTn id="31" fill="hold">
-                      <p:stCondLst>
-                        <p:cond delay="indefinite"/>
-                      </p:stCondLst>
-                      <p:childTnLst>
-                        <p:par>
-                          <p:cTn id="32" fill="hold">
-                            <p:stCondLst>
-                              <p:cond delay="0"/>
-                            </p:stCondLst>
-                            <p:childTnLst>
-                              <p:par>
-                                <p:cTn id="33" presetID="1" presetClass="entr" presetSubtype="0" fill="hold" grpId="0" nodeType="clickEffect">
-                                  <p:stCondLst>
-                                    <p:cond delay="0"/>
-                                  </p:stCondLst>
-                                  <p:childTnLst>
-                                    <p:set>
-                                      <p:cBhvr>
-                                        <p:cTn id="34" dur="1" fill="hold">
-                                          <p:stCondLst>
-                                            <p:cond delay="0"/>
-                                          </p:stCondLst>
-                                        </p:cTn>
-                                        <p:tgtEl>
-                                          <p:spTgt spid="4">
-                                            <p:txEl>
-                                              <p:pRg st="7" end="7"/>
-                                            </p:txEl>
-                                          </p:spTgt>
-                                        </p:tgtEl>
-                                        <p:attrNameLst>
-                                          <p:attrName>style.visibility</p:attrName>
-                                        </p:attrNameLst>
-                                      </p:cBhvr>
-                                      <p:to>
-                                        <p:strVal val="visible"/>
-                                      </p:to>
-                                    </p:set>
-                                  </p:childTnLst>
-                                </p:cTn>
-                              </p:par>
-                            </p:childTnLst>
-                          </p:cTn>
-                        </p:par>
-                      </p:childTnLst>
-                    </p:cTn>
-                  </p:par>
-                  <p:par>
-                    <p:cTn id="35" fill="hold">
-                      <p:stCondLst>
-                        <p:cond delay="indefinite"/>
-                      </p:stCondLst>
-                      <p:childTnLst>
-                        <p:par>
-                          <p:cTn id="36" fill="hold">
-                            <p:stCondLst>
-                              <p:cond delay="0"/>
-                            </p:stCondLst>
-                            <p:childTnLst>
-                              <p:par>
-                                <p:cTn id="37" presetID="1" presetClass="entr" presetSubtype="0" fill="hold" grpId="0" nodeType="clickEffect">
-                                  <p:stCondLst>
-                                    <p:cond delay="0"/>
-                                  </p:stCondLst>
-                                  <p:childTnLst>
-                                    <p:set>
-                                      <p:cBhvr>
-                                        <p:cTn id="38" dur="1" fill="hold">
-                                          <p:stCondLst>
-                                            <p:cond delay="0"/>
-                                          </p:stCondLst>
-                                        </p:cTn>
-                                        <p:tgtEl>
-                                          <p:spTgt spid="4">
-                                            <p:txEl>
-                                              <p:pRg st="8" end="8"/>
-                                            </p:txEl>
-                                          </p:spTgt>
-                                        </p:tgtEl>
-                                        <p:attrNameLst>
-                                          <p:attrName>style.visibility</p:attrName>
-                                        </p:attrNameLst>
-                                      </p:cBhvr>
-                                      <p:to>
-                                        <p:strVal val="visible"/>
-                                      </p:to>
-                                    </p:set>
-                                  </p:childTnLst>
-                                </p:cTn>
-                              </p:par>
-                            </p:childTnLst>
-                          </p:cTn>
-                        </p:par>
-                      </p:childTnLst>
-                    </p:cTn>
-                  </p:par>
-                  <p:par>
-                    <p:cTn id="39" fill="hold">
-                      <p:stCondLst>
-                        <p:cond delay="indefinite"/>
-                      </p:stCondLst>
-                      <p:childTnLst>
-                        <p:par>
-                          <p:cTn id="40" fill="hold">
-                            <p:stCondLst>
-                              <p:cond delay="0"/>
-                            </p:stCondLst>
-                            <p:childTnLst>
-                              <p:par>
-                                <p:cTn id="41" presetID="1" presetClass="entr" presetSubtype="0" fill="hold" grpId="0" nodeType="clickEffect">
-                                  <p:stCondLst>
-                                    <p:cond delay="0"/>
-                                  </p:stCondLst>
-                                  <p:childTnLst>
-                                    <p:set>
-                                      <p:cBhvr>
-                                        <p:cTn id="42" dur="1" fill="hold">
-                                          <p:stCondLst>
-                                            <p:cond delay="0"/>
-                                          </p:stCondLst>
-                                        </p:cTn>
-                                        <p:tgtEl>
-                                          <p:spTgt spid="4">
-                                            <p:txEl>
-                                              <p:pRg st="9" end="9"/>
-                                            </p:txEl>
-                                          </p:spTgt>
-                                        </p:tgtEl>
-                                        <p:attrNameLst>
-                                          <p:attrName>style.visibility</p:attrName>
-                                        </p:attrNameLst>
-                                      </p:cBhvr>
-                                      <p:to>
-                                        <p:strVal val="visible"/>
-                                      </p:to>
-                                    </p:set>
-                                  </p:childTnLst>
-                                </p:cTn>
-                              </p:par>
-                            </p:childTnLst>
-                          </p:cTn>
-                        </p:par>
-                      </p:childTnLst>
-                    </p:cTn>
-                  </p:par>
-                  <p:par>
-                    <p:cTn id="43" fill="hold">
-                      <p:stCondLst>
-                        <p:cond delay="indefinite"/>
-                      </p:stCondLst>
-                      <p:childTnLst>
-                        <p:par>
-                          <p:cTn id="44" fill="hold">
-                            <p:stCondLst>
-                              <p:cond delay="0"/>
-                            </p:stCondLst>
-                            <p:childTnLst>
-                              <p:par>
-                                <p:cTn id="45" presetID="1" presetClass="entr" presetSubtype="0" fill="hold" grpId="0" nodeType="clickEffect">
-                                  <p:stCondLst>
-                                    <p:cond delay="0"/>
-                                  </p:stCondLst>
-                                  <p:childTnLst>
-                                    <p:set>
-                                      <p:cBhvr>
-                                        <p:cTn id="46" dur="1" fill="hold">
-                                          <p:stCondLst>
-                                            <p:cond delay="0"/>
-                                          </p:stCondLst>
-                                        </p:cTn>
-                                        <p:tgtEl>
-                                          <p:spTgt spid="4">
-                                            <p:txEl>
-                                              <p:pRg st="10" end="10"/>
-                                            </p:txEl>
-                                          </p:spTgt>
-                                        </p:tgtEl>
-                                        <p:attrNameLst>
-                                          <p:attrName>style.visibility</p:attrName>
-                                        </p:attrNameLst>
-                                      </p:cBhvr>
-                                      <p:to>
-                                        <p:strVal val="visible"/>
-                                      </p:to>
-                                    </p:set>
-                                  </p:childTnLst>
-                                </p:cTn>
-                              </p:par>
-                            </p:childTnLst>
-                          </p:cTn>
-                        </p:par>
-                      </p:childTnLst>
-                    </p:cTn>
-                  </p:par>
-                  <p:par>
-                    <p:cTn id="47" fill="hold">
-                      <p:stCondLst>
-                        <p:cond delay="indefinite"/>
-                      </p:stCondLst>
-                      <p:childTnLst>
-                        <p:par>
-                          <p:cTn id="48" fill="hold">
-                            <p:stCondLst>
-                              <p:cond delay="0"/>
-                            </p:stCondLst>
-                            <p:childTnLst>
-                              <p:par>
-                                <p:cTn id="49" presetID="1" presetClass="entr" presetSubtype="0" fill="hold" grpId="0" nodeType="clickEffect">
-                                  <p:stCondLst>
-                                    <p:cond delay="0"/>
-                                  </p:stCondLst>
-                                  <p:childTnLst>
-                                    <p:set>
-                                      <p:cBhvr>
-                                        <p:cTn id="50" dur="1" fill="hold">
-                                          <p:stCondLst>
-                                            <p:cond delay="0"/>
-                                          </p:stCondLst>
-                                        </p:cTn>
-                                        <p:tgtEl>
-                                          <p:spTgt spid="4">
-                                            <p:txEl>
-                                              <p:pRg st="11" end="11"/>
-                                            </p:txEl>
-                                          </p:spTgt>
-                                        </p:tgtEl>
-                                        <p:attrNameLst>
-                                          <p:attrName>style.visibility</p:attrName>
-                                        </p:attrNameLst>
-                                      </p:cBhvr>
-                                      <p:to>
-                                        <p:strVal val="visible"/>
-                                      </p:to>
-                                    </p:set>
-                                  </p:childTnLst>
-                                </p:cTn>
-                              </p:par>
-                            </p:childTnLst>
-                          </p:cTn>
-                        </p:par>
-                      </p:childTnLst>
-                    </p:cTn>
-                  </p:par>
-                  <p:par>
-                    <p:cTn id="51" fill="hold">
-                      <p:stCondLst>
-                        <p:cond delay="indefinite"/>
-                      </p:stCondLst>
-                      <p:childTnLst>
-                        <p:par>
-                          <p:cTn id="52" fill="hold">
-                            <p:stCondLst>
-                              <p:cond delay="0"/>
-                            </p:stCondLst>
-                            <p:childTnLst>
-                              <p:par>
-                                <p:cTn id="53" presetID="1" presetClass="entr" presetSubtype="0" fill="hold" grpId="0" nodeType="clickEffect">
-                                  <p:stCondLst>
-                                    <p:cond delay="0"/>
-                                  </p:stCondLst>
-                                  <p:childTnLst>
-                                    <p:set>
-                                      <p:cBhvr>
-                                        <p:cTn id="54" dur="1" fill="hold">
-                                          <p:stCondLst>
-                                            <p:cond delay="0"/>
-                                          </p:stCondLst>
-                                        </p:cTn>
-                                        <p:tgtEl>
-                                          <p:spTgt spid="4">
-                                            <p:txEl>
-                                              <p:pRg st="12" end="12"/>
-                                            </p:txEl>
-                                          </p:spTgt>
-                                        </p:tgtEl>
-                                        <p:attrNameLst>
-                                          <p:attrName>style.visibility</p:attrName>
-                                        </p:attrNameLst>
-                                      </p:cBhvr>
-                                      <p:to>
-                                        <p:strVal val="visible"/>
-                                      </p:to>
-                                    </p:set>
-                                  </p:childTnLst>
-                                </p:cTn>
-                              </p:par>
-                            </p:childTnLst>
-                          </p:cTn>
-                        </p:par>
-                      </p:childTnLst>
-                    </p:cTn>
-                  </p:par>
-                  <p:par>
-                    <p:cTn id="55" fill="hold">
-                      <p:stCondLst>
-                        <p:cond delay="indefinite"/>
-                      </p:stCondLst>
-                      <p:childTnLst>
-                        <p:par>
-                          <p:cTn id="56" fill="hold">
-                            <p:stCondLst>
-                              <p:cond delay="0"/>
-                            </p:stCondLst>
-                            <p:childTnLst>
-                              <p:par>
-                                <p:cTn id="57" presetID="1" presetClass="entr" presetSubtype="0" fill="hold" grpId="0" nodeType="clickEffect">
-                                  <p:stCondLst>
-                                    <p:cond delay="0"/>
-                                  </p:stCondLst>
-                                  <p:childTnLst>
-                                    <p:set>
-                                      <p:cBhvr>
-                                        <p:cTn id="58" dur="1" fill="hold">
-                                          <p:stCondLst>
-                                            <p:cond delay="0"/>
-                                          </p:stCondLst>
-                                        </p:cTn>
-                                        <p:tgtEl>
-                                          <p:spTgt spid="4">
-                                            <p:txEl>
-                                              <p:pRg st="13" end="13"/>
                                             </p:txEl>
                                           </p:spTgt>
                                         </p:tgtEl>
@@ -14343,7 +13807,7 @@
         </p:spPr>
         <p:txBody>
           <a:bodyPr>
-            <a:normAutofit fontScale="77500" lnSpcReduction="20000"/>
+            <a:normAutofit fontScale="62500" lnSpcReduction="20000"/>
           </a:bodyPr>
           <a:lstStyle/>
           <a:p>
@@ -14370,7 +13834,6 @@
             </a:r>
           </a:p>
           <a:p>
-            <a:pPr lvl="1"/>
             <a:r>
               <a:rPr lang="en-AU" b="1" dirty="0"/>
               <a:t>Architecture</a:t>
@@ -14381,7 +13844,6 @@
             </a:r>
           </a:p>
           <a:p>
-            <a:pPr lvl="1"/>
             <a:r>
               <a:rPr lang="en-AU" b="1" dirty="0"/>
               <a:t>Purpose</a:t>
@@ -14392,7 +13854,6 @@
             </a:r>
           </a:p>
           <a:p>
-            <a:pPr lvl="1"/>
             <a:r>
               <a:rPr lang="en-AU" b="1" dirty="0"/>
               <a:t>Output</a:t>
@@ -14403,7 +13864,6 @@
             </a:r>
           </a:p>
           <a:p>
-            <a:pPr lvl="1"/>
             <a:r>
               <a:rPr lang="en-AU" b="1" dirty="0"/>
               <a:t>Innovation</a:t>
@@ -14414,6 +13874,9 @@
             </a:r>
           </a:p>
           <a:p>
+            <a:pPr marL="0" indent="0">
+              <a:buNone/>
+            </a:pPr>
             <a:r>
               <a:rPr lang="en-AU" b="1" dirty="0"/>
               <a:t>Modern Vision-Language Models (2024)</a:t>
@@ -14424,7 +13887,6 @@
             </a:r>
           </a:p>
           <a:p>
-            <a:pPr lvl="1"/>
             <a:r>
               <a:rPr lang="en-AU" b="1" dirty="0"/>
               <a:t>Architecture</a:t>
@@ -14435,7 +13897,6 @@
             </a:r>
           </a:p>
           <a:p>
-            <a:pPr lvl="1"/>
             <a:r>
               <a:rPr lang="en-AU" b="1" dirty="0"/>
               <a:t>Purpose</a:t>
@@ -14446,7 +13907,6 @@
             </a:r>
           </a:p>
           <a:p>
-            <a:pPr lvl="1"/>
             <a:r>
               <a:rPr lang="en-AU" b="1" dirty="0"/>
               <a:t>Output</a:t>
@@ -14457,7 +13917,6 @@
             </a:r>
           </a:p>
           <a:p>
-            <a:pPr lvl="1"/>
             <a:r>
               <a:rPr lang="en-AU" b="1" dirty="0"/>
               <a:t>Our Models</a:t>
@@ -14468,6 +13927,9 @@
             </a:r>
           </a:p>
           <a:p>
+            <a:pPr marL="0" indent="0">
+              <a:buNone/>
+            </a:pPr>
             <a:r>
               <a:rPr lang="en-AU" b="1" dirty="0"/>
               <a:t>Key Evolution for Tax Processing</a:t>
@@ -14502,6 +13964,9 @@
             </a:r>
           </a:p>
           <a:p>
+            <a:pPr marL="0" indent="0">
+              <a:buNone/>
+            </a:pPr>
             <a:r>
               <a:rPr lang="en-AU" b="1" dirty="0"/>
               <a:t>Technical Architecture</a:t>
@@ -14623,15 +14088,33 @@
                                   </p:childTnLst>
                                 </p:cTn>
                               </p:par>
+                            </p:childTnLst>
+                          </p:cTn>
+                        </p:par>
+                      </p:childTnLst>
+                    </p:cTn>
+                  </p:par>
+                  <p:par>
+                    <p:cTn id="11" fill="hold">
+                      <p:stCondLst>
+                        <p:cond delay="indefinite"/>
+                      </p:stCondLst>
+                      <p:childTnLst>
+                        <p:par>
+                          <p:cTn id="12" fill="hold">
+                            <p:stCondLst>
+                              <p:cond delay="0"/>
+                            </p:stCondLst>
+                            <p:childTnLst>
                               <p:par>
-                                <p:cTn id="11" presetID="1" presetClass="entr" presetSubtype="0" fill="hold" grpId="0" nodeType="withEffect">
+                                <p:cTn id="13" presetID="1" presetClass="entr" presetSubtype="0" fill="hold" grpId="0" nodeType="clickEffect">
                                   <p:stCondLst>
                                     <p:cond delay="0"/>
                                   </p:stCondLst>
                                   <p:childTnLst>
                                     <p:set>
                                       <p:cBhvr>
-                                        <p:cTn id="12" dur="1" fill="hold">
+                                        <p:cTn id="14" dur="1" fill="hold">
                                           <p:stCondLst>
                                             <p:cond delay="0"/>
                                           </p:stCondLst>
@@ -14654,70 +14137,26 @@
                                   </p:childTnLst>
                                 </p:cTn>
                               </p:par>
+                            </p:childTnLst>
+                          </p:cTn>
+                        </p:par>
+                      </p:childTnLst>
+                    </p:cTn>
+                  </p:par>
+                  <p:par>
+                    <p:cTn id="15" fill="hold">
+                      <p:stCondLst>
+                        <p:cond delay="indefinite"/>
+                      </p:stCondLst>
+                      <p:childTnLst>
+                        <p:par>
+                          <p:cTn id="16" fill="hold">
+                            <p:stCondLst>
+                              <p:cond delay="0"/>
+                            </p:stCondLst>
+                            <p:childTnLst>
                               <p:par>
-                                <p:cTn id="13" presetID="1" presetClass="entr" presetSubtype="0" fill="hold" grpId="0" nodeType="withEffect">
-                                  <p:stCondLst>
-                                    <p:cond delay="0"/>
-                                  </p:stCondLst>
-                                  <p:childTnLst>
-                                    <p:set>
-                                      <p:cBhvr>
-                                        <p:cTn id="14" dur="1" fill="hold">
-                                          <p:stCondLst>
-                                            <p:cond delay="0"/>
-                                          </p:stCondLst>
-                                        </p:cTn>
-                                        <p:tgtEl>
-                                          <p:spTgt spid="3">
-                                            <p:txEl>
-                                              <p:pRg st="3" end="3"/>
-                                            </p:txEl>
-                                          </p:spTgt>
-                                        </p:tgtEl>
-                                        <p:attrNameLst>
-                                          <p:attrName>style.visibility</p:attrName>
-                                        </p:attrNameLst>
-                                      </p:cBhvr>
-                                      <p:to>
-                                        <p:strVal val="visible"/>
-                                      </p:to>
-                                    </p:set>
-                                  </p:childTnLst>
-                                </p:cTn>
-                              </p:par>
-                              <p:par>
-                                <p:cTn id="15" presetID="1" presetClass="entr" presetSubtype="0" fill="hold" grpId="0" nodeType="withEffect">
-                                  <p:stCondLst>
-                                    <p:cond delay="0"/>
-                                  </p:stCondLst>
-                                  <p:childTnLst>
-                                    <p:set>
-                                      <p:cBhvr>
-                                        <p:cTn id="16" dur="1" fill="hold">
-                                          <p:stCondLst>
-                                            <p:cond delay="0"/>
-                                          </p:stCondLst>
-                                        </p:cTn>
-                                        <p:tgtEl>
-                                          <p:spTgt spid="3">
-                                            <p:txEl>
-                                              <p:pRg st="4" end="4"/>
-                                            </p:txEl>
-                                          </p:spTgt>
-                                        </p:tgtEl>
-                                        <p:attrNameLst>
-                                          <p:attrName>style.visibility</p:attrName>
-                                        </p:attrNameLst>
-                                      </p:cBhvr>
-                                      <p:to>
-                                        <p:strVal val="visible"/>
-                                      </p:to>
-                                    </p:set>
-                                  </p:childTnLst>
-                                </p:cTn>
-                              </p:par>
-                              <p:par>
-                                <p:cTn id="17" presetID="1" presetClass="entr" presetSubtype="0" fill="hold" grpId="0" nodeType="withEffect">
+                                <p:cTn id="17" presetID="1" presetClass="entr" presetSubtype="0" fill="hold" grpId="0" nodeType="clickEffect">
                                   <p:stCondLst>
                                     <p:cond delay="0"/>
                                   </p:stCondLst>
@@ -14732,7 +14171,7 @@
                                         <p:tgtEl>
                                           <p:spTgt spid="3">
                                             <p:txEl>
-                                              <p:pRg st="5" end="5"/>
+                                              <p:pRg st="3" end="3"/>
                                             </p:txEl>
                                           </p:spTgt>
                                         </p:tgtEl>
@@ -14781,7 +14220,7 @@
                                         <p:tgtEl>
                                           <p:spTgt spid="3">
                                             <p:txEl>
-                                              <p:pRg st="6" end="6"/>
+                                              <p:pRg st="4" end="4"/>
                                             </p:txEl>
                                           </p:spTgt>
                                         </p:tgtEl>
@@ -14796,15 +14235,33 @@
                                   </p:childTnLst>
                                 </p:cTn>
                               </p:par>
+                            </p:childTnLst>
+                          </p:cTn>
+                        </p:par>
+                      </p:childTnLst>
+                    </p:cTn>
+                  </p:par>
+                  <p:par>
+                    <p:cTn id="23" fill="hold">
+                      <p:stCondLst>
+                        <p:cond delay="indefinite"/>
+                      </p:stCondLst>
+                      <p:childTnLst>
+                        <p:par>
+                          <p:cTn id="24" fill="hold">
+                            <p:stCondLst>
+                              <p:cond delay="0"/>
+                            </p:stCondLst>
+                            <p:childTnLst>
                               <p:par>
-                                <p:cTn id="23" presetID="1" presetClass="entr" presetSubtype="0" fill="hold" grpId="0" nodeType="withEffect">
+                                <p:cTn id="25" presetID="1" presetClass="entr" presetSubtype="0" fill="hold" grpId="0" nodeType="clickEffect">
                                   <p:stCondLst>
                                     <p:cond delay="0"/>
                                   </p:stCondLst>
                                   <p:childTnLst>
                                     <p:set>
                                       <p:cBhvr>
-                                        <p:cTn id="24" dur="1" fill="hold">
+                                        <p:cTn id="26" dur="1" fill="hold">
                                           <p:stCondLst>
                                             <p:cond delay="0"/>
                                           </p:stCondLst>
@@ -14812,7 +14269,7 @@
                                         <p:tgtEl>
                                           <p:spTgt spid="3">
                                             <p:txEl>
-                                              <p:pRg st="7" end="7"/>
+                                              <p:pRg st="5" end="5"/>
                                             </p:txEl>
                                           </p:spTgt>
                                         </p:tgtEl>
@@ -14827,70 +14284,26 @@
                                   </p:childTnLst>
                                 </p:cTn>
                               </p:par>
+                            </p:childTnLst>
+                          </p:cTn>
+                        </p:par>
+                      </p:childTnLst>
+                    </p:cTn>
+                  </p:par>
+                  <p:par>
+                    <p:cTn id="27" fill="hold">
+                      <p:stCondLst>
+                        <p:cond delay="indefinite"/>
+                      </p:stCondLst>
+                      <p:childTnLst>
+                        <p:par>
+                          <p:cTn id="28" fill="hold">
+                            <p:stCondLst>
+                              <p:cond delay="0"/>
+                            </p:stCondLst>
+                            <p:childTnLst>
                               <p:par>
-                                <p:cTn id="25" presetID="1" presetClass="entr" presetSubtype="0" fill="hold" grpId="0" nodeType="withEffect">
-                                  <p:stCondLst>
-                                    <p:cond delay="0"/>
-                                  </p:stCondLst>
-                                  <p:childTnLst>
-                                    <p:set>
-                                      <p:cBhvr>
-                                        <p:cTn id="26" dur="1" fill="hold">
-                                          <p:stCondLst>
-                                            <p:cond delay="0"/>
-                                          </p:stCondLst>
-                                        </p:cTn>
-                                        <p:tgtEl>
-                                          <p:spTgt spid="3">
-                                            <p:txEl>
-                                              <p:pRg st="8" end="8"/>
-                                            </p:txEl>
-                                          </p:spTgt>
-                                        </p:tgtEl>
-                                        <p:attrNameLst>
-                                          <p:attrName>style.visibility</p:attrName>
-                                        </p:attrNameLst>
-                                      </p:cBhvr>
-                                      <p:to>
-                                        <p:strVal val="visible"/>
-                                      </p:to>
-                                    </p:set>
-                                  </p:childTnLst>
-                                </p:cTn>
-                              </p:par>
-                              <p:par>
-                                <p:cTn id="27" presetID="1" presetClass="entr" presetSubtype="0" fill="hold" grpId="0" nodeType="withEffect">
-                                  <p:stCondLst>
-                                    <p:cond delay="0"/>
-                                  </p:stCondLst>
-                                  <p:childTnLst>
-                                    <p:set>
-                                      <p:cBhvr>
-                                        <p:cTn id="28" dur="1" fill="hold">
-                                          <p:stCondLst>
-                                            <p:cond delay="0"/>
-                                          </p:stCondLst>
-                                        </p:cTn>
-                                        <p:tgtEl>
-                                          <p:spTgt spid="3">
-                                            <p:txEl>
-                                              <p:pRg st="9" end="9"/>
-                                            </p:txEl>
-                                          </p:spTgt>
-                                        </p:tgtEl>
-                                        <p:attrNameLst>
-                                          <p:attrName>style.visibility</p:attrName>
-                                        </p:attrNameLst>
-                                      </p:cBhvr>
-                                      <p:to>
-                                        <p:strVal val="visible"/>
-                                      </p:to>
-                                    </p:set>
-                                  </p:childTnLst>
-                                </p:cTn>
-                              </p:par>
-                              <p:par>
-                                <p:cTn id="29" presetID="1" presetClass="entr" presetSubtype="0" fill="hold" grpId="0" nodeType="withEffect">
+                                <p:cTn id="29" presetID="1" presetClass="entr" presetSubtype="0" fill="hold" grpId="0" nodeType="clickEffect">
                                   <p:stCondLst>
                                     <p:cond delay="0"/>
                                   </p:stCondLst>
@@ -14905,7 +14318,7 @@
                                         <p:tgtEl>
                                           <p:spTgt spid="3">
                                             <p:txEl>
-                                              <p:pRg st="10" end="10"/>
+                                              <p:pRg st="6" end="6"/>
                                             </p:txEl>
                                           </p:spTgt>
                                         </p:tgtEl>
@@ -14954,7 +14367,7 @@
                                         <p:tgtEl>
                                           <p:spTgt spid="3">
                                             <p:txEl>
-                                              <p:pRg st="11" end="11"/>
+                                              <p:pRg st="7" end="7"/>
                                             </p:txEl>
                                           </p:spTgt>
                                         </p:tgtEl>
@@ -15003,7 +14416,7 @@
                                         <p:tgtEl>
                                           <p:spTgt spid="3">
                                             <p:txEl>
-                                              <p:pRg st="12" end="12"/>
+                                              <p:pRg st="8" end="8"/>
                                             </p:txEl>
                                           </p:spTgt>
                                         </p:tgtEl>
@@ -15052,7 +14465,7 @@
                                         <p:tgtEl>
                                           <p:spTgt spid="3">
                                             <p:txEl>
-                                              <p:pRg st="13" end="13"/>
+                                              <p:pRg st="9" end="9"/>
                                             </p:txEl>
                                           </p:spTgt>
                                         </p:tgtEl>
@@ -15094,6 +14507,202 @@
                                     <p:set>
                                       <p:cBhvr>
                                         <p:cTn id="46" dur="1" fill="hold">
+                                          <p:stCondLst>
+                                            <p:cond delay="0"/>
+                                          </p:stCondLst>
+                                        </p:cTn>
+                                        <p:tgtEl>
+                                          <p:spTgt spid="3">
+                                            <p:txEl>
+                                              <p:pRg st="10" end="10"/>
+                                            </p:txEl>
+                                          </p:spTgt>
+                                        </p:tgtEl>
+                                        <p:attrNameLst>
+                                          <p:attrName>style.visibility</p:attrName>
+                                        </p:attrNameLst>
+                                      </p:cBhvr>
+                                      <p:to>
+                                        <p:strVal val="visible"/>
+                                      </p:to>
+                                    </p:set>
+                                  </p:childTnLst>
+                                </p:cTn>
+                              </p:par>
+                            </p:childTnLst>
+                          </p:cTn>
+                        </p:par>
+                      </p:childTnLst>
+                    </p:cTn>
+                  </p:par>
+                  <p:par>
+                    <p:cTn id="47" fill="hold">
+                      <p:stCondLst>
+                        <p:cond delay="indefinite"/>
+                      </p:stCondLst>
+                      <p:childTnLst>
+                        <p:par>
+                          <p:cTn id="48" fill="hold">
+                            <p:stCondLst>
+                              <p:cond delay="0"/>
+                            </p:stCondLst>
+                            <p:childTnLst>
+                              <p:par>
+                                <p:cTn id="49" presetID="1" presetClass="entr" presetSubtype="0" fill="hold" grpId="0" nodeType="clickEffect">
+                                  <p:stCondLst>
+                                    <p:cond delay="0"/>
+                                  </p:stCondLst>
+                                  <p:childTnLst>
+                                    <p:set>
+                                      <p:cBhvr>
+                                        <p:cTn id="50" dur="1" fill="hold">
+                                          <p:stCondLst>
+                                            <p:cond delay="0"/>
+                                          </p:stCondLst>
+                                        </p:cTn>
+                                        <p:tgtEl>
+                                          <p:spTgt spid="3">
+                                            <p:txEl>
+                                              <p:pRg st="11" end="11"/>
+                                            </p:txEl>
+                                          </p:spTgt>
+                                        </p:tgtEl>
+                                        <p:attrNameLst>
+                                          <p:attrName>style.visibility</p:attrName>
+                                        </p:attrNameLst>
+                                      </p:cBhvr>
+                                      <p:to>
+                                        <p:strVal val="visible"/>
+                                      </p:to>
+                                    </p:set>
+                                  </p:childTnLst>
+                                </p:cTn>
+                              </p:par>
+                            </p:childTnLst>
+                          </p:cTn>
+                        </p:par>
+                      </p:childTnLst>
+                    </p:cTn>
+                  </p:par>
+                  <p:par>
+                    <p:cTn id="51" fill="hold">
+                      <p:stCondLst>
+                        <p:cond delay="indefinite"/>
+                      </p:stCondLst>
+                      <p:childTnLst>
+                        <p:par>
+                          <p:cTn id="52" fill="hold">
+                            <p:stCondLst>
+                              <p:cond delay="0"/>
+                            </p:stCondLst>
+                            <p:childTnLst>
+                              <p:par>
+                                <p:cTn id="53" presetID="1" presetClass="entr" presetSubtype="0" fill="hold" grpId="0" nodeType="clickEffect">
+                                  <p:stCondLst>
+                                    <p:cond delay="0"/>
+                                  </p:stCondLst>
+                                  <p:childTnLst>
+                                    <p:set>
+                                      <p:cBhvr>
+                                        <p:cTn id="54" dur="1" fill="hold">
+                                          <p:stCondLst>
+                                            <p:cond delay="0"/>
+                                          </p:stCondLst>
+                                        </p:cTn>
+                                        <p:tgtEl>
+                                          <p:spTgt spid="3">
+                                            <p:txEl>
+                                              <p:pRg st="12" end="12"/>
+                                            </p:txEl>
+                                          </p:spTgt>
+                                        </p:tgtEl>
+                                        <p:attrNameLst>
+                                          <p:attrName>style.visibility</p:attrName>
+                                        </p:attrNameLst>
+                                      </p:cBhvr>
+                                      <p:to>
+                                        <p:strVal val="visible"/>
+                                      </p:to>
+                                    </p:set>
+                                  </p:childTnLst>
+                                </p:cTn>
+                              </p:par>
+                            </p:childTnLst>
+                          </p:cTn>
+                        </p:par>
+                      </p:childTnLst>
+                    </p:cTn>
+                  </p:par>
+                  <p:par>
+                    <p:cTn id="55" fill="hold">
+                      <p:stCondLst>
+                        <p:cond delay="indefinite"/>
+                      </p:stCondLst>
+                      <p:childTnLst>
+                        <p:par>
+                          <p:cTn id="56" fill="hold">
+                            <p:stCondLst>
+                              <p:cond delay="0"/>
+                            </p:stCondLst>
+                            <p:childTnLst>
+                              <p:par>
+                                <p:cTn id="57" presetID="1" presetClass="entr" presetSubtype="0" fill="hold" grpId="0" nodeType="clickEffect">
+                                  <p:stCondLst>
+                                    <p:cond delay="0"/>
+                                  </p:stCondLst>
+                                  <p:childTnLst>
+                                    <p:set>
+                                      <p:cBhvr>
+                                        <p:cTn id="58" dur="1" fill="hold">
+                                          <p:stCondLst>
+                                            <p:cond delay="0"/>
+                                          </p:stCondLst>
+                                        </p:cTn>
+                                        <p:tgtEl>
+                                          <p:spTgt spid="3">
+                                            <p:txEl>
+                                              <p:pRg st="13" end="13"/>
+                                            </p:txEl>
+                                          </p:spTgt>
+                                        </p:tgtEl>
+                                        <p:attrNameLst>
+                                          <p:attrName>style.visibility</p:attrName>
+                                        </p:attrNameLst>
+                                      </p:cBhvr>
+                                      <p:to>
+                                        <p:strVal val="visible"/>
+                                      </p:to>
+                                    </p:set>
+                                  </p:childTnLst>
+                                </p:cTn>
+                              </p:par>
+                            </p:childTnLst>
+                          </p:cTn>
+                        </p:par>
+                      </p:childTnLst>
+                    </p:cTn>
+                  </p:par>
+                  <p:par>
+                    <p:cTn id="59" fill="hold">
+                      <p:stCondLst>
+                        <p:cond delay="indefinite"/>
+                      </p:stCondLst>
+                      <p:childTnLst>
+                        <p:par>
+                          <p:cTn id="60" fill="hold">
+                            <p:stCondLst>
+                              <p:cond delay="0"/>
+                            </p:stCondLst>
+                            <p:childTnLst>
+                              <p:par>
+                                <p:cTn id="61" presetID="1" presetClass="entr" presetSubtype="0" fill="hold" grpId="0" nodeType="clickEffect">
+                                  <p:stCondLst>
+                                    <p:cond delay="0"/>
+                                  </p:stCondLst>
+                                  <p:childTnLst>
+                                    <p:set>
+                                      <p:cBhvr>
+                                        <p:cTn id="62" dur="1" fill="hold">
                                           <p:stCondLst>
                                             <p:cond delay="0"/>
                                           </p:stCondLst>
